--- a/TrabajoSI.pptx
+++ b/TrabajoSI.pptx
@@ -9,6 +9,14 @@
     <p:sldId id="257" r:id="rId3"/>
     <p:sldId id="258" r:id="rId4"/>
     <p:sldId id="259" r:id="rId5"/>
+    <p:sldId id="260" r:id="rId6"/>
+    <p:sldId id="261" r:id="rId7"/>
+    <p:sldId id="262" r:id="rId8"/>
+    <p:sldId id="263" r:id="rId9"/>
+    <p:sldId id="264" r:id="rId10"/>
+    <p:sldId id="265" r:id="rId11"/>
+    <p:sldId id="266" r:id="rId12"/>
+    <p:sldId id="267" r:id="rId13"/>
   </p:sldIdLst>
   <p:sldSz cx="12192000" cy="6858000"/>
   <p:notesSz cx="6858000" cy="9144000"/>
@@ -107,6 +115,51 @@
       </a:defRPr>
     </a:lvl9pPr>
   </p:defaultTextStyle>
+  <p:extLst>
+    <p:ext uri="{521415D9-36F7-43E2-AB2F-B90AF26B5E84}">
+      <p14:sectionLst xmlns:p14="http://schemas.microsoft.com/office/powerpoint/2010/main">
+        <p14:section name="Portada" id="{D9DA6261-63F0-4143-98E4-9F260E2D7AA5}">
+          <p14:sldIdLst>
+            <p14:sldId id="256"/>
+          </p14:sldIdLst>
+        </p14:section>
+        <p14:section name="Indice" id="{5FE8FFAD-39AD-4D51-83D7-F8BB053D6237}">
+          <p14:sldIdLst>
+            <p14:sldId id="257"/>
+          </p14:sldIdLst>
+        </p14:section>
+        <p14:section name="Estructura de Datos" id="{20BF5C2F-910A-4984-8BE5-DF7E0908D868}">
+          <p14:sldIdLst>
+            <p14:sldId id="258"/>
+            <p14:sldId id="259"/>
+          </p14:sldIdLst>
+        </p14:section>
+        <p14:section name="Algoritmo Genético" id="{7124E8AD-C845-43F2-91CB-ACE7395C487A}">
+          <p14:sldIdLst>
+            <p14:sldId id="260"/>
+            <p14:sldId id="261"/>
+            <p14:sldId id="262"/>
+            <p14:sldId id="263"/>
+            <p14:sldId id="264"/>
+            <p14:sldId id="265"/>
+          </p14:sldIdLst>
+        </p14:section>
+        <p14:section name="Taboo" id="{A9788806-0641-42F6-A7BC-FFD8E6A3DEDC}">
+          <p14:sldIdLst>
+            <p14:sldId id="266"/>
+          </p14:sldIdLst>
+        </p14:section>
+        <p14:section name="GitHub" id="{E67EADC7-8579-42EC-9233-1027EBCEFCD8}">
+          <p14:sldIdLst>
+            <p14:sldId id="267"/>
+          </p14:sldIdLst>
+        </p14:section>
+      </p14:sectionLst>
+    </p:ext>
+    <p:ext uri="{EFAFB233-063F-42B5-8137-9DF3F51BA10A}">
+      <p15:sldGuideLst xmlns:p15="http://schemas.microsoft.com/office/powerpoint/2012/main"/>
+    </p:ext>
+  </p:extLst>
 </p:presentation>
 </file>
 
@@ -397,7 +450,7 @@
           <a:p>
             <a:fld id="{A05B9B52-AE45-4348-8098-4BFBD6F95575}" type="datetimeFigureOut">
               <a:rPr lang="es-ES" smtClean="0"/>
-              <a:t>08/12/2018</a:t>
+              <a:t>11/12/2018</a:t>
             </a:fld>
             <a:endParaRPr lang="es-ES"/>
           </a:p>
@@ -715,7 +768,7 @@
           <a:p>
             <a:fld id="{A05B9B52-AE45-4348-8098-4BFBD6F95575}" type="datetimeFigureOut">
               <a:rPr lang="es-ES" smtClean="0"/>
-              <a:t>08/12/2018</a:t>
+              <a:t>11/12/2018</a:t>
             </a:fld>
             <a:endParaRPr lang="es-ES"/>
           </a:p>
@@ -1203,7 +1256,7 @@
           <a:p>
             <a:fld id="{A05B9B52-AE45-4348-8098-4BFBD6F95575}" type="datetimeFigureOut">
               <a:rPr lang="es-ES" smtClean="0"/>
-              <a:t>08/12/2018</a:t>
+              <a:t>11/12/2018</a:t>
             </a:fld>
             <a:endParaRPr lang="es-ES"/>
           </a:p>
@@ -1572,7 +1625,7 @@
           <a:p>
             <a:fld id="{A05B9B52-AE45-4348-8098-4BFBD6F95575}" type="datetimeFigureOut">
               <a:rPr lang="es-ES" smtClean="0"/>
-              <a:t>08/12/2018</a:t>
+              <a:t>11/12/2018</a:t>
             </a:fld>
             <a:endParaRPr lang="es-ES"/>
           </a:p>
@@ -1845,7 +1898,7 @@
           <a:p>
             <a:fld id="{A05B9B52-AE45-4348-8098-4BFBD6F95575}" type="datetimeFigureOut">
               <a:rPr lang="es-ES" smtClean="0"/>
-              <a:t>08/12/2018</a:t>
+              <a:t>11/12/2018</a:t>
             </a:fld>
             <a:endParaRPr lang="es-ES"/>
           </a:p>
@@ -2130,7 +2183,7 @@
           <a:p>
             <a:fld id="{A05B9B52-AE45-4348-8098-4BFBD6F95575}" type="datetimeFigureOut">
               <a:rPr lang="es-ES" smtClean="0"/>
-              <a:t>08/12/2018</a:t>
+              <a:t>11/12/2018</a:t>
             </a:fld>
             <a:endParaRPr lang="es-ES"/>
           </a:p>
@@ -2413,7 +2466,7 @@
           <a:p>
             <a:fld id="{A05B9B52-AE45-4348-8098-4BFBD6F95575}" type="datetimeFigureOut">
               <a:rPr lang="es-ES" smtClean="0"/>
-              <a:t>08/12/2018</a:t>
+              <a:t>11/12/2018</a:t>
             </a:fld>
             <a:endParaRPr lang="es-ES"/>
           </a:p>
@@ -2756,7 +2809,7 @@
           <a:p>
             <a:fld id="{A05B9B52-AE45-4348-8098-4BFBD6F95575}" type="datetimeFigureOut">
               <a:rPr lang="es-ES" smtClean="0"/>
-              <a:t>08/12/2018</a:t>
+              <a:t>11/12/2018</a:t>
             </a:fld>
             <a:endParaRPr lang="es-ES"/>
           </a:p>
@@ -3095,7 +3148,7 @@
           <a:p>
             <a:fld id="{A05B9B52-AE45-4348-8098-4BFBD6F95575}" type="datetimeFigureOut">
               <a:rPr lang="es-ES" smtClean="0"/>
-              <a:t>08/12/2018</a:t>
+              <a:t>11/12/2018</a:t>
             </a:fld>
             <a:endParaRPr lang="es-ES"/>
           </a:p>
@@ -3572,7 +3625,7 @@
           <a:p>
             <a:fld id="{A05B9B52-AE45-4348-8098-4BFBD6F95575}" type="datetimeFigureOut">
               <a:rPr lang="es-ES" smtClean="0"/>
-              <a:t>08/12/2018</a:t>
+              <a:t>11/12/2018</a:t>
             </a:fld>
             <a:endParaRPr lang="es-ES"/>
           </a:p>
@@ -3793,7 +3846,7 @@
           <a:p>
             <a:fld id="{A05B9B52-AE45-4348-8098-4BFBD6F95575}" type="datetimeFigureOut">
               <a:rPr lang="es-ES" smtClean="0"/>
-              <a:t>08/12/2018</a:t>
+              <a:t>11/12/2018</a:t>
             </a:fld>
             <a:endParaRPr lang="es-ES"/>
           </a:p>
@@ -3888,7 +3941,7 @@
           <a:p>
             <a:fld id="{A05B9B52-AE45-4348-8098-4BFBD6F95575}" type="datetimeFigureOut">
               <a:rPr lang="es-ES" smtClean="0"/>
-              <a:t>08/12/2018</a:t>
+              <a:t>11/12/2018</a:t>
             </a:fld>
             <a:endParaRPr lang="es-ES"/>
           </a:p>
@@ -4355,7 +4408,7 @@
           <a:p>
             <a:fld id="{A05B9B52-AE45-4348-8098-4BFBD6F95575}" type="datetimeFigureOut">
               <a:rPr lang="es-ES" smtClean="0"/>
-              <a:t>08/12/2018</a:t>
+              <a:t>11/12/2018</a:t>
             </a:fld>
             <a:endParaRPr lang="es-ES"/>
           </a:p>
@@ -4668,7 +4721,7 @@
           <a:p>
             <a:fld id="{A05B9B52-AE45-4348-8098-4BFBD6F95575}" type="datetimeFigureOut">
               <a:rPr lang="es-ES" smtClean="0"/>
-              <a:t>08/12/2018</a:t>
+              <a:t>11/12/2018</a:t>
             </a:fld>
             <a:endParaRPr lang="es-ES"/>
           </a:p>
@@ -4938,7 +4991,7 @@
           <a:p>
             <a:fld id="{A05B9B52-AE45-4348-8098-4BFBD6F95575}" type="datetimeFigureOut">
               <a:rPr lang="es-ES" smtClean="0"/>
-              <a:t>08/12/2018</a:t>
+              <a:t>11/12/2018</a:t>
             </a:fld>
             <a:endParaRPr lang="es-ES"/>
           </a:p>
@@ -5517,10 +5570,1207 @@
           </a:p>
         </p:txBody>
       </p:sp>
+      <p:pic>
+        <p:nvPicPr>
+          <p:cNvPr id="1026" name="Picture 2" descr="El nuevo mapa de satÃ©lites y chatarra espacial se puede operar muy fÃ¡cilmente">
+            <a:extLst>
+              <a:ext uri="{FF2B5EF4-FFF2-40B4-BE49-F238E27FC236}">
+                <a16:creationId xmlns:a16="http://schemas.microsoft.com/office/drawing/2014/main" id="{61F70AFF-CEDA-40CE-855B-2F9A6BF33E80}"/>
+              </a:ext>
+            </a:extLst>
+          </p:cNvPr>
+          <p:cNvPicPr>
+            <a:picLocks noChangeAspect="1" noChangeArrowheads="1"/>
+          </p:cNvPicPr>
+          <p:nvPr/>
+        </p:nvPicPr>
+        <p:blipFill rotWithShape="1">
+          <a:blip r:embed="rId2">
+            <a:extLst>
+              <a:ext uri="{28A0092B-C50C-407E-A947-70E740481C1C}">
+                <a14:useLocalDpi xmlns:a14="http://schemas.microsoft.com/office/drawing/2010/main" val="0"/>
+              </a:ext>
+            </a:extLst>
+          </a:blip>
+          <a:srcRect l="5700" r="1391"/>
+          <a:stretch/>
+        </p:blipFill>
+        <p:spPr bwMode="auto">
+          <a:xfrm rot="16200000">
+            <a:off x="8237593" y="983356"/>
+            <a:ext cx="4937763" cy="2971051"/>
+          </a:xfrm>
+          <a:prstGeom prst="rect">
+            <a:avLst/>
+          </a:prstGeom>
+          <a:noFill/>
+          <a:extLst>
+            <a:ext uri="{909E8E84-426E-40DD-AFC4-6F175D3DCCD1}">
+              <a14:hiddenFill xmlns:a14="http://schemas.microsoft.com/office/drawing/2010/main">
+                <a:solidFill>
+                  <a:srgbClr val="FFFFFF"/>
+                </a:solidFill>
+              </a14:hiddenFill>
+            </a:ext>
+          </a:extLst>
+        </p:spPr>
+      </p:pic>
     </p:spTree>
     <p:extLst>
       <p:ext uri="{BB962C8B-B14F-4D97-AF65-F5344CB8AC3E}">
         <p14:creationId xmlns:p14="http://schemas.microsoft.com/office/powerpoint/2010/main" val="755937337"/>
+      </p:ext>
+    </p:extLst>
+  </p:cSld>
+  <p:clrMapOvr>
+    <a:masterClrMapping/>
+  </p:clrMapOvr>
+</p:sld>
+</file>
+
+<file path=ppt/slides/slide10.xml><?xml version="1.0" encoding="utf-8"?>
+<p:sld xmlns:a="http://schemas.openxmlformats.org/drawingml/2006/main" xmlns:r="http://schemas.openxmlformats.org/officeDocument/2006/relationships" xmlns:p="http://schemas.openxmlformats.org/presentationml/2006/main">
+  <p:cSld>
+    <p:spTree>
+      <p:nvGrpSpPr>
+        <p:cNvPr id="1" name=""/>
+        <p:cNvGrpSpPr/>
+        <p:nvPr/>
+      </p:nvGrpSpPr>
+      <p:grpSpPr>
+        <a:xfrm>
+          <a:off x="0" y="0"/>
+          <a:ext cx="0" cy="0"/>
+          <a:chOff x="0" y="0"/>
+          <a:chExt cx="0" cy="0"/>
+        </a:xfrm>
+      </p:grpSpPr>
+      <p:sp>
+        <p:nvSpPr>
+          <p:cNvPr id="2" name="Título 1">
+            <a:extLst>
+              <a:ext uri="{FF2B5EF4-FFF2-40B4-BE49-F238E27FC236}">
+                <a16:creationId xmlns:a16="http://schemas.microsoft.com/office/drawing/2014/main" id="{1DCFCB4A-EC72-4A74-8653-A420FDEA7F3C}"/>
+              </a:ext>
+            </a:extLst>
+          </p:cNvPr>
+          <p:cNvSpPr>
+            <a:spLocks noGrp="1"/>
+          </p:cNvSpPr>
+          <p:nvPr>
+            <p:ph type="title"/>
+          </p:nvPr>
+        </p:nvSpPr>
+        <p:spPr/>
+        <p:txBody>
+          <a:bodyPr/>
+          <a:lstStyle/>
+          <a:p>
+            <a:r>
+              <a:rPr lang="es-ES" dirty="0"/>
+              <a:t>Reemplazo Elitista</a:t>
+            </a:r>
+          </a:p>
+        </p:txBody>
+      </p:sp>
+      <p:sp>
+        <p:nvSpPr>
+          <p:cNvPr id="6" name="Rectángulo 5">
+            <a:extLst>
+              <a:ext uri="{FF2B5EF4-FFF2-40B4-BE49-F238E27FC236}">
+                <a16:creationId xmlns:a16="http://schemas.microsoft.com/office/drawing/2014/main" id="{CB5ACCE7-408C-4122-AAD0-D7F5A491015E}"/>
+              </a:ext>
+            </a:extLst>
+          </p:cNvPr>
+          <p:cNvSpPr/>
+          <p:nvPr/>
+        </p:nvSpPr>
+        <p:spPr>
+          <a:xfrm>
+            <a:off x="424237" y="2408248"/>
+            <a:ext cx="7483894" cy="3416320"/>
+          </a:xfrm>
+          <a:prstGeom prst="rect">
+            <a:avLst/>
+          </a:prstGeom>
+        </p:spPr>
+        <p:txBody>
+          <a:bodyPr wrap="square">
+            <a:spAutoFit/>
+          </a:bodyPr>
+          <a:lstStyle/>
+          <a:p>
+            <a:r>
+              <a:rPr lang="es-ES" dirty="0" err="1">
+                <a:solidFill>
+                  <a:srgbClr val="C678DD"/>
+                </a:solidFill>
+                <a:latin typeface="Consolas" panose="020B0609020204030204" pitchFamily="49" charset="0"/>
+              </a:rPr>
+              <a:t>function</a:t>
+            </a:r>
+            <a:r>
+              <a:rPr lang="es-ES" dirty="0">
+                <a:solidFill>
+                  <a:srgbClr val="BBBBBB"/>
+                </a:solidFill>
+                <a:latin typeface="Consolas" panose="020B0609020204030204" pitchFamily="49" charset="0"/>
+              </a:rPr>
+              <a:t> [</a:t>
+            </a:r>
+            <a:r>
+              <a:rPr lang="es-ES" i="1" dirty="0" err="1">
+                <a:solidFill>
+                  <a:srgbClr val="E06C75"/>
+                </a:solidFill>
+                <a:latin typeface="Consolas" panose="020B0609020204030204" pitchFamily="49" charset="0"/>
+              </a:rPr>
+              <a:t>Pob</a:t>
+            </a:r>
+            <a:r>
+              <a:rPr lang="es-ES" i="1" dirty="0">
+                <a:solidFill>
+                  <a:srgbClr val="E06C75"/>
+                </a:solidFill>
+                <a:latin typeface="Consolas" panose="020B0609020204030204" pitchFamily="49" charset="0"/>
+              </a:rPr>
+              <a:t>_</a:t>
+            </a:r>
+            <a:r>
+              <a:rPr lang="es-ES" dirty="0">
+                <a:solidFill>
+                  <a:srgbClr val="BBBBBB"/>
+                </a:solidFill>
+                <a:latin typeface="Consolas" panose="020B0609020204030204" pitchFamily="49" charset="0"/>
+              </a:rPr>
+              <a:t>,</a:t>
+            </a:r>
+            <a:r>
+              <a:rPr lang="es-ES" i="1" dirty="0" err="1">
+                <a:solidFill>
+                  <a:srgbClr val="E06C75"/>
+                </a:solidFill>
+                <a:latin typeface="Consolas" panose="020B0609020204030204" pitchFamily="49" charset="0"/>
+              </a:rPr>
+              <a:t>Ev</a:t>
+            </a:r>
+            <a:r>
+              <a:rPr lang="es-ES" i="1" dirty="0">
+                <a:solidFill>
+                  <a:srgbClr val="E06C75"/>
+                </a:solidFill>
+                <a:latin typeface="Consolas" panose="020B0609020204030204" pitchFamily="49" charset="0"/>
+              </a:rPr>
+              <a:t>_</a:t>
+            </a:r>
+            <a:r>
+              <a:rPr lang="es-ES" dirty="0">
+                <a:solidFill>
+                  <a:srgbClr val="BBBBBB"/>
+                </a:solidFill>
+                <a:latin typeface="Consolas" panose="020B0609020204030204" pitchFamily="49" charset="0"/>
+              </a:rPr>
+              <a:t>] = </a:t>
+            </a:r>
+            <a:r>
+              <a:rPr lang="es-ES" dirty="0" err="1">
+                <a:solidFill>
+                  <a:srgbClr val="61AFEF"/>
+                </a:solidFill>
+                <a:latin typeface="Consolas" panose="020B0609020204030204" pitchFamily="49" charset="0"/>
+              </a:rPr>
+              <a:t>ElitistReplace</a:t>
+            </a:r>
+            <a:r>
+              <a:rPr lang="es-ES" dirty="0">
+                <a:solidFill>
+                  <a:srgbClr val="BBBBBB"/>
+                </a:solidFill>
+                <a:latin typeface="Consolas" panose="020B0609020204030204" pitchFamily="49" charset="0"/>
+              </a:rPr>
+              <a:t>(</a:t>
+            </a:r>
+            <a:r>
+              <a:rPr lang="es-ES" i="1" dirty="0" err="1">
+                <a:solidFill>
+                  <a:srgbClr val="E06C75"/>
+                </a:solidFill>
+                <a:latin typeface="Consolas" panose="020B0609020204030204" pitchFamily="49" charset="0"/>
+              </a:rPr>
+              <a:t>Pob</a:t>
+            </a:r>
+            <a:r>
+              <a:rPr lang="es-ES" dirty="0" err="1">
+                <a:solidFill>
+                  <a:srgbClr val="BBBBBB"/>
+                </a:solidFill>
+                <a:latin typeface="Consolas" panose="020B0609020204030204" pitchFamily="49" charset="0"/>
+              </a:rPr>
+              <a:t>,</a:t>
+            </a:r>
+            <a:r>
+              <a:rPr lang="es-ES" i="1" dirty="0" err="1">
+                <a:solidFill>
+                  <a:srgbClr val="E06C75"/>
+                </a:solidFill>
+                <a:latin typeface="Consolas" panose="020B0609020204030204" pitchFamily="49" charset="0"/>
+              </a:rPr>
+              <a:t>NewPob</a:t>
+            </a:r>
+            <a:r>
+              <a:rPr lang="es-ES" dirty="0" err="1">
+                <a:solidFill>
+                  <a:srgbClr val="BBBBBB"/>
+                </a:solidFill>
+                <a:latin typeface="Consolas" panose="020B0609020204030204" pitchFamily="49" charset="0"/>
+              </a:rPr>
+              <a:t>,</a:t>
+            </a:r>
+            <a:r>
+              <a:rPr lang="es-ES" i="1" dirty="0" err="1">
+                <a:solidFill>
+                  <a:srgbClr val="E06C75"/>
+                </a:solidFill>
+                <a:latin typeface="Consolas" panose="020B0609020204030204" pitchFamily="49" charset="0"/>
+              </a:rPr>
+              <a:t>Ev</a:t>
+            </a:r>
+            <a:r>
+              <a:rPr lang="es-ES" dirty="0" err="1">
+                <a:solidFill>
+                  <a:srgbClr val="BBBBBB"/>
+                </a:solidFill>
+                <a:latin typeface="Consolas" panose="020B0609020204030204" pitchFamily="49" charset="0"/>
+              </a:rPr>
+              <a:t>,</a:t>
+            </a:r>
+            <a:r>
+              <a:rPr lang="es-ES" i="1" dirty="0" err="1">
+                <a:solidFill>
+                  <a:srgbClr val="E06C75"/>
+                </a:solidFill>
+                <a:latin typeface="Consolas" panose="020B0609020204030204" pitchFamily="49" charset="0"/>
+              </a:rPr>
+              <a:t>NewEv</a:t>
+            </a:r>
+            <a:r>
+              <a:rPr lang="es-ES" dirty="0">
+                <a:solidFill>
+                  <a:srgbClr val="BBBBBB"/>
+                </a:solidFill>
+                <a:latin typeface="Consolas" panose="020B0609020204030204" pitchFamily="49" charset="0"/>
+              </a:rPr>
+              <a:t>)</a:t>
+            </a:r>
+          </a:p>
+          <a:p>
+            <a:br>
+              <a:rPr lang="es-ES" dirty="0">
+                <a:solidFill>
+                  <a:srgbClr val="BBBBBB"/>
+                </a:solidFill>
+                <a:latin typeface="Consolas" panose="020B0609020204030204" pitchFamily="49" charset="0"/>
+              </a:rPr>
+            </a:br>
+            <a:r>
+              <a:rPr lang="es-ES" dirty="0">
+                <a:solidFill>
+                  <a:srgbClr val="BBBBBB"/>
+                </a:solidFill>
+                <a:latin typeface="Consolas" panose="020B0609020204030204" pitchFamily="49" charset="0"/>
+              </a:rPr>
+              <a:t>	</a:t>
+            </a:r>
+            <a:r>
+              <a:rPr lang="es-ES" dirty="0" err="1">
+                <a:solidFill>
+                  <a:srgbClr val="BBBBBB"/>
+                </a:solidFill>
+                <a:latin typeface="Consolas" panose="020B0609020204030204" pitchFamily="49" charset="0"/>
+              </a:rPr>
+              <a:t>tempPob</a:t>
+            </a:r>
+            <a:r>
+              <a:rPr lang="es-ES" dirty="0">
+                <a:solidFill>
+                  <a:srgbClr val="BBBBBB"/>
+                </a:solidFill>
+                <a:latin typeface="Consolas" panose="020B0609020204030204" pitchFamily="49" charset="0"/>
+              </a:rPr>
+              <a:t> = [</a:t>
+            </a:r>
+            <a:r>
+              <a:rPr lang="es-ES" dirty="0" err="1">
+                <a:solidFill>
+                  <a:srgbClr val="BBBBBB"/>
+                </a:solidFill>
+                <a:latin typeface="Consolas" panose="020B0609020204030204" pitchFamily="49" charset="0"/>
+              </a:rPr>
+              <a:t>Pob;NewPob</a:t>
+            </a:r>
+            <a:r>
+              <a:rPr lang="es-ES" dirty="0">
+                <a:solidFill>
+                  <a:srgbClr val="BBBBBB"/>
+                </a:solidFill>
+                <a:latin typeface="Consolas" panose="020B0609020204030204" pitchFamily="49" charset="0"/>
+              </a:rPr>
+              <a:t>];</a:t>
+            </a:r>
+          </a:p>
+          <a:p>
+            <a:r>
+              <a:rPr lang="es-ES" dirty="0">
+                <a:solidFill>
+                  <a:srgbClr val="BBBBBB"/>
+                </a:solidFill>
+                <a:latin typeface="Consolas" panose="020B0609020204030204" pitchFamily="49" charset="0"/>
+              </a:rPr>
+              <a:t>	</a:t>
+            </a:r>
+            <a:r>
+              <a:rPr lang="es-ES" dirty="0" err="1">
+                <a:solidFill>
+                  <a:srgbClr val="BBBBBB"/>
+                </a:solidFill>
+                <a:latin typeface="Consolas" panose="020B0609020204030204" pitchFamily="49" charset="0"/>
+              </a:rPr>
+              <a:t>tempEv</a:t>
+            </a:r>
+            <a:r>
+              <a:rPr lang="es-ES" dirty="0">
+                <a:solidFill>
+                  <a:srgbClr val="BBBBBB"/>
+                </a:solidFill>
+                <a:latin typeface="Consolas" panose="020B0609020204030204" pitchFamily="49" charset="0"/>
+              </a:rPr>
+              <a:t> = [</a:t>
+            </a:r>
+            <a:r>
+              <a:rPr lang="es-ES" dirty="0" err="1">
+                <a:solidFill>
+                  <a:srgbClr val="BBBBBB"/>
+                </a:solidFill>
+                <a:latin typeface="Consolas" panose="020B0609020204030204" pitchFamily="49" charset="0"/>
+              </a:rPr>
+              <a:t>Ev,NewEv</a:t>
+            </a:r>
+            <a:r>
+              <a:rPr lang="es-ES" dirty="0">
+                <a:solidFill>
+                  <a:srgbClr val="BBBBBB"/>
+                </a:solidFill>
+                <a:latin typeface="Consolas" panose="020B0609020204030204" pitchFamily="49" charset="0"/>
+              </a:rPr>
+              <a:t>];</a:t>
+            </a:r>
+          </a:p>
+          <a:p>
+            <a:r>
+              <a:rPr lang="es-ES" dirty="0">
+                <a:solidFill>
+                  <a:srgbClr val="BBBBBB"/>
+                </a:solidFill>
+                <a:latin typeface="Consolas" panose="020B0609020204030204" pitchFamily="49" charset="0"/>
+              </a:rPr>
+              <a:t>	[</a:t>
+            </a:r>
+            <a:r>
+              <a:rPr lang="es-ES" dirty="0" err="1">
+                <a:solidFill>
+                  <a:srgbClr val="BBBBBB"/>
+                </a:solidFill>
+                <a:latin typeface="Consolas" panose="020B0609020204030204" pitchFamily="49" charset="0"/>
+              </a:rPr>
+              <a:t>tempPob,ind</a:t>
+            </a:r>
+            <a:r>
+              <a:rPr lang="es-ES" dirty="0">
+                <a:solidFill>
+                  <a:srgbClr val="BBBBBB"/>
+                </a:solidFill>
+                <a:latin typeface="Consolas" panose="020B0609020204030204" pitchFamily="49" charset="0"/>
+              </a:rPr>
+              <a:t>] = </a:t>
+            </a:r>
+            <a:r>
+              <a:rPr lang="es-ES" dirty="0" err="1">
+                <a:solidFill>
+                  <a:srgbClr val="BBBBBB"/>
+                </a:solidFill>
+                <a:latin typeface="Consolas" panose="020B0609020204030204" pitchFamily="49" charset="0"/>
+              </a:rPr>
+              <a:t>unique</a:t>
+            </a:r>
+            <a:r>
+              <a:rPr lang="es-ES" dirty="0">
+                <a:solidFill>
+                  <a:srgbClr val="BBBBBB"/>
+                </a:solidFill>
+                <a:latin typeface="Consolas" panose="020B0609020204030204" pitchFamily="49" charset="0"/>
+              </a:rPr>
+              <a:t>(</a:t>
+            </a:r>
+            <a:r>
+              <a:rPr lang="es-ES" dirty="0" err="1">
+                <a:solidFill>
+                  <a:srgbClr val="BBBBBB"/>
+                </a:solidFill>
+                <a:latin typeface="Consolas" panose="020B0609020204030204" pitchFamily="49" charset="0"/>
+              </a:rPr>
+              <a:t>tempPob</a:t>
+            </a:r>
+            <a:r>
+              <a:rPr lang="es-ES" dirty="0">
+                <a:solidFill>
+                  <a:srgbClr val="BBBBBB"/>
+                </a:solidFill>
+                <a:latin typeface="Consolas" panose="020B0609020204030204" pitchFamily="49" charset="0"/>
+              </a:rPr>
+              <a:t>,</a:t>
+            </a:r>
+            <a:r>
+              <a:rPr lang="es-ES" dirty="0">
+                <a:solidFill>
+                  <a:srgbClr val="98C379"/>
+                </a:solidFill>
+                <a:latin typeface="Consolas" panose="020B0609020204030204" pitchFamily="49" charset="0"/>
+              </a:rPr>
+              <a:t>'</a:t>
+            </a:r>
+            <a:r>
+              <a:rPr lang="es-ES" dirty="0" err="1">
+                <a:solidFill>
+                  <a:srgbClr val="98C379"/>
+                </a:solidFill>
+                <a:latin typeface="Consolas" panose="020B0609020204030204" pitchFamily="49" charset="0"/>
+              </a:rPr>
+              <a:t>rows</a:t>
+            </a:r>
+            <a:r>
+              <a:rPr lang="es-ES" dirty="0">
+                <a:solidFill>
+                  <a:srgbClr val="98C379"/>
+                </a:solidFill>
+                <a:latin typeface="Consolas" panose="020B0609020204030204" pitchFamily="49" charset="0"/>
+              </a:rPr>
+              <a:t>’</a:t>
+            </a:r>
+            <a:r>
+              <a:rPr lang="es-ES" dirty="0">
+                <a:solidFill>
+                  <a:srgbClr val="BBBBBB"/>
+                </a:solidFill>
+                <a:latin typeface="Consolas" panose="020B0609020204030204" pitchFamily="49" charset="0"/>
+              </a:rPr>
+              <a:t>);</a:t>
+            </a:r>
+          </a:p>
+          <a:p>
+            <a:r>
+              <a:rPr lang="es-ES" dirty="0">
+                <a:solidFill>
+                  <a:srgbClr val="BBBBBB"/>
+                </a:solidFill>
+                <a:latin typeface="Consolas" panose="020B0609020204030204" pitchFamily="49" charset="0"/>
+              </a:rPr>
+              <a:t>	</a:t>
+            </a:r>
+            <a:r>
+              <a:rPr lang="es-ES" dirty="0" err="1">
+                <a:solidFill>
+                  <a:srgbClr val="BBBBBB"/>
+                </a:solidFill>
+                <a:latin typeface="Consolas" panose="020B0609020204030204" pitchFamily="49" charset="0"/>
+              </a:rPr>
+              <a:t>tempEv</a:t>
+            </a:r>
+            <a:r>
+              <a:rPr lang="es-ES" dirty="0">
+                <a:solidFill>
+                  <a:srgbClr val="BBBBBB"/>
+                </a:solidFill>
+                <a:latin typeface="Consolas" panose="020B0609020204030204" pitchFamily="49" charset="0"/>
+              </a:rPr>
+              <a:t> = </a:t>
+            </a:r>
+            <a:r>
+              <a:rPr lang="es-ES" dirty="0" err="1">
+                <a:solidFill>
+                  <a:srgbClr val="BBBBBB"/>
+                </a:solidFill>
+                <a:latin typeface="Consolas" panose="020B0609020204030204" pitchFamily="49" charset="0"/>
+              </a:rPr>
+              <a:t>tempEv</a:t>
+            </a:r>
+            <a:r>
+              <a:rPr lang="es-ES" dirty="0">
+                <a:solidFill>
+                  <a:srgbClr val="BBBBBB"/>
+                </a:solidFill>
+                <a:latin typeface="Consolas" panose="020B0609020204030204" pitchFamily="49" charset="0"/>
+              </a:rPr>
+              <a:t>(</a:t>
+            </a:r>
+            <a:r>
+              <a:rPr lang="es-ES" dirty="0">
+                <a:solidFill>
+                  <a:srgbClr val="D19A66"/>
+                </a:solidFill>
+                <a:latin typeface="Consolas" panose="020B0609020204030204" pitchFamily="49" charset="0"/>
+              </a:rPr>
+              <a:t>1</a:t>
+            </a:r>
+            <a:r>
+              <a:rPr lang="es-ES" dirty="0">
+                <a:solidFill>
+                  <a:srgbClr val="BBBBBB"/>
+                </a:solidFill>
+                <a:latin typeface="Consolas" panose="020B0609020204030204" pitchFamily="49" charset="0"/>
+              </a:rPr>
+              <a:t>,ind);</a:t>
+            </a:r>
+          </a:p>
+          <a:p>
+            <a:r>
+              <a:rPr lang="es-ES" dirty="0">
+                <a:solidFill>
+                  <a:srgbClr val="BBBBBB"/>
+                </a:solidFill>
+                <a:latin typeface="Consolas" panose="020B0609020204030204" pitchFamily="49" charset="0"/>
+              </a:rPr>
+              <a:t>	</a:t>
+            </a:r>
+            <a:r>
+              <a:rPr lang="es-ES" dirty="0" err="1">
+                <a:solidFill>
+                  <a:srgbClr val="BBBBBB"/>
+                </a:solidFill>
+                <a:latin typeface="Consolas" panose="020B0609020204030204" pitchFamily="49" charset="0"/>
+              </a:rPr>
+              <a:t>tempPob</a:t>
+            </a:r>
+            <a:r>
+              <a:rPr lang="es-ES" dirty="0">
+                <a:solidFill>
+                  <a:srgbClr val="BBBBBB"/>
+                </a:solidFill>
+                <a:latin typeface="Consolas" panose="020B0609020204030204" pitchFamily="49" charset="0"/>
+              </a:rPr>
+              <a:t> = [</a:t>
+            </a:r>
+            <a:r>
+              <a:rPr lang="es-ES" dirty="0" err="1">
+                <a:solidFill>
+                  <a:srgbClr val="BBBBBB"/>
+                </a:solidFill>
+                <a:latin typeface="Consolas" panose="020B0609020204030204" pitchFamily="49" charset="0"/>
+              </a:rPr>
+              <a:t>tempPob,tempEv</a:t>
+            </a:r>
+            <a:r>
+              <a:rPr lang="es-ES" dirty="0">
+                <a:solidFill>
+                  <a:srgbClr val="BBBBBB"/>
+                </a:solidFill>
+                <a:latin typeface="Consolas" panose="020B0609020204030204" pitchFamily="49" charset="0"/>
+              </a:rPr>
+              <a:t>’];</a:t>
+            </a:r>
+          </a:p>
+          <a:p>
+            <a:r>
+              <a:rPr lang="es-ES" dirty="0">
+                <a:solidFill>
+                  <a:srgbClr val="BBBBBB"/>
+                </a:solidFill>
+                <a:latin typeface="Consolas" panose="020B0609020204030204" pitchFamily="49" charset="0"/>
+              </a:rPr>
+              <a:t>	</a:t>
+            </a:r>
+            <a:r>
+              <a:rPr lang="es-ES" dirty="0" err="1">
+                <a:solidFill>
+                  <a:srgbClr val="BBBBBB"/>
+                </a:solidFill>
+                <a:latin typeface="Consolas" panose="020B0609020204030204" pitchFamily="49" charset="0"/>
+              </a:rPr>
+              <a:t>tempPob</a:t>
+            </a:r>
+            <a:r>
+              <a:rPr lang="es-ES" dirty="0">
+                <a:solidFill>
+                  <a:srgbClr val="BBBBBB"/>
+                </a:solidFill>
+                <a:latin typeface="Consolas" panose="020B0609020204030204" pitchFamily="49" charset="0"/>
+              </a:rPr>
+              <a:t> = </a:t>
+            </a:r>
+            <a:r>
+              <a:rPr lang="es-ES" dirty="0" err="1">
+                <a:solidFill>
+                  <a:srgbClr val="C678DD"/>
+                </a:solidFill>
+                <a:latin typeface="Consolas" panose="020B0609020204030204" pitchFamily="49" charset="0"/>
+              </a:rPr>
+              <a:t>sortrows</a:t>
+            </a:r>
+            <a:r>
+              <a:rPr lang="es-ES" dirty="0">
+                <a:solidFill>
+                  <a:srgbClr val="BBBBBB"/>
+                </a:solidFill>
+                <a:latin typeface="Consolas" panose="020B0609020204030204" pitchFamily="49" charset="0"/>
+              </a:rPr>
+              <a:t>(</a:t>
+            </a:r>
+            <a:r>
+              <a:rPr lang="es-ES" dirty="0" err="1">
+                <a:solidFill>
+                  <a:srgbClr val="BBBBBB"/>
+                </a:solidFill>
+                <a:latin typeface="Consolas" panose="020B0609020204030204" pitchFamily="49" charset="0"/>
+              </a:rPr>
+              <a:t>tempPob,</a:t>
+            </a:r>
+            <a:r>
+              <a:rPr lang="es-ES" dirty="0" err="1">
+                <a:solidFill>
+                  <a:srgbClr val="C678DD"/>
+                </a:solidFill>
+                <a:latin typeface="Consolas" panose="020B0609020204030204" pitchFamily="49" charset="0"/>
+              </a:rPr>
+              <a:t>length</a:t>
+            </a:r>
+            <a:r>
+              <a:rPr lang="es-ES" dirty="0">
+                <a:solidFill>
+                  <a:srgbClr val="BBBBBB"/>
+                </a:solidFill>
+                <a:latin typeface="Consolas" panose="020B0609020204030204" pitchFamily="49" charset="0"/>
+              </a:rPr>
+              <a:t>(</a:t>
+            </a:r>
+            <a:r>
+              <a:rPr lang="es-ES" dirty="0" err="1">
+                <a:solidFill>
+                  <a:srgbClr val="BBBBBB"/>
+                </a:solidFill>
+                <a:latin typeface="Consolas" panose="020B0609020204030204" pitchFamily="49" charset="0"/>
+              </a:rPr>
+              <a:t>tempPob</a:t>
+            </a:r>
+            <a:r>
+              <a:rPr lang="es-ES" dirty="0">
+                <a:solidFill>
+                  <a:srgbClr val="BBBBBB"/>
+                </a:solidFill>
+                <a:latin typeface="Consolas" panose="020B0609020204030204" pitchFamily="49" charset="0"/>
+              </a:rPr>
+              <a:t>),</a:t>
+            </a:r>
+            <a:r>
+              <a:rPr lang="es-ES" dirty="0">
+                <a:solidFill>
+                  <a:srgbClr val="98C379"/>
+                </a:solidFill>
+                <a:latin typeface="Consolas" panose="020B0609020204030204" pitchFamily="49" charset="0"/>
+              </a:rPr>
+              <a:t>'</a:t>
+            </a:r>
+            <a:r>
+              <a:rPr lang="es-ES" dirty="0" err="1">
+                <a:solidFill>
+                  <a:srgbClr val="98C379"/>
+                </a:solidFill>
+                <a:latin typeface="Consolas" panose="020B0609020204030204" pitchFamily="49" charset="0"/>
+              </a:rPr>
+              <a:t>descend</a:t>
+            </a:r>
+            <a:r>
+              <a:rPr lang="es-ES" dirty="0">
+                <a:solidFill>
+                  <a:srgbClr val="98C379"/>
+                </a:solidFill>
+                <a:latin typeface="Consolas" panose="020B0609020204030204" pitchFamily="49" charset="0"/>
+              </a:rPr>
+              <a:t>’</a:t>
+            </a:r>
+            <a:r>
+              <a:rPr lang="es-ES" dirty="0">
+                <a:solidFill>
+                  <a:srgbClr val="BBBBBB"/>
+                </a:solidFill>
+                <a:latin typeface="Consolas" panose="020B0609020204030204" pitchFamily="49" charset="0"/>
+              </a:rPr>
+              <a:t>);</a:t>
+            </a:r>
+          </a:p>
+          <a:p>
+            <a:r>
+              <a:rPr lang="es-ES" dirty="0">
+                <a:solidFill>
+                  <a:srgbClr val="BBBBBB"/>
+                </a:solidFill>
+                <a:latin typeface="Consolas" panose="020B0609020204030204" pitchFamily="49" charset="0"/>
+              </a:rPr>
+              <a:t>	</a:t>
+            </a:r>
+            <a:r>
+              <a:rPr lang="es-ES" dirty="0" err="1">
+                <a:solidFill>
+                  <a:srgbClr val="BBBBBB"/>
+                </a:solidFill>
+                <a:latin typeface="Consolas" panose="020B0609020204030204" pitchFamily="49" charset="0"/>
+              </a:rPr>
+              <a:t>Pob</a:t>
+            </a:r>
+            <a:r>
+              <a:rPr lang="es-ES" dirty="0">
+                <a:solidFill>
+                  <a:srgbClr val="BBBBBB"/>
+                </a:solidFill>
+                <a:latin typeface="Consolas" panose="020B0609020204030204" pitchFamily="49" charset="0"/>
+              </a:rPr>
+              <a:t>_ = </a:t>
+            </a:r>
+            <a:r>
+              <a:rPr lang="es-ES" dirty="0" err="1">
+                <a:solidFill>
+                  <a:srgbClr val="BBBBBB"/>
+                </a:solidFill>
+                <a:latin typeface="Consolas" panose="020B0609020204030204" pitchFamily="49" charset="0"/>
+              </a:rPr>
+              <a:t>tempPob</a:t>
+            </a:r>
+            <a:r>
+              <a:rPr lang="es-ES" dirty="0">
+                <a:solidFill>
+                  <a:srgbClr val="BBBBBB"/>
+                </a:solidFill>
+                <a:latin typeface="Consolas" panose="020B0609020204030204" pitchFamily="49" charset="0"/>
+              </a:rPr>
+              <a:t>(</a:t>
+            </a:r>
+            <a:r>
+              <a:rPr lang="es-ES" dirty="0">
+                <a:solidFill>
+                  <a:srgbClr val="D19A66"/>
+                </a:solidFill>
+                <a:latin typeface="Consolas" panose="020B0609020204030204" pitchFamily="49" charset="0"/>
+              </a:rPr>
+              <a:t>1</a:t>
+            </a:r>
+            <a:r>
+              <a:rPr lang="es-ES" dirty="0">
+                <a:solidFill>
+                  <a:srgbClr val="BBBBBB"/>
+                </a:solidFill>
+                <a:latin typeface="Consolas" panose="020B0609020204030204" pitchFamily="49" charset="0"/>
+              </a:rPr>
+              <a:t>:</a:t>
+            </a:r>
+            <a:r>
+              <a:rPr lang="es-ES" dirty="0">
+                <a:solidFill>
+                  <a:srgbClr val="C678DD"/>
+                </a:solidFill>
+                <a:latin typeface="Consolas" panose="020B0609020204030204" pitchFamily="49" charset="0"/>
+              </a:rPr>
+              <a:t>size</a:t>
+            </a:r>
+            <a:r>
+              <a:rPr lang="es-ES" dirty="0">
+                <a:solidFill>
+                  <a:srgbClr val="BBBBBB"/>
+                </a:solidFill>
+                <a:latin typeface="Consolas" panose="020B0609020204030204" pitchFamily="49" charset="0"/>
+              </a:rPr>
+              <a:t>(Pob,</a:t>
+            </a:r>
+            <a:r>
+              <a:rPr lang="es-ES" dirty="0">
+                <a:solidFill>
+                  <a:srgbClr val="D19A66"/>
+                </a:solidFill>
+                <a:latin typeface="Consolas" panose="020B0609020204030204" pitchFamily="49" charset="0"/>
+              </a:rPr>
+              <a:t>1</a:t>
+            </a:r>
+            <a:r>
+              <a:rPr lang="es-ES" dirty="0">
+                <a:solidFill>
+                  <a:srgbClr val="BBBBBB"/>
+                </a:solidFill>
+                <a:latin typeface="Consolas" panose="020B0609020204030204" pitchFamily="49" charset="0"/>
+              </a:rPr>
+              <a:t>),</a:t>
+            </a:r>
+            <a:r>
+              <a:rPr lang="es-ES" dirty="0">
+                <a:solidFill>
+                  <a:srgbClr val="D19A66"/>
+                </a:solidFill>
+                <a:latin typeface="Consolas" panose="020B0609020204030204" pitchFamily="49" charset="0"/>
+              </a:rPr>
+              <a:t>1</a:t>
+            </a:r>
+            <a:r>
+              <a:rPr lang="es-ES" dirty="0">
+                <a:solidFill>
+                  <a:srgbClr val="BBBBBB"/>
+                </a:solidFill>
+                <a:latin typeface="Consolas" panose="020B0609020204030204" pitchFamily="49" charset="0"/>
+              </a:rPr>
+              <a:t>:</a:t>
+            </a:r>
+            <a:r>
+              <a:rPr lang="es-ES" dirty="0">
+                <a:solidFill>
+                  <a:srgbClr val="C678DD"/>
+                </a:solidFill>
+                <a:latin typeface="Consolas" panose="020B0609020204030204" pitchFamily="49" charset="0"/>
+              </a:rPr>
+              <a:t>size</a:t>
+            </a:r>
+            <a:r>
+              <a:rPr lang="es-ES" dirty="0">
+                <a:solidFill>
+                  <a:srgbClr val="BBBBBB"/>
+                </a:solidFill>
+                <a:latin typeface="Consolas" panose="020B0609020204030204" pitchFamily="49" charset="0"/>
+              </a:rPr>
+              <a:t>(tempPob,</a:t>
+            </a:r>
+            <a:r>
+              <a:rPr lang="es-ES" dirty="0">
+                <a:solidFill>
+                  <a:srgbClr val="D19A66"/>
+                </a:solidFill>
+                <a:latin typeface="Consolas" panose="020B0609020204030204" pitchFamily="49" charset="0"/>
+              </a:rPr>
+              <a:t>2</a:t>
+            </a:r>
+            <a:r>
+              <a:rPr lang="es-ES" dirty="0">
+                <a:solidFill>
+                  <a:srgbClr val="BBBBBB"/>
+                </a:solidFill>
+                <a:latin typeface="Consolas" panose="020B0609020204030204" pitchFamily="49" charset="0"/>
+              </a:rPr>
+              <a:t>)-</a:t>
+            </a:r>
+            <a:r>
+              <a:rPr lang="es-ES" dirty="0">
+                <a:solidFill>
+                  <a:srgbClr val="D19A66"/>
+                </a:solidFill>
+                <a:latin typeface="Consolas" panose="020B0609020204030204" pitchFamily="49" charset="0"/>
+              </a:rPr>
+              <a:t>1</a:t>
+            </a:r>
+            <a:r>
+              <a:rPr lang="es-ES" dirty="0">
+                <a:solidFill>
+                  <a:srgbClr val="BBBBBB"/>
+                </a:solidFill>
+                <a:latin typeface="Consolas" panose="020B0609020204030204" pitchFamily="49" charset="0"/>
+              </a:rPr>
+              <a:t>);</a:t>
+            </a:r>
+          </a:p>
+          <a:p>
+            <a:r>
+              <a:rPr lang="es-ES" dirty="0">
+                <a:solidFill>
+                  <a:srgbClr val="BBBBBB"/>
+                </a:solidFill>
+                <a:latin typeface="Consolas" panose="020B0609020204030204" pitchFamily="49" charset="0"/>
+              </a:rPr>
+              <a:t>	</a:t>
+            </a:r>
+            <a:r>
+              <a:rPr lang="es-ES" dirty="0" err="1">
+                <a:solidFill>
+                  <a:srgbClr val="BBBBBB"/>
+                </a:solidFill>
+                <a:latin typeface="Consolas" panose="020B0609020204030204" pitchFamily="49" charset="0"/>
+              </a:rPr>
+              <a:t>Ev</a:t>
+            </a:r>
+            <a:r>
+              <a:rPr lang="es-ES" dirty="0">
+                <a:solidFill>
+                  <a:srgbClr val="BBBBBB"/>
+                </a:solidFill>
+                <a:latin typeface="Consolas" panose="020B0609020204030204" pitchFamily="49" charset="0"/>
+              </a:rPr>
+              <a:t>_ = </a:t>
+            </a:r>
+            <a:r>
+              <a:rPr lang="es-ES" dirty="0" err="1">
+                <a:solidFill>
+                  <a:srgbClr val="BBBBBB"/>
+                </a:solidFill>
+                <a:latin typeface="Consolas" panose="020B0609020204030204" pitchFamily="49" charset="0"/>
+              </a:rPr>
+              <a:t>tempEv</a:t>
+            </a:r>
+            <a:r>
+              <a:rPr lang="es-ES" dirty="0">
+                <a:solidFill>
+                  <a:srgbClr val="BBBBBB"/>
+                </a:solidFill>
+                <a:latin typeface="Consolas" panose="020B0609020204030204" pitchFamily="49" charset="0"/>
+              </a:rPr>
+              <a:t>(</a:t>
+            </a:r>
+            <a:r>
+              <a:rPr lang="es-ES" dirty="0">
+                <a:solidFill>
+                  <a:srgbClr val="D19A66"/>
+                </a:solidFill>
+                <a:latin typeface="Consolas" panose="020B0609020204030204" pitchFamily="49" charset="0"/>
+              </a:rPr>
+              <a:t>1</a:t>
+            </a:r>
+            <a:r>
+              <a:rPr lang="es-ES" dirty="0">
+                <a:solidFill>
+                  <a:srgbClr val="BBBBBB"/>
+                </a:solidFill>
+                <a:latin typeface="Consolas" panose="020B0609020204030204" pitchFamily="49" charset="0"/>
+              </a:rPr>
+              <a:t>:</a:t>
+            </a:r>
+            <a:r>
+              <a:rPr lang="es-ES" dirty="0">
+                <a:solidFill>
+                  <a:srgbClr val="C678DD"/>
+                </a:solidFill>
+                <a:latin typeface="Consolas" panose="020B0609020204030204" pitchFamily="49" charset="0"/>
+              </a:rPr>
+              <a:t>size</a:t>
+            </a:r>
+            <a:r>
+              <a:rPr lang="es-ES" dirty="0">
+                <a:solidFill>
+                  <a:srgbClr val="BBBBBB"/>
+                </a:solidFill>
+                <a:latin typeface="Consolas" panose="020B0609020204030204" pitchFamily="49" charset="0"/>
+              </a:rPr>
+              <a:t>(Pob,</a:t>
+            </a:r>
+            <a:r>
+              <a:rPr lang="es-ES" dirty="0">
+                <a:solidFill>
+                  <a:srgbClr val="D19A66"/>
+                </a:solidFill>
+                <a:latin typeface="Consolas" panose="020B0609020204030204" pitchFamily="49" charset="0"/>
+              </a:rPr>
+              <a:t>1</a:t>
+            </a:r>
+            <a:r>
+              <a:rPr lang="es-ES" dirty="0">
+                <a:solidFill>
+                  <a:srgbClr val="BBBBBB"/>
+                </a:solidFill>
+                <a:latin typeface="Consolas" panose="020B0609020204030204" pitchFamily="49" charset="0"/>
+              </a:rPr>
+              <a:t>));</a:t>
+            </a:r>
+          </a:p>
+          <a:p>
+            <a:endParaRPr lang="es-ES" dirty="0">
+              <a:solidFill>
+                <a:srgbClr val="BBBBBB"/>
+              </a:solidFill>
+              <a:latin typeface="Consolas" panose="020B0609020204030204" pitchFamily="49" charset="0"/>
+            </a:endParaRPr>
+          </a:p>
+          <a:p>
+            <a:r>
+              <a:rPr lang="es-ES" dirty="0" err="1">
+                <a:solidFill>
+                  <a:srgbClr val="C678DD"/>
+                </a:solidFill>
+                <a:latin typeface="Consolas" panose="020B0609020204030204" pitchFamily="49" charset="0"/>
+              </a:rPr>
+              <a:t>end</a:t>
+            </a:r>
+            <a:endParaRPr lang="es-ES" dirty="0">
+              <a:solidFill>
+                <a:srgbClr val="BBBBBB"/>
+              </a:solidFill>
+              <a:latin typeface="Consolas" panose="020B0609020204030204" pitchFamily="49" charset="0"/>
+            </a:endParaRPr>
+          </a:p>
+        </p:txBody>
+      </p:sp>
+    </p:spTree>
+    <p:extLst>
+      <p:ext uri="{BB962C8B-B14F-4D97-AF65-F5344CB8AC3E}">
+        <p14:creationId xmlns:p14="http://schemas.microsoft.com/office/powerpoint/2010/main" val="252917539"/>
+      </p:ext>
+    </p:extLst>
+  </p:cSld>
+  <p:clrMapOvr>
+    <a:masterClrMapping/>
+  </p:clrMapOvr>
+</p:sld>
+</file>
+
+<file path=ppt/slides/slide11.xml><?xml version="1.0" encoding="utf-8"?>
+<p:sld xmlns:a="http://schemas.openxmlformats.org/drawingml/2006/main" xmlns:r="http://schemas.openxmlformats.org/officeDocument/2006/relationships" xmlns:p="http://schemas.openxmlformats.org/presentationml/2006/main">
+  <p:cSld>
+    <p:spTree>
+      <p:nvGrpSpPr>
+        <p:cNvPr id="1" name=""/>
+        <p:cNvGrpSpPr/>
+        <p:nvPr/>
+      </p:nvGrpSpPr>
+      <p:grpSpPr>
+        <a:xfrm>
+          <a:off x="0" y="0"/>
+          <a:ext cx="0" cy="0"/>
+          <a:chOff x="0" y="0"/>
+          <a:chExt cx="0" cy="0"/>
+        </a:xfrm>
+      </p:grpSpPr>
+      <p:sp>
+        <p:nvSpPr>
+          <p:cNvPr id="2" name="Título 1">
+            <a:extLst>
+              <a:ext uri="{FF2B5EF4-FFF2-40B4-BE49-F238E27FC236}">
+                <a16:creationId xmlns:a16="http://schemas.microsoft.com/office/drawing/2014/main" id="{E8F5ADE0-558F-46D7-9CE1-60726252ED9D}"/>
+              </a:ext>
+            </a:extLst>
+          </p:cNvPr>
+          <p:cNvSpPr>
+            <a:spLocks noGrp="1"/>
+          </p:cNvSpPr>
+          <p:nvPr>
+            <p:ph type="title"/>
+          </p:nvPr>
+        </p:nvSpPr>
+        <p:spPr/>
+        <p:txBody>
+          <a:bodyPr/>
+          <a:lstStyle/>
+          <a:p>
+            <a:endParaRPr lang="es-ES"/>
+          </a:p>
+        </p:txBody>
+      </p:sp>
+      <p:sp>
+        <p:nvSpPr>
+          <p:cNvPr id="3" name="Marcador de contenido 2">
+            <a:extLst>
+              <a:ext uri="{FF2B5EF4-FFF2-40B4-BE49-F238E27FC236}">
+                <a16:creationId xmlns:a16="http://schemas.microsoft.com/office/drawing/2014/main" id="{12ACB0B9-2D91-4942-BA79-CFFC70D99EC5}"/>
+              </a:ext>
+            </a:extLst>
+          </p:cNvPr>
+          <p:cNvSpPr>
+            <a:spLocks noGrp="1"/>
+          </p:cNvSpPr>
+          <p:nvPr>
+            <p:ph idx="1"/>
+          </p:nvPr>
+        </p:nvSpPr>
+        <p:spPr/>
+        <p:txBody>
+          <a:bodyPr/>
+          <a:lstStyle/>
+          <a:p>
+            <a:endParaRPr lang="es-ES"/>
+          </a:p>
+        </p:txBody>
+      </p:sp>
+    </p:spTree>
+    <p:extLst>
+      <p:ext uri="{BB962C8B-B14F-4D97-AF65-F5344CB8AC3E}">
+        <p14:creationId xmlns:p14="http://schemas.microsoft.com/office/powerpoint/2010/main" val="1647846734"/>
+      </p:ext>
+    </p:extLst>
+  </p:cSld>
+  <p:clrMapOvr>
+    <a:masterClrMapping/>
+  </p:clrMapOvr>
+</p:sld>
+</file>
+
+<file path=ppt/slides/slide12.xml><?xml version="1.0" encoding="utf-8"?>
+<p:sld xmlns:a="http://schemas.openxmlformats.org/drawingml/2006/main" xmlns:r="http://schemas.openxmlformats.org/officeDocument/2006/relationships" xmlns:p="http://schemas.openxmlformats.org/presentationml/2006/main">
+  <p:cSld>
+    <p:spTree>
+      <p:nvGrpSpPr>
+        <p:cNvPr id="1" name=""/>
+        <p:cNvGrpSpPr/>
+        <p:nvPr/>
+      </p:nvGrpSpPr>
+      <p:grpSpPr>
+        <a:xfrm>
+          <a:off x="0" y="0"/>
+          <a:ext cx="0" cy="0"/>
+          <a:chOff x="0" y="0"/>
+          <a:chExt cx="0" cy="0"/>
+        </a:xfrm>
+      </p:grpSpPr>
+      <p:sp>
+        <p:nvSpPr>
+          <p:cNvPr id="2" name="Título 1">
+            <a:extLst>
+              <a:ext uri="{FF2B5EF4-FFF2-40B4-BE49-F238E27FC236}">
+                <a16:creationId xmlns:a16="http://schemas.microsoft.com/office/drawing/2014/main" id="{3EEB9677-ADA3-4FB2-AF76-77AF417D1BB5}"/>
+              </a:ext>
+            </a:extLst>
+          </p:cNvPr>
+          <p:cNvSpPr>
+            <a:spLocks noGrp="1"/>
+          </p:cNvSpPr>
+          <p:nvPr>
+            <p:ph type="title"/>
+          </p:nvPr>
+        </p:nvSpPr>
+        <p:spPr/>
+        <p:txBody>
+          <a:bodyPr/>
+          <a:lstStyle/>
+          <a:p>
+            <a:endParaRPr lang="es-ES"/>
+          </a:p>
+        </p:txBody>
+      </p:sp>
+      <p:sp>
+        <p:nvSpPr>
+          <p:cNvPr id="3" name="Marcador de contenido 2">
+            <a:extLst>
+              <a:ext uri="{FF2B5EF4-FFF2-40B4-BE49-F238E27FC236}">
+                <a16:creationId xmlns:a16="http://schemas.microsoft.com/office/drawing/2014/main" id="{6192EF62-FE91-4FAD-BD24-5D430C935ACB}"/>
+              </a:ext>
+            </a:extLst>
+          </p:cNvPr>
+          <p:cNvSpPr>
+            <a:spLocks noGrp="1"/>
+          </p:cNvSpPr>
+          <p:nvPr>
+            <p:ph idx="1"/>
+          </p:nvPr>
+        </p:nvSpPr>
+        <p:spPr/>
+        <p:txBody>
+          <a:bodyPr/>
+          <a:lstStyle/>
+          <a:p>
+            <a:endParaRPr lang="es-ES"/>
+          </a:p>
+        </p:txBody>
+      </p:sp>
+    </p:spTree>
+    <p:extLst>
+      <p:ext uri="{BB962C8B-B14F-4D97-AF65-F5344CB8AC3E}">
+        <p14:creationId xmlns:p14="http://schemas.microsoft.com/office/powerpoint/2010/main" val="212457206"/>
       </p:ext>
     </p:extLst>
   </p:cSld>
@@ -5617,14 +6867,14 @@
             <a:pPr lvl="1"/>
             <a:r>
               <a:rPr lang="es-ES" dirty="0"/>
-              <a:t>Elementos</a:t>
+              <a:t>Parámetros</a:t>
             </a:r>
           </a:p>
           <a:p>
             <a:pPr lvl="1"/>
             <a:r>
               <a:rPr lang="es-ES" dirty="0"/>
-              <a:t>Código</a:t>
+              <a:t>Composición</a:t>
             </a:r>
           </a:p>
           <a:p>
@@ -5642,14 +6892,14 @@
             <a:pPr lvl="1"/>
             <a:r>
               <a:rPr lang="es-ES" dirty="0"/>
-              <a:t>Elementos</a:t>
+              <a:t>Parámetros</a:t>
             </a:r>
           </a:p>
           <a:p>
             <a:pPr lvl="1"/>
             <a:r>
               <a:rPr lang="es-ES" dirty="0"/>
-              <a:t>Código</a:t>
+              <a:t>Composición</a:t>
             </a:r>
           </a:p>
           <a:p>
@@ -6687,6 +7937,4838 @@
     <p:extLst>
       <p:ext uri="{BB962C8B-B14F-4D97-AF65-F5344CB8AC3E}">
         <p14:creationId xmlns:p14="http://schemas.microsoft.com/office/powerpoint/2010/main" val="4263444755"/>
+      </p:ext>
+    </p:extLst>
+  </p:cSld>
+  <p:clrMapOvr>
+    <a:masterClrMapping/>
+  </p:clrMapOvr>
+</p:sld>
+</file>
+
+<file path=ppt/slides/slide5.xml><?xml version="1.0" encoding="utf-8"?>
+<p:sld xmlns:a="http://schemas.openxmlformats.org/drawingml/2006/main" xmlns:r="http://schemas.openxmlformats.org/officeDocument/2006/relationships" xmlns:p="http://schemas.openxmlformats.org/presentationml/2006/main">
+  <p:cSld>
+    <p:spTree>
+      <p:nvGrpSpPr>
+        <p:cNvPr id="1" name=""/>
+        <p:cNvGrpSpPr/>
+        <p:nvPr/>
+      </p:nvGrpSpPr>
+      <p:grpSpPr>
+        <a:xfrm>
+          <a:off x="0" y="0"/>
+          <a:ext cx="0" cy="0"/>
+          <a:chOff x="0" y="0"/>
+          <a:chExt cx="0" cy="0"/>
+        </a:xfrm>
+      </p:grpSpPr>
+      <p:sp>
+        <p:nvSpPr>
+          <p:cNvPr id="2" name="Título 1">
+            <a:extLst>
+              <a:ext uri="{FF2B5EF4-FFF2-40B4-BE49-F238E27FC236}">
+                <a16:creationId xmlns:a16="http://schemas.microsoft.com/office/drawing/2014/main" id="{BD2CAFBD-1A5F-4DC0-A8DD-1D6C313B3820}"/>
+              </a:ext>
+            </a:extLst>
+          </p:cNvPr>
+          <p:cNvSpPr>
+            <a:spLocks noGrp="1"/>
+          </p:cNvSpPr>
+          <p:nvPr>
+            <p:ph type="title"/>
+          </p:nvPr>
+        </p:nvSpPr>
+        <p:spPr/>
+        <p:txBody>
+          <a:bodyPr/>
+          <a:lstStyle/>
+          <a:p>
+            <a:r>
+              <a:rPr lang="es-ES" dirty="0"/>
+              <a:t>Algoritmo Genético</a:t>
+            </a:r>
+          </a:p>
+        </p:txBody>
+      </p:sp>
+      <p:sp>
+        <p:nvSpPr>
+          <p:cNvPr id="3" name="Marcador de contenido 2">
+            <a:extLst>
+              <a:ext uri="{FF2B5EF4-FFF2-40B4-BE49-F238E27FC236}">
+                <a16:creationId xmlns:a16="http://schemas.microsoft.com/office/drawing/2014/main" id="{D1CF8D55-0B1B-49B5-96E6-C3A6F4BDF2C5}"/>
+              </a:ext>
+            </a:extLst>
+          </p:cNvPr>
+          <p:cNvSpPr>
+            <a:spLocks noGrp="1"/>
+          </p:cNvSpPr>
+          <p:nvPr>
+            <p:ph idx="1"/>
+          </p:nvPr>
+        </p:nvSpPr>
+        <p:spPr>
+          <a:xfrm>
+            <a:off x="818712" y="2122999"/>
+            <a:ext cx="10554574" cy="4214192"/>
+          </a:xfrm>
+        </p:spPr>
+        <p:txBody>
+          <a:bodyPr>
+            <a:normAutofit fontScale="92500" lnSpcReduction="20000"/>
+          </a:bodyPr>
+          <a:lstStyle/>
+          <a:p>
+            <a:r>
+              <a:rPr lang="en-US" b="1" dirty="0"/>
+              <a:t>Variables de población: </a:t>
+            </a:r>
+          </a:p>
+          <a:p>
+            <a:pPr lvl="1"/>
+            <a:r>
+              <a:rPr lang="en-US" b="1" dirty="0" err="1"/>
+              <a:t>Pob</a:t>
+            </a:r>
+            <a:r>
+              <a:rPr lang="en-US" dirty="0"/>
+              <a:t>: </a:t>
+            </a:r>
+            <a:r>
+              <a:rPr lang="en-US" dirty="0" err="1"/>
+              <a:t>generación</a:t>
+            </a:r>
+            <a:r>
+              <a:rPr lang="en-US" dirty="0"/>
+              <a:t> actual</a:t>
+            </a:r>
+          </a:p>
+          <a:p>
+            <a:pPr lvl="1"/>
+            <a:r>
+              <a:rPr lang="en-US" b="1" dirty="0" err="1"/>
+              <a:t>NPob</a:t>
+            </a:r>
+            <a:r>
+              <a:rPr lang="en-US" dirty="0"/>
+              <a:t>: </a:t>
+            </a:r>
+            <a:r>
+              <a:rPr lang="en-US" dirty="0" err="1"/>
+              <a:t>numero</a:t>
+            </a:r>
+            <a:r>
+              <a:rPr lang="en-US" dirty="0"/>
+              <a:t> de </a:t>
+            </a:r>
+            <a:r>
+              <a:rPr lang="en-US" dirty="0" err="1"/>
+              <a:t>individuos</a:t>
+            </a:r>
+            <a:r>
+              <a:rPr lang="en-US" dirty="0"/>
+              <a:t> de </a:t>
+            </a:r>
+            <a:r>
+              <a:rPr lang="en-US" dirty="0" err="1"/>
+              <a:t>cada</a:t>
+            </a:r>
+            <a:r>
+              <a:rPr lang="en-US" dirty="0"/>
+              <a:t> </a:t>
+            </a:r>
+            <a:r>
+              <a:rPr lang="en-US" dirty="0" err="1"/>
+              <a:t>generación</a:t>
+            </a:r>
+            <a:endParaRPr lang="en-US" dirty="0"/>
+          </a:p>
+          <a:p>
+            <a:pPr lvl="1"/>
+            <a:r>
+              <a:rPr lang="en-US" b="1" dirty="0" err="1"/>
+              <a:t>FitPob</a:t>
+            </a:r>
+            <a:r>
+              <a:rPr lang="en-US" dirty="0"/>
+              <a:t>: </a:t>
+            </a:r>
+            <a:r>
+              <a:rPr lang="en-US" dirty="0" err="1"/>
+              <a:t>evaluacion</a:t>
+            </a:r>
+            <a:r>
+              <a:rPr lang="en-US" dirty="0"/>
+              <a:t> de </a:t>
+            </a:r>
+            <a:r>
+              <a:rPr lang="en-US" dirty="0" err="1"/>
+              <a:t>cada</a:t>
+            </a:r>
+            <a:r>
+              <a:rPr lang="en-US" dirty="0"/>
+              <a:t> </a:t>
+            </a:r>
+            <a:r>
+              <a:rPr lang="en-US" dirty="0" err="1"/>
+              <a:t>individuo</a:t>
+            </a:r>
+            <a:r>
+              <a:rPr lang="en-US" dirty="0"/>
+              <a:t> de la </a:t>
+            </a:r>
+            <a:r>
+              <a:rPr lang="en-US" dirty="0" err="1"/>
+              <a:t>poblacion</a:t>
+            </a:r>
+            <a:endParaRPr lang="en-US" dirty="0"/>
+          </a:p>
+          <a:p>
+            <a:pPr lvl="1"/>
+            <a:r>
+              <a:rPr lang="en-US" b="1" dirty="0"/>
+              <a:t>Padres</a:t>
+            </a:r>
+            <a:r>
+              <a:rPr lang="en-US" dirty="0"/>
+              <a:t>: </a:t>
+            </a:r>
+            <a:r>
+              <a:rPr lang="en-US" dirty="0" err="1"/>
+              <a:t>representa</a:t>
+            </a:r>
+            <a:r>
+              <a:rPr lang="en-US" dirty="0"/>
+              <a:t> el </a:t>
+            </a:r>
+            <a:r>
+              <a:rPr lang="en-US" dirty="0" err="1"/>
+              <a:t>indice</a:t>
+            </a:r>
+            <a:r>
+              <a:rPr lang="en-US" dirty="0"/>
+              <a:t> de los </a:t>
+            </a:r>
+            <a:r>
+              <a:rPr lang="en-US" dirty="0" err="1"/>
+              <a:t>individuos</a:t>
+            </a:r>
+            <a:r>
+              <a:rPr lang="en-US" dirty="0"/>
+              <a:t> que se van a </a:t>
+            </a:r>
+            <a:r>
+              <a:rPr lang="en-US" dirty="0" err="1"/>
+              <a:t>cruzar</a:t>
+            </a:r>
+            <a:endParaRPr lang="en-US" dirty="0"/>
+          </a:p>
+          <a:p>
+            <a:pPr lvl="1"/>
+            <a:r>
+              <a:rPr lang="en-US" b="1" dirty="0"/>
+              <a:t>parejas</a:t>
+            </a:r>
+            <a:r>
+              <a:rPr lang="en-US" dirty="0"/>
+              <a:t>: las parejas </a:t>
+            </a:r>
+            <a:r>
+              <a:rPr lang="en-US" dirty="0" err="1"/>
+              <a:t>ya</a:t>
+            </a:r>
+            <a:r>
+              <a:rPr lang="en-US" dirty="0"/>
+              <a:t> </a:t>
+            </a:r>
+            <a:r>
+              <a:rPr lang="en-US" dirty="0" err="1"/>
+              <a:t>formadas</a:t>
+            </a:r>
+            <a:endParaRPr lang="en-US" dirty="0"/>
+          </a:p>
+          <a:p>
+            <a:pPr lvl="1"/>
+            <a:r>
+              <a:rPr lang="en-US" b="1" dirty="0" err="1"/>
+              <a:t>Pmut</a:t>
+            </a:r>
+            <a:r>
+              <a:rPr lang="en-US" dirty="0"/>
+              <a:t>: </a:t>
+            </a:r>
+            <a:r>
+              <a:rPr lang="en-US" dirty="0" err="1"/>
+              <a:t>probabilidad</a:t>
+            </a:r>
+            <a:r>
+              <a:rPr lang="en-US" dirty="0"/>
+              <a:t> de </a:t>
+            </a:r>
+            <a:r>
+              <a:rPr lang="en-US" dirty="0" err="1"/>
+              <a:t>cada</a:t>
+            </a:r>
+            <a:r>
+              <a:rPr lang="en-US" dirty="0"/>
+              <a:t> </a:t>
+            </a:r>
+            <a:r>
+              <a:rPr lang="en-US" dirty="0" err="1"/>
+              <a:t>individuo</a:t>
+            </a:r>
+            <a:r>
+              <a:rPr lang="en-US" dirty="0"/>
+              <a:t> de </a:t>
+            </a:r>
+            <a:r>
+              <a:rPr lang="en-US" dirty="0" err="1"/>
+              <a:t>mutar</a:t>
+            </a:r>
+            <a:r>
+              <a:rPr lang="en-US" dirty="0"/>
+              <a:t> </a:t>
+            </a:r>
+          </a:p>
+          <a:p>
+            <a:r>
+              <a:rPr lang="en-US" b="1" dirty="0"/>
+              <a:t>Variables de </a:t>
+            </a:r>
+            <a:r>
+              <a:rPr lang="en-US" b="1" dirty="0" err="1"/>
+              <a:t>condición</a:t>
+            </a:r>
+            <a:r>
+              <a:rPr lang="en-US" b="1" dirty="0"/>
+              <a:t>:</a:t>
+            </a:r>
+          </a:p>
+          <a:p>
+            <a:pPr lvl="1"/>
+            <a:r>
+              <a:rPr lang="en-US" b="1" dirty="0" err="1"/>
+              <a:t>MAX_itera</a:t>
+            </a:r>
+            <a:r>
+              <a:rPr lang="en-US" dirty="0"/>
+              <a:t>: </a:t>
+            </a:r>
+            <a:r>
+              <a:rPr lang="en-US" dirty="0" err="1"/>
+              <a:t>numero</a:t>
+            </a:r>
+            <a:r>
+              <a:rPr lang="en-US" dirty="0"/>
+              <a:t> de </a:t>
+            </a:r>
+            <a:r>
+              <a:rPr lang="en-US" dirty="0" err="1"/>
+              <a:t>maximas</a:t>
+            </a:r>
+            <a:r>
+              <a:rPr lang="en-US" dirty="0"/>
+              <a:t> </a:t>
+            </a:r>
+            <a:r>
+              <a:rPr lang="en-US" dirty="0" err="1"/>
+              <a:t>iteraciones</a:t>
+            </a:r>
+            <a:endParaRPr lang="en-US" dirty="0"/>
+          </a:p>
+          <a:p>
+            <a:pPr lvl="1"/>
+            <a:r>
+              <a:rPr lang="en-US" b="1" dirty="0" err="1"/>
+              <a:t>itera</a:t>
+            </a:r>
+            <a:r>
+              <a:rPr lang="en-US" dirty="0"/>
+              <a:t>: </a:t>
+            </a:r>
+            <a:r>
+              <a:rPr lang="en-US" dirty="0" err="1"/>
+              <a:t>iteración</a:t>
+            </a:r>
+            <a:r>
+              <a:rPr lang="en-US" dirty="0"/>
+              <a:t> actual</a:t>
+            </a:r>
+          </a:p>
+          <a:p>
+            <a:r>
+              <a:rPr lang="en-US" b="1" dirty="0"/>
+              <a:t>Variables de </a:t>
+            </a:r>
+            <a:r>
+              <a:rPr lang="en-US" b="1" dirty="0" err="1"/>
+              <a:t>Satelites</a:t>
+            </a:r>
+            <a:r>
+              <a:rPr lang="en-US" dirty="0"/>
+              <a:t>	</a:t>
+            </a:r>
+          </a:p>
+          <a:p>
+            <a:pPr lvl="1"/>
+            <a:r>
+              <a:rPr lang="en-US" b="1" dirty="0" err="1"/>
+              <a:t>NSatels</a:t>
+            </a:r>
+            <a:r>
+              <a:rPr lang="en-US" dirty="0"/>
+              <a:t>: </a:t>
+            </a:r>
+            <a:r>
+              <a:rPr lang="en-US" dirty="0" err="1"/>
+              <a:t>numero</a:t>
+            </a:r>
+            <a:r>
+              <a:rPr lang="en-US" dirty="0"/>
+              <a:t> de </a:t>
+            </a:r>
+            <a:r>
+              <a:rPr lang="en-US" dirty="0" err="1"/>
+              <a:t>satelites</a:t>
+            </a:r>
+            <a:r>
+              <a:rPr lang="en-US" dirty="0"/>
+              <a:t> (</a:t>
+            </a:r>
+            <a:r>
+              <a:rPr lang="en-US" dirty="0" err="1"/>
+              <a:t>en</a:t>
+            </a:r>
+            <a:r>
+              <a:rPr lang="en-US" dirty="0"/>
+              <a:t> </a:t>
+            </a:r>
+            <a:r>
+              <a:rPr lang="en-US" dirty="0" err="1"/>
+              <a:t>este</a:t>
+            </a:r>
+            <a:r>
+              <a:rPr lang="en-US" dirty="0"/>
+              <a:t> caso:500)	</a:t>
+            </a:r>
+          </a:p>
+          <a:p>
+            <a:pPr lvl="1"/>
+            <a:r>
+              <a:rPr lang="en-US" b="1" dirty="0" err="1"/>
+              <a:t>NManagers</a:t>
+            </a:r>
+            <a:r>
+              <a:rPr lang="en-US" dirty="0"/>
+              <a:t>: </a:t>
+            </a:r>
+            <a:r>
+              <a:rPr lang="en-US" dirty="0" err="1"/>
+              <a:t>numero</a:t>
+            </a:r>
+            <a:r>
+              <a:rPr lang="en-US" dirty="0"/>
+              <a:t> de </a:t>
+            </a:r>
+            <a:r>
+              <a:rPr lang="en-US" dirty="0" err="1"/>
+              <a:t>representantes</a:t>
+            </a:r>
+            <a:endParaRPr lang="en-US" dirty="0"/>
+          </a:p>
+        </p:txBody>
+      </p:sp>
+      <p:sp>
+        <p:nvSpPr>
+          <p:cNvPr id="4" name="CuadroTexto 3">
+            <a:extLst>
+              <a:ext uri="{FF2B5EF4-FFF2-40B4-BE49-F238E27FC236}">
+                <a16:creationId xmlns:a16="http://schemas.microsoft.com/office/drawing/2014/main" id="{86E262A9-A009-4C9D-B714-FF496C95B99A}"/>
+              </a:ext>
+            </a:extLst>
+          </p:cNvPr>
+          <p:cNvSpPr txBox="1"/>
+          <p:nvPr/>
+        </p:nvSpPr>
+        <p:spPr>
+          <a:xfrm>
+            <a:off x="818712" y="1417638"/>
+            <a:ext cx="2138901" cy="369332"/>
+          </a:xfrm>
+          <a:prstGeom prst="rect">
+            <a:avLst/>
+          </a:prstGeom>
+          <a:noFill/>
+        </p:spPr>
+        <p:txBody>
+          <a:bodyPr wrap="square" rtlCol="0">
+            <a:spAutoFit/>
+          </a:bodyPr>
+          <a:lstStyle/>
+          <a:p>
+            <a:r>
+              <a:rPr lang="es-ES" b="1" dirty="0">
+                <a:effectLst>
+                  <a:outerShdw blurRad="38100" dist="38100" dir="2700000" algn="tl">
+                    <a:srgbClr val="000000">
+                      <a:alpha val="43137"/>
+                    </a:srgbClr>
+                  </a:outerShdw>
+                </a:effectLst>
+              </a:rPr>
+              <a:t>Parámetros</a:t>
+            </a:r>
+          </a:p>
+        </p:txBody>
+      </p:sp>
+    </p:spTree>
+    <p:extLst>
+      <p:ext uri="{BB962C8B-B14F-4D97-AF65-F5344CB8AC3E}">
+        <p14:creationId xmlns:p14="http://schemas.microsoft.com/office/powerpoint/2010/main" val="3882929395"/>
+      </p:ext>
+    </p:extLst>
+  </p:cSld>
+  <p:clrMapOvr>
+    <a:masterClrMapping/>
+  </p:clrMapOvr>
+</p:sld>
+</file>
+
+<file path=ppt/slides/slide6.xml><?xml version="1.0" encoding="utf-8"?>
+<p:sld xmlns:a="http://schemas.openxmlformats.org/drawingml/2006/main" xmlns:r="http://schemas.openxmlformats.org/officeDocument/2006/relationships" xmlns:p="http://schemas.openxmlformats.org/presentationml/2006/main">
+  <p:cSld>
+    <p:spTree>
+      <p:nvGrpSpPr>
+        <p:cNvPr id="1" name=""/>
+        <p:cNvGrpSpPr/>
+        <p:nvPr/>
+      </p:nvGrpSpPr>
+      <p:grpSpPr>
+        <a:xfrm>
+          <a:off x="0" y="0"/>
+          <a:ext cx="0" cy="0"/>
+          <a:chOff x="0" y="0"/>
+          <a:chExt cx="0" cy="0"/>
+        </a:xfrm>
+      </p:grpSpPr>
+      <p:sp>
+        <p:nvSpPr>
+          <p:cNvPr id="2" name="Título 1">
+            <a:extLst>
+              <a:ext uri="{FF2B5EF4-FFF2-40B4-BE49-F238E27FC236}">
+                <a16:creationId xmlns:a16="http://schemas.microsoft.com/office/drawing/2014/main" id="{712D3604-4D78-473E-A8F4-E23215F8E181}"/>
+              </a:ext>
+            </a:extLst>
+          </p:cNvPr>
+          <p:cNvSpPr>
+            <a:spLocks noGrp="1"/>
+          </p:cNvSpPr>
+          <p:nvPr>
+            <p:ph type="title"/>
+          </p:nvPr>
+        </p:nvSpPr>
+        <p:spPr/>
+        <p:txBody>
+          <a:bodyPr/>
+          <a:lstStyle/>
+          <a:p>
+            <a:r>
+              <a:rPr lang="es-ES" dirty="0"/>
+              <a:t>Algoritmo Genético</a:t>
+            </a:r>
+          </a:p>
+        </p:txBody>
+      </p:sp>
+      <p:sp>
+        <p:nvSpPr>
+          <p:cNvPr id="3" name="Marcador de contenido 2">
+            <a:extLst>
+              <a:ext uri="{FF2B5EF4-FFF2-40B4-BE49-F238E27FC236}">
+                <a16:creationId xmlns:a16="http://schemas.microsoft.com/office/drawing/2014/main" id="{25CEF4E4-5A0E-4664-ABA2-AFCA626353FD}"/>
+              </a:ext>
+            </a:extLst>
+          </p:cNvPr>
+          <p:cNvSpPr>
+            <a:spLocks noGrp="1"/>
+          </p:cNvSpPr>
+          <p:nvPr>
+            <p:ph idx="1"/>
+          </p:nvPr>
+        </p:nvSpPr>
+        <p:spPr>
+          <a:xfrm>
+            <a:off x="818711" y="2222287"/>
+            <a:ext cx="10758387" cy="4188525"/>
+          </a:xfrm>
+        </p:spPr>
+        <p:txBody>
+          <a:bodyPr>
+            <a:normAutofit/>
+          </a:bodyPr>
+          <a:lstStyle/>
+          <a:p>
+            <a:r>
+              <a:rPr lang="es-ES" b="1" dirty="0"/>
+              <a:t>Selección: Por Ruleta</a:t>
+            </a:r>
+            <a:endParaRPr lang="en-US" b="1" dirty="0"/>
+          </a:p>
+          <a:p>
+            <a:r>
+              <a:rPr lang="en-US" b="1" dirty="0" err="1"/>
+              <a:t>Cruce</a:t>
+            </a:r>
+            <a:r>
+              <a:rPr lang="en-US" b="1" dirty="0"/>
+              <a:t>: </a:t>
+            </a:r>
+            <a:r>
+              <a:rPr lang="en-US" b="1" dirty="0" err="1"/>
+              <a:t>Uniforme</a:t>
+            </a:r>
+            <a:r>
+              <a:rPr lang="en-US" b="1" dirty="0"/>
+              <a:t> por </a:t>
+            </a:r>
+            <a:r>
+              <a:rPr lang="en-US" b="1" dirty="0" err="1"/>
+              <a:t>Máscara</a:t>
+            </a:r>
+            <a:r>
+              <a:rPr lang="en-US" b="1" dirty="0"/>
+              <a:t> (</a:t>
+            </a:r>
+            <a:r>
+              <a:rPr lang="en-US" b="1" dirty="0" err="1"/>
+              <a:t>Modificado</a:t>
+            </a:r>
+            <a:r>
+              <a:rPr lang="en-US" b="1" dirty="0"/>
+              <a:t>)</a:t>
+            </a:r>
+          </a:p>
+          <a:p>
+            <a:r>
+              <a:rPr lang="en-US" b="1" dirty="0" err="1"/>
+              <a:t>Mutación</a:t>
+            </a:r>
+            <a:r>
+              <a:rPr lang="en-US" b="1" dirty="0"/>
+              <a:t>: </a:t>
+            </a:r>
+            <a:r>
+              <a:rPr lang="en-US" b="1" dirty="0" err="1"/>
+              <a:t>Inversión</a:t>
+            </a:r>
+            <a:endParaRPr lang="en-US" b="1" dirty="0"/>
+          </a:p>
+          <a:p>
+            <a:r>
+              <a:rPr lang="en-US" b="1" dirty="0" err="1"/>
+              <a:t>Reemplazo</a:t>
+            </a:r>
+            <a:r>
+              <a:rPr lang="en-US" b="1" dirty="0"/>
+              <a:t>: </a:t>
+            </a:r>
+            <a:r>
+              <a:rPr lang="en-US" b="1" dirty="0" err="1"/>
+              <a:t>Elitista</a:t>
+            </a:r>
+            <a:r>
+              <a:rPr lang="en-US" b="1" dirty="0"/>
+              <a:t> (</a:t>
+            </a:r>
+            <a:r>
+              <a:rPr lang="en-US" b="1" dirty="0" err="1"/>
+              <a:t>Modificado</a:t>
+            </a:r>
+            <a:r>
+              <a:rPr lang="en-US" b="1" dirty="0"/>
+              <a:t>)</a:t>
+            </a:r>
+          </a:p>
+          <a:p>
+            <a:endParaRPr lang="en-US" b="1" dirty="0"/>
+          </a:p>
+          <a:p>
+            <a:pPr marL="0" indent="0">
+              <a:buNone/>
+            </a:pPr>
+            <a:r>
+              <a:rPr lang="es-ES" b="1" dirty="0"/>
+              <a:t> </a:t>
+            </a:r>
+          </a:p>
+        </p:txBody>
+      </p:sp>
+      <p:sp>
+        <p:nvSpPr>
+          <p:cNvPr id="5" name="CuadroTexto 4">
+            <a:extLst>
+              <a:ext uri="{FF2B5EF4-FFF2-40B4-BE49-F238E27FC236}">
+                <a16:creationId xmlns:a16="http://schemas.microsoft.com/office/drawing/2014/main" id="{CCB98E68-3F82-45B3-850F-62052FBA7F44}"/>
+              </a:ext>
+            </a:extLst>
+          </p:cNvPr>
+          <p:cNvSpPr txBox="1"/>
+          <p:nvPr/>
+        </p:nvSpPr>
+        <p:spPr>
+          <a:xfrm>
+            <a:off x="818712" y="1417638"/>
+            <a:ext cx="2138901" cy="369332"/>
+          </a:xfrm>
+          <a:prstGeom prst="rect">
+            <a:avLst/>
+          </a:prstGeom>
+          <a:noFill/>
+        </p:spPr>
+        <p:txBody>
+          <a:bodyPr wrap="square" rtlCol="0">
+            <a:spAutoFit/>
+          </a:bodyPr>
+          <a:lstStyle/>
+          <a:p>
+            <a:r>
+              <a:rPr lang="es-ES" b="1" dirty="0">
+                <a:effectLst>
+                  <a:outerShdw blurRad="38100" dist="38100" dir="2700000" algn="tl">
+                    <a:srgbClr val="000000">
+                      <a:alpha val="43137"/>
+                    </a:srgbClr>
+                  </a:outerShdw>
+                </a:effectLst>
+              </a:rPr>
+              <a:t>Composición</a:t>
+            </a:r>
+          </a:p>
+        </p:txBody>
+      </p:sp>
+      <p:pic>
+        <p:nvPicPr>
+          <p:cNvPr id="3076" name="Picture 4" descr="Resultado de imagen de ADN">
+            <a:extLst>
+              <a:ext uri="{FF2B5EF4-FFF2-40B4-BE49-F238E27FC236}">
+                <a16:creationId xmlns:a16="http://schemas.microsoft.com/office/drawing/2014/main" id="{BE06EC07-3408-427E-8F8B-6474A6D158BB}"/>
+              </a:ext>
+            </a:extLst>
+          </p:cNvPr>
+          <p:cNvPicPr>
+            <a:picLocks noChangeAspect="1" noChangeArrowheads="1"/>
+          </p:cNvPicPr>
+          <p:nvPr/>
+        </p:nvPicPr>
+        <p:blipFill>
+          <a:blip r:embed="rId2">
+            <a:extLst>
+              <a:ext uri="{28A0092B-C50C-407E-A947-70E740481C1C}">
+                <a14:useLocalDpi xmlns:a14="http://schemas.microsoft.com/office/drawing/2010/main" val="0"/>
+              </a:ext>
+            </a:extLst>
+          </a:blip>
+          <a:srcRect/>
+          <a:stretch>
+            <a:fillRect/>
+          </a:stretch>
+        </p:blipFill>
+        <p:spPr bwMode="auto">
+          <a:xfrm>
+            <a:off x="6197904" y="2169319"/>
+            <a:ext cx="3936206" cy="3936206"/>
+          </a:xfrm>
+          <a:prstGeom prst="rect">
+            <a:avLst/>
+          </a:prstGeom>
+          <a:noFill/>
+          <a:extLst>
+            <a:ext uri="{909E8E84-426E-40DD-AFC4-6F175D3DCCD1}">
+              <a14:hiddenFill xmlns:a14="http://schemas.microsoft.com/office/drawing/2010/main">
+                <a:solidFill>
+                  <a:srgbClr val="FFFFFF"/>
+                </a:solidFill>
+              </a14:hiddenFill>
+            </a:ext>
+          </a:extLst>
+        </p:spPr>
+      </p:pic>
+    </p:spTree>
+    <p:extLst>
+      <p:ext uri="{BB962C8B-B14F-4D97-AF65-F5344CB8AC3E}">
+        <p14:creationId xmlns:p14="http://schemas.microsoft.com/office/powerpoint/2010/main" val="4214965123"/>
+      </p:ext>
+    </p:extLst>
+  </p:cSld>
+  <p:clrMapOvr>
+    <a:masterClrMapping/>
+  </p:clrMapOvr>
+</p:sld>
+</file>
+
+<file path=ppt/slides/slide7.xml><?xml version="1.0" encoding="utf-8"?>
+<p:sld xmlns:a="http://schemas.openxmlformats.org/drawingml/2006/main" xmlns:r="http://schemas.openxmlformats.org/officeDocument/2006/relationships" xmlns:p="http://schemas.openxmlformats.org/presentationml/2006/main">
+  <p:cSld>
+    <p:spTree>
+      <p:nvGrpSpPr>
+        <p:cNvPr id="1" name=""/>
+        <p:cNvGrpSpPr/>
+        <p:nvPr/>
+      </p:nvGrpSpPr>
+      <p:grpSpPr>
+        <a:xfrm>
+          <a:off x="0" y="0"/>
+          <a:ext cx="0" cy="0"/>
+          <a:chOff x="0" y="0"/>
+          <a:chExt cx="0" cy="0"/>
+        </a:xfrm>
+      </p:grpSpPr>
+      <p:sp>
+        <p:nvSpPr>
+          <p:cNvPr id="2" name="Título 1">
+            <a:extLst>
+              <a:ext uri="{FF2B5EF4-FFF2-40B4-BE49-F238E27FC236}">
+                <a16:creationId xmlns:a16="http://schemas.microsoft.com/office/drawing/2014/main" id="{52C2950F-A16F-4B89-BC1A-4E531E97C8D8}"/>
+              </a:ext>
+            </a:extLst>
+          </p:cNvPr>
+          <p:cNvSpPr>
+            <a:spLocks noGrp="1"/>
+          </p:cNvSpPr>
+          <p:nvPr>
+            <p:ph type="title"/>
+          </p:nvPr>
+        </p:nvSpPr>
+        <p:spPr/>
+        <p:txBody>
+          <a:bodyPr/>
+          <a:lstStyle/>
+          <a:p>
+            <a:r>
+              <a:rPr lang="es-ES" dirty="0"/>
+              <a:t>Selección: Por Ruleta</a:t>
+            </a:r>
+          </a:p>
+        </p:txBody>
+      </p:sp>
+      <p:sp>
+        <p:nvSpPr>
+          <p:cNvPr id="12" name="CuadroTexto 11">
+            <a:extLst>
+              <a:ext uri="{FF2B5EF4-FFF2-40B4-BE49-F238E27FC236}">
+                <a16:creationId xmlns:a16="http://schemas.microsoft.com/office/drawing/2014/main" id="{40AD6BEE-0C38-4969-9D72-6B80EA4D0B84}"/>
+              </a:ext>
+            </a:extLst>
+          </p:cNvPr>
+          <p:cNvSpPr txBox="1"/>
+          <p:nvPr/>
+        </p:nvSpPr>
+        <p:spPr>
+          <a:xfrm>
+            <a:off x="727483" y="2056686"/>
+            <a:ext cx="6280536" cy="4801314"/>
+          </a:xfrm>
+          <a:prstGeom prst="rect">
+            <a:avLst/>
+          </a:prstGeom>
+          <a:noFill/>
+        </p:spPr>
+        <p:txBody>
+          <a:bodyPr wrap="square" rtlCol="0">
+            <a:spAutoFit/>
+          </a:bodyPr>
+          <a:lstStyle/>
+          <a:p>
+            <a:r>
+              <a:rPr lang="en-US" i="1" dirty="0">
+                <a:solidFill>
+                  <a:srgbClr val="7F848E"/>
+                </a:solidFill>
+                <a:latin typeface="Consolas" panose="020B0609020204030204" pitchFamily="49" charset="0"/>
+              </a:rPr>
+              <a:t>%%% </a:t>
+            </a:r>
+            <a:r>
+              <a:rPr lang="en-US" i="1" dirty="0" err="1">
+                <a:solidFill>
+                  <a:srgbClr val="7F848E"/>
+                </a:solidFill>
+                <a:latin typeface="Consolas" panose="020B0609020204030204" pitchFamily="49" charset="0"/>
+              </a:rPr>
+              <a:t>Seleccion</a:t>
+            </a:r>
+            <a:r>
+              <a:rPr lang="en-US" i="1" dirty="0">
+                <a:solidFill>
+                  <a:srgbClr val="7F848E"/>
+                </a:solidFill>
+                <a:latin typeface="Consolas" panose="020B0609020204030204" pitchFamily="49" charset="0"/>
+              </a:rPr>
+              <a:t> por </a:t>
+            </a:r>
+            <a:r>
+              <a:rPr lang="en-US" i="1" dirty="0" err="1">
+                <a:solidFill>
+                  <a:srgbClr val="7F848E"/>
+                </a:solidFill>
+                <a:latin typeface="Consolas" panose="020B0609020204030204" pitchFamily="49" charset="0"/>
+              </a:rPr>
+              <a:t>Ruleta</a:t>
+            </a:r>
+            <a:r>
+              <a:rPr lang="en-US" i="1" dirty="0">
+                <a:solidFill>
+                  <a:srgbClr val="7F848E"/>
+                </a:solidFill>
+                <a:latin typeface="Consolas" panose="020B0609020204030204" pitchFamily="49" charset="0"/>
+              </a:rPr>
+              <a:t> %%%</a:t>
+            </a:r>
+            <a:endParaRPr lang="en-US" dirty="0">
+              <a:solidFill>
+                <a:srgbClr val="BBBBBB"/>
+              </a:solidFill>
+              <a:latin typeface="Consolas" panose="020B0609020204030204" pitchFamily="49" charset="0"/>
+            </a:endParaRPr>
+          </a:p>
+          <a:p>
+            <a:br>
+              <a:rPr lang="en-US" dirty="0">
+                <a:solidFill>
+                  <a:srgbClr val="BBBBBB"/>
+                </a:solidFill>
+                <a:latin typeface="Consolas" panose="020B0609020204030204" pitchFamily="49" charset="0"/>
+              </a:rPr>
+            </a:br>
+            <a:r>
+              <a:rPr lang="en-US" dirty="0">
+                <a:solidFill>
+                  <a:srgbClr val="C678DD"/>
+                </a:solidFill>
+                <a:latin typeface="Consolas" panose="020B0609020204030204" pitchFamily="49" charset="0"/>
+              </a:rPr>
+              <a:t>function</a:t>
+            </a:r>
+            <a:r>
+              <a:rPr lang="en-US" dirty="0">
+                <a:solidFill>
+                  <a:srgbClr val="BBBBBB"/>
+                </a:solidFill>
+                <a:latin typeface="Consolas" panose="020B0609020204030204" pitchFamily="49" charset="0"/>
+              </a:rPr>
+              <a:t> [</a:t>
+            </a:r>
+            <a:r>
+              <a:rPr lang="en-US" i="1" dirty="0">
+                <a:solidFill>
+                  <a:srgbClr val="E06C75"/>
+                </a:solidFill>
+                <a:latin typeface="Consolas" panose="020B0609020204030204" pitchFamily="49" charset="0"/>
+              </a:rPr>
+              <a:t>Padres</a:t>
+            </a:r>
+            <a:r>
+              <a:rPr lang="en-US" dirty="0">
+                <a:solidFill>
+                  <a:srgbClr val="BBBBBB"/>
+                </a:solidFill>
+                <a:latin typeface="Consolas" panose="020B0609020204030204" pitchFamily="49" charset="0"/>
+              </a:rPr>
+              <a:t>] = </a:t>
+            </a:r>
+            <a:r>
+              <a:rPr lang="en-US" dirty="0" err="1">
+                <a:solidFill>
+                  <a:srgbClr val="61AFEF"/>
+                </a:solidFill>
+                <a:latin typeface="Consolas" panose="020B0609020204030204" pitchFamily="49" charset="0"/>
+              </a:rPr>
+              <a:t>Selection_Roulette</a:t>
+            </a:r>
+            <a:r>
+              <a:rPr lang="en-US" dirty="0">
+                <a:solidFill>
+                  <a:srgbClr val="BBBBBB"/>
+                </a:solidFill>
+                <a:latin typeface="Consolas" panose="020B0609020204030204" pitchFamily="49" charset="0"/>
+              </a:rPr>
+              <a:t>(</a:t>
+            </a:r>
+            <a:r>
+              <a:rPr lang="en-US" i="1" dirty="0" err="1">
+                <a:solidFill>
+                  <a:srgbClr val="E06C75"/>
+                </a:solidFill>
+                <a:latin typeface="Consolas" panose="020B0609020204030204" pitchFamily="49" charset="0"/>
+              </a:rPr>
+              <a:t>FitPob</a:t>
+            </a:r>
+            <a:r>
+              <a:rPr lang="en-US" dirty="0" err="1">
+                <a:solidFill>
+                  <a:srgbClr val="BBBBBB"/>
+                </a:solidFill>
+                <a:latin typeface="Consolas" panose="020B0609020204030204" pitchFamily="49" charset="0"/>
+              </a:rPr>
+              <a:t>,</a:t>
+            </a:r>
+            <a:r>
+              <a:rPr lang="en-US" i="1" dirty="0" err="1">
+                <a:solidFill>
+                  <a:srgbClr val="E06C75"/>
+                </a:solidFill>
+                <a:latin typeface="Consolas" panose="020B0609020204030204" pitchFamily="49" charset="0"/>
+              </a:rPr>
+              <a:t>k</a:t>
+            </a:r>
+            <a:r>
+              <a:rPr lang="en-US" dirty="0">
+                <a:solidFill>
+                  <a:srgbClr val="BBBBBB"/>
+                </a:solidFill>
+                <a:latin typeface="Consolas" panose="020B0609020204030204" pitchFamily="49" charset="0"/>
+              </a:rPr>
+              <a:t>)</a:t>
+            </a:r>
+          </a:p>
+          <a:p>
+            <a:r>
+              <a:rPr lang="en-US" dirty="0">
+                <a:solidFill>
+                  <a:srgbClr val="BBBBBB"/>
+                </a:solidFill>
+                <a:latin typeface="Consolas" panose="020B0609020204030204" pitchFamily="49" charset="0"/>
+              </a:rPr>
+              <a:t>	Padres = </a:t>
+            </a:r>
+            <a:r>
+              <a:rPr lang="en-US" dirty="0">
+                <a:solidFill>
+                  <a:srgbClr val="C678DD"/>
+                </a:solidFill>
+                <a:latin typeface="Consolas" panose="020B0609020204030204" pitchFamily="49" charset="0"/>
+              </a:rPr>
+              <a:t>zeros</a:t>
+            </a:r>
+            <a:r>
+              <a:rPr lang="en-US" dirty="0">
+                <a:solidFill>
+                  <a:srgbClr val="BBBBBB"/>
+                </a:solidFill>
+                <a:latin typeface="Consolas" panose="020B0609020204030204" pitchFamily="49" charset="0"/>
+              </a:rPr>
+              <a:t>(</a:t>
+            </a:r>
+            <a:r>
+              <a:rPr lang="en-US" dirty="0">
+                <a:solidFill>
+                  <a:srgbClr val="D19A66"/>
+                </a:solidFill>
+                <a:latin typeface="Consolas" panose="020B0609020204030204" pitchFamily="49" charset="0"/>
+              </a:rPr>
+              <a:t>1</a:t>
+            </a:r>
+            <a:r>
+              <a:rPr lang="en-US" dirty="0">
+                <a:solidFill>
+                  <a:srgbClr val="BBBBBB"/>
+                </a:solidFill>
+                <a:latin typeface="Consolas" panose="020B0609020204030204" pitchFamily="49" charset="0"/>
+              </a:rPr>
+              <a:t>,k);</a:t>
+            </a:r>
+          </a:p>
+          <a:p>
+            <a:r>
+              <a:rPr lang="en-US" dirty="0">
+                <a:solidFill>
+                  <a:srgbClr val="BBBBBB"/>
+                </a:solidFill>
+                <a:latin typeface="Consolas" panose="020B0609020204030204" pitchFamily="49" charset="0"/>
+              </a:rPr>
+              <a:t>	</a:t>
+            </a:r>
+            <a:r>
+              <a:rPr lang="en-US" dirty="0" err="1">
+                <a:solidFill>
+                  <a:srgbClr val="BBBBBB"/>
+                </a:solidFill>
+                <a:latin typeface="Consolas" panose="020B0609020204030204" pitchFamily="49" charset="0"/>
+              </a:rPr>
+              <a:t>PUnit</a:t>
+            </a:r>
+            <a:r>
+              <a:rPr lang="en-US" dirty="0">
+                <a:solidFill>
+                  <a:srgbClr val="BBBBBB"/>
+                </a:solidFill>
+                <a:latin typeface="Consolas" panose="020B0609020204030204" pitchFamily="49" charset="0"/>
+              </a:rPr>
+              <a:t> = </a:t>
+            </a:r>
+            <a:r>
+              <a:rPr lang="en-US" dirty="0">
+                <a:solidFill>
+                  <a:srgbClr val="D19A66"/>
+                </a:solidFill>
+                <a:latin typeface="Consolas" panose="020B0609020204030204" pitchFamily="49" charset="0"/>
+              </a:rPr>
+              <a:t>1</a:t>
+            </a:r>
+            <a:r>
+              <a:rPr lang="en-US" dirty="0">
+                <a:solidFill>
+                  <a:srgbClr val="BBBBBB"/>
+                </a:solidFill>
+                <a:latin typeface="Consolas" panose="020B0609020204030204" pitchFamily="49" charset="0"/>
+              </a:rPr>
+              <a:t> / </a:t>
+            </a:r>
+            <a:r>
+              <a:rPr lang="en-US" dirty="0">
+                <a:solidFill>
+                  <a:srgbClr val="C678DD"/>
+                </a:solidFill>
+                <a:latin typeface="Consolas" panose="020B0609020204030204" pitchFamily="49" charset="0"/>
+              </a:rPr>
+              <a:t>sum</a:t>
+            </a:r>
+            <a:r>
+              <a:rPr lang="en-US" dirty="0">
+                <a:solidFill>
+                  <a:srgbClr val="BBBBBB"/>
+                </a:solidFill>
+                <a:latin typeface="Consolas" panose="020B0609020204030204" pitchFamily="49" charset="0"/>
+              </a:rPr>
+              <a:t>(</a:t>
+            </a:r>
+            <a:r>
+              <a:rPr lang="en-US" dirty="0" err="1">
+                <a:solidFill>
+                  <a:srgbClr val="BBBBBB"/>
+                </a:solidFill>
+                <a:latin typeface="Consolas" panose="020B0609020204030204" pitchFamily="49" charset="0"/>
+              </a:rPr>
+              <a:t>FitPob</a:t>
+            </a:r>
+            <a:r>
+              <a:rPr lang="en-US" dirty="0">
+                <a:solidFill>
+                  <a:srgbClr val="BBBBBB"/>
+                </a:solidFill>
+                <a:latin typeface="Consolas" panose="020B0609020204030204" pitchFamily="49" charset="0"/>
+              </a:rPr>
+              <a:t>);</a:t>
+            </a:r>
+          </a:p>
+          <a:p>
+            <a:r>
+              <a:rPr lang="en-US" dirty="0">
+                <a:solidFill>
+                  <a:srgbClr val="BBBBBB"/>
+                </a:solidFill>
+                <a:latin typeface="Consolas" panose="020B0609020204030204" pitchFamily="49" charset="0"/>
+              </a:rPr>
+              <a:t>	</a:t>
+            </a:r>
+            <a:r>
+              <a:rPr lang="en-US" dirty="0" err="1">
+                <a:solidFill>
+                  <a:srgbClr val="BBBBBB"/>
+                </a:solidFill>
+                <a:latin typeface="Consolas" panose="020B0609020204030204" pitchFamily="49" charset="0"/>
+              </a:rPr>
+              <a:t>PrbAcum</a:t>
+            </a:r>
+            <a:r>
+              <a:rPr lang="en-US" dirty="0">
+                <a:solidFill>
+                  <a:srgbClr val="BBBBBB"/>
+                </a:solidFill>
+                <a:latin typeface="Consolas" panose="020B0609020204030204" pitchFamily="49" charset="0"/>
+              </a:rPr>
+              <a:t> = </a:t>
+            </a:r>
+            <a:r>
+              <a:rPr lang="en-US" dirty="0" err="1">
+                <a:solidFill>
+                  <a:srgbClr val="C678DD"/>
+                </a:solidFill>
+                <a:latin typeface="Consolas" panose="020B0609020204030204" pitchFamily="49" charset="0"/>
+              </a:rPr>
+              <a:t>cumsum</a:t>
+            </a:r>
+            <a:r>
+              <a:rPr lang="en-US" dirty="0">
+                <a:solidFill>
+                  <a:srgbClr val="BBBBBB"/>
+                </a:solidFill>
+                <a:latin typeface="Consolas" panose="020B0609020204030204" pitchFamily="49" charset="0"/>
+              </a:rPr>
+              <a:t>(</a:t>
+            </a:r>
+            <a:r>
+              <a:rPr lang="en-US" dirty="0" err="1">
+                <a:solidFill>
+                  <a:srgbClr val="BBBBBB"/>
+                </a:solidFill>
+                <a:latin typeface="Consolas" panose="020B0609020204030204" pitchFamily="49" charset="0"/>
+              </a:rPr>
+              <a:t>PUnit</a:t>
+            </a:r>
+            <a:r>
+              <a:rPr lang="en-US" dirty="0">
+                <a:solidFill>
+                  <a:srgbClr val="BBBBBB"/>
+                </a:solidFill>
+                <a:latin typeface="Consolas" panose="020B0609020204030204" pitchFamily="49" charset="0"/>
+              </a:rPr>
+              <a:t> * </a:t>
+            </a:r>
+            <a:r>
+              <a:rPr lang="en-US" dirty="0" err="1">
+                <a:solidFill>
+                  <a:srgbClr val="BBBBBB"/>
+                </a:solidFill>
+                <a:latin typeface="Consolas" panose="020B0609020204030204" pitchFamily="49" charset="0"/>
+              </a:rPr>
+              <a:t>FitPob</a:t>
+            </a:r>
+            <a:r>
+              <a:rPr lang="en-US" dirty="0">
+                <a:solidFill>
+                  <a:srgbClr val="BBBBBB"/>
+                </a:solidFill>
+                <a:latin typeface="Consolas" panose="020B0609020204030204" pitchFamily="49" charset="0"/>
+              </a:rPr>
+              <a:t>); </a:t>
+            </a:r>
+          </a:p>
+          <a:p>
+            <a:r>
+              <a:rPr lang="en-US" dirty="0">
+                <a:solidFill>
+                  <a:srgbClr val="BBBBBB"/>
+                </a:solidFill>
+                <a:latin typeface="Consolas" panose="020B0609020204030204" pitchFamily="49" charset="0"/>
+              </a:rPr>
+              <a:t>	</a:t>
+            </a:r>
+            <a:r>
+              <a:rPr lang="en-US" dirty="0" err="1">
+                <a:solidFill>
+                  <a:srgbClr val="BBBBBB"/>
+                </a:solidFill>
+                <a:latin typeface="Consolas" panose="020B0609020204030204" pitchFamily="49" charset="0"/>
+              </a:rPr>
+              <a:t>i</a:t>
+            </a:r>
+            <a:r>
+              <a:rPr lang="en-US" dirty="0">
+                <a:solidFill>
+                  <a:srgbClr val="BBBBBB"/>
+                </a:solidFill>
+                <a:latin typeface="Consolas" panose="020B0609020204030204" pitchFamily="49" charset="0"/>
+              </a:rPr>
+              <a:t> = </a:t>
+            </a:r>
+            <a:r>
+              <a:rPr lang="en-US" dirty="0">
+                <a:solidFill>
+                  <a:srgbClr val="D19A66"/>
+                </a:solidFill>
+                <a:latin typeface="Consolas" panose="020B0609020204030204" pitchFamily="49" charset="0"/>
+              </a:rPr>
+              <a:t>1</a:t>
+            </a:r>
+            <a:r>
+              <a:rPr lang="en-US" dirty="0">
+                <a:solidFill>
+                  <a:srgbClr val="BBBBBB"/>
+                </a:solidFill>
+                <a:latin typeface="Consolas" panose="020B0609020204030204" pitchFamily="49" charset="0"/>
+              </a:rPr>
+              <a:t>;</a:t>
+            </a:r>
+          </a:p>
+          <a:p>
+            <a:r>
+              <a:rPr lang="en-US" dirty="0">
+                <a:solidFill>
+                  <a:srgbClr val="C678DD"/>
+                </a:solidFill>
+                <a:latin typeface="Consolas" panose="020B0609020204030204" pitchFamily="49" charset="0"/>
+              </a:rPr>
+              <a:t>	while</a:t>
+            </a:r>
+            <a:r>
+              <a:rPr lang="en-US" dirty="0">
+                <a:solidFill>
+                  <a:srgbClr val="BBBBBB"/>
+                </a:solidFill>
+                <a:latin typeface="Consolas" panose="020B0609020204030204" pitchFamily="49" charset="0"/>
+              </a:rPr>
+              <a:t> </a:t>
+            </a:r>
+            <a:r>
+              <a:rPr lang="en-US" dirty="0" err="1">
+                <a:solidFill>
+                  <a:srgbClr val="C678DD"/>
+                </a:solidFill>
+                <a:latin typeface="Consolas" panose="020B0609020204030204" pitchFamily="49" charset="0"/>
+              </a:rPr>
+              <a:t>i</a:t>
+            </a:r>
+            <a:r>
+              <a:rPr lang="en-US" dirty="0">
+                <a:solidFill>
+                  <a:srgbClr val="BBBBBB"/>
+                </a:solidFill>
+                <a:latin typeface="Consolas" panose="020B0609020204030204" pitchFamily="49" charset="0"/>
+              </a:rPr>
+              <a:t> &lt;= k</a:t>
+            </a:r>
+          </a:p>
+          <a:p>
+            <a:r>
+              <a:rPr lang="en-US" dirty="0">
+                <a:solidFill>
+                  <a:srgbClr val="BBBBBB"/>
+                </a:solidFill>
+                <a:latin typeface="Consolas" panose="020B0609020204030204" pitchFamily="49" charset="0"/>
+              </a:rPr>
+              <a:t>		r = </a:t>
+            </a:r>
+            <a:r>
+              <a:rPr lang="en-US" dirty="0">
+                <a:solidFill>
+                  <a:srgbClr val="C678DD"/>
+                </a:solidFill>
+                <a:latin typeface="Consolas" panose="020B0609020204030204" pitchFamily="49" charset="0"/>
+              </a:rPr>
+              <a:t>rand</a:t>
+            </a:r>
+            <a:r>
+              <a:rPr lang="en-US" dirty="0">
+                <a:solidFill>
+                  <a:srgbClr val="BBBBBB"/>
+                </a:solidFill>
+                <a:latin typeface="Consolas" panose="020B0609020204030204" pitchFamily="49" charset="0"/>
+              </a:rPr>
+              <a:t>;</a:t>
+            </a:r>
+          </a:p>
+          <a:p>
+            <a:r>
+              <a:rPr lang="en-US" dirty="0">
+                <a:solidFill>
+                  <a:srgbClr val="BBBBBB"/>
+                </a:solidFill>
+                <a:latin typeface="Consolas" panose="020B0609020204030204" pitchFamily="49" charset="0"/>
+              </a:rPr>
+              <a:t>		j = </a:t>
+            </a:r>
+            <a:r>
+              <a:rPr lang="en-US" dirty="0">
+                <a:solidFill>
+                  <a:srgbClr val="C678DD"/>
+                </a:solidFill>
+                <a:latin typeface="Consolas" panose="020B0609020204030204" pitchFamily="49" charset="0"/>
+              </a:rPr>
+              <a:t>find</a:t>
+            </a:r>
+            <a:r>
+              <a:rPr lang="en-US" dirty="0">
+                <a:solidFill>
+                  <a:srgbClr val="BBBBBB"/>
+                </a:solidFill>
+                <a:latin typeface="Consolas" panose="020B0609020204030204" pitchFamily="49" charset="0"/>
+              </a:rPr>
+              <a:t>(r&gt;=PrbAcum,</a:t>
+            </a:r>
+            <a:r>
+              <a:rPr lang="en-US" dirty="0">
+                <a:solidFill>
+                  <a:srgbClr val="D19A66"/>
+                </a:solidFill>
+                <a:latin typeface="Consolas" panose="020B0609020204030204" pitchFamily="49" charset="0"/>
+              </a:rPr>
+              <a:t>1</a:t>
+            </a:r>
+            <a:r>
+              <a:rPr lang="en-US" dirty="0">
+                <a:solidFill>
+                  <a:srgbClr val="BBBBBB"/>
+                </a:solidFill>
+                <a:latin typeface="Consolas" panose="020B0609020204030204" pitchFamily="49" charset="0"/>
+              </a:rPr>
+              <a:t>,</a:t>
+            </a:r>
+            <a:r>
+              <a:rPr lang="en-US" dirty="0">
+                <a:solidFill>
+                  <a:srgbClr val="98C379"/>
+                </a:solidFill>
+                <a:latin typeface="Consolas" panose="020B0609020204030204" pitchFamily="49" charset="0"/>
+              </a:rPr>
+              <a:t>'last’</a:t>
+            </a:r>
+            <a:r>
+              <a:rPr lang="en-US" dirty="0">
+                <a:solidFill>
+                  <a:srgbClr val="BBBBBB"/>
+                </a:solidFill>
+                <a:latin typeface="Consolas" panose="020B0609020204030204" pitchFamily="49" charset="0"/>
+              </a:rPr>
+              <a:t>);</a:t>
+            </a:r>
+          </a:p>
+          <a:p>
+            <a:r>
+              <a:rPr lang="en-US" dirty="0">
+                <a:solidFill>
+                  <a:srgbClr val="BBBBBB"/>
+                </a:solidFill>
+                <a:latin typeface="Consolas" panose="020B0609020204030204" pitchFamily="49" charset="0"/>
+              </a:rPr>
+              <a:t>		c = </a:t>
+            </a:r>
+            <a:r>
+              <a:rPr lang="en-US" dirty="0" err="1">
+                <a:solidFill>
+                  <a:srgbClr val="BBBBBB"/>
+                </a:solidFill>
+                <a:latin typeface="Consolas" panose="020B0609020204030204" pitchFamily="49" charset="0"/>
+              </a:rPr>
+              <a:t>ismember</a:t>
+            </a:r>
+            <a:r>
+              <a:rPr lang="en-US" dirty="0">
+                <a:solidFill>
+                  <a:srgbClr val="BBBBBB"/>
+                </a:solidFill>
+                <a:latin typeface="Consolas" panose="020B0609020204030204" pitchFamily="49" charset="0"/>
+              </a:rPr>
+              <a:t>(</a:t>
+            </a:r>
+            <a:r>
+              <a:rPr lang="en-US" dirty="0" err="1">
+                <a:solidFill>
+                  <a:srgbClr val="C678DD"/>
+                </a:solidFill>
+                <a:latin typeface="Consolas" panose="020B0609020204030204" pitchFamily="49" charset="0"/>
+              </a:rPr>
+              <a:t>j</a:t>
+            </a:r>
+            <a:r>
+              <a:rPr lang="en-US" dirty="0" err="1">
+                <a:solidFill>
+                  <a:srgbClr val="BBBBBB"/>
+                </a:solidFill>
+                <a:latin typeface="Consolas" panose="020B0609020204030204" pitchFamily="49" charset="0"/>
+              </a:rPr>
+              <a:t>,Padres</a:t>
+            </a:r>
+            <a:r>
+              <a:rPr lang="en-US" dirty="0">
+                <a:solidFill>
+                  <a:srgbClr val="BBBBBB"/>
+                </a:solidFill>
+                <a:latin typeface="Consolas" panose="020B0609020204030204" pitchFamily="49" charset="0"/>
+              </a:rPr>
+              <a:t>);</a:t>
+            </a:r>
+          </a:p>
+          <a:p>
+            <a:r>
+              <a:rPr lang="en-US" dirty="0">
+                <a:solidFill>
+                  <a:srgbClr val="C678DD"/>
+                </a:solidFill>
+                <a:latin typeface="Consolas" panose="020B0609020204030204" pitchFamily="49" charset="0"/>
+              </a:rPr>
+              <a:t>		if</a:t>
+            </a:r>
+            <a:r>
+              <a:rPr lang="en-US" dirty="0">
+                <a:solidFill>
+                  <a:srgbClr val="BBBBBB"/>
+                </a:solidFill>
+                <a:latin typeface="Consolas" panose="020B0609020204030204" pitchFamily="49" charset="0"/>
+              </a:rPr>
+              <a:t> c == </a:t>
+            </a:r>
+            <a:r>
+              <a:rPr lang="en-US" dirty="0">
+                <a:solidFill>
+                  <a:srgbClr val="D19A66"/>
+                </a:solidFill>
+                <a:latin typeface="Consolas" panose="020B0609020204030204" pitchFamily="49" charset="0"/>
+              </a:rPr>
+              <a:t>0</a:t>
+            </a:r>
+            <a:endParaRPr lang="en-US" dirty="0">
+              <a:solidFill>
+                <a:srgbClr val="BBBBBB"/>
+              </a:solidFill>
+              <a:latin typeface="Consolas" panose="020B0609020204030204" pitchFamily="49" charset="0"/>
+            </a:endParaRPr>
+          </a:p>
+          <a:p>
+            <a:r>
+              <a:rPr lang="en-US" dirty="0">
+                <a:solidFill>
+                  <a:srgbClr val="BBBBBB"/>
+                </a:solidFill>
+                <a:latin typeface="Consolas" panose="020B0609020204030204" pitchFamily="49" charset="0"/>
+              </a:rPr>
+              <a:t>			Padres(</a:t>
+            </a:r>
+            <a:r>
+              <a:rPr lang="en-US" dirty="0" err="1">
+                <a:solidFill>
+                  <a:srgbClr val="C678DD"/>
+                </a:solidFill>
+                <a:latin typeface="Consolas" panose="020B0609020204030204" pitchFamily="49" charset="0"/>
+              </a:rPr>
+              <a:t>i</a:t>
+            </a:r>
+            <a:r>
+              <a:rPr lang="en-US" dirty="0">
+                <a:solidFill>
+                  <a:srgbClr val="BBBBBB"/>
+                </a:solidFill>
+                <a:latin typeface="Consolas" panose="020B0609020204030204" pitchFamily="49" charset="0"/>
+              </a:rPr>
+              <a:t>) = </a:t>
+            </a:r>
+            <a:r>
+              <a:rPr lang="en-US" dirty="0">
+                <a:solidFill>
+                  <a:srgbClr val="C678DD"/>
+                </a:solidFill>
+                <a:latin typeface="Consolas" panose="020B0609020204030204" pitchFamily="49" charset="0"/>
+              </a:rPr>
+              <a:t>j</a:t>
+            </a:r>
+            <a:r>
+              <a:rPr lang="en-US" dirty="0">
+                <a:solidFill>
+                  <a:srgbClr val="BBBBBB"/>
+                </a:solidFill>
+                <a:latin typeface="Consolas" panose="020B0609020204030204" pitchFamily="49" charset="0"/>
+              </a:rPr>
+              <a:t>;</a:t>
+            </a:r>
+          </a:p>
+          <a:p>
+            <a:r>
+              <a:rPr lang="en-US" dirty="0">
+                <a:solidFill>
+                  <a:srgbClr val="BBBBBB"/>
+                </a:solidFill>
+                <a:latin typeface="Consolas" panose="020B0609020204030204" pitchFamily="49" charset="0"/>
+              </a:rPr>
+              <a:t>			</a:t>
+            </a:r>
+            <a:r>
+              <a:rPr lang="en-US" dirty="0" err="1">
+                <a:solidFill>
+                  <a:srgbClr val="BBBBBB"/>
+                </a:solidFill>
+                <a:latin typeface="Consolas" panose="020B0609020204030204" pitchFamily="49" charset="0"/>
+              </a:rPr>
+              <a:t>i</a:t>
+            </a:r>
+            <a:r>
+              <a:rPr lang="en-US" dirty="0">
+                <a:solidFill>
+                  <a:srgbClr val="BBBBBB"/>
+                </a:solidFill>
+                <a:latin typeface="Consolas" panose="020B0609020204030204" pitchFamily="49" charset="0"/>
+              </a:rPr>
+              <a:t> = </a:t>
+            </a:r>
+            <a:r>
+              <a:rPr lang="en-US" dirty="0" err="1">
+                <a:solidFill>
+                  <a:srgbClr val="C678DD"/>
+                </a:solidFill>
+                <a:latin typeface="Consolas" panose="020B0609020204030204" pitchFamily="49" charset="0"/>
+              </a:rPr>
+              <a:t>i</a:t>
+            </a:r>
+            <a:r>
+              <a:rPr lang="en-US" dirty="0">
+                <a:solidFill>
+                  <a:srgbClr val="BBBBBB"/>
+                </a:solidFill>
+                <a:latin typeface="Consolas" panose="020B0609020204030204" pitchFamily="49" charset="0"/>
+              </a:rPr>
+              <a:t> + </a:t>
+            </a:r>
+            <a:r>
+              <a:rPr lang="en-US" dirty="0">
+                <a:solidFill>
+                  <a:srgbClr val="D19A66"/>
+                </a:solidFill>
+                <a:latin typeface="Consolas" panose="020B0609020204030204" pitchFamily="49" charset="0"/>
+              </a:rPr>
+              <a:t>1</a:t>
+            </a:r>
+            <a:r>
+              <a:rPr lang="en-US" dirty="0">
+                <a:solidFill>
+                  <a:srgbClr val="BBBBBB"/>
+                </a:solidFill>
+                <a:latin typeface="Consolas" panose="020B0609020204030204" pitchFamily="49" charset="0"/>
+              </a:rPr>
+              <a:t>;</a:t>
+            </a:r>
+          </a:p>
+          <a:p>
+            <a:r>
+              <a:rPr lang="en-US" dirty="0">
+                <a:solidFill>
+                  <a:srgbClr val="C678DD"/>
+                </a:solidFill>
+                <a:latin typeface="Consolas" panose="020B0609020204030204" pitchFamily="49" charset="0"/>
+              </a:rPr>
+              <a:t>		end</a:t>
+            </a:r>
+            <a:endParaRPr lang="en-US" dirty="0">
+              <a:solidFill>
+                <a:srgbClr val="BBBBBB"/>
+              </a:solidFill>
+              <a:latin typeface="Consolas" panose="020B0609020204030204" pitchFamily="49" charset="0"/>
+            </a:endParaRPr>
+          </a:p>
+          <a:p>
+            <a:r>
+              <a:rPr lang="en-US" dirty="0">
+                <a:solidFill>
+                  <a:srgbClr val="C678DD"/>
+                </a:solidFill>
+                <a:latin typeface="Consolas" panose="020B0609020204030204" pitchFamily="49" charset="0"/>
+              </a:rPr>
+              <a:t>	end</a:t>
+            </a:r>
+            <a:endParaRPr lang="en-US" dirty="0">
+              <a:solidFill>
+                <a:srgbClr val="BBBBBB"/>
+              </a:solidFill>
+              <a:latin typeface="Consolas" panose="020B0609020204030204" pitchFamily="49" charset="0"/>
+            </a:endParaRPr>
+          </a:p>
+          <a:p>
+            <a:r>
+              <a:rPr lang="en-US" dirty="0">
+                <a:solidFill>
+                  <a:srgbClr val="C678DD"/>
+                </a:solidFill>
+                <a:latin typeface="Consolas" panose="020B0609020204030204" pitchFamily="49" charset="0"/>
+              </a:rPr>
+              <a:t>end</a:t>
+            </a:r>
+            <a:endParaRPr lang="en-US" dirty="0">
+              <a:solidFill>
+                <a:srgbClr val="BBBBBB"/>
+              </a:solidFill>
+              <a:latin typeface="Consolas" panose="020B0609020204030204" pitchFamily="49" charset="0"/>
+            </a:endParaRPr>
+          </a:p>
+        </p:txBody>
+      </p:sp>
+      <p:pic>
+        <p:nvPicPr>
+          <p:cNvPr id="2050" name="Picture 2" descr="Resultado de imagen de grafico circular">
+            <a:extLst>
+              <a:ext uri="{FF2B5EF4-FFF2-40B4-BE49-F238E27FC236}">
+                <a16:creationId xmlns:a16="http://schemas.microsoft.com/office/drawing/2014/main" id="{FA564F93-573E-4885-AAD3-553F5CC56D9A}"/>
+              </a:ext>
+            </a:extLst>
+          </p:cNvPr>
+          <p:cNvPicPr>
+            <a:picLocks noChangeAspect="1" noChangeArrowheads="1"/>
+          </p:cNvPicPr>
+          <p:nvPr/>
+        </p:nvPicPr>
+        <p:blipFill>
+          <a:blip r:embed="rId2">
+            <a:extLst>
+              <a:ext uri="{28A0092B-C50C-407E-A947-70E740481C1C}">
+                <a14:useLocalDpi xmlns:a14="http://schemas.microsoft.com/office/drawing/2010/main" val="0"/>
+              </a:ext>
+            </a:extLst>
+          </a:blip>
+          <a:srcRect/>
+          <a:stretch>
+            <a:fillRect/>
+          </a:stretch>
+        </p:blipFill>
+        <p:spPr bwMode="auto">
+          <a:xfrm>
+            <a:off x="7236619" y="2760340"/>
+            <a:ext cx="3776662" cy="3045013"/>
+          </a:xfrm>
+          <a:prstGeom prst="rect">
+            <a:avLst/>
+          </a:prstGeom>
+          <a:noFill/>
+          <a:extLst>
+            <a:ext uri="{909E8E84-426E-40DD-AFC4-6F175D3DCCD1}">
+              <a14:hiddenFill xmlns:a14="http://schemas.microsoft.com/office/drawing/2010/main">
+                <a:solidFill>
+                  <a:srgbClr val="FFFFFF"/>
+                </a:solidFill>
+              </a14:hiddenFill>
+            </a:ext>
+          </a:extLst>
+        </p:spPr>
+      </p:pic>
+    </p:spTree>
+    <p:extLst>
+      <p:ext uri="{BB962C8B-B14F-4D97-AF65-F5344CB8AC3E}">
+        <p14:creationId xmlns:p14="http://schemas.microsoft.com/office/powerpoint/2010/main" val="3507301937"/>
+      </p:ext>
+    </p:extLst>
+  </p:cSld>
+  <p:clrMapOvr>
+    <a:masterClrMapping/>
+  </p:clrMapOvr>
+</p:sld>
+</file>
+
+<file path=ppt/slides/slide8.xml><?xml version="1.0" encoding="utf-8"?>
+<p:sld xmlns:a="http://schemas.openxmlformats.org/drawingml/2006/main" xmlns:r="http://schemas.openxmlformats.org/officeDocument/2006/relationships" xmlns:p="http://schemas.openxmlformats.org/presentationml/2006/main">
+  <p:cSld>
+    <p:spTree>
+      <p:nvGrpSpPr>
+        <p:cNvPr id="1" name=""/>
+        <p:cNvGrpSpPr/>
+        <p:nvPr/>
+      </p:nvGrpSpPr>
+      <p:grpSpPr>
+        <a:xfrm>
+          <a:off x="0" y="0"/>
+          <a:ext cx="0" cy="0"/>
+          <a:chOff x="0" y="0"/>
+          <a:chExt cx="0" cy="0"/>
+        </a:xfrm>
+      </p:grpSpPr>
+      <p:sp>
+        <p:nvSpPr>
+          <p:cNvPr id="2" name="Título 1">
+            <a:extLst>
+              <a:ext uri="{FF2B5EF4-FFF2-40B4-BE49-F238E27FC236}">
+                <a16:creationId xmlns:a16="http://schemas.microsoft.com/office/drawing/2014/main" id="{9AD93334-50C9-4AF2-8B67-730967F4A785}"/>
+              </a:ext>
+            </a:extLst>
+          </p:cNvPr>
+          <p:cNvSpPr>
+            <a:spLocks noGrp="1"/>
+          </p:cNvSpPr>
+          <p:nvPr>
+            <p:ph type="title"/>
+          </p:nvPr>
+        </p:nvSpPr>
+        <p:spPr/>
+        <p:txBody>
+          <a:bodyPr/>
+          <a:lstStyle/>
+          <a:p>
+            <a:r>
+              <a:rPr lang="es-ES" dirty="0"/>
+              <a:t>Cruce Uniforme por Máscara</a:t>
+            </a:r>
+          </a:p>
+        </p:txBody>
+      </p:sp>
+      <p:sp>
+        <p:nvSpPr>
+          <p:cNvPr id="7" name="Rectángulo 6">
+            <a:extLst>
+              <a:ext uri="{FF2B5EF4-FFF2-40B4-BE49-F238E27FC236}">
+                <a16:creationId xmlns:a16="http://schemas.microsoft.com/office/drawing/2014/main" id="{9B8AEC93-3631-4618-A418-D1FDF5041BB6}"/>
+              </a:ext>
+            </a:extLst>
+          </p:cNvPr>
+          <p:cNvSpPr/>
+          <p:nvPr/>
+        </p:nvSpPr>
+        <p:spPr>
+          <a:xfrm>
+            <a:off x="520556" y="2421149"/>
+            <a:ext cx="6096000" cy="3693319"/>
+          </a:xfrm>
+          <a:prstGeom prst="rect">
+            <a:avLst/>
+          </a:prstGeom>
+        </p:spPr>
+        <p:txBody>
+          <a:bodyPr>
+            <a:spAutoFit/>
+          </a:bodyPr>
+          <a:lstStyle/>
+          <a:p>
+            <a:r>
+              <a:rPr lang="es-ES" dirty="0" err="1">
+                <a:solidFill>
+                  <a:srgbClr val="C678DD"/>
+                </a:solidFill>
+                <a:latin typeface="Consolas" panose="020B0609020204030204" pitchFamily="49" charset="0"/>
+              </a:rPr>
+              <a:t>function</a:t>
+            </a:r>
+            <a:r>
+              <a:rPr lang="es-ES" dirty="0">
+                <a:solidFill>
+                  <a:srgbClr val="BBBBBB"/>
+                </a:solidFill>
+                <a:latin typeface="Consolas" panose="020B0609020204030204" pitchFamily="49" charset="0"/>
+              </a:rPr>
+              <a:t> </a:t>
+            </a:r>
+            <a:r>
+              <a:rPr lang="es-ES" i="1" dirty="0">
+                <a:solidFill>
+                  <a:srgbClr val="E06C75"/>
+                </a:solidFill>
+                <a:latin typeface="Consolas" panose="020B0609020204030204" pitchFamily="49" charset="0"/>
+              </a:rPr>
+              <a:t>C</a:t>
+            </a:r>
+            <a:r>
+              <a:rPr lang="es-ES" dirty="0">
+                <a:solidFill>
+                  <a:srgbClr val="BBBBBB"/>
+                </a:solidFill>
+                <a:latin typeface="Consolas" panose="020B0609020204030204" pitchFamily="49" charset="0"/>
+              </a:rPr>
+              <a:t> = </a:t>
+            </a:r>
+            <a:r>
+              <a:rPr lang="es-ES" dirty="0" err="1">
+                <a:solidFill>
+                  <a:srgbClr val="61AFEF"/>
+                </a:solidFill>
+                <a:latin typeface="Consolas" panose="020B0609020204030204" pitchFamily="49" charset="0"/>
+              </a:rPr>
+              <a:t>MaskCrossover</a:t>
+            </a:r>
+            <a:r>
+              <a:rPr lang="es-ES" dirty="0">
+                <a:solidFill>
+                  <a:srgbClr val="BBBBBB"/>
+                </a:solidFill>
+                <a:latin typeface="Consolas" panose="020B0609020204030204" pitchFamily="49" charset="0"/>
+              </a:rPr>
+              <a:t>(</a:t>
+            </a:r>
+            <a:r>
+              <a:rPr lang="es-ES" i="1" dirty="0" err="1">
+                <a:solidFill>
+                  <a:srgbClr val="E06C75"/>
+                </a:solidFill>
+                <a:latin typeface="Consolas" panose="020B0609020204030204" pitchFamily="49" charset="0"/>
+              </a:rPr>
+              <a:t>A</a:t>
+            </a:r>
+            <a:r>
+              <a:rPr lang="es-ES" dirty="0" err="1">
+                <a:solidFill>
+                  <a:srgbClr val="BBBBBB"/>
+                </a:solidFill>
+                <a:latin typeface="Consolas" panose="020B0609020204030204" pitchFamily="49" charset="0"/>
+              </a:rPr>
+              <a:t>,</a:t>
+            </a:r>
+            <a:r>
+              <a:rPr lang="es-ES" i="1" dirty="0" err="1">
+                <a:solidFill>
+                  <a:srgbClr val="E06C75"/>
+                </a:solidFill>
+                <a:latin typeface="Consolas" panose="020B0609020204030204" pitchFamily="49" charset="0"/>
+              </a:rPr>
+              <a:t>B</a:t>
+            </a:r>
+            <a:r>
+              <a:rPr lang="es-ES" dirty="0" err="1">
+                <a:solidFill>
+                  <a:srgbClr val="BBBBBB"/>
+                </a:solidFill>
+                <a:latin typeface="Consolas" panose="020B0609020204030204" pitchFamily="49" charset="0"/>
+              </a:rPr>
+              <a:t>,</a:t>
+            </a:r>
+            <a:r>
+              <a:rPr lang="es-ES" i="1" dirty="0" err="1">
+                <a:solidFill>
+                  <a:srgbClr val="E06C75"/>
+                </a:solidFill>
+                <a:latin typeface="Consolas" panose="020B0609020204030204" pitchFamily="49" charset="0"/>
+              </a:rPr>
+              <a:t>NManagers</a:t>
+            </a:r>
+            <a:r>
+              <a:rPr lang="es-ES" dirty="0">
+                <a:solidFill>
+                  <a:srgbClr val="BBBBBB"/>
+                </a:solidFill>
+                <a:latin typeface="Consolas" panose="020B0609020204030204" pitchFamily="49" charset="0"/>
+              </a:rPr>
+              <a:t>)</a:t>
+            </a:r>
+          </a:p>
+          <a:p>
+            <a:br>
+              <a:rPr lang="es-ES" dirty="0">
+                <a:solidFill>
+                  <a:srgbClr val="BBBBBB"/>
+                </a:solidFill>
+                <a:latin typeface="Consolas" panose="020B0609020204030204" pitchFamily="49" charset="0"/>
+              </a:rPr>
+            </a:br>
+            <a:r>
+              <a:rPr lang="es-ES" i="1" dirty="0">
+                <a:solidFill>
+                  <a:srgbClr val="7F848E"/>
+                </a:solidFill>
+                <a:latin typeface="Consolas" panose="020B0609020204030204" pitchFamily="49" charset="0"/>
+              </a:rPr>
+              <a:t>%</a:t>
+            </a:r>
+            <a:r>
+              <a:rPr lang="es-ES" i="1" dirty="0" err="1">
+                <a:solidFill>
+                  <a:srgbClr val="7F848E"/>
+                </a:solidFill>
+                <a:latin typeface="Consolas" panose="020B0609020204030204" pitchFamily="49" charset="0"/>
+              </a:rPr>
+              <a:t>We</a:t>
+            </a:r>
+            <a:r>
+              <a:rPr lang="es-ES" i="1" dirty="0">
+                <a:solidFill>
+                  <a:srgbClr val="7F848E"/>
+                </a:solidFill>
+                <a:latin typeface="Consolas" panose="020B0609020204030204" pitchFamily="49" charset="0"/>
+              </a:rPr>
+              <a:t> </a:t>
+            </a:r>
+            <a:r>
+              <a:rPr lang="es-ES" i="1" dirty="0" err="1">
+                <a:solidFill>
+                  <a:srgbClr val="7F848E"/>
+                </a:solidFill>
+                <a:latin typeface="Consolas" panose="020B0609020204030204" pitchFamily="49" charset="0"/>
+              </a:rPr>
+              <a:t>create</a:t>
+            </a:r>
+            <a:r>
+              <a:rPr lang="es-ES" i="1" dirty="0">
+                <a:solidFill>
+                  <a:srgbClr val="7F848E"/>
+                </a:solidFill>
+                <a:latin typeface="Consolas" panose="020B0609020204030204" pitchFamily="49" charset="0"/>
+              </a:rPr>
+              <a:t> </a:t>
+            </a:r>
+            <a:r>
+              <a:rPr lang="es-ES" i="1" dirty="0" err="1">
+                <a:solidFill>
+                  <a:srgbClr val="7F848E"/>
+                </a:solidFill>
+                <a:latin typeface="Consolas" panose="020B0609020204030204" pitchFamily="49" charset="0"/>
+              </a:rPr>
+              <a:t>the</a:t>
+            </a:r>
+            <a:r>
+              <a:rPr lang="es-ES" i="1" dirty="0">
+                <a:solidFill>
+                  <a:srgbClr val="7F848E"/>
+                </a:solidFill>
+                <a:latin typeface="Consolas" panose="020B0609020204030204" pitchFamily="49" charset="0"/>
+              </a:rPr>
+              <a:t> </a:t>
+            </a:r>
+            <a:r>
+              <a:rPr lang="es-ES" i="1" dirty="0" err="1">
+                <a:solidFill>
+                  <a:srgbClr val="7F848E"/>
+                </a:solidFill>
+                <a:latin typeface="Consolas" panose="020B0609020204030204" pitchFamily="49" charset="0"/>
+              </a:rPr>
+              <a:t>Mask</a:t>
+            </a:r>
+            <a:endParaRPr lang="es-ES" dirty="0">
+              <a:solidFill>
+                <a:srgbClr val="BBBBBB"/>
+              </a:solidFill>
+              <a:latin typeface="Consolas" panose="020B0609020204030204" pitchFamily="49" charset="0"/>
+            </a:endParaRPr>
+          </a:p>
+          <a:p>
+            <a:r>
+              <a:rPr lang="es-ES" dirty="0" err="1">
+                <a:solidFill>
+                  <a:srgbClr val="BBBBBB"/>
+                </a:solidFill>
+                <a:latin typeface="Consolas" panose="020B0609020204030204" pitchFamily="49" charset="0"/>
+              </a:rPr>
+              <a:t>Mask</a:t>
+            </a:r>
+            <a:r>
+              <a:rPr lang="es-ES" dirty="0">
+                <a:solidFill>
+                  <a:srgbClr val="BBBBBB"/>
+                </a:solidFill>
+                <a:latin typeface="Consolas" panose="020B0609020204030204" pitchFamily="49" charset="0"/>
+              </a:rPr>
+              <a:t> = </a:t>
+            </a:r>
+            <a:r>
+              <a:rPr lang="es-ES" dirty="0" err="1">
+                <a:solidFill>
+                  <a:srgbClr val="BBBBBB"/>
+                </a:solidFill>
+                <a:latin typeface="Consolas" panose="020B0609020204030204" pitchFamily="49" charset="0"/>
+              </a:rPr>
+              <a:t>randi</a:t>
+            </a:r>
+            <a:r>
+              <a:rPr lang="es-ES" dirty="0">
+                <a:solidFill>
+                  <a:srgbClr val="BBBBBB"/>
+                </a:solidFill>
+                <a:latin typeface="Consolas" panose="020B0609020204030204" pitchFamily="49" charset="0"/>
+              </a:rPr>
+              <a:t>([</a:t>
+            </a:r>
+            <a:r>
+              <a:rPr lang="es-ES" dirty="0">
+                <a:solidFill>
+                  <a:srgbClr val="D19A66"/>
+                </a:solidFill>
+                <a:latin typeface="Consolas" panose="020B0609020204030204" pitchFamily="49" charset="0"/>
+              </a:rPr>
+              <a:t>0</a:t>
+            </a:r>
+            <a:r>
+              <a:rPr lang="es-ES" dirty="0">
+                <a:solidFill>
+                  <a:srgbClr val="BBBBBB"/>
+                </a:solidFill>
+                <a:latin typeface="Consolas" panose="020B0609020204030204" pitchFamily="49" charset="0"/>
+              </a:rPr>
+              <a:t>,</a:t>
+            </a:r>
+            <a:r>
+              <a:rPr lang="es-ES" dirty="0">
+                <a:solidFill>
+                  <a:srgbClr val="D19A66"/>
+                </a:solidFill>
+                <a:latin typeface="Consolas" panose="020B0609020204030204" pitchFamily="49" charset="0"/>
+              </a:rPr>
+              <a:t>1</a:t>
+            </a:r>
+            <a:r>
+              <a:rPr lang="es-ES" dirty="0">
+                <a:solidFill>
+                  <a:srgbClr val="BBBBBB"/>
+                </a:solidFill>
+                <a:latin typeface="Consolas" panose="020B0609020204030204" pitchFamily="49" charset="0"/>
+              </a:rPr>
+              <a:t>],</a:t>
+            </a:r>
+            <a:r>
+              <a:rPr lang="es-ES" dirty="0">
+                <a:solidFill>
+                  <a:srgbClr val="D19A66"/>
+                </a:solidFill>
+                <a:latin typeface="Consolas" panose="020B0609020204030204" pitchFamily="49" charset="0"/>
+              </a:rPr>
+              <a:t>1</a:t>
+            </a:r>
+            <a:r>
+              <a:rPr lang="es-ES" dirty="0">
+                <a:solidFill>
+                  <a:srgbClr val="BBBBBB"/>
+                </a:solidFill>
+                <a:latin typeface="Consolas" panose="020B0609020204030204" pitchFamily="49" charset="0"/>
+              </a:rPr>
+              <a:t>,</a:t>
+            </a:r>
+            <a:r>
+              <a:rPr lang="es-ES" dirty="0">
+                <a:solidFill>
+                  <a:srgbClr val="C678DD"/>
+                </a:solidFill>
+                <a:latin typeface="Consolas" panose="020B0609020204030204" pitchFamily="49" charset="0"/>
+              </a:rPr>
+              <a:t>size</a:t>
+            </a:r>
+            <a:r>
+              <a:rPr lang="es-ES" dirty="0">
+                <a:solidFill>
+                  <a:srgbClr val="BBBBBB"/>
+                </a:solidFill>
+                <a:latin typeface="Consolas" panose="020B0609020204030204" pitchFamily="49" charset="0"/>
+              </a:rPr>
+              <a:t>(A,</a:t>
+            </a:r>
+            <a:r>
+              <a:rPr lang="es-ES" dirty="0">
+                <a:solidFill>
+                  <a:srgbClr val="D19A66"/>
+                </a:solidFill>
+                <a:latin typeface="Consolas" panose="020B0609020204030204" pitchFamily="49" charset="0"/>
+              </a:rPr>
+              <a:t>2</a:t>
+            </a:r>
+            <a:r>
+              <a:rPr lang="es-ES" dirty="0">
+                <a:solidFill>
+                  <a:srgbClr val="BBBBBB"/>
+                </a:solidFill>
+                <a:latin typeface="Consolas" panose="020B0609020204030204" pitchFamily="49" charset="0"/>
+              </a:rPr>
+              <a:t>));</a:t>
+            </a:r>
+          </a:p>
+          <a:p>
+            <a:r>
+              <a:rPr lang="es-ES" dirty="0">
+                <a:solidFill>
+                  <a:srgbClr val="BBBBBB"/>
+                </a:solidFill>
+                <a:latin typeface="Consolas" panose="020B0609020204030204" pitchFamily="49" charset="0"/>
+              </a:rPr>
+              <a:t>C = </a:t>
+            </a:r>
+            <a:r>
+              <a:rPr lang="es-ES" dirty="0" err="1">
+                <a:solidFill>
+                  <a:srgbClr val="C678DD"/>
+                </a:solidFill>
+                <a:latin typeface="Consolas" panose="020B0609020204030204" pitchFamily="49" charset="0"/>
+              </a:rPr>
+              <a:t>zeros</a:t>
+            </a:r>
+            <a:r>
+              <a:rPr lang="es-ES" dirty="0">
+                <a:solidFill>
+                  <a:srgbClr val="BBBBBB"/>
+                </a:solidFill>
+                <a:latin typeface="Consolas" panose="020B0609020204030204" pitchFamily="49" charset="0"/>
+              </a:rPr>
+              <a:t>(</a:t>
+            </a:r>
+            <a:r>
+              <a:rPr lang="es-ES" dirty="0">
+                <a:solidFill>
+                  <a:srgbClr val="D19A66"/>
+                </a:solidFill>
+                <a:latin typeface="Consolas" panose="020B0609020204030204" pitchFamily="49" charset="0"/>
+              </a:rPr>
+              <a:t>2</a:t>
+            </a:r>
+            <a:r>
+              <a:rPr lang="es-ES" dirty="0">
+                <a:solidFill>
+                  <a:srgbClr val="BBBBBB"/>
+                </a:solidFill>
+                <a:latin typeface="Consolas" panose="020B0609020204030204" pitchFamily="49" charset="0"/>
+              </a:rPr>
+              <a:t>,</a:t>
+            </a:r>
+            <a:r>
+              <a:rPr lang="es-ES" dirty="0">
+                <a:solidFill>
+                  <a:srgbClr val="C678DD"/>
+                </a:solidFill>
+                <a:latin typeface="Consolas" panose="020B0609020204030204" pitchFamily="49" charset="0"/>
+              </a:rPr>
+              <a:t>size</a:t>
+            </a:r>
+            <a:r>
+              <a:rPr lang="es-ES" dirty="0">
+                <a:solidFill>
+                  <a:srgbClr val="BBBBBB"/>
+                </a:solidFill>
+                <a:latin typeface="Consolas" panose="020B0609020204030204" pitchFamily="49" charset="0"/>
+              </a:rPr>
+              <a:t>(A,</a:t>
+            </a:r>
+            <a:r>
+              <a:rPr lang="es-ES" dirty="0">
+                <a:solidFill>
+                  <a:srgbClr val="D19A66"/>
+                </a:solidFill>
+                <a:latin typeface="Consolas" panose="020B0609020204030204" pitchFamily="49" charset="0"/>
+              </a:rPr>
+              <a:t>2</a:t>
+            </a:r>
+            <a:r>
+              <a:rPr lang="es-ES" dirty="0">
+                <a:solidFill>
+                  <a:srgbClr val="BBBBBB"/>
+                </a:solidFill>
+                <a:latin typeface="Consolas" panose="020B0609020204030204" pitchFamily="49" charset="0"/>
+              </a:rPr>
+              <a:t>));</a:t>
+            </a:r>
+          </a:p>
+          <a:p>
+            <a:r>
+              <a:rPr lang="es-ES" dirty="0">
+                <a:solidFill>
+                  <a:srgbClr val="BBBBBB"/>
+                </a:solidFill>
+                <a:latin typeface="Consolas" panose="020B0609020204030204" pitchFamily="49" charset="0"/>
+              </a:rPr>
+              <a:t>C = </a:t>
+            </a:r>
+            <a:r>
+              <a:rPr lang="es-ES" dirty="0" err="1">
+                <a:solidFill>
+                  <a:srgbClr val="C678DD"/>
+                </a:solidFill>
+                <a:latin typeface="Consolas" panose="020B0609020204030204" pitchFamily="49" charset="0"/>
+              </a:rPr>
+              <a:t>logical</a:t>
+            </a:r>
+            <a:r>
+              <a:rPr lang="es-ES" dirty="0">
+                <a:solidFill>
+                  <a:srgbClr val="BBBBBB"/>
+                </a:solidFill>
+                <a:latin typeface="Consolas" panose="020B0609020204030204" pitchFamily="49" charset="0"/>
+              </a:rPr>
+              <a:t>(C);</a:t>
+            </a:r>
+          </a:p>
+          <a:p>
+            <a:r>
+              <a:rPr lang="es-ES" i="1" dirty="0">
+                <a:solidFill>
+                  <a:srgbClr val="7F848E"/>
+                </a:solidFill>
+                <a:latin typeface="Consolas" panose="020B0609020204030204" pitchFamily="49" charset="0"/>
+              </a:rPr>
+              <a:t>%</a:t>
+            </a:r>
+            <a:r>
+              <a:rPr lang="es-ES" i="1" dirty="0" err="1">
+                <a:solidFill>
+                  <a:srgbClr val="7F848E"/>
+                </a:solidFill>
+                <a:latin typeface="Consolas" panose="020B0609020204030204" pitchFamily="49" charset="0"/>
+              </a:rPr>
+              <a:t>First</a:t>
+            </a:r>
+            <a:r>
+              <a:rPr lang="es-ES" i="1" dirty="0">
+                <a:solidFill>
+                  <a:srgbClr val="7F848E"/>
+                </a:solidFill>
+                <a:latin typeface="Consolas" panose="020B0609020204030204" pitchFamily="49" charset="0"/>
+              </a:rPr>
+              <a:t> Son: 0 </a:t>
+            </a:r>
+            <a:r>
+              <a:rPr lang="es-ES" i="1" dirty="0" err="1">
+                <a:solidFill>
+                  <a:srgbClr val="7F848E"/>
+                </a:solidFill>
+                <a:latin typeface="Consolas" panose="020B0609020204030204" pitchFamily="49" charset="0"/>
+              </a:rPr>
+              <a:t>to</a:t>
+            </a:r>
+            <a:r>
+              <a:rPr lang="es-ES" i="1" dirty="0">
+                <a:solidFill>
+                  <a:srgbClr val="7F848E"/>
+                </a:solidFill>
+                <a:latin typeface="Consolas" panose="020B0609020204030204" pitchFamily="49" charset="0"/>
+              </a:rPr>
+              <a:t> </a:t>
+            </a:r>
+            <a:r>
+              <a:rPr lang="es-ES" i="1" dirty="0" err="1">
+                <a:solidFill>
+                  <a:srgbClr val="7F848E"/>
+                </a:solidFill>
+                <a:latin typeface="Consolas" panose="020B0609020204030204" pitchFamily="49" charset="0"/>
+              </a:rPr>
+              <a:t>the</a:t>
+            </a:r>
+            <a:r>
+              <a:rPr lang="es-ES" i="1" dirty="0">
+                <a:solidFill>
+                  <a:srgbClr val="7F848E"/>
+                </a:solidFill>
+                <a:latin typeface="Consolas" panose="020B0609020204030204" pitchFamily="49" charset="0"/>
+              </a:rPr>
+              <a:t> </a:t>
+            </a:r>
+            <a:r>
+              <a:rPr lang="es-ES" i="1" dirty="0" err="1">
+                <a:solidFill>
+                  <a:srgbClr val="7F848E"/>
+                </a:solidFill>
+                <a:latin typeface="Consolas" panose="020B0609020204030204" pitchFamily="49" charset="0"/>
+              </a:rPr>
+              <a:t>first</a:t>
+            </a:r>
+            <a:r>
+              <a:rPr lang="es-ES" i="1" dirty="0">
+                <a:solidFill>
+                  <a:srgbClr val="7F848E"/>
+                </a:solidFill>
+                <a:latin typeface="Consolas" panose="020B0609020204030204" pitchFamily="49" charset="0"/>
+              </a:rPr>
+              <a:t> </a:t>
+            </a:r>
+            <a:r>
+              <a:rPr lang="es-ES" i="1" dirty="0" err="1">
+                <a:solidFill>
+                  <a:srgbClr val="7F848E"/>
+                </a:solidFill>
+                <a:latin typeface="Consolas" panose="020B0609020204030204" pitchFamily="49" charset="0"/>
+              </a:rPr>
+              <a:t>parent</a:t>
+            </a:r>
+            <a:r>
+              <a:rPr lang="es-ES" i="1" dirty="0">
+                <a:solidFill>
+                  <a:srgbClr val="7F848E"/>
+                </a:solidFill>
+                <a:latin typeface="Consolas" panose="020B0609020204030204" pitchFamily="49" charset="0"/>
+              </a:rPr>
+              <a:t>, 1 </a:t>
+            </a:r>
+            <a:r>
+              <a:rPr lang="es-ES" i="1" dirty="0" err="1">
+                <a:solidFill>
+                  <a:srgbClr val="7F848E"/>
+                </a:solidFill>
+                <a:latin typeface="Consolas" panose="020B0609020204030204" pitchFamily="49" charset="0"/>
+              </a:rPr>
+              <a:t>to</a:t>
+            </a:r>
+            <a:r>
+              <a:rPr lang="es-ES" i="1" dirty="0">
+                <a:solidFill>
+                  <a:srgbClr val="7F848E"/>
+                </a:solidFill>
+                <a:latin typeface="Consolas" panose="020B0609020204030204" pitchFamily="49" charset="0"/>
+              </a:rPr>
+              <a:t> </a:t>
+            </a:r>
+            <a:r>
+              <a:rPr lang="es-ES" i="1" dirty="0" err="1">
+                <a:solidFill>
+                  <a:srgbClr val="7F848E"/>
+                </a:solidFill>
+                <a:latin typeface="Consolas" panose="020B0609020204030204" pitchFamily="49" charset="0"/>
+              </a:rPr>
+              <a:t>parent</a:t>
+            </a:r>
+            <a:r>
+              <a:rPr lang="es-ES" i="1" dirty="0">
+                <a:solidFill>
+                  <a:srgbClr val="7F848E"/>
+                </a:solidFill>
+                <a:latin typeface="Consolas" panose="020B0609020204030204" pitchFamily="49" charset="0"/>
+              </a:rPr>
+              <a:t> 2</a:t>
+            </a:r>
+            <a:endParaRPr lang="es-ES" dirty="0">
+              <a:solidFill>
+                <a:srgbClr val="BBBBBB"/>
+              </a:solidFill>
+              <a:latin typeface="Consolas" panose="020B0609020204030204" pitchFamily="49" charset="0"/>
+            </a:endParaRPr>
+          </a:p>
+          <a:p>
+            <a:r>
+              <a:rPr lang="es-ES" dirty="0">
+                <a:solidFill>
+                  <a:srgbClr val="BBBBBB"/>
+                </a:solidFill>
+                <a:latin typeface="Consolas" panose="020B0609020204030204" pitchFamily="49" charset="0"/>
+              </a:rPr>
+              <a:t>m1 = </a:t>
+            </a:r>
+            <a:r>
+              <a:rPr lang="es-ES" dirty="0" err="1">
+                <a:solidFill>
+                  <a:srgbClr val="C678DD"/>
+                </a:solidFill>
+                <a:latin typeface="Consolas" panose="020B0609020204030204" pitchFamily="49" charset="0"/>
+              </a:rPr>
+              <a:t>find</a:t>
+            </a:r>
+            <a:r>
+              <a:rPr lang="es-ES" dirty="0">
+                <a:solidFill>
+                  <a:srgbClr val="BBBBBB"/>
+                </a:solidFill>
+                <a:latin typeface="Consolas" panose="020B0609020204030204" pitchFamily="49" charset="0"/>
+              </a:rPr>
+              <a:t>(</a:t>
+            </a:r>
+            <a:r>
+              <a:rPr lang="es-ES" dirty="0" err="1">
+                <a:solidFill>
+                  <a:srgbClr val="BBBBBB"/>
+                </a:solidFill>
+                <a:latin typeface="Consolas" panose="020B0609020204030204" pitchFamily="49" charset="0"/>
+              </a:rPr>
+              <a:t>Mask</a:t>
+            </a:r>
+            <a:r>
+              <a:rPr lang="es-ES" dirty="0">
+                <a:solidFill>
+                  <a:srgbClr val="BBBBBB"/>
+                </a:solidFill>
+                <a:latin typeface="Consolas" panose="020B0609020204030204" pitchFamily="49" charset="0"/>
+              </a:rPr>
+              <a:t> ==</a:t>
+            </a:r>
+            <a:r>
+              <a:rPr lang="es-ES" dirty="0">
+                <a:solidFill>
+                  <a:srgbClr val="D19A66"/>
+                </a:solidFill>
+                <a:latin typeface="Consolas" panose="020B0609020204030204" pitchFamily="49" charset="0"/>
+              </a:rPr>
+              <a:t>false</a:t>
+            </a:r>
+            <a:r>
+              <a:rPr lang="es-ES" dirty="0">
+                <a:solidFill>
+                  <a:srgbClr val="BBBBBB"/>
+                </a:solidFill>
+                <a:latin typeface="Consolas" panose="020B0609020204030204" pitchFamily="49" charset="0"/>
+              </a:rPr>
+              <a:t>);</a:t>
+            </a:r>
+            <a:r>
+              <a:rPr lang="es-ES" i="1" dirty="0">
+                <a:solidFill>
+                  <a:srgbClr val="7F848E"/>
+                </a:solidFill>
+                <a:latin typeface="Consolas" panose="020B0609020204030204" pitchFamily="49" charset="0"/>
+              </a:rPr>
+              <a:t>%Positions </a:t>
+            </a:r>
+            <a:r>
+              <a:rPr lang="es-ES" i="1" dirty="0" err="1">
+                <a:solidFill>
+                  <a:srgbClr val="7F848E"/>
+                </a:solidFill>
+                <a:latin typeface="Consolas" panose="020B0609020204030204" pitchFamily="49" charset="0"/>
+              </a:rPr>
+              <a:t>where</a:t>
+            </a:r>
+            <a:r>
+              <a:rPr lang="es-ES" i="1" dirty="0">
+                <a:solidFill>
+                  <a:srgbClr val="7F848E"/>
+                </a:solidFill>
+                <a:latin typeface="Consolas" panose="020B0609020204030204" pitchFamily="49" charset="0"/>
+              </a:rPr>
+              <a:t> </a:t>
+            </a:r>
+            <a:r>
+              <a:rPr lang="es-ES" i="1" dirty="0" err="1">
+                <a:solidFill>
+                  <a:srgbClr val="7F848E"/>
+                </a:solidFill>
+                <a:latin typeface="Consolas" panose="020B0609020204030204" pitchFamily="49" charset="0"/>
+              </a:rPr>
+              <a:t>Mask</a:t>
+            </a:r>
+            <a:r>
+              <a:rPr lang="es-ES" i="1" dirty="0">
+                <a:solidFill>
+                  <a:srgbClr val="7F848E"/>
+                </a:solidFill>
+                <a:latin typeface="Consolas" panose="020B0609020204030204" pitchFamily="49" charset="0"/>
+              </a:rPr>
+              <a:t> 0</a:t>
+            </a:r>
+            <a:endParaRPr lang="es-ES" dirty="0">
+              <a:solidFill>
+                <a:srgbClr val="BBBBBB"/>
+              </a:solidFill>
+              <a:latin typeface="Consolas" panose="020B0609020204030204" pitchFamily="49" charset="0"/>
+            </a:endParaRPr>
+          </a:p>
+          <a:p>
+            <a:r>
+              <a:rPr lang="es-ES" dirty="0">
+                <a:solidFill>
+                  <a:srgbClr val="BBBBBB"/>
+                </a:solidFill>
+                <a:latin typeface="Consolas" panose="020B0609020204030204" pitchFamily="49" charset="0"/>
+              </a:rPr>
+              <a:t>m2 = </a:t>
+            </a:r>
+            <a:r>
+              <a:rPr lang="es-ES" dirty="0" err="1">
+                <a:solidFill>
+                  <a:srgbClr val="C678DD"/>
+                </a:solidFill>
+                <a:latin typeface="Consolas" panose="020B0609020204030204" pitchFamily="49" charset="0"/>
+              </a:rPr>
+              <a:t>find</a:t>
+            </a:r>
+            <a:r>
+              <a:rPr lang="es-ES" dirty="0">
+                <a:solidFill>
+                  <a:srgbClr val="BBBBBB"/>
+                </a:solidFill>
+                <a:latin typeface="Consolas" panose="020B0609020204030204" pitchFamily="49" charset="0"/>
+              </a:rPr>
+              <a:t>(</a:t>
+            </a:r>
+            <a:r>
+              <a:rPr lang="es-ES" dirty="0" err="1">
+                <a:solidFill>
+                  <a:srgbClr val="BBBBBB"/>
+                </a:solidFill>
+                <a:latin typeface="Consolas" panose="020B0609020204030204" pitchFamily="49" charset="0"/>
+              </a:rPr>
+              <a:t>Mask</a:t>
+            </a:r>
+            <a:r>
+              <a:rPr lang="es-ES" dirty="0">
+                <a:solidFill>
+                  <a:srgbClr val="BBBBBB"/>
+                </a:solidFill>
+                <a:latin typeface="Consolas" panose="020B0609020204030204" pitchFamily="49" charset="0"/>
+              </a:rPr>
+              <a:t> == </a:t>
+            </a:r>
+            <a:r>
+              <a:rPr lang="es-ES" dirty="0">
+                <a:solidFill>
+                  <a:srgbClr val="D19A66"/>
+                </a:solidFill>
+                <a:latin typeface="Consolas" panose="020B0609020204030204" pitchFamily="49" charset="0"/>
+              </a:rPr>
+              <a:t>true</a:t>
+            </a:r>
+            <a:r>
+              <a:rPr lang="es-ES" dirty="0">
+                <a:solidFill>
+                  <a:srgbClr val="BBBBBB"/>
+                </a:solidFill>
+                <a:latin typeface="Consolas" panose="020B0609020204030204" pitchFamily="49" charset="0"/>
+              </a:rPr>
+              <a:t>);</a:t>
+            </a:r>
+            <a:r>
+              <a:rPr lang="es-ES" i="1" dirty="0">
+                <a:solidFill>
+                  <a:srgbClr val="7F848E"/>
+                </a:solidFill>
+                <a:latin typeface="Consolas" panose="020B0609020204030204" pitchFamily="49" charset="0"/>
+              </a:rPr>
+              <a:t>%Positions </a:t>
+            </a:r>
+            <a:r>
+              <a:rPr lang="es-ES" i="1" dirty="0" err="1">
+                <a:solidFill>
+                  <a:srgbClr val="7F848E"/>
+                </a:solidFill>
+                <a:latin typeface="Consolas" panose="020B0609020204030204" pitchFamily="49" charset="0"/>
+              </a:rPr>
+              <a:t>where</a:t>
+            </a:r>
+            <a:r>
+              <a:rPr lang="es-ES" i="1" dirty="0">
+                <a:solidFill>
+                  <a:srgbClr val="7F848E"/>
+                </a:solidFill>
+                <a:latin typeface="Consolas" panose="020B0609020204030204" pitchFamily="49" charset="0"/>
+              </a:rPr>
+              <a:t> </a:t>
+            </a:r>
+            <a:r>
+              <a:rPr lang="es-ES" i="1" dirty="0" err="1">
+                <a:solidFill>
+                  <a:srgbClr val="7F848E"/>
+                </a:solidFill>
+                <a:latin typeface="Consolas" panose="020B0609020204030204" pitchFamily="49" charset="0"/>
+              </a:rPr>
+              <a:t>Mask</a:t>
+            </a:r>
+            <a:r>
+              <a:rPr lang="es-ES" i="1" dirty="0">
+                <a:solidFill>
+                  <a:srgbClr val="7F848E"/>
+                </a:solidFill>
+                <a:latin typeface="Consolas" panose="020B0609020204030204" pitchFamily="49" charset="0"/>
+              </a:rPr>
+              <a:t> 1</a:t>
+            </a:r>
+            <a:endParaRPr lang="es-ES" dirty="0">
+              <a:solidFill>
+                <a:srgbClr val="BBBBBB"/>
+              </a:solidFill>
+              <a:latin typeface="Consolas" panose="020B0609020204030204" pitchFamily="49" charset="0"/>
+            </a:endParaRPr>
+          </a:p>
+          <a:p>
+            <a:r>
+              <a:rPr lang="es-ES" dirty="0">
+                <a:solidFill>
+                  <a:srgbClr val="BBBBBB"/>
+                </a:solidFill>
+                <a:latin typeface="Consolas" panose="020B0609020204030204" pitchFamily="49" charset="0"/>
+              </a:rPr>
+              <a:t>C(</a:t>
+            </a:r>
+            <a:r>
+              <a:rPr lang="es-ES" dirty="0">
+                <a:solidFill>
+                  <a:srgbClr val="D19A66"/>
+                </a:solidFill>
+                <a:latin typeface="Consolas" panose="020B0609020204030204" pitchFamily="49" charset="0"/>
+              </a:rPr>
+              <a:t>1</a:t>
+            </a:r>
+            <a:r>
+              <a:rPr lang="es-ES" dirty="0">
+                <a:solidFill>
+                  <a:srgbClr val="BBBBBB"/>
+                </a:solidFill>
+                <a:latin typeface="Consolas" panose="020B0609020204030204" pitchFamily="49" charset="0"/>
+              </a:rPr>
+              <a:t>,m1) = A(m1);</a:t>
+            </a:r>
+          </a:p>
+          <a:p>
+            <a:r>
+              <a:rPr lang="es-ES" dirty="0">
+                <a:solidFill>
+                  <a:srgbClr val="BBBBBB"/>
+                </a:solidFill>
+                <a:latin typeface="Consolas" panose="020B0609020204030204" pitchFamily="49" charset="0"/>
+              </a:rPr>
+              <a:t>C(</a:t>
+            </a:r>
+            <a:r>
+              <a:rPr lang="es-ES" dirty="0">
+                <a:solidFill>
+                  <a:srgbClr val="D19A66"/>
+                </a:solidFill>
+                <a:latin typeface="Consolas" panose="020B0609020204030204" pitchFamily="49" charset="0"/>
+              </a:rPr>
+              <a:t>1</a:t>
+            </a:r>
+            <a:r>
+              <a:rPr lang="es-ES" dirty="0">
+                <a:solidFill>
+                  <a:srgbClr val="BBBBBB"/>
+                </a:solidFill>
+                <a:latin typeface="Consolas" panose="020B0609020204030204" pitchFamily="49" charset="0"/>
+              </a:rPr>
+              <a:t>,m2) = B(m2);</a:t>
+            </a:r>
+          </a:p>
+          <a:p>
+            <a:endParaRPr lang="es-ES" dirty="0">
+              <a:solidFill>
+                <a:srgbClr val="BBBBBB"/>
+              </a:solidFill>
+              <a:latin typeface="Consolas" panose="020B0609020204030204" pitchFamily="49" charset="0"/>
+            </a:endParaRPr>
+          </a:p>
+        </p:txBody>
+      </p:sp>
+      <p:sp>
+        <p:nvSpPr>
+          <p:cNvPr id="8" name="CuadroTexto 7">
+            <a:extLst>
+              <a:ext uri="{FF2B5EF4-FFF2-40B4-BE49-F238E27FC236}">
+                <a16:creationId xmlns:a16="http://schemas.microsoft.com/office/drawing/2014/main" id="{DE4FDFAD-887C-4EA8-B959-DB49EBE48C28}"/>
+              </a:ext>
+            </a:extLst>
+          </p:cNvPr>
+          <p:cNvSpPr txBox="1"/>
+          <p:nvPr/>
+        </p:nvSpPr>
+        <p:spPr>
+          <a:xfrm>
+            <a:off x="7046304" y="3252146"/>
+            <a:ext cx="4335694" cy="3139321"/>
+          </a:xfrm>
+          <a:prstGeom prst="rect">
+            <a:avLst/>
+          </a:prstGeom>
+          <a:noFill/>
+        </p:spPr>
+        <p:txBody>
+          <a:bodyPr wrap="square" rtlCol="0">
+            <a:spAutoFit/>
+          </a:bodyPr>
+          <a:lstStyle/>
+          <a:p>
+            <a:r>
+              <a:rPr lang="es-ES" i="1" dirty="0">
+                <a:solidFill>
+                  <a:srgbClr val="7F848E"/>
+                </a:solidFill>
+                <a:latin typeface="Consolas" panose="020B0609020204030204" pitchFamily="49" charset="0"/>
+              </a:rPr>
+              <a:t>%</a:t>
+            </a:r>
+            <a:r>
+              <a:rPr lang="es-ES" i="1" dirty="0" err="1">
+                <a:solidFill>
+                  <a:srgbClr val="7F848E"/>
+                </a:solidFill>
+                <a:latin typeface="Consolas" panose="020B0609020204030204" pitchFamily="49" charset="0"/>
+              </a:rPr>
+              <a:t>Second</a:t>
+            </a:r>
+            <a:r>
+              <a:rPr lang="es-ES" i="1" dirty="0">
+                <a:solidFill>
+                  <a:srgbClr val="7F848E"/>
+                </a:solidFill>
+                <a:latin typeface="Consolas" panose="020B0609020204030204" pitchFamily="49" charset="0"/>
+              </a:rPr>
+              <a:t> Son: 0 </a:t>
+            </a:r>
+            <a:r>
+              <a:rPr lang="es-ES" i="1" dirty="0" err="1">
+                <a:solidFill>
+                  <a:srgbClr val="7F848E"/>
+                </a:solidFill>
+                <a:latin typeface="Consolas" panose="020B0609020204030204" pitchFamily="49" charset="0"/>
+              </a:rPr>
+              <a:t>to</a:t>
+            </a:r>
+            <a:r>
+              <a:rPr lang="es-ES" i="1" dirty="0">
+                <a:solidFill>
+                  <a:srgbClr val="7F848E"/>
+                </a:solidFill>
+                <a:latin typeface="Consolas" panose="020B0609020204030204" pitchFamily="49" charset="0"/>
+              </a:rPr>
+              <a:t> </a:t>
+            </a:r>
+            <a:r>
+              <a:rPr lang="es-ES" i="1" dirty="0" err="1">
+                <a:solidFill>
+                  <a:srgbClr val="7F848E"/>
+                </a:solidFill>
+                <a:latin typeface="Consolas" panose="020B0609020204030204" pitchFamily="49" charset="0"/>
+              </a:rPr>
+              <a:t>the</a:t>
+            </a:r>
+            <a:r>
+              <a:rPr lang="es-ES" i="1" dirty="0">
+                <a:solidFill>
+                  <a:srgbClr val="7F848E"/>
+                </a:solidFill>
+                <a:latin typeface="Consolas" panose="020B0609020204030204" pitchFamily="49" charset="0"/>
+              </a:rPr>
+              <a:t> </a:t>
+            </a:r>
+            <a:r>
+              <a:rPr lang="es-ES" i="1" dirty="0" err="1">
+                <a:solidFill>
+                  <a:srgbClr val="7F848E"/>
+                </a:solidFill>
+                <a:latin typeface="Consolas" panose="020B0609020204030204" pitchFamily="49" charset="0"/>
+              </a:rPr>
+              <a:t>parent</a:t>
+            </a:r>
+            <a:r>
+              <a:rPr lang="es-ES" i="1" dirty="0">
+                <a:solidFill>
+                  <a:srgbClr val="7F848E"/>
+                </a:solidFill>
+                <a:latin typeface="Consolas" panose="020B0609020204030204" pitchFamily="49" charset="0"/>
+              </a:rPr>
+              <a:t> 2, 1 </a:t>
+            </a:r>
+            <a:r>
+              <a:rPr lang="es-ES" i="1" dirty="0" err="1">
+                <a:solidFill>
+                  <a:srgbClr val="7F848E"/>
+                </a:solidFill>
+                <a:latin typeface="Consolas" panose="020B0609020204030204" pitchFamily="49" charset="0"/>
+              </a:rPr>
+              <a:t>to</a:t>
+            </a:r>
+            <a:r>
+              <a:rPr lang="es-ES" i="1" dirty="0">
+                <a:solidFill>
+                  <a:srgbClr val="7F848E"/>
+                </a:solidFill>
+                <a:latin typeface="Consolas" panose="020B0609020204030204" pitchFamily="49" charset="0"/>
+              </a:rPr>
+              <a:t> </a:t>
+            </a:r>
+            <a:r>
+              <a:rPr lang="es-ES" i="1" dirty="0" err="1">
+                <a:solidFill>
+                  <a:srgbClr val="7F848E"/>
+                </a:solidFill>
+                <a:latin typeface="Consolas" panose="020B0609020204030204" pitchFamily="49" charset="0"/>
+              </a:rPr>
+              <a:t>the</a:t>
+            </a:r>
+            <a:r>
+              <a:rPr lang="es-ES" i="1" dirty="0">
+                <a:solidFill>
+                  <a:srgbClr val="7F848E"/>
+                </a:solidFill>
+                <a:latin typeface="Consolas" panose="020B0609020204030204" pitchFamily="49" charset="0"/>
+              </a:rPr>
+              <a:t> </a:t>
+            </a:r>
+            <a:r>
+              <a:rPr lang="es-ES" i="1" dirty="0" err="1">
+                <a:solidFill>
+                  <a:srgbClr val="7F848E"/>
+                </a:solidFill>
+                <a:latin typeface="Consolas" panose="020B0609020204030204" pitchFamily="49" charset="0"/>
+              </a:rPr>
+              <a:t>parent</a:t>
+            </a:r>
+            <a:r>
+              <a:rPr lang="es-ES" i="1" dirty="0">
+                <a:solidFill>
+                  <a:srgbClr val="7F848E"/>
+                </a:solidFill>
+                <a:latin typeface="Consolas" panose="020B0609020204030204" pitchFamily="49" charset="0"/>
+              </a:rPr>
+              <a:t> 1</a:t>
+            </a:r>
+            <a:endParaRPr lang="es-ES" dirty="0">
+              <a:solidFill>
+                <a:srgbClr val="BBBBBB"/>
+              </a:solidFill>
+              <a:latin typeface="Consolas" panose="020B0609020204030204" pitchFamily="49" charset="0"/>
+            </a:endParaRPr>
+          </a:p>
+          <a:p>
+            <a:r>
+              <a:rPr lang="es-ES" dirty="0">
+                <a:solidFill>
+                  <a:srgbClr val="BBBBBB"/>
+                </a:solidFill>
+                <a:latin typeface="Consolas" panose="020B0609020204030204" pitchFamily="49" charset="0"/>
+              </a:rPr>
+              <a:t>m1 = </a:t>
+            </a:r>
+            <a:r>
+              <a:rPr lang="es-ES" dirty="0" err="1">
+                <a:solidFill>
+                  <a:srgbClr val="C678DD"/>
+                </a:solidFill>
+                <a:latin typeface="Consolas" panose="020B0609020204030204" pitchFamily="49" charset="0"/>
+              </a:rPr>
+              <a:t>find</a:t>
+            </a:r>
+            <a:r>
+              <a:rPr lang="es-ES" dirty="0">
+                <a:solidFill>
+                  <a:srgbClr val="BBBBBB"/>
+                </a:solidFill>
+                <a:latin typeface="Consolas" panose="020B0609020204030204" pitchFamily="49" charset="0"/>
+              </a:rPr>
+              <a:t>(</a:t>
+            </a:r>
+            <a:r>
+              <a:rPr lang="es-ES" dirty="0" err="1">
+                <a:solidFill>
+                  <a:srgbClr val="BBBBBB"/>
+                </a:solidFill>
+                <a:latin typeface="Consolas" panose="020B0609020204030204" pitchFamily="49" charset="0"/>
+              </a:rPr>
+              <a:t>Mask</a:t>
+            </a:r>
+            <a:r>
+              <a:rPr lang="es-ES" dirty="0">
+                <a:solidFill>
+                  <a:srgbClr val="BBBBBB"/>
+                </a:solidFill>
+                <a:latin typeface="Consolas" panose="020B0609020204030204" pitchFamily="49" charset="0"/>
+              </a:rPr>
+              <a:t> == </a:t>
+            </a:r>
+            <a:r>
+              <a:rPr lang="es-ES" dirty="0">
+                <a:solidFill>
+                  <a:srgbClr val="D19A66"/>
+                </a:solidFill>
+                <a:latin typeface="Consolas" panose="020B0609020204030204" pitchFamily="49" charset="0"/>
+              </a:rPr>
+              <a:t>true</a:t>
+            </a:r>
+            <a:r>
+              <a:rPr lang="es-ES" dirty="0">
+                <a:solidFill>
+                  <a:srgbClr val="BBBBBB"/>
+                </a:solidFill>
+                <a:latin typeface="Consolas" panose="020B0609020204030204" pitchFamily="49" charset="0"/>
+              </a:rPr>
+              <a:t>); </a:t>
+            </a:r>
+            <a:r>
+              <a:rPr lang="es-ES" i="1" dirty="0">
+                <a:solidFill>
+                  <a:srgbClr val="7F848E"/>
+                </a:solidFill>
+                <a:latin typeface="Consolas" panose="020B0609020204030204" pitchFamily="49" charset="0"/>
+              </a:rPr>
+              <a:t>%Positions </a:t>
+            </a:r>
+            <a:r>
+              <a:rPr lang="es-ES" i="1" dirty="0" err="1">
+                <a:solidFill>
+                  <a:srgbClr val="7F848E"/>
+                </a:solidFill>
+                <a:latin typeface="Consolas" panose="020B0609020204030204" pitchFamily="49" charset="0"/>
+              </a:rPr>
+              <a:t>where</a:t>
+            </a:r>
+            <a:r>
+              <a:rPr lang="es-ES" i="1" dirty="0">
+                <a:solidFill>
+                  <a:srgbClr val="7F848E"/>
+                </a:solidFill>
+                <a:latin typeface="Consolas" panose="020B0609020204030204" pitchFamily="49" charset="0"/>
+              </a:rPr>
+              <a:t> </a:t>
+            </a:r>
+            <a:r>
+              <a:rPr lang="es-ES" i="1" dirty="0" err="1">
+                <a:solidFill>
+                  <a:srgbClr val="7F848E"/>
+                </a:solidFill>
+                <a:latin typeface="Consolas" panose="020B0609020204030204" pitchFamily="49" charset="0"/>
+              </a:rPr>
+              <a:t>Mask</a:t>
+            </a:r>
+            <a:r>
+              <a:rPr lang="es-ES" i="1" dirty="0">
+                <a:solidFill>
+                  <a:srgbClr val="7F848E"/>
+                </a:solidFill>
+                <a:latin typeface="Consolas" panose="020B0609020204030204" pitchFamily="49" charset="0"/>
+              </a:rPr>
+              <a:t> </a:t>
+            </a:r>
+            <a:r>
+              <a:rPr lang="es-ES" i="1" dirty="0" err="1">
+                <a:solidFill>
+                  <a:srgbClr val="7F848E"/>
+                </a:solidFill>
+                <a:latin typeface="Consolas" panose="020B0609020204030204" pitchFamily="49" charset="0"/>
+              </a:rPr>
+              <a:t>is</a:t>
+            </a:r>
+            <a:r>
+              <a:rPr lang="es-ES" i="1" dirty="0">
+                <a:solidFill>
+                  <a:srgbClr val="7F848E"/>
+                </a:solidFill>
+                <a:latin typeface="Consolas" panose="020B0609020204030204" pitchFamily="49" charset="0"/>
+              </a:rPr>
+              <a:t> 1.</a:t>
+            </a:r>
+            <a:endParaRPr lang="es-ES" dirty="0">
+              <a:solidFill>
+                <a:srgbClr val="BBBBBB"/>
+              </a:solidFill>
+              <a:latin typeface="Consolas" panose="020B0609020204030204" pitchFamily="49" charset="0"/>
+            </a:endParaRPr>
+          </a:p>
+          <a:p>
+            <a:r>
+              <a:rPr lang="es-ES" dirty="0">
+                <a:solidFill>
+                  <a:srgbClr val="BBBBBB"/>
+                </a:solidFill>
+                <a:latin typeface="Consolas" panose="020B0609020204030204" pitchFamily="49" charset="0"/>
+              </a:rPr>
+              <a:t>m2 = </a:t>
+            </a:r>
+            <a:r>
+              <a:rPr lang="es-ES" dirty="0" err="1">
+                <a:solidFill>
+                  <a:srgbClr val="C678DD"/>
+                </a:solidFill>
+                <a:latin typeface="Consolas" panose="020B0609020204030204" pitchFamily="49" charset="0"/>
+              </a:rPr>
+              <a:t>find</a:t>
+            </a:r>
+            <a:r>
+              <a:rPr lang="es-ES" dirty="0">
+                <a:solidFill>
+                  <a:srgbClr val="BBBBBB"/>
+                </a:solidFill>
+                <a:latin typeface="Consolas" panose="020B0609020204030204" pitchFamily="49" charset="0"/>
+              </a:rPr>
+              <a:t>(</a:t>
+            </a:r>
+            <a:r>
+              <a:rPr lang="es-ES" dirty="0" err="1">
+                <a:solidFill>
+                  <a:srgbClr val="BBBBBB"/>
+                </a:solidFill>
+                <a:latin typeface="Consolas" panose="020B0609020204030204" pitchFamily="49" charset="0"/>
+              </a:rPr>
+              <a:t>Mask</a:t>
+            </a:r>
+            <a:r>
+              <a:rPr lang="es-ES" dirty="0">
+                <a:solidFill>
+                  <a:srgbClr val="BBBBBB"/>
+                </a:solidFill>
+                <a:latin typeface="Consolas" panose="020B0609020204030204" pitchFamily="49" charset="0"/>
+              </a:rPr>
+              <a:t> == </a:t>
+            </a:r>
+            <a:r>
+              <a:rPr lang="es-ES" dirty="0">
+                <a:solidFill>
+                  <a:srgbClr val="D19A66"/>
+                </a:solidFill>
+                <a:latin typeface="Consolas" panose="020B0609020204030204" pitchFamily="49" charset="0"/>
+              </a:rPr>
+              <a:t>false</a:t>
+            </a:r>
+            <a:r>
+              <a:rPr lang="es-ES" dirty="0">
+                <a:solidFill>
+                  <a:srgbClr val="BBBBBB"/>
+                </a:solidFill>
+                <a:latin typeface="Consolas" panose="020B0609020204030204" pitchFamily="49" charset="0"/>
+              </a:rPr>
+              <a:t>); </a:t>
+            </a:r>
+            <a:r>
+              <a:rPr lang="es-ES" i="1" dirty="0">
+                <a:solidFill>
+                  <a:srgbClr val="7F848E"/>
+                </a:solidFill>
+                <a:latin typeface="Consolas" panose="020B0609020204030204" pitchFamily="49" charset="0"/>
+              </a:rPr>
+              <a:t>%Positions </a:t>
+            </a:r>
+            <a:r>
+              <a:rPr lang="es-ES" i="1" dirty="0" err="1">
+                <a:solidFill>
+                  <a:srgbClr val="7F848E"/>
+                </a:solidFill>
+                <a:latin typeface="Consolas" panose="020B0609020204030204" pitchFamily="49" charset="0"/>
+              </a:rPr>
+              <a:t>where</a:t>
+            </a:r>
+            <a:r>
+              <a:rPr lang="es-ES" i="1" dirty="0">
+                <a:solidFill>
+                  <a:srgbClr val="7F848E"/>
+                </a:solidFill>
+                <a:latin typeface="Consolas" panose="020B0609020204030204" pitchFamily="49" charset="0"/>
+              </a:rPr>
+              <a:t> </a:t>
+            </a:r>
+            <a:r>
+              <a:rPr lang="es-ES" i="1" dirty="0" err="1">
+                <a:solidFill>
+                  <a:srgbClr val="7F848E"/>
+                </a:solidFill>
+                <a:latin typeface="Consolas" panose="020B0609020204030204" pitchFamily="49" charset="0"/>
+              </a:rPr>
+              <a:t>Mask</a:t>
+            </a:r>
+            <a:r>
+              <a:rPr lang="es-ES" i="1" dirty="0">
+                <a:solidFill>
+                  <a:srgbClr val="7F848E"/>
+                </a:solidFill>
+                <a:latin typeface="Consolas" panose="020B0609020204030204" pitchFamily="49" charset="0"/>
+              </a:rPr>
+              <a:t> </a:t>
+            </a:r>
+            <a:r>
+              <a:rPr lang="es-ES" i="1" dirty="0" err="1">
+                <a:solidFill>
+                  <a:srgbClr val="7F848E"/>
+                </a:solidFill>
+                <a:latin typeface="Consolas" panose="020B0609020204030204" pitchFamily="49" charset="0"/>
+              </a:rPr>
+              <a:t>is</a:t>
+            </a:r>
+            <a:r>
+              <a:rPr lang="es-ES" i="1" dirty="0">
+                <a:solidFill>
+                  <a:srgbClr val="7F848E"/>
+                </a:solidFill>
+                <a:latin typeface="Consolas" panose="020B0609020204030204" pitchFamily="49" charset="0"/>
+              </a:rPr>
+              <a:t> 0.</a:t>
+            </a:r>
+            <a:endParaRPr lang="es-ES" dirty="0">
+              <a:solidFill>
+                <a:srgbClr val="BBBBBB"/>
+              </a:solidFill>
+              <a:latin typeface="Consolas" panose="020B0609020204030204" pitchFamily="49" charset="0"/>
+            </a:endParaRPr>
+          </a:p>
+          <a:p>
+            <a:r>
+              <a:rPr lang="es-ES" dirty="0">
+                <a:solidFill>
+                  <a:srgbClr val="BBBBBB"/>
+                </a:solidFill>
+                <a:latin typeface="Consolas" panose="020B0609020204030204" pitchFamily="49" charset="0"/>
+              </a:rPr>
+              <a:t>C(</a:t>
+            </a:r>
+            <a:r>
+              <a:rPr lang="es-ES" dirty="0">
+                <a:solidFill>
+                  <a:srgbClr val="D19A66"/>
+                </a:solidFill>
+                <a:latin typeface="Consolas" panose="020B0609020204030204" pitchFamily="49" charset="0"/>
+              </a:rPr>
+              <a:t>2</a:t>
+            </a:r>
+            <a:r>
+              <a:rPr lang="es-ES" dirty="0">
+                <a:solidFill>
+                  <a:srgbClr val="BBBBBB"/>
+                </a:solidFill>
+                <a:latin typeface="Consolas" panose="020B0609020204030204" pitchFamily="49" charset="0"/>
+              </a:rPr>
+              <a:t>,m1) = A(m1);</a:t>
+            </a:r>
+          </a:p>
+          <a:p>
+            <a:r>
+              <a:rPr lang="es-ES" dirty="0">
+                <a:solidFill>
+                  <a:srgbClr val="BBBBBB"/>
+                </a:solidFill>
+                <a:latin typeface="Consolas" panose="020B0609020204030204" pitchFamily="49" charset="0"/>
+              </a:rPr>
+              <a:t>C(</a:t>
+            </a:r>
+            <a:r>
+              <a:rPr lang="es-ES" dirty="0">
+                <a:solidFill>
+                  <a:srgbClr val="D19A66"/>
+                </a:solidFill>
+                <a:latin typeface="Consolas" panose="020B0609020204030204" pitchFamily="49" charset="0"/>
+              </a:rPr>
+              <a:t>2</a:t>
+            </a:r>
+            <a:r>
+              <a:rPr lang="es-ES" dirty="0">
+                <a:solidFill>
+                  <a:srgbClr val="BBBBBB"/>
+                </a:solidFill>
+                <a:latin typeface="Consolas" panose="020B0609020204030204" pitchFamily="49" charset="0"/>
+              </a:rPr>
+              <a:t>,m2) = B(m2);</a:t>
+            </a:r>
+          </a:p>
+          <a:p>
+            <a:r>
+              <a:rPr lang="es-ES" dirty="0">
+                <a:solidFill>
+                  <a:srgbClr val="BBBBBB"/>
+                </a:solidFill>
+                <a:latin typeface="Consolas" panose="020B0609020204030204" pitchFamily="49" charset="0"/>
+              </a:rPr>
+              <a:t>%% Comprobamos que haya 40 representantes%</a:t>
+            </a:r>
+          </a:p>
+          <a:p>
+            <a:endParaRPr lang="es-ES" dirty="0"/>
+          </a:p>
+        </p:txBody>
+      </p:sp>
+    </p:spTree>
+    <p:extLst>
+      <p:ext uri="{BB962C8B-B14F-4D97-AF65-F5344CB8AC3E}">
+        <p14:creationId xmlns:p14="http://schemas.microsoft.com/office/powerpoint/2010/main" val="3580430604"/>
+      </p:ext>
+    </p:extLst>
+  </p:cSld>
+  <p:clrMapOvr>
+    <a:masterClrMapping/>
+  </p:clrMapOvr>
+</p:sld>
+</file>
+
+<file path=ppt/slides/slide9.xml><?xml version="1.0" encoding="utf-8"?>
+<p:sld xmlns:a="http://schemas.openxmlformats.org/drawingml/2006/main" xmlns:r="http://schemas.openxmlformats.org/officeDocument/2006/relationships" xmlns:p="http://schemas.openxmlformats.org/presentationml/2006/main">
+  <p:cSld>
+    <p:spTree>
+      <p:nvGrpSpPr>
+        <p:cNvPr id="1" name=""/>
+        <p:cNvGrpSpPr/>
+        <p:nvPr/>
+      </p:nvGrpSpPr>
+      <p:grpSpPr>
+        <a:xfrm>
+          <a:off x="0" y="0"/>
+          <a:ext cx="0" cy="0"/>
+          <a:chOff x="0" y="0"/>
+          <a:chExt cx="0" cy="0"/>
+        </a:xfrm>
+      </p:grpSpPr>
+      <p:sp>
+        <p:nvSpPr>
+          <p:cNvPr id="2" name="Título 1">
+            <a:extLst>
+              <a:ext uri="{FF2B5EF4-FFF2-40B4-BE49-F238E27FC236}">
+                <a16:creationId xmlns:a16="http://schemas.microsoft.com/office/drawing/2014/main" id="{6F5476C6-5B33-4BC1-B7D6-483F86F28152}"/>
+              </a:ext>
+            </a:extLst>
+          </p:cNvPr>
+          <p:cNvSpPr>
+            <a:spLocks noGrp="1"/>
+          </p:cNvSpPr>
+          <p:nvPr>
+            <p:ph type="title"/>
+          </p:nvPr>
+        </p:nvSpPr>
+        <p:spPr/>
+        <p:txBody>
+          <a:bodyPr/>
+          <a:lstStyle/>
+          <a:p>
+            <a:r>
+              <a:rPr lang="es-ES" dirty="0"/>
+              <a:t>Mutación por Inversión</a:t>
+            </a:r>
+          </a:p>
+        </p:txBody>
+      </p:sp>
+      <p:sp>
+        <p:nvSpPr>
+          <p:cNvPr id="6" name="CuadroTexto 5">
+            <a:extLst>
+              <a:ext uri="{FF2B5EF4-FFF2-40B4-BE49-F238E27FC236}">
+                <a16:creationId xmlns:a16="http://schemas.microsoft.com/office/drawing/2014/main" id="{EA296236-1A60-42B0-8D92-2F426483FD2E}"/>
+              </a:ext>
+            </a:extLst>
+          </p:cNvPr>
+          <p:cNvSpPr txBox="1"/>
+          <p:nvPr/>
+        </p:nvSpPr>
+        <p:spPr>
+          <a:xfrm>
+            <a:off x="607220" y="2264569"/>
+            <a:ext cx="6736556" cy="4247317"/>
+          </a:xfrm>
+          <a:prstGeom prst="rect">
+            <a:avLst/>
+          </a:prstGeom>
+          <a:noFill/>
+        </p:spPr>
+        <p:txBody>
+          <a:bodyPr wrap="square" rtlCol="0">
+            <a:spAutoFit/>
+          </a:bodyPr>
+          <a:lstStyle/>
+          <a:p>
+            <a:r>
+              <a:rPr lang="es-ES" dirty="0" err="1">
+                <a:solidFill>
+                  <a:srgbClr val="C678DD"/>
+                </a:solidFill>
+                <a:latin typeface="Consolas" panose="020B0609020204030204" pitchFamily="49" charset="0"/>
+              </a:rPr>
+              <a:t>function</a:t>
+            </a:r>
+            <a:r>
+              <a:rPr lang="es-ES" dirty="0">
+                <a:solidFill>
+                  <a:srgbClr val="BBBBBB"/>
+                </a:solidFill>
+                <a:latin typeface="Consolas" panose="020B0609020204030204" pitchFamily="49" charset="0"/>
+              </a:rPr>
+              <a:t> </a:t>
+            </a:r>
+            <a:r>
+              <a:rPr lang="es-ES" i="1" dirty="0">
+                <a:solidFill>
+                  <a:srgbClr val="E06C75"/>
+                </a:solidFill>
+                <a:latin typeface="Consolas" panose="020B0609020204030204" pitchFamily="49" charset="0"/>
+              </a:rPr>
+              <a:t>mutado</a:t>
+            </a:r>
+            <a:r>
+              <a:rPr lang="es-ES" dirty="0">
+                <a:solidFill>
+                  <a:srgbClr val="BBBBBB"/>
+                </a:solidFill>
+                <a:latin typeface="Consolas" panose="020B0609020204030204" pitchFamily="49" charset="0"/>
+              </a:rPr>
+              <a:t> = </a:t>
+            </a:r>
+            <a:r>
+              <a:rPr lang="es-ES" dirty="0" err="1">
+                <a:solidFill>
+                  <a:srgbClr val="61AFEF"/>
+                </a:solidFill>
+                <a:latin typeface="Consolas" panose="020B0609020204030204" pitchFamily="49" charset="0"/>
+              </a:rPr>
+              <a:t>inversion</a:t>
+            </a:r>
+            <a:r>
+              <a:rPr lang="es-ES" dirty="0">
+                <a:solidFill>
+                  <a:srgbClr val="BBBBBB"/>
+                </a:solidFill>
+                <a:latin typeface="Consolas" panose="020B0609020204030204" pitchFamily="49" charset="0"/>
+              </a:rPr>
+              <a:t>(</a:t>
+            </a:r>
+            <a:r>
+              <a:rPr lang="es-ES" i="1" dirty="0">
+                <a:solidFill>
+                  <a:srgbClr val="E06C75"/>
+                </a:solidFill>
+                <a:latin typeface="Consolas" panose="020B0609020204030204" pitchFamily="49" charset="0"/>
+              </a:rPr>
+              <a:t>original</a:t>
+            </a:r>
+            <a:r>
+              <a:rPr lang="es-ES" dirty="0">
+                <a:solidFill>
+                  <a:srgbClr val="BBBBBB"/>
+                </a:solidFill>
+                <a:latin typeface="Consolas" panose="020B0609020204030204" pitchFamily="49" charset="0"/>
+              </a:rPr>
+              <a:t>)</a:t>
+            </a:r>
+          </a:p>
+          <a:p>
+            <a:r>
+              <a:rPr lang="es-ES" i="1" dirty="0">
+                <a:solidFill>
+                  <a:srgbClr val="7F848E"/>
+                </a:solidFill>
+                <a:latin typeface="Consolas" panose="020B0609020204030204" pitchFamily="49" charset="0"/>
+              </a:rPr>
+              <a:t>%original: vector que queremos mutar</a:t>
+            </a:r>
+            <a:endParaRPr lang="es-ES" dirty="0">
+              <a:solidFill>
+                <a:srgbClr val="BBBBBB"/>
+              </a:solidFill>
+              <a:latin typeface="Consolas" panose="020B0609020204030204" pitchFamily="49" charset="0"/>
+            </a:endParaRPr>
+          </a:p>
+          <a:p>
+            <a:r>
+              <a:rPr lang="es-ES" dirty="0">
+                <a:solidFill>
+                  <a:srgbClr val="BBBBBB"/>
+                </a:solidFill>
+                <a:latin typeface="Consolas" panose="020B0609020204030204" pitchFamily="49" charset="0"/>
+              </a:rPr>
+              <a:t>	puntos = </a:t>
+            </a:r>
+            <a:r>
+              <a:rPr lang="es-ES" dirty="0" err="1">
+                <a:solidFill>
+                  <a:srgbClr val="C678DD"/>
+                </a:solidFill>
+                <a:latin typeface="Consolas" panose="020B0609020204030204" pitchFamily="49" charset="0"/>
+              </a:rPr>
+              <a:t>randperm</a:t>
+            </a:r>
+            <a:r>
+              <a:rPr lang="es-ES" dirty="0">
+                <a:solidFill>
+                  <a:srgbClr val="BBBBBB"/>
+                </a:solidFill>
+                <a:latin typeface="Consolas" panose="020B0609020204030204" pitchFamily="49" charset="0"/>
+              </a:rPr>
+              <a:t>(</a:t>
+            </a:r>
+            <a:r>
+              <a:rPr lang="es-ES" dirty="0" err="1">
+                <a:solidFill>
+                  <a:srgbClr val="C678DD"/>
+                </a:solidFill>
+                <a:latin typeface="Consolas" panose="020B0609020204030204" pitchFamily="49" charset="0"/>
+              </a:rPr>
+              <a:t>length</a:t>
+            </a:r>
+            <a:r>
+              <a:rPr lang="es-ES" dirty="0">
+                <a:solidFill>
+                  <a:srgbClr val="BBBBBB"/>
+                </a:solidFill>
+                <a:latin typeface="Consolas" panose="020B0609020204030204" pitchFamily="49" charset="0"/>
+              </a:rPr>
+              <a:t>(original));</a:t>
+            </a:r>
+          </a:p>
+          <a:p>
+            <a:r>
+              <a:rPr lang="es-ES" dirty="0">
+                <a:solidFill>
+                  <a:srgbClr val="C678DD"/>
+                </a:solidFill>
+                <a:latin typeface="Consolas" panose="020B0609020204030204" pitchFamily="49" charset="0"/>
+              </a:rPr>
+              <a:t>	</a:t>
+            </a:r>
+            <a:r>
+              <a:rPr lang="es-ES" dirty="0" err="1">
+                <a:solidFill>
+                  <a:srgbClr val="C678DD"/>
+                </a:solidFill>
+                <a:latin typeface="Consolas" panose="020B0609020204030204" pitchFamily="49" charset="0"/>
+              </a:rPr>
+              <a:t>if</a:t>
+            </a:r>
+            <a:r>
+              <a:rPr lang="es-ES" dirty="0">
+                <a:solidFill>
+                  <a:srgbClr val="BBBBBB"/>
+                </a:solidFill>
+                <a:latin typeface="Consolas" panose="020B0609020204030204" pitchFamily="49" charset="0"/>
+              </a:rPr>
+              <a:t> puntos(</a:t>
+            </a:r>
+            <a:r>
+              <a:rPr lang="es-ES" dirty="0">
+                <a:solidFill>
+                  <a:srgbClr val="D19A66"/>
+                </a:solidFill>
+                <a:latin typeface="Consolas" panose="020B0609020204030204" pitchFamily="49" charset="0"/>
+              </a:rPr>
+              <a:t>1</a:t>
+            </a:r>
+            <a:r>
+              <a:rPr lang="es-ES" dirty="0">
+                <a:solidFill>
+                  <a:srgbClr val="BBBBBB"/>
+                </a:solidFill>
+                <a:latin typeface="Consolas" panose="020B0609020204030204" pitchFamily="49" charset="0"/>
+              </a:rPr>
+              <a:t>) &gt; puntos(</a:t>
+            </a:r>
+            <a:r>
+              <a:rPr lang="es-ES" dirty="0">
+                <a:solidFill>
+                  <a:srgbClr val="D19A66"/>
+                </a:solidFill>
+                <a:latin typeface="Consolas" panose="020B0609020204030204" pitchFamily="49" charset="0"/>
+              </a:rPr>
+              <a:t>2</a:t>
+            </a:r>
+            <a:r>
+              <a:rPr lang="es-ES" dirty="0">
+                <a:solidFill>
+                  <a:srgbClr val="BBBBBB"/>
+                </a:solidFill>
+                <a:latin typeface="Consolas" panose="020B0609020204030204" pitchFamily="49" charset="0"/>
+              </a:rPr>
+              <a:t>)</a:t>
+            </a:r>
+          </a:p>
+          <a:p>
+            <a:r>
+              <a:rPr lang="es-ES" dirty="0">
+                <a:solidFill>
+                  <a:srgbClr val="BBBBBB"/>
+                </a:solidFill>
+                <a:latin typeface="Consolas" panose="020B0609020204030204" pitchFamily="49" charset="0"/>
+              </a:rPr>
+              <a:t>		p1 = puntos(</a:t>
+            </a:r>
+            <a:r>
+              <a:rPr lang="es-ES" dirty="0">
+                <a:solidFill>
+                  <a:srgbClr val="D19A66"/>
+                </a:solidFill>
+                <a:latin typeface="Consolas" panose="020B0609020204030204" pitchFamily="49" charset="0"/>
+              </a:rPr>
+              <a:t>2</a:t>
+            </a:r>
+            <a:r>
+              <a:rPr lang="es-ES" dirty="0">
+                <a:solidFill>
+                  <a:srgbClr val="BBBBBB"/>
+                </a:solidFill>
+                <a:latin typeface="Consolas" panose="020B0609020204030204" pitchFamily="49" charset="0"/>
+              </a:rPr>
+              <a:t>);</a:t>
+            </a:r>
+          </a:p>
+          <a:p>
+            <a:r>
+              <a:rPr lang="es-ES" dirty="0">
+                <a:solidFill>
+                  <a:srgbClr val="BBBBBB"/>
+                </a:solidFill>
+                <a:latin typeface="Consolas" panose="020B0609020204030204" pitchFamily="49" charset="0"/>
+              </a:rPr>
+              <a:t>		p2 = puntos(</a:t>
+            </a:r>
+            <a:r>
+              <a:rPr lang="es-ES" dirty="0">
+                <a:solidFill>
+                  <a:srgbClr val="D19A66"/>
+                </a:solidFill>
+                <a:latin typeface="Consolas" panose="020B0609020204030204" pitchFamily="49" charset="0"/>
+              </a:rPr>
+              <a:t>1</a:t>
+            </a:r>
+            <a:r>
+              <a:rPr lang="es-ES" dirty="0">
+                <a:solidFill>
+                  <a:srgbClr val="BBBBBB"/>
+                </a:solidFill>
+                <a:latin typeface="Consolas" panose="020B0609020204030204" pitchFamily="49" charset="0"/>
+              </a:rPr>
+              <a:t>);</a:t>
+            </a:r>
+          </a:p>
+          <a:p>
+            <a:r>
+              <a:rPr lang="es-ES" dirty="0">
+                <a:solidFill>
+                  <a:srgbClr val="C678DD"/>
+                </a:solidFill>
+                <a:latin typeface="Consolas" panose="020B0609020204030204" pitchFamily="49" charset="0"/>
+              </a:rPr>
+              <a:t>	</a:t>
+            </a:r>
+            <a:r>
+              <a:rPr lang="es-ES" dirty="0" err="1">
+                <a:solidFill>
+                  <a:srgbClr val="C678DD"/>
+                </a:solidFill>
+                <a:latin typeface="Consolas" panose="020B0609020204030204" pitchFamily="49" charset="0"/>
+              </a:rPr>
+              <a:t>else</a:t>
+            </a:r>
+            <a:endParaRPr lang="es-ES" dirty="0">
+              <a:solidFill>
+                <a:srgbClr val="BBBBBB"/>
+              </a:solidFill>
+              <a:latin typeface="Consolas" panose="020B0609020204030204" pitchFamily="49" charset="0"/>
+            </a:endParaRPr>
+          </a:p>
+          <a:p>
+            <a:r>
+              <a:rPr lang="es-ES" dirty="0">
+                <a:solidFill>
+                  <a:srgbClr val="BBBBBB"/>
+                </a:solidFill>
+                <a:latin typeface="Consolas" panose="020B0609020204030204" pitchFamily="49" charset="0"/>
+              </a:rPr>
+              <a:t>		p1 = puntos(</a:t>
+            </a:r>
+            <a:r>
+              <a:rPr lang="es-ES" dirty="0">
+                <a:solidFill>
+                  <a:srgbClr val="D19A66"/>
+                </a:solidFill>
+                <a:latin typeface="Consolas" panose="020B0609020204030204" pitchFamily="49" charset="0"/>
+              </a:rPr>
+              <a:t>1</a:t>
+            </a:r>
+            <a:r>
+              <a:rPr lang="es-ES" dirty="0">
+                <a:solidFill>
+                  <a:srgbClr val="BBBBBB"/>
+                </a:solidFill>
+                <a:latin typeface="Consolas" panose="020B0609020204030204" pitchFamily="49" charset="0"/>
+              </a:rPr>
+              <a:t>);</a:t>
+            </a:r>
+          </a:p>
+          <a:p>
+            <a:r>
+              <a:rPr lang="es-ES" dirty="0">
+                <a:solidFill>
+                  <a:srgbClr val="BBBBBB"/>
+                </a:solidFill>
+                <a:latin typeface="Consolas" panose="020B0609020204030204" pitchFamily="49" charset="0"/>
+              </a:rPr>
+              <a:t>		p2 = puntos(</a:t>
+            </a:r>
+            <a:r>
+              <a:rPr lang="es-ES" dirty="0">
+                <a:solidFill>
+                  <a:srgbClr val="D19A66"/>
+                </a:solidFill>
+                <a:latin typeface="Consolas" panose="020B0609020204030204" pitchFamily="49" charset="0"/>
+              </a:rPr>
+              <a:t>2</a:t>
+            </a:r>
+            <a:r>
+              <a:rPr lang="es-ES" dirty="0">
+                <a:solidFill>
+                  <a:srgbClr val="BBBBBB"/>
+                </a:solidFill>
+                <a:latin typeface="Consolas" panose="020B0609020204030204" pitchFamily="49" charset="0"/>
+              </a:rPr>
+              <a:t>);</a:t>
+            </a:r>
+          </a:p>
+          <a:p>
+            <a:r>
+              <a:rPr lang="es-ES" dirty="0">
+                <a:solidFill>
+                  <a:srgbClr val="C678DD"/>
+                </a:solidFill>
+                <a:latin typeface="Consolas" panose="020B0609020204030204" pitchFamily="49" charset="0"/>
+              </a:rPr>
+              <a:t>	</a:t>
+            </a:r>
+            <a:r>
+              <a:rPr lang="es-ES" dirty="0" err="1">
+                <a:solidFill>
+                  <a:srgbClr val="C678DD"/>
+                </a:solidFill>
+                <a:latin typeface="Consolas" panose="020B0609020204030204" pitchFamily="49" charset="0"/>
+              </a:rPr>
+              <a:t>end</a:t>
+            </a:r>
+            <a:endParaRPr lang="es-ES" dirty="0">
+              <a:solidFill>
+                <a:srgbClr val="BBBBBB"/>
+              </a:solidFill>
+              <a:latin typeface="Consolas" panose="020B0609020204030204" pitchFamily="49" charset="0"/>
+            </a:endParaRPr>
+          </a:p>
+          <a:p>
+            <a:r>
+              <a:rPr lang="es-ES" dirty="0">
+                <a:solidFill>
+                  <a:srgbClr val="C678DD"/>
+                </a:solidFill>
+                <a:latin typeface="Consolas" panose="020B0609020204030204" pitchFamily="49" charset="0"/>
+              </a:rPr>
+              <a:t>	</a:t>
+            </a:r>
+            <a:r>
+              <a:rPr lang="es-ES" dirty="0" err="1">
+                <a:solidFill>
+                  <a:srgbClr val="C678DD"/>
+                </a:solidFill>
+                <a:latin typeface="Consolas" panose="020B0609020204030204" pitchFamily="49" charset="0"/>
+              </a:rPr>
+              <a:t>clear</a:t>
+            </a:r>
+            <a:r>
+              <a:rPr lang="es-ES" dirty="0">
+                <a:solidFill>
+                  <a:srgbClr val="BBBBBB"/>
+                </a:solidFill>
+                <a:latin typeface="Consolas" panose="020B0609020204030204" pitchFamily="49" charset="0"/>
+              </a:rPr>
+              <a:t> puntos;</a:t>
+            </a:r>
+          </a:p>
+          <a:p>
+            <a:r>
+              <a:rPr lang="es-ES" dirty="0">
+                <a:solidFill>
+                  <a:srgbClr val="BBBBBB"/>
+                </a:solidFill>
+                <a:latin typeface="Consolas" panose="020B0609020204030204" pitchFamily="49" charset="0"/>
+              </a:rPr>
+              <a:t>	mutado = original;</a:t>
+            </a:r>
+          </a:p>
+          <a:p>
+            <a:r>
+              <a:rPr lang="es-ES" dirty="0">
+                <a:solidFill>
+                  <a:srgbClr val="BBBBBB"/>
+                </a:solidFill>
+                <a:latin typeface="Consolas" panose="020B0609020204030204" pitchFamily="49" charset="0"/>
+              </a:rPr>
+              <a:t>	mutado(:, p1:p2 ) = </a:t>
+            </a:r>
+            <a:r>
+              <a:rPr lang="es-ES" dirty="0" err="1">
+                <a:solidFill>
+                  <a:srgbClr val="BBBBBB"/>
+                </a:solidFill>
+                <a:latin typeface="Consolas" panose="020B0609020204030204" pitchFamily="49" charset="0"/>
+              </a:rPr>
+              <a:t>flip</a:t>
+            </a:r>
+            <a:r>
+              <a:rPr lang="es-ES" dirty="0">
+                <a:solidFill>
+                  <a:srgbClr val="BBBBBB"/>
+                </a:solidFill>
+                <a:latin typeface="Consolas" panose="020B0609020204030204" pitchFamily="49" charset="0"/>
+              </a:rPr>
+              <a:t>(mutado(:, p1:p2));</a:t>
+            </a:r>
+          </a:p>
+          <a:p>
+            <a:r>
+              <a:rPr lang="es-ES" dirty="0" err="1">
+                <a:solidFill>
+                  <a:srgbClr val="C678DD"/>
+                </a:solidFill>
+                <a:latin typeface="Consolas" panose="020B0609020204030204" pitchFamily="49" charset="0"/>
+              </a:rPr>
+              <a:t>end</a:t>
+            </a:r>
+            <a:endParaRPr lang="es-ES" dirty="0">
+              <a:solidFill>
+                <a:srgbClr val="BBBBBB"/>
+              </a:solidFill>
+              <a:latin typeface="Consolas" panose="020B0609020204030204" pitchFamily="49" charset="0"/>
+            </a:endParaRPr>
+          </a:p>
+          <a:p>
+            <a:endParaRPr lang="es-ES" dirty="0"/>
+          </a:p>
+        </p:txBody>
+      </p:sp>
+      <p:sp>
+        <p:nvSpPr>
+          <p:cNvPr id="25" name="Rectángulo 24">
+            <a:extLst>
+              <a:ext uri="{FF2B5EF4-FFF2-40B4-BE49-F238E27FC236}">
+                <a16:creationId xmlns:a16="http://schemas.microsoft.com/office/drawing/2014/main" id="{A5560A74-CC83-49E3-AF38-A96DF9BA3B9D}"/>
+              </a:ext>
+            </a:extLst>
+          </p:cNvPr>
+          <p:cNvSpPr/>
+          <p:nvPr/>
+        </p:nvSpPr>
+        <p:spPr>
+          <a:xfrm>
+            <a:off x="7495968" y="2434259"/>
+            <a:ext cx="4362852" cy="708991"/>
+          </a:xfrm>
+          <a:prstGeom prst="rect">
+            <a:avLst/>
+          </a:prstGeom>
+          <a:solidFill>
+            <a:schemeClr val="tx1"/>
+          </a:solidFill>
+          <a:ln>
+            <a:solidFill>
+              <a:schemeClr val="accent1">
+                <a:lumMod val="40000"/>
+                <a:lumOff val="60000"/>
+              </a:schemeClr>
+            </a:solidFill>
+          </a:ln>
+        </p:spPr>
+        <p:style>
+          <a:lnRef idx="2">
+            <a:schemeClr val="accent6"/>
+          </a:lnRef>
+          <a:fillRef idx="1">
+            <a:schemeClr val="lt1"/>
+          </a:fillRef>
+          <a:effectRef idx="0">
+            <a:schemeClr val="accent6"/>
+          </a:effectRef>
+          <a:fontRef idx="minor">
+            <a:schemeClr val="dk1"/>
+          </a:fontRef>
+        </p:style>
+        <p:txBody>
+          <a:bodyPr rtlCol="0" anchor="ctr"/>
+          <a:lstStyle/>
+          <a:p>
+            <a:pPr algn="ctr"/>
+            <a:endParaRPr lang="es-ES"/>
+          </a:p>
+        </p:txBody>
+      </p:sp>
+      <p:cxnSp>
+        <p:nvCxnSpPr>
+          <p:cNvPr id="26" name="Conector recto 25">
+            <a:extLst>
+              <a:ext uri="{FF2B5EF4-FFF2-40B4-BE49-F238E27FC236}">
+                <a16:creationId xmlns:a16="http://schemas.microsoft.com/office/drawing/2014/main" id="{BA0C499C-D4EF-49D2-AF39-9604B980703C}"/>
+              </a:ext>
+            </a:extLst>
+          </p:cNvPr>
+          <p:cNvCxnSpPr>
+            <a:cxnSpLocks/>
+          </p:cNvCxnSpPr>
+          <p:nvPr/>
+        </p:nvCxnSpPr>
+        <p:spPr>
+          <a:xfrm>
+            <a:off x="8257967" y="2434259"/>
+            <a:ext cx="0" cy="708991"/>
+          </a:xfrm>
+          <a:prstGeom prst="line">
+            <a:avLst/>
+          </a:prstGeom>
+          <a:ln w="28575">
+            <a:solidFill>
+              <a:srgbClr val="FF0000"/>
+            </a:solidFill>
+          </a:ln>
+        </p:spPr>
+        <p:style>
+          <a:lnRef idx="1">
+            <a:schemeClr val="dk1"/>
+          </a:lnRef>
+          <a:fillRef idx="0">
+            <a:schemeClr val="dk1"/>
+          </a:fillRef>
+          <a:effectRef idx="0">
+            <a:schemeClr val="dk1"/>
+          </a:effectRef>
+          <a:fontRef idx="minor">
+            <a:schemeClr val="tx1"/>
+          </a:fontRef>
+        </p:style>
+      </p:cxnSp>
+      <p:cxnSp>
+        <p:nvCxnSpPr>
+          <p:cNvPr id="27" name="Conector recto 26">
+            <a:extLst>
+              <a:ext uri="{FF2B5EF4-FFF2-40B4-BE49-F238E27FC236}">
+                <a16:creationId xmlns:a16="http://schemas.microsoft.com/office/drawing/2014/main" id="{2126262E-2CC7-4ABF-93B8-78AB344FFF05}"/>
+              </a:ext>
+            </a:extLst>
+          </p:cNvPr>
+          <p:cNvCxnSpPr>
+            <a:cxnSpLocks/>
+          </p:cNvCxnSpPr>
+          <p:nvPr/>
+        </p:nvCxnSpPr>
+        <p:spPr>
+          <a:xfrm>
+            <a:off x="9006715" y="2434259"/>
+            <a:ext cx="0" cy="708991"/>
+          </a:xfrm>
+          <a:prstGeom prst="line">
+            <a:avLst/>
+          </a:prstGeom>
+          <a:ln w="28575">
+            <a:solidFill>
+              <a:schemeClr val="bg1"/>
+            </a:solidFill>
+          </a:ln>
+        </p:spPr>
+        <p:style>
+          <a:lnRef idx="1">
+            <a:schemeClr val="dk1"/>
+          </a:lnRef>
+          <a:fillRef idx="0">
+            <a:schemeClr val="dk1"/>
+          </a:fillRef>
+          <a:effectRef idx="0">
+            <a:schemeClr val="dk1"/>
+          </a:effectRef>
+          <a:fontRef idx="minor">
+            <a:schemeClr val="tx1"/>
+          </a:fontRef>
+        </p:style>
+      </p:cxnSp>
+      <p:cxnSp>
+        <p:nvCxnSpPr>
+          <p:cNvPr id="28" name="Conector recto 27">
+            <a:extLst>
+              <a:ext uri="{FF2B5EF4-FFF2-40B4-BE49-F238E27FC236}">
+                <a16:creationId xmlns:a16="http://schemas.microsoft.com/office/drawing/2014/main" id="{0F26116E-F820-44D1-950B-F5241262189C}"/>
+              </a:ext>
+            </a:extLst>
+          </p:cNvPr>
+          <p:cNvCxnSpPr>
+            <a:cxnSpLocks/>
+          </p:cNvCxnSpPr>
+          <p:nvPr/>
+        </p:nvCxnSpPr>
+        <p:spPr>
+          <a:xfrm>
+            <a:off x="9742211" y="2434259"/>
+            <a:ext cx="0" cy="708991"/>
+          </a:xfrm>
+          <a:prstGeom prst="line">
+            <a:avLst/>
+          </a:prstGeom>
+          <a:ln w="28575"/>
+        </p:spPr>
+        <p:style>
+          <a:lnRef idx="1">
+            <a:schemeClr val="dk1"/>
+          </a:lnRef>
+          <a:fillRef idx="0">
+            <a:schemeClr val="dk1"/>
+          </a:fillRef>
+          <a:effectRef idx="0">
+            <a:schemeClr val="dk1"/>
+          </a:effectRef>
+          <a:fontRef idx="minor">
+            <a:schemeClr val="tx1"/>
+          </a:fontRef>
+        </p:style>
+      </p:cxnSp>
+      <p:cxnSp>
+        <p:nvCxnSpPr>
+          <p:cNvPr id="34" name="Conector recto 33">
+            <a:extLst>
+              <a:ext uri="{FF2B5EF4-FFF2-40B4-BE49-F238E27FC236}">
+                <a16:creationId xmlns:a16="http://schemas.microsoft.com/office/drawing/2014/main" id="{75D04618-8209-401C-A9F0-C539B94920F3}"/>
+              </a:ext>
+            </a:extLst>
+          </p:cNvPr>
+          <p:cNvCxnSpPr>
+            <a:cxnSpLocks/>
+          </p:cNvCxnSpPr>
+          <p:nvPr/>
+        </p:nvCxnSpPr>
+        <p:spPr>
+          <a:xfrm>
+            <a:off x="10493718" y="2434259"/>
+            <a:ext cx="0" cy="708991"/>
+          </a:xfrm>
+          <a:prstGeom prst="line">
+            <a:avLst/>
+          </a:prstGeom>
+          <a:ln w="28575"/>
+        </p:spPr>
+        <p:style>
+          <a:lnRef idx="1">
+            <a:schemeClr val="dk1"/>
+          </a:lnRef>
+          <a:fillRef idx="0">
+            <a:schemeClr val="dk1"/>
+          </a:fillRef>
+          <a:effectRef idx="0">
+            <a:schemeClr val="dk1"/>
+          </a:effectRef>
+          <a:fontRef idx="minor">
+            <a:schemeClr val="tx1"/>
+          </a:fontRef>
+        </p:style>
+      </p:cxnSp>
+      <p:cxnSp>
+        <p:nvCxnSpPr>
+          <p:cNvPr id="35" name="Conector recto 34">
+            <a:extLst>
+              <a:ext uri="{FF2B5EF4-FFF2-40B4-BE49-F238E27FC236}">
+                <a16:creationId xmlns:a16="http://schemas.microsoft.com/office/drawing/2014/main" id="{596664C5-BF36-420A-8EEB-7F98A812A152}"/>
+              </a:ext>
+            </a:extLst>
+          </p:cNvPr>
+          <p:cNvCxnSpPr>
+            <a:cxnSpLocks/>
+          </p:cNvCxnSpPr>
+          <p:nvPr/>
+        </p:nvCxnSpPr>
+        <p:spPr>
+          <a:xfrm>
+            <a:off x="11209337" y="2453472"/>
+            <a:ext cx="0" cy="708991"/>
+          </a:xfrm>
+          <a:prstGeom prst="line">
+            <a:avLst/>
+          </a:prstGeom>
+          <a:ln w="28575">
+            <a:solidFill>
+              <a:srgbClr val="FF0000"/>
+            </a:solidFill>
+          </a:ln>
+        </p:spPr>
+        <p:style>
+          <a:lnRef idx="1">
+            <a:schemeClr val="dk1"/>
+          </a:lnRef>
+          <a:fillRef idx="0">
+            <a:schemeClr val="dk1"/>
+          </a:fillRef>
+          <a:effectRef idx="0">
+            <a:schemeClr val="dk1"/>
+          </a:effectRef>
+          <a:fontRef idx="minor">
+            <a:schemeClr val="tx1"/>
+          </a:fontRef>
+        </p:style>
+      </p:cxnSp>
+      <p:cxnSp>
+        <p:nvCxnSpPr>
+          <p:cNvPr id="36" name="Conector recto 35">
+            <a:extLst>
+              <a:ext uri="{FF2B5EF4-FFF2-40B4-BE49-F238E27FC236}">
+                <a16:creationId xmlns:a16="http://schemas.microsoft.com/office/drawing/2014/main" id="{B16D94D7-49C9-439D-8CC8-D9347F2322B7}"/>
+              </a:ext>
+            </a:extLst>
+          </p:cNvPr>
+          <p:cNvCxnSpPr>
+            <a:cxnSpLocks/>
+          </p:cNvCxnSpPr>
+          <p:nvPr/>
+        </p:nvCxnSpPr>
+        <p:spPr>
+          <a:xfrm>
+            <a:off x="11858820" y="2434259"/>
+            <a:ext cx="0" cy="708991"/>
+          </a:xfrm>
+          <a:prstGeom prst="line">
+            <a:avLst/>
+          </a:prstGeom>
+          <a:ln w="28575"/>
+        </p:spPr>
+        <p:style>
+          <a:lnRef idx="1">
+            <a:schemeClr val="dk1"/>
+          </a:lnRef>
+          <a:fillRef idx="0">
+            <a:schemeClr val="dk1"/>
+          </a:fillRef>
+          <a:effectRef idx="0">
+            <a:schemeClr val="dk1"/>
+          </a:effectRef>
+          <a:fontRef idx="minor">
+            <a:schemeClr val="tx1"/>
+          </a:fontRef>
+        </p:style>
+      </p:cxnSp>
+      <p:sp>
+        <p:nvSpPr>
+          <p:cNvPr id="37" name="CuadroTexto 36">
+            <a:extLst>
+              <a:ext uri="{FF2B5EF4-FFF2-40B4-BE49-F238E27FC236}">
+                <a16:creationId xmlns:a16="http://schemas.microsoft.com/office/drawing/2014/main" id="{A7411E7B-6833-48F4-83C9-0CCB4C8C9F00}"/>
+              </a:ext>
+            </a:extLst>
+          </p:cNvPr>
+          <p:cNvSpPr txBox="1"/>
+          <p:nvPr/>
+        </p:nvSpPr>
+        <p:spPr>
+          <a:xfrm>
+            <a:off x="7682754" y="2547903"/>
+            <a:ext cx="357452" cy="461665"/>
+          </a:xfrm>
+          <a:prstGeom prst="rect">
+            <a:avLst/>
+          </a:prstGeom>
+          <a:noFill/>
+        </p:spPr>
+        <p:txBody>
+          <a:bodyPr wrap="square" rtlCol="0">
+            <a:spAutoFit/>
+          </a:bodyPr>
+          <a:lstStyle/>
+          <a:p>
+            <a:r>
+              <a:rPr lang="es-ES" sz="2400" b="1" dirty="0">
+                <a:solidFill>
+                  <a:schemeClr val="bg1"/>
+                </a:solidFill>
+              </a:rPr>
+              <a:t>0</a:t>
+            </a:r>
+          </a:p>
+        </p:txBody>
+      </p:sp>
+      <p:sp>
+        <p:nvSpPr>
+          <p:cNvPr id="38" name="CuadroTexto 37">
+            <a:extLst>
+              <a:ext uri="{FF2B5EF4-FFF2-40B4-BE49-F238E27FC236}">
+                <a16:creationId xmlns:a16="http://schemas.microsoft.com/office/drawing/2014/main" id="{07C66F3C-1455-43BF-B659-9A8E4299AEC8}"/>
+              </a:ext>
+            </a:extLst>
+          </p:cNvPr>
+          <p:cNvSpPr txBox="1"/>
+          <p:nvPr/>
+        </p:nvSpPr>
+        <p:spPr>
+          <a:xfrm>
+            <a:off x="8425768" y="2535609"/>
+            <a:ext cx="357452" cy="461665"/>
+          </a:xfrm>
+          <a:prstGeom prst="rect">
+            <a:avLst/>
+          </a:prstGeom>
+          <a:noFill/>
+        </p:spPr>
+        <p:txBody>
+          <a:bodyPr wrap="square" rtlCol="0">
+            <a:spAutoFit/>
+          </a:bodyPr>
+          <a:lstStyle/>
+          <a:p>
+            <a:r>
+              <a:rPr lang="es-ES" sz="2400" b="1" dirty="0">
+                <a:solidFill>
+                  <a:schemeClr val="bg1"/>
+                </a:solidFill>
+              </a:rPr>
+              <a:t>1</a:t>
+            </a:r>
+          </a:p>
+        </p:txBody>
+      </p:sp>
+      <p:sp>
+        <p:nvSpPr>
+          <p:cNvPr id="39" name="CuadroTexto 38">
+            <a:extLst>
+              <a:ext uri="{FF2B5EF4-FFF2-40B4-BE49-F238E27FC236}">
+                <a16:creationId xmlns:a16="http://schemas.microsoft.com/office/drawing/2014/main" id="{4223DA6F-53D2-41BC-B5D8-499F07D5937D}"/>
+              </a:ext>
+            </a:extLst>
+          </p:cNvPr>
+          <p:cNvSpPr txBox="1"/>
+          <p:nvPr/>
+        </p:nvSpPr>
+        <p:spPr>
+          <a:xfrm>
+            <a:off x="9168782" y="2527313"/>
+            <a:ext cx="357452" cy="461665"/>
+          </a:xfrm>
+          <a:prstGeom prst="rect">
+            <a:avLst/>
+          </a:prstGeom>
+          <a:noFill/>
+        </p:spPr>
+        <p:txBody>
+          <a:bodyPr wrap="square" rtlCol="0">
+            <a:spAutoFit/>
+          </a:bodyPr>
+          <a:lstStyle/>
+          <a:p>
+            <a:r>
+              <a:rPr lang="es-ES" sz="2400" b="1" dirty="0">
+                <a:solidFill>
+                  <a:schemeClr val="bg1"/>
+                </a:solidFill>
+              </a:rPr>
+              <a:t>0</a:t>
+            </a:r>
+          </a:p>
+        </p:txBody>
+      </p:sp>
+      <p:sp>
+        <p:nvSpPr>
+          <p:cNvPr id="40" name="CuadroTexto 39">
+            <a:extLst>
+              <a:ext uri="{FF2B5EF4-FFF2-40B4-BE49-F238E27FC236}">
+                <a16:creationId xmlns:a16="http://schemas.microsoft.com/office/drawing/2014/main" id="{7A91882B-B7A1-4B6C-8A31-838FF47DEACF}"/>
+              </a:ext>
+            </a:extLst>
+          </p:cNvPr>
+          <p:cNvSpPr txBox="1"/>
+          <p:nvPr/>
+        </p:nvSpPr>
+        <p:spPr>
+          <a:xfrm>
+            <a:off x="9904660" y="2547903"/>
+            <a:ext cx="357452" cy="461665"/>
+          </a:xfrm>
+          <a:prstGeom prst="rect">
+            <a:avLst/>
+          </a:prstGeom>
+          <a:noFill/>
+        </p:spPr>
+        <p:txBody>
+          <a:bodyPr wrap="square" rtlCol="0">
+            <a:spAutoFit/>
+          </a:bodyPr>
+          <a:lstStyle/>
+          <a:p>
+            <a:r>
+              <a:rPr lang="es-ES" sz="2400" b="1" dirty="0">
+                <a:solidFill>
+                  <a:schemeClr val="bg1"/>
+                </a:solidFill>
+              </a:rPr>
+              <a:t>1</a:t>
+            </a:r>
+          </a:p>
+        </p:txBody>
+      </p:sp>
+      <p:sp>
+        <p:nvSpPr>
+          <p:cNvPr id="41" name="CuadroTexto 40">
+            <a:extLst>
+              <a:ext uri="{FF2B5EF4-FFF2-40B4-BE49-F238E27FC236}">
+                <a16:creationId xmlns:a16="http://schemas.microsoft.com/office/drawing/2014/main" id="{670F9270-E3DC-4A78-B4FD-F2A7BC02BE44}"/>
+              </a:ext>
+            </a:extLst>
+          </p:cNvPr>
+          <p:cNvSpPr txBox="1"/>
+          <p:nvPr/>
+        </p:nvSpPr>
+        <p:spPr>
+          <a:xfrm>
+            <a:off x="10653408" y="2535608"/>
+            <a:ext cx="357452" cy="461665"/>
+          </a:xfrm>
+          <a:prstGeom prst="rect">
+            <a:avLst/>
+          </a:prstGeom>
+          <a:noFill/>
+        </p:spPr>
+        <p:txBody>
+          <a:bodyPr wrap="square" rtlCol="0">
+            <a:spAutoFit/>
+          </a:bodyPr>
+          <a:lstStyle/>
+          <a:p>
+            <a:r>
+              <a:rPr lang="es-ES" sz="2400" b="1" dirty="0">
+                <a:solidFill>
+                  <a:schemeClr val="bg1"/>
+                </a:solidFill>
+              </a:rPr>
+              <a:t>0</a:t>
+            </a:r>
+          </a:p>
+        </p:txBody>
+      </p:sp>
+      <p:sp>
+        <p:nvSpPr>
+          <p:cNvPr id="42" name="CuadroTexto 41">
+            <a:extLst>
+              <a:ext uri="{FF2B5EF4-FFF2-40B4-BE49-F238E27FC236}">
+                <a16:creationId xmlns:a16="http://schemas.microsoft.com/office/drawing/2014/main" id="{AD24084E-1128-4A0C-87DE-7B4C9C4EADAB}"/>
+              </a:ext>
+            </a:extLst>
+          </p:cNvPr>
+          <p:cNvSpPr txBox="1"/>
+          <p:nvPr/>
+        </p:nvSpPr>
+        <p:spPr>
+          <a:xfrm>
+            <a:off x="11328639" y="2527312"/>
+            <a:ext cx="357452" cy="461665"/>
+          </a:xfrm>
+          <a:prstGeom prst="rect">
+            <a:avLst/>
+          </a:prstGeom>
+          <a:noFill/>
+        </p:spPr>
+        <p:txBody>
+          <a:bodyPr wrap="square" rtlCol="0">
+            <a:spAutoFit/>
+          </a:bodyPr>
+          <a:lstStyle/>
+          <a:p>
+            <a:r>
+              <a:rPr lang="es-ES" sz="2400" b="1" dirty="0">
+                <a:solidFill>
+                  <a:schemeClr val="bg1"/>
+                </a:solidFill>
+              </a:rPr>
+              <a:t>0</a:t>
+            </a:r>
+          </a:p>
+        </p:txBody>
+      </p:sp>
+      <p:sp>
+        <p:nvSpPr>
+          <p:cNvPr id="57" name="Flecha: hacia abajo 56">
+            <a:extLst>
+              <a:ext uri="{FF2B5EF4-FFF2-40B4-BE49-F238E27FC236}">
+                <a16:creationId xmlns:a16="http://schemas.microsoft.com/office/drawing/2014/main" id="{13332551-1CE6-40DC-8DCF-AC07AE930859}"/>
+              </a:ext>
+            </a:extLst>
+          </p:cNvPr>
+          <p:cNvSpPr/>
+          <p:nvPr/>
+        </p:nvSpPr>
+        <p:spPr>
+          <a:xfrm>
+            <a:off x="9322692" y="3424064"/>
+            <a:ext cx="557211" cy="1471613"/>
+          </a:xfrm>
+          <a:prstGeom prst="downArrow">
+            <a:avLst/>
+          </a:prstGeom>
+        </p:spPr>
+        <p:style>
+          <a:lnRef idx="2">
+            <a:schemeClr val="accent1">
+              <a:shade val="50000"/>
+            </a:schemeClr>
+          </a:lnRef>
+          <a:fillRef idx="1">
+            <a:schemeClr val="accent1"/>
+          </a:fillRef>
+          <a:effectRef idx="0">
+            <a:schemeClr val="accent1"/>
+          </a:effectRef>
+          <a:fontRef idx="minor">
+            <a:schemeClr val="lt1"/>
+          </a:fontRef>
+        </p:style>
+        <p:txBody>
+          <a:bodyPr rtlCol="0" anchor="ctr"/>
+          <a:lstStyle/>
+          <a:p>
+            <a:pPr algn="ctr"/>
+            <a:endParaRPr lang="es-ES"/>
+          </a:p>
+        </p:txBody>
+      </p:sp>
+      <p:sp>
+        <p:nvSpPr>
+          <p:cNvPr id="58" name="Rectángulo 57">
+            <a:extLst>
+              <a:ext uri="{FF2B5EF4-FFF2-40B4-BE49-F238E27FC236}">
+                <a16:creationId xmlns:a16="http://schemas.microsoft.com/office/drawing/2014/main" id="{63CAC515-8406-4E7A-B2B6-E6691BA84635}"/>
+              </a:ext>
+            </a:extLst>
+          </p:cNvPr>
+          <p:cNvSpPr/>
+          <p:nvPr/>
+        </p:nvSpPr>
+        <p:spPr>
+          <a:xfrm>
+            <a:off x="7495968" y="5272709"/>
+            <a:ext cx="4362852" cy="708991"/>
+          </a:xfrm>
+          <a:prstGeom prst="rect">
+            <a:avLst/>
+          </a:prstGeom>
+          <a:solidFill>
+            <a:schemeClr val="tx1"/>
+          </a:solidFill>
+          <a:ln>
+            <a:solidFill>
+              <a:schemeClr val="accent1">
+                <a:lumMod val="40000"/>
+                <a:lumOff val="60000"/>
+              </a:schemeClr>
+            </a:solidFill>
+          </a:ln>
+        </p:spPr>
+        <p:style>
+          <a:lnRef idx="2">
+            <a:schemeClr val="accent6"/>
+          </a:lnRef>
+          <a:fillRef idx="1">
+            <a:schemeClr val="lt1"/>
+          </a:fillRef>
+          <a:effectRef idx="0">
+            <a:schemeClr val="accent6"/>
+          </a:effectRef>
+          <a:fontRef idx="minor">
+            <a:schemeClr val="dk1"/>
+          </a:fontRef>
+        </p:style>
+        <p:txBody>
+          <a:bodyPr rtlCol="0" anchor="ctr"/>
+          <a:lstStyle/>
+          <a:p>
+            <a:pPr algn="ctr"/>
+            <a:endParaRPr lang="es-ES"/>
+          </a:p>
+        </p:txBody>
+      </p:sp>
+      <p:cxnSp>
+        <p:nvCxnSpPr>
+          <p:cNvPr id="59" name="Conector recto 58">
+            <a:extLst>
+              <a:ext uri="{FF2B5EF4-FFF2-40B4-BE49-F238E27FC236}">
+                <a16:creationId xmlns:a16="http://schemas.microsoft.com/office/drawing/2014/main" id="{3E9B1EFA-4A0D-440E-99A0-617DA107827A}"/>
+              </a:ext>
+            </a:extLst>
+          </p:cNvPr>
+          <p:cNvCxnSpPr>
+            <a:cxnSpLocks/>
+          </p:cNvCxnSpPr>
+          <p:nvPr/>
+        </p:nvCxnSpPr>
+        <p:spPr>
+          <a:xfrm>
+            <a:off x="8257967" y="5272709"/>
+            <a:ext cx="0" cy="708991"/>
+          </a:xfrm>
+          <a:prstGeom prst="line">
+            <a:avLst/>
+          </a:prstGeom>
+          <a:ln w="28575">
+            <a:solidFill>
+              <a:srgbClr val="FF0000"/>
+            </a:solidFill>
+          </a:ln>
+        </p:spPr>
+        <p:style>
+          <a:lnRef idx="1">
+            <a:schemeClr val="dk1"/>
+          </a:lnRef>
+          <a:fillRef idx="0">
+            <a:schemeClr val="dk1"/>
+          </a:fillRef>
+          <a:effectRef idx="0">
+            <a:schemeClr val="dk1"/>
+          </a:effectRef>
+          <a:fontRef idx="minor">
+            <a:schemeClr val="tx1"/>
+          </a:fontRef>
+        </p:style>
+      </p:cxnSp>
+      <p:cxnSp>
+        <p:nvCxnSpPr>
+          <p:cNvPr id="60" name="Conector recto 59">
+            <a:extLst>
+              <a:ext uri="{FF2B5EF4-FFF2-40B4-BE49-F238E27FC236}">
+                <a16:creationId xmlns:a16="http://schemas.microsoft.com/office/drawing/2014/main" id="{7AE8FD19-E22B-427B-92F6-0477EEEE0896}"/>
+              </a:ext>
+            </a:extLst>
+          </p:cNvPr>
+          <p:cNvCxnSpPr>
+            <a:cxnSpLocks/>
+          </p:cNvCxnSpPr>
+          <p:nvPr/>
+        </p:nvCxnSpPr>
+        <p:spPr>
+          <a:xfrm>
+            <a:off x="9006715" y="5272709"/>
+            <a:ext cx="0" cy="708991"/>
+          </a:xfrm>
+          <a:prstGeom prst="line">
+            <a:avLst/>
+          </a:prstGeom>
+          <a:ln w="28575">
+            <a:solidFill>
+              <a:schemeClr val="bg1"/>
+            </a:solidFill>
+          </a:ln>
+        </p:spPr>
+        <p:style>
+          <a:lnRef idx="1">
+            <a:schemeClr val="dk1"/>
+          </a:lnRef>
+          <a:fillRef idx="0">
+            <a:schemeClr val="dk1"/>
+          </a:fillRef>
+          <a:effectRef idx="0">
+            <a:schemeClr val="dk1"/>
+          </a:effectRef>
+          <a:fontRef idx="minor">
+            <a:schemeClr val="tx1"/>
+          </a:fontRef>
+        </p:style>
+      </p:cxnSp>
+      <p:cxnSp>
+        <p:nvCxnSpPr>
+          <p:cNvPr id="61" name="Conector recto 60">
+            <a:extLst>
+              <a:ext uri="{FF2B5EF4-FFF2-40B4-BE49-F238E27FC236}">
+                <a16:creationId xmlns:a16="http://schemas.microsoft.com/office/drawing/2014/main" id="{E964B15C-5DBE-4A14-80C2-7F9840C1545C}"/>
+              </a:ext>
+            </a:extLst>
+          </p:cNvPr>
+          <p:cNvCxnSpPr>
+            <a:cxnSpLocks/>
+          </p:cNvCxnSpPr>
+          <p:nvPr/>
+        </p:nvCxnSpPr>
+        <p:spPr>
+          <a:xfrm>
+            <a:off x="9742211" y="5272709"/>
+            <a:ext cx="0" cy="708991"/>
+          </a:xfrm>
+          <a:prstGeom prst="line">
+            <a:avLst/>
+          </a:prstGeom>
+          <a:ln w="28575"/>
+        </p:spPr>
+        <p:style>
+          <a:lnRef idx="1">
+            <a:schemeClr val="dk1"/>
+          </a:lnRef>
+          <a:fillRef idx="0">
+            <a:schemeClr val="dk1"/>
+          </a:fillRef>
+          <a:effectRef idx="0">
+            <a:schemeClr val="dk1"/>
+          </a:effectRef>
+          <a:fontRef idx="minor">
+            <a:schemeClr val="tx1"/>
+          </a:fontRef>
+        </p:style>
+      </p:cxnSp>
+      <p:cxnSp>
+        <p:nvCxnSpPr>
+          <p:cNvPr id="62" name="Conector recto 61">
+            <a:extLst>
+              <a:ext uri="{FF2B5EF4-FFF2-40B4-BE49-F238E27FC236}">
+                <a16:creationId xmlns:a16="http://schemas.microsoft.com/office/drawing/2014/main" id="{8EB88C94-BA90-4323-A41B-20EB5D04269C}"/>
+              </a:ext>
+            </a:extLst>
+          </p:cNvPr>
+          <p:cNvCxnSpPr>
+            <a:cxnSpLocks/>
+          </p:cNvCxnSpPr>
+          <p:nvPr/>
+        </p:nvCxnSpPr>
+        <p:spPr>
+          <a:xfrm>
+            <a:off x="10493718" y="5272709"/>
+            <a:ext cx="0" cy="708991"/>
+          </a:xfrm>
+          <a:prstGeom prst="line">
+            <a:avLst/>
+          </a:prstGeom>
+          <a:ln w="28575"/>
+        </p:spPr>
+        <p:style>
+          <a:lnRef idx="1">
+            <a:schemeClr val="dk1"/>
+          </a:lnRef>
+          <a:fillRef idx="0">
+            <a:schemeClr val="dk1"/>
+          </a:fillRef>
+          <a:effectRef idx="0">
+            <a:schemeClr val="dk1"/>
+          </a:effectRef>
+          <a:fontRef idx="minor">
+            <a:schemeClr val="tx1"/>
+          </a:fontRef>
+        </p:style>
+      </p:cxnSp>
+      <p:cxnSp>
+        <p:nvCxnSpPr>
+          <p:cNvPr id="63" name="Conector recto 62">
+            <a:extLst>
+              <a:ext uri="{FF2B5EF4-FFF2-40B4-BE49-F238E27FC236}">
+                <a16:creationId xmlns:a16="http://schemas.microsoft.com/office/drawing/2014/main" id="{8ABDB8B8-69D3-491B-9FDF-C78E5D828AB1}"/>
+              </a:ext>
+            </a:extLst>
+          </p:cNvPr>
+          <p:cNvCxnSpPr>
+            <a:cxnSpLocks/>
+          </p:cNvCxnSpPr>
+          <p:nvPr/>
+        </p:nvCxnSpPr>
+        <p:spPr>
+          <a:xfrm>
+            <a:off x="11209337" y="5291922"/>
+            <a:ext cx="0" cy="708991"/>
+          </a:xfrm>
+          <a:prstGeom prst="line">
+            <a:avLst/>
+          </a:prstGeom>
+          <a:ln w="28575">
+            <a:solidFill>
+              <a:srgbClr val="FF0000"/>
+            </a:solidFill>
+          </a:ln>
+        </p:spPr>
+        <p:style>
+          <a:lnRef idx="1">
+            <a:schemeClr val="dk1"/>
+          </a:lnRef>
+          <a:fillRef idx="0">
+            <a:schemeClr val="dk1"/>
+          </a:fillRef>
+          <a:effectRef idx="0">
+            <a:schemeClr val="dk1"/>
+          </a:effectRef>
+          <a:fontRef idx="minor">
+            <a:schemeClr val="tx1"/>
+          </a:fontRef>
+        </p:style>
+      </p:cxnSp>
+      <p:cxnSp>
+        <p:nvCxnSpPr>
+          <p:cNvPr id="64" name="Conector recto 63">
+            <a:extLst>
+              <a:ext uri="{FF2B5EF4-FFF2-40B4-BE49-F238E27FC236}">
+                <a16:creationId xmlns:a16="http://schemas.microsoft.com/office/drawing/2014/main" id="{FCEA2916-B396-4945-BEB8-0278007CF05F}"/>
+              </a:ext>
+            </a:extLst>
+          </p:cNvPr>
+          <p:cNvCxnSpPr>
+            <a:cxnSpLocks/>
+          </p:cNvCxnSpPr>
+          <p:nvPr/>
+        </p:nvCxnSpPr>
+        <p:spPr>
+          <a:xfrm>
+            <a:off x="11858820" y="5272709"/>
+            <a:ext cx="0" cy="708991"/>
+          </a:xfrm>
+          <a:prstGeom prst="line">
+            <a:avLst/>
+          </a:prstGeom>
+          <a:ln w="28575"/>
+        </p:spPr>
+        <p:style>
+          <a:lnRef idx="1">
+            <a:schemeClr val="dk1"/>
+          </a:lnRef>
+          <a:fillRef idx="0">
+            <a:schemeClr val="dk1"/>
+          </a:fillRef>
+          <a:effectRef idx="0">
+            <a:schemeClr val="dk1"/>
+          </a:effectRef>
+          <a:fontRef idx="minor">
+            <a:schemeClr val="tx1"/>
+          </a:fontRef>
+        </p:style>
+      </p:cxnSp>
+      <p:sp>
+        <p:nvSpPr>
+          <p:cNvPr id="65" name="CuadroTexto 64">
+            <a:extLst>
+              <a:ext uri="{FF2B5EF4-FFF2-40B4-BE49-F238E27FC236}">
+                <a16:creationId xmlns:a16="http://schemas.microsoft.com/office/drawing/2014/main" id="{666C619D-9B5B-4BED-AEA0-9913B710BD85}"/>
+              </a:ext>
+            </a:extLst>
+          </p:cNvPr>
+          <p:cNvSpPr txBox="1"/>
+          <p:nvPr/>
+        </p:nvSpPr>
+        <p:spPr>
+          <a:xfrm>
+            <a:off x="7682754" y="5386353"/>
+            <a:ext cx="357452" cy="461665"/>
+          </a:xfrm>
+          <a:prstGeom prst="rect">
+            <a:avLst/>
+          </a:prstGeom>
+          <a:noFill/>
+        </p:spPr>
+        <p:txBody>
+          <a:bodyPr wrap="square" rtlCol="0">
+            <a:spAutoFit/>
+          </a:bodyPr>
+          <a:lstStyle/>
+          <a:p>
+            <a:r>
+              <a:rPr lang="es-ES" sz="2400" b="1" dirty="0">
+                <a:solidFill>
+                  <a:schemeClr val="bg1"/>
+                </a:solidFill>
+              </a:rPr>
+              <a:t>0</a:t>
+            </a:r>
+          </a:p>
+        </p:txBody>
+      </p:sp>
+      <p:sp>
+        <p:nvSpPr>
+          <p:cNvPr id="66" name="CuadroTexto 65">
+            <a:extLst>
+              <a:ext uri="{FF2B5EF4-FFF2-40B4-BE49-F238E27FC236}">
+                <a16:creationId xmlns:a16="http://schemas.microsoft.com/office/drawing/2014/main" id="{29A52E85-3BD7-4946-962E-2000C1B440A3}"/>
+              </a:ext>
+            </a:extLst>
+          </p:cNvPr>
+          <p:cNvSpPr txBox="1"/>
+          <p:nvPr/>
+        </p:nvSpPr>
+        <p:spPr>
+          <a:xfrm>
+            <a:off x="9168782" y="5386353"/>
+            <a:ext cx="357452" cy="461665"/>
+          </a:xfrm>
+          <a:prstGeom prst="rect">
+            <a:avLst/>
+          </a:prstGeom>
+          <a:noFill/>
+        </p:spPr>
+        <p:txBody>
+          <a:bodyPr wrap="square" rtlCol="0">
+            <a:spAutoFit/>
+          </a:bodyPr>
+          <a:lstStyle/>
+          <a:p>
+            <a:r>
+              <a:rPr lang="es-ES" sz="2400" b="1" dirty="0">
+                <a:solidFill>
+                  <a:schemeClr val="bg1"/>
+                </a:solidFill>
+              </a:rPr>
+              <a:t>1</a:t>
+            </a:r>
+          </a:p>
+        </p:txBody>
+      </p:sp>
+      <p:sp>
+        <p:nvSpPr>
+          <p:cNvPr id="67" name="CuadroTexto 66">
+            <a:extLst>
+              <a:ext uri="{FF2B5EF4-FFF2-40B4-BE49-F238E27FC236}">
+                <a16:creationId xmlns:a16="http://schemas.microsoft.com/office/drawing/2014/main" id="{907D027A-72F3-4B3E-A0F1-F6A76F6A9F83}"/>
+              </a:ext>
+            </a:extLst>
+          </p:cNvPr>
+          <p:cNvSpPr txBox="1"/>
+          <p:nvPr/>
+        </p:nvSpPr>
+        <p:spPr>
+          <a:xfrm>
+            <a:off x="8453615" y="5386353"/>
+            <a:ext cx="357452" cy="461665"/>
+          </a:xfrm>
+          <a:prstGeom prst="rect">
+            <a:avLst/>
+          </a:prstGeom>
+          <a:noFill/>
+        </p:spPr>
+        <p:txBody>
+          <a:bodyPr wrap="square" rtlCol="0">
+            <a:spAutoFit/>
+          </a:bodyPr>
+          <a:lstStyle/>
+          <a:p>
+            <a:r>
+              <a:rPr lang="es-ES" sz="2400" b="1" dirty="0">
+                <a:solidFill>
+                  <a:schemeClr val="bg1"/>
+                </a:solidFill>
+              </a:rPr>
+              <a:t>0</a:t>
+            </a:r>
+          </a:p>
+        </p:txBody>
+      </p:sp>
+      <p:sp>
+        <p:nvSpPr>
+          <p:cNvPr id="68" name="CuadroTexto 67">
+            <a:extLst>
+              <a:ext uri="{FF2B5EF4-FFF2-40B4-BE49-F238E27FC236}">
+                <a16:creationId xmlns:a16="http://schemas.microsoft.com/office/drawing/2014/main" id="{A543C034-A950-4F92-8881-2D7A5D005FFA}"/>
+              </a:ext>
+            </a:extLst>
+          </p:cNvPr>
+          <p:cNvSpPr txBox="1"/>
+          <p:nvPr/>
+        </p:nvSpPr>
+        <p:spPr>
+          <a:xfrm>
+            <a:off x="10672802" y="5396371"/>
+            <a:ext cx="357452" cy="461665"/>
+          </a:xfrm>
+          <a:prstGeom prst="rect">
+            <a:avLst/>
+          </a:prstGeom>
+          <a:noFill/>
+        </p:spPr>
+        <p:txBody>
+          <a:bodyPr wrap="square" rtlCol="0">
+            <a:spAutoFit/>
+          </a:bodyPr>
+          <a:lstStyle/>
+          <a:p>
+            <a:r>
+              <a:rPr lang="es-ES" sz="2400" b="1" dirty="0">
+                <a:solidFill>
+                  <a:schemeClr val="bg1"/>
+                </a:solidFill>
+              </a:rPr>
+              <a:t>1</a:t>
+            </a:r>
+          </a:p>
+        </p:txBody>
+      </p:sp>
+      <p:sp>
+        <p:nvSpPr>
+          <p:cNvPr id="69" name="CuadroTexto 68">
+            <a:extLst>
+              <a:ext uri="{FF2B5EF4-FFF2-40B4-BE49-F238E27FC236}">
+                <a16:creationId xmlns:a16="http://schemas.microsoft.com/office/drawing/2014/main" id="{C8084480-6CFB-4F1C-8EB7-F3EFEE62FFF4}"/>
+              </a:ext>
+            </a:extLst>
+          </p:cNvPr>
+          <p:cNvSpPr txBox="1"/>
+          <p:nvPr/>
+        </p:nvSpPr>
+        <p:spPr>
+          <a:xfrm>
+            <a:off x="9917282" y="5386353"/>
+            <a:ext cx="357452" cy="461665"/>
+          </a:xfrm>
+          <a:prstGeom prst="rect">
+            <a:avLst/>
+          </a:prstGeom>
+          <a:noFill/>
+        </p:spPr>
+        <p:txBody>
+          <a:bodyPr wrap="square" rtlCol="0">
+            <a:spAutoFit/>
+          </a:bodyPr>
+          <a:lstStyle/>
+          <a:p>
+            <a:r>
+              <a:rPr lang="es-ES" sz="2400" b="1" dirty="0">
+                <a:solidFill>
+                  <a:schemeClr val="bg1"/>
+                </a:solidFill>
+              </a:rPr>
+              <a:t>0</a:t>
+            </a:r>
+          </a:p>
+        </p:txBody>
+      </p:sp>
+      <p:sp>
+        <p:nvSpPr>
+          <p:cNvPr id="70" name="CuadroTexto 69">
+            <a:extLst>
+              <a:ext uri="{FF2B5EF4-FFF2-40B4-BE49-F238E27FC236}">
+                <a16:creationId xmlns:a16="http://schemas.microsoft.com/office/drawing/2014/main" id="{B4811BFB-BAFB-4E16-80B3-6BBB0E6D4FD6}"/>
+              </a:ext>
+            </a:extLst>
+          </p:cNvPr>
+          <p:cNvSpPr txBox="1"/>
+          <p:nvPr/>
+        </p:nvSpPr>
+        <p:spPr>
+          <a:xfrm>
+            <a:off x="11328639" y="5365762"/>
+            <a:ext cx="357452" cy="461665"/>
+          </a:xfrm>
+          <a:prstGeom prst="rect">
+            <a:avLst/>
+          </a:prstGeom>
+          <a:noFill/>
+        </p:spPr>
+        <p:txBody>
+          <a:bodyPr wrap="square" rtlCol="0">
+            <a:spAutoFit/>
+          </a:bodyPr>
+          <a:lstStyle/>
+          <a:p>
+            <a:r>
+              <a:rPr lang="es-ES" sz="2400" b="1" dirty="0">
+                <a:solidFill>
+                  <a:schemeClr val="bg1"/>
+                </a:solidFill>
+              </a:rPr>
+              <a:t>0</a:t>
+            </a:r>
+          </a:p>
+        </p:txBody>
+      </p:sp>
+    </p:spTree>
+    <p:extLst>
+      <p:ext uri="{BB962C8B-B14F-4D97-AF65-F5344CB8AC3E}">
+        <p14:creationId xmlns:p14="http://schemas.microsoft.com/office/powerpoint/2010/main" val="2150012191"/>
       </p:ext>
     </p:extLst>
   </p:cSld>

--- a/TrabajoSI.pptx
+++ b/TrabajoSI.pptx
@@ -16,7 +16,13 @@
     <p:sldId id="264" r:id="rId10"/>
     <p:sldId id="265" r:id="rId11"/>
     <p:sldId id="266" r:id="rId12"/>
-    <p:sldId id="267" r:id="rId13"/>
+    <p:sldId id="273" r:id="rId13"/>
+    <p:sldId id="274" r:id="rId14"/>
+    <p:sldId id="269" r:id="rId15"/>
+    <p:sldId id="270" r:id="rId16"/>
+    <p:sldId id="271" r:id="rId17"/>
+    <p:sldId id="272" r:id="rId18"/>
+    <p:sldId id="267" r:id="rId19"/>
   </p:sldIdLst>
   <p:sldSz cx="12192000" cy="6858000"/>
   <p:notesSz cx="6858000" cy="9144000"/>
@@ -147,6 +153,16 @@
         <p14:section name="Taboo" id="{A9788806-0641-42F6-A7BC-FFD8E6A3DEDC}">
           <p14:sldIdLst>
             <p14:sldId id="266"/>
+            <p14:sldId id="273"/>
+            <p14:sldId id="274"/>
+          </p14:sldIdLst>
+        </p14:section>
+        <p14:section name="Gráficas" id="{AA121810-8F6C-4A94-A3CB-E10F6B715D80}">
+          <p14:sldIdLst>
+            <p14:sldId id="269"/>
+            <p14:sldId id="270"/>
+            <p14:sldId id="271"/>
+            <p14:sldId id="272"/>
           </p14:sldIdLst>
         </p14:section>
         <p14:section name="GitHub" id="{E67EADC7-8579-42EC-9233-1027EBCEFCD8}">
@@ -258,7 +274,7 @@
           <a:effectLst/>
           <a:extLst>
             <a:ext uri="{91240B29-F687-4f45-9708-019B960494DF}">
-              <a14:hiddenLine xmlns:a14="http://schemas.microsoft.com/office/drawing/2010/main" xmlns="" w="9525">
+              <a14:hiddenLine xmlns="" xmlns:a14="http://schemas.microsoft.com/office/drawing/2010/main" w="9525">
                 <a:solidFill>
                   <a:srgbClr val="000000"/>
                 </a:solidFill>
@@ -1780,7 +1796,7 @@
           <a:ln/>
           <a:extLst>
             <a:ext uri="{91240B29-F687-4f45-9708-019B960494DF}">
-              <a14:hiddenLine xmlns:a14="http://schemas.microsoft.com/office/drawing/2010/main" xmlns="" w="9525">
+              <a14:hiddenLine xmlns="" xmlns:a14="http://schemas.microsoft.com/office/drawing/2010/main" w="9525">
                 <a:solidFill>
                   <a:srgbClr val="000000"/>
                 </a:solidFill>
@@ -2055,7 +2071,7 @@
           <a:ln/>
           <a:extLst>
             <a:ext uri="{91240B29-F687-4f45-9708-019B960494DF}">
-              <a14:hiddenLine xmlns:a14="http://schemas.microsoft.com/office/drawing/2010/main" xmlns="" w="9525">
+              <a14:hiddenLine xmlns="" xmlns:a14="http://schemas.microsoft.com/office/drawing/2010/main" w="9525">
                 <a:solidFill>
                   <a:srgbClr val="000000"/>
                 </a:solidFill>
@@ -2338,7 +2354,7 @@
           <a:ln/>
           <a:extLst>
             <a:ext uri="{91240B29-F687-4f45-9708-019B960494DF}">
-              <a14:hiddenLine xmlns:a14="http://schemas.microsoft.com/office/drawing/2010/main" xmlns="" w="9525">
+              <a14:hiddenLine xmlns="" xmlns:a14="http://schemas.microsoft.com/office/drawing/2010/main" w="9525">
                 <a:solidFill>
                   <a:srgbClr val="000000"/>
                 </a:solidFill>
@@ -2964,7 +2980,7 @@
           <a:ln/>
           <a:extLst>
             <a:ext uri="{91240B29-F687-4f45-9708-019B960494DF}">
-              <a14:hiddenLine xmlns:a14="http://schemas.microsoft.com/office/drawing/2010/main" xmlns="" w="9525">
+              <a14:hiddenLine xmlns="" xmlns:a14="http://schemas.microsoft.com/office/drawing/2010/main" w="9525">
                 <a:solidFill>
                   <a:srgbClr val="000000"/>
                 </a:solidFill>
@@ -3303,7 +3319,7 @@
           <a:ln/>
           <a:extLst>
             <a:ext uri="{91240B29-F687-4f45-9708-019B960494DF}">
-              <a14:hiddenLine xmlns:a14="http://schemas.microsoft.com/office/drawing/2010/main" xmlns="" w="9525">
+              <a14:hiddenLine xmlns="" xmlns:a14="http://schemas.microsoft.com/office/drawing/2010/main" w="9525">
                 <a:solidFill>
                   <a:srgbClr val="000000"/>
                 </a:solidFill>
@@ -3780,7 +3796,7 @@
           <a:ln/>
           <a:extLst>
             <a:ext uri="{91240B29-F687-4f45-9708-019B960494DF}">
-              <a14:hiddenLine xmlns:a14="http://schemas.microsoft.com/office/drawing/2010/main" xmlns="" w="9525">
+              <a14:hiddenLine xmlns="" xmlns:a14="http://schemas.microsoft.com/office/drawing/2010/main" w="9525">
                 <a:solidFill>
                   <a:srgbClr val="000000"/>
                 </a:solidFill>
@@ -4209,7 +4225,7 @@
           <a:ln/>
           <a:extLst>
             <a:ext uri="{91240B29-F687-4f45-9708-019B960494DF}">
-              <a14:hiddenLine xmlns:a14="http://schemas.microsoft.com/office/drawing/2010/main" xmlns="" w="9525">
+              <a14:hiddenLine xmlns="" xmlns:a14="http://schemas.microsoft.com/office/drawing/2010/main" w="9525">
                 <a:solidFill>
                   <a:srgbClr val="000000"/>
                 </a:solidFill>
@@ -6722,6 +6738,6260 @@
           <p:cNvPr id="2" name="Título 1">
             <a:extLst>
               <a:ext uri="{FF2B5EF4-FFF2-40B4-BE49-F238E27FC236}">
+                <a16:creationId xmlns:a16="http://schemas.microsoft.com/office/drawing/2014/main" id="{B68A0CE6-5A67-4FD7-8F82-74DABD0469E9}"/>
+              </a:ext>
+            </a:extLst>
+          </p:cNvPr>
+          <p:cNvSpPr>
+            <a:spLocks noGrp="1"/>
+          </p:cNvSpPr>
+          <p:nvPr>
+            <p:ph type="title"/>
+          </p:nvPr>
+        </p:nvSpPr>
+        <p:spPr/>
+        <p:txBody>
+          <a:bodyPr/>
+          <a:lstStyle/>
+          <a:p>
+            <a:r>
+              <a:rPr lang="es-ES" dirty="0"/>
+              <a:t>Función sucesores</a:t>
+            </a:r>
+          </a:p>
+        </p:txBody>
+      </p:sp>
+      <p:sp>
+        <p:nvSpPr>
+          <p:cNvPr id="6" name="CuadroTexto 5">
+            <a:extLst>
+              <a:ext uri="{FF2B5EF4-FFF2-40B4-BE49-F238E27FC236}">
+                <a16:creationId xmlns:a16="http://schemas.microsoft.com/office/drawing/2014/main" id="{AD9DAC53-7732-4629-B93C-2D645EE24A64}"/>
+              </a:ext>
+            </a:extLst>
+          </p:cNvPr>
+          <p:cNvSpPr txBox="1"/>
+          <p:nvPr/>
+        </p:nvSpPr>
+        <p:spPr>
+          <a:xfrm>
+            <a:off x="1190171" y="2163495"/>
+            <a:ext cx="9826172" cy="4247317"/>
+          </a:xfrm>
+          <a:prstGeom prst="rect">
+            <a:avLst/>
+          </a:prstGeom>
+          <a:noFill/>
+        </p:spPr>
+        <p:txBody>
+          <a:bodyPr wrap="square" rtlCol="0">
+            <a:spAutoFit/>
+          </a:bodyPr>
+          <a:lstStyle/>
+          <a:p>
+            <a:r>
+              <a:rPr lang="es-ES" dirty="0" err="1">
+                <a:solidFill>
+                  <a:srgbClr val="569CD6"/>
+                </a:solidFill>
+                <a:latin typeface="Consolas" panose="020B0609020204030204" pitchFamily="49" charset="0"/>
+              </a:rPr>
+              <a:t>function</a:t>
+            </a:r>
+            <a:r>
+              <a:rPr lang="es-ES" dirty="0">
+                <a:solidFill>
+                  <a:srgbClr val="D4D4D4"/>
+                </a:solidFill>
+                <a:latin typeface="Consolas" panose="020B0609020204030204" pitchFamily="49" charset="0"/>
+              </a:rPr>
+              <a:t> [</a:t>
+            </a:r>
+            <a:r>
+              <a:rPr lang="es-ES" dirty="0" err="1">
+                <a:solidFill>
+                  <a:srgbClr val="9CDCFE"/>
+                </a:solidFill>
+                <a:latin typeface="Consolas" panose="020B0609020204030204" pitchFamily="49" charset="0"/>
+              </a:rPr>
+              <a:t>lista_sucesores</a:t>
+            </a:r>
+            <a:r>
+              <a:rPr lang="es-ES" dirty="0">
+                <a:solidFill>
+                  <a:srgbClr val="D4D4D4"/>
+                </a:solidFill>
+                <a:latin typeface="Consolas" panose="020B0609020204030204" pitchFamily="49" charset="0"/>
+              </a:rPr>
+              <a:t>, </a:t>
+            </a:r>
+            <a:r>
+              <a:rPr lang="es-ES" dirty="0" err="1">
+                <a:solidFill>
+                  <a:srgbClr val="9CDCFE"/>
+                </a:solidFill>
+                <a:latin typeface="Consolas" panose="020B0609020204030204" pitchFamily="49" charset="0"/>
+              </a:rPr>
+              <a:t>posChanged</a:t>
+            </a:r>
+            <a:r>
+              <a:rPr lang="es-ES" dirty="0">
+                <a:solidFill>
+                  <a:srgbClr val="D4D4D4"/>
+                </a:solidFill>
+                <a:latin typeface="Consolas" panose="020B0609020204030204" pitchFamily="49" charset="0"/>
+              </a:rPr>
+              <a:t>] = </a:t>
+            </a:r>
+            <a:r>
+              <a:rPr lang="es-ES" dirty="0">
+                <a:solidFill>
+                  <a:srgbClr val="DCDCAA"/>
+                </a:solidFill>
+                <a:latin typeface="Consolas" panose="020B0609020204030204" pitchFamily="49" charset="0"/>
+              </a:rPr>
+              <a:t>sucesores</a:t>
+            </a:r>
+            <a:r>
+              <a:rPr lang="es-ES" dirty="0">
+                <a:solidFill>
+                  <a:srgbClr val="D4D4D4"/>
+                </a:solidFill>
+                <a:latin typeface="Consolas" panose="020B0609020204030204" pitchFamily="49" charset="0"/>
+              </a:rPr>
+              <a:t>(</a:t>
+            </a:r>
+            <a:r>
+              <a:rPr lang="es-ES" dirty="0">
+                <a:solidFill>
+                  <a:srgbClr val="9CDCFE"/>
+                </a:solidFill>
+                <a:latin typeface="Consolas" panose="020B0609020204030204" pitchFamily="49" charset="0"/>
+              </a:rPr>
+              <a:t>original</a:t>
+            </a:r>
+            <a:r>
+              <a:rPr lang="es-ES" dirty="0">
+                <a:solidFill>
+                  <a:srgbClr val="D4D4D4"/>
+                </a:solidFill>
+                <a:latin typeface="Consolas" panose="020B0609020204030204" pitchFamily="49" charset="0"/>
+              </a:rPr>
+              <a:t>, </a:t>
+            </a:r>
+            <a:r>
+              <a:rPr lang="es-ES" dirty="0">
+                <a:solidFill>
+                  <a:srgbClr val="9CDCFE"/>
+                </a:solidFill>
+                <a:latin typeface="Consolas" panose="020B0609020204030204" pitchFamily="49" charset="0"/>
+              </a:rPr>
+              <a:t>distancias</a:t>
+            </a:r>
+            <a:r>
+              <a:rPr lang="es-ES" dirty="0">
+                <a:solidFill>
+                  <a:srgbClr val="D4D4D4"/>
+                </a:solidFill>
+                <a:latin typeface="Consolas" panose="020B0609020204030204" pitchFamily="49" charset="0"/>
+              </a:rPr>
+              <a:t>)</a:t>
+            </a:r>
+          </a:p>
+          <a:p>
+            <a:br>
+              <a:rPr lang="es-ES" dirty="0">
+                <a:solidFill>
+                  <a:srgbClr val="D4D4D4"/>
+                </a:solidFill>
+                <a:latin typeface="Consolas" panose="020B0609020204030204" pitchFamily="49" charset="0"/>
+              </a:rPr>
+            </a:br>
+            <a:r>
+              <a:rPr lang="es-ES" dirty="0" err="1">
+                <a:solidFill>
+                  <a:srgbClr val="D4D4D4"/>
+                </a:solidFill>
+                <a:latin typeface="Consolas" panose="020B0609020204030204" pitchFamily="49" charset="0"/>
+              </a:rPr>
+              <a:t>lista_sucesores</a:t>
+            </a:r>
+            <a:r>
+              <a:rPr lang="es-ES" dirty="0">
+                <a:solidFill>
+                  <a:srgbClr val="D4D4D4"/>
+                </a:solidFill>
+                <a:latin typeface="Consolas" panose="020B0609020204030204" pitchFamily="49" charset="0"/>
+              </a:rPr>
+              <a:t> = </a:t>
+            </a:r>
+            <a:r>
+              <a:rPr lang="es-ES" dirty="0" err="1">
+                <a:solidFill>
+                  <a:srgbClr val="569CD6"/>
+                </a:solidFill>
+                <a:latin typeface="Consolas" panose="020B0609020204030204" pitchFamily="49" charset="0"/>
+              </a:rPr>
+              <a:t>repmat</a:t>
+            </a:r>
+            <a:r>
+              <a:rPr lang="es-ES" dirty="0">
+                <a:solidFill>
+                  <a:srgbClr val="D4D4D4"/>
+                </a:solidFill>
+                <a:latin typeface="Consolas" panose="020B0609020204030204" pitchFamily="49" charset="0"/>
+              </a:rPr>
+              <a:t>(original, </a:t>
+            </a:r>
+            <a:r>
+              <a:rPr lang="es-ES" dirty="0" err="1">
+                <a:solidFill>
+                  <a:srgbClr val="569CD6"/>
+                </a:solidFill>
+                <a:latin typeface="Consolas" panose="020B0609020204030204" pitchFamily="49" charset="0"/>
+              </a:rPr>
+              <a:t>length</a:t>
+            </a:r>
+            <a:r>
+              <a:rPr lang="es-ES" dirty="0">
+                <a:solidFill>
+                  <a:srgbClr val="D4D4D4"/>
+                </a:solidFill>
+                <a:latin typeface="Consolas" panose="020B0609020204030204" pitchFamily="49" charset="0"/>
+              </a:rPr>
+              <a:t>(original), </a:t>
+            </a:r>
+            <a:r>
+              <a:rPr lang="es-ES" dirty="0">
+                <a:solidFill>
+                  <a:srgbClr val="B5CEA8"/>
+                </a:solidFill>
+                <a:latin typeface="Consolas" panose="020B0609020204030204" pitchFamily="49" charset="0"/>
+              </a:rPr>
+              <a:t>1</a:t>
+            </a:r>
+            <a:r>
+              <a:rPr lang="es-ES" dirty="0">
+                <a:solidFill>
+                  <a:srgbClr val="D4D4D4"/>
+                </a:solidFill>
+                <a:latin typeface="Consolas" panose="020B0609020204030204" pitchFamily="49" charset="0"/>
+              </a:rPr>
+              <a:t>);</a:t>
+            </a:r>
+          </a:p>
+          <a:p>
+            <a:r>
+              <a:rPr lang="es-ES" dirty="0">
+                <a:solidFill>
+                  <a:srgbClr val="D4D4D4"/>
+                </a:solidFill>
+                <a:latin typeface="Consolas" panose="020B0609020204030204" pitchFamily="49" charset="0"/>
+              </a:rPr>
+              <a:t>diagonal = </a:t>
+            </a:r>
+            <a:r>
+              <a:rPr lang="es-ES" dirty="0" err="1">
+                <a:solidFill>
+                  <a:srgbClr val="D4D4D4"/>
+                </a:solidFill>
+                <a:latin typeface="Consolas" panose="020B0609020204030204" pitchFamily="49" charset="0"/>
+              </a:rPr>
+              <a:t>lista_sucesores</a:t>
+            </a:r>
+            <a:r>
+              <a:rPr lang="es-ES" dirty="0">
+                <a:solidFill>
+                  <a:srgbClr val="D4D4D4"/>
+                </a:solidFill>
+                <a:latin typeface="Consolas" panose="020B0609020204030204" pitchFamily="49" charset="0"/>
+              </a:rPr>
+              <a:t>(</a:t>
+            </a:r>
+            <a:r>
+              <a:rPr lang="es-ES" dirty="0" err="1">
+                <a:solidFill>
+                  <a:srgbClr val="569CD6"/>
+                </a:solidFill>
+                <a:latin typeface="Consolas" panose="020B0609020204030204" pitchFamily="49" charset="0"/>
+              </a:rPr>
+              <a:t>logical</a:t>
+            </a:r>
+            <a:r>
+              <a:rPr lang="es-ES" dirty="0">
+                <a:solidFill>
+                  <a:srgbClr val="D4D4D4"/>
+                </a:solidFill>
+                <a:latin typeface="Consolas" panose="020B0609020204030204" pitchFamily="49" charset="0"/>
+              </a:rPr>
+              <a:t>(</a:t>
+            </a:r>
+            <a:r>
+              <a:rPr lang="es-ES" dirty="0" err="1">
+                <a:solidFill>
+                  <a:srgbClr val="569CD6"/>
+                </a:solidFill>
+                <a:latin typeface="Consolas" panose="020B0609020204030204" pitchFamily="49" charset="0"/>
+              </a:rPr>
+              <a:t>eye</a:t>
+            </a:r>
+            <a:r>
+              <a:rPr lang="es-ES" dirty="0">
+                <a:solidFill>
+                  <a:srgbClr val="D4D4D4"/>
+                </a:solidFill>
+                <a:latin typeface="Consolas" panose="020B0609020204030204" pitchFamily="49" charset="0"/>
+              </a:rPr>
+              <a:t>(</a:t>
+            </a:r>
+            <a:r>
+              <a:rPr lang="es-ES" dirty="0" err="1">
+                <a:solidFill>
+                  <a:srgbClr val="569CD6"/>
+                </a:solidFill>
+                <a:latin typeface="Consolas" panose="020B0609020204030204" pitchFamily="49" charset="0"/>
+              </a:rPr>
+              <a:t>length</a:t>
+            </a:r>
+            <a:r>
+              <a:rPr lang="es-ES" dirty="0">
+                <a:solidFill>
+                  <a:srgbClr val="D4D4D4"/>
+                </a:solidFill>
+                <a:latin typeface="Consolas" panose="020B0609020204030204" pitchFamily="49" charset="0"/>
+              </a:rPr>
+              <a:t>(original))));</a:t>
+            </a:r>
+          </a:p>
+          <a:p>
+            <a:r>
+              <a:rPr lang="es-ES" dirty="0" err="1">
+                <a:solidFill>
+                  <a:srgbClr val="D4D4D4"/>
+                </a:solidFill>
+                <a:latin typeface="Consolas" panose="020B0609020204030204" pitchFamily="49" charset="0"/>
+              </a:rPr>
+              <a:t>lista_sucesores</a:t>
+            </a:r>
+            <a:r>
+              <a:rPr lang="es-ES" dirty="0">
+                <a:solidFill>
+                  <a:srgbClr val="D4D4D4"/>
+                </a:solidFill>
+                <a:latin typeface="Consolas" panose="020B0609020204030204" pitchFamily="49" charset="0"/>
+              </a:rPr>
+              <a:t>(</a:t>
+            </a:r>
+            <a:r>
+              <a:rPr lang="es-ES" dirty="0" err="1">
+                <a:solidFill>
+                  <a:srgbClr val="569CD6"/>
+                </a:solidFill>
+                <a:latin typeface="Consolas" panose="020B0609020204030204" pitchFamily="49" charset="0"/>
+              </a:rPr>
+              <a:t>logical</a:t>
+            </a:r>
+            <a:r>
+              <a:rPr lang="es-ES" dirty="0">
+                <a:solidFill>
+                  <a:srgbClr val="D4D4D4"/>
+                </a:solidFill>
+                <a:latin typeface="Consolas" panose="020B0609020204030204" pitchFamily="49" charset="0"/>
+              </a:rPr>
+              <a:t>(</a:t>
+            </a:r>
+            <a:r>
+              <a:rPr lang="es-ES" dirty="0" err="1">
+                <a:solidFill>
+                  <a:srgbClr val="569CD6"/>
+                </a:solidFill>
+                <a:latin typeface="Consolas" panose="020B0609020204030204" pitchFamily="49" charset="0"/>
+              </a:rPr>
+              <a:t>eye</a:t>
+            </a:r>
+            <a:r>
+              <a:rPr lang="es-ES" dirty="0">
+                <a:solidFill>
+                  <a:srgbClr val="D4D4D4"/>
+                </a:solidFill>
+                <a:latin typeface="Consolas" panose="020B0609020204030204" pitchFamily="49" charset="0"/>
+              </a:rPr>
+              <a:t>(</a:t>
+            </a:r>
+            <a:r>
+              <a:rPr lang="es-ES" dirty="0" err="1">
+                <a:solidFill>
+                  <a:srgbClr val="569CD6"/>
+                </a:solidFill>
+                <a:latin typeface="Consolas" panose="020B0609020204030204" pitchFamily="49" charset="0"/>
+              </a:rPr>
+              <a:t>length</a:t>
+            </a:r>
+            <a:r>
+              <a:rPr lang="es-ES" dirty="0">
+                <a:solidFill>
+                  <a:srgbClr val="D4D4D4"/>
+                </a:solidFill>
+                <a:latin typeface="Consolas" panose="020B0609020204030204" pitchFamily="49" charset="0"/>
+              </a:rPr>
+              <a:t>(original)))) = original(</a:t>
+            </a:r>
+            <a:r>
+              <a:rPr lang="es-ES" dirty="0">
+                <a:solidFill>
+                  <a:srgbClr val="B5CEA8"/>
+                </a:solidFill>
+                <a:latin typeface="Consolas" panose="020B0609020204030204" pitchFamily="49" charset="0"/>
+              </a:rPr>
+              <a:t>1</a:t>
+            </a:r>
+            <a:r>
+              <a:rPr lang="es-ES" dirty="0">
+                <a:solidFill>
+                  <a:srgbClr val="D4D4D4"/>
+                </a:solidFill>
+                <a:latin typeface="Consolas" panose="020B0609020204030204" pitchFamily="49" charset="0"/>
+              </a:rPr>
+              <a:t>);</a:t>
+            </a:r>
+          </a:p>
+          <a:p>
+            <a:r>
+              <a:rPr lang="es-ES" dirty="0" err="1">
+                <a:solidFill>
+                  <a:srgbClr val="D4D4D4"/>
+                </a:solidFill>
+                <a:latin typeface="Consolas" panose="020B0609020204030204" pitchFamily="49" charset="0"/>
+              </a:rPr>
+              <a:t>lista_sucesores</a:t>
+            </a:r>
+            <a:r>
+              <a:rPr lang="es-ES" dirty="0">
+                <a:solidFill>
+                  <a:srgbClr val="D4D4D4"/>
+                </a:solidFill>
+                <a:latin typeface="Consolas" panose="020B0609020204030204" pitchFamily="49" charset="0"/>
+              </a:rPr>
+              <a:t>(:,</a:t>
+            </a:r>
+            <a:r>
+              <a:rPr lang="es-ES" dirty="0">
+                <a:solidFill>
+                  <a:srgbClr val="B5CEA8"/>
+                </a:solidFill>
+                <a:latin typeface="Consolas" panose="020B0609020204030204" pitchFamily="49" charset="0"/>
+              </a:rPr>
+              <a:t>1</a:t>
+            </a:r>
+            <a:r>
+              <a:rPr lang="es-ES" dirty="0">
+                <a:solidFill>
+                  <a:srgbClr val="D4D4D4"/>
+                </a:solidFill>
+                <a:latin typeface="Consolas" panose="020B0609020204030204" pitchFamily="49" charset="0"/>
+              </a:rPr>
+              <a:t>) = diagonal;</a:t>
+            </a:r>
+          </a:p>
+          <a:p>
+            <a:r>
+              <a:rPr lang="es-ES" dirty="0" err="1">
+                <a:solidFill>
+                  <a:srgbClr val="D4D4D4"/>
+                </a:solidFill>
+                <a:latin typeface="Consolas" panose="020B0609020204030204" pitchFamily="49" charset="0"/>
+              </a:rPr>
+              <a:t>lista_sucesores</a:t>
+            </a:r>
+            <a:r>
+              <a:rPr lang="es-ES" dirty="0">
+                <a:solidFill>
+                  <a:srgbClr val="D4D4D4"/>
+                </a:solidFill>
+                <a:latin typeface="Consolas" panose="020B0609020204030204" pitchFamily="49" charset="0"/>
+              </a:rPr>
+              <a:t> = </a:t>
+            </a:r>
+            <a:r>
+              <a:rPr lang="es-ES" dirty="0" err="1">
+                <a:solidFill>
+                  <a:srgbClr val="569CD6"/>
+                </a:solidFill>
+                <a:latin typeface="Consolas" panose="020B0609020204030204" pitchFamily="49" charset="0"/>
+              </a:rPr>
+              <a:t>double</a:t>
+            </a:r>
+            <a:r>
+              <a:rPr lang="es-ES" dirty="0">
+                <a:solidFill>
+                  <a:srgbClr val="D4D4D4"/>
+                </a:solidFill>
+                <a:latin typeface="Consolas" panose="020B0609020204030204" pitchFamily="49" charset="0"/>
+              </a:rPr>
+              <a:t>(</a:t>
+            </a:r>
+            <a:r>
+              <a:rPr lang="es-ES" dirty="0" err="1">
+                <a:solidFill>
+                  <a:srgbClr val="D4D4D4"/>
+                </a:solidFill>
+                <a:latin typeface="Consolas" panose="020B0609020204030204" pitchFamily="49" charset="0"/>
+              </a:rPr>
+              <a:t>unique</a:t>
+            </a:r>
+            <a:r>
+              <a:rPr lang="es-ES" dirty="0">
+                <a:solidFill>
+                  <a:srgbClr val="D4D4D4"/>
+                </a:solidFill>
+                <a:latin typeface="Consolas" panose="020B0609020204030204" pitchFamily="49" charset="0"/>
+              </a:rPr>
+              <a:t>(lista_sucesores,</a:t>
+            </a:r>
+            <a:r>
+              <a:rPr lang="es-ES" dirty="0">
+                <a:solidFill>
+                  <a:srgbClr val="CE9178"/>
+                </a:solidFill>
+                <a:latin typeface="Consolas" panose="020B0609020204030204" pitchFamily="49" charset="0"/>
+              </a:rPr>
+              <a:t>'</a:t>
+            </a:r>
+            <a:r>
+              <a:rPr lang="es-ES" dirty="0" err="1">
+                <a:solidFill>
+                  <a:srgbClr val="CE9178"/>
+                </a:solidFill>
+                <a:latin typeface="Consolas" panose="020B0609020204030204" pitchFamily="49" charset="0"/>
+              </a:rPr>
+              <a:t>rows</a:t>
+            </a:r>
+            <a:r>
+              <a:rPr lang="es-ES" dirty="0">
+                <a:solidFill>
+                  <a:srgbClr val="CE9178"/>
+                </a:solidFill>
+                <a:latin typeface="Consolas" panose="020B0609020204030204" pitchFamily="49" charset="0"/>
+              </a:rPr>
+              <a:t>'</a:t>
+            </a:r>
+            <a:r>
+              <a:rPr lang="es-ES" dirty="0">
+                <a:solidFill>
+                  <a:srgbClr val="D4D4D4"/>
+                </a:solidFill>
+                <a:latin typeface="Consolas" panose="020B0609020204030204" pitchFamily="49" charset="0"/>
+              </a:rPr>
+              <a:t>));</a:t>
+            </a:r>
+          </a:p>
+          <a:p>
+            <a:br>
+              <a:rPr lang="es-ES" dirty="0">
+                <a:solidFill>
+                  <a:srgbClr val="D4D4D4"/>
+                </a:solidFill>
+                <a:latin typeface="Consolas" panose="020B0609020204030204" pitchFamily="49" charset="0"/>
+              </a:rPr>
+            </a:br>
+            <a:r>
+              <a:rPr lang="es-ES" dirty="0" err="1">
+                <a:solidFill>
+                  <a:srgbClr val="D4D4D4"/>
+                </a:solidFill>
+                <a:latin typeface="Consolas" panose="020B0609020204030204" pitchFamily="49" charset="0"/>
+              </a:rPr>
+              <a:t>lista_sucesores</a:t>
+            </a:r>
+            <a:r>
+              <a:rPr lang="es-ES" dirty="0">
+                <a:solidFill>
+                  <a:srgbClr val="D4D4D4"/>
+                </a:solidFill>
+                <a:latin typeface="Consolas" panose="020B0609020204030204" pitchFamily="49" charset="0"/>
+              </a:rPr>
+              <a:t>(:,end+</a:t>
+            </a:r>
+            <a:r>
+              <a:rPr lang="es-ES" dirty="0">
+                <a:solidFill>
+                  <a:srgbClr val="B5CEA8"/>
+                </a:solidFill>
+                <a:latin typeface="Consolas" panose="020B0609020204030204" pitchFamily="49" charset="0"/>
+              </a:rPr>
+              <a:t>1</a:t>
+            </a:r>
+            <a:r>
+              <a:rPr lang="es-ES" dirty="0">
+                <a:solidFill>
+                  <a:srgbClr val="D4D4D4"/>
+                </a:solidFill>
+                <a:latin typeface="Consolas" panose="020B0609020204030204" pitchFamily="49" charset="0"/>
+              </a:rPr>
+              <a:t>) = </a:t>
+            </a:r>
+            <a:r>
+              <a:rPr lang="es-ES" dirty="0" err="1">
+                <a:solidFill>
+                  <a:srgbClr val="D4D4D4"/>
+                </a:solidFill>
+                <a:latin typeface="Consolas" panose="020B0609020204030204" pitchFamily="49" charset="0"/>
+              </a:rPr>
+              <a:t>EvaluaPoblacion_Satels</a:t>
+            </a:r>
+            <a:r>
+              <a:rPr lang="es-ES" dirty="0">
+                <a:solidFill>
+                  <a:srgbClr val="D4D4D4"/>
+                </a:solidFill>
+                <a:latin typeface="Consolas" panose="020B0609020204030204" pitchFamily="49" charset="0"/>
+              </a:rPr>
+              <a:t>(</a:t>
+            </a:r>
+            <a:r>
+              <a:rPr lang="es-ES" dirty="0" err="1">
+                <a:solidFill>
+                  <a:srgbClr val="D4D4D4"/>
+                </a:solidFill>
+                <a:latin typeface="Consolas" panose="020B0609020204030204" pitchFamily="49" charset="0"/>
+              </a:rPr>
+              <a:t>lista_sucesores</a:t>
+            </a:r>
+            <a:r>
+              <a:rPr lang="es-ES" dirty="0">
+                <a:solidFill>
+                  <a:srgbClr val="D4D4D4"/>
+                </a:solidFill>
+                <a:latin typeface="Consolas" panose="020B0609020204030204" pitchFamily="49" charset="0"/>
+              </a:rPr>
+              <a:t>, distancias);</a:t>
+            </a:r>
+          </a:p>
+          <a:p>
+            <a:br>
+              <a:rPr lang="es-ES" dirty="0">
+                <a:solidFill>
+                  <a:srgbClr val="D4D4D4"/>
+                </a:solidFill>
+                <a:latin typeface="Consolas" panose="020B0609020204030204" pitchFamily="49" charset="0"/>
+              </a:rPr>
+            </a:br>
+            <a:r>
+              <a:rPr lang="es-ES" dirty="0">
+                <a:solidFill>
+                  <a:srgbClr val="D4D4D4"/>
+                </a:solidFill>
+                <a:latin typeface="Consolas" panose="020B0609020204030204" pitchFamily="49" charset="0"/>
+              </a:rPr>
+              <a:t>[</a:t>
+            </a:r>
+            <a:r>
+              <a:rPr lang="es-ES" dirty="0" err="1">
+                <a:solidFill>
+                  <a:srgbClr val="D4D4D4"/>
+                </a:solidFill>
+                <a:latin typeface="Consolas" panose="020B0609020204030204" pitchFamily="49" charset="0"/>
+              </a:rPr>
+              <a:t>lista_sucesores</a:t>
+            </a:r>
+            <a:r>
+              <a:rPr lang="es-ES" dirty="0">
+                <a:solidFill>
+                  <a:srgbClr val="D4D4D4"/>
+                </a:solidFill>
+                <a:latin typeface="Consolas" panose="020B0609020204030204" pitchFamily="49" charset="0"/>
+              </a:rPr>
+              <a:t> , </a:t>
+            </a:r>
+            <a:r>
+              <a:rPr lang="es-ES" dirty="0" err="1">
+                <a:solidFill>
+                  <a:srgbClr val="D4D4D4"/>
+                </a:solidFill>
+                <a:latin typeface="Consolas" panose="020B0609020204030204" pitchFamily="49" charset="0"/>
+              </a:rPr>
+              <a:t>posChanged</a:t>
+            </a:r>
+            <a:r>
+              <a:rPr lang="es-ES" dirty="0">
+                <a:solidFill>
+                  <a:srgbClr val="D4D4D4"/>
+                </a:solidFill>
+                <a:latin typeface="Consolas" panose="020B0609020204030204" pitchFamily="49" charset="0"/>
+              </a:rPr>
+              <a:t>] = </a:t>
+            </a:r>
+            <a:r>
+              <a:rPr lang="es-ES" dirty="0" err="1">
+                <a:solidFill>
+                  <a:srgbClr val="569CD6"/>
+                </a:solidFill>
+                <a:latin typeface="Consolas" panose="020B0609020204030204" pitchFamily="49" charset="0"/>
+              </a:rPr>
+              <a:t>sortrows</a:t>
+            </a:r>
+            <a:r>
+              <a:rPr lang="es-ES" dirty="0">
+                <a:solidFill>
+                  <a:srgbClr val="D4D4D4"/>
+                </a:solidFill>
+                <a:latin typeface="Consolas" panose="020B0609020204030204" pitchFamily="49" charset="0"/>
+              </a:rPr>
+              <a:t>(</a:t>
+            </a:r>
+            <a:r>
+              <a:rPr lang="es-ES" dirty="0" err="1">
+                <a:solidFill>
+                  <a:srgbClr val="D4D4D4"/>
+                </a:solidFill>
+                <a:latin typeface="Consolas" panose="020B0609020204030204" pitchFamily="49" charset="0"/>
+              </a:rPr>
+              <a:t>lista_sucesores</a:t>
+            </a:r>
+            <a:r>
+              <a:rPr lang="es-ES" dirty="0">
+                <a:solidFill>
+                  <a:srgbClr val="D4D4D4"/>
+                </a:solidFill>
+                <a:latin typeface="Consolas" panose="020B0609020204030204" pitchFamily="49" charset="0"/>
+              </a:rPr>
+              <a:t>, </a:t>
+            </a:r>
+            <a:r>
+              <a:rPr lang="es-ES" dirty="0" err="1">
+                <a:solidFill>
+                  <a:srgbClr val="569CD6"/>
+                </a:solidFill>
+                <a:latin typeface="Consolas" panose="020B0609020204030204" pitchFamily="49" charset="0"/>
+              </a:rPr>
+              <a:t>size</a:t>
+            </a:r>
+            <a:r>
+              <a:rPr lang="es-ES" dirty="0">
+                <a:solidFill>
+                  <a:srgbClr val="D4D4D4"/>
+                </a:solidFill>
+                <a:latin typeface="Consolas" panose="020B0609020204030204" pitchFamily="49" charset="0"/>
+              </a:rPr>
+              <a:t>(lista_sucesores,</a:t>
+            </a:r>
+            <a:r>
+              <a:rPr lang="es-ES" dirty="0">
+                <a:solidFill>
+                  <a:srgbClr val="B5CEA8"/>
+                </a:solidFill>
+                <a:latin typeface="Consolas" panose="020B0609020204030204" pitchFamily="49" charset="0"/>
+              </a:rPr>
+              <a:t>2</a:t>
+            </a:r>
+            <a:r>
+              <a:rPr lang="es-ES" dirty="0">
+                <a:solidFill>
+                  <a:srgbClr val="D4D4D4"/>
+                </a:solidFill>
+                <a:latin typeface="Consolas" panose="020B0609020204030204" pitchFamily="49" charset="0"/>
+              </a:rPr>
+              <a:t>));</a:t>
+            </a:r>
+          </a:p>
+          <a:p>
+            <a:r>
+              <a:rPr lang="es-ES" dirty="0" err="1">
+                <a:solidFill>
+                  <a:srgbClr val="D4D4D4"/>
+                </a:solidFill>
+                <a:latin typeface="Consolas" panose="020B0609020204030204" pitchFamily="49" charset="0"/>
+              </a:rPr>
+              <a:t>lista_sucesores</a:t>
+            </a:r>
+            <a:r>
+              <a:rPr lang="es-ES" dirty="0">
+                <a:solidFill>
+                  <a:srgbClr val="D4D4D4"/>
+                </a:solidFill>
+                <a:latin typeface="Consolas" panose="020B0609020204030204" pitchFamily="49" charset="0"/>
+              </a:rPr>
+              <a:t> = </a:t>
+            </a:r>
+            <a:r>
+              <a:rPr lang="es-ES" dirty="0" err="1">
+                <a:solidFill>
+                  <a:srgbClr val="569CD6"/>
+                </a:solidFill>
+                <a:latin typeface="Consolas" panose="020B0609020204030204" pitchFamily="49" charset="0"/>
+              </a:rPr>
+              <a:t>logical</a:t>
+            </a:r>
+            <a:r>
+              <a:rPr lang="es-ES" dirty="0">
+                <a:solidFill>
+                  <a:srgbClr val="D4D4D4"/>
+                </a:solidFill>
+                <a:latin typeface="Consolas" panose="020B0609020204030204" pitchFamily="49" charset="0"/>
+              </a:rPr>
+              <a:t>(</a:t>
+            </a:r>
+            <a:r>
+              <a:rPr lang="es-ES" dirty="0" err="1">
+                <a:solidFill>
+                  <a:srgbClr val="D4D4D4"/>
+                </a:solidFill>
+                <a:latin typeface="Consolas" panose="020B0609020204030204" pitchFamily="49" charset="0"/>
+              </a:rPr>
+              <a:t>lista_sucesores</a:t>
+            </a:r>
+            <a:r>
+              <a:rPr lang="es-ES" dirty="0">
+                <a:solidFill>
+                  <a:srgbClr val="D4D4D4"/>
+                </a:solidFill>
+                <a:latin typeface="Consolas" panose="020B0609020204030204" pitchFamily="49" charset="0"/>
+              </a:rPr>
+              <a:t>(:,</a:t>
+            </a:r>
+            <a:r>
+              <a:rPr lang="es-ES" dirty="0">
+                <a:solidFill>
+                  <a:srgbClr val="B5CEA8"/>
+                </a:solidFill>
+                <a:latin typeface="Consolas" panose="020B0609020204030204" pitchFamily="49" charset="0"/>
+              </a:rPr>
+              <a:t>1</a:t>
+            </a:r>
+            <a:r>
+              <a:rPr lang="es-ES" dirty="0">
+                <a:solidFill>
+                  <a:srgbClr val="D4D4D4"/>
+                </a:solidFill>
+                <a:latin typeface="Consolas" panose="020B0609020204030204" pitchFamily="49" charset="0"/>
+              </a:rPr>
+              <a:t>:end-</a:t>
+            </a:r>
+            <a:r>
+              <a:rPr lang="es-ES" dirty="0">
+                <a:solidFill>
+                  <a:srgbClr val="B5CEA8"/>
+                </a:solidFill>
+                <a:latin typeface="Consolas" panose="020B0609020204030204" pitchFamily="49" charset="0"/>
+              </a:rPr>
+              <a:t>1</a:t>
+            </a:r>
+            <a:r>
+              <a:rPr lang="es-ES" dirty="0">
+                <a:solidFill>
+                  <a:srgbClr val="D4D4D4"/>
+                </a:solidFill>
+                <a:latin typeface="Consolas" panose="020B0609020204030204" pitchFamily="49" charset="0"/>
+              </a:rPr>
+              <a:t>));</a:t>
+            </a:r>
+          </a:p>
+          <a:p>
+            <a:r>
+              <a:rPr lang="es-ES" dirty="0" err="1">
+                <a:solidFill>
+                  <a:srgbClr val="C586C0"/>
+                </a:solidFill>
+                <a:latin typeface="Consolas" panose="020B0609020204030204" pitchFamily="49" charset="0"/>
+              </a:rPr>
+              <a:t>end</a:t>
+            </a:r>
+            <a:endParaRPr lang="es-ES" dirty="0">
+              <a:solidFill>
+                <a:srgbClr val="C586C0"/>
+              </a:solidFill>
+              <a:latin typeface="Consolas" panose="020B0609020204030204" pitchFamily="49" charset="0"/>
+            </a:endParaRPr>
+          </a:p>
+        </p:txBody>
+      </p:sp>
+    </p:spTree>
+    <p:extLst>
+      <p:ext uri="{BB962C8B-B14F-4D97-AF65-F5344CB8AC3E}">
+        <p14:creationId xmlns:p14="http://schemas.microsoft.com/office/powerpoint/2010/main" val="3948555450"/>
+      </p:ext>
+    </p:extLst>
+  </p:cSld>
+  <p:clrMapOvr>
+    <a:masterClrMapping/>
+  </p:clrMapOvr>
+</p:sld>
+</file>
+
+<file path=ppt/slides/slide13.xml><?xml version="1.0" encoding="utf-8"?>
+<p:sld xmlns:a="http://schemas.openxmlformats.org/drawingml/2006/main" xmlns:r="http://schemas.openxmlformats.org/officeDocument/2006/relationships" xmlns:p="http://schemas.openxmlformats.org/presentationml/2006/main">
+  <p:cSld>
+    <p:spTree>
+      <p:nvGrpSpPr>
+        <p:cNvPr id="1" name=""/>
+        <p:cNvGrpSpPr/>
+        <p:nvPr/>
+      </p:nvGrpSpPr>
+      <p:grpSpPr>
+        <a:xfrm>
+          <a:off x="0" y="0"/>
+          <a:ext cx="0" cy="0"/>
+          <a:chOff x="0" y="0"/>
+          <a:chExt cx="0" cy="0"/>
+        </a:xfrm>
+      </p:grpSpPr>
+      <p:sp>
+        <p:nvSpPr>
+          <p:cNvPr id="2" name="Título 1">
+            <a:extLst>
+              <a:ext uri="{FF2B5EF4-FFF2-40B4-BE49-F238E27FC236}">
+                <a16:creationId xmlns:a16="http://schemas.microsoft.com/office/drawing/2014/main" id="{B68A0CE6-5A67-4FD7-8F82-74DABD0469E9}"/>
+              </a:ext>
+            </a:extLst>
+          </p:cNvPr>
+          <p:cNvSpPr>
+            <a:spLocks noGrp="1"/>
+          </p:cNvSpPr>
+          <p:nvPr>
+            <p:ph type="title"/>
+          </p:nvPr>
+        </p:nvSpPr>
+        <p:spPr/>
+        <p:txBody>
+          <a:bodyPr/>
+          <a:lstStyle/>
+          <a:p>
+            <a:r>
+              <a:rPr lang="es-ES" dirty="0"/>
+              <a:t>Función sucesores</a:t>
+            </a:r>
+          </a:p>
+        </p:txBody>
+      </p:sp>
+      <p:sp>
+        <p:nvSpPr>
+          <p:cNvPr id="5" name="Rectángulo 4">
+            <a:extLst>
+              <a:ext uri="{FF2B5EF4-FFF2-40B4-BE49-F238E27FC236}">
+                <a16:creationId xmlns:a16="http://schemas.microsoft.com/office/drawing/2014/main" id="{CC44A865-A7E2-457E-BA93-420DE52A28E7}"/>
+              </a:ext>
+            </a:extLst>
+          </p:cNvPr>
+          <p:cNvSpPr/>
+          <p:nvPr/>
+        </p:nvSpPr>
+        <p:spPr>
+          <a:xfrm>
+            <a:off x="4362561" y="2720009"/>
+            <a:ext cx="2913269" cy="708991"/>
+          </a:xfrm>
+          <a:prstGeom prst="rect">
+            <a:avLst/>
+          </a:prstGeom>
+          <a:solidFill>
+            <a:schemeClr val="tx1"/>
+          </a:solidFill>
+          <a:ln>
+            <a:solidFill>
+              <a:schemeClr val="accent1">
+                <a:lumMod val="40000"/>
+                <a:lumOff val="60000"/>
+              </a:schemeClr>
+            </a:solidFill>
+          </a:ln>
+        </p:spPr>
+        <p:style>
+          <a:lnRef idx="2">
+            <a:schemeClr val="accent6"/>
+          </a:lnRef>
+          <a:fillRef idx="1">
+            <a:schemeClr val="lt1"/>
+          </a:fillRef>
+          <a:effectRef idx="0">
+            <a:schemeClr val="accent6"/>
+          </a:effectRef>
+          <a:fontRef idx="minor">
+            <a:schemeClr val="dk1"/>
+          </a:fontRef>
+        </p:style>
+        <p:txBody>
+          <a:bodyPr rtlCol="0" anchor="ctr"/>
+          <a:lstStyle/>
+          <a:p>
+            <a:pPr algn="ctr"/>
+            <a:endParaRPr lang="es-ES" dirty="0"/>
+          </a:p>
+        </p:txBody>
+      </p:sp>
+      <p:cxnSp>
+        <p:nvCxnSpPr>
+          <p:cNvPr id="7" name="Conector recto 6">
+            <a:extLst>
+              <a:ext uri="{FF2B5EF4-FFF2-40B4-BE49-F238E27FC236}">
+                <a16:creationId xmlns:a16="http://schemas.microsoft.com/office/drawing/2014/main" id="{B7BD4846-5A46-411B-B065-E3C1FFFDA699}"/>
+              </a:ext>
+            </a:extLst>
+          </p:cNvPr>
+          <p:cNvCxnSpPr/>
+          <p:nvPr/>
+        </p:nvCxnSpPr>
+        <p:spPr>
+          <a:xfrm>
+            <a:off x="5124560" y="2720009"/>
+            <a:ext cx="0" cy="708991"/>
+          </a:xfrm>
+          <a:prstGeom prst="line">
+            <a:avLst/>
+          </a:prstGeom>
+          <a:ln w="28575"/>
+        </p:spPr>
+        <p:style>
+          <a:lnRef idx="1">
+            <a:schemeClr val="dk1"/>
+          </a:lnRef>
+          <a:fillRef idx="0">
+            <a:schemeClr val="dk1"/>
+          </a:fillRef>
+          <a:effectRef idx="0">
+            <a:schemeClr val="dk1"/>
+          </a:effectRef>
+          <a:fontRef idx="minor">
+            <a:schemeClr val="tx1"/>
+          </a:fontRef>
+        </p:style>
+      </p:cxnSp>
+      <p:cxnSp>
+        <p:nvCxnSpPr>
+          <p:cNvPr id="8" name="Conector recto 7">
+            <a:extLst>
+              <a:ext uri="{FF2B5EF4-FFF2-40B4-BE49-F238E27FC236}">
+                <a16:creationId xmlns:a16="http://schemas.microsoft.com/office/drawing/2014/main" id="{B0A31AFB-1CE5-4547-82DB-F74E6B5BA1A0}"/>
+              </a:ext>
+            </a:extLst>
+          </p:cNvPr>
+          <p:cNvCxnSpPr/>
+          <p:nvPr/>
+        </p:nvCxnSpPr>
+        <p:spPr>
+          <a:xfrm>
+            <a:off x="5873308" y="2720009"/>
+            <a:ext cx="0" cy="708991"/>
+          </a:xfrm>
+          <a:prstGeom prst="line">
+            <a:avLst/>
+          </a:prstGeom>
+          <a:ln w="28575"/>
+        </p:spPr>
+        <p:style>
+          <a:lnRef idx="1">
+            <a:schemeClr val="dk1"/>
+          </a:lnRef>
+          <a:fillRef idx="0">
+            <a:schemeClr val="dk1"/>
+          </a:fillRef>
+          <a:effectRef idx="0">
+            <a:schemeClr val="dk1"/>
+          </a:effectRef>
+          <a:fontRef idx="minor">
+            <a:schemeClr val="tx1"/>
+          </a:fontRef>
+        </p:style>
+      </p:cxnSp>
+      <p:cxnSp>
+        <p:nvCxnSpPr>
+          <p:cNvPr id="9" name="Conector recto 8">
+            <a:extLst>
+              <a:ext uri="{FF2B5EF4-FFF2-40B4-BE49-F238E27FC236}">
+                <a16:creationId xmlns:a16="http://schemas.microsoft.com/office/drawing/2014/main" id="{F6D2FAF9-8057-4D67-AA82-CFE69D81FD47}"/>
+              </a:ext>
+            </a:extLst>
+          </p:cNvPr>
+          <p:cNvCxnSpPr/>
+          <p:nvPr/>
+        </p:nvCxnSpPr>
+        <p:spPr>
+          <a:xfrm>
+            <a:off x="6608804" y="2720009"/>
+            <a:ext cx="0" cy="708991"/>
+          </a:xfrm>
+          <a:prstGeom prst="line">
+            <a:avLst/>
+          </a:prstGeom>
+          <a:ln w="28575"/>
+        </p:spPr>
+        <p:style>
+          <a:lnRef idx="1">
+            <a:schemeClr val="dk1"/>
+          </a:lnRef>
+          <a:fillRef idx="0">
+            <a:schemeClr val="dk1"/>
+          </a:fillRef>
+          <a:effectRef idx="0">
+            <a:schemeClr val="dk1"/>
+          </a:effectRef>
+          <a:fontRef idx="minor">
+            <a:schemeClr val="tx1"/>
+          </a:fontRef>
+        </p:style>
+      </p:cxnSp>
+      <p:sp>
+        <p:nvSpPr>
+          <p:cNvPr id="18" name="CuadroTexto 17">
+            <a:extLst>
+              <a:ext uri="{FF2B5EF4-FFF2-40B4-BE49-F238E27FC236}">
+                <a16:creationId xmlns:a16="http://schemas.microsoft.com/office/drawing/2014/main" id="{C3BAE365-CE53-49E8-90D6-48D46F6CA490}"/>
+              </a:ext>
+            </a:extLst>
+          </p:cNvPr>
+          <p:cNvSpPr txBox="1"/>
+          <p:nvPr/>
+        </p:nvSpPr>
+        <p:spPr>
+          <a:xfrm>
+            <a:off x="4549347" y="2833653"/>
+            <a:ext cx="357452" cy="461665"/>
+          </a:xfrm>
+          <a:prstGeom prst="rect">
+            <a:avLst/>
+          </a:prstGeom>
+          <a:noFill/>
+        </p:spPr>
+        <p:txBody>
+          <a:bodyPr wrap="square" rtlCol="0">
+            <a:spAutoFit/>
+          </a:bodyPr>
+          <a:lstStyle/>
+          <a:p>
+            <a:r>
+              <a:rPr lang="es-ES" sz="2400" b="1" dirty="0">
+                <a:solidFill>
+                  <a:schemeClr val="bg1"/>
+                </a:solidFill>
+              </a:rPr>
+              <a:t>0</a:t>
+            </a:r>
+          </a:p>
+        </p:txBody>
+      </p:sp>
+      <p:sp>
+        <p:nvSpPr>
+          <p:cNvPr id="19" name="CuadroTexto 18">
+            <a:extLst>
+              <a:ext uri="{FF2B5EF4-FFF2-40B4-BE49-F238E27FC236}">
+                <a16:creationId xmlns:a16="http://schemas.microsoft.com/office/drawing/2014/main" id="{1403E947-FDC7-41EA-985E-DA9EEA136770}"/>
+              </a:ext>
+            </a:extLst>
+          </p:cNvPr>
+          <p:cNvSpPr txBox="1"/>
+          <p:nvPr/>
+        </p:nvSpPr>
+        <p:spPr>
+          <a:xfrm>
+            <a:off x="5292361" y="2821359"/>
+            <a:ext cx="357452" cy="461665"/>
+          </a:xfrm>
+          <a:prstGeom prst="rect">
+            <a:avLst/>
+          </a:prstGeom>
+          <a:noFill/>
+        </p:spPr>
+        <p:txBody>
+          <a:bodyPr wrap="square" rtlCol="0">
+            <a:spAutoFit/>
+          </a:bodyPr>
+          <a:lstStyle/>
+          <a:p>
+            <a:r>
+              <a:rPr lang="es-ES" sz="2400" b="1" dirty="0">
+                <a:solidFill>
+                  <a:schemeClr val="bg1"/>
+                </a:solidFill>
+              </a:rPr>
+              <a:t>1</a:t>
+            </a:r>
+          </a:p>
+        </p:txBody>
+      </p:sp>
+      <p:sp>
+        <p:nvSpPr>
+          <p:cNvPr id="20" name="CuadroTexto 19">
+            <a:extLst>
+              <a:ext uri="{FF2B5EF4-FFF2-40B4-BE49-F238E27FC236}">
+                <a16:creationId xmlns:a16="http://schemas.microsoft.com/office/drawing/2014/main" id="{354C161A-3CA8-4579-9CE1-1ACE9DB916E6}"/>
+              </a:ext>
+            </a:extLst>
+          </p:cNvPr>
+          <p:cNvSpPr txBox="1"/>
+          <p:nvPr/>
+        </p:nvSpPr>
+        <p:spPr>
+          <a:xfrm>
+            <a:off x="6027856" y="2833653"/>
+            <a:ext cx="357452" cy="461665"/>
+          </a:xfrm>
+          <a:prstGeom prst="rect">
+            <a:avLst/>
+          </a:prstGeom>
+          <a:noFill/>
+        </p:spPr>
+        <p:txBody>
+          <a:bodyPr wrap="square" rtlCol="0">
+            <a:spAutoFit/>
+          </a:bodyPr>
+          <a:lstStyle/>
+          <a:p>
+            <a:r>
+              <a:rPr lang="es-ES" sz="2400" b="1" dirty="0">
+                <a:solidFill>
+                  <a:schemeClr val="bg1"/>
+                </a:solidFill>
+              </a:rPr>
+              <a:t>0</a:t>
+            </a:r>
+          </a:p>
+        </p:txBody>
+      </p:sp>
+      <p:sp>
+        <p:nvSpPr>
+          <p:cNvPr id="24" name="CuadroTexto 23">
+            <a:extLst>
+              <a:ext uri="{FF2B5EF4-FFF2-40B4-BE49-F238E27FC236}">
+                <a16:creationId xmlns:a16="http://schemas.microsoft.com/office/drawing/2014/main" id="{D02A87E9-9DB0-4F76-A82A-838EE89B5276}"/>
+              </a:ext>
+            </a:extLst>
+          </p:cNvPr>
+          <p:cNvSpPr txBox="1"/>
+          <p:nvPr/>
+        </p:nvSpPr>
+        <p:spPr>
+          <a:xfrm>
+            <a:off x="6763591" y="2833652"/>
+            <a:ext cx="357452" cy="461665"/>
+          </a:xfrm>
+          <a:prstGeom prst="rect">
+            <a:avLst/>
+          </a:prstGeom>
+          <a:noFill/>
+        </p:spPr>
+        <p:txBody>
+          <a:bodyPr wrap="square" rtlCol="0">
+            <a:spAutoFit/>
+          </a:bodyPr>
+          <a:lstStyle/>
+          <a:p>
+            <a:pPr algn="ctr"/>
+            <a:r>
+              <a:rPr lang="es-ES" sz="2400" b="1" dirty="0">
+                <a:solidFill>
+                  <a:schemeClr val="bg1"/>
+                </a:solidFill>
+              </a:rPr>
+              <a:t>1</a:t>
+            </a:r>
+          </a:p>
+        </p:txBody>
+      </p:sp>
+      <p:sp>
+        <p:nvSpPr>
+          <p:cNvPr id="49" name="Rectángulo 48">
+            <a:extLst>
+              <a:ext uri="{FF2B5EF4-FFF2-40B4-BE49-F238E27FC236}">
+                <a16:creationId xmlns:a16="http://schemas.microsoft.com/office/drawing/2014/main" id="{6778A8B7-0FDE-4DF6-89A5-1754F287F3A1}"/>
+              </a:ext>
+            </a:extLst>
+          </p:cNvPr>
+          <p:cNvSpPr/>
+          <p:nvPr/>
+        </p:nvSpPr>
+        <p:spPr>
+          <a:xfrm>
+            <a:off x="4362561" y="3429000"/>
+            <a:ext cx="2913269" cy="708991"/>
+          </a:xfrm>
+          <a:prstGeom prst="rect">
+            <a:avLst/>
+          </a:prstGeom>
+          <a:solidFill>
+            <a:schemeClr val="tx1"/>
+          </a:solidFill>
+          <a:ln>
+            <a:solidFill>
+              <a:schemeClr val="accent1">
+                <a:lumMod val="40000"/>
+                <a:lumOff val="60000"/>
+              </a:schemeClr>
+            </a:solidFill>
+          </a:ln>
+        </p:spPr>
+        <p:style>
+          <a:lnRef idx="2">
+            <a:schemeClr val="accent6"/>
+          </a:lnRef>
+          <a:fillRef idx="1">
+            <a:schemeClr val="lt1"/>
+          </a:fillRef>
+          <a:effectRef idx="0">
+            <a:schemeClr val="accent6"/>
+          </a:effectRef>
+          <a:fontRef idx="minor">
+            <a:schemeClr val="dk1"/>
+          </a:fontRef>
+        </p:style>
+        <p:txBody>
+          <a:bodyPr rtlCol="0" anchor="ctr"/>
+          <a:lstStyle/>
+          <a:p>
+            <a:pPr algn="ctr"/>
+            <a:endParaRPr lang="es-ES" dirty="0"/>
+          </a:p>
+        </p:txBody>
+      </p:sp>
+      <p:cxnSp>
+        <p:nvCxnSpPr>
+          <p:cNvPr id="50" name="Conector recto 49">
+            <a:extLst>
+              <a:ext uri="{FF2B5EF4-FFF2-40B4-BE49-F238E27FC236}">
+                <a16:creationId xmlns:a16="http://schemas.microsoft.com/office/drawing/2014/main" id="{94B20EF6-D673-43B5-90A1-9BBE018252DB}"/>
+              </a:ext>
+            </a:extLst>
+          </p:cNvPr>
+          <p:cNvCxnSpPr/>
+          <p:nvPr/>
+        </p:nvCxnSpPr>
+        <p:spPr>
+          <a:xfrm>
+            <a:off x="5124560" y="3429000"/>
+            <a:ext cx="0" cy="708991"/>
+          </a:xfrm>
+          <a:prstGeom prst="line">
+            <a:avLst/>
+          </a:prstGeom>
+          <a:ln w="28575"/>
+        </p:spPr>
+        <p:style>
+          <a:lnRef idx="1">
+            <a:schemeClr val="dk1"/>
+          </a:lnRef>
+          <a:fillRef idx="0">
+            <a:schemeClr val="dk1"/>
+          </a:fillRef>
+          <a:effectRef idx="0">
+            <a:schemeClr val="dk1"/>
+          </a:effectRef>
+          <a:fontRef idx="minor">
+            <a:schemeClr val="tx1"/>
+          </a:fontRef>
+        </p:style>
+      </p:cxnSp>
+      <p:cxnSp>
+        <p:nvCxnSpPr>
+          <p:cNvPr id="51" name="Conector recto 50">
+            <a:extLst>
+              <a:ext uri="{FF2B5EF4-FFF2-40B4-BE49-F238E27FC236}">
+                <a16:creationId xmlns:a16="http://schemas.microsoft.com/office/drawing/2014/main" id="{13DEF0E8-46BD-4C3E-88DF-03377A817D30}"/>
+              </a:ext>
+            </a:extLst>
+          </p:cNvPr>
+          <p:cNvCxnSpPr/>
+          <p:nvPr/>
+        </p:nvCxnSpPr>
+        <p:spPr>
+          <a:xfrm>
+            <a:off x="5873308" y="3429000"/>
+            <a:ext cx="0" cy="708991"/>
+          </a:xfrm>
+          <a:prstGeom prst="line">
+            <a:avLst/>
+          </a:prstGeom>
+          <a:ln w="28575"/>
+        </p:spPr>
+        <p:style>
+          <a:lnRef idx="1">
+            <a:schemeClr val="dk1"/>
+          </a:lnRef>
+          <a:fillRef idx="0">
+            <a:schemeClr val="dk1"/>
+          </a:fillRef>
+          <a:effectRef idx="0">
+            <a:schemeClr val="dk1"/>
+          </a:effectRef>
+          <a:fontRef idx="minor">
+            <a:schemeClr val="tx1"/>
+          </a:fontRef>
+        </p:style>
+      </p:cxnSp>
+      <p:cxnSp>
+        <p:nvCxnSpPr>
+          <p:cNvPr id="52" name="Conector recto 51">
+            <a:extLst>
+              <a:ext uri="{FF2B5EF4-FFF2-40B4-BE49-F238E27FC236}">
+                <a16:creationId xmlns:a16="http://schemas.microsoft.com/office/drawing/2014/main" id="{A8A68FE6-E62B-47C8-B107-E9663B62A4A3}"/>
+              </a:ext>
+            </a:extLst>
+          </p:cNvPr>
+          <p:cNvCxnSpPr/>
+          <p:nvPr/>
+        </p:nvCxnSpPr>
+        <p:spPr>
+          <a:xfrm>
+            <a:off x="6608804" y="3429000"/>
+            <a:ext cx="0" cy="708991"/>
+          </a:xfrm>
+          <a:prstGeom prst="line">
+            <a:avLst/>
+          </a:prstGeom>
+          <a:ln w="28575"/>
+        </p:spPr>
+        <p:style>
+          <a:lnRef idx="1">
+            <a:schemeClr val="dk1"/>
+          </a:lnRef>
+          <a:fillRef idx="0">
+            <a:schemeClr val="dk1"/>
+          </a:fillRef>
+          <a:effectRef idx="0">
+            <a:schemeClr val="dk1"/>
+          </a:effectRef>
+          <a:fontRef idx="minor">
+            <a:schemeClr val="tx1"/>
+          </a:fontRef>
+        </p:style>
+      </p:cxnSp>
+      <p:sp>
+        <p:nvSpPr>
+          <p:cNvPr id="53" name="CuadroTexto 52">
+            <a:extLst>
+              <a:ext uri="{FF2B5EF4-FFF2-40B4-BE49-F238E27FC236}">
+                <a16:creationId xmlns:a16="http://schemas.microsoft.com/office/drawing/2014/main" id="{21019739-6DD7-4C81-99A8-6F203E618768}"/>
+              </a:ext>
+            </a:extLst>
+          </p:cNvPr>
+          <p:cNvSpPr txBox="1"/>
+          <p:nvPr/>
+        </p:nvSpPr>
+        <p:spPr>
+          <a:xfrm>
+            <a:off x="4549347" y="3542644"/>
+            <a:ext cx="357452" cy="461665"/>
+          </a:xfrm>
+          <a:prstGeom prst="rect">
+            <a:avLst/>
+          </a:prstGeom>
+          <a:noFill/>
+        </p:spPr>
+        <p:txBody>
+          <a:bodyPr wrap="square" rtlCol="0">
+            <a:spAutoFit/>
+          </a:bodyPr>
+          <a:lstStyle/>
+          <a:p>
+            <a:r>
+              <a:rPr lang="es-ES" sz="2400" b="1" dirty="0">
+                <a:solidFill>
+                  <a:schemeClr val="bg1"/>
+                </a:solidFill>
+              </a:rPr>
+              <a:t>0</a:t>
+            </a:r>
+          </a:p>
+        </p:txBody>
+      </p:sp>
+      <p:sp>
+        <p:nvSpPr>
+          <p:cNvPr id="54" name="CuadroTexto 53">
+            <a:extLst>
+              <a:ext uri="{FF2B5EF4-FFF2-40B4-BE49-F238E27FC236}">
+                <a16:creationId xmlns:a16="http://schemas.microsoft.com/office/drawing/2014/main" id="{B9568697-8F84-4D90-B21D-A4FB5EB2B657}"/>
+              </a:ext>
+            </a:extLst>
+          </p:cNvPr>
+          <p:cNvSpPr txBox="1"/>
+          <p:nvPr/>
+        </p:nvSpPr>
+        <p:spPr>
+          <a:xfrm>
+            <a:off x="5292361" y="3530350"/>
+            <a:ext cx="357452" cy="461665"/>
+          </a:xfrm>
+          <a:prstGeom prst="rect">
+            <a:avLst/>
+          </a:prstGeom>
+          <a:noFill/>
+        </p:spPr>
+        <p:txBody>
+          <a:bodyPr wrap="square" rtlCol="0">
+            <a:spAutoFit/>
+          </a:bodyPr>
+          <a:lstStyle/>
+          <a:p>
+            <a:r>
+              <a:rPr lang="es-ES" sz="2400" b="1" dirty="0">
+                <a:solidFill>
+                  <a:schemeClr val="bg1"/>
+                </a:solidFill>
+              </a:rPr>
+              <a:t>1</a:t>
+            </a:r>
+          </a:p>
+        </p:txBody>
+      </p:sp>
+      <p:sp>
+        <p:nvSpPr>
+          <p:cNvPr id="55" name="CuadroTexto 54">
+            <a:extLst>
+              <a:ext uri="{FF2B5EF4-FFF2-40B4-BE49-F238E27FC236}">
+                <a16:creationId xmlns:a16="http://schemas.microsoft.com/office/drawing/2014/main" id="{F714C80C-C3DE-4A97-8521-EEDB685634ED}"/>
+              </a:ext>
+            </a:extLst>
+          </p:cNvPr>
+          <p:cNvSpPr txBox="1"/>
+          <p:nvPr/>
+        </p:nvSpPr>
+        <p:spPr>
+          <a:xfrm>
+            <a:off x="6027856" y="3542644"/>
+            <a:ext cx="357452" cy="461665"/>
+          </a:xfrm>
+          <a:prstGeom prst="rect">
+            <a:avLst/>
+          </a:prstGeom>
+          <a:noFill/>
+        </p:spPr>
+        <p:txBody>
+          <a:bodyPr wrap="square" rtlCol="0">
+            <a:spAutoFit/>
+          </a:bodyPr>
+          <a:lstStyle/>
+          <a:p>
+            <a:r>
+              <a:rPr lang="es-ES" sz="2400" b="1" dirty="0">
+                <a:solidFill>
+                  <a:schemeClr val="bg1"/>
+                </a:solidFill>
+              </a:rPr>
+              <a:t>0</a:t>
+            </a:r>
+          </a:p>
+        </p:txBody>
+      </p:sp>
+      <p:sp>
+        <p:nvSpPr>
+          <p:cNvPr id="56" name="CuadroTexto 55">
+            <a:extLst>
+              <a:ext uri="{FF2B5EF4-FFF2-40B4-BE49-F238E27FC236}">
+                <a16:creationId xmlns:a16="http://schemas.microsoft.com/office/drawing/2014/main" id="{24109541-5695-409F-B083-870A6C082B1F}"/>
+              </a:ext>
+            </a:extLst>
+          </p:cNvPr>
+          <p:cNvSpPr txBox="1"/>
+          <p:nvPr/>
+        </p:nvSpPr>
+        <p:spPr>
+          <a:xfrm>
+            <a:off x="6763591" y="3542643"/>
+            <a:ext cx="357452" cy="461665"/>
+          </a:xfrm>
+          <a:prstGeom prst="rect">
+            <a:avLst/>
+          </a:prstGeom>
+          <a:noFill/>
+        </p:spPr>
+        <p:txBody>
+          <a:bodyPr wrap="square" rtlCol="0">
+            <a:spAutoFit/>
+          </a:bodyPr>
+          <a:lstStyle/>
+          <a:p>
+            <a:pPr algn="ctr"/>
+            <a:r>
+              <a:rPr lang="es-ES" sz="2400" b="1" dirty="0">
+                <a:solidFill>
+                  <a:schemeClr val="bg1"/>
+                </a:solidFill>
+              </a:rPr>
+              <a:t>1</a:t>
+            </a:r>
+          </a:p>
+        </p:txBody>
+      </p:sp>
+      <p:sp>
+        <p:nvSpPr>
+          <p:cNvPr id="65" name="Rectángulo 64">
+            <a:extLst>
+              <a:ext uri="{FF2B5EF4-FFF2-40B4-BE49-F238E27FC236}">
+                <a16:creationId xmlns:a16="http://schemas.microsoft.com/office/drawing/2014/main" id="{2C766006-474F-4878-88D3-0E194129F719}"/>
+              </a:ext>
+            </a:extLst>
+          </p:cNvPr>
+          <p:cNvSpPr/>
+          <p:nvPr/>
+        </p:nvSpPr>
+        <p:spPr>
+          <a:xfrm>
+            <a:off x="4362561" y="4137991"/>
+            <a:ext cx="2913269" cy="708991"/>
+          </a:xfrm>
+          <a:prstGeom prst="rect">
+            <a:avLst/>
+          </a:prstGeom>
+          <a:solidFill>
+            <a:schemeClr val="tx1"/>
+          </a:solidFill>
+          <a:ln>
+            <a:solidFill>
+              <a:schemeClr val="accent1">
+                <a:lumMod val="40000"/>
+                <a:lumOff val="60000"/>
+              </a:schemeClr>
+            </a:solidFill>
+          </a:ln>
+        </p:spPr>
+        <p:style>
+          <a:lnRef idx="2">
+            <a:schemeClr val="accent6"/>
+          </a:lnRef>
+          <a:fillRef idx="1">
+            <a:schemeClr val="lt1"/>
+          </a:fillRef>
+          <a:effectRef idx="0">
+            <a:schemeClr val="accent6"/>
+          </a:effectRef>
+          <a:fontRef idx="minor">
+            <a:schemeClr val="dk1"/>
+          </a:fontRef>
+        </p:style>
+        <p:txBody>
+          <a:bodyPr rtlCol="0" anchor="ctr"/>
+          <a:lstStyle/>
+          <a:p>
+            <a:pPr algn="ctr"/>
+            <a:endParaRPr lang="es-ES" dirty="0"/>
+          </a:p>
+        </p:txBody>
+      </p:sp>
+      <p:cxnSp>
+        <p:nvCxnSpPr>
+          <p:cNvPr id="66" name="Conector recto 65">
+            <a:extLst>
+              <a:ext uri="{FF2B5EF4-FFF2-40B4-BE49-F238E27FC236}">
+                <a16:creationId xmlns:a16="http://schemas.microsoft.com/office/drawing/2014/main" id="{E1ADB9EE-242D-45E8-884A-F74C00A55E16}"/>
+              </a:ext>
+            </a:extLst>
+          </p:cNvPr>
+          <p:cNvCxnSpPr/>
+          <p:nvPr/>
+        </p:nvCxnSpPr>
+        <p:spPr>
+          <a:xfrm>
+            <a:off x="5124560" y="4137991"/>
+            <a:ext cx="0" cy="708991"/>
+          </a:xfrm>
+          <a:prstGeom prst="line">
+            <a:avLst/>
+          </a:prstGeom>
+          <a:ln w="28575"/>
+        </p:spPr>
+        <p:style>
+          <a:lnRef idx="1">
+            <a:schemeClr val="dk1"/>
+          </a:lnRef>
+          <a:fillRef idx="0">
+            <a:schemeClr val="dk1"/>
+          </a:fillRef>
+          <a:effectRef idx="0">
+            <a:schemeClr val="dk1"/>
+          </a:effectRef>
+          <a:fontRef idx="minor">
+            <a:schemeClr val="tx1"/>
+          </a:fontRef>
+        </p:style>
+      </p:cxnSp>
+      <p:cxnSp>
+        <p:nvCxnSpPr>
+          <p:cNvPr id="67" name="Conector recto 66">
+            <a:extLst>
+              <a:ext uri="{FF2B5EF4-FFF2-40B4-BE49-F238E27FC236}">
+                <a16:creationId xmlns:a16="http://schemas.microsoft.com/office/drawing/2014/main" id="{83113453-2032-40E9-B3C2-501C3042396E}"/>
+              </a:ext>
+            </a:extLst>
+          </p:cNvPr>
+          <p:cNvCxnSpPr/>
+          <p:nvPr/>
+        </p:nvCxnSpPr>
+        <p:spPr>
+          <a:xfrm>
+            <a:off x="5873308" y="4137991"/>
+            <a:ext cx="0" cy="708991"/>
+          </a:xfrm>
+          <a:prstGeom prst="line">
+            <a:avLst/>
+          </a:prstGeom>
+          <a:ln w="28575"/>
+        </p:spPr>
+        <p:style>
+          <a:lnRef idx="1">
+            <a:schemeClr val="dk1"/>
+          </a:lnRef>
+          <a:fillRef idx="0">
+            <a:schemeClr val="dk1"/>
+          </a:fillRef>
+          <a:effectRef idx="0">
+            <a:schemeClr val="dk1"/>
+          </a:effectRef>
+          <a:fontRef idx="minor">
+            <a:schemeClr val="tx1"/>
+          </a:fontRef>
+        </p:style>
+      </p:cxnSp>
+      <p:cxnSp>
+        <p:nvCxnSpPr>
+          <p:cNvPr id="68" name="Conector recto 67">
+            <a:extLst>
+              <a:ext uri="{FF2B5EF4-FFF2-40B4-BE49-F238E27FC236}">
+                <a16:creationId xmlns:a16="http://schemas.microsoft.com/office/drawing/2014/main" id="{10BE2B09-0D55-407F-BF2D-3DA940CE2B5A}"/>
+              </a:ext>
+            </a:extLst>
+          </p:cNvPr>
+          <p:cNvCxnSpPr/>
+          <p:nvPr/>
+        </p:nvCxnSpPr>
+        <p:spPr>
+          <a:xfrm>
+            <a:off x="6608804" y="4137991"/>
+            <a:ext cx="0" cy="708991"/>
+          </a:xfrm>
+          <a:prstGeom prst="line">
+            <a:avLst/>
+          </a:prstGeom>
+          <a:ln w="28575"/>
+        </p:spPr>
+        <p:style>
+          <a:lnRef idx="1">
+            <a:schemeClr val="dk1"/>
+          </a:lnRef>
+          <a:fillRef idx="0">
+            <a:schemeClr val="dk1"/>
+          </a:fillRef>
+          <a:effectRef idx="0">
+            <a:schemeClr val="dk1"/>
+          </a:effectRef>
+          <a:fontRef idx="minor">
+            <a:schemeClr val="tx1"/>
+          </a:fontRef>
+        </p:style>
+      </p:cxnSp>
+      <p:sp>
+        <p:nvSpPr>
+          <p:cNvPr id="69" name="CuadroTexto 68">
+            <a:extLst>
+              <a:ext uri="{FF2B5EF4-FFF2-40B4-BE49-F238E27FC236}">
+                <a16:creationId xmlns:a16="http://schemas.microsoft.com/office/drawing/2014/main" id="{A63C8526-A841-4E6B-B190-64D176F094A4}"/>
+              </a:ext>
+            </a:extLst>
+          </p:cNvPr>
+          <p:cNvSpPr txBox="1"/>
+          <p:nvPr/>
+        </p:nvSpPr>
+        <p:spPr>
+          <a:xfrm>
+            <a:off x="4549347" y="4251635"/>
+            <a:ext cx="357452" cy="461665"/>
+          </a:xfrm>
+          <a:prstGeom prst="rect">
+            <a:avLst/>
+          </a:prstGeom>
+          <a:noFill/>
+        </p:spPr>
+        <p:txBody>
+          <a:bodyPr wrap="square" rtlCol="0">
+            <a:spAutoFit/>
+          </a:bodyPr>
+          <a:lstStyle/>
+          <a:p>
+            <a:r>
+              <a:rPr lang="es-ES" sz="2400" b="1" dirty="0">
+                <a:solidFill>
+                  <a:schemeClr val="bg1"/>
+                </a:solidFill>
+              </a:rPr>
+              <a:t>0</a:t>
+            </a:r>
+          </a:p>
+        </p:txBody>
+      </p:sp>
+      <p:sp>
+        <p:nvSpPr>
+          <p:cNvPr id="70" name="CuadroTexto 69">
+            <a:extLst>
+              <a:ext uri="{FF2B5EF4-FFF2-40B4-BE49-F238E27FC236}">
+                <a16:creationId xmlns:a16="http://schemas.microsoft.com/office/drawing/2014/main" id="{4269CDCE-8340-4F33-90E9-39B34D384C0D}"/>
+              </a:ext>
+            </a:extLst>
+          </p:cNvPr>
+          <p:cNvSpPr txBox="1"/>
+          <p:nvPr/>
+        </p:nvSpPr>
+        <p:spPr>
+          <a:xfrm>
+            <a:off x="5292361" y="4239341"/>
+            <a:ext cx="357452" cy="461665"/>
+          </a:xfrm>
+          <a:prstGeom prst="rect">
+            <a:avLst/>
+          </a:prstGeom>
+          <a:noFill/>
+        </p:spPr>
+        <p:txBody>
+          <a:bodyPr wrap="square" rtlCol="0">
+            <a:spAutoFit/>
+          </a:bodyPr>
+          <a:lstStyle/>
+          <a:p>
+            <a:r>
+              <a:rPr lang="es-ES" sz="2400" b="1" dirty="0">
+                <a:solidFill>
+                  <a:schemeClr val="bg1"/>
+                </a:solidFill>
+              </a:rPr>
+              <a:t>1</a:t>
+            </a:r>
+          </a:p>
+        </p:txBody>
+      </p:sp>
+      <p:sp>
+        <p:nvSpPr>
+          <p:cNvPr id="71" name="CuadroTexto 70">
+            <a:extLst>
+              <a:ext uri="{FF2B5EF4-FFF2-40B4-BE49-F238E27FC236}">
+                <a16:creationId xmlns:a16="http://schemas.microsoft.com/office/drawing/2014/main" id="{43363DA9-C520-4AC6-B3C9-F3C57EADF868}"/>
+              </a:ext>
+            </a:extLst>
+          </p:cNvPr>
+          <p:cNvSpPr txBox="1"/>
+          <p:nvPr/>
+        </p:nvSpPr>
+        <p:spPr>
+          <a:xfrm>
+            <a:off x="6027856" y="4251635"/>
+            <a:ext cx="357452" cy="461665"/>
+          </a:xfrm>
+          <a:prstGeom prst="rect">
+            <a:avLst/>
+          </a:prstGeom>
+          <a:noFill/>
+        </p:spPr>
+        <p:txBody>
+          <a:bodyPr wrap="square" rtlCol="0">
+            <a:spAutoFit/>
+          </a:bodyPr>
+          <a:lstStyle/>
+          <a:p>
+            <a:r>
+              <a:rPr lang="es-ES" sz="2400" b="1" dirty="0">
+                <a:solidFill>
+                  <a:schemeClr val="bg1"/>
+                </a:solidFill>
+              </a:rPr>
+              <a:t>0</a:t>
+            </a:r>
+          </a:p>
+        </p:txBody>
+      </p:sp>
+      <p:sp>
+        <p:nvSpPr>
+          <p:cNvPr id="72" name="CuadroTexto 71">
+            <a:extLst>
+              <a:ext uri="{FF2B5EF4-FFF2-40B4-BE49-F238E27FC236}">
+                <a16:creationId xmlns:a16="http://schemas.microsoft.com/office/drawing/2014/main" id="{0C6D3F9F-3D61-48E2-940A-5C14431F1A86}"/>
+              </a:ext>
+            </a:extLst>
+          </p:cNvPr>
+          <p:cNvSpPr txBox="1"/>
+          <p:nvPr/>
+        </p:nvSpPr>
+        <p:spPr>
+          <a:xfrm>
+            <a:off x="6763591" y="4251634"/>
+            <a:ext cx="357452" cy="461665"/>
+          </a:xfrm>
+          <a:prstGeom prst="rect">
+            <a:avLst/>
+          </a:prstGeom>
+          <a:noFill/>
+        </p:spPr>
+        <p:txBody>
+          <a:bodyPr wrap="square" rtlCol="0">
+            <a:spAutoFit/>
+          </a:bodyPr>
+          <a:lstStyle/>
+          <a:p>
+            <a:pPr algn="ctr"/>
+            <a:r>
+              <a:rPr lang="es-ES" sz="2400" b="1" dirty="0">
+                <a:solidFill>
+                  <a:schemeClr val="bg1"/>
+                </a:solidFill>
+              </a:rPr>
+              <a:t>1</a:t>
+            </a:r>
+          </a:p>
+        </p:txBody>
+      </p:sp>
+      <p:sp>
+        <p:nvSpPr>
+          <p:cNvPr id="73" name="Rectángulo 72">
+            <a:extLst>
+              <a:ext uri="{FF2B5EF4-FFF2-40B4-BE49-F238E27FC236}">
+                <a16:creationId xmlns:a16="http://schemas.microsoft.com/office/drawing/2014/main" id="{F27CAC5F-E821-4E4F-8D08-2D95AB9AB082}"/>
+              </a:ext>
+            </a:extLst>
+          </p:cNvPr>
+          <p:cNvSpPr/>
+          <p:nvPr/>
+        </p:nvSpPr>
+        <p:spPr>
+          <a:xfrm>
+            <a:off x="4362561" y="4795932"/>
+            <a:ext cx="2913269" cy="708991"/>
+          </a:xfrm>
+          <a:prstGeom prst="rect">
+            <a:avLst/>
+          </a:prstGeom>
+          <a:solidFill>
+            <a:schemeClr val="tx1"/>
+          </a:solidFill>
+          <a:ln>
+            <a:solidFill>
+              <a:schemeClr val="accent1">
+                <a:lumMod val="40000"/>
+                <a:lumOff val="60000"/>
+              </a:schemeClr>
+            </a:solidFill>
+          </a:ln>
+        </p:spPr>
+        <p:style>
+          <a:lnRef idx="2">
+            <a:schemeClr val="accent6"/>
+          </a:lnRef>
+          <a:fillRef idx="1">
+            <a:schemeClr val="lt1"/>
+          </a:fillRef>
+          <a:effectRef idx="0">
+            <a:schemeClr val="accent6"/>
+          </a:effectRef>
+          <a:fontRef idx="minor">
+            <a:schemeClr val="dk1"/>
+          </a:fontRef>
+        </p:style>
+        <p:txBody>
+          <a:bodyPr rtlCol="0" anchor="ctr"/>
+          <a:lstStyle/>
+          <a:p>
+            <a:pPr algn="ctr"/>
+            <a:endParaRPr lang="es-ES" dirty="0"/>
+          </a:p>
+        </p:txBody>
+      </p:sp>
+      <p:cxnSp>
+        <p:nvCxnSpPr>
+          <p:cNvPr id="74" name="Conector recto 73">
+            <a:extLst>
+              <a:ext uri="{FF2B5EF4-FFF2-40B4-BE49-F238E27FC236}">
+                <a16:creationId xmlns:a16="http://schemas.microsoft.com/office/drawing/2014/main" id="{E7910EA3-305F-496D-A275-FCDD6BADF39D}"/>
+              </a:ext>
+            </a:extLst>
+          </p:cNvPr>
+          <p:cNvCxnSpPr/>
+          <p:nvPr/>
+        </p:nvCxnSpPr>
+        <p:spPr>
+          <a:xfrm>
+            <a:off x="5124560" y="4795932"/>
+            <a:ext cx="0" cy="708991"/>
+          </a:xfrm>
+          <a:prstGeom prst="line">
+            <a:avLst/>
+          </a:prstGeom>
+          <a:ln w="28575"/>
+        </p:spPr>
+        <p:style>
+          <a:lnRef idx="1">
+            <a:schemeClr val="dk1"/>
+          </a:lnRef>
+          <a:fillRef idx="0">
+            <a:schemeClr val="dk1"/>
+          </a:fillRef>
+          <a:effectRef idx="0">
+            <a:schemeClr val="dk1"/>
+          </a:effectRef>
+          <a:fontRef idx="minor">
+            <a:schemeClr val="tx1"/>
+          </a:fontRef>
+        </p:style>
+      </p:cxnSp>
+      <p:cxnSp>
+        <p:nvCxnSpPr>
+          <p:cNvPr id="75" name="Conector recto 74">
+            <a:extLst>
+              <a:ext uri="{FF2B5EF4-FFF2-40B4-BE49-F238E27FC236}">
+                <a16:creationId xmlns:a16="http://schemas.microsoft.com/office/drawing/2014/main" id="{7DE9661F-04C8-4D95-825F-AA8680799B70}"/>
+              </a:ext>
+            </a:extLst>
+          </p:cNvPr>
+          <p:cNvCxnSpPr/>
+          <p:nvPr/>
+        </p:nvCxnSpPr>
+        <p:spPr>
+          <a:xfrm>
+            <a:off x="5873308" y="4795932"/>
+            <a:ext cx="0" cy="708991"/>
+          </a:xfrm>
+          <a:prstGeom prst="line">
+            <a:avLst/>
+          </a:prstGeom>
+          <a:ln w="28575"/>
+        </p:spPr>
+        <p:style>
+          <a:lnRef idx="1">
+            <a:schemeClr val="dk1"/>
+          </a:lnRef>
+          <a:fillRef idx="0">
+            <a:schemeClr val="dk1"/>
+          </a:fillRef>
+          <a:effectRef idx="0">
+            <a:schemeClr val="dk1"/>
+          </a:effectRef>
+          <a:fontRef idx="minor">
+            <a:schemeClr val="tx1"/>
+          </a:fontRef>
+        </p:style>
+      </p:cxnSp>
+      <p:cxnSp>
+        <p:nvCxnSpPr>
+          <p:cNvPr id="76" name="Conector recto 75">
+            <a:extLst>
+              <a:ext uri="{FF2B5EF4-FFF2-40B4-BE49-F238E27FC236}">
+                <a16:creationId xmlns:a16="http://schemas.microsoft.com/office/drawing/2014/main" id="{9D1B44A5-B131-4DFA-B691-3ED0699771D6}"/>
+              </a:ext>
+            </a:extLst>
+          </p:cNvPr>
+          <p:cNvCxnSpPr/>
+          <p:nvPr/>
+        </p:nvCxnSpPr>
+        <p:spPr>
+          <a:xfrm>
+            <a:off x="6608804" y="4795932"/>
+            <a:ext cx="0" cy="708991"/>
+          </a:xfrm>
+          <a:prstGeom prst="line">
+            <a:avLst/>
+          </a:prstGeom>
+          <a:ln w="28575"/>
+        </p:spPr>
+        <p:style>
+          <a:lnRef idx="1">
+            <a:schemeClr val="dk1"/>
+          </a:lnRef>
+          <a:fillRef idx="0">
+            <a:schemeClr val="dk1"/>
+          </a:fillRef>
+          <a:effectRef idx="0">
+            <a:schemeClr val="dk1"/>
+          </a:effectRef>
+          <a:fontRef idx="minor">
+            <a:schemeClr val="tx1"/>
+          </a:fontRef>
+        </p:style>
+      </p:cxnSp>
+      <p:sp>
+        <p:nvSpPr>
+          <p:cNvPr id="77" name="CuadroTexto 76">
+            <a:extLst>
+              <a:ext uri="{FF2B5EF4-FFF2-40B4-BE49-F238E27FC236}">
+                <a16:creationId xmlns:a16="http://schemas.microsoft.com/office/drawing/2014/main" id="{1EB79EFC-AB66-4DAD-97D2-5E2646377FCB}"/>
+              </a:ext>
+            </a:extLst>
+          </p:cNvPr>
+          <p:cNvSpPr txBox="1"/>
+          <p:nvPr/>
+        </p:nvSpPr>
+        <p:spPr>
+          <a:xfrm>
+            <a:off x="4549347" y="4909576"/>
+            <a:ext cx="357452" cy="461665"/>
+          </a:xfrm>
+          <a:prstGeom prst="rect">
+            <a:avLst/>
+          </a:prstGeom>
+          <a:noFill/>
+        </p:spPr>
+        <p:txBody>
+          <a:bodyPr wrap="square" rtlCol="0">
+            <a:spAutoFit/>
+          </a:bodyPr>
+          <a:lstStyle/>
+          <a:p>
+            <a:r>
+              <a:rPr lang="es-ES" sz="2400" b="1" dirty="0">
+                <a:solidFill>
+                  <a:schemeClr val="bg1"/>
+                </a:solidFill>
+              </a:rPr>
+              <a:t>0</a:t>
+            </a:r>
+          </a:p>
+        </p:txBody>
+      </p:sp>
+      <p:sp>
+        <p:nvSpPr>
+          <p:cNvPr id="78" name="CuadroTexto 77">
+            <a:extLst>
+              <a:ext uri="{FF2B5EF4-FFF2-40B4-BE49-F238E27FC236}">
+                <a16:creationId xmlns:a16="http://schemas.microsoft.com/office/drawing/2014/main" id="{BADD33FD-FDFE-4197-AA8A-5DC1F85DDB0F}"/>
+              </a:ext>
+            </a:extLst>
+          </p:cNvPr>
+          <p:cNvSpPr txBox="1"/>
+          <p:nvPr/>
+        </p:nvSpPr>
+        <p:spPr>
+          <a:xfrm>
+            <a:off x="5292361" y="4897282"/>
+            <a:ext cx="357452" cy="461665"/>
+          </a:xfrm>
+          <a:prstGeom prst="rect">
+            <a:avLst/>
+          </a:prstGeom>
+          <a:noFill/>
+        </p:spPr>
+        <p:txBody>
+          <a:bodyPr wrap="square" rtlCol="0">
+            <a:spAutoFit/>
+          </a:bodyPr>
+          <a:lstStyle/>
+          <a:p>
+            <a:r>
+              <a:rPr lang="es-ES" sz="2400" b="1" dirty="0">
+                <a:solidFill>
+                  <a:schemeClr val="bg1"/>
+                </a:solidFill>
+              </a:rPr>
+              <a:t>1</a:t>
+            </a:r>
+          </a:p>
+        </p:txBody>
+      </p:sp>
+      <p:sp>
+        <p:nvSpPr>
+          <p:cNvPr id="79" name="CuadroTexto 78">
+            <a:extLst>
+              <a:ext uri="{FF2B5EF4-FFF2-40B4-BE49-F238E27FC236}">
+                <a16:creationId xmlns:a16="http://schemas.microsoft.com/office/drawing/2014/main" id="{67ABADC0-7004-4619-9A50-631462DE08B8}"/>
+              </a:ext>
+            </a:extLst>
+          </p:cNvPr>
+          <p:cNvSpPr txBox="1"/>
+          <p:nvPr/>
+        </p:nvSpPr>
+        <p:spPr>
+          <a:xfrm>
+            <a:off x="6027856" y="4909576"/>
+            <a:ext cx="357452" cy="461665"/>
+          </a:xfrm>
+          <a:prstGeom prst="rect">
+            <a:avLst/>
+          </a:prstGeom>
+          <a:noFill/>
+        </p:spPr>
+        <p:txBody>
+          <a:bodyPr wrap="square" rtlCol="0">
+            <a:spAutoFit/>
+          </a:bodyPr>
+          <a:lstStyle/>
+          <a:p>
+            <a:r>
+              <a:rPr lang="es-ES" sz="2400" b="1" dirty="0">
+                <a:solidFill>
+                  <a:schemeClr val="bg1"/>
+                </a:solidFill>
+              </a:rPr>
+              <a:t>0</a:t>
+            </a:r>
+          </a:p>
+        </p:txBody>
+      </p:sp>
+      <p:sp>
+        <p:nvSpPr>
+          <p:cNvPr id="80" name="CuadroTexto 79">
+            <a:extLst>
+              <a:ext uri="{FF2B5EF4-FFF2-40B4-BE49-F238E27FC236}">
+                <a16:creationId xmlns:a16="http://schemas.microsoft.com/office/drawing/2014/main" id="{863059D1-0CBA-40D5-B0FD-6331F10E2004}"/>
+              </a:ext>
+            </a:extLst>
+          </p:cNvPr>
+          <p:cNvSpPr txBox="1"/>
+          <p:nvPr/>
+        </p:nvSpPr>
+        <p:spPr>
+          <a:xfrm>
+            <a:off x="6763591" y="4909575"/>
+            <a:ext cx="357452" cy="461665"/>
+          </a:xfrm>
+          <a:prstGeom prst="rect">
+            <a:avLst/>
+          </a:prstGeom>
+          <a:noFill/>
+        </p:spPr>
+        <p:txBody>
+          <a:bodyPr wrap="square" rtlCol="0">
+            <a:spAutoFit/>
+          </a:bodyPr>
+          <a:lstStyle/>
+          <a:p>
+            <a:pPr algn="ctr"/>
+            <a:r>
+              <a:rPr lang="es-ES" sz="2400" b="1" dirty="0">
+                <a:solidFill>
+                  <a:schemeClr val="bg1"/>
+                </a:solidFill>
+              </a:rPr>
+              <a:t>1</a:t>
+            </a:r>
+          </a:p>
+        </p:txBody>
+      </p:sp>
+      <p:sp>
+        <p:nvSpPr>
+          <p:cNvPr id="81" name="CuadroTexto 80">
+            <a:extLst>
+              <a:ext uri="{FF2B5EF4-FFF2-40B4-BE49-F238E27FC236}">
+                <a16:creationId xmlns:a16="http://schemas.microsoft.com/office/drawing/2014/main" id="{E3366F3D-3F49-40A4-BC9E-4A1E3FCEA11C}"/>
+              </a:ext>
+            </a:extLst>
+          </p:cNvPr>
+          <p:cNvSpPr txBox="1"/>
+          <p:nvPr/>
+        </p:nvSpPr>
+        <p:spPr>
+          <a:xfrm>
+            <a:off x="777136" y="2833653"/>
+            <a:ext cx="357452" cy="461665"/>
+          </a:xfrm>
+          <a:prstGeom prst="rect">
+            <a:avLst/>
+          </a:prstGeom>
+        </p:spPr>
+        <p:style>
+          <a:lnRef idx="2">
+            <a:schemeClr val="accent4"/>
+          </a:lnRef>
+          <a:fillRef idx="1">
+            <a:schemeClr val="lt1"/>
+          </a:fillRef>
+          <a:effectRef idx="0">
+            <a:schemeClr val="accent4"/>
+          </a:effectRef>
+          <a:fontRef idx="minor">
+            <a:schemeClr val="dk1"/>
+          </a:fontRef>
+        </p:style>
+        <p:txBody>
+          <a:bodyPr wrap="square" rtlCol="0">
+            <a:spAutoFit/>
+          </a:bodyPr>
+          <a:lstStyle/>
+          <a:p>
+            <a:r>
+              <a:rPr lang="es-ES" sz="2400" b="1" dirty="0">
+                <a:solidFill>
+                  <a:srgbClr val="C00000"/>
+                </a:solidFill>
+              </a:rPr>
+              <a:t>0</a:t>
+            </a:r>
+          </a:p>
+        </p:txBody>
+      </p:sp>
+      <p:sp>
+        <p:nvSpPr>
+          <p:cNvPr id="82" name="CuadroTexto 81">
+            <a:extLst>
+              <a:ext uri="{FF2B5EF4-FFF2-40B4-BE49-F238E27FC236}">
+                <a16:creationId xmlns:a16="http://schemas.microsoft.com/office/drawing/2014/main" id="{1292A424-4898-408C-A2FA-7C708841B34C}"/>
+              </a:ext>
+            </a:extLst>
+          </p:cNvPr>
+          <p:cNvSpPr txBox="1"/>
+          <p:nvPr/>
+        </p:nvSpPr>
+        <p:spPr>
+          <a:xfrm>
+            <a:off x="1520150" y="3530350"/>
+            <a:ext cx="357452" cy="461665"/>
+          </a:xfrm>
+          <a:prstGeom prst="rect">
+            <a:avLst/>
+          </a:prstGeom>
+        </p:spPr>
+        <p:style>
+          <a:lnRef idx="2">
+            <a:schemeClr val="accent4"/>
+          </a:lnRef>
+          <a:fillRef idx="1">
+            <a:schemeClr val="lt1"/>
+          </a:fillRef>
+          <a:effectRef idx="0">
+            <a:schemeClr val="accent4"/>
+          </a:effectRef>
+          <a:fontRef idx="minor">
+            <a:schemeClr val="dk1"/>
+          </a:fontRef>
+        </p:style>
+        <p:txBody>
+          <a:bodyPr wrap="square" rtlCol="0">
+            <a:spAutoFit/>
+          </a:bodyPr>
+          <a:lstStyle/>
+          <a:p>
+            <a:r>
+              <a:rPr lang="es-ES" sz="2400" b="1" dirty="0">
+                <a:solidFill>
+                  <a:srgbClr val="C00000"/>
+                </a:solidFill>
+              </a:rPr>
+              <a:t>1</a:t>
+            </a:r>
+          </a:p>
+        </p:txBody>
+      </p:sp>
+      <p:sp>
+        <p:nvSpPr>
+          <p:cNvPr id="83" name="CuadroTexto 82">
+            <a:extLst>
+              <a:ext uri="{FF2B5EF4-FFF2-40B4-BE49-F238E27FC236}">
+                <a16:creationId xmlns:a16="http://schemas.microsoft.com/office/drawing/2014/main" id="{A1281C98-7799-493D-A84A-0AFC32C4D7CA}"/>
+              </a:ext>
+            </a:extLst>
+          </p:cNvPr>
+          <p:cNvSpPr txBox="1"/>
+          <p:nvPr/>
+        </p:nvSpPr>
+        <p:spPr>
+          <a:xfrm>
+            <a:off x="2255645" y="4251635"/>
+            <a:ext cx="357452" cy="461665"/>
+          </a:xfrm>
+          <a:prstGeom prst="rect">
+            <a:avLst/>
+          </a:prstGeom>
+        </p:spPr>
+        <p:style>
+          <a:lnRef idx="2">
+            <a:schemeClr val="accent4"/>
+          </a:lnRef>
+          <a:fillRef idx="1">
+            <a:schemeClr val="lt1"/>
+          </a:fillRef>
+          <a:effectRef idx="0">
+            <a:schemeClr val="accent4"/>
+          </a:effectRef>
+          <a:fontRef idx="minor">
+            <a:schemeClr val="dk1"/>
+          </a:fontRef>
+        </p:style>
+        <p:txBody>
+          <a:bodyPr wrap="square" rtlCol="0">
+            <a:spAutoFit/>
+          </a:bodyPr>
+          <a:lstStyle/>
+          <a:p>
+            <a:r>
+              <a:rPr lang="es-ES" sz="2400" b="1" dirty="0">
+                <a:solidFill>
+                  <a:srgbClr val="C00000"/>
+                </a:solidFill>
+              </a:rPr>
+              <a:t>0</a:t>
+            </a:r>
+          </a:p>
+        </p:txBody>
+      </p:sp>
+      <p:sp>
+        <p:nvSpPr>
+          <p:cNvPr id="84" name="CuadroTexto 83">
+            <a:extLst>
+              <a:ext uri="{FF2B5EF4-FFF2-40B4-BE49-F238E27FC236}">
+                <a16:creationId xmlns:a16="http://schemas.microsoft.com/office/drawing/2014/main" id="{59B3B4DA-31F3-4E7D-B6E3-BCB79D16BA6F}"/>
+              </a:ext>
+            </a:extLst>
+          </p:cNvPr>
+          <p:cNvSpPr txBox="1"/>
+          <p:nvPr/>
+        </p:nvSpPr>
+        <p:spPr>
+          <a:xfrm>
+            <a:off x="2991380" y="4909575"/>
+            <a:ext cx="357452" cy="461665"/>
+          </a:xfrm>
+          <a:prstGeom prst="rect">
+            <a:avLst/>
+          </a:prstGeom>
+        </p:spPr>
+        <p:style>
+          <a:lnRef idx="2">
+            <a:schemeClr val="accent4"/>
+          </a:lnRef>
+          <a:fillRef idx="1">
+            <a:schemeClr val="lt1"/>
+          </a:fillRef>
+          <a:effectRef idx="0">
+            <a:schemeClr val="accent4"/>
+          </a:effectRef>
+          <a:fontRef idx="minor">
+            <a:schemeClr val="dk1"/>
+          </a:fontRef>
+        </p:style>
+        <p:txBody>
+          <a:bodyPr wrap="square" rtlCol="0">
+            <a:spAutoFit/>
+          </a:bodyPr>
+          <a:lstStyle/>
+          <a:p>
+            <a:pPr algn="ctr"/>
+            <a:r>
+              <a:rPr lang="es-ES" sz="2400" b="1" dirty="0">
+                <a:solidFill>
+                  <a:srgbClr val="C00000"/>
+                </a:solidFill>
+              </a:rPr>
+              <a:t>1</a:t>
+            </a:r>
+          </a:p>
+        </p:txBody>
+      </p:sp>
+      <p:sp>
+        <p:nvSpPr>
+          <p:cNvPr id="90" name="CuadroTexto 89">
+            <a:extLst>
+              <a:ext uri="{FF2B5EF4-FFF2-40B4-BE49-F238E27FC236}">
+                <a16:creationId xmlns:a16="http://schemas.microsoft.com/office/drawing/2014/main" id="{6E678AA8-18B1-4DE5-BC36-66348F768D44}"/>
+              </a:ext>
+            </a:extLst>
+          </p:cNvPr>
+          <p:cNvSpPr txBox="1"/>
+          <p:nvPr/>
+        </p:nvSpPr>
+        <p:spPr>
+          <a:xfrm>
+            <a:off x="4543030" y="2831144"/>
+            <a:ext cx="357452" cy="461665"/>
+          </a:xfrm>
+          <a:prstGeom prst="rect">
+            <a:avLst/>
+          </a:prstGeom>
+          <a:noFill/>
+        </p:spPr>
+        <p:txBody>
+          <a:bodyPr wrap="square" rtlCol="0">
+            <a:spAutoFit/>
+          </a:bodyPr>
+          <a:lstStyle/>
+          <a:p>
+            <a:r>
+              <a:rPr lang="es-ES" sz="2400" b="1" dirty="0">
+                <a:solidFill>
+                  <a:schemeClr val="bg1"/>
+                </a:solidFill>
+              </a:rPr>
+              <a:t>0</a:t>
+            </a:r>
+          </a:p>
+        </p:txBody>
+      </p:sp>
+      <p:sp>
+        <p:nvSpPr>
+          <p:cNvPr id="91" name="CuadroTexto 90">
+            <a:extLst>
+              <a:ext uri="{FF2B5EF4-FFF2-40B4-BE49-F238E27FC236}">
+                <a16:creationId xmlns:a16="http://schemas.microsoft.com/office/drawing/2014/main" id="{7B127DB1-29A0-430E-8A1C-EEE0BD149142}"/>
+              </a:ext>
+            </a:extLst>
+          </p:cNvPr>
+          <p:cNvSpPr txBox="1"/>
+          <p:nvPr/>
+        </p:nvSpPr>
+        <p:spPr>
+          <a:xfrm>
+            <a:off x="5284842" y="3518482"/>
+            <a:ext cx="357452" cy="461665"/>
+          </a:xfrm>
+          <a:prstGeom prst="rect">
+            <a:avLst/>
+          </a:prstGeom>
+          <a:noFill/>
+        </p:spPr>
+        <p:txBody>
+          <a:bodyPr wrap="square" rtlCol="0">
+            <a:spAutoFit/>
+          </a:bodyPr>
+          <a:lstStyle/>
+          <a:p>
+            <a:r>
+              <a:rPr lang="es-ES" sz="2400" b="1" dirty="0">
+                <a:solidFill>
+                  <a:schemeClr val="bg1"/>
+                </a:solidFill>
+              </a:rPr>
+              <a:t>0</a:t>
+            </a:r>
+          </a:p>
+        </p:txBody>
+      </p:sp>
+      <p:sp>
+        <p:nvSpPr>
+          <p:cNvPr id="92" name="CuadroTexto 91">
+            <a:extLst>
+              <a:ext uri="{FF2B5EF4-FFF2-40B4-BE49-F238E27FC236}">
+                <a16:creationId xmlns:a16="http://schemas.microsoft.com/office/drawing/2014/main" id="{3D1273EC-7F76-4F75-A9F0-20E3907DB775}"/>
+              </a:ext>
+            </a:extLst>
+          </p:cNvPr>
+          <p:cNvSpPr txBox="1"/>
+          <p:nvPr/>
+        </p:nvSpPr>
+        <p:spPr>
+          <a:xfrm>
+            <a:off x="6027856" y="4251634"/>
+            <a:ext cx="357452" cy="461665"/>
+          </a:xfrm>
+          <a:prstGeom prst="rect">
+            <a:avLst/>
+          </a:prstGeom>
+          <a:noFill/>
+        </p:spPr>
+        <p:txBody>
+          <a:bodyPr wrap="square" rtlCol="0">
+            <a:spAutoFit/>
+          </a:bodyPr>
+          <a:lstStyle/>
+          <a:p>
+            <a:r>
+              <a:rPr lang="es-ES" sz="2400" b="1" dirty="0">
+                <a:solidFill>
+                  <a:schemeClr val="bg1"/>
+                </a:solidFill>
+              </a:rPr>
+              <a:t>0</a:t>
+            </a:r>
+          </a:p>
+        </p:txBody>
+      </p:sp>
+      <p:sp>
+        <p:nvSpPr>
+          <p:cNvPr id="93" name="CuadroTexto 92">
+            <a:extLst>
+              <a:ext uri="{FF2B5EF4-FFF2-40B4-BE49-F238E27FC236}">
+                <a16:creationId xmlns:a16="http://schemas.microsoft.com/office/drawing/2014/main" id="{3B65A095-1A82-4F6A-BF8A-B8DE69A1F072}"/>
+              </a:ext>
+            </a:extLst>
+          </p:cNvPr>
+          <p:cNvSpPr txBox="1"/>
+          <p:nvPr/>
+        </p:nvSpPr>
+        <p:spPr>
+          <a:xfrm>
+            <a:off x="6763351" y="4904101"/>
+            <a:ext cx="357452" cy="461665"/>
+          </a:xfrm>
+          <a:prstGeom prst="rect">
+            <a:avLst/>
+          </a:prstGeom>
+          <a:noFill/>
+        </p:spPr>
+        <p:txBody>
+          <a:bodyPr wrap="square" rtlCol="0">
+            <a:spAutoFit/>
+          </a:bodyPr>
+          <a:lstStyle/>
+          <a:p>
+            <a:r>
+              <a:rPr lang="es-ES" sz="2400" b="1" dirty="0">
+                <a:solidFill>
+                  <a:schemeClr val="bg1"/>
+                </a:solidFill>
+              </a:rPr>
+              <a:t>0</a:t>
+            </a:r>
+          </a:p>
+        </p:txBody>
+      </p:sp>
+      <p:sp>
+        <p:nvSpPr>
+          <p:cNvPr id="94" name="CuadroTexto 93">
+            <a:extLst>
+              <a:ext uri="{FF2B5EF4-FFF2-40B4-BE49-F238E27FC236}">
+                <a16:creationId xmlns:a16="http://schemas.microsoft.com/office/drawing/2014/main" id="{D5870797-081D-452D-A8CE-058FD9C1795F}"/>
+              </a:ext>
+            </a:extLst>
+          </p:cNvPr>
+          <p:cNvSpPr txBox="1"/>
+          <p:nvPr/>
+        </p:nvSpPr>
+        <p:spPr>
+          <a:xfrm>
+            <a:off x="4536713" y="2857226"/>
+            <a:ext cx="357452" cy="461665"/>
+          </a:xfrm>
+          <a:prstGeom prst="rect">
+            <a:avLst/>
+          </a:prstGeom>
+        </p:spPr>
+        <p:style>
+          <a:lnRef idx="2">
+            <a:schemeClr val="accent4"/>
+          </a:lnRef>
+          <a:fillRef idx="1">
+            <a:schemeClr val="lt1"/>
+          </a:fillRef>
+          <a:effectRef idx="0">
+            <a:schemeClr val="accent4"/>
+          </a:effectRef>
+          <a:fontRef idx="minor">
+            <a:schemeClr val="dk1"/>
+          </a:fontRef>
+        </p:style>
+        <p:txBody>
+          <a:bodyPr wrap="square" rtlCol="0">
+            <a:spAutoFit/>
+          </a:bodyPr>
+          <a:lstStyle/>
+          <a:p>
+            <a:r>
+              <a:rPr lang="es-ES" sz="2400" b="1" dirty="0">
+                <a:solidFill>
+                  <a:srgbClr val="C00000"/>
+                </a:solidFill>
+              </a:rPr>
+              <a:t>0</a:t>
+            </a:r>
+          </a:p>
+        </p:txBody>
+      </p:sp>
+      <p:sp>
+        <p:nvSpPr>
+          <p:cNvPr id="95" name="CuadroTexto 94">
+            <a:extLst>
+              <a:ext uri="{FF2B5EF4-FFF2-40B4-BE49-F238E27FC236}">
+                <a16:creationId xmlns:a16="http://schemas.microsoft.com/office/drawing/2014/main" id="{22EFED9D-4D32-423F-9CE1-8706FBFFE0E4}"/>
+              </a:ext>
+            </a:extLst>
+          </p:cNvPr>
+          <p:cNvSpPr txBox="1"/>
+          <p:nvPr/>
+        </p:nvSpPr>
+        <p:spPr>
+          <a:xfrm>
+            <a:off x="4548744" y="3521151"/>
+            <a:ext cx="357452" cy="461665"/>
+          </a:xfrm>
+          <a:prstGeom prst="rect">
+            <a:avLst/>
+          </a:prstGeom>
+        </p:spPr>
+        <p:style>
+          <a:lnRef idx="2">
+            <a:schemeClr val="accent4"/>
+          </a:lnRef>
+          <a:fillRef idx="1">
+            <a:schemeClr val="lt1"/>
+          </a:fillRef>
+          <a:effectRef idx="0">
+            <a:schemeClr val="accent4"/>
+          </a:effectRef>
+          <a:fontRef idx="minor">
+            <a:schemeClr val="dk1"/>
+          </a:fontRef>
+        </p:style>
+        <p:txBody>
+          <a:bodyPr wrap="square" rtlCol="0">
+            <a:spAutoFit/>
+          </a:bodyPr>
+          <a:lstStyle/>
+          <a:p>
+            <a:r>
+              <a:rPr lang="es-ES" sz="2400" b="1" dirty="0">
+                <a:solidFill>
+                  <a:srgbClr val="C00000"/>
+                </a:solidFill>
+              </a:rPr>
+              <a:t>1</a:t>
+            </a:r>
+          </a:p>
+        </p:txBody>
+      </p:sp>
+      <p:sp>
+        <p:nvSpPr>
+          <p:cNvPr id="96" name="CuadroTexto 95">
+            <a:extLst>
+              <a:ext uri="{FF2B5EF4-FFF2-40B4-BE49-F238E27FC236}">
+                <a16:creationId xmlns:a16="http://schemas.microsoft.com/office/drawing/2014/main" id="{A8D8EB09-26BE-4D58-BF82-7D089A359707}"/>
+              </a:ext>
+            </a:extLst>
+          </p:cNvPr>
+          <p:cNvSpPr txBox="1"/>
+          <p:nvPr/>
+        </p:nvSpPr>
+        <p:spPr>
+          <a:xfrm>
+            <a:off x="4543612" y="4191119"/>
+            <a:ext cx="357452" cy="461665"/>
+          </a:xfrm>
+          <a:prstGeom prst="rect">
+            <a:avLst/>
+          </a:prstGeom>
+        </p:spPr>
+        <p:style>
+          <a:lnRef idx="2">
+            <a:schemeClr val="accent4"/>
+          </a:lnRef>
+          <a:fillRef idx="1">
+            <a:schemeClr val="lt1"/>
+          </a:fillRef>
+          <a:effectRef idx="0">
+            <a:schemeClr val="accent4"/>
+          </a:effectRef>
+          <a:fontRef idx="minor">
+            <a:schemeClr val="dk1"/>
+          </a:fontRef>
+        </p:style>
+        <p:txBody>
+          <a:bodyPr wrap="square" rtlCol="0">
+            <a:spAutoFit/>
+          </a:bodyPr>
+          <a:lstStyle/>
+          <a:p>
+            <a:r>
+              <a:rPr lang="es-ES" sz="2400" b="1" dirty="0">
+                <a:solidFill>
+                  <a:srgbClr val="C00000"/>
+                </a:solidFill>
+              </a:rPr>
+              <a:t>0</a:t>
+            </a:r>
+          </a:p>
+        </p:txBody>
+      </p:sp>
+      <p:sp>
+        <p:nvSpPr>
+          <p:cNvPr id="97" name="CuadroTexto 96">
+            <a:extLst>
+              <a:ext uri="{FF2B5EF4-FFF2-40B4-BE49-F238E27FC236}">
+                <a16:creationId xmlns:a16="http://schemas.microsoft.com/office/drawing/2014/main" id="{0AF4688A-A525-4DA6-AB94-C09B5BA4590C}"/>
+              </a:ext>
+            </a:extLst>
+          </p:cNvPr>
+          <p:cNvSpPr txBox="1"/>
+          <p:nvPr/>
+        </p:nvSpPr>
+        <p:spPr>
+          <a:xfrm>
+            <a:off x="4556866" y="4906278"/>
+            <a:ext cx="357452" cy="461665"/>
+          </a:xfrm>
+          <a:prstGeom prst="rect">
+            <a:avLst/>
+          </a:prstGeom>
+        </p:spPr>
+        <p:style>
+          <a:lnRef idx="2">
+            <a:schemeClr val="accent4"/>
+          </a:lnRef>
+          <a:fillRef idx="1">
+            <a:schemeClr val="lt1"/>
+          </a:fillRef>
+          <a:effectRef idx="0">
+            <a:schemeClr val="accent4"/>
+          </a:effectRef>
+          <a:fontRef idx="minor">
+            <a:schemeClr val="dk1"/>
+          </a:fontRef>
+        </p:style>
+        <p:txBody>
+          <a:bodyPr wrap="square" rtlCol="0">
+            <a:spAutoFit/>
+          </a:bodyPr>
+          <a:lstStyle/>
+          <a:p>
+            <a:r>
+              <a:rPr lang="es-ES" sz="2400" b="1" dirty="0">
+                <a:solidFill>
+                  <a:srgbClr val="C00000"/>
+                </a:solidFill>
+              </a:rPr>
+              <a:t>1</a:t>
+            </a:r>
+          </a:p>
+        </p:txBody>
+      </p:sp>
+    </p:spTree>
+    <p:extLst>
+      <p:ext uri="{BB962C8B-B14F-4D97-AF65-F5344CB8AC3E}">
+        <p14:creationId xmlns:p14="http://schemas.microsoft.com/office/powerpoint/2010/main" val="2797038060"/>
+      </p:ext>
+    </p:extLst>
+  </p:cSld>
+  <p:clrMapOvr>
+    <a:masterClrMapping/>
+  </p:clrMapOvr>
+  <p:timing>
+    <p:tnLst>
+      <p:par>
+        <p:cTn id="1" dur="indefinite" restart="never" nodeType="tmRoot">
+          <p:childTnLst>
+            <p:seq concurrent="1" nextAc="seek">
+              <p:cTn id="2" dur="indefinite" nodeType="mainSeq">
+                <p:childTnLst>
+                  <p:par>
+                    <p:cTn id="3" fill="hold">
+                      <p:stCondLst>
+                        <p:cond delay="indefinite"/>
+                      </p:stCondLst>
+                      <p:childTnLst>
+                        <p:par>
+                          <p:cTn id="4" fill="hold">
+                            <p:stCondLst>
+                              <p:cond delay="0"/>
+                            </p:stCondLst>
+                            <p:childTnLst>
+                              <p:par>
+                                <p:cTn id="5" presetID="47" presetClass="entr" presetSubtype="0" fill="hold" grpId="0" nodeType="clickEffect">
+                                  <p:stCondLst>
+                                    <p:cond delay="0"/>
+                                  </p:stCondLst>
+                                  <p:childTnLst>
+                                    <p:set>
+                                      <p:cBhvr>
+                                        <p:cTn id="6" dur="1" fill="hold">
+                                          <p:stCondLst>
+                                            <p:cond delay="0"/>
+                                          </p:stCondLst>
+                                        </p:cTn>
+                                        <p:tgtEl>
+                                          <p:spTgt spid="53"/>
+                                        </p:tgtEl>
+                                        <p:attrNameLst>
+                                          <p:attrName>style.visibility</p:attrName>
+                                        </p:attrNameLst>
+                                      </p:cBhvr>
+                                      <p:to>
+                                        <p:strVal val="visible"/>
+                                      </p:to>
+                                    </p:set>
+                                    <p:animEffect transition="in" filter="fade">
+                                      <p:cBhvr>
+                                        <p:cTn id="7" dur="500"/>
+                                        <p:tgtEl>
+                                          <p:spTgt spid="53"/>
+                                        </p:tgtEl>
+                                      </p:cBhvr>
+                                    </p:animEffect>
+                                    <p:anim calcmode="lin" valueType="num">
+                                      <p:cBhvr>
+                                        <p:cTn id="8" dur="500" fill="hold"/>
+                                        <p:tgtEl>
+                                          <p:spTgt spid="53"/>
+                                        </p:tgtEl>
+                                        <p:attrNameLst>
+                                          <p:attrName>ppt_x</p:attrName>
+                                        </p:attrNameLst>
+                                      </p:cBhvr>
+                                      <p:tavLst>
+                                        <p:tav tm="0">
+                                          <p:val>
+                                            <p:strVal val="#ppt_x"/>
+                                          </p:val>
+                                        </p:tav>
+                                        <p:tav tm="100000">
+                                          <p:val>
+                                            <p:strVal val="#ppt_x"/>
+                                          </p:val>
+                                        </p:tav>
+                                      </p:tavLst>
+                                    </p:anim>
+                                    <p:anim calcmode="lin" valueType="num">
+                                      <p:cBhvr>
+                                        <p:cTn id="9" dur="500" fill="hold"/>
+                                        <p:tgtEl>
+                                          <p:spTgt spid="53"/>
+                                        </p:tgtEl>
+                                        <p:attrNameLst>
+                                          <p:attrName>ppt_y</p:attrName>
+                                        </p:attrNameLst>
+                                      </p:cBhvr>
+                                      <p:tavLst>
+                                        <p:tav tm="0">
+                                          <p:val>
+                                            <p:strVal val="#ppt_y-.1"/>
+                                          </p:val>
+                                        </p:tav>
+                                        <p:tav tm="100000">
+                                          <p:val>
+                                            <p:strVal val="#ppt_y"/>
+                                          </p:val>
+                                        </p:tav>
+                                      </p:tavLst>
+                                    </p:anim>
+                                  </p:childTnLst>
+                                </p:cTn>
+                              </p:par>
+                              <p:par>
+                                <p:cTn id="10" presetID="47" presetClass="entr" presetSubtype="0" fill="hold" grpId="0" nodeType="withEffect">
+                                  <p:stCondLst>
+                                    <p:cond delay="0"/>
+                                  </p:stCondLst>
+                                  <p:childTnLst>
+                                    <p:set>
+                                      <p:cBhvr>
+                                        <p:cTn id="11" dur="1" fill="hold">
+                                          <p:stCondLst>
+                                            <p:cond delay="0"/>
+                                          </p:stCondLst>
+                                        </p:cTn>
+                                        <p:tgtEl>
+                                          <p:spTgt spid="54"/>
+                                        </p:tgtEl>
+                                        <p:attrNameLst>
+                                          <p:attrName>style.visibility</p:attrName>
+                                        </p:attrNameLst>
+                                      </p:cBhvr>
+                                      <p:to>
+                                        <p:strVal val="visible"/>
+                                      </p:to>
+                                    </p:set>
+                                    <p:animEffect transition="in" filter="fade">
+                                      <p:cBhvr>
+                                        <p:cTn id="12" dur="500"/>
+                                        <p:tgtEl>
+                                          <p:spTgt spid="54"/>
+                                        </p:tgtEl>
+                                      </p:cBhvr>
+                                    </p:animEffect>
+                                    <p:anim calcmode="lin" valueType="num">
+                                      <p:cBhvr>
+                                        <p:cTn id="13" dur="500" fill="hold"/>
+                                        <p:tgtEl>
+                                          <p:spTgt spid="54"/>
+                                        </p:tgtEl>
+                                        <p:attrNameLst>
+                                          <p:attrName>ppt_x</p:attrName>
+                                        </p:attrNameLst>
+                                      </p:cBhvr>
+                                      <p:tavLst>
+                                        <p:tav tm="0">
+                                          <p:val>
+                                            <p:strVal val="#ppt_x"/>
+                                          </p:val>
+                                        </p:tav>
+                                        <p:tav tm="100000">
+                                          <p:val>
+                                            <p:strVal val="#ppt_x"/>
+                                          </p:val>
+                                        </p:tav>
+                                      </p:tavLst>
+                                    </p:anim>
+                                    <p:anim calcmode="lin" valueType="num">
+                                      <p:cBhvr>
+                                        <p:cTn id="14" dur="500" fill="hold"/>
+                                        <p:tgtEl>
+                                          <p:spTgt spid="54"/>
+                                        </p:tgtEl>
+                                        <p:attrNameLst>
+                                          <p:attrName>ppt_y</p:attrName>
+                                        </p:attrNameLst>
+                                      </p:cBhvr>
+                                      <p:tavLst>
+                                        <p:tav tm="0">
+                                          <p:val>
+                                            <p:strVal val="#ppt_y-.1"/>
+                                          </p:val>
+                                        </p:tav>
+                                        <p:tav tm="100000">
+                                          <p:val>
+                                            <p:strVal val="#ppt_y"/>
+                                          </p:val>
+                                        </p:tav>
+                                      </p:tavLst>
+                                    </p:anim>
+                                  </p:childTnLst>
+                                </p:cTn>
+                              </p:par>
+                              <p:par>
+                                <p:cTn id="15" presetID="47" presetClass="entr" presetSubtype="0" fill="hold" grpId="0" nodeType="withEffect">
+                                  <p:stCondLst>
+                                    <p:cond delay="0"/>
+                                  </p:stCondLst>
+                                  <p:childTnLst>
+                                    <p:set>
+                                      <p:cBhvr>
+                                        <p:cTn id="16" dur="1" fill="hold">
+                                          <p:stCondLst>
+                                            <p:cond delay="0"/>
+                                          </p:stCondLst>
+                                        </p:cTn>
+                                        <p:tgtEl>
+                                          <p:spTgt spid="55"/>
+                                        </p:tgtEl>
+                                        <p:attrNameLst>
+                                          <p:attrName>style.visibility</p:attrName>
+                                        </p:attrNameLst>
+                                      </p:cBhvr>
+                                      <p:to>
+                                        <p:strVal val="visible"/>
+                                      </p:to>
+                                    </p:set>
+                                    <p:animEffect transition="in" filter="fade">
+                                      <p:cBhvr>
+                                        <p:cTn id="17" dur="500"/>
+                                        <p:tgtEl>
+                                          <p:spTgt spid="55"/>
+                                        </p:tgtEl>
+                                      </p:cBhvr>
+                                    </p:animEffect>
+                                    <p:anim calcmode="lin" valueType="num">
+                                      <p:cBhvr>
+                                        <p:cTn id="18" dur="500" fill="hold"/>
+                                        <p:tgtEl>
+                                          <p:spTgt spid="55"/>
+                                        </p:tgtEl>
+                                        <p:attrNameLst>
+                                          <p:attrName>ppt_x</p:attrName>
+                                        </p:attrNameLst>
+                                      </p:cBhvr>
+                                      <p:tavLst>
+                                        <p:tav tm="0">
+                                          <p:val>
+                                            <p:strVal val="#ppt_x"/>
+                                          </p:val>
+                                        </p:tav>
+                                        <p:tav tm="100000">
+                                          <p:val>
+                                            <p:strVal val="#ppt_x"/>
+                                          </p:val>
+                                        </p:tav>
+                                      </p:tavLst>
+                                    </p:anim>
+                                    <p:anim calcmode="lin" valueType="num">
+                                      <p:cBhvr>
+                                        <p:cTn id="19" dur="500" fill="hold"/>
+                                        <p:tgtEl>
+                                          <p:spTgt spid="55"/>
+                                        </p:tgtEl>
+                                        <p:attrNameLst>
+                                          <p:attrName>ppt_y</p:attrName>
+                                        </p:attrNameLst>
+                                      </p:cBhvr>
+                                      <p:tavLst>
+                                        <p:tav tm="0">
+                                          <p:val>
+                                            <p:strVal val="#ppt_y-.1"/>
+                                          </p:val>
+                                        </p:tav>
+                                        <p:tav tm="100000">
+                                          <p:val>
+                                            <p:strVal val="#ppt_y"/>
+                                          </p:val>
+                                        </p:tav>
+                                      </p:tavLst>
+                                    </p:anim>
+                                  </p:childTnLst>
+                                </p:cTn>
+                              </p:par>
+                              <p:par>
+                                <p:cTn id="20" presetID="47" presetClass="entr" presetSubtype="0" fill="hold" grpId="0" nodeType="withEffect">
+                                  <p:stCondLst>
+                                    <p:cond delay="0"/>
+                                  </p:stCondLst>
+                                  <p:childTnLst>
+                                    <p:set>
+                                      <p:cBhvr>
+                                        <p:cTn id="21" dur="1" fill="hold">
+                                          <p:stCondLst>
+                                            <p:cond delay="0"/>
+                                          </p:stCondLst>
+                                        </p:cTn>
+                                        <p:tgtEl>
+                                          <p:spTgt spid="56"/>
+                                        </p:tgtEl>
+                                        <p:attrNameLst>
+                                          <p:attrName>style.visibility</p:attrName>
+                                        </p:attrNameLst>
+                                      </p:cBhvr>
+                                      <p:to>
+                                        <p:strVal val="visible"/>
+                                      </p:to>
+                                    </p:set>
+                                    <p:animEffect transition="in" filter="fade">
+                                      <p:cBhvr>
+                                        <p:cTn id="22" dur="500"/>
+                                        <p:tgtEl>
+                                          <p:spTgt spid="56"/>
+                                        </p:tgtEl>
+                                      </p:cBhvr>
+                                    </p:animEffect>
+                                    <p:anim calcmode="lin" valueType="num">
+                                      <p:cBhvr>
+                                        <p:cTn id="23" dur="500" fill="hold"/>
+                                        <p:tgtEl>
+                                          <p:spTgt spid="56"/>
+                                        </p:tgtEl>
+                                        <p:attrNameLst>
+                                          <p:attrName>ppt_x</p:attrName>
+                                        </p:attrNameLst>
+                                      </p:cBhvr>
+                                      <p:tavLst>
+                                        <p:tav tm="0">
+                                          <p:val>
+                                            <p:strVal val="#ppt_x"/>
+                                          </p:val>
+                                        </p:tav>
+                                        <p:tav tm="100000">
+                                          <p:val>
+                                            <p:strVal val="#ppt_x"/>
+                                          </p:val>
+                                        </p:tav>
+                                      </p:tavLst>
+                                    </p:anim>
+                                    <p:anim calcmode="lin" valueType="num">
+                                      <p:cBhvr>
+                                        <p:cTn id="24" dur="500" fill="hold"/>
+                                        <p:tgtEl>
+                                          <p:spTgt spid="56"/>
+                                        </p:tgtEl>
+                                        <p:attrNameLst>
+                                          <p:attrName>ppt_y</p:attrName>
+                                        </p:attrNameLst>
+                                      </p:cBhvr>
+                                      <p:tavLst>
+                                        <p:tav tm="0">
+                                          <p:val>
+                                            <p:strVal val="#ppt_y-.1"/>
+                                          </p:val>
+                                        </p:tav>
+                                        <p:tav tm="100000">
+                                          <p:val>
+                                            <p:strVal val="#ppt_y"/>
+                                          </p:val>
+                                        </p:tav>
+                                      </p:tavLst>
+                                    </p:anim>
+                                  </p:childTnLst>
+                                </p:cTn>
+                              </p:par>
+                              <p:par>
+                                <p:cTn id="25" presetID="47" presetClass="entr" presetSubtype="0" fill="hold" grpId="0" nodeType="withEffect">
+                                  <p:stCondLst>
+                                    <p:cond delay="0"/>
+                                  </p:stCondLst>
+                                  <p:childTnLst>
+                                    <p:set>
+                                      <p:cBhvr>
+                                        <p:cTn id="26" dur="1" fill="hold">
+                                          <p:stCondLst>
+                                            <p:cond delay="0"/>
+                                          </p:stCondLst>
+                                        </p:cTn>
+                                        <p:tgtEl>
+                                          <p:spTgt spid="65"/>
+                                        </p:tgtEl>
+                                        <p:attrNameLst>
+                                          <p:attrName>style.visibility</p:attrName>
+                                        </p:attrNameLst>
+                                      </p:cBhvr>
+                                      <p:to>
+                                        <p:strVal val="visible"/>
+                                      </p:to>
+                                    </p:set>
+                                    <p:animEffect transition="in" filter="fade">
+                                      <p:cBhvr>
+                                        <p:cTn id="27" dur="500"/>
+                                        <p:tgtEl>
+                                          <p:spTgt spid="65"/>
+                                        </p:tgtEl>
+                                      </p:cBhvr>
+                                    </p:animEffect>
+                                    <p:anim calcmode="lin" valueType="num">
+                                      <p:cBhvr>
+                                        <p:cTn id="28" dur="500" fill="hold"/>
+                                        <p:tgtEl>
+                                          <p:spTgt spid="65"/>
+                                        </p:tgtEl>
+                                        <p:attrNameLst>
+                                          <p:attrName>ppt_x</p:attrName>
+                                        </p:attrNameLst>
+                                      </p:cBhvr>
+                                      <p:tavLst>
+                                        <p:tav tm="0">
+                                          <p:val>
+                                            <p:strVal val="#ppt_x"/>
+                                          </p:val>
+                                        </p:tav>
+                                        <p:tav tm="100000">
+                                          <p:val>
+                                            <p:strVal val="#ppt_x"/>
+                                          </p:val>
+                                        </p:tav>
+                                      </p:tavLst>
+                                    </p:anim>
+                                    <p:anim calcmode="lin" valueType="num">
+                                      <p:cBhvr>
+                                        <p:cTn id="29" dur="500" fill="hold"/>
+                                        <p:tgtEl>
+                                          <p:spTgt spid="65"/>
+                                        </p:tgtEl>
+                                        <p:attrNameLst>
+                                          <p:attrName>ppt_y</p:attrName>
+                                        </p:attrNameLst>
+                                      </p:cBhvr>
+                                      <p:tavLst>
+                                        <p:tav tm="0">
+                                          <p:val>
+                                            <p:strVal val="#ppt_y-.1"/>
+                                          </p:val>
+                                        </p:tav>
+                                        <p:tav tm="100000">
+                                          <p:val>
+                                            <p:strVal val="#ppt_y"/>
+                                          </p:val>
+                                        </p:tav>
+                                      </p:tavLst>
+                                    </p:anim>
+                                  </p:childTnLst>
+                                </p:cTn>
+                              </p:par>
+                              <p:par>
+                                <p:cTn id="30" presetID="47" presetClass="entr" presetSubtype="0" fill="hold" nodeType="withEffect">
+                                  <p:stCondLst>
+                                    <p:cond delay="0"/>
+                                  </p:stCondLst>
+                                  <p:childTnLst>
+                                    <p:set>
+                                      <p:cBhvr>
+                                        <p:cTn id="31" dur="1" fill="hold">
+                                          <p:stCondLst>
+                                            <p:cond delay="0"/>
+                                          </p:stCondLst>
+                                        </p:cTn>
+                                        <p:tgtEl>
+                                          <p:spTgt spid="66"/>
+                                        </p:tgtEl>
+                                        <p:attrNameLst>
+                                          <p:attrName>style.visibility</p:attrName>
+                                        </p:attrNameLst>
+                                      </p:cBhvr>
+                                      <p:to>
+                                        <p:strVal val="visible"/>
+                                      </p:to>
+                                    </p:set>
+                                    <p:animEffect transition="in" filter="fade">
+                                      <p:cBhvr>
+                                        <p:cTn id="32" dur="500"/>
+                                        <p:tgtEl>
+                                          <p:spTgt spid="66"/>
+                                        </p:tgtEl>
+                                      </p:cBhvr>
+                                    </p:animEffect>
+                                    <p:anim calcmode="lin" valueType="num">
+                                      <p:cBhvr>
+                                        <p:cTn id="33" dur="500" fill="hold"/>
+                                        <p:tgtEl>
+                                          <p:spTgt spid="66"/>
+                                        </p:tgtEl>
+                                        <p:attrNameLst>
+                                          <p:attrName>ppt_x</p:attrName>
+                                        </p:attrNameLst>
+                                      </p:cBhvr>
+                                      <p:tavLst>
+                                        <p:tav tm="0">
+                                          <p:val>
+                                            <p:strVal val="#ppt_x"/>
+                                          </p:val>
+                                        </p:tav>
+                                        <p:tav tm="100000">
+                                          <p:val>
+                                            <p:strVal val="#ppt_x"/>
+                                          </p:val>
+                                        </p:tav>
+                                      </p:tavLst>
+                                    </p:anim>
+                                    <p:anim calcmode="lin" valueType="num">
+                                      <p:cBhvr>
+                                        <p:cTn id="34" dur="500" fill="hold"/>
+                                        <p:tgtEl>
+                                          <p:spTgt spid="66"/>
+                                        </p:tgtEl>
+                                        <p:attrNameLst>
+                                          <p:attrName>ppt_y</p:attrName>
+                                        </p:attrNameLst>
+                                      </p:cBhvr>
+                                      <p:tavLst>
+                                        <p:tav tm="0">
+                                          <p:val>
+                                            <p:strVal val="#ppt_y-.1"/>
+                                          </p:val>
+                                        </p:tav>
+                                        <p:tav tm="100000">
+                                          <p:val>
+                                            <p:strVal val="#ppt_y"/>
+                                          </p:val>
+                                        </p:tav>
+                                      </p:tavLst>
+                                    </p:anim>
+                                  </p:childTnLst>
+                                </p:cTn>
+                              </p:par>
+                              <p:par>
+                                <p:cTn id="35" presetID="47" presetClass="entr" presetSubtype="0" fill="hold" nodeType="withEffect">
+                                  <p:stCondLst>
+                                    <p:cond delay="0"/>
+                                  </p:stCondLst>
+                                  <p:childTnLst>
+                                    <p:set>
+                                      <p:cBhvr>
+                                        <p:cTn id="36" dur="1" fill="hold">
+                                          <p:stCondLst>
+                                            <p:cond delay="0"/>
+                                          </p:stCondLst>
+                                        </p:cTn>
+                                        <p:tgtEl>
+                                          <p:spTgt spid="67"/>
+                                        </p:tgtEl>
+                                        <p:attrNameLst>
+                                          <p:attrName>style.visibility</p:attrName>
+                                        </p:attrNameLst>
+                                      </p:cBhvr>
+                                      <p:to>
+                                        <p:strVal val="visible"/>
+                                      </p:to>
+                                    </p:set>
+                                    <p:animEffect transition="in" filter="fade">
+                                      <p:cBhvr>
+                                        <p:cTn id="37" dur="500"/>
+                                        <p:tgtEl>
+                                          <p:spTgt spid="67"/>
+                                        </p:tgtEl>
+                                      </p:cBhvr>
+                                    </p:animEffect>
+                                    <p:anim calcmode="lin" valueType="num">
+                                      <p:cBhvr>
+                                        <p:cTn id="38" dur="500" fill="hold"/>
+                                        <p:tgtEl>
+                                          <p:spTgt spid="67"/>
+                                        </p:tgtEl>
+                                        <p:attrNameLst>
+                                          <p:attrName>ppt_x</p:attrName>
+                                        </p:attrNameLst>
+                                      </p:cBhvr>
+                                      <p:tavLst>
+                                        <p:tav tm="0">
+                                          <p:val>
+                                            <p:strVal val="#ppt_x"/>
+                                          </p:val>
+                                        </p:tav>
+                                        <p:tav tm="100000">
+                                          <p:val>
+                                            <p:strVal val="#ppt_x"/>
+                                          </p:val>
+                                        </p:tav>
+                                      </p:tavLst>
+                                    </p:anim>
+                                    <p:anim calcmode="lin" valueType="num">
+                                      <p:cBhvr>
+                                        <p:cTn id="39" dur="500" fill="hold"/>
+                                        <p:tgtEl>
+                                          <p:spTgt spid="67"/>
+                                        </p:tgtEl>
+                                        <p:attrNameLst>
+                                          <p:attrName>ppt_y</p:attrName>
+                                        </p:attrNameLst>
+                                      </p:cBhvr>
+                                      <p:tavLst>
+                                        <p:tav tm="0">
+                                          <p:val>
+                                            <p:strVal val="#ppt_y-.1"/>
+                                          </p:val>
+                                        </p:tav>
+                                        <p:tav tm="100000">
+                                          <p:val>
+                                            <p:strVal val="#ppt_y"/>
+                                          </p:val>
+                                        </p:tav>
+                                      </p:tavLst>
+                                    </p:anim>
+                                  </p:childTnLst>
+                                </p:cTn>
+                              </p:par>
+                              <p:par>
+                                <p:cTn id="40" presetID="47" presetClass="entr" presetSubtype="0" fill="hold" nodeType="withEffect">
+                                  <p:stCondLst>
+                                    <p:cond delay="0"/>
+                                  </p:stCondLst>
+                                  <p:childTnLst>
+                                    <p:set>
+                                      <p:cBhvr>
+                                        <p:cTn id="41" dur="1" fill="hold">
+                                          <p:stCondLst>
+                                            <p:cond delay="0"/>
+                                          </p:stCondLst>
+                                        </p:cTn>
+                                        <p:tgtEl>
+                                          <p:spTgt spid="68"/>
+                                        </p:tgtEl>
+                                        <p:attrNameLst>
+                                          <p:attrName>style.visibility</p:attrName>
+                                        </p:attrNameLst>
+                                      </p:cBhvr>
+                                      <p:to>
+                                        <p:strVal val="visible"/>
+                                      </p:to>
+                                    </p:set>
+                                    <p:animEffect transition="in" filter="fade">
+                                      <p:cBhvr>
+                                        <p:cTn id="42" dur="500"/>
+                                        <p:tgtEl>
+                                          <p:spTgt spid="68"/>
+                                        </p:tgtEl>
+                                      </p:cBhvr>
+                                    </p:animEffect>
+                                    <p:anim calcmode="lin" valueType="num">
+                                      <p:cBhvr>
+                                        <p:cTn id="43" dur="500" fill="hold"/>
+                                        <p:tgtEl>
+                                          <p:spTgt spid="68"/>
+                                        </p:tgtEl>
+                                        <p:attrNameLst>
+                                          <p:attrName>ppt_x</p:attrName>
+                                        </p:attrNameLst>
+                                      </p:cBhvr>
+                                      <p:tavLst>
+                                        <p:tav tm="0">
+                                          <p:val>
+                                            <p:strVal val="#ppt_x"/>
+                                          </p:val>
+                                        </p:tav>
+                                        <p:tav tm="100000">
+                                          <p:val>
+                                            <p:strVal val="#ppt_x"/>
+                                          </p:val>
+                                        </p:tav>
+                                      </p:tavLst>
+                                    </p:anim>
+                                    <p:anim calcmode="lin" valueType="num">
+                                      <p:cBhvr>
+                                        <p:cTn id="44" dur="500" fill="hold"/>
+                                        <p:tgtEl>
+                                          <p:spTgt spid="68"/>
+                                        </p:tgtEl>
+                                        <p:attrNameLst>
+                                          <p:attrName>ppt_y</p:attrName>
+                                        </p:attrNameLst>
+                                      </p:cBhvr>
+                                      <p:tavLst>
+                                        <p:tav tm="0">
+                                          <p:val>
+                                            <p:strVal val="#ppt_y-.1"/>
+                                          </p:val>
+                                        </p:tav>
+                                        <p:tav tm="100000">
+                                          <p:val>
+                                            <p:strVal val="#ppt_y"/>
+                                          </p:val>
+                                        </p:tav>
+                                      </p:tavLst>
+                                    </p:anim>
+                                  </p:childTnLst>
+                                </p:cTn>
+                              </p:par>
+                              <p:par>
+                                <p:cTn id="45" presetID="47" presetClass="entr" presetSubtype="0" fill="hold" grpId="0" nodeType="withEffect">
+                                  <p:stCondLst>
+                                    <p:cond delay="0"/>
+                                  </p:stCondLst>
+                                  <p:childTnLst>
+                                    <p:set>
+                                      <p:cBhvr>
+                                        <p:cTn id="46" dur="1" fill="hold">
+                                          <p:stCondLst>
+                                            <p:cond delay="0"/>
+                                          </p:stCondLst>
+                                        </p:cTn>
+                                        <p:tgtEl>
+                                          <p:spTgt spid="69"/>
+                                        </p:tgtEl>
+                                        <p:attrNameLst>
+                                          <p:attrName>style.visibility</p:attrName>
+                                        </p:attrNameLst>
+                                      </p:cBhvr>
+                                      <p:to>
+                                        <p:strVal val="visible"/>
+                                      </p:to>
+                                    </p:set>
+                                    <p:animEffect transition="in" filter="fade">
+                                      <p:cBhvr>
+                                        <p:cTn id="47" dur="500"/>
+                                        <p:tgtEl>
+                                          <p:spTgt spid="69"/>
+                                        </p:tgtEl>
+                                      </p:cBhvr>
+                                    </p:animEffect>
+                                    <p:anim calcmode="lin" valueType="num">
+                                      <p:cBhvr>
+                                        <p:cTn id="48" dur="500" fill="hold"/>
+                                        <p:tgtEl>
+                                          <p:spTgt spid="69"/>
+                                        </p:tgtEl>
+                                        <p:attrNameLst>
+                                          <p:attrName>ppt_x</p:attrName>
+                                        </p:attrNameLst>
+                                      </p:cBhvr>
+                                      <p:tavLst>
+                                        <p:tav tm="0">
+                                          <p:val>
+                                            <p:strVal val="#ppt_x"/>
+                                          </p:val>
+                                        </p:tav>
+                                        <p:tav tm="100000">
+                                          <p:val>
+                                            <p:strVal val="#ppt_x"/>
+                                          </p:val>
+                                        </p:tav>
+                                      </p:tavLst>
+                                    </p:anim>
+                                    <p:anim calcmode="lin" valueType="num">
+                                      <p:cBhvr>
+                                        <p:cTn id="49" dur="500" fill="hold"/>
+                                        <p:tgtEl>
+                                          <p:spTgt spid="69"/>
+                                        </p:tgtEl>
+                                        <p:attrNameLst>
+                                          <p:attrName>ppt_y</p:attrName>
+                                        </p:attrNameLst>
+                                      </p:cBhvr>
+                                      <p:tavLst>
+                                        <p:tav tm="0">
+                                          <p:val>
+                                            <p:strVal val="#ppt_y-.1"/>
+                                          </p:val>
+                                        </p:tav>
+                                        <p:tav tm="100000">
+                                          <p:val>
+                                            <p:strVal val="#ppt_y"/>
+                                          </p:val>
+                                        </p:tav>
+                                      </p:tavLst>
+                                    </p:anim>
+                                  </p:childTnLst>
+                                </p:cTn>
+                              </p:par>
+                              <p:par>
+                                <p:cTn id="50" presetID="47" presetClass="entr" presetSubtype="0" fill="hold" grpId="0" nodeType="withEffect">
+                                  <p:stCondLst>
+                                    <p:cond delay="0"/>
+                                  </p:stCondLst>
+                                  <p:childTnLst>
+                                    <p:set>
+                                      <p:cBhvr>
+                                        <p:cTn id="51" dur="1" fill="hold">
+                                          <p:stCondLst>
+                                            <p:cond delay="0"/>
+                                          </p:stCondLst>
+                                        </p:cTn>
+                                        <p:tgtEl>
+                                          <p:spTgt spid="70"/>
+                                        </p:tgtEl>
+                                        <p:attrNameLst>
+                                          <p:attrName>style.visibility</p:attrName>
+                                        </p:attrNameLst>
+                                      </p:cBhvr>
+                                      <p:to>
+                                        <p:strVal val="visible"/>
+                                      </p:to>
+                                    </p:set>
+                                    <p:animEffect transition="in" filter="fade">
+                                      <p:cBhvr>
+                                        <p:cTn id="52" dur="500"/>
+                                        <p:tgtEl>
+                                          <p:spTgt spid="70"/>
+                                        </p:tgtEl>
+                                      </p:cBhvr>
+                                    </p:animEffect>
+                                    <p:anim calcmode="lin" valueType="num">
+                                      <p:cBhvr>
+                                        <p:cTn id="53" dur="500" fill="hold"/>
+                                        <p:tgtEl>
+                                          <p:spTgt spid="70"/>
+                                        </p:tgtEl>
+                                        <p:attrNameLst>
+                                          <p:attrName>ppt_x</p:attrName>
+                                        </p:attrNameLst>
+                                      </p:cBhvr>
+                                      <p:tavLst>
+                                        <p:tav tm="0">
+                                          <p:val>
+                                            <p:strVal val="#ppt_x"/>
+                                          </p:val>
+                                        </p:tav>
+                                        <p:tav tm="100000">
+                                          <p:val>
+                                            <p:strVal val="#ppt_x"/>
+                                          </p:val>
+                                        </p:tav>
+                                      </p:tavLst>
+                                    </p:anim>
+                                    <p:anim calcmode="lin" valueType="num">
+                                      <p:cBhvr>
+                                        <p:cTn id="54" dur="500" fill="hold"/>
+                                        <p:tgtEl>
+                                          <p:spTgt spid="70"/>
+                                        </p:tgtEl>
+                                        <p:attrNameLst>
+                                          <p:attrName>ppt_y</p:attrName>
+                                        </p:attrNameLst>
+                                      </p:cBhvr>
+                                      <p:tavLst>
+                                        <p:tav tm="0">
+                                          <p:val>
+                                            <p:strVal val="#ppt_y-.1"/>
+                                          </p:val>
+                                        </p:tav>
+                                        <p:tav tm="100000">
+                                          <p:val>
+                                            <p:strVal val="#ppt_y"/>
+                                          </p:val>
+                                        </p:tav>
+                                      </p:tavLst>
+                                    </p:anim>
+                                  </p:childTnLst>
+                                </p:cTn>
+                              </p:par>
+                              <p:par>
+                                <p:cTn id="55" presetID="47" presetClass="entr" presetSubtype="0" fill="hold" grpId="0" nodeType="withEffect">
+                                  <p:stCondLst>
+                                    <p:cond delay="0"/>
+                                  </p:stCondLst>
+                                  <p:childTnLst>
+                                    <p:set>
+                                      <p:cBhvr>
+                                        <p:cTn id="56" dur="1" fill="hold">
+                                          <p:stCondLst>
+                                            <p:cond delay="0"/>
+                                          </p:stCondLst>
+                                        </p:cTn>
+                                        <p:tgtEl>
+                                          <p:spTgt spid="71"/>
+                                        </p:tgtEl>
+                                        <p:attrNameLst>
+                                          <p:attrName>style.visibility</p:attrName>
+                                        </p:attrNameLst>
+                                      </p:cBhvr>
+                                      <p:to>
+                                        <p:strVal val="visible"/>
+                                      </p:to>
+                                    </p:set>
+                                    <p:animEffect transition="in" filter="fade">
+                                      <p:cBhvr>
+                                        <p:cTn id="57" dur="500"/>
+                                        <p:tgtEl>
+                                          <p:spTgt spid="71"/>
+                                        </p:tgtEl>
+                                      </p:cBhvr>
+                                    </p:animEffect>
+                                    <p:anim calcmode="lin" valueType="num">
+                                      <p:cBhvr>
+                                        <p:cTn id="58" dur="500" fill="hold"/>
+                                        <p:tgtEl>
+                                          <p:spTgt spid="71"/>
+                                        </p:tgtEl>
+                                        <p:attrNameLst>
+                                          <p:attrName>ppt_x</p:attrName>
+                                        </p:attrNameLst>
+                                      </p:cBhvr>
+                                      <p:tavLst>
+                                        <p:tav tm="0">
+                                          <p:val>
+                                            <p:strVal val="#ppt_x"/>
+                                          </p:val>
+                                        </p:tav>
+                                        <p:tav tm="100000">
+                                          <p:val>
+                                            <p:strVal val="#ppt_x"/>
+                                          </p:val>
+                                        </p:tav>
+                                      </p:tavLst>
+                                    </p:anim>
+                                    <p:anim calcmode="lin" valueType="num">
+                                      <p:cBhvr>
+                                        <p:cTn id="59" dur="500" fill="hold"/>
+                                        <p:tgtEl>
+                                          <p:spTgt spid="71"/>
+                                        </p:tgtEl>
+                                        <p:attrNameLst>
+                                          <p:attrName>ppt_y</p:attrName>
+                                        </p:attrNameLst>
+                                      </p:cBhvr>
+                                      <p:tavLst>
+                                        <p:tav tm="0">
+                                          <p:val>
+                                            <p:strVal val="#ppt_y-.1"/>
+                                          </p:val>
+                                        </p:tav>
+                                        <p:tav tm="100000">
+                                          <p:val>
+                                            <p:strVal val="#ppt_y"/>
+                                          </p:val>
+                                        </p:tav>
+                                      </p:tavLst>
+                                    </p:anim>
+                                  </p:childTnLst>
+                                </p:cTn>
+                              </p:par>
+                              <p:par>
+                                <p:cTn id="60" presetID="47" presetClass="entr" presetSubtype="0" fill="hold" grpId="0" nodeType="withEffect">
+                                  <p:stCondLst>
+                                    <p:cond delay="0"/>
+                                  </p:stCondLst>
+                                  <p:childTnLst>
+                                    <p:set>
+                                      <p:cBhvr>
+                                        <p:cTn id="61" dur="1" fill="hold">
+                                          <p:stCondLst>
+                                            <p:cond delay="0"/>
+                                          </p:stCondLst>
+                                        </p:cTn>
+                                        <p:tgtEl>
+                                          <p:spTgt spid="72"/>
+                                        </p:tgtEl>
+                                        <p:attrNameLst>
+                                          <p:attrName>style.visibility</p:attrName>
+                                        </p:attrNameLst>
+                                      </p:cBhvr>
+                                      <p:to>
+                                        <p:strVal val="visible"/>
+                                      </p:to>
+                                    </p:set>
+                                    <p:animEffect transition="in" filter="fade">
+                                      <p:cBhvr>
+                                        <p:cTn id="62" dur="500"/>
+                                        <p:tgtEl>
+                                          <p:spTgt spid="72"/>
+                                        </p:tgtEl>
+                                      </p:cBhvr>
+                                    </p:animEffect>
+                                    <p:anim calcmode="lin" valueType="num">
+                                      <p:cBhvr>
+                                        <p:cTn id="63" dur="500" fill="hold"/>
+                                        <p:tgtEl>
+                                          <p:spTgt spid="72"/>
+                                        </p:tgtEl>
+                                        <p:attrNameLst>
+                                          <p:attrName>ppt_x</p:attrName>
+                                        </p:attrNameLst>
+                                      </p:cBhvr>
+                                      <p:tavLst>
+                                        <p:tav tm="0">
+                                          <p:val>
+                                            <p:strVal val="#ppt_x"/>
+                                          </p:val>
+                                        </p:tav>
+                                        <p:tav tm="100000">
+                                          <p:val>
+                                            <p:strVal val="#ppt_x"/>
+                                          </p:val>
+                                        </p:tav>
+                                      </p:tavLst>
+                                    </p:anim>
+                                    <p:anim calcmode="lin" valueType="num">
+                                      <p:cBhvr>
+                                        <p:cTn id="64" dur="500" fill="hold"/>
+                                        <p:tgtEl>
+                                          <p:spTgt spid="72"/>
+                                        </p:tgtEl>
+                                        <p:attrNameLst>
+                                          <p:attrName>ppt_y</p:attrName>
+                                        </p:attrNameLst>
+                                      </p:cBhvr>
+                                      <p:tavLst>
+                                        <p:tav tm="0">
+                                          <p:val>
+                                            <p:strVal val="#ppt_y-.1"/>
+                                          </p:val>
+                                        </p:tav>
+                                        <p:tav tm="100000">
+                                          <p:val>
+                                            <p:strVal val="#ppt_y"/>
+                                          </p:val>
+                                        </p:tav>
+                                      </p:tavLst>
+                                    </p:anim>
+                                  </p:childTnLst>
+                                </p:cTn>
+                              </p:par>
+                              <p:par>
+                                <p:cTn id="65" presetID="47" presetClass="entr" presetSubtype="0" fill="hold" grpId="0" nodeType="withEffect">
+                                  <p:stCondLst>
+                                    <p:cond delay="0"/>
+                                  </p:stCondLst>
+                                  <p:childTnLst>
+                                    <p:set>
+                                      <p:cBhvr>
+                                        <p:cTn id="66" dur="1" fill="hold">
+                                          <p:stCondLst>
+                                            <p:cond delay="0"/>
+                                          </p:stCondLst>
+                                        </p:cTn>
+                                        <p:tgtEl>
+                                          <p:spTgt spid="73"/>
+                                        </p:tgtEl>
+                                        <p:attrNameLst>
+                                          <p:attrName>style.visibility</p:attrName>
+                                        </p:attrNameLst>
+                                      </p:cBhvr>
+                                      <p:to>
+                                        <p:strVal val="visible"/>
+                                      </p:to>
+                                    </p:set>
+                                    <p:animEffect transition="in" filter="fade">
+                                      <p:cBhvr>
+                                        <p:cTn id="67" dur="500"/>
+                                        <p:tgtEl>
+                                          <p:spTgt spid="73"/>
+                                        </p:tgtEl>
+                                      </p:cBhvr>
+                                    </p:animEffect>
+                                    <p:anim calcmode="lin" valueType="num">
+                                      <p:cBhvr>
+                                        <p:cTn id="68" dur="500" fill="hold"/>
+                                        <p:tgtEl>
+                                          <p:spTgt spid="73"/>
+                                        </p:tgtEl>
+                                        <p:attrNameLst>
+                                          <p:attrName>ppt_x</p:attrName>
+                                        </p:attrNameLst>
+                                      </p:cBhvr>
+                                      <p:tavLst>
+                                        <p:tav tm="0">
+                                          <p:val>
+                                            <p:strVal val="#ppt_x"/>
+                                          </p:val>
+                                        </p:tav>
+                                        <p:tav tm="100000">
+                                          <p:val>
+                                            <p:strVal val="#ppt_x"/>
+                                          </p:val>
+                                        </p:tav>
+                                      </p:tavLst>
+                                    </p:anim>
+                                    <p:anim calcmode="lin" valueType="num">
+                                      <p:cBhvr>
+                                        <p:cTn id="69" dur="500" fill="hold"/>
+                                        <p:tgtEl>
+                                          <p:spTgt spid="73"/>
+                                        </p:tgtEl>
+                                        <p:attrNameLst>
+                                          <p:attrName>ppt_y</p:attrName>
+                                        </p:attrNameLst>
+                                      </p:cBhvr>
+                                      <p:tavLst>
+                                        <p:tav tm="0">
+                                          <p:val>
+                                            <p:strVal val="#ppt_y-.1"/>
+                                          </p:val>
+                                        </p:tav>
+                                        <p:tav tm="100000">
+                                          <p:val>
+                                            <p:strVal val="#ppt_y"/>
+                                          </p:val>
+                                        </p:tav>
+                                      </p:tavLst>
+                                    </p:anim>
+                                  </p:childTnLst>
+                                </p:cTn>
+                              </p:par>
+                              <p:par>
+                                <p:cTn id="70" presetID="47" presetClass="entr" presetSubtype="0" fill="hold" nodeType="withEffect">
+                                  <p:stCondLst>
+                                    <p:cond delay="0"/>
+                                  </p:stCondLst>
+                                  <p:childTnLst>
+                                    <p:set>
+                                      <p:cBhvr>
+                                        <p:cTn id="71" dur="1" fill="hold">
+                                          <p:stCondLst>
+                                            <p:cond delay="0"/>
+                                          </p:stCondLst>
+                                        </p:cTn>
+                                        <p:tgtEl>
+                                          <p:spTgt spid="74"/>
+                                        </p:tgtEl>
+                                        <p:attrNameLst>
+                                          <p:attrName>style.visibility</p:attrName>
+                                        </p:attrNameLst>
+                                      </p:cBhvr>
+                                      <p:to>
+                                        <p:strVal val="visible"/>
+                                      </p:to>
+                                    </p:set>
+                                    <p:animEffect transition="in" filter="fade">
+                                      <p:cBhvr>
+                                        <p:cTn id="72" dur="500"/>
+                                        <p:tgtEl>
+                                          <p:spTgt spid="74"/>
+                                        </p:tgtEl>
+                                      </p:cBhvr>
+                                    </p:animEffect>
+                                    <p:anim calcmode="lin" valueType="num">
+                                      <p:cBhvr>
+                                        <p:cTn id="73" dur="500" fill="hold"/>
+                                        <p:tgtEl>
+                                          <p:spTgt spid="74"/>
+                                        </p:tgtEl>
+                                        <p:attrNameLst>
+                                          <p:attrName>ppt_x</p:attrName>
+                                        </p:attrNameLst>
+                                      </p:cBhvr>
+                                      <p:tavLst>
+                                        <p:tav tm="0">
+                                          <p:val>
+                                            <p:strVal val="#ppt_x"/>
+                                          </p:val>
+                                        </p:tav>
+                                        <p:tav tm="100000">
+                                          <p:val>
+                                            <p:strVal val="#ppt_x"/>
+                                          </p:val>
+                                        </p:tav>
+                                      </p:tavLst>
+                                    </p:anim>
+                                    <p:anim calcmode="lin" valueType="num">
+                                      <p:cBhvr>
+                                        <p:cTn id="74" dur="500" fill="hold"/>
+                                        <p:tgtEl>
+                                          <p:spTgt spid="74"/>
+                                        </p:tgtEl>
+                                        <p:attrNameLst>
+                                          <p:attrName>ppt_y</p:attrName>
+                                        </p:attrNameLst>
+                                      </p:cBhvr>
+                                      <p:tavLst>
+                                        <p:tav tm="0">
+                                          <p:val>
+                                            <p:strVal val="#ppt_y-.1"/>
+                                          </p:val>
+                                        </p:tav>
+                                        <p:tav tm="100000">
+                                          <p:val>
+                                            <p:strVal val="#ppt_y"/>
+                                          </p:val>
+                                        </p:tav>
+                                      </p:tavLst>
+                                    </p:anim>
+                                  </p:childTnLst>
+                                </p:cTn>
+                              </p:par>
+                              <p:par>
+                                <p:cTn id="75" presetID="47" presetClass="entr" presetSubtype="0" fill="hold" nodeType="withEffect">
+                                  <p:stCondLst>
+                                    <p:cond delay="0"/>
+                                  </p:stCondLst>
+                                  <p:childTnLst>
+                                    <p:set>
+                                      <p:cBhvr>
+                                        <p:cTn id="76" dur="1" fill="hold">
+                                          <p:stCondLst>
+                                            <p:cond delay="0"/>
+                                          </p:stCondLst>
+                                        </p:cTn>
+                                        <p:tgtEl>
+                                          <p:spTgt spid="75"/>
+                                        </p:tgtEl>
+                                        <p:attrNameLst>
+                                          <p:attrName>style.visibility</p:attrName>
+                                        </p:attrNameLst>
+                                      </p:cBhvr>
+                                      <p:to>
+                                        <p:strVal val="visible"/>
+                                      </p:to>
+                                    </p:set>
+                                    <p:animEffect transition="in" filter="fade">
+                                      <p:cBhvr>
+                                        <p:cTn id="77" dur="500"/>
+                                        <p:tgtEl>
+                                          <p:spTgt spid="75"/>
+                                        </p:tgtEl>
+                                      </p:cBhvr>
+                                    </p:animEffect>
+                                    <p:anim calcmode="lin" valueType="num">
+                                      <p:cBhvr>
+                                        <p:cTn id="78" dur="500" fill="hold"/>
+                                        <p:tgtEl>
+                                          <p:spTgt spid="75"/>
+                                        </p:tgtEl>
+                                        <p:attrNameLst>
+                                          <p:attrName>ppt_x</p:attrName>
+                                        </p:attrNameLst>
+                                      </p:cBhvr>
+                                      <p:tavLst>
+                                        <p:tav tm="0">
+                                          <p:val>
+                                            <p:strVal val="#ppt_x"/>
+                                          </p:val>
+                                        </p:tav>
+                                        <p:tav tm="100000">
+                                          <p:val>
+                                            <p:strVal val="#ppt_x"/>
+                                          </p:val>
+                                        </p:tav>
+                                      </p:tavLst>
+                                    </p:anim>
+                                    <p:anim calcmode="lin" valueType="num">
+                                      <p:cBhvr>
+                                        <p:cTn id="79" dur="500" fill="hold"/>
+                                        <p:tgtEl>
+                                          <p:spTgt spid="75"/>
+                                        </p:tgtEl>
+                                        <p:attrNameLst>
+                                          <p:attrName>ppt_y</p:attrName>
+                                        </p:attrNameLst>
+                                      </p:cBhvr>
+                                      <p:tavLst>
+                                        <p:tav tm="0">
+                                          <p:val>
+                                            <p:strVal val="#ppt_y-.1"/>
+                                          </p:val>
+                                        </p:tav>
+                                        <p:tav tm="100000">
+                                          <p:val>
+                                            <p:strVal val="#ppt_y"/>
+                                          </p:val>
+                                        </p:tav>
+                                      </p:tavLst>
+                                    </p:anim>
+                                  </p:childTnLst>
+                                </p:cTn>
+                              </p:par>
+                              <p:par>
+                                <p:cTn id="80" presetID="47" presetClass="entr" presetSubtype="0" fill="hold" nodeType="withEffect">
+                                  <p:stCondLst>
+                                    <p:cond delay="0"/>
+                                  </p:stCondLst>
+                                  <p:childTnLst>
+                                    <p:set>
+                                      <p:cBhvr>
+                                        <p:cTn id="81" dur="1" fill="hold">
+                                          <p:stCondLst>
+                                            <p:cond delay="0"/>
+                                          </p:stCondLst>
+                                        </p:cTn>
+                                        <p:tgtEl>
+                                          <p:spTgt spid="76"/>
+                                        </p:tgtEl>
+                                        <p:attrNameLst>
+                                          <p:attrName>style.visibility</p:attrName>
+                                        </p:attrNameLst>
+                                      </p:cBhvr>
+                                      <p:to>
+                                        <p:strVal val="visible"/>
+                                      </p:to>
+                                    </p:set>
+                                    <p:animEffect transition="in" filter="fade">
+                                      <p:cBhvr>
+                                        <p:cTn id="82" dur="500"/>
+                                        <p:tgtEl>
+                                          <p:spTgt spid="76"/>
+                                        </p:tgtEl>
+                                      </p:cBhvr>
+                                    </p:animEffect>
+                                    <p:anim calcmode="lin" valueType="num">
+                                      <p:cBhvr>
+                                        <p:cTn id="83" dur="500" fill="hold"/>
+                                        <p:tgtEl>
+                                          <p:spTgt spid="76"/>
+                                        </p:tgtEl>
+                                        <p:attrNameLst>
+                                          <p:attrName>ppt_x</p:attrName>
+                                        </p:attrNameLst>
+                                      </p:cBhvr>
+                                      <p:tavLst>
+                                        <p:tav tm="0">
+                                          <p:val>
+                                            <p:strVal val="#ppt_x"/>
+                                          </p:val>
+                                        </p:tav>
+                                        <p:tav tm="100000">
+                                          <p:val>
+                                            <p:strVal val="#ppt_x"/>
+                                          </p:val>
+                                        </p:tav>
+                                      </p:tavLst>
+                                    </p:anim>
+                                    <p:anim calcmode="lin" valueType="num">
+                                      <p:cBhvr>
+                                        <p:cTn id="84" dur="500" fill="hold"/>
+                                        <p:tgtEl>
+                                          <p:spTgt spid="76"/>
+                                        </p:tgtEl>
+                                        <p:attrNameLst>
+                                          <p:attrName>ppt_y</p:attrName>
+                                        </p:attrNameLst>
+                                      </p:cBhvr>
+                                      <p:tavLst>
+                                        <p:tav tm="0">
+                                          <p:val>
+                                            <p:strVal val="#ppt_y-.1"/>
+                                          </p:val>
+                                        </p:tav>
+                                        <p:tav tm="100000">
+                                          <p:val>
+                                            <p:strVal val="#ppt_y"/>
+                                          </p:val>
+                                        </p:tav>
+                                      </p:tavLst>
+                                    </p:anim>
+                                  </p:childTnLst>
+                                </p:cTn>
+                              </p:par>
+                              <p:par>
+                                <p:cTn id="85" presetID="47" presetClass="entr" presetSubtype="0" fill="hold" grpId="0" nodeType="withEffect">
+                                  <p:stCondLst>
+                                    <p:cond delay="0"/>
+                                  </p:stCondLst>
+                                  <p:childTnLst>
+                                    <p:set>
+                                      <p:cBhvr>
+                                        <p:cTn id="86" dur="1" fill="hold">
+                                          <p:stCondLst>
+                                            <p:cond delay="0"/>
+                                          </p:stCondLst>
+                                        </p:cTn>
+                                        <p:tgtEl>
+                                          <p:spTgt spid="77"/>
+                                        </p:tgtEl>
+                                        <p:attrNameLst>
+                                          <p:attrName>style.visibility</p:attrName>
+                                        </p:attrNameLst>
+                                      </p:cBhvr>
+                                      <p:to>
+                                        <p:strVal val="visible"/>
+                                      </p:to>
+                                    </p:set>
+                                    <p:animEffect transition="in" filter="fade">
+                                      <p:cBhvr>
+                                        <p:cTn id="87" dur="500"/>
+                                        <p:tgtEl>
+                                          <p:spTgt spid="77"/>
+                                        </p:tgtEl>
+                                      </p:cBhvr>
+                                    </p:animEffect>
+                                    <p:anim calcmode="lin" valueType="num">
+                                      <p:cBhvr>
+                                        <p:cTn id="88" dur="500" fill="hold"/>
+                                        <p:tgtEl>
+                                          <p:spTgt spid="77"/>
+                                        </p:tgtEl>
+                                        <p:attrNameLst>
+                                          <p:attrName>ppt_x</p:attrName>
+                                        </p:attrNameLst>
+                                      </p:cBhvr>
+                                      <p:tavLst>
+                                        <p:tav tm="0">
+                                          <p:val>
+                                            <p:strVal val="#ppt_x"/>
+                                          </p:val>
+                                        </p:tav>
+                                        <p:tav tm="100000">
+                                          <p:val>
+                                            <p:strVal val="#ppt_x"/>
+                                          </p:val>
+                                        </p:tav>
+                                      </p:tavLst>
+                                    </p:anim>
+                                    <p:anim calcmode="lin" valueType="num">
+                                      <p:cBhvr>
+                                        <p:cTn id="89" dur="500" fill="hold"/>
+                                        <p:tgtEl>
+                                          <p:spTgt spid="77"/>
+                                        </p:tgtEl>
+                                        <p:attrNameLst>
+                                          <p:attrName>ppt_y</p:attrName>
+                                        </p:attrNameLst>
+                                      </p:cBhvr>
+                                      <p:tavLst>
+                                        <p:tav tm="0">
+                                          <p:val>
+                                            <p:strVal val="#ppt_y-.1"/>
+                                          </p:val>
+                                        </p:tav>
+                                        <p:tav tm="100000">
+                                          <p:val>
+                                            <p:strVal val="#ppt_y"/>
+                                          </p:val>
+                                        </p:tav>
+                                      </p:tavLst>
+                                    </p:anim>
+                                  </p:childTnLst>
+                                </p:cTn>
+                              </p:par>
+                              <p:par>
+                                <p:cTn id="90" presetID="47" presetClass="entr" presetSubtype="0" fill="hold" grpId="0" nodeType="withEffect">
+                                  <p:stCondLst>
+                                    <p:cond delay="0"/>
+                                  </p:stCondLst>
+                                  <p:childTnLst>
+                                    <p:set>
+                                      <p:cBhvr>
+                                        <p:cTn id="91" dur="1" fill="hold">
+                                          <p:stCondLst>
+                                            <p:cond delay="0"/>
+                                          </p:stCondLst>
+                                        </p:cTn>
+                                        <p:tgtEl>
+                                          <p:spTgt spid="78"/>
+                                        </p:tgtEl>
+                                        <p:attrNameLst>
+                                          <p:attrName>style.visibility</p:attrName>
+                                        </p:attrNameLst>
+                                      </p:cBhvr>
+                                      <p:to>
+                                        <p:strVal val="visible"/>
+                                      </p:to>
+                                    </p:set>
+                                    <p:animEffect transition="in" filter="fade">
+                                      <p:cBhvr>
+                                        <p:cTn id="92" dur="500"/>
+                                        <p:tgtEl>
+                                          <p:spTgt spid="78"/>
+                                        </p:tgtEl>
+                                      </p:cBhvr>
+                                    </p:animEffect>
+                                    <p:anim calcmode="lin" valueType="num">
+                                      <p:cBhvr>
+                                        <p:cTn id="93" dur="500" fill="hold"/>
+                                        <p:tgtEl>
+                                          <p:spTgt spid="78"/>
+                                        </p:tgtEl>
+                                        <p:attrNameLst>
+                                          <p:attrName>ppt_x</p:attrName>
+                                        </p:attrNameLst>
+                                      </p:cBhvr>
+                                      <p:tavLst>
+                                        <p:tav tm="0">
+                                          <p:val>
+                                            <p:strVal val="#ppt_x"/>
+                                          </p:val>
+                                        </p:tav>
+                                        <p:tav tm="100000">
+                                          <p:val>
+                                            <p:strVal val="#ppt_x"/>
+                                          </p:val>
+                                        </p:tav>
+                                      </p:tavLst>
+                                    </p:anim>
+                                    <p:anim calcmode="lin" valueType="num">
+                                      <p:cBhvr>
+                                        <p:cTn id="94" dur="500" fill="hold"/>
+                                        <p:tgtEl>
+                                          <p:spTgt spid="78"/>
+                                        </p:tgtEl>
+                                        <p:attrNameLst>
+                                          <p:attrName>ppt_y</p:attrName>
+                                        </p:attrNameLst>
+                                      </p:cBhvr>
+                                      <p:tavLst>
+                                        <p:tav tm="0">
+                                          <p:val>
+                                            <p:strVal val="#ppt_y-.1"/>
+                                          </p:val>
+                                        </p:tav>
+                                        <p:tav tm="100000">
+                                          <p:val>
+                                            <p:strVal val="#ppt_y"/>
+                                          </p:val>
+                                        </p:tav>
+                                      </p:tavLst>
+                                    </p:anim>
+                                  </p:childTnLst>
+                                </p:cTn>
+                              </p:par>
+                              <p:par>
+                                <p:cTn id="95" presetID="47" presetClass="entr" presetSubtype="0" fill="hold" grpId="0" nodeType="withEffect">
+                                  <p:stCondLst>
+                                    <p:cond delay="0"/>
+                                  </p:stCondLst>
+                                  <p:childTnLst>
+                                    <p:set>
+                                      <p:cBhvr>
+                                        <p:cTn id="96" dur="1" fill="hold">
+                                          <p:stCondLst>
+                                            <p:cond delay="0"/>
+                                          </p:stCondLst>
+                                        </p:cTn>
+                                        <p:tgtEl>
+                                          <p:spTgt spid="79"/>
+                                        </p:tgtEl>
+                                        <p:attrNameLst>
+                                          <p:attrName>style.visibility</p:attrName>
+                                        </p:attrNameLst>
+                                      </p:cBhvr>
+                                      <p:to>
+                                        <p:strVal val="visible"/>
+                                      </p:to>
+                                    </p:set>
+                                    <p:animEffect transition="in" filter="fade">
+                                      <p:cBhvr>
+                                        <p:cTn id="97" dur="500"/>
+                                        <p:tgtEl>
+                                          <p:spTgt spid="79"/>
+                                        </p:tgtEl>
+                                      </p:cBhvr>
+                                    </p:animEffect>
+                                    <p:anim calcmode="lin" valueType="num">
+                                      <p:cBhvr>
+                                        <p:cTn id="98" dur="500" fill="hold"/>
+                                        <p:tgtEl>
+                                          <p:spTgt spid="79"/>
+                                        </p:tgtEl>
+                                        <p:attrNameLst>
+                                          <p:attrName>ppt_x</p:attrName>
+                                        </p:attrNameLst>
+                                      </p:cBhvr>
+                                      <p:tavLst>
+                                        <p:tav tm="0">
+                                          <p:val>
+                                            <p:strVal val="#ppt_x"/>
+                                          </p:val>
+                                        </p:tav>
+                                        <p:tav tm="100000">
+                                          <p:val>
+                                            <p:strVal val="#ppt_x"/>
+                                          </p:val>
+                                        </p:tav>
+                                      </p:tavLst>
+                                    </p:anim>
+                                    <p:anim calcmode="lin" valueType="num">
+                                      <p:cBhvr>
+                                        <p:cTn id="99" dur="500" fill="hold"/>
+                                        <p:tgtEl>
+                                          <p:spTgt spid="79"/>
+                                        </p:tgtEl>
+                                        <p:attrNameLst>
+                                          <p:attrName>ppt_y</p:attrName>
+                                        </p:attrNameLst>
+                                      </p:cBhvr>
+                                      <p:tavLst>
+                                        <p:tav tm="0">
+                                          <p:val>
+                                            <p:strVal val="#ppt_y-.1"/>
+                                          </p:val>
+                                        </p:tav>
+                                        <p:tav tm="100000">
+                                          <p:val>
+                                            <p:strVal val="#ppt_y"/>
+                                          </p:val>
+                                        </p:tav>
+                                      </p:tavLst>
+                                    </p:anim>
+                                  </p:childTnLst>
+                                </p:cTn>
+                              </p:par>
+                              <p:par>
+                                <p:cTn id="100" presetID="47" presetClass="entr" presetSubtype="0" fill="hold" grpId="0" nodeType="withEffect">
+                                  <p:stCondLst>
+                                    <p:cond delay="0"/>
+                                  </p:stCondLst>
+                                  <p:childTnLst>
+                                    <p:set>
+                                      <p:cBhvr>
+                                        <p:cTn id="101" dur="1" fill="hold">
+                                          <p:stCondLst>
+                                            <p:cond delay="0"/>
+                                          </p:stCondLst>
+                                        </p:cTn>
+                                        <p:tgtEl>
+                                          <p:spTgt spid="80"/>
+                                        </p:tgtEl>
+                                        <p:attrNameLst>
+                                          <p:attrName>style.visibility</p:attrName>
+                                        </p:attrNameLst>
+                                      </p:cBhvr>
+                                      <p:to>
+                                        <p:strVal val="visible"/>
+                                      </p:to>
+                                    </p:set>
+                                    <p:animEffect transition="in" filter="fade">
+                                      <p:cBhvr>
+                                        <p:cTn id="102" dur="500"/>
+                                        <p:tgtEl>
+                                          <p:spTgt spid="80"/>
+                                        </p:tgtEl>
+                                      </p:cBhvr>
+                                    </p:animEffect>
+                                    <p:anim calcmode="lin" valueType="num">
+                                      <p:cBhvr>
+                                        <p:cTn id="103" dur="500" fill="hold"/>
+                                        <p:tgtEl>
+                                          <p:spTgt spid="80"/>
+                                        </p:tgtEl>
+                                        <p:attrNameLst>
+                                          <p:attrName>ppt_x</p:attrName>
+                                        </p:attrNameLst>
+                                      </p:cBhvr>
+                                      <p:tavLst>
+                                        <p:tav tm="0">
+                                          <p:val>
+                                            <p:strVal val="#ppt_x"/>
+                                          </p:val>
+                                        </p:tav>
+                                        <p:tav tm="100000">
+                                          <p:val>
+                                            <p:strVal val="#ppt_x"/>
+                                          </p:val>
+                                        </p:tav>
+                                      </p:tavLst>
+                                    </p:anim>
+                                    <p:anim calcmode="lin" valueType="num">
+                                      <p:cBhvr>
+                                        <p:cTn id="104" dur="500" fill="hold"/>
+                                        <p:tgtEl>
+                                          <p:spTgt spid="80"/>
+                                        </p:tgtEl>
+                                        <p:attrNameLst>
+                                          <p:attrName>ppt_y</p:attrName>
+                                        </p:attrNameLst>
+                                      </p:cBhvr>
+                                      <p:tavLst>
+                                        <p:tav tm="0">
+                                          <p:val>
+                                            <p:strVal val="#ppt_y-.1"/>
+                                          </p:val>
+                                        </p:tav>
+                                        <p:tav tm="100000">
+                                          <p:val>
+                                            <p:strVal val="#ppt_y"/>
+                                          </p:val>
+                                        </p:tav>
+                                      </p:tavLst>
+                                    </p:anim>
+                                  </p:childTnLst>
+                                </p:cTn>
+                              </p:par>
+                              <p:par>
+                                <p:cTn id="105" presetID="47" presetClass="entr" presetSubtype="0" fill="hold" grpId="0" nodeType="withEffect">
+                                  <p:stCondLst>
+                                    <p:cond delay="0"/>
+                                  </p:stCondLst>
+                                  <p:childTnLst>
+                                    <p:set>
+                                      <p:cBhvr>
+                                        <p:cTn id="106" dur="1" fill="hold">
+                                          <p:stCondLst>
+                                            <p:cond delay="0"/>
+                                          </p:stCondLst>
+                                        </p:cTn>
+                                        <p:tgtEl>
+                                          <p:spTgt spid="49"/>
+                                        </p:tgtEl>
+                                        <p:attrNameLst>
+                                          <p:attrName>style.visibility</p:attrName>
+                                        </p:attrNameLst>
+                                      </p:cBhvr>
+                                      <p:to>
+                                        <p:strVal val="visible"/>
+                                      </p:to>
+                                    </p:set>
+                                    <p:animEffect transition="in" filter="fade">
+                                      <p:cBhvr>
+                                        <p:cTn id="107" dur="500"/>
+                                        <p:tgtEl>
+                                          <p:spTgt spid="49"/>
+                                        </p:tgtEl>
+                                      </p:cBhvr>
+                                    </p:animEffect>
+                                    <p:anim calcmode="lin" valueType="num">
+                                      <p:cBhvr>
+                                        <p:cTn id="108" dur="500" fill="hold"/>
+                                        <p:tgtEl>
+                                          <p:spTgt spid="49"/>
+                                        </p:tgtEl>
+                                        <p:attrNameLst>
+                                          <p:attrName>ppt_x</p:attrName>
+                                        </p:attrNameLst>
+                                      </p:cBhvr>
+                                      <p:tavLst>
+                                        <p:tav tm="0">
+                                          <p:val>
+                                            <p:strVal val="#ppt_x"/>
+                                          </p:val>
+                                        </p:tav>
+                                        <p:tav tm="100000">
+                                          <p:val>
+                                            <p:strVal val="#ppt_x"/>
+                                          </p:val>
+                                        </p:tav>
+                                      </p:tavLst>
+                                    </p:anim>
+                                    <p:anim calcmode="lin" valueType="num">
+                                      <p:cBhvr>
+                                        <p:cTn id="109" dur="500" fill="hold"/>
+                                        <p:tgtEl>
+                                          <p:spTgt spid="49"/>
+                                        </p:tgtEl>
+                                        <p:attrNameLst>
+                                          <p:attrName>ppt_y</p:attrName>
+                                        </p:attrNameLst>
+                                      </p:cBhvr>
+                                      <p:tavLst>
+                                        <p:tav tm="0">
+                                          <p:val>
+                                            <p:strVal val="#ppt_y-.1"/>
+                                          </p:val>
+                                        </p:tav>
+                                        <p:tav tm="100000">
+                                          <p:val>
+                                            <p:strVal val="#ppt_y"/>
+                                          </p:val>
+                                        </p:tav>
+                                      </p:tavLst>
+                                    </p:anim>
+                                  </p:childTnLst>
+                                </p:cTn>
+                              </p:par>
+                              <p:par>
+                                <p:cTn id="110" presetID="47" presetClass="entr" presetSubtype="0" fill="hold" nodeType="withEffect">
+                                  <p:stCondLst>
+                                    <p:cond delay="0"/>
+                                  </p:stCondLst>
+                                  <p:childTnLst>
+                                    <p:set>
+                                      <p:cBhvr>
+                                        <p:cTn id="111" dur="1" fill="hold">
+                                          <p:stCondLst>
+                                            <p:cond delay="0"/>
+                                          </p:stCondLst>
+                                        </p:cTn>
+                                        <p:tgtEl>
+                                          <p:spTgt spid="50"/>
+                                        </p:tgtEl>
+                                        <p:attrNameLst>
+                                          <p:attrName>style.visibility</p:attrName>
+                                        </p:attrNameLst>
+                                      </p:cBhvr>
+                                      <p:to>
+                                        <p:strVal val="visible"/>
+                                      </p:to>
+                                    </p:set>
+                                    <p:animEffect transition="in" filter="fade">
+                                      <p:cBhvr>
+                                        <p:cTn id="112" dur="500"/>
+                                        <p:tgtEl>
+                                          <p:spTgt spid="50"/>
+                                        </p:tgtEl>
+                                      </p:cBhvr>
+                                    </p:animEffect>
+                                    <p:anim calcmode="lin" valueType="num">
+                                      <p:cBhvr>
+                                        <p:cTn id="113" dur="500" fill="hold"/>
+                                        <p:tgtEl>
+                                          <p:spTgt spid="50"/>
+                                        </p:tgtEl>
+                                        <p:attrNameLst>
+                                          <p:attrName>ppt_x</p:attrName>
+                                        </p:attrNameLst>
+                                      </p:cBhvr>
+                                      <p:tavLst>
+                                        <p:tav tm="0">
+                                          <p:val>
+                                            <p:strVal val="#ppt_x"/>
+                                          </p:val>
+                                        </p:tav>
+                                        <p:tav tm="100000">
+                                          <p:val>
+                                            <p:strVal val="#ppt_x"/>
+                                          </p:val>
+                                        </p:tav>
+                                      </p:tavLst>
+                                    </p:anim>
+                                    <p:anim calcmode="lin" valueType="num">
+                                      <p:cBhvr>
+                                        <p:cTn id="114" dur="500" fill="hold"/>
+                                        <p:tgtEl>
+                                          <p:spTgt spid="50"/>
+                                        </p:tgtEl>
+                                        <p:attrNameLst>
+                                          <p:attrName>ppt_y</p:attrName>
+                                        </p:attrNameLst>
+                                      </p:cBhvr>
+                                      <p:tavLst>
+                                        <p:tav tm="0">
+                                          <p:val>
+                                            <p:strVal val="#ppt_y-.1"/>
+                                          </p:val>
+                                        </p:tav>
+                                        <p:tav tm="100000">
+                                          <p:val>
+                                            <p:strVal val="#ppt_y"/>
+                                          </p:val>
+                                        </p:tav>
+                                      </p:tavLst>
+                                    </p:anim>
+                                  </p:childTnLst>
+                                </p:cTn>
+                              </p:par>
+                              <p:par>
+                                <p:cTn id="115" presetID="47" presetClass="entr" presetSubtype="0" fill="hold" nodeType="withEffect">
+                                  <p:stCondLst>
+                                    <p:cond delay="0"/>
+                                  </p:stCondLst>
+                                  <p:childTnLst>
+                                    <p:set>
+                                      <p:cBhvr>
+                                        <p:cTn id="116" dur="1" fill="hold">
+                                          <p:stCondLst>
+                                            <p:cond delay="0"/>
+                                          </p:stCondLst>
+                                        </p:cTn>
+                                        <p:tgtEl>
+                                          <p:spTgt spid="51"/>
+                                        </p:tgtEl>
+                                        <p:attrNameLst>
+                                          <p:attrName>style.visibility</p:attrName>
+                                        </p:attrNameLst>
+                                      </p:cBhvr>
+                                      <p:to>
+                                        <p:strVal val="visible"/>
+                                      </p:to>
+                                    </p:set>
+                                    <p:animEffect transition="in" filter="fade">
+                                      <p:cBhvr>
+                                        <p:cTn id="117" dur="500"/>
+                                        <p:tgtEl>
+                                          <p:spTgt spid="51"/>
+                                        </p:tgtEl>
+                                      </p:cBhvr>
+                                    </p:animEffect>
+                                    <p:anim calcmode="lin" valueType="num">
+                                      <p:cBhvr>
+                                        <p:cTn id="118" dur="500" fill="hold"/>
+                                        <p:tgtEl>
+                                          <p:spTgt spid="51"/>
+                                        </p:tgtEl>
+                                        <p:attrNameLst>
+                                          <p:attrName>ppt_x</p:attrName>
+                                        </p:attrNameLst>
+                                      </p:cBhvr>
+                                      <p:tavLst>
+                                        <p:tav tm="0">
+                                          <p:val>
+                                            <p:strVal val="#ppt_x"/>
+                                          </p:val>
+                                        </p:tav>
+                                        <p:tav tm="100000">
+                                          <p:val>
+                                            <p:strVal val="#ppt_x"/>
+                                          </p:val>
+                                        </p:tav>
+                                      </p:tavLst>
+                                    </p:anim>
+                                    <p:anim calcmode="lin" valueType="num">
+                                      <p:cBhvr>
+                                        <p:cTn id="119" dur="500" fill="hold"/>
+                                        <p:tgtEl>
+                                          <p:spTgt spid="51"/>
+                                        </p:tgtEl>
+                                        <p:attrNameLst>
+                                          <p:attrName>ppt_y</p:attrName>
+                                        </p:attrNameLst>
+                                      </p:cBhvr>
+                                      <p:tavLst>
+                                        <p:tav tm="0">
+                                          <p:val>
+                                            <p:strVal val="#ppt_y-.1"/>
+                                          </p:val>
+                                        </p:tav>
+                                        <p:tav tm="100000">
+                                          <p:val>
+                                            <p:strVal val="#ppt_y"/>
+                                          </p:val>
+                                        </p:tav>
+                                      </p:tavLst>
+                                    </p:anim>
+                                  </p:childTnLst>
+                                </p:cTn>
+                              </p:par>
+                              <p:par>
+                                <p:cTn id="120" presetID="47" presetClass="entr" presetSubtype="0" fill="hold" nodeType="withEffect">
+                                  <p:stCondLst>
+                                    <p:cond delay="0"/>
+                                  </p:stCondLst>
+                                  <p:childTnLst>
+                                    <p:set>
+                                      <p:cBhvr>
+                                        <p:cTn id="121" dur="1" fill="hold">
+                                          <p:stCondLst>
+                                            <p:cond delay="0"/>
+                                          </p:stCondLst>
+                                        </p:cTn>
+                                        <p:tgtEl>
+                                          <p:spTgt spid="52"/>
+                                        </p:tgtEl>
+                                        <p:attrNameLst>
+                                          <p:attrName>style.visibility</p:attrName>
+                                        </p:attrNameLst>
+                                      </p:cBhvr>
+                                      <p:to>
+                                        <p:strVal val="visible"/>
+                                      </p:to>
+                                    </p:set>
+                                    <p:animEffect transition="in" filter="fade">
+                                      <p:cBhvr>
+                                        <p:cTn id="122" dur="500"/>
+                                        <p:tgtEl>
+                                          <p:spTgt spid="52"/>
+                                        </p:tgtEl>
+                                      </p:cBhvr>
+                                    </p:animEffect>
+                                    <p:anim calcmode="lin" valueType="num">
+                                      <p:cBhvr>
+                                        <p:cTn id="123" dur="500" fill="hold"/>
+                                        <p:tgtEl>
+                                          <p:spTgt spid="52"/>
+                                        </p:tgtEl>
+                                        <p:attrNameLst>
+                                          <p:attrName>ppt_x</p:attrName>
+                                        </p:attrNameLst>
+                                      </p:cBhvr>
+                                      <p:tavLst>
+                                        <p:tav tm="0">
+                                          <p:val>
+                                            <p:strVal val="#ppt_x"/>
+                                          </p:val>
+                                        </p:tav>
+                                        <p:tav tm="100000">
+                                          <p:val>
+                                            <p:strVal val="#ppt_x"/>
+                                          </p:val>
+                                        </p:tav>
+                                      </p:tavLst>
+                                    </p:anim>
+                                    <p:anim calcmode="lin" valueType="num">
+                                      <p:cBhvr>
+                                        <p:cTn id="124" dur="500" fill="hold"/>
+                                        <p:tgtEl>
+                                          <p:spTgt spid="52"/>
+                                        </p:tgtEl>
+                                        <p:attrNameLst>
+                                          <p:attrName>ppt_y</p:attrName>
+                                        </p:attrNameLst>
+                                      </p:cBhvr>
+                                      <p:tavLst>
+                                        <p:tav tm="0">
+                                          <p:val>
+                                            <p:strVal val="#ppt_y-.1"/>
+                                          </p:val>
+                                        </p:tav>
+                                        <p:tav tm="100000">
+                                          <p:val>
+                                            <p:strVal val="#ppt_y"/>
+                                          </p:val>
+                                        </p:tav>
+                                      </p:tavLst>
+                                    </p:anim>
+                                  </p:childTnLst>
+                                </p:cTn>
+                              </p:par>
+                            </p:childTnLst>
+                          </p:cTn>
+                        </p:par>
+                      </p:childTnLst>
+                    </p:cTn>
+                  </p:par>
+                  <p:par>
+                    <p:cTn id="125" fill="hold">
+                      <p:stCondLst>
+                        <p:cond delay="indefinite"/>
+                      </p:stCondLst>
+                      <p:childTnLst>
+                        <p:par>
+                          <p:cTn id="126" fill="hold">
+                            <p:stCondLst>
+                              <p:cond delay="0"/>
+                            </p:stCondLst>
+                            <p:childTnLst>
+                              <p:par>
+                                <p:cTn id="127" presetID="2" presetClass="entr" presetSubtype="2" fill="hold" grpId="0" nodeType="clickEffect">
+                                  <p:stCondLst>
+                                    <p:cond delay="0"/>
+                                  </p:stCondLst>
+                                  <p:childTnLst>
+                                    <p:set>
+                                      <p:cBhvr>
+                                        <p:cTn id="128" dur="1" fill="hold">
+                                          <p:stCondLst>
+                                            <p:cond delay="0"/>
+                                          </p:stCondLst>
+                                        </p:cTn>
+                                        <p:tgtEl>
+                                          <p:spTgt spid="82"/>
+                                        </p:tgtEl>
+                                        <p:attrNameLst>
+                                          <p:attrName>style.visibility</p:attrName>
+                                        </p:attrNameLst>
+                                      </p:cBhvr>
+                                      <p:to>
+                                        <p:strVal val="visible"/>
+                                      </p:to>
+                                    </p:set>
+                                    <p:anim calcmode="lin" valueType="num">
+                                      <p:cBhvr additive="base">
+                                        <p:cTn id="129" dur="500" fill="hold"/>
+                                        <p:tgtEl>
+                                          <p:spTgt spid="82"/>
+                                        </p:tgtEl>
+                                        <p:attrNameLst>
+                                          <p:attrName>ppt_x</p:attrName>
+                                        </p:attrNameLst>
+                                      </p:cBhvr>
+                                      <p:tavLst>
+                                        <p:tav tm="0">
+                                          <p:val>
+                                            <p:strVal val="1+#ppt_w/2"/>
+                                          </p:val>
+                                        </p:tav>
+                                        <p:tav tm="100000">
+                                          <p:val>
+                                            <p:strVal val="#ppt_x"/>
+                                          </p:val>
+                                        </p:tav>
+                                      </p:tavLst>
+                                    </p:anim>
+                                    <p:anim calcmode="lin" valueType="num">
+                                      <p:cBhvr additive="base">
+                                        <p:cTn id="130" dur="500" fill="hold"/>
+                                        <p:tgtEl>
+                                          <p:spTgt spid="82"/>
+                                        </p:tgtEl>
+                                        <p:attrNameLst>
+                                          <p:attrName>ppt_y</p:attrName>
+                                        </p:attrNameLst>
+                                      </p:cBhvr>
+                                      <p:tavLst>
+                                        <p:tav tm="0">
+                                          <p:val>
+                                            <p:strVal val="#ppt_y"/>
+                                          </p:val>
+                                        </p:tav>
+                                        <p:tav tm="100000">
+                                          <p:val>
+                                            <p:strVal val="#ppt_y"/>
+                                          </p:val>
+                                        </p:tav>
+                                      </p:tavLst>
+                                    </p:anim>
+                                  </p:childTnLst>
+                                </p:cTn>
+                              </p:par>
+                              <p:par>
+                                <p:cTn id="131" presetID="2" presetClass="entr" presetSubtype="2" fill="hold" grpId="0" nodeType="withEffect">
+                                  <p:stCondLst>
+                                    <p:cond delay="0"/>
+                                  </p:stCondLst>
+                                  <p:childTnLst>
+                                    <p:set>
+                                      <p:cBhvr>
+                                        <p:cTn id="132" dur="1" fill="hold">
+                                          <p:stCondLst>
+                                            <p:cond delay="0"/>
+                                          </p:stCondLst>
+                                        </p:cTn>
+                                        <p:tgtEl>
+                                          <p:spTgt spid="83"/>
+                                        </p:tgtEl>
+                                        <p:attrNameLst>
+                                          <p:attrName>style.visibility</p:attrName>
+                                        </p:attrNameLst>
+                                      </p:cBhvr>
+                                      <p:to>
+                                        <p:strVal val="visible"/>
+                                      </p:to>
+                                    </p:set>
+                                    <p:anim calcmode="lin" valueType="num">
+                                      <p:cBhvr additive="base">
+                                        <p:cTn id="133" dur="500" fill="hold"/>
+                                        <p:tgtEl>
+                                          <p:spTgt spid="83"/>
+                                        </p:tgtEl>
+                                        <p:attrNameLst>
+                                          <p:attrName>ppt_x</p:attrName>
+                                        </p:attrNameLst>
+                                      </p:cBhvr>
+                                      <p:tavLst>
+                                        <p:tav tm="0">
+                                          <p:val>
+                                            <p:strVal val="1+#ppt_w/2"/>
+                                          </p:val>
+                                        </p:tav>
+                                        <p:tav tm="100000">
+                                          <p:val>
+                                            <p:strVal val="#ppt_x"/>
+                                          </p:val>
+                                        </p:tav>
+                                      </p:tavLst>
+                                    </p:anim>
+                                    <p:anim calcmode="lin" valueType="num">
+                                      <p:cBhvr additive="base">
+                                        <p:cTn id="134" dur="500" fill="hold"/>
+                                        <p:tgtEl>
+                                          <p:spTgt spid="83"/>
+                                        </p:tgtEl>
+                                        <p:attrNameLst>
+                                          <p:attrName>ppt_y</p:attrName>
+                                        </p:attrNameLst>
+                                      </p:cBhvr>
+                                      <p:tavLst>
+                                        <p:tav tm="0">
+                                          <p:val>
+                                            <p:strVal val="#ppt_y"/>
+                                          </p:val>
+                                        </p:tav>
+                                        <p:tav tm="100000">
+                                          <p:val>
+                                            <p:strVal val="#ppt_y"/>
+                                          </p:val>
+                                        </p:tav>
+                                      </p:tavLst>
+                                    </p:anim>
+                                  </p:childTnLst>
+                                </p:cTn>
+                              </p:par>
+                              <p:par>
+                                <p:cTn id="135" presetID="2" presetClass="entr" presetSubtype="2" fill="hold" grpId="0" nodeType="withEffect">
+                                  <p:stCondLst>
+                                    <p:cond delay="0"/>
+                                  </p:stCondLst>
+                                  <p:childTnLst>
+                                    <p:set>
+                                      <p:cBhvr>
+                                        <p:cTn id="136" dur="1" fill="hold">
+                                          <p:stCondLst>
+                                            <p:cond delay="0"/>
+                                          </p:stCondLst>
+                                        </p:cTn>
+                                        <p:tgtEl>
+                                          <p:spTgt spid="84"/>
+                                        </p:tgtEl>
+                                        <p:attrNameLst>
+                                          <p:attrName>style.visibility</p:attrName>
+                                        </p:attrNameLst>
+                                      </p:cBhvr>
+                                      <p:to>
+                                        <p:strVal val="visible"/>
+                                      </p:to>
+                                    </p:set>
+                                    <p:anim calcmode="lin" valueType="num">
+                                      <p:cBhvr additive="base">
+                                        <p:cTn id="137" dur="500" fill="hold"/>
+                                        <p:tgtEl>
+                                          <p:spTgt spid="84"/>
+                                        </p:tgtEl>
+                                        <p:attrNameLst>
+                                          <p:attrName>ppt_x</p:attrName>
+                                        </p:attrNameLst>
+                                      </p:cBhvr>
+                                      <p:tavLst>
+                                        <p:tav tm="0">
+                                          <p:val>
+                                            <p:strVal val="1+#ppt_w/2"/>
+                                          </p:val>
+                                        </p:tav>
+                                        <p:tav tm="100000">
+                                          <p:val>
+                                            <p:strVal val="#ppt_x"/>
+                                          </p:val>
+                                        </p:tav>
+                                      </p:tavLst>
+                                    </p:anim>
+                                    <p:anim calcmode="lin" valueType="num">
+                                      <p:cBhvr additive="base">
+                                        <p:cTn id="138" dur="500" fill="hold"/>
+                                        <p:tgtEl>
+                                          <p:spTgt spid="84"/>
+                                        </p:tgtEl>
+                                        <p:attrNameLst>
+                                          <p:attrName>ppt_y</p:attrName>
+                                        </p:attrNameLst>
+                                      </p:cBhvr>
+                                      <p:tavLst>
+                                        <p:tav tm="0">
+                                          <p:val>
+                                            <p:strVal val="#ppt_y"/>
+                                          </p:val>
+                                        </p:tav>
+                                        <p:tav tm="100000">
+                                          <p:val>
+                                            <p:strVal val="#ppt_y"/>
+                                          </p:val>
+                                        </p:tav>
+                                      </p:tavLst>
+                                    </p:anim>
+                                  </p:childTnLst>
+                                </p:cTn>
+                              </p:par>
+                              <p:par>
+                                <p:cTn id="139" presetID="2" presetClass="entr" presetSubtype="2" fill="hold" grpId="0" nodeType="withEffect">
+                                  <p:stCondLst>
+                                    <p:cond delay="0"/>
+                                  </p:stCondLst>
+                                  <p:childTnLst>
+                                    <p:set>
+                                      <p:cBhvr>
+                                        <p:cTn id="140" dur="1" fill="hold">
+                                          <p:stCondLst>
+                                            <p:cond delay="0"/>
+                                          </p:stCondLst>
+                                        </p:cTn>
+                                        <p:tgtEl>
+                                          <p:spTgt spid="81"/>
+                                        </p:tgtEl>
+                                        <p:attrNameLst>
+                                          <p:attrName>style.visibility</p:attrName>
+                                        </p:attrNameLst>
+                                      </p:cBhvr>
+                                      <p:to>
+                                        <p:strVal val="visible"/>
+                                      </p:to>
+                                    </p:set>
+                                    <p:anim calcmode="lin" valueType="num">
+                                      <p:cBhvr additive="base">
+                                        <p:cTn id="141" dur="500" fill="hold"/>
+                                        <p:tgtEl>
+                                          <p:spTgt spid="81"/>
+                                        </p:tgtEl>
+                                        <p:attrNameLst>
+                                          <p:attrName>ppt_x</p:attrName>
+                                        </p:attrNameLst>
+                                      </p:cBhvr>
+                                      <p:tavLst>
+                                        <p:tav tm="0">
+                                          <p:val>
+                                            <p:strVal val="1+#ppt_w/2"/>
+                                          </p:val>
+                                        </p:tav>
+                                        <p:tav tm="100000">
+                                          <p:val>
+                                            <p:strVal val="#ppt_x"/>
+                                          </p:val>
+                                        </p:tav>
+                                      </p:tavLst>
+                                    </p:anim>
+                                    <p:anim calcmode="lin" valueType="num">
+                                      <p:cBhvr additive="base">
+                                        <p:cTn id="142" dur="500" fill="hold"/>
+                                        <p:tgtEl>
+                                          <p:spTgt spid="81"/>
+                                        </p:tgtEl>
+                                        <p:attrNameLst>
+                                          <p:attrName>ppt_y</p:attrName>
+                                        </p:attrNameLst>
+                                      </p:cBhvr>
+                                      <p:tavLst>
+                                        <p:tav tm="0">
+                                          <p:val>
+                                            <p:strVal val="#ppt_y"/>
+                                          </p:val>
+                                        </p:tav>
+                                        <p:tav tm="100000">
+                                          <p:val>
+                                            <p:strVal val="#ppt_y"/>
+                                          </p:val>
+                                        </p:tav>
+                                      </p:tavLst>
+                                    </p:anim>
+                                  </p:childTnLst>
+                                </p:cTn>
+                              </p:par>
+                            </p:childTnLst>
+                          </p:cTn>
+                        </p:par>
+                        <p:par>
+                          <p:cTn id="143" fill="hold">
+                            <p:stCondLst>
+                              <p:cond delay="500"/>
+                            </p:stCondLst>
+                            <p:childTnLst>
+                              <p:par>
+                                <p:cTn id="144" presetID="10" presetClass="exit" presetSubtype="0" fill="hold" grpId="1" nodeType="afterEffect">
+                                  <p:stCondLst>
+                                    <p:cond delay="0"/>
+                                  </p:stCondLst>
+                                  <p:childTnLst>
+                                    <p:animEffect transition="out" filter="fade">
+                                      <p:cBhvr>
+                                        <p:cTn id="145" dur="500"/>
+                                        <p:tgtEl>
+                                          <p:spTgt spid="71"/>
+                                        </p:tgtEl>
+                                      </p:cBhvr>
+                                    </p:animEffect>
+                                    <p:set>
+                                      <p:cBhvr>
+                                        <p:cTn id="146" dur="1" fill="hold">
+                                          <p:stCondLst>
+                                            <p:cond delay="499"/>
+                                          </p:stCondLst>
+                                        </p:cTn>
+                                        <p:tgtEl>
+                                          <p:spTgt spid="71"/>
+                                        </p:tgtEl>
+                                        <p:attrNameLst>
+                                          <p:attrName>style.visibility</p:attrName>
+                                        </p:attrNameLst>
+                                      </p:cBhvr>
+                                      <p:to>
+                                        <p:strVal val="hidden"/>
+                                      </p:to>
+                                    </p:set>
+                                  </p:childTnLst>
+                                </p:cTn>
+                              </p:par>
+                            </p:childTnLst>
+                          </p:cTn>
+                        </p:par>
+                        <p:par>
+                          <p:cTn id="147" fill="hold">
+                            <p:stCondLst>
+                              <p:cond delay="1000"/>
+                            </p:stCondLst>
+                            <p:childTnLst>
+                              <p:par>
+                                <p:cTn id="148" presetID="10" presetClass="exit" presetSubtype="0" fill="hold" grpId="1" nodeType="afterEffect">
+                                  <p:stCondLst>
+                                    <p:cond delay="0"/>
+                                  </p:stCondLst>
+                                  <p:childTnLst>
+                                    <p:animEffect transition="out" filter="fade">
+                                      <p:cBhvr>
+                                        <p:cTn id="149" dur="500"/>
+                                        <p:tgtEl>
+                                          <p:spTgt spid="80"/>
+                                        </p:tgtEl>
+                                      </p:cBhvr>
+                                    </p:animEffect>
+                                    <p:set>
+                                      <p:cBhvr>
+                                        <p:cTn id="150" dur="1" fill="hold">
+                                          <p:stCondLst>
+                                            <p:cond delay="499"/>
+                                          </p:stCondLst>
+                                        </p:cTn>
+                                        <p:tgtEl>
+                                          <p:spTgt spid="80"/>
+                                        </p:tgtEl>
+                                        <p:attrNameLst>
+                                          <p:attrName>style.visibility</p:attrName>
+                                        </p:attrNameLst>
+                                      </p:cBhvr>
+                                      <p:to>
+                                        <p:strVal val="hidden"/>
+                                      </p:to>
+                                    </p:set>
+                                  </p:childTnLst>
+                                </p:cTn>
+                              </p:par>
+                            </p:childTnLst>
+                          </p:cTn>
+                        </p:par>
+                        <p:par>
+                          <p:cTn id="151" fill="hold">
+                            <p:stCondLst>
+                              <p:cond delay="1500"/>
+                            </p:stCondLst>
+                            <p:childTnLst>
+                              <p:par>
+                                <p:cTn id="152" presetID="10" presetClass="exit" presetSubtype="0" fill="hold" grpId="1" nodeType="afterEffect">
+                                  <p:stCondLst>
+                                    <p:cond delay="0"/>
+                                  </p:stCondLst>
+                                  <p:childTnLst>
+                                    <p:animEffect transition="out" filter="fade">
+                                      <p:cBhvr>
+                                        <p:cTn id="153" dur="500"/>
+                                        <p:tgtEl>
+                                          <p:spTgt spid="54"/>
+                                        </p:tgtEl>
+                                      </p:cBhvr>
+                                    </p:animEffect>
+                                    <p:set>
+                                      <p:cBhvr>
+                                        <p:cTn id="154" dur="1" fill="hold">
+                                          <p:stCondLst>
+                                            <p:cond delay="499"/>
+                                          </p:stCondLst>
+                                        </p:cTn>
+                                        <p:tgtEl>
+                                          <p:spTgt spid="54"/>
+                                        </p:tgtEl>
+                                        <p:attrNameLst>
+                                          <p:attrName>style.visibility</p:attrName>
+                                        </p:attrNameLst>
+                                      </p:cBhvr>
+                                      <p:to>
+                                        <p:strVal val="hidden"/>
+                                      </p:to>
+                                    </p:set>
+                                  </p:childTnLst>
+                                </p:cTn>
+                              </p:par>
+                            </p:childTnLst>
+                          </p:cTn>
+                        </p:par>
+                        <p:par>
+                          <p:cTn id="155" fill="hold">
+                            <p:stCondLst>
+                              <p:cond delay="2000"/>
+                            </p:stCondLst>
+                            <p:childTnLst>
+                              <p:par>
+                                <p:cTn id="156" presetID="10" presetClass="exit" presetSubtype="0" fill="hold" grpId="0" nodeType="afterEffect">
+                                  <p:stCondLst>
+                                    <p:cond delay="0"/>
+                                  </p:stCondLst>
+                                  <p:childTnLst>
+                                    <p:animEffect transition="out" filter="fade">
+                                      <p:cBhvr>
+                                        <p:cTn id="157" dur="500"/>
+                                        <p:tgtEl>
+                                          <p:spTgt spid="18"/>
+                                        </p:tgtEl>
+                                      </p:cBhvr>
+                                    </p:animEffect>
+                                    <p:set>
+                                      <p:cBhvr>
+                                        <p:cTn id="158" dur="1" fill="hold">
+                                          <p:stCondLst>
+                                            <p:cond delay="499"/>
+                                          </p:stCondLst>
+                                        </p:cTn>
+                                        <p:tgtEl>
+                                          <p:spTgt spid="18"/>
+                                        </p:tgtEl>
+                                        <p:attrNameLst>
+                                          <p:attrName>style.visibility</p:attrName>
+                                        </p:attrNameLst>
+                                      </p:cBhvr>
+                                      <p:to>
+                                        <p:strVal val="hidden"/>
+                                      </p:to>
+                                    </p:set>
+                                  </p:childTnLst>
+                                </p:cTn>
+                              </p:par>
+                            </p:childTnLst>
+                          </p:cTn>
+                        </p:par>
+                      </p:childTnLst>
+                    </p:cTn>
+                  </p:par>
+                  <p:par>
+                    <p:cTn id="159" fill="hold">
+                      <p:stCondLst>
+                        <p:cond delay="indefinite"/>
+                      </p:stCondLst>
+                      <p:childTnLst>
+                        <p:par>
+                          <p:cTn id="160" fill="hold">
+                            <p:stCondLst>
+                              <p:cond delay="0"/>
+                            </p:stCondLst>
+                            <p:childTnLst>
+                              <p:par>
+                                <p:cTn id="161" presetID="22" presetClass="entr" presetSubtype="4" fill="hold" grpId="0" nodeType="clickEffect">
+                                  <p:stCondLst>
+                                    <p:cond delay="0"/>
+                                  </p:stCondLst>
+                                  <p:childTnLst>
+                                    <p:set>
+                                      <p:cBhvr>
+                                        <p:cTn id="162" dur="1" fill="hold">
+                                          <p:stCondLst>
+                                            <p:cond delay="0"/>
+                                          </p:stCondLst>
+                                        </p:cTn>
+                                        <p:tgtEl>
+                                          <p:spTgt spid="90"/>
+                                        </p:tgtEl>
+                                        <p:attrNameLst>
+                                          <p:attrName>style.visibility</p:attrName>
+                                        </p:attrNameLst>
+                                      </p:cBhvr>
+                                      <p:to>
+                                        <p:strVal val="visible"/>
+                                      </p:to>
+                                    </p:set>
+                                    <p:animEffect transition="in" filter="wipe(down)">
+                                      <p:cBhvr>
+                                        <p:cTn id="163" dur="500"/>
+                                        <p:tgtEl>
+                                          <p:spTgt spid="90"/>
+                                        </p:tgtEl>
+                                      </p:cBhvr>
+                                    </p:animEffect>
+                                  </p:childTnLst>
+                                </p:cTn>
+                              </p:par>
+                            </p:childTnLst>
+                          </p:cTn>
+                        </p:par>
+                        <p:par>
+                          <p:cTn id="164" fill="hold">
+                            <p:stCondLst>
+                              <p:cond delay="500"/>
+                            </p:stCondLst>
+                            <p:childTnLst>
+                              <p:par>
+                                <p:cTn id="165" presetID="22" presetClass="entr" presetSubtype="4" fill="hold" grpId="0" nodeType="afterEffect">
+                                  <p:stCondLst>
+                                    <p:cond delay="0"/>
+                                  </p:stCondLst>
+                                  <p:childTnLst>
+                                    <p:set>
+                                      <p:cBhvr>
+                                        <p:cTn id="166" dur="1" fill="hold">
+                                          <p:stCondLst>
+                                            <p:cond delay="0"/>
+                                          </p:stCondLst>
+                                        </p:cTn>
+                                        <p:tgtEl>
+                                          <p:spTgt spid="91"/>
+                                        </p:tgtEl>
+                                        <p:attrNameLst>
+                                          <p:attrName>style.visibility</p:attrName>
+                                        </p:attrNameLst>
+                                      </p:cBhvr>
+                                      <p:to>
+                                        <p:strVal val="visible"/>
+                                      </p:to>
+                                    </p:set>
+                                    <p:animEffect transition="in" filter="wipe(down)">
+                                      <p:cBhvr>
+                                        <p:cTn id="167" dur="500"/>
+                                        <p:tgtEl>
+                                          <p:spTgt spid="91"/>
+                                        </p:tgtEl>
+                                      </p:cBhvr>
+                                    </p:animEffect>
+                                  </p:childTnLst>
+                                </p:cTn>
+                              </p:par>
+                            </p:childTnLst>
+                          </p:cTn>
+                        </p:par>
+                        <p:par>
+                          <p:cTn id="168" fill="hold">
+                            <p:stCondLst>
+                              <p:cond delay="1000"/>
+                            </p:stCondLst>
+                            <p:childTnLst>
+                              <p:par>
+                                <p:cTn id="169" presetID="22" presetClass="entr" presetSubtype="4" fill="hold" grpId="0" nodeType="afterEffect">
+                                  <p:stCondLst>
+                                    <p:cond delay="0"/>
+                                  </p:stCondLst>
+                                  <p:childTnLst>
+                                    <p:set>
+                                      <p:cBhvr>
+                                        <p:cTn id="170" dur="1" fill="hold">
+                                          <p:stCondLst>
+                                            <p:cond delay="0"/>
+                                          </p:stCondLst>
+                                        </p:cTn>
+                                        <p:tgtEl>
+                                          <p:spTgt spid="92"/>
+                                        </p:tgtEl>
+                                        <p:attrNameLst>
+                                          <p:attrName>style.visibility</p:attrName>
+                                        </p:attrNameLst>
+                                      </p:cBhvr>
+                                      <p:to>
+                                        <p:strVal val="visible"/>
+                                      </p:to>
+                                    </p:set>
+                                    <p:animEffect transition="in" filter="wipe(down)">
+                                      <p:cBhvr>
+                                        <p:cTn id="171" dur="500"/>
+                                        <p:tgtEl>
+                                          <p:spTgt spid="92"/>
+                                        </p:tgtEl>
+                                      </p:cBhvr>
+                                    </p:animEffect>
+                                  </p:childTnLst>
+                                </p:cTn>
+                              </p:par>
+                            </p:childTnLst>
+                          </p:cTn>
+                        </p:par>
+                        <p:par>
+                          <p:cTn id="172" fill="hold">
+                            <p:stCondLst>
+                              <p:cond delay="1500"/>
+                            </p:stCondLst>
+                            <p:childTnLst>
+                              <p:par>
+                                <p:cTn id="173" presetID="22" presetClass="entr" presetSubtype="4" fill="hold" grpId="0" nodeType="afterEffect">
+                                  <p:stCondLst>
+                                    <p:cond delay="0"/>
+                                  </p:stCondLst>
+                                  <p:childTnLst>
+                                    <p:set>
+                                      <p:cBhvr>
+                                        <p:cTn id="174" dur="1" fill="hold">
+                                          <p:stCondLst>
+                                            <p:cond delay="0"/>
+                                          </p:stCondLst>
+                                        </p:cTn>
+                                        <p:tgtEl>
+                                          <p:spTgt spid="93"/>
+                                        </p:tgtEl>
+                                        <p:attrNameLst>
+                                          <p:attrName>style.visibility</p:attrName>
+                                        </p:attrNameLst>
+                                      </p:cBhvr>
+                                      <p:to>
+                                        <p:strVal val="visible"/>
+                                      </p:to>
+                                    </p:set>
+                                    <p:animEffect transition="in" filter="wipe(down)">
+                                      <p:cBhvr>
+                                        <p:cTn id="175" dur="500"/>
+                                        <p:tgtEl>
+                                          <p:spTgt spid="93"/>
+                                        </p:tgtEl>
+                                      </p:cBhvr>
+                                    </p:animEffect>
+                                  </p:childTnLst>
+                                </p:cTn>
+                              </p:par>
+                            </p:childTnLst>
+                          </p:cTn>
+                        </p:par>
+                      </p:childTnLst>
+                    </p:cTn>
+                  </p:par>
+                  <p:par>
+                    <p:cTn id="176" fill="hold">
+                      <p:stCondLst>
+                        <p:cond delay="indefinite"/>
+                      </p:stCondLst>
+                      <p:childTnLst>
+                        <p:par>
+                          <p:cTn id="177" fill="hold">
+                            <p:stCondLst>
+                              <p:cond delay="0"/>
+                            </p:stCondLst>
+                            <p:childTnLst>
+                              <p:par>
+                                <p:cTn id="178" presetID="10" presetClass="exit" presetSubtype="0" fill="hold" grpId="1" nodeType="clickEffect">
+                                  <p:stCondLst>
+                                    <p:cond delay="0"/>
+                                  </p:stCondLst>
+                                  <p:childTnLst>
+                                    <p:animEffect transition="out" filter="fade">
+                                      <p:cBhvr>
+                                        <p:cTn id="179" dur="500"/>
+                                        <p:tgtEl>
+                                          <p:spTgt spid="82"/>
+                                        </p:tgtEl>
+                                      </p:cBhvr>
+                                    </p:animEffect>
+                                    <p:set>
+                                      <p:cBhvr>
+                                        <p:cTn id="180" dur="1" fill="hold">
+                                          <p:stCondLst>
+                                            <p:cond delay="499"/>
+                                          </p:stCondLst>
+                                        </p:cTn>
+                                        <p:tgtEl>
+                                          <p:spTgt spid="82"/>
+                                        </p:tgtEl>
+                                        <p:attrNameLst>
+                                          <p:attrName>style.visibility</p:attrName>
+                                        </p:attrNameLst>
+                                      </p:cBhvr>
+                                      <p:to>
+                                        <p:strVal val="hidden"/>
+                                      </p:to>
+                                    </p:set>
+                                  </p:childTnLst>
+                                </p:cTn>
+                              </p:par>
+                              <p:par>
+                                <p:cTn id="181" presetID="10" presetClass="exit" presetSubtype="0" fill="hold" grpId="1" nodeType="withEffect">
+                                  <p:stCondLst>
+                                    <p:cond delay="0"/>
+                                  </p:stCondLst>
+                                  <p:childTnLst>
+                                    <p:animEffect transition="out" filter="fade">
+                                      <p:cBhvr>
+                                        <p:cTn id="182" dur="500"/>
+                                        <p:tgtEl>
+                                          <p:spTgt spid="83"/>
+                                        </p:tgtEl>
+                                      </p:cBhvr>
+                                    </p:animEffect>
+                                    <p:set>
+                                      <p:cBhvr>
+                                        <p:cTn id="183" dur="1" fill="hold">
+                                          <p:stCondLst>
+                                            <p:cond delay="499"/>
+                                          </p:stCondLst>
+                                        </p:cTn>
+                                        <p:tgtEl>
+                                          <p:spTgt spid="83"/>
+                                        </p:tgtEl>
+                                        <p:attrNameLst>
+                                          <p:attrName>style.visibility</p:attrName>
+                                        </p:attrNameLst>
+                                      </p:cBhvr>
+                                      <p:to>
+                                        <p:strVal val="hidden"/>
+                                      </p:to>
+                                    </p:set>
+                                  </p:childTnLst>
+                                </p:cTn>
+                              </p:par>
+                              <p:par>
+                                <p:cTn id="184" presetID="10" presetClass="exit" presetSubtype="0" fill="hold" grpId="1" nodeType="withEffect">
+                                  <p:stCondLst>
+                                    <p:cond delay="0"/>
+                                  </p:stCondLst>
+                                  <p:childTnLst>
+                                    <p:animEffect transition="out" filter="fade">
+                                      <p:cBhvr>
+                                        <p:cTn id="185" dur="500"/>
+                                        <p:tgtEl>
+                                          <p:spTgt spid="84"/>
+                                        </p:tgtEl>
+                                      </p:cBhvr>
+                                    </p:animEffect>
+                                    <p:set>
+                                      <p:cBhvr>
+                                        <p:cTn id="186" dur="1" fill="hold">
+                                          <p:stCondLst>
+                                            <p:cond delay="499"/>
+                                          </p:stCondLst>
+                                        </p:cTn>
+                                        <p:tgtEl>
+                                          <p:spTgt spid="84"/>
+                                        </p:tgtEl>
+                                        <p:attrNameLst>
+                                          <p:attrName>style.visibility</p:attrName>
+                                        </p:attrNameLst>
+                                      </p:cBhvr>
+                                      <p:to>
+                                        <p:strVal val="hidden"/>
+                                      </p:to>
+                                    </p:set>
+                                  </p:childTnLst>
+                                </p:cTn>
+                              </p:par>
+                              <p:par>
+                                <p:cTn id="187" presetID="10" presetClass="exit" presetSubtype="0" fill="hold" grpId="1" nodeType="withEffect">
+                                  <p:stCondLst>
+                                    <p:cond delay="0"/>
+                                  </p:stCondLst>
+                                  <p:childTnLst>
+                                    <p:animEffect transition="out" filter="fade">
+                                      <p:cBhvr>
+                                        <p:cTn id="188" dur="500"/>
+                                        <p:tgtEl>
+                                          <p:spTgt spid="81"/>
+                                        </p:tgtEl>
+                                      </p:cBhvr>
+                                    </p:animEffect>
+                                    <p:set>
+                                      <p:cBhvr>
+                                        <p:cTn id="189" dur="1" fill="hold">
+                                          <p:stCondLst>
+                                            <p:cond delay="499"/>
+                                          </p:stCondLst>
+                                        </p:cTn>
+                                        <p:tgtEl>
+                                          <p:spTgt spid="81"/>
+                                        </p:tgtEl>
+                                        <p:attrNameLst>
+                                          <p:attrName>style.visibility</p:attrName>
+                                        </p:attrNameLst>
+                                      </p:cBhvr>
+                                      <p:to>
+                                        <p:strVal val="hidden"/>
+                                      </p:to>
+                                    </p:set>
+                                  </p:childTnLst>
+                                </p:cTn>
+                              </p:par>
+                            </p:childTnLst>
+                          </p:cTn>
+                        </p:par>
+                        <p:par>
+                          <p:cTn id="190" fill="hold">
+                            <p:stCondLst>
+                              <p:cond delay="500"/>
+                            </p:stCondLst>
+                            <p:childTnLst>
+                              <p:par>
+                                <p:cTn id="191" presetID="10" presetClass="entr" presetSubtype="0" fill="hold" grpId="0" nodeType="afterEffect">
+                                  <p:stCondLst>
+                                    <p:cond delay="0"/>
+                                  </p:stCondLst>
+                                  <p:childTnLst>
+                                    <p:set>
+                                      <p:cBhvr>
+                                        <p:cTn id="192" dur="1" fill="hold">
+                                          <p:stCondLst>
+                                            <p:cond delay="0"/>
+                                          </p:stCondLst>
+                                        </p:cTn>
+                                        <p:tgtEl>
+                                          <p:spTgt spid="94"/>
+                                        </p:tgtEl>
+                                        <p:attrNameLst>
+                                          <p:attrName>style.visibility</p:attrName>
+                                        </p:attrNameLst>
+                                      </p:cBhvr>
+                                      <p:to>
+                                        <p:strVal val="visible"/>
+                                      </p:to>
+                                    </p:set>
+                                    <p:animEffect transition="in" filter="fade">
+                                      <p:cBhvr>
+                                        <p:cTn id="193" dur="500"/>
+                                        <p:tgtEl>
+                                          <p:spTgt spid="94"/>
+                                        </p:tgtEl>
+                                      </p:cBhvr>
+                                    </p:animEffect>
+                                  </p:childTnLst>
+                                </p:cTn>
+                              </p:par>
+                            </p:childTnLst>
+                          </p:cTn>
+                        </p:par>
+                        <p:par>
+                          <p:cTn id="194" fill="hold">
+                            <p:stCondLst>
+                              <p:cond delay="1000"/>
+                            </p:stCondLst>
+                            <p:childTnLst>
+                              <p:par>
+                                <p:cTn id="195" presetID="10" presetClass="entr" presetSubtype="0" fill="hold" grpId="0" nodeType="afterEffect">
+                                  <p:stCondLst>
+                                    <p:cond delay="0"/>
+                                  </p:stCondLst>
+                                  <p:childTnLst>
+                                    <p:set>
+                                      <p:cBhvr>
+                                        <p:cTn id="196" dur="1" fill="hold">
+                                          <p:stCondLst>
+                                            <p:cond delay="0"/>
+                                          </p:stCondLst>
+                                        </p:cTn>
+                                        <p:tgtEl>
+                                          <p:spTgt spid="95"/>
+                                        </p:tgtEl>
+                                        <p:attrNameLst>
+                                          <p:attrName>style.visibility</p:attrName>
+                                        </p:attrNameLst>
+                                      </p:cBhvr>
+                                      <p:to>
+                                        <p:strVal val="visible"/>
+                                      </p:to>
+                                    </p:set>
+                                    <p:animEffect transition="in" filter="fade">
+                                      <p:cBhvr>
+                                        <p:cTn id="197" dur="500"/>
+                                        <p:tgtEl>
+                                          <p:spTgt spid="95"/>
+                                        </p:tgtEl>
+                                      </p:cBhvr>
+                                    </p:animEffect>
+                                  </p:childTnLst>
+                                </p:cTn>
+                              </p:par>
+                            </p:childTnLst>
+                          </p:cTn>
+                        </p:par>
+                        <p:par>
+                          <p:cTn id="198" fill="hold">
+                            <p:stCondLst>
+                              <p:cond delay="1500"/>
+                            </p:stCondLst>
+                            <p:childTnLst>
+                              <p:par>
+                                <p:cTn id="199" presetID="10" presetClass="entr" presetSubtype="0" fill="hold" grpId="0" nodeType="afterEffect">
+                                  <p:stCondLst>
+                                    <p:cond delay="0"/>
+                                  </p:stCondLst>
+                                  <p:childTnLst>
+                                    <p:set>
+                                      <p:cBhvr>
+                                        <p:cTn id="200" dur="1" fill="hold">
+                                          <p:stCondLst>
+                                            <p:cond delay="0"/>
+                                          </p:stCondLst>
+                                        </p:cTn>
+                                        <p:tgtEl>
+                                          <p:spTgt spid="96"/>
+                                        </p:tgtEl>
+                                        <p:attrNameLst>
+                                          <p:attrName>style.visibility</p:attrName>
+                                        </p:attrNameLst>
+                                      </p:cBhvr>
+                                      <p:to>
+                                        <p:strVal val="visible"/>
+                                      </p:to>
+                                    </p:set>
+                                    <p:animEffect transition="in" filter="fade">
+                                      <p:cBhvr>
+                                        <p:cTn id="201" dur="500"/>
+                                        <p:tgtEl>
+                                          <p:spTgt spid="96"/>
+                                        </p:tgtEl>
+                                      </p:cBhvr>
+                                    </p:animEffect>
+                                  </p:childTnLst>
+                                </p:cTn>
+                              </p:par>
+                            </p:childTnLst>
+                          </p:cTn>
+                        </p:par>
+                        <p:par>
+                          <p:cTn id="202" fill="hold">
+                            <p:stCondLst>
+                              <p:cond delay="2000"/>
+                            </p:stCondLst>
+                            <p:childTnLst>
+                              <p:par>
+                                <p:cTn id="203" presetID="10" presetClass="entr" presetSubtype="0" fill="hold" grpId="0" nodeType="afterEffect">
+                                  <p:stCondLst>
+                                    <p:cond delay="0"/>
+                                  </p:stCondLst>
+                                  <p:childTnLst>
+                                    <p:set>
+                                      <p:cBhvr>
+                                        <p:cTn id="204" dur="1" fill="hold">
+                                          <p:stCondLst>
+                                            <p:cond delay="0"/>
+                                          </p:stCondLst>
+                                        </p:cTn>
+                                        <p:tgtEl>
+                                          <p:spTgt spid="97"/>
+                                        </p:tgtEl>
+                                        <p:attrNameLst>
+                                          <p:attrName>style.visibility</p:attrName>
+                                        </p:attrNameLst>
+                                      </p:cBhvr>
+                                      <p:to>
+                                        <p:strVal val="visible"/>
+                                      </p:to>
+                                    </p:set>
+                                    <p:animEffect transition="in" filter="fade">
+                                      <p:cBhvr>
+                                        <p:cTn id="205" dur="500"/>
+                                        <p:tgtEl>
+                                          <p:spTgt spid="97"/>
+                                        </p:tgtEl>
+                                      </p:cBhvr>
+                                    </p:animEffect>
+                                  </p:childTnLst>
+                                </p:cTn>
+                              </p:par>
+                            </p:childTnLst>
+                          </p:cTn>
+                        </p:par>
+                      </p:childTnLst>
+                    </p:cTn>
+                  </p:par>
+                </p:childTnLst>
+              </p:cTn>
+              <p:prevCondLst>
+                <p:cond evt="onPrev" delay="0">
+                  <p:tgtEl>
+                    <p:sldTgt/>
+                  </p:tgtEl>
+                </p:cond>
+              </p:prevCondLst>
+              <p:nextCondLst>
+                <p:cond evt="onNext" delay="0">
+                  <p:tgtEl>
+                    <p:sldTgt/>
+                  </p:tgtEl>
+                </p:cond>
+              </p:nextCondLst>
+            </p:seq>
+          </p:childTnLst>
+        </p:cTn>
+      </p:par>
+    </p:tnLst>
+    <p:bldLst>
+      <p:bldP spid="18" grpId="0"/>
+      <p:bldP spid="49" grpId="0" animBg="1"/>
+      <p:bldP spid="53" grpId="0"/>
+      <p:bldP spid="54" grpId="0"/>
+      <p:bldP spid="54" grpId="1"/>
+      <p:bldP spid="55" grpId="0"/>
+      <p:bldP spid="56" grpId="0"/>
+      <p:bldP spid="65" grpId="0" animBg="1"/>
+      <p:bldP spid="69" grpId="0"/>
+      <p:bldP spid="70" grpId="0"/>
+      <p:bldP spid="71" grpId="0"/>
+      <p:bldP spid="71" grpId="1"/>
+      <p:bldP spid="72" grpId="0"/>
+      <p:bldP spid="73" grpId="0" animBg="1"/>
+      <p:bldP spid="77" grpId="0"/>
+      <p:bldP spid="78" grpId="0"/>
+      <p:bldP spid="79" grpId="0"/>
+      <p:bldP spid="80" grpId="0"/>
+      <p:bldP spid="80" grpId="1"/>
+      <p:bldP spid="81" grpId="0" animBg="1"/>
+      <p:bldP spid="81" grpId="1" animBg="1"/>
+      <p:bldP spid="82" grpId="0" animBg="1"/>
+      <p:bldP spid="82" grpId="1" animBg="1"/>
+      <p:bldP spid="83" grpId="0" animBg="1"/>
+      <p:bldP spid="83" grpId="1" animBg="1"/>
+      <p:bldP spid="84" grpId="0" animBg="1"/>
+      <p:bldP spid="84" grpId="1" animBg="1"/>
+      <p:bldP spid="90" grpId="0"/>
+      <p:bldP spid="91" grpId="0"/>
+      <p:bldP spid="92" grpId="0"/>
+      <p:bldP spid="93" grpId="0"/>
+      <p:bldP spid="94" grpId="0" animBg="1"/>
+      <p:bldP spid="95" grpId="0" animBg="1"/>
+      <p:bldP spid="96" grpId="0" animBg="1"/>
+      <p:bldP spid="97" grpId="0" animBg="1"/>
+    </p:bldLst>
+  </p:timing>
+</p:sld>
+</file>
+
+<file path=ppt/slides/slide14.xml><?xml version="1.0" encoding="utf-8"?>
+<p:sld xmlns:a="http://schemas.openxmlformats.org/drawingml/2006/main" xmlns:r="http://schemas.openxmlformats.org/officeDocument/2006/relationships" xmlns:p="http://schemas.openxmlformats.org/presentationml/2006/main">
+  <p:cSld>
+    <p:spTree>
+      <p:nvGrpSpPr>
+        <p:cNvPr id="1" name=""/>
+        <p:cNvGrpSpPr/>
+        <p:nvPr/>
+      </p:nvGrpSpPr>
+      <p:grpSpPr>
+        <a:xfrm>
+          <a:off x="0" y="0"/>
+          <a:ext cx="0" cy="0"/>
+          <a:chOff x="0" y="0"/>
+          <a:chExt cx="0" cy="0"/>
+        </a:xfrm>
+      </p:grpSpPr>
+      <p:sp>
+        <p:nvSpPr>
+          <p:cNvPr id="2" name="Título 1">
+            <a:extLst>
+              <a:ext uri="{FF2B5EF4-FFF2-40B4-BE49-F238E27FC236}">
+                <a16:creationId xmlns:a16="http://schemas.microsoft.com/office/drawing/2014/main" id="{25068522-B10A-41BC-906C-312C0DD894CB}"/>
+              </a:ext>
+            </a:extLst>
+          </p:cNvPr>
+          <p:cNvSpPr>
+            <a:spLocks noGrp="1"/>
+          </p:cNvSpPr>
+          <p:nvPr>
+            <p:ph type="title"/>
+          </p:nvPr>
+        </p:nvSpPr>
+        <p:spPr/>
+        <p:txBody>
+          <a:bodyPr/>
+          <a:lstStyle/>
+          <a:p>
+            <a:r>
+              <a:rPr lang="es-ES" dirty="0"/>
+              <a:t>Comportamiento Algoritmo Genético</a:t>
+            </a:r>
+          </a:p>
+        </p:txBody>
+      </p:sp>
+      <p:pic>
+        <p:nvPicPr>
+          <p:cNvPr id="13" name="Marcador de contenido 12">
+            <a:extLst>
+              <a:ext uri="{FF2B5EF4-FFF2-40B4-BE49-F238E27FC236}">
+                <a16:creationId xmlns:a16="http://schemas.microsoft.com/office/drawing/2014/main" id="{49804399-A794-4BD4-97A9-F38D30D0696F}"/>
+              </a:ext>
+            </a:extLst>
+          </p:cNvPr>
+          <p:cNvPicPr>
+            <a:picLocks noGrp="1" noChangeAspect="1"/>
+          </p:cNvPicPr>
+          <p:nvPr>
+            <p:ph idx="1"/>
+          </p:nvPr>
+        </p:nvPicPr>
+        <p:blipFill>
+          <a:blip r:embed="rId2">
+            <a:extLst>
+              <a:ext uri="{28A0092B-C50C-407E-A947-70E740481C1C}">
+                <a14:useLocalDpi xmlns:a14="http://schemas.microsoft.com/office/drawing/2010/main" val="0"/>
+              </a:ext>
+              <a:ext uri="{96DAC541-7B7A-43D3-8B79-37D633B846F1}">
+                <asvg:svgBlip xmlns:asvg="http://schemas.microsoft.com/office/drawing/2016/SVG/main" r:embed="rId3"/>
+              </a:ext>
+            </a:extLst>
+          </a:blip>
+          <a:stretch>
+            <a:fillRect/>
+          </a:stretch>
+        </p:blipFill>
+        <p:spPr>
+          <a:xfrm>
+            <a:off x="3011714" y="2088810"/>
+            <a:ext cx="6168572" cy="4626429"/>
+          </a:xfrm>
+        </p:spPr>
+      </p:pic>
+    </p:spTree>
+    <p:extLst>
+      <p:ext uri="{BB962C8B-B14F-4D97-AF65-F5344CB8AC3E}">
+        <p14:creationId xmlns:p14="http://schemas.microsoft.com/office/powerpoint/2010/main" val="110201391"/>
+      </p:ext>
+    </p:extLst>
+  </p:cSld>
+  <p:clrMapOvr>
+    <a:masterClrMapping/>
+  </p:clrMapOvr>
+</p:sld>
+</file>
+
+<file path=ppt/slides/slide15.xml><?xml version="1.0" encoding="utf-8"?>
+<p:sld xmlns:a="http://schemas.openxmlformats.org/drawingml/2006/main" xmlns:r="http://schemas.openxmlformats.org/officeDocument/2006/relationships" xmlns:p="http://schemas.openxmlformats.org/presentationml/2006/main">
+  <p:cSld>
+    <p:spTree>
+      <p:nvGrpSpPr>
+        <p:cNvPr id="1" name=""/>
+        <p:cNvGrpSpPr/>
+        <p:nvPr/>
+      </p:nvGrpSpPr>
+      <p:grpSpPr>
+        <a:xfrm>
+          <a:off x="0" y="0"/>
+          <a:ext cx="0" cy="0"/>
+          <a:chOff x="0" y="0"/>
+          <a:chExt cx="0" cy="0"/>
+        </a:xfrm>
+      </p:grpSpPr>
+      <p:sp>
+        <p:nvSpPr>
+          <p:cNvPr id="2" name="Título 1">
+            <a:extLst>
+              <a:ext uri="{FF2B5EF4-FFF2-40B4-BE49-F238E27FC236}">
+                <a16:creationId xmlns:a16="http://schemas.microsoft.com/office/drawing/2014/main" id="{25068522-B10A-41BC-906C-312C0DD894CB}"/>
+              </a:ext>
+            </a:extLst>
+          </p:cNvPr>
+          <p:cNvSpPr>
+            <a:spLocks noGrp="1"/>
+          </p:cNvSpPr>
+          <p:nvPr>
+            <p:ph type="title"/>
+          </p:nvPr>
+        </p:nvSpPr>
+        <p:spPr/>
+        <p:txBody>
+          <a:bodyPr/>
+          <a:lstStyle/>
+          <a:p>
+            <a:r>
+              <a:rPr lang="es-ES" dirty="0"/>
+              <a:t>Comportamiento Algoritmo Genético</a:t>
+            </a:r>
+          </a:p>
+        </p:txBody>
+      </p:sp>
+      <p:pic>
+        <p:nvPicPr>
+          <p:cNvPr id="4" name="Gráfico 3">
+            <a:extLst>
+              <a:ext uri="{FF2B5EF4-FFF2-40B4-BE49-F238E27FC236}">
+                <a16:creationId xmlns:a16="http://schemas.microsoft.com/office/drawing/2014/main" id="{DABD3DA4-7590-44EE-AD28-9CA30774901E}"/>
+              </a:ext>
+            </a:extLst>
+          </p:cNvPr>
+          <p:cNvPicPr>
+            <a:picLocks noChangeAspect="1"/>
+          </p:cNvPicPr>
+          <p:nvPr/>
+        </p:nvPicPr>
+        <p:blipFill>
+          <a:blip r:embed="rId2">
+            <a:extLst>
+              <a:ext uri="{28A0092B-C50C-407E-A947-70E740481C1C}">
+                <a14:useLocalDpi xmlns:a14="http://schemas.microsoft.com/office/drawing/2010/main" val="0"/>
+              </a:ext>
+              <a:ext uri="{96DAC541-7B7A-43D3-8B79-37D633B846F1}">
+                <asvg:svgBlip xmlns:asvg="http://schemas.microsoft.com/office/drawing/2016/SVG/main" r:embed="rId3"/>
+              </a:ext>
+            </a:extLst>
+          </a:blip>
+          <a:stretch>
+            <a:fillRect/>
+          </a:stretch>
+        </p:blipFill>
+        <p:spPr>
+          <a:xfrm>
+            <a:off x="3011714" y="2088809"/>
+            <a:ext cx="6168572" cy="4626429"/>
+          </a:xfrm>
+          <a:prstGeom prst="rect">
+            <a:avLst/>
+          </a:prstGeom>
+        </p:spPr>
+      </p:pic>
+    </p:spTree>
+    <p:extLst>
+      <p:ext uri="{BB962C8B-B14F-4D97-AF65-F5344CB8AC3E}">
+        <p14:creationId xmlns:p14="http://schemas.microsoft.com/office/powerpoint/2010/main" val="3342222061"/>
+      </p:ext>
+    </p:extLst>
+  </p:cSld>
+  <p:clrMapOvr>
+    <a:masterClrMapping/>
+  </p:clrMapOvr>
+</p:sld>
+</file>
+
+<file path=ppt/slides/slide16.xml><?xml version="1.0" encoding="utf-8"?>
+<p:sld xmlns:a="http://schemas.openxmlformats.org/drawingml/2006/main" xmlns:r="http://schemas.openxmlformats.org/officeDocument/2006/relationships" xmlns:p="http://schemas.openxmlformats.org/presentationml/2006/main">
+  <p:cSld>
+    <p:spTree>
+      <p:nvGrpSpPr>
+        <p:cNvPr id="1" name=""/>
+        <p:cNvGrpSpPr/>
+        <p:nvPr/>
+      </p:nvGrpSpPr>
+      <p:grpSpPr>
+        <a:xfrm>
+          <a:off x="0" y="0"/>
+          <a:ext cx="0" cy="0"/>
+          <a:chOff x="0" y="0"/>
+          <a:chExt cx="0" cy="0"/>
+        </a:xfrm>
+      </p:grpSpPr>
+      <p:pic>
+        <p:nvPicPr>
+          <p:cNvPr id="5" name="Marcador de contenido 4">
+            <a:extLst>
+              <a:ext uri="{FF2B5EF4-FFF2-40B4-BE49-F238E27FC236}">
+                <a16:creationId xmlns:a16="http://schemas.microsoft.com/office/drawing/2014/main" id="{9B0D167B-94EA-41EB-B48A-761ED88354EB}"/>
+              </a:ext>
+            </a:extLst>
+          </p:cNvPr>
+          <p:cNvPicPr>
+            <a:picLocks noGrp="1" noChangeAspect="1"/>
+          </p:cNvPicPr>
+          <p:nvPr>
+            <p:ph idx="1"/>
+          </p:nvPr>
+        </p:nvPicPr>
+        <p:blipFill>
+          <a:blip r:embed="rId2">
+            <a:extLst>
+              <a:ext uri="{28A0092B-C50C-407E-A947-70E740481C1C}">
+                <a14:useLocalDpi xmlns:a14="http://schemas.microsoft.com/office/drawing/2010/main" val="0"/>
+              </a:ext>
+              <a:ext uri="{96DAC541-7B7A-43D3-8B79-37D633B846F1}">
+                <asvg:svgBlip xmlns:asvg="http://schemas.microsoft.com/office/drawing/2016/SVG/main" r:embed="rId3"/>
+              </a:ext>
+            </a:extLst>
+          </a:blip>
+          <a:stretch>
+            <a:fillRect/>
+          </a:stretch>
+        </p:blipFill>
+        <p:spPr>
+          <a:xfrm>
+            <a:off x="3011714" y="2088809"/>
+            <a:ext cx="6168572" cy="4626429"/>
+          </a:xfrm>
+        </p:spPr>
+      </p:pic>
+      <p:sp>
+        <p:nvSpPr>
+          <p:cNvPr id="2" name="Título 1">
+            <a:extLst>
+              <a:ext uri="{FF2B5EF4-FFF2-40B4-BE49-F238E27FC236}">
+                <a16:creationId xmlns:a16="http://schemas.microsoft.com/office/drawing/2014/main" id="{25068522-B10A-41BC-906C-312C0DD894CB}"/>
+              </a:ext>
+            </a:extLst>
+          </p:cNvPr>
+          <p:cNvSpPr>
+            <a:spLocks noGrp="1"/>
+          </p:cNvSpPr>
+          <p:nvPr>
+            <p:ph type="title"/>
+          </p:nvPr>
+        </p:nvSpPr>
+        <p:spPr/>
+        <p:txBody>
+          <a:bodyPr/>
+          <a:lstStyle/>
+          <a:p>
+            <a:r>
+              <a:rPr lang="es-ES" dirty="0"/>
+              <a:t>Comportamiento </a:t>
+            </a:r>
+            <a:r>
+              <a:rPr lang="es-ES" dirty="0" err="1"/>
+              <a:t>Taboo</a:t>
+            </a:r>
+            <a:endParaRPr lang="es-ES" dirty="0"/>
+          </a:p>
+        </p:txBody>
+      </p:sp>
+    </p:spTree>
+    <p:extLst>
+      <p:ext uri="{BB962C8B-B14F-4D97-AF65-F5344CB8AC3E}">
+        <p14:creationId xmlns:p14="http://schemas.microsoft.com/office/powerpoint/2010/main" val="2137409183"/>
+      </p:ext>
+    </p:extLst>
+  </p:cSld>
+  <p:clrMapOvr>
+    <a:masterClrMapping/>
+  </p:clrMapOvr>
+</p:sld>
+</file>
+
+<file path=ppt/slides/slide17.xml><?xml version="1.0" encoding="utf-8"?>
+<p:sld xmlns:a="http://schemas.openxmlformats.org/drawingml/2006/main" xmlns:r="http://schemas.openxmlformats.org/officeDocument/2006/relationships" xmlns:p="http://schemas.openxmlformats.org/presentationml/2006/main">
+  <p:cSld>
+    <p:spTree>
+      <p:nvGrpSpPr>
+        <p:cNvPr id="1" name=""/>
+        <p:cNvGrpSpPr/>
+        <p:nvPr/>
+      </p:nvGrpSpPr>
+      <p:grpSpPr>
+        <a:xfrm>
+          <a:off x="0" y="0"/>
+          <a:ext cx="0" cy="0"/>
+          <a:chOff x="0" y="0"/>
+          <a:chExt cx="0" cy="0"/>
+        </a:xfrm>
+      </p:grpSpPr>
+      <p:pic>
+        <p:nvPicPr>
+          <p:cNvPr id="5" name="Marcador de contenido 4">
+            <a:extLst>
+              <a:ext uri="{FF2B5EF4-FFF2-40B4-BE49-F238E27FC236}">
+                <a16:creationId xmlns:a16="http://schemas.microsoft.com/office/drawing/2014/main" id="{EAB5D8DE-35C9-4A4B-80DB-93405FC5D617}"/>
+              </a:ext>
+            </a:extLst>
+          </p:cNvPr>
+          <p:cNvPicPr>
+            <a:picLocks noGrp="1" noChangeAspect="1"/>
+          </p:cNvPicPr>
+          <p:nvPr>
+            <p:ph idx="1"/>
+          </p:nvPr>
+        </p:nvPicPr>
+        <p:blipFill>
+          <a:blip r:embed="rId2">
+            <a:extLst>
+              <a:ext uri="{28A0092B-C50C-407E-A947-70E740481C1C}">
+                <a14:useLocalDpi xmlns:a14="http://schemas.microsoft.com/office/drawing/2010/main" val="0"/>
+              </a:ext>
+              <a:ext uri="{96DAC541-7B7A-43D3-8B79-37D633B846F1}">
+                <asvg:svgBlip xmlns:asvg="http://schemas.microsoft.com/office/drawing/2016/SVG/main" r:embed="rId3"/>
+              </a:ext>
+            </a:extLst>
+          </a:blip>
+          <a:stretch>
+            <a:fillRect/>
+          </a:stretch>
+        </p:blipFill>
+        <p:spPr>
+          <a:xfrm>
+            <a:off x="3011714" y="2088809"/>
+            <a:ext cx="6168572" cy="4626429"/>
+          </a:xfrm>
+        </p:spPr>
+      </p:pic>
+      <p:sp>
+        <p:nvSpPr>
+          <p:cNvPr id="2" name="Título 1">
+            <a:extLst>
+              <a:ext uri="{FF2B5EF4-FFF2-40B4-BE49-F238E27FC236}">
+                <a16:creationId xmlns:a16="http://schemas.microsoft.com/office/drawing/2014/main" id="{25068522-B10A-41BC-906C-312C0DD894CB}"/>
+              </a:ext>
+            </a:extLst>
+          </p:cNvPr>
+          <p:cNvSpPr>
+            <a:spLocks noGrp="1"/>
+          </p:cNvSpPr>
+          <p:nvPr>
+            <p:ph type="title"/>
+          </p:nvPr>
+        </p:nvSpPr>
+        <p:spPr/>
+        <p:txBody>
+          <a:bodyPr/>
+          <a:lstStyle/>
+          <a:p>
+            <a:r>
+              <a:rPr lang="es-ES" dirty="0"/>
+              <a:t>Comportamiento </a:t>
+            </a:r>
+            <a:r>
+              <a:rPr lang="es-ES" dirty="0" err="1"/>
+              <a:t>Taboo</a:t>
+            </a:r>
+            <a:endParaRPr lang="es-ES" dirty="0"/>
+          </a:p>
+        </p:txBody>
+      </p:sp>
+    </p:spTree>
+    <p:extLst>
+      <p:ext uri="{BB962C8B-B14F-4D97-AF65-F5344CB8AC3E}">
+        <p14:creationId xmlns:p14="http://schemas.microsoft.com/office/powerpoint/2010/main" val="1870048065"/>
+      </p:ext>
+    </p:extLst>
+  </p:cSld>
+  <p:clrMapOvr>
+    <a:masterClrMapping/>
+  </p:clrMapOvr>
+</p:sld>
+</file>
+
+<file path=ppt/slides/slide18.xml><?xml version="1.0" encoding="utf-8"?>
+<p:sld xmlns:a="http://schemas.openxmlformats.org/drawingml/2006/main" xmlns:r="http://schemas.openxmlformats.org/officeDocument/2006/relationships" xmlns:p="http://schemas.openxmlformats.org/presentationml/2006/main">
+  <p:cSld>
+    <p:spTree>
+      <p:nvGrpSpPr>
+        <p:cNvPr id="1" name=""/>
+        <p:cNvGrpSpPr/>
+        <p:nvPr/>
+      </p:nvGrpSpPr>
+      <p:grpSpPr>
+        <a:xfrm>
+          <a:off x="0" y="0"/>
+          <a:ext cx="0" cy="0"/>
+          <a:chOff x="0" y="0"/>
+          <a:chExt cx="0" cy="0"/>
+        </a:xfrm>
+      </p:grpSpPr>
+      <p:sp>
+        <p:nvSpPr>
+          <p:cNvPr id="2" name="Título 1">
+            <a:extLst>
+              <a:ext uri="{FF2B5EF4-FFF2-40B4-BE49-F238E27FC236}">
                 <a16:creationId xmlns:a16="http://schemas.microsoft.com/office/drawing/2014/main" id="{3EEB9677-ADA3-4FB2-AF76-77AF417D1BB5}"/>
               </a:ext>
             </a:extLst>
@@ -6815,7 +13085,7 @@
         </p:nvSpPr>
         <p:spPr>
           <a:xfrm>
-            <a:off x="549965" y="212035"/>
+            <a:off x="854808" y="224066"/>
             <a:ext cx="10832033" cy="1205603"/>
           </a:xfrm>
         </p:spPr>
@@ -6903,7 +13173,10 @@
             </a:r>
           </a:p>
           <a:p>
-            <a:endParaRPr lang="es-ES" dirty="0"/>
+            <a:r>
+              <a:rPr lang="es-ES" dirty="0"/>
+              <a:t>Gráficas</a:t>
+            </a:r>
           </a:p>
         </p:txBody>
       </p:sp>

--- a/TrabajoSI.pptx
+++ b/TrabajoSI.pptx
@@ -16,13 +16,7 @@
     <p:sldId id="264" r:id="rId10"/>
     <p:sldId id="265" r:id="rId11"/>
     <p:sldId id="266" r:id="rId12"/>
-    <p:sldId id="273" r:id="rId13"/>
-    <p:sldId id="274" r:id="rId14"/>
-    <p:sldId id="269" r:id="rId15"/>
-    <p:sldId id="270" r:id="rId16"/>
-    <p:sldId id="271" r:id="rId17"/>
-    <p:sldId id="272" r:id="rId18"/>
-    <p:sldId id="267" r:id="rId19"/>
+    <p:sldId id="267" r:id="rId13"/>
   </p:sldIdLst>
   <p:sldSz cx="12192000" cy="6858000"/>
   <p:notesSz cx="6858000" cy="9144000"/>
@@ -153,16 +147,6 @@
         <p14:section name="Taboo" id="{A9788806-0641-42F6-A7BC-FFD8E6A3DEDC}">
           <p14:sldIdLst>
             <p14:sldId id="266"/>
-            <p14:sldId id="273"/>
-            <p14:sldId id="274"/>
-          </p14:sldIdLst>
-        </p14:section>
-        <p14:section name="Gráficas" id="{AA121810-8F6C-4A94-A3CB-E10F6B715D80}">
-          <p14:sldIdLst>
-            <p14:sldId id="269"/>
-            <p14:sldId id="270"/>
-            <p14:sldId id="271"/>
-            <p14:sldId id="272"/>
           </p14:sldIdLst>
         </p14:section>
         <p14:section name="GitHub" id="{E67EADC7-8579-42EC-9233-1027EBCEFCD8}">
@@ -274,7 +258,7 @@
           <a:effectLst/>
           <a:extLst>
             <a:ext uri="{91240B29-F687-4f45-9708-019B960494DF}">
-              <a14:hiddenLine xmlns="" xmlns:a14="http://schemas.microsoft.com/office/drawing/2010/main" w="9525">
+              <a14:hiddenLine xmlns:a14="http://schemas.microsoft.com/office/drawing/2010/main" xmlns="" w="9525">
                 <a:solidFill>
                   <a:srgbClr val="000000"/>
                 </a:solidFill>
@@ -1796,7 +1780,7 @@
           <a:ln/>
           <a:extLst>
             <a:ext uri="{91240B29-F687-4f45-9708-019B960494DF}">
-              <a14:hiddenLine xmlns="" xmlns:a14="http://schemas.microsoft.com/office/drawing/2010/main" w="9525">
+              <a14:hiddenLine xmlns:a14="http://schemas.microsoft.com/office/drawing/2010/main" xmlns="" w="9525">
                 <a:solidFill>
                   <a:srgbClr val="000000"/>
                 </a:solidFill>
@@ -2071,7 +2055,7 @@
           <a:ln/>
           <a:extLst>
             <a:ext uri="{91240B29-F687-4f45-9708-019B960494DF}">
-              <a14:hiddenLine xmlns="" xmlns:a14="http://schemas.microsoft.com/office/drawing/2010/main" w="9525">
+              <a14:hiddenLine xmlns:a14="http://schemas.microsoft.com/office/drawing/2010/main" xmlns="" w="9525">
                 <a:solidFill>
                   <a:srgbClr val="000000"/>
                 </a:solidFill>
@@ -2354,7 +2338,7 @@
           <a:ln/>
           <a:extLst>
             <a:ext uri="{91240B29-F687-4f45-9708-019B960494DF}">
-              <a14:hiddenLine xmlns="" xmlns:a14="http://schemas.microsoft.com/office/drawing/2010/main" w="9525">
+              <a14:hiddenLine xmlns:a14="http://schemas.microsoft.com/office/drawing/2010/main" xmlns="" w="9525">
                 <a:solidFill>
                   <a:srgbClr val="000000"/>
                 </a:solidFill>
@@ -2980,7 +2964,7 @@
           <a:ln/>
           <a:extLst>
             <a:ext uri="{91240B29-F687-4f45-9708-019B960494DF}">
-              <a14:hiddenLine xmlns="" xmlns:a14="http://schemas.microsoft.com/office/drawing/2010/main" w="9525">
+              <a14:hiddenLine xmlns:a14="http://schemas.microsoft.com/office/drawing/2010/main" xmlns="" w="9525">
                 <a:solidFill>
                   <a:srgbClr val="000000"/>
                 </a:solidFill>
@@ -3319,7 +3303,7 @@
           <a:ln/>
           <a:extLst>
             <a:ext uri="{91240B29-F687-4f45-9708-019B960494DF}">
-              <a14:hiddenLine xmlns="" xmlns:a14="http://schemas.microsoft.com/office/drawing/2010/main" w="9525">
+              <a14:hiddenLine xmlns:a14="http://schemas.microsoft.com/office/drawing/2010/main" xmlns="" w="9525">
                 <a:solidFill>
                   <a:srgbClr val="000000"/>
                 </a:solidFill>
@@ -3796,7 +3780,7 @@
           <a:ln/>
           <a:extLst>
             <a:ext uri="{91240B29-F687-4f45-9708-019B960494DF}">
-              <a14:hiddenLine xmlns="" xmlns:a14="http://schemas.microsoft.com/office/drawing/2010/main" w="9525">
+              <a14:hiddenLine xmlns:a14="http://schemas.microsoft.com/office/drawing/2010/main" xmlns="" w="9525">
                 <a:solidFill>
                   <a:srgbClr val="000000"/>
                 </a:solidFill>
@@ -4225,7 +4209,7 @@
           <a:ln/>
           <a:extLst>
             <a:ext uri="{91240B29-F687-4f45-9708-019B960494DF}">
-              <a14:hiddenLine xmlns="" xmlns:a14="http://schemas.microsoft.com/office/drawing/2010/main" w="9525">
+              <a14:hiddenLine xmlns:a14="http://schemas.microsoft.com/office/drawing/2010/main" xmlns="" w="9525">
                 <a:solidFill>
                   <a:srgbClr val="000000"/>
                 </a:solidFill>
@@ -6738,6260 +6722,6 @@
           <p:cNvPr id="2" name="Título 1">
             <a:extLst>
               <a:ext uri="{FF2B5EF4-FFF2-40B4-BE49-F238E27FC236}">
-                <a16:creationId xmlns:a16="http://schemas.microsoft.com/office/drawing/2014/main" id="{B68A0CE6-5A67-4FD7-8F82-74DABD0469E9}"/>
-              </a:ext>
-            </a:extLst>
-          </p:cNvPr>
-          <p:cNvSpPr>
-            <a:spLocks noGrp="1"/>
-          </p:cNvSpPr>
-          <p:nvPr>
-            <p:ph type="title"/>
-          </p:nvPr>
-        </p:nvSpPr>
-        <p:spPr/>
-        <p:txBody>
-          <a:bodyPr/>
-          <a:lstStyle/>
-          <a:p>
-            <a:r>
-              <a:rPr lang="es-ES" dirty="0"/>
-              <a:t>Función sucesores</a:t>
-            </a:r>
-          </a:p>
-        </p:txBody>
-      </p:sp>
-      <p:sp>
-        <p:nvSpPr>
-          <p:cNvPr id="6" name="CuadroTexto 5">
-            <a:extLst>
-              <a:ext uri="{FF2B5EF4-FFF2-40B4-BE49-F238E27FC236}">
-                <a16:creationId xmlns:a16="http://schemas.microsoft.com/office/drawing/2014/main" id="{AD9DAC53-7732-4629-B93C-2D645EE24A64}"/>
-              </a:ext>
-            </a:extLst>
-          </p:cNvPr>
-          <p:cNvSpPr txBox="1"/>
-          <p:nvPr/>
-        </p:nvSpPr>
-        <p:spPr>
-          <a:xfrm>
-            <a:off x="1190171" y="2163495"/>
-            <a:ext cx="9826172" cy="4247317"/>
-          </a:xfrm>
-          <a:prstGeom prst="rect">
-            <a:avLst/>
-          </a:prstGeom>
-          <a:noFill/>
-        </p:spPr>
-        <p:txBody>
-          <a:bodyPr wrap="square" rtlCol="0">
-            <a:spAutoFit/>
-          </a:bodyPr>
-          <a:lstStyle/>
-          <a:p>
-            <a:r>
-              <a:rPr lang="es-ES" dirty="0" err="1">
-                <a:solidFill>
-                  <a:srgbClr val="569CD6"/>
-                </a:solidFill>
-                <a:latin typeface="Consolas" panose="020B0609020204030204" pitchFamily="49" charset="0"/>
-              </a:rPr>
-              <a:t>function</a:t>
-            </a:r>
-            <a:r>
-              <a:rPr lang="es-ES" dirty="0">
-                <a:solidFill>
-                  <a:srgbClr val="D4D4D4"/>
-                </a:solidFill>
-                <a:latin typeface="Consolas" panose="020B0609020204030204" pitchFamily="49" charset="0"/>
-              </a:rPr>
-              <a:t> [</a:t>
-            </a:r>
-            <a:r>
-              <a:rPr lang="es-ES" dirty="0" err="1">
-                <a:solidFill>
-                  <a:srgbClr val="9CDCFE"/>
-                </a:solidFill>
-                <a:latin typeface="Consolas" panose="020B0609020204030204" pitchFamily="49" charset="0"/>
-              </a:rPr>
-              <a:t>lista_sucesores</a:t>
-            </a:r>
-            <a:r>
-              <a:rPr lang="es-ES" dirty="0">
-                <a:solidFill>
-                  <a:srgbClr val="D4D4D4"/>
-                </a:solidFill>
-                <a:latin typeface="Consolas" panose="020B0609020204030204" pitchFamily="49" charset="0"/>
-              </a:rPr>
-              <a:t>, </a:t>
-            </a:r>
-            <a:r>
-              <a:rPr lang="es-ES" dirty="0" err="1">
-                <a:solidFill>
-                  <a:srgbClr val="9CDCFE"/>
-                </a:solidFill>
-                <a:latin typeface="Consolas" panose="020B0609020204030204" pitchFamily="49" charset="0"/>
-              </a:rPr>
-              <a:t>posChanged</a:t>
-            </a:r>
-            <a:r>
-              <a:rPr lang="es-ES" dirty="0">
-                <a:solidFill>
-                  <a:srgbClr val="D4D4D4"/>
-                </a:solidFill>
-                <a:latin typeface="Consolas" panose="020B0609020204030204" pitchFamily="49" charset="0"/>
-              </a:rPr>
-              <a:t>] = </a:t>
-            </a:r>
-            <a:r>
-              <a:rPr lang="es-ES" dirty="0">
-                <a:solidFill>
-                  <a:srgbClr val="DCDCAA"/>
-                </a:solidFill>
-                <a:latin typeface="Consolas" panose="020B0609020204030204" pitchFamily="49" charset="0"/>
-              </a:rPr>
-              <a:t>sucesores</a:t>
-            </a:r>
-            <a:r>
-              <a:rPr lang="es-ES" dirty="0">
-                <a:solidFill>
-                  <a:srgbClr val="D4D4D4"/>
-                </a:solidFill>
-                <a:latin typeface="Consolas" panose="020B0609020204030204" pitchFamily="49" charset="0"/>
-              </a:rPr>
-              <a:t>(</a:t>
-            </a:r>
-            <a:r>
-              <a:rPr lang="es-ES" dirty="0">
-                <a:solidFill>
-                  <a:srgbClr val="9CDCFE"/>
-                </a:solidFill>
-                <a:latin typeface="Consolas" panose="020B0609020204030204" pitchFamily="49" charset="0"/>
-              </a:rPr>
-              <a:t>original</a:t>
-            </a:r>
-            <a:r>
-              <a:rPr lang="es-ES" dirty="0">
-                <a:solidFill>
-                  <a:srgbClr val="D4D4D4"/>
-                </a:solidFill>
-                <a:latin typeface="Consolas" panose="020B0609020204030204" pitchFamily="49" charset="0"/>
-              </a:rPr>
-              <a:t>, </a:t>
-            </a:r>
-            <a:r>
-              <a:rPr lang="es-ES" dirty="0">
-                <a:solidFill>
-                  <a:srgbClr val="9CDCFE"/>
-                </a:solidFill>
-                <a:latin typeface="Consolas" panose="020B0609020204030204" pitchFamily="49" charset="0"/>
-              </a:rPr>
-              <a:t>distancias</a:t>
-            </a:r>
-            <a:r>
-              <a:rPr lang="es-ES" dirty="0">
-                <a:solidFill>
-                  <a:srgbClr val="D4D4D4"/>
-                </a:solidFill>
-                <a:latin typeface="Consolas" panose="020B0609020204030204" pitchFamily="49" charset="0"/>
-              </a:rPr>
-              <a:t>)</a:t>
-            </a:r>
-          </a:p>
-          <a:p>
-            <a:br>
-              <a:rPr lang="es-ES" dirty="0">
-                <a:solidFill>
-                  <a:srgbClr val="D4D4D4"/>
-                </a:solidFill>
-                <a:latin typeface="Consolas" panose="020B0609020204030204" pitchFamily="49" charset="0"/>
-              </a:rPr>
-            </a:br>
-            <a:r>
-              <a:rPr lang="es-ES" dirty="0" err="1">
-                <a:solidFill>
-                  <a:srgbClr val="D4D4D4"/>
-                </a:solidFill>
-                <a:latin typeface="Consolas" panose="020B0609020204030204" pitchFamily="49" charset="0"/>
-              </a:rPr>
-              <a:t>lista_sucesores</a:t>
-            </a:r>
-            <a:r>
-              <a:rPr lang="es-ES" dirty="0">
-                <a:solidFill>
-                  <a:srgbClr val="D4D4D4"/>
-                </a:solidFill>
-                <a:latin typeface="Consolas" panose="020B0609020204030204" pitchFamily="49" charset="0"/>
-              </a:rPr>
-              <a:t> = </a:t>
-            </a:r>
-            <a:r>
-              <a:rPr lang="es-ES" dirty="0" err="1">
-                <a:solidFill>
-                  <a:srgbClr val="569CD6"/>
-                </a:solidFill>
-                <a:latin typeface="Consolas" panose="020B0609020204030204" pitchFamily="49" charset="0"/>
-              </a:rPr>
-              <a:t>repmat</a:t>
-            </a:r>
-            <a:r>
-              <a:rPr lang="es-ES" dirty="0">
-                <a:solidFill>
-                  <a:srgbClr val="D4D4D4"/>
-                </a:solidFill>
-                <a:latin typeface="Consolas" panose="020B0609020204030204" pitchFamily="49" charset="0"/>
-              </a:rPr>
-              <a:t>(original, </a:t>
-            </a:r>
-            <a:r>
-              <a:rPr lang="es-ES" dirty="0" err="1">
-                <a:solidFill>
-                  <a:srgbClr val="569CD6"/>
-                </a:solidFill>
-                <a:latin typeface="Consolas" panose="020B0609020204030204" pitchFamily="49" charset="0"/>
-              </a:rPr>
-              <a:t>length</a:t>
-            </a:r>
-            <a:r>
-              <a:rPr lang="es-ES" dirty="0">
-                <a:solidFill>
-                  <a:srgbClr val="D4D4D4"/>
-                </a:solidFill>
-                <a:latin typeface="Consolas" panose="020B0609020204030204" pitchFamily="49" charset="0"/>
-              </a:rPr>
-              <a:t>(original), </a:t>
-            </a:r>
-            <a:r>
-              <a:rPr lang="es-ES" dirty="0">
-                <a:solidFill>
-                  <a:srgbClr val="B5CEA8"/>
-                </a:solidFill>
-                <a:latin typeface="Consolas" panose="020B0609020204030204" pitchFamily="49" charset="0"/>
-              </a:rPr>
-              <a:t>1</a:t>
-            </a:r>
-            <a:r>
-              <a:rPr lang="es-ES" dirty="0">
-                <a:solidFill>
-                  <a:srgbClr val="D4D4D4"/>
-                </a:solidFill>
-                <a:latin typeface="Consolas" panose="020B0609020204030204" pitchFamily="49" charset="0"/>
-              </a:rPr>
-              <a:t>);</a:t>
-            </a:r>
-          </a:p>
-          <a:p>
-            <a:r>
-              <a:rPr lang="es-ES" dirty="0">
-                <a:solidFill>
-                  <a:srgbClr val="D4D4D4"/>
-                </a:solidFill>
-                <a:latin typeface="Consolas" panose="020B0609020204030204" pitchFamily="49" charset="0"/>
-              </a:rPr>
-              <a:t>diagonal = </a:t>
-            </a:r>
-            <a:r>
-              <a:rPr lang="es-ES" dirty="0" err="1">
-                <a:solidFill>
-                  <a:srgbClr val="D4D4D4"/>
-                </a:solidFill>
-                <a:latin typeface="Consolas" panose="020B0609020204030204" pitchFamily="49" charset="0"/>
-              </a:rPr>
-              <a:t>lista_sucesores</a:t>
-            </a:r>
-            <a:r>
-              <a:rPr lang="es-ES" dirty="0">
-                <a:solidFill>
-                  <a:srgbClr val="D4D4D4"/>
-                </a:solidFill>
-                <a:latin typeface="Consolas" panose="020B0609020204030204" pitchFamily="49" charset="0"/>
-              </a:rPr>
-              <a:t>(</a:t>
-            </a:r>
-            <a:r>
-              <a:rPr lang="es-ES" dirty="0" err="1">
-                <a:solidFill>
-                  <a:srgbClr val="569CD6"/>
-                </a:solidFill>
-                <a:latin typeface="Consolas" panose="020B0609020204030204" pitchFamily="49" charset="0"/>
-              </a:rPr>
-              <a:t>logical</a:t>
-            </a:r>
-            <a:r>
-              <a:rPr lang="es-ES" dirty="0">
-                <a:solidFill>
-                  <a:srgbClr val="D4D4D4"/>
-                </a:solidFill>
-                <a:latin typeface="Consolas" panose="020B0609020204030204" pitchFamily="49" charset="0"/>
-              </a:rPr>
-              <a:t>(</a:t>
-            </a:r>
-            <a:r>
-              <a:rPr lang="es-ES" dirty="0" err="1">
-                <a:solidFill>
-                  <a:srgbClr val="569CD6"/>
-                </a:solidFill>
-                <a:latin typeface="Consolas" panose="020B0609020204030204" pitchFamily="49" charset="0"/>
-              </a:rPr>
-              <a:t>eye</a:t>
-            </a:r>
-            <a:r>
-              <a:rPr lang="es-ES" dirty="0">
-                <a:solidFill>
-                  <a:srgbClr val="D4D4D4"/>
-                </a:solidFill>
-                <a:latin typeface="Consolas" panose="020B0609020204030204" pitchFamily="49" charset="0"/>
-              </a:rPr>
-              <a:t>(</a:t>
-            </a:r>
-            <a:r>
-              <a:rPr lang="es-ES" dirty="0" err="1">
-                <a:solidFill>
-                  <a:srgbClr val="569CD6"/>
-                </a:solidFill>
-                <a:latin typeface="Consolas" panose="020B0609020204030204" pitchFamily="49" charset="0"/>
-              </a:rPr>
-              <a:t>length</a:t>
-            </a:r>
-            <a:r>
-              <a:rPr lang="es-ES" dirty="0">
-                <a:solidFill>
-                  <a:srgbClr val="D4D4D4"/>
-                </a:solidFill>
-                <a:latin typeface="Consolas" panose="020B0609020204030204" pitchFamily="49" charset="0"/>
-              </a:rPr>
-              <a:t>(original))));</a:t>
-            </a:r>
-          </a:p>
-          <a:p>
-            <a:r>
-              <a:rPr lang="es-ES" dirty="0" err="1">
-                <a:solidFill>
-                  <a:srgbClr val="D4D4D4"/>
-                </a:solidFill>
-                <a:latin typeface="Consolas" panose="020B0609020204030204" pitchFamily="49" charset="0"/>
-              </a:rPr>
-              <a:t>lista_sucesores</a:t>
-            </a:r>
-            <a:r>
-              <a:rPr lang="es-ES" dirty="0">
-                <a:solidFill>
-                  <a:srgbClr val="D4D4D4"/>
-                </a:solidFill>
-                <a:latin typeface="Consolas" panose="020B0609020204030204" pitchFamily="49" charset="0"/>
-              </a:rPr>
-              <a:t>(</a:t>
-            </a:r>
-            <a:r>
-              <a:rPr lang="es-ES" dirty="0" err="1">
-                <a:solidFill>
-                  <a:srgbClr val="569CD6"/>
-                </a:solidFill>
-                <a:latin typeface="Consolas" panose="020B0609020204030204" pitchFamily="49" charset="0"/>
-              </a:rPr>
-              <a:t>logical</a:t>
-            </a:r>
-            <a:r>
-              <a:rPr lang="es-ES" dirty="0">
-                <a:solidFill>
-                  <a:srgbClr val="D4D4D4"/>
-                </a:solidFill>
-                <a:latin typeface="Consolas" panose="020B0609020204030204" pitchFamily="49" charset="0"/>
-              </a:rPr>
-              <a:t>(</a:t>
-            </a:r>
-            <a:r>
-              <a:rPr lang="es-ES" dirty="0" err="1">
-                <a:solidFill>
-                  <a:srgbClr val="569CD6"/>
-                </a:solidFill>
-                <a:latin typeface="Consolas" panose="020B0609020204030204" pitchFamily="49" charset="0"/>
-              </a:rPr>
-              <a:t>eye</a:t>
-            </a:r>
-            <a:r>
-              <a:rPr lang="es-ES" dirty="0">
-                <a:solidFill>
-                  <a:srgbClr val="D4D4D4"/>
-                </a:solidFill>
-                <a:latin typeface="Consolas" panose="020B0609020204030204" pitchFamily="49" charset="0"/>
-              </a:rPr>
-              <a:t>(</a:t>
-            </a:r>
-            <a:r>
-              <a:rPr lang="es-ES" dirty="0" err="1">
-                <a:solidFill>
-                  <a:srgbClr val="569CD6"/>
-                </a:solidFill>
-                <a:latin typeface="Consolas" panose="020B0609020204030204" pitchFamily="49" charset="0"/>
-              </a:rPr>
-              <a:t>length</a:t>
-            </a:r>
-            <a:r>
-              <a:rPr lang="es-ES" dirty="0">
-                <a:solidFill>
-                  <a:srgbClr val="D4D4D4"/>
-                </a:solidFill>
-                <a:latin typeface="Consolas" panose="020B0609020204030204" pitchFamily="49" charset="0"/>
-              </a:rPr>
-              <a:t>(original)))) = original(</a:t>
-            </a:r>
-            <a:r>
-              <a:rPr lang="es-ES" dirty="0">
-                <a:solidFill>
-                  <a:srgbClr val="B5CEA8"/>
-                </a:solidFill>
-                <a:latin typeface="Consolas" panose="020B0609020204030204" pitchFamily="49" charset="0"/>
-              </a:rPr>
-              <a:t>1</a:t>
-            </a:r>
-            <a:r>
-              <a:rPr lang="es-ES" dirty="0">
-                <a:solidFill>
-                  <a:srgbClr val="D4D4D4"/>
-                </a:solidFill>
-                <a:latin typeface="Consolas" panose="020B0609020204030204" pitchFamily="49" charset="0"/>
-              </a:rPr>
-              <a:t>);</a:t>
-            </a:r>
-          </a:p>
-          <a:p>
-            <a:r>
-              <a:rPr lang="es-ES" dirty="0" err="1">
-                <a:solidFill>
-                  <a:srgbClr val="D4D4D4"/>
-                </a:solidFill>
-                <a:latin typeface="Consolas" panose="020B0609020204030204" pitchFamily="49" charset="0"/>
-              </a:rPr>
-              <a:t>lista_sucesores</a:t>
-            </a:r>
-            <a:r>
-              <a:rPr lang="es-ES" dirty="0">
-                <a:solidFill>
-                  <a:srgbClr val="D4D4D4"/>
-                </a:solidFill>
-                <a:latin typeface="Consolas" panose="020B0609020204030204" pitchFamily="49" charset="0"/>
-              </a:rPr>
-              <a:t>(:,</a:t>
-            </a:r>
-            <a:r>
-              <a:rPr lang="es-ES" dirty="0">
-                <a:solidFill>
-                  <a:srgbClr val="B5CEA8"/>
-                </a:solidFill>
-                <a:latin typeface="Consolas" panose="020B0609020204030204" pitchFamily="49" charset="0"/>
-              </a:rPr>
-              <a:t>1</a:t>
-            </a:r>
-            <a:r>
-              <a:rPr lang="es-ES" dirty="0">
-                <a:solidFill>
-                  <a:srgbClr val="D4D4D4"/>
-                </a:solidFill>
-                <a:latin typeface="Consolas" panose="020B0609020204030204" pitchFamily="49" charset="0"/>
-              </a:rPr>
-              <a:t>) = diagonal;</a:t>
-            </a:r>
-          </a:p>
-          <a:p>
-            <a:r>
-              <a:rPr lang="es-ES" dirty="0" err="1">
-                <a:solidFill>
-                  <a:srgbClr val="D4D4D4"/>
-                </a:solidFill>
-                <a:latin typeface="Consolas" panose="020B0609020204030204" pitchFamily="49" charset="0"/>
-              </a:rPr>
-              <a:t>lista_sucesores</a:t>
-            </a:r>
-            <a:r>
-              <a:rPr lang="es-ES" dirty="0">
-                <a:solidFill>
-                  <a:srgbClr val="D4D4D4"/>
-                </a:solidFill>
-                <a:latin typeface="Consolas" panose="020B0609020204030204" pitchFamily="49" charset="0"/>
-              </a:rPr>
-              <a:t> = </a:t>
-            </a:r>
-            <a:r>
-              <a:rPr lang="es-ES" dirty="0" err="1">
-                <a:solidFill>
-                  <a:srgbClr val="569CD6"/>
-                </a:solidFill>
-                <a:latin typeface="Consolas" panose="020B0609020204030204" pitchFamily="49" charset="0"/>
-              </a:rPr>
-              <a:t>double</a:t>
-            </a:r>
-            <a:r>
-              <a:rPr lang="es-ES" dirty="0">
-                <a:solidFill>
-                  <a:srgbClr val="D4D4D4"/>
-                </a:solidFill>
-                <a:latin typeface="Consolas" panose="020B0609020204030204" pitchFamily="49" charset="0"/>
-              </a:rPr>
-              <a:t>(</a:t>
-            </a:r>
-            <a:r>
-              <a:rPr lang="es-ES" dirty="0" err="1">
-                <a:solidFill>
-                  <a:srgbClr val="D4D4D4"/>
-                </a:solidFill>
-                <a:latin typeface="Consolas" panose="020B0609020204030204" pitchFamily="49" charset="0"/>
-              </a:rPr>
-              <a:t>unique</a:t>
-            </a:r>
-            <a:r>
-              <a:rPr lang="es-ES" dirty="0">
-                <a:solidFill>
-                  <a:srgbClr val="D4D4D4"/>
-                </a:solidFill>
-                <a:latin typeface="Consolas" panose="020B0609020204030204" pitchFamily="49" charset="0"/>
-              </a:rPr>
-              <a:t>(lista_sucesores,</a:t>
-            </a:r>
-            <a:r>
-              <a:rPr lang="es-ES" dirty="0">
-                <a:solidFill>
-                  <a:srgbClr val="CE9178"/>
-                </a:solidFill>
-                <a:latin typeface="Consolas" panose="020B0609020204030204" pitchFamily="49" charset="0"/>
-              </a:rPr>
-              <a:t>'</a:t>
-            </a:r>
-            <a:r>
-              <a:rPr lang="es-ES" dirty="0" err="1">
-                <a:solidFill>
-                  <a:srgbClr val="CE9178"/>
-                </a:solidFill>
-                <a:latin typeface="Consolas" panose="020B0609020204030204" pitchFamily="49" charset="0"/>
-              </a:rPr>
-              <a:t>rows</a:t>
-            </a:r>
-            <a:r>
-              <a:rPr lang="es-ES" dirty="0">
-                <a:solidFill>
-                  <a:srgbClr val="CE9178"/>
-                </a:solidFill>
-                <a:latin typeface="Consolas" panose="020B0609020204030204" pitchFamily="49" charset="0"/>
-              </a:rPr>
-              <a:t>'</a:t>
-            </a:r>
-            <a:r>
-              <a:rPr lang="es-ES" dirty="0">
-                <a:solidFill>
-                  <a:srgbClr val="D4D4D4"/>
-                </a:solidFill>
-                <a:latin typeface="Consolas" panose="020B0609020204030204" pitchFamily="49" charset="0"/>
-              </a:rPr>
-              <a:t>));</a:t>
-            </a:r>
-          </a:p>
-          <a:p>
-            <a:br>
-              <a:rPr lang="es-ES" dirty="0">
-                <a:solidFill>
-                  <a:srgbClr val="D4D4D4"/>
-                </a:solidFill>
-                <a:latin typeface="Consolas" panose="020B0609020204030204" pitchFamily="49" charset="0"/>
-              </a:rPr>
-            </a:br>
-            <a:r>
-              <a:rPr lang="es-ES" dirty="0" err="1">
-                <a:solidFill>
-                  <a:srgbClr val="D4D4D4"/>
-                </a:solidFill>
-                <a:latin typeface="Consolas" panose="020B0609020204030204" pitchFamily="49" charset="0"/>
-              </a:rPr>
-              <a:t>lista_sucesores</a:t>
-            </a:r>
-            <a:r>
-              <a:rPr lang="es-ES" dirty="0">
-                <a:solidFill>
-                  <a:srgbClr val="D4D4D4"/>
-                </a:solidFill>
-                <a:latin typeface="Consolas" panose="020B0609020204030204" pitchFamily="49" charset="0"/>
-              </a:rPr>
-              <a:t>(:,end+</a:t>
-            </a:r>
-            <a:r>
-              <a:rPr lang="es-ES" dirty="0">
-                <a:solidFill>
-                  <a:srgbClr val="B5CEA8"/>
-                </a:solidFill>
-                <a:latin typeface="Consolas" panose="020B0609020204030204" pitchFamily="49" charset="0"/>
-              </a:rPr>
-              <a:t>1</a:t>
-            </a:r>
-            <a:r>
-              <a:rPr lang="es-ES" dirty="0">
-                <a:solidFill>
-                  <a:srgbClr val="D4D4D4"/>
-                </a:solidFill>
-                <a:latin typeface="Consolas" panose="020B0609020204030204" pitchFamily="49" charset="0"/>
-              </a:rPr>
-              <a:t>) = </a:t>
-            </a:r>
-            <a:r>
-              <a:rPr lang="es-ES" dirty="0" err="1">
-                <a:solidFill>
-                  <a:srgbClr val="D4D4D4"/>
-                </a:solidFill>
-                <a:latin typeface="Consolas" panose="020B0609020204030204" pitchFamily="49" charset="0"/>
-              </a:rPr>
-              <a:t>EvaluaPoblacion_Satels</a:t>
-            </a:r>
-            <a:r>
-              <a:rPr lang="es-ES" dirty="0">
-                <a:solidFill>
-                  <a:srgbClr val="D4D4D4"/>
-                </a:solidFill>
-                <a:latin typeface="Consolas" panose="020B0609020204030204" pitchFamily="49" charset="0"/>
-              </a:rPr>
-              <a:t>(</a:t>
-            </a:r>
-            <a:r>
-              <a:rPr lang="es-ES" dirty="0" err="1">
-                <a:solidFill>
-                  <a:srgbClr val="D4D4D4"/>
-                </a:solidFill>
-                <a:latin typeface="Consolas" panose="020B0609020204030204" pitchFamily="49" charset="0"/>
-              </a:rPr>
-              <a:t>lista_sucesores</a:t>
-            </a:r>
-            <a:r>
-              <a:rPr lang="es-ES" dirty="0">
-                <a:solidFill>
-                  <a:srgbClr val="D4D4D4"/>
-                </a:solidFill>
-                <a:latin typeface="Consolas" panose="020B0609020204030204" pitchFamily="49" charset="0"/>
-              </a:rPr>
-              <a:t>, distancias);</a:t>
-            </a:r>
-          </a:p>
-          <a:p>
-            <a:br>
-              <a:rPr lang="es-ES" dirty="0">
-                <a:solidFill>
-                  <a:srgbClr val="D4D4D4"/>
-                </a:solidFill>
-                <a:latin typeface="Consolas" panose="020B0609020204030204" pitchFamily="49" charset="0"/>
-              </a:rPr>
-            </a:br>
-            <a:r>
-              <a:rPr lang="es-ES" dirty="0">
-                <a:solidFill>
-                  <a:srgbClr val="D4D4D4"/>
-                </a:solidFill>
-                <a:latin typeface="Consolas" panose="020B0609020204030204" pitchFamily="49" charset="0"/>
-              </a:rPr>
-              <a:t>[</a:t>
-            </a:r>
-            <a:r>
-              <a:rPr lang="es-ES" dirty="0" err="1">
-                <a:solidFill>
-                  <a:srgbClr val="D4D4D4"/>
-                </a:solidFill>
-                <a:latin typeface="Consolas" panose="020B0609020204030204" pitchFamily="49" charset="0"/>
-              </a:rPr>
-              <a:t>lista_sucesores</a:t>
-            </a:r>
-            <a:r>
-              <a:rPr lang="es-ES" dirty="0">
-                <a:solidFill>
-                  <a:srgbClr val="D4D4D4"/>
-                </a:solidFill>
-                <a:latin typeface="Consolas" panose="020B0609020204030204" pitchFamily="49" charset="0"/>
-              </a:rPr>
-              <a:t> , </a:t>
-            </a:r>
-            <a:r>
-              <a:rPr lang="es-ES" dirty="0" err="1">
-                <a:solidFill>
-                  <a:srgbClr val="D4D4D4"/>
-                </a:solidFill>
-                <a:latin typeface="Consolas" panose="020B0609020204030204" pitchFamily="49" charset="0"/>
-              </a:rPr>
-              <a:t>posChanged</a:t>
-            </a:r>
-            <a:r>
-              <a:rPr lang="es-ES" dirty="0">
-                <a:solidFill>
-                  <a:srgbClr val="D4D4D4"/>
-                </a:solidFill>
-                <a:latin typeface="Consolas" panose="020B0609020204030204" pitchFamily="49" charset="0"/>
-              </a:rPr>
-              <a:t>] = </a:t>
-            </a:r>
-            <a:r>
-              <a:rPr lang="es-ES" dirty="0" err="1">
-                <a:solidFill>
-                  <a:srgbClr val="569CD6"/>
-                </a:solidFill>
-                <a:latin typeface="Consolas" panose="020B0609020204030204" pitchFamily="49" charset="0"/>
-              </a:rPr>
-              <a:t>sortrows</a:t>
-            </a:r>
-            <a:r>
-              <a:rPr lang="es-ES" dirty="0">
-                <a:solidFill>
-                  <a:srgbClr val="D4D4D4"/>
-                </a:solidFill>
-                <a:latin typeface="Consolas" panose="020B0609020204030204" pitchFamily="49" charset="0"/>
-              </a:rPr>
-              <a:t>(</a:t>
-            </a:r>
-            <a:r>
-              <a:rPr lang="es-ES" dirty="0" err="1">
-                <a:solidFill>
-                  <a:srgbClr val="D4D4D4"/>
-                </a:solidFill>
-                <a:latin typeface="Consolas" panose="020B0609020204030204" pitchFamily="49" charset="0"/>
-              </a:rPr>
-              <a:t>lista_sucesores</a:t>
-            </a:r>
-            <a:r>
-              <a:rPr lang="es-ES" dirty="0">
-                <a:solidFill>
-                  <a:srgbClr val="D4D4D4"/>
-                </a:solidFill>
-                <a:latin typeface="Consolas" panose="020B0609020204030204" pitchFamily="49" charset="0"/>
-              </a:rPr>
-              <a:t>, </a:t>
-            </a:r>
-            <a:r>
-              <a:rPr lang="es-ES" dirty="0" err="1">
-                <a:solidFill>
-                  <a:srgbClr val="569CD6"/>
-                </a:solidFill>
-                <a:latin typeface="Consolas" panose="020B0609020204030204" pitchFamily="49" charset="0"/>
-              </a:rPr>
-              <a:t>size</a:t>
-            </a:r>
-            <a:r>
-              <a:rPr lang="es-ES" dirty="0">
-                <a:solidFill>
-                  <a:srgbClr val="D4D4D4"/>
-                </a:solidFill>
-                <a:latin typeface="Consolas" panose="020B0609020204030204" pitchFamily="49" charset="0"/>
-              </a:rPr>
-              <a:t>(lista_sucesores,</a:t>
-            </a:r>
-            <a:r>
-              <a:rPr lang="es-ES" dirty="0">
-                <a:solidFill>
-                  <a:srgbClr val="B5CEA8"/>
-                </a:solidFill>
-                <a:latin typeface="Consolas" panose="020B0609020204030204" pitchFamily="49" charset="0"/>
-              </a:rPr>
-              <a:t>2</a:t>
-            </a:r>
-            <a:r>
-              <a:rPr lang="es-ES" dirty="0">
-                <a:solidFill>
-                  <a:srgbClr val="D4D4D4"/>
-                </a:solidFill>
-                <a:latin typeface="Consolas" panose="020B0609020204030204" pitchFamily="49" charset="0"/>
-              </a:rPr>
-              <a:t>));</a:t>
-            </a:r>
-          </a:p>
-          <a:p>
-            <a:r>
-              <a:rPr lang="es-ES" dirty="0" err="1">
-                <a:solidFill>
-                  <a:srgbClr val="D4D4D4"/>
-                </a:solidFill>
-                <a:latin typeface="Consolas" panose="020B0609020204030204" pitchFamily="49" charset="0"/>
-              </a:rPr>
-              <a:t>lista_sucesores</a:t>
-            </a:r>
-            <a:r>
-              <a:rPr lang="es-ES" dirty="0">
-                <a:solidFill>
-                  <a:srgbClr val="D4D4D4"/>
-                </a:solidFill>
-                <a:latin typeface="Consolas" panose="020B0609020204030204" pitchFamily="49" charset="0"/>
-              </a:rPr>
-              <a:t> = </a:t>
-            </a:r>
-            <a:r>
-              <a:rPr lang="es-ES" dirty="0" err="1">
-                <a:solidFill>
-                  <a:srgbClr val="569CD6"/>
-                </a:solidFill>
-                <a:latin typeface="Consolas" panose="020B0609020204030204" pitchFamily="49" charset="0"/>
-              </a:rPr>
-              <a:t>logical</a:t>
-            </a:r>
-            <a:r>
-              <a:rPr lang="es-ES" dirty="0">
-                <a:solidFill>
-                  <a:srgbClr val="D4D4D4"/>
-                </a:solidFill>
-                <a:latin typeface="Consolas" panose="020B0609020204030204" pitchFamily="49" charset="0"/>
-              </a:rPr>
-              <a:t>(</a:t>
-            </a:r>
-            <a:r>
-              <a:rPr lang="es-ES" dirty="0" err="1">
-                <a:solidFill>
-                  <a:srgbClr val="D4D4D4"/>
-                </a:solidFill>
-                <a:latin typeface="Consolas" panose="020B0609020204030204" pitchFamily="49" charset="0"/>
-              </a:rPr>
-              <a:t>lista_sucesores</a:t>
-            </a:r>
-            <a:r>
-              <a:rPr lang="es-ES" dirty="0">
-                <a:solidFill>
-                  <a:srgbClr val="D4D4D4"/>
-                </a:solidFill>
-                <a:latin typeface="Consolas" panose="020B0609020204030204" pitchFamily="49" charset="0"/>
-              </a:rPr>
-              <a:t>(:,</a:t>
-            </a:r>
-            <a:r>
-              <a:rPr lang="es-ES" dirty="0">
-                <a:solidFill>
-                  <a:srgbClr val="B5CEA8"/>
-                </a:solidFill>
-                <a:latin typeface="Consolas" panose="020B0609020204030204" pitchFamily="49" charset="0"/>
-              </a:rPr>
-              <a:t>1</a:t>
-            </a:r>
-            <a:r>
-              <a:rPr lang="es-ES" dirty="0">
-                <a:solidFill>
-                  <a:srgbClr val="D4D4D4"/>
-                </a:solidFill>
-                <a:latin typeface="Consolas" panose="020B0609020204030204" pitchFamily="49" charset="0"/>
-              </a:rPr>
-              <a:t>:end-</a:t>
-            </a:r>
-            <a:r>
-              <a:rPr lang="es-ES" dirty="0">
-                <a:solidFill>
-                  <a:srgbClr val="B5CEA8"/>
-                </a:solidFill>
-                <a:latin typeface="Consolas" panose="020B0609020204030204" pitchFamily="49" charset="0"/>
-              </a:rPr>
-              <a:t>1</a:t>
-            </a:r>
-            <a:r>
-              <a:rPr lang="es-ES" dirty="0">
-                <a:solidFill>
-                  <a:srgbClr val="D4D4D4"/>
-                </a:solidFill>
-                <a:latin typeface="Consolas" panose="020B0609020204030204" pitchFamily="49" charset="0"/>
-              </a:rPr>
-              <a:t>));</a:t>
-            </a:r>
-          </a:p>
-          <a:p>
-            <a:r>
-              <a:rPr lang="es-ES" dirty="0" err="1">
-                <a:solidFill>
-                  <a:srgbClr val="C586C0"/>
-                </a:solidFill>
-                <a:latin typeface="Consolas" panose="020B0609020204030204" pitchFamily="49" charset="0"/>
-              </a:rPr>
-              <a:t>end</a:t>
-            </a:r>
-            <a:endParaRPr lang="es-ES" dirty="0">
-              <a:solidFill>
-                <a:srgbClr val="C586C0"/>
-              </a:solidFill>
-              <a:latin typeface="Consolas" panose="020B0609020204030204" pitchFamily="49" charset="0"/>
-            </a:endParaRPr>
-          </a:p>
-        </p:txBody>
-      </p:sp>
-    </p:spTree>
-    <p:extLst>
-      <p:ext uri="{BB962C8B-B14F-4D97-AF65-F5344CB8AC3E}">
-        <p14:creationId xmlns:p14="http://schemas.microsoft.com/office/powerpoint/2010/main" val="3948555450"/>
-      </p:ext>
-    </p:extLst>
-  </p:cSld>
-  <p:clrMapOvr>
-    <a:masterClrMapping/>
-  </p:clrMapOvr>
-</p:sld>
-</file>
-
-<file path=ppt/slides/slide13.xml><?xml version="1.0" encoding="utf-8"?>
-<p:sld xmlns:a="http://schemas.openxmlformats.org/drawingml/2006/main" xmlns:r="http://schemas.openxmlformats.org/officeDocument/2006/relationships" xmlns:p="http://schemas.openxmlformats.org/presentationml/2006/main">
-  <p:cSld>
-    <p:spTree>
-      <p:nvGrpSpPr>
-        <p:cNvPr id="1" name=""/>
-        <p:cNvGrpSpPr/>
-        <p:nvPr/>
-      </p:nvGrpSpPr>
-      <p:grpSpPr>
-        <a:xfrm>
-          <a:off x="0" y="0"/>
-          <a:ext cx="0" cy="0"/>
-          <a:chOff x="0" y="0"/>
-          <a:chExt cx="0" cy="0"/>
-        </a:xfrm>
-      </p:grpSpPr>
-      <p:sp>
-        <p:nvSpPr>
-          <p:cNvPr id="2" name="Título 1">
-            <a:extLst>
-              <a:ext uri="{FF2B5EF4-FFF2-40B4-BE49-F238E27FC236}">
-                <a16:creationId xmlns:a16="http://schemas.microsoft.com/office/drawing/2014/main" id="{B68A0CE6-5A67-4FD7-8F82-74DABD0469E9}"/>
-              </a:ext>
-            </a:extLst>
-          </p:cNvPr>
-          <p:cNvSpPr>
-            <a:spLocks noGrp="1"/>
-          </p:cNvSpPr>
-          <p:nvPr>
-            <p:ph type="title"/>
-          </p:nvPr>
-        </p:nvSpPr>
-        <p:spPr/>
-        <p:txBody>
-          <a:bodyPr/>
-          <a:lstStyle/>
-          <a:p>
-            <a:r>
-              <a:rPr lang="es-ES" dirty="0"/>
-              <a:t>Función sucesores</a:t>
-            </a:r>
-          </a:p>
-        </p:txBody>
-      </p:sp>
-      <p:sp>
-        <p:nvSpPr>
-          <p:cNvPr id="5" name="Rectángulo 4">
-            <a:extLst>
-              <a:ext uri="{FF2B5EF4-FFF2-40B4-BE49-F238E27FC236}">
-                <a16:creationId xmlns:a16="http://schemas.microsoft.com/office/drawing/2014/main" id="{CC44A865-A7E2-457E-BA93-420DE52A28E7}"/>
-              </a:ext>
-            </a:extLst>
-          </p:cNvPr>
-          <p:cNvSpPr/>
-          <p:nvPr/>
-        </p:nvSpPr>
-        <p:spPr>
-          <a:xfrm>
-            <a:off x="4362561" y="2720009"/>
-            <a:ext cx="2913269" cy="708991"/>
-          </a:xfrm>
-          <a:prstGeom prst="rect">
-            <a:avLst/>
-          </a:prstGeom>
-          <a:solidFill>
-            <a:schemeClr val="tx1"/>
-          </a:solidFill>
-          <a:ln>
-            <a:solidFill>
-              <a:schemeClr val="accent1">
-                <a:lumMod val="40000"/>
-                <a:lumOff val="60000"/>
-              </a:schemeClr>
-            </a:solidFill>
-          </a:ln>
-        </p:spPr>
-        <p:style>
-          <a:lnRef idx="2">
-            <a:schemeClr val="accent6"/>
-          </a:lnRef>
-          <a:fillRef idx="1">
-            <a:schemeClr val="lt1"/>
-          </a:fillRef>
-          <a:effectRef idx="0">
-            <a:schemeClr val="accent6"/>
-          </a:effectRef>
-          <a:fontRef idx="minor">
-            <a:schemeClr val="dk1"/>
-          </a:fontRef>
-        </p:style>
-        <p:txBody>
-          <a:bodyPr rtlCol="0" anchor="ctr"/>
-          <a:lstStyle/>
-          <a:p>
-            <a:pPr algn="ctr"/>
-            <a:endParaRPr lang="es-ES" dirty="0"/>
-          </a:p>
-        </p:txBody>
-      </p:sp>
-      <p:cxnSp>
-        <p:nvCxnSpPr>
-          <p:cNvPr id="7" name="Conector recto 6">
-            <a:extLst>
-              <a:ext uri="{FF2B5EF4-FFF2-40B4-BE49-F238E27FC236}">
-                <a16:creationId xmlns:a16="http://schemas.microsoft.com/office/drawing/2014/main" id="{B7BD4846-5A46-411B-B065-E3C1FFFDA699}"/>
-              </a:ext>
-            </a:extLst>
-          </p:cNvPr>
-          <p:cNvCxnSpPr/>
-          <p:nvPr/>
-        </p:nvCxnSpPr>
-        <p:spPr>
-          <a:xfrm>
-            <a:off x="5124560" y="2720009"/>
-            <a:ext cx="0" cy="708991"/>
-          </a:xfrm>
-          <a:prstGeom prst="line">
-            <a:avLst/>
-          </a:prstGeom>
-          <a:ln w="28575"/>
-        </p:spPr>
-        <p:style>
-          <a:lnRef idx="1">
-            <a:schemeClr val="dk1"/>
-          </a:lnRef>
-          <a:fillRef idx="0">
-            <a:schemeClr val="dk1"/>
-          </a:fillRef>
-          <a:effectRef idx="0">
-            <a:schemeClr val="dk1"/>
-          </a:effectRef>
-          <a:fontRef idx="minor">
-            <a:schemeClr val="tx1"/>
-          </a:fontRef>
-        </p:style>
-      </p:cxnSp>
-      <p:cxnSp>
-        <p:nvCxnSpPr>
-          <p:cNvPr id="8" name="Conector recto 7">
-            <a:extLst>
-              <a:ext uri="{FF2B5EF4-FFF2-40B4-BE49-F238E27FC236}">
-                <a16:creationId xmlns:a16="http://schemas.microsoft.com/office/drawing/2014/main" id="{B0A31AFB-1CE5-4547-82DB-F74E6B5BA1A0}"/>
-              </a:ext>
-            </a:extLst>
-          </p:cNvPr>
-          <p:cNvCxnSpPr/>
-          <p:nvPr/>
-        </p:nvCxnSpPr>
-        <p:spPr>
-          <a:xfrm>
-            <a:off x="5873308" y="2720009"/>
-            <a:ext cx="0" cy="708991"/>
-          </a:xfrm>
-          <a:prstGeom prst="line">
-            <a:avLst/>
-          </a:prstGeom>
-          <a:ln w="28575"/>
-        </p:spPr>
-        <p:style>
-          <a:lnRef idx="1">
-            <a:schemeClr val="dk1"/>
-          </a:lnRef>
-          <a:fillRef idx="0">
-            <a:schemeClr val="dk1"/>
-          </a:fillRef>
-          <a:effectRef idx="0">
-            <a:schemeClr val="dk1"/>
-          </a:effectRef>
-          <a:fontRef idx="minor">
-            <a:schemeClr val="tx1"/>
-          </a:fontRef>
-        </p:style>
-      </p:cxnSp>
-      <p:cxnSp>
-        <p:nvCxnSpPr>
-          <p:cNvPr id="9" name="Conector recto 8">
-            <a:extLst>
-              <a:ext uri="{FF2B5EF4-FFF2-40B4-BE49-F238E27FC236}">
-                <a16:creationId xmlns:a16="http://schemas.microsoft.com/office/drawing/2014/main" id="{F6D2FAF9-8057-4D67-AA82-CFE69D81FD47}"/>
-              </a:ext>
-            </a:extLst>
-          </p:cNvPr>
-          <p:cNvCxnSpPr/>
-          <p:nvPr/>
-        </p:nvCxnSpPr>
-        <p:spPr>
-          <a:xfrm>
-            <a:off x="6608804" y="2720009"/>
-            <a:ext cx="0" cy="708991"/>
-          </a:xfrm>
-          <a:prstGeom prst="line">
-            <a:avLst/>
-          </a:prstGeom>
-          <a:ln w="28575"/>
-        </p:spPr>
-        <p:style>
-          <a:lnRef idx="1">
-            <a:schemeClr val="dk1"/>
-          </a:lnRef>
-          <a:fillRef idx="0">
-            <a:schemeClr val="dk1"/>
-          </a:fillRef>
-          <a:effectRef idx="0">
-            <a:schemeClr val="dk1"/>
-          </a:effectRef>
-          <a:fontRef idx="minor">
-            <a:schemeClr val="tx1"/>
-          </a:fontRef>
-        </p:style>
-      </p:cxnSp>
-      <p:sp>
-        <p:nvSpPr>
-          <p:cNvPr id="18" name="CuadroTexto 17">
-            <a:extLst>
-              <a:ext uri="{FF2B5EF4-FFF2-40B4-BE49-F238E27FC236}">
-                <a16:creationId xmlns:a16="http://schemas.microsoft.com/office/drawing/2014/main" id="{C3BAE365-CE53-49E8-90D6-48D46F6CA490}"/>
-              </a:ext>
-            </a:extLst>
-          </p:cNvPr>
-          <p:cNvSpPr txBox="1"/>
-          <p:nvPr/>
-        </p:nvSpPr>
-        <p:spPr>
-          <a:xfrm>
-            <a:off x="4549347" y="2833653"/>
-            <a:ext cx="357452" cy="461665"/>
-          </a:xfrm>
-          <a:prstGeom prst="rect">
-            <a:avLst/>
-          </a:prstGeom>
-          <a:noFill/>
-        </p:spPr>
-        <p:txBody>
-          <a:bodyPr wrap="square" rtlCol="0">
-            <a:spAutoFit/>
-          </a:bodyPr>
-          <a:lstStyle/>
-          <a:p>
-            <a:r>
-              <a:rPr lang="es-ES" sz="2400" b="1" dirty="0">
-                <a:solidFill>
-                  <a:schemeClr val="bg1"/>
-                </a:solidFill>
-              </a:rPr>
-              <a:t>0</a:t>
-            </a:r>
-          </a:p>
-        </p:txBody>
-      </p:sp>
-      <p:sp>
-        <p:nvSpPr>
-          <p:cNvPr id="19" name="CuadroTexto 18">
-            <a:extLst>
-              <a:ext uri="{FF2B5EF4-FFF2-40B4-BE49-F238E27FC236}">
-                <a16:creationId xmlns:a16="http://schemas.microsoft.com/office/drawing/2014/main" id="{1403E947-FDC7-41EA-985E-DA9EEA136770}"/>
-              </a:ext>
-            </a:extLst>
-          </p:cNvPr>
-          <p:cNvSpPr txBox="1"/>
-          <p:nvPr/>
-        </p:nvSpPr>
-        <p:spPr>
-          <a:xfrm>
-            <a:off x="5292361" y="2821359"/>
-            <a:ext cx="357452" cy="461665"/>
-          </a:xfrm>
-          <a:prstGeom prst="rect">
-            <a:avLst/>
-          </a:prstGeom>
-          <a:noFill/>
-        </p:spPr>
-        <p:txBody>
-          <a:bodyPr wrap="square" rtlCol="0">
-            <a:spAutoFit/>
-          </a:bodyPr>
-          <a:lstStyle/>
-          <a:p>
-            <a:r>
-              <a:rPr lang="es-ES" sz="2400" b="1" dirty="0">
-                <a:solidFill>
-                  <a:schemeClr val="bg1"/>
-                </a:solidFill>
-              </a:rPr>
-              <a:t>1</a:t>
-            </a:r>
-          </a:p>
-        </p:txBody>
-      </p:sp>
-      <p:sp>
-        <p:nvSpPr>
-          <p:cNvPr id="20" name="CuadroTexto 19">
-            <a:extLst>
-              <a:ext uri="{FF2B5EF4-FFF2-40B4-BE49-F238E27FC236}">
-                <a16:creationId xmlns:a16="http://schemas.microsoft.com/office/drawing/2014/main" id="{354C161A-3CA8-4579-9CE1-1ACE9DB916E6}"/>
-              </a:ext>
-            </a:extLst>
-          </p:cNvPr>
-          <p:cNvSpPr txBox="1"/>
-          <p:nvPr/>
-        </p:nvSpPr>
-        <p:spPr>
-          <a:xfrm>
-            <a:off x="6027856" y="2833653"/>
-            <a:ext cx="357452" cy="461665"/>
-          </a:xfrm>
-          <a:prstGeom prst="rect">
-            <a:avLst/>
-          </a:prstGeom>
-          <a:noFill/>
-        </p:spPr>
-        <p:txBody>
-          <a:bodyPr wrap="square" rtlCol="0">
-            <a:spAutoFit/>
-          </a:bodyPr>
-          <a:lstStyle/>
-          <a:p>
-            <a:r>
-              <a:rPr lang="es-ES" sz="2400" b="1" dirty="0">
-                <a:solidFill>
-                  <a:schemeClr val="bg1"/>
-                </a:solidFill>
-              </a:rPr>
-              <a:t>0</a:t>
-            </a:r>
-          </a:p>
-        </p:txBody>
-      </p:sp>
-      <p:sp>
-        <p:nvSpPr>
-          <p:cNvPr id="24" name="CuadroTexto 23">
-            <a:extLst>
-              <a:ext uri="{FF2B5EF4-FFF2-40B4-BE49-F238E27FC236}">
-                <a16:creationId xmlns:a16="http://schemas.microsoft.com/office/drawing/2014/main" id="{D02A87E9-9DB0-4F76-A82A-838EE89B5276}"/>
-              </a:ext>
-            </a:extLst>
-          </p:cNvPr>
-          <p:cNvSpPr txBox="1"/>
-          <p:nvPr/>
-        </p:nvSpPr>
-        <p:spPr>
-          <a:xfrm>
-            <a:off x="6763591" y="2833652"/>
-            <a:ext cx="357452" cy="461665"/>
-          </a:xfrm>
-          <a:prstGeom prst="rect">
-            <a:avLst/>
-          </a:prstGeom>
-          <a:noFill/>
-        </p:spPr>
-        <p:txBody>
-          <a:bodyPr wrap="square" rtlCol="0">
-            <a:spAutoFit/>
-          </a:bodyPr>
-          <a:lstStyle/>
-          <a:p>
-            <a:pPr algn="ctr"/>
-            <a:r>
-              <a:rPr lang="es-ES" sz="2400" b="1" dirty="0">
-                <a:solidFill>
-                  <a:schemeClr val="bg1"/>
-                </a:solidFill>
-              </a:rPr>
-              <a:t>1</a:t>
-            </a:r>
-          </a:p>
-        </p:txBody>
-      </p:sp>
-      <p:sp>
-        <p:nvSpPr>
-          <p:cNvPr id="49" name="Rectángulo 48">
-            <a:extLst>
-              <a:ext uri="{FF2B5EF4-FFF2-40B4-BE49-F238E27FC236}">
-                <a16:creationId xmlns:a16="http://schemas.microsoft.com/office/drawing/2014/main" id="{6778A8B7-0FDE-4DF6-89A5-1754F287F3A1}"/>
-              </a:ext>
-            </a:extLst>
-          </p:cNvPr>
-          <p:cNvSpPr/>
-          <p:nvPr/>
-        </p:nvSpPr>
-        <p:spPr>
-          <a:xfrm>
-            <a:off x="4362561" y="3429000"/>
-            <a:ext cx="2913269" cy="708991"/>
-          </a:xfrm>
-          <a:prstGeom prst="rect">
-            <a:avLst/>
-          </a:prstGeom>
-          <a:solidFill>
-            <a:schemeClr val="tx1"/>
-          </a:solidFill>
-          <a:ln>
-            <a:solidFill>
-              <a:schemeClr val="accent1">
-                <a:lumMod val="40000"/>
-                <a:lumOff val="60000"/>
-              </a:schemeClr>
-            </a:solidFill>
-          </a:ln>
-        </p:spPr>
-        <p:style>
-          <a:lnRef idx="2">
-            <a:schemeClr val="accent6"/>
-          </a:lnRef>
-          <a:fillRef idx="1">
-            <a:schemeClr val="lt1"/>
-          </a:fillRef>
-          <a:effectRef idx="0">
-            <a:schemeClr val="accent6"/>
-          </a:effectRef>
-          <a:fontRef idx="minor">
-            <a:schemeClr val="dk1"/>
-          </a:fontRef>
-        </p:style>
-        <p:txBody>
-          <a:bodyPr rtlCol="0" anchor="ctr"/>
-          <a:lstStyle/>
-          <a:p>
-            <a:pPr algn="ctr"/>
-            <a:endParaRPr lang="es-ES" dirty="0"/>
-          </a:p>
-        </p:txBody>
-      </p:sp>
-      <p:cxnSp>
-        <p:nvCxnSpPr>
-          <p:cNvPr id="50" name="Conector recto 49">
-            <a:extLst>
-              <a:ext uri="{FF2B5EF4-FFF2-40B4-BE49-F238E27FC236}">
-                <a16:creationId xmlns:a16="http://schemas.microsoft.com/office/drawing/2014/main" id="{94B20EF6-D673-43B5-90A1-9BBE018252DB}"/>
-              </a:ext>
-            </a:extLst>
-          </p:cNvPr>
-          <p:cNvCxnSpPr/>
-          <p:nvPr/>
-        </p:nvCxnSpPr>
-        <p:spPr>
-          <a:xfrm>
-            <a:off x="5124560" y="3429000"/>
-            <a:ext cx="0" cy="708991"/>
-          </a:xfrm>
-          <a:prstGeom prst="line">
-            <a:avLst/>
-          </a:prstGeom>
-          <a:ln w="28575"/>
-        </p:spPr>
-        <p:style>
-          <a:lnRef idx="1">
-            <a:schemeClr val="dk1"/>
-          </a:lnRef>
-          <a:fillRef idx="0">
-            <a:schemeClr val="dk1"/>
-          </a:fillRef>
-          <a:effectRef idx="0">
-            <a:schemeClr val="dk1"/>
-          </a:effectRef>
-          <a:fontRef idx="minor">
-            <a:schemeClr val="tx1"/>
-          </a:fontRef>
-        </p:style>
-      </p:cxnSp>
-      <p:cxnSp>
-        <p:nvCxnSpPr>
-          <p:cNvPr id="51" name="Conector recto 50">
-            <a:extLst>
-              <a:ext uri="{FF2B5EF4-FFF2-40B4-BE49-F238E27FC236}">
-                <a16:creationId xmlns:a16="http://schemas.microsoft.com/office/drawing/2014/main" id="{13DEF0E8-46BD-4C3E-88DF-03377A817D30}"/>
-              </a:ext>
-            </a:extLst>
-          </p:cNvPr>
-          <p:cNvCxnSpPr/>
-          <p:nvPr/>
-        </p:nvCxnSpPr>
-        <p:spPr>
-          <a:xfrm>
-            <a:off x="5873308" y="3429000"/>
-            <a:ext cx="0" cy="708991"/>
-          </a:xfrm>
-          <a:prstGeom prst="line">
-            <a:avLst/>
-          </a:prstGeom>
-          <a:ln w="28575"/>
-        </p:spPr>
-        <p:style>
-          <a:lnRef idx="1">
-            <a:schemeClr val="dk1"/>
-          </a:lnRef>
-          <a:fillRef idx="0">
-            <a:schemeClr val="dk1"/>
-          </a:fillRef>
-          <a:effectRef idx="0">
-            <a:schemeClr val="dk1"/>
-          </a:effectRef>
-          <a:fontRef idx="minor">
-            <a:schemeClr val="tx1"/>
-          </a:fontRef>
-        </p:style>
-      </p:cxnSp>
-      <p:cxnSp>
-        <p:nvCxnSpPr>
-          <p:cNvPr id="52" name="Conector recto 51">
-            <a:extLst>
-              <a:ext uri="{FF2B5EF4-FFF2-40B4-BE49-F238E27FC236}">
-                <a16:creationId xmlns:a16="http://schemas.microsoft.com/office/drawing/2014/main" id="{A8A68FE6-E62B-47C8-B107-E9663B62A4A3}"/>
-              </a:ext>
-            </a:extLst>
-          </p:cNvPr>
-          <p:cNvCxnSpPr/>
-          <p:nvPr/>
-        </p:nvCxnSpPr>
-        <p:spPr>
-          <a:xfrm>
-            <a:off x="6608804" y="3429000"/>
-            <a:ext cx="0" cy="708991"/>
-          </a:xfrm>
-          <a:prstGeom prst="line">
-            <a:avLst/>
-          </a:prstGeom>
-          <a:ln w="28575"/>
-        </p:spPr>
-        <p:style>
-          <a:lnRef idx="1">
-            <a:schemeClr val="dk1"/>
-          </a:lnRef>
-          <a:fillRef idx="0">
-            <a:schemeClr val="dk1"/>
-          </a:fillRef>
-          <a:effectRef idx="0">
-            <a:schemeClr val="dk1"/>
-          </a:effectRef>
-          <a:fontRef idx="minor">
-            <a:schemeClr val="tx1"/>
-          </a:fontRef>
-        </p:style>
-      </p:cxnSp>
-      <p:sp>
-        <p:nvSpPr>
-          <p:cNvPr id="53" name="CuadroTexto 52">
-            <a:extLst>
-              <a:ext uri="{FF2B5EF4-FFF2-40B4-BE49-F238E27FC236}">
-                <a16:creationId xmlns:a16="http://schemas.microsoft.com/office/drawing/2014/main" id="{21019739-6DD7-4C81-99A8-6F203E618768}"/>
-              </a:ext>
-            </a:extLst>
-          </p:cNvPr>
-          <p:cNvSpPr txBox="1"/>
-          <p:nvPr/>
-        </p:nvSpPr>
-        <p:spPr>
-          <a:xfrm>
-            <a:off x="4549347" y="3542644"/>
-            <a:ext cx="357452" cy="461665"/>
-          </a:xfrm>
-          <a:prstGeom prst="rect">
-            <a:avLst/>
-          </a:prstGeom>
-          <a:noFill/>
-        </p:spPr>
-        <p:txBody>
-          <a:bodyPr wrap="square" rtlCol="0">
-            <a:spAutoFit/>
-          </a:bodyPr>
-          <a:lstStyle/>
-          <a:p>
-            <a:r>
-              <a:rPr lang="es-ES" sz="2400" b="1" dirty="0">
-                <a:solidFill>
-                  <a:schemeClr val="bg1"/>
-                </a:solidFill>
-              </a:rPr>
-              <a:t>0</a:t>
-            </a:r>
-          </a:p>
-        </p:txBody>
-      </p:sp>
-      <p:sp>
-        <p:nvSpPr>
-          <p:cNvPr id="54" name="CuadroTexto 53">
-            <a:extLst>
-              <a:ext uri="{FF2B5EF4-FFF2-40B4-BE49-F238E27FC236}">
-                <a16:creationId xmlns:a16="http://schemas.microsoft.com/office/drawing/2014/main" id="{B9568697-8F84-4D90-B21D-A4FB5EB2B657}"/>
-              </a:ext>
-            </a:extLst>
-          </p:cNvPr>
-          <p:cNvSpPr txBox="1"/>
-          <p:nvPr/>
-        </p:nvSpPr>
-        <p:spPr>
-          <a:xfrm>
-            <a:off x="5292361" y="3530350"/>
-            <a:ext cx="357452" cy="461665"/>
-          </a:xfrm>
-          <a:prstGeom prst="rect">
-            <a:avLst/>
-          </a:prstGeom>
-          <a:noFill/>
-        </p:spPr>
-        <p:txBody>
-          <a:bodyPr wrap="square" rtlCol="0">
-            <a:spAutoFit/>
-          </a:bodyPr>
-          <a:lstStyle/>
-          <a:p>
-            <a:r>
-              <a:rPr lang="es-ES" sz="2400" b="1" dirty="0">
-                <a:solidFill>
-                  <a:schemeClr val="bg1"/>
-                </a:solidFill>
-              </a:rPr>
-              <a:t>1</a:t>
-            </a:r>
-          </a:p>
-        </p:txBody>
-      </p:sp>
-      <p:sp>
-        <p:nvSpPr>
-          <p:cNvPr id="55" name="CuadroTexto 54">
-            <a:extLst>
-              <a:ext uri="{FF2B5EF4-FFF2-40B4-BE49-F238E27FC236}">
-                <a16:creationId xmlns:a16="http://schemas.microsoft.com/office/drawing/2014/main" id="{F714C80C-C3DE-4A97-8521-EEDB685634ED}"/>
-              </a:ext>
-            </a:extLst>
-          </p:cNvPr>
-          <p:cNvSpPr txBox="1"/>
-          <p:nvPr/>
-        </p:nvSpPr>
-        <p:spPr>
-          <a:xfrm>
-            <a:off x="6027856" y="3542644"/>
-            <a:ext cx="357452" cy="461665"/>
-          </a:xfrm>
-          <a:prstGeom prst="rect">
-            <a:avLst/>
-          </a:prstGeom>
-          <a:noFill/>
-        </p:spPr>
-        <p:txBody>
-          <a:bodyPr wrap="square" rtlCol="0">
-            <a:spAutoFit/>
-          </a:bodyPr>
-          <a:lstStyle/>
-          <a:p>
-            <a:r>
-              <a:rPr lang="es-ES" sz="2400" b="1" dirty="0">
-                <a:solidFill>
-                  <a:schemeClr val="bg1"/>
-                </a:solidFill>
-              </a:rPr>
-              <a:t>0</a:t>
-            </a:r>
-          </a:p>
-        </p:txBody>
-      </p:sp>
-      <p:sp>
-        <p:nvSpPr>
-          <p:cNvPr id="56" name="CuadroTexto 55">
-            <a:extLst>
-              <a:ext uri="{FF2B5EF4-FFF2-40B4-BE49-F238E27FC236}">
-                <a16:creationId xmlns:a16="http://schemas.microsoft.com/office/drawing/2014/main" id="{24109541-5695-409F-B083-870A6C082B1F}"/>
-              </a:ext>
-            </a:extLst>
-          </p:cNvPr>
-          <p:cNvSpPr txBox="1"/>
-          <p:nvPr/>
-        </p:nvSpPr>
-        <p:spPr>
-          <a:xfrm>
-            <a:off x="6763591" y="3542643"/>
-            <a:ext cx="357452" cy="461665"/>
-          </a:xfrm>
-          <a:prstGeom prst="rect">
-            <a:avLst/>
-          </a:prstGeom>
-          <a:noFill/>
-        </p:spPr>
-        <p:txBody>
-          <a:bodyPr wrap="square" rtlCol="0">
-            <a:spAutoFit/>
-          </a:bodyPr>
-          <a:lstStyle/>
-          <a:p>
-            <a:pPr algn="ctr"/>
-            <a:r>
-              <a:rPr lang="es-ES" sz="2400" b="1" dirty="0">
-                <a:solidFill>
-                  <a:schemeClr val="bg1"/>
-                </a:solidFill>
-              </a:rPr>
-              <a:t>1</a:t>
-            </a:r>
-          </a:p>
-        </p:txBody>
-      </p:sp>
-      <p:sp>
-        <p:nvSpPr>
-          <p:cNvPr id="65" name="Rectángulo 64">
-            <a:extLst>
-              <a:ext uri="{FF2B5EF4-FFF2-40B4-BE49-F238E27FC236}">
-                <a16:creationId xmlns:a16="http://schemas.microsoft.com/office/drawing/2014/main" id="{2C766006-474F-4878-88D3-0E194129F719}"/>
-              </a:ext>
-            </a:extLst>
-          </p:cNvPr>
-          <p:cNvSpPr/>
-          <p:nvPr/>
-        </p:nvSpPr>
-        <p:spPr>
-          <a:xfrm>
-            <a:off x="4362561" y="4137991"/>
-            <a:ext cx="2913269" cy="708991"/>
-          </a:xfrm>
-          <a:prstGeom prst="rect">
-            <a:avLst/>
-          </a:prstGeom>
-          <a:solidFill>
-            <a:schemeClr val="tx1"/>
-          </a:solidFill>
-          <a:ln>
-            <a:solidFill>
-              <a:schemeClr val="accent1">
-                <a:lumMod val="40000"/>
-                <a:lumOff val="60000"/>
-              </a:schemeClr>
-            </a:solidFill>
-          </a:ln>
-        </p:spPr>
-        <p:style>
-          <a:lnRef idx="2">
-            <a:schemeClr val="accent6"/>
-          </a:lnRef>
-          <a:fillRef idx="1">
-            <a:schemeClr val="lt1"/>
-          </a:fillRef>
-          <a:effectRef idx="0">
-            <a:schemeClr val="accent6"/>
-          </a:effectRef>
-          <a:fontRef idx="minor">
-            <a:schemeClr val="dk1"/>
-          </a:fontRef>
-        </p:style>
-        <p:txBody>
-          <a:bodyPr rtlCol="0" anchor="ctr"/>
-          <a:lstStyle/>
-          <a:p>
-            <a:pPr algn="ctr"/>
-            <a:endParaRPr lang="es-ES" dirty="0"/>
-          </a:p>
-        </p:txBody>
-      </p:sp>
-      <p:cxnSp>
-        <p:nvCxnSpPr>
-          <p:cNvPr id="66" name="Conector recto 65">
-            <a:extLst>
-              <a:ext uri="{FF2B5EF4-FFF2-40B4-BE49-F238E27FC236}">
-                <a16:creationId xmlns:a16="http://schemas.microsoft.com/office/drawing/2014/main" id="{E1ADB9EE-242D-45E8-884A-F74C00A55E16}"/>
-              </a:ext>
-            </a:extLst>
-          </p:cNvPr>
-          <p:cNvCxnSpPr/>
-          <p:nvPr/>
-        </p:nvCxnSpPr>
-        <p:spPr>
-          <a:xfrm>
-            <a:off x="5124560" y="4137991"/>
-            <a:ext cx="0" cy="708991"/>
-          </a:xfrm>
-          <a:prstGeom prst="line">
-            <a:avLst/>
-          </a:prstGeom>
-          <a:ln w="28575"/>
-        </p:spPr>
-        <p:style>
-          <a:lnRef idx="1">
-            <a:schemeClr val="dk1"/>
-          </a:lnRef>
-          <a:fillRef idx="0">
-            <a:schemeClr val="dk1"/>
-          </a:fillRef>
-          <a:effectRef idx="0">
-            <a:schemeClr val="dk1"/>
-          </a:effectRef>
-          <a:fontRef idx="minor">
-            <a:schemeClr val="tx1"/>
-          </a:fontRef>
-        </p:style>
-      </p:cxnSp>
-      <p:cxnSp>
-        <p:nvCxnSpPr>
-          <p:cNvPr id="67" name="Conector recto 66">
-            <a:extLst>
-              <a:ext uri="{FF2B5EF4-FFF2-40B4-BE49-F238E27FC236}">
-                <a16:creationId xmlns:a16="http://schemas.microsoft.com/office/drawing/2014/main" id="{83113453-2032-40E9-B3C2-501C3042396E}"/>
-              </a:ext>
-            </a:extLst>
-          </p:cNvPr>
-          <p:cNvCxnSpPr/>
-          <p:nvPr/>
-        </p:nvCxnSpPr>
-        <p:spPr>
-          <a:xfrm>
-            <a:off x="5873308" y="4137991"/>
-            <a:ext cx="0" cy="708991"/>
-          </a:xfrm>
-          <a:prstGeom prst="line">
-            <a:avLst/>
-          </a:prstGeom>
-          <a:ln w="28575"/>
-        </p:spPr>
-        <p:style>
-          <a:lnRef idx="1">
-            <a:schemeClr val="dk1"/>
-          </a:lnRef>
-          <a:fillRef idx="0">
-            <a:schemeClr val="dk1"/>
-          </a:fillRef>
-          <a:effectRef idx="0">
-            <a:schemeClr val="dk1"/>
-          </a:effectRef>
-          <a:fontRef idx="minor">
-            <a:schemeClr val="tx1"/>
-          </a:fontRef>
-        </p:style>
-      </p:cxnSp>
-      <p:cxnSp>
-        <p:nvCxnSpPr>
-          <p:cNvPr id="68" name="Conector recto 67">
-            <a:extLst>
-              <a:ext uri="{FF2B5EF4-FFF2-40B4-BE49-F238E27FC236}">
-                <a16:creationId xmlns:a16="http://schemas.microsoft.com/office/drawing/2014/main" id="{10BE2B09-0D55-407F-BF2D-3DA940CE2B5A}"/>
-              </a:ext>
-            </a:extLst>
-          </p:cNvPr>
-          <p:cNvCxnSpPr/>
-          <p:nvPr/>
-        </p:nvCxnSpPr>
-        <p:spPr>
-          <a:xfrm>
-            <a:off x="6608804" y="4137991"/>
-            <a:ext cx="0" cy="708991"/>
-          </a:xfrm>
-          <a:prstGeom prst="line">
-            <a:avLst/>
-          </a:prstGeom>
-          <a:ln w="28575"/>
-        </p:spPr>
-        <p:style>
-          <a:lnRef idx="1">
-            <a:schemeClr val="dk1"/>
-          </a:lnRef>
-          <a:fillRef idx="0">
-            <a:schemeClr val="dk1"/>
-          </a:fillRef>
-          <a:effectRef idx="0">
-            <a:schemeClr val="dk1"/>
-          </a:effectRef>
-          <a:fontRef idx="minor">
-            <a:schemeClr val="tx1"/>
-          </a:fontRef>
-        </p:style>
-      </p:cxnSp>
-      <p:sp>
-        <p:nvSpPr>
-          <p:cNvPr id="69" name="CuadroTexto 68">
-            <a:extLst>
-              <a:ext uri="{FF2B5EF4-FFF2-40B4-BE49-F238E27FC236}">
-                <a16:creationId xmlns:a16="http://schemas.microsoft.com/office/drawing/2014/main" id="{A63C8526-A841-4E6B-B190-64D176F094A4}"/>
-              </a:ext>
-            </a:extLst>
-          </p:cNvPr>
-          <p:cNvSpPr txBox="1"/>
-          <p:nvPr/>
-        </p:nvSpPr>
-        <p:spPr>
-          <a:xfrm>
-            <a:off x="4549347" y="4251635"/>
-            <a:ext cx="357452" cy="461665"/>
-          </a:xfrm>
-          <a:prstGeom prst="rect">
-            <a:avLst/>
-          </a:prstGeom>
-          <a:noFill/>
-        </p:spPr>
-        <p:txBody>
-          <a:bodyPr wrap="square" rtlCol="0">
-            <a:spAutoFit/>
-          </a:bodyPr>
-          <a:lstStyle/>
-          <a:p>
-            <a:r>
-              <a:rPr lang="es-ES" sz="2400" b="1" dirty="0">
-                <a:solidFill>
-                  <a:schemeClr val="bg1"/>
-                </a:solidFill>
-              </a:rPr>
-              <a:t>0</a:t>
-            </a:r>
-          </a:p>
-        </p:txBody>
-      </p:sp>
-      <p:sp>
-        <p:nvSpPr>
-          <p:cNvPr id="70" name="CuadroTexto 69">
-            <a:extLst>
-              <a:ext uri="{FF2B5EF4-FFF2-40B4-BE49-F238E27FC236}">
-                <a16:creationId xmlns:a16="http://schemas.microsoft.com/office/drawing/2014/main" id="{4269CDCE-8340-4F33-90E9-39B34D384C0D}"/>
-              </a:ext>
-            </a:extLst>
-          </p:cNvPr>
-          <p:cNvSpPr txBox="1"/>
-          <p:nvPr/>
-        </p:nvSpPr>
-        <p:spPr>
-          <a:xfrm>
-            <a:off x="5292361" y="4239341"/>
-            <a:ext cx="357452" cy="461665"/>
-          </a:xfrm>
-          <a:prstGeom prst="rect">
-            <a:avLst/>
-          </a:prstGeom>
-          <a:noFill/>
-        </p:spPr>
-        <p:txBody>
-          <a:bodyPr wrap="square" rtlCol="0">
-            <a:spAutoFit/>
-          </a:bodyPr>
-          <a:lstStyle/>
-          <a:p>
-            <a:r>
-              <a:rPr lang="es-ES" sz="2400" b="1" dirty="0">
-                <a:solidFill>
-                  <a:schemeClr val="bg1"/>
-                </a:solidFill>
-              </a:rPr>
-              <a:t>1</a:t>
-            </a:r>
-          </a:p>
-        </p:txBody>
-      </p:sp>
-      <p:sp>
-        <p:nvSpPr>
-          <p:cNvPr id="71" name="CuadroTexto 70">
-            <a:extLst>
-              <a:ext uri="{FF2B5EF4-FFF2-40B4-BE49-F238E27FC236}">
-                <a16:creationId xmlns:a16="http://schemas.microsoft.com/office/drawing/2014/main" id="{43363DA9-C520-4AC6-B3C9-F3C57EADF868}"/>
-              </a:ext>
-            </a:extLst>
-          </p:cNvPr>
-          <p:cNvSpPr txBox="1"/>
-          <p:nvPr/>
-        </p:nvSpPr>
-        <p:spPr>
-          <a:xfrm>
-            <a:off x="6027856" y="4251635"/>
-            <a:ext cx="357452" cy="461665"/>
-          </a:xfrm>
-          <a:prstGeom prst="rect">
-            <a:avLst/>
-          </a:prstGeom>
-          <a:noFill/>
-        </p:spPr>
-        <p:txBody>
-          <a:bodyPr wrap="square" rtlCol="0">
-            <a:spAutoFit/>
-          </a:bodyPr>
-          <a:lstStyle/>
-          <a:p>
-            <a:r>
-              <a:rPr lang="es-ES" sz="2400" b="1" dirty="0">
-                <a:solidFill>
-                  <a:schemeClr val="bg1"/>
-                </a:solidFill>
-              </a:rPr>
-              <a:t>0</a:t>
-            </a:r>
-          </a:p>
-        </p:txBody>
-      </p:sp>
-      <p:sp>
-        <p:nvSpPr>
-          <p:cNvPr id="72" name="CuadroTexto 71">
-            <a:extLst>
-              <a:ext uri="{FF2B5EF4-FFF2-40B4-BE49-F238E27FC236}">
-                <a16:creationId xmlns:a16="http://schemas.microsoft.com/office/drawing/2014/main" id="{0C6D3F9F-3D61-48E2-940A-5C14431F1A86}"/>
-              </a:ext>
-            </a:extLst>
-          </p:cNvPr>
-          <p:cNvSpPr txBox="1"/>
-          <p:nvPr/>
-        </p:nvSpPr>
-        <p:spPr>
-          <a:xfrm>
-            <a:off x="6763591" y="4251634"/>
-            <a:ext cx="357452" cy="461665"/>
-          </a:xfrm>
-          <a:prstGeom prst="rect">
-            <a:avLst/>
-          </a:prstGeom>
-          <a:noFill/>
-        </p:spPr>
-        <p:txBody>
-          <a:bodyPr wrap="square" rtlCol="0">
-            <a:spAutoFit/>
-          </a:bodyPr>
-          <a:lstStyle/>
-          <a:p>
-            <a:pPr algn="ctr"/>
-            <a:r>
-              <a:rPr lang="es-ES" sz="2400" b="1" dirty="0">
-                <a:solidFill>
-                  <a:schemeClr val="bg1"/>
-                </a:solidFill>
-              </a:rPr>
-              <a:t>1</a:t>
-            </a:r>
-          </a:p>
-        </p:txBody>
-      </p:sp>
-      <p:sp>
-        <p:nvSpPr>
-          <p:cNvPr id="73" name="Rectángulo 72">
-            <a:extLst>
-              <a:ext uri="{FF2B5EF4-FFF2-40B4-BE49-F238E27FC236}">
-                <a16:creationId xmlns:a16="http://schemas.microsoft.com/office/drawing/2014/main" id="{F27CAC5F-E821-4E4F-8D08-2D95AB9AB082}"/>
-              </a:ext>
-            </a:extLst>
-          </p:cNvPr>
-          <p:cNvSpPr/>
-          <p:nvPr/>
-        </p:nvSpPr>
-        <p:spPr>
-          <a:xfrm>
-            <a:off x="4362561" y="4795932"/>
-            <a:ext cx="2913269" cy="708991"/>
-          </a:xfrm>
-          <a:prstGeom prst="rect">
-            <a:avLst/>
-          </a:prstGeom>
-          <a:solidFill>
-            <a:schemeClr val="tx1"/>
-          </a:solidFill>
-          <a:ln>
-            <a:solidFill>
-              <a:schemeClr val="accent1">
-                <a:lumMod val="40000"/>
-                <a:lumOff val="60000"/>
-              </a:schemeClr>
-            </a:solidFill>
-          </a:ln>
-        </p:spPr>
-        <p:style>
-          <a:lnRef idx="2">
-            <a:schemeClr val="accent6"/>
-          </a:lnRef>
-          <a:fillRef idx="1">
-            <a:schemeClr val="lt1"/>
-          </a:fillRef>
-          <a:effectRef idx="0">
-            <a:schemeClr val="accent6"/>
-          </a:effectRef>
-          <a:fontRef idx="minor">
-            <a:schemeClr val="dk1"/>
-          </a:fontRef>
-        </p:style>
-        <p:txBody>
-          <a:bodyPr rtlCol="0" anchor="ctr"/>
-          <a:lstStyle/>
-          <a:p>
-            <a:pPr algn="ctr"/>
-            <a:endParaRPr lang="es-ES" dirty="0"/>
-          </a:p>
-        </p:txBody>
-      </p:sp>
-      <p:cxnSp>
-        <p:nvCxnSpPr>
-          <p:cNvPr id="74" name="Conector recto 73">
-            <a:extLst>
-              <a:ext uri="{FF2B5EF4-FFF2-40B4-BE49-F238E27FC236}">
-                <a16:creationId xmlns:a16="http://schemas.microsoft.com/office/drawing/2014/main" id="{E7910EA3-305F-496D-A275-FCDD6BADF39D}"/>
-              </a:ext>
-            </a:extLst>
-          </p:cNvPr>
-          <p:cNvCxnSpPr/>
-          <p:nvPr/>
-        </p:nvCxnSpPr>
-        <p:spPr>
-          <a:xfrm>
-            <a:off x="5124560" y="4795932"/>
-            <a:ext cx="0" cy="708991"/>
-          </a:xfrm>
-          <a:prstGeom prst="line">
-            <a:avLst/>
-          </a:prstGeom>
-          <a:ln w="28575"/>
-        </p:spPr>
-        <p:style>
-          <a:lnRef idx="1">
-            <a:schemeClr val="dk1"/>
-          </a:lnRef>
-          <a:fillRef idx="0">
-            <a:schemeClr val="dk1"/>
-          </a:fillRef>
-          <a:effectRef idx="0">
-            <a:schemeClr val="dk1"/>
-          </a:effectRef>
-          <a:fontRef idx="minor">
-            <a:schemeClr val="tx1"/>
-          </a:fontRef>
-        </p:style>
-      </p:cxnSp>
-      <p:cxnSp>
-        <p:nvCxnSpPr>
-          <p:cNvPr id="75" name="Conector recto 74">
-            <a:extLst>
-              <a:ext uri="{FF2B5EF4-FFF2-40B4-BE49-F238E27FC236}">
-                <a16:creationId xmlns:a16="http://schemas.microsoft.com/office/drawing/2014/main" id="{7DE9661F-04C8-4D95-825F-AA8680799B70}"/>
-              </a:ext>
-            </a:extLst>
-          </p:cNvPr>
-          <p:cNvCxnSpPr/>
-          <p:nvPr/>
-        </p:nvCxnSpPr>
-        <p:spPr>
-          <a:xfrm>
-            <a:off x="5873308" y="4795932"/>
-            <a:ext cx="0" cy="708991"/>
-          </a:xfrm>
-          <a:prstGeom prst="line">
-            <a:avLst/>
-          </a:prstGeom>
-          <a:ln w="28575"/>
-        </p:spPr>
-        <p:style>
-          <a:lnRef idx="1">
-            <a:schemeClr val="dk1"/>
-          </a:lnRef>
-          <a:fillRef idx="0">
-            <a:schemeClr val="dk1"/>
-          </a:fillRef>
-          <a:effectRef idx="0">
-            <a:schemeClr val="dk1"/>
-          </a:effectRef>
-          <a:fontRef idx="minor">
-            <a:schemeClr val="tx1"/>
-          </a:fontRef>
-        </p:style>
-      </p:cxnSp>
-      <p:cxnSp>
-        <p:nvCxnSpPr>
-          <p:cNvPr id="76" name="Conector recto 75">
-            <a:extLst>
-              <a:ext uri="{FF2B5EF4-FFF2-40B4-BE49-F238E27FC236}">
-                <a16:creationId xmlns:a16="http://schemas.microsoft.com/office/drawing/2014/main" id="{9D1B44A5-B131-4DFA-B691-3ED0699771D6}"/>
-              </a:ext>
-            </a:extLst>
-          </p:cNvPr>
-          <p:cNvCxnSpPr/>
-          <p:nvPr/>
-        </p:nvCxnSpPr>
-        <p:spPr>
-          <a:xfrm>
-            <a:off x="6608804" y="4795932"/>
-            <a:ext cx="0" cy="708991"/>
-          </a:xfrm>
-          <a:prstGeom prst="line">
-            <a:avLst/>
-          </a:prstGeom>
-          <a:ln w="28575"/>
-        </p:spPr>
-        <p:style>
-          <a:lnRef idx="1">
-            <a:schemeClr val="dk1"/>
-          </a:lnRef>
-          <a:fillRef idx="0">
-            <a:schemeClr val="dk1"/>
-          </a:fillRef>
-          <a:effectRef idx="0">
-            <a:schemeClr val="dk1"/>
-          </a:effectRef>
-          <a:fontRef idx="minor">
-            <a:schemeClr val="tx1"/>
-          </a:fontRef>
-        </p:style>
-      </p:cxnSp>
-      <p:sp>
-        <p:nvSpPr>
-          <p:cNvPr id="77" name="CuadroTexto 76">
-            <a:extLst>
-              <a:ext uri="{FF2B5EF4-FFF2-40B4-BE49-F238E27FC236}">
-                <a16:creationId xmlns:a16="http://schemas.microsoft.com/office/drawing/2014/main" id="{1EB79EFC-AB66-4DAD-97D2-5E2646377FCB}"/>
-              </a:ext>
-            </a:extLst>
-          </p:cNvPr>
-          <p:cNvSpPr txBox="1"/>
-          <p:nvPr/>
-        </p:nvSpPr>
-        <p:spPr>
-          <a:xfrm>
-            <a:off x="4549347" y="4909576"/>
-            <a:ext cx="357452" cy="461665"/>
-          </a:xfrm>
-          <a:prstGeom prst="rect">
-            <a:avLst/>
-          </a:prstGeom>
-          <a:noFill/>
-        </p:spPr>
-        <p:txBody>
-          <a:bodyPr wrap="square" rtlCol="0">
-            <a:spAutoFit/>
-          </a:bodyPr>
-          <a:lstStyle/>
-          <a:p>
-            <a:r>
-              <a:rPr lang="es-ES" sz="2400" b="1" dirty="0">
-                <a:solidFill>
-                  <a:schemeClr val="bg1"/>
-                </a:solidFill>
-              </a:rPr>
-              <a:t>0</a:t>
-            </a:r>
-          </a:p>
-        </p:txBody>
-      </p:sp>
-      <p:sp>
-        <p:nvSpPr>
-          <p:cNvPr id="78" name="CuadroTexto 77">
-            <a:extLst>
-              <a:ext uri="{FF2B5EF4-FFF2-40B4-BE49-F238E27FC236}">
-                <a16:creationId xmlns:a16="http://schemas.microsoft.com/office/drawing/2014/main" id="{BADD33FD-FDFE-4197-AA8A-5DC1F85DDB0F}"/>
-              </a:ext>
-            </a:extLst>
-          </p:cNvPr>
-          <p:cNvSpPr txBox="1"/>
-          <p:nvPr/>
-        </p:nvSpPr>
-        <p:spPr>
-          <a:xfrm>
-            <a:off x="5292361" y="4897282"/>
-            <a:ext cx="357452" cy="461665"/>
-          </a:xfrm>
-          <a:prstGeom prst="rect">
-            <a:avLst/>
-          </a:prstGeom>
-          <a:noFill/>
-        </p:spPr>
-        <p:txBody>
-          <a:bodyPr wrap="square" rtlCol="0">
-            <a:spAutoFit/>
-          </a:bodyPr>
-          <a:lstStyle/>
-          <a:p>
-            <a:r>
-              <a:rPr lang="es-ES" sz="2400" b="1" dirty="0">
-                <a:solidFill>
-                  <a:schemeClr val="bg1"/>
-                </a:solidFill>
-              </a:rPr>
-              <a:t>1</a:t>
-            </a:r>
-          </a:p>
-        </p:txBody>
-      </p:sp>
-      <p:sp>
-        <p:nvSpPr>
-          <p:cNvPr id="79" name="CuadroTexto 78">
-            <a:extLst>
-              <a:ext uri="{FF2B5EF4-FFF2-40B4-BE49-F238E27FC236}">
-                <a16:creationId xmlns:a16="http://schemas.microsoft.com/office/drawing/2014/main" id="{67ABADC0-7004-4619-9A50-631462DE08B8}"/>
-              </a:ext>
-            </a:extLst>
-          </p:cNvPr>
-          <p:cNvSpPr txBox="1"/>
-          <p:nvPr/>
-        </p:nvSpPr>
-        <p:spPr>
-          <a:xfrm>
-            <a:off x="6027856" y="4909576"/>
-            <a:ext cx="357452" cy="461665"/>
-          </a:xfrm>
-          <a:prstGeom prst="rect">
-            <a:avLst/>
-          </a:prstGeom>
-          <a:noFill/>
-        </p:spPr>
-        <p:txBody>
-          <a:bodyPr wrap="square" rtlCol="0">
-            <a:spAutoFit/>
-          </a:bodyPr>
-          <a:lstStyle/>
-          <a:p>
-            <a:r>
-              <a:rPr lang="es-ES" sz="2400" b="1" dirty="0">
-                <a:solidFill>
-                  <a:schemeClr val="bg1"/>
-                </a:solidFill>
-              </a:rPr>
-              <a:t>0</a:t>
-            </a:r>
-          </a:p>
-        </p:txBody>
-      </p:sp>
-      <p:sp>
-        <p:nvSpPr>
-          <p:cNvPr id="80" name="CuadroTexto 79">
-            <a:extLst>
-              <a:ext uri="{FF2B5EF4-FFF2-40B4-BE49-F238E27FC236}">
-                <a16:creationId xmlns:a16="http://schemas.microsoft.com/office/drawing/2014/main" id="{863059D1-0CBA-40D5-B0FD-6331F10E2004}"/>
-              </a:ext>
-            </a:extLst>
-          </p:cNvPr>
-          <p:cNvSpPr txBox="1"/>
-          <p:nvPr/>
-        </p:nvSpPr>
-        <p:spPr>
-          <a:xfrm>
-            <a:off x="6763591" y="4909575"/>
-            <a:ext cx="357452" cy="461665"/>
-          </a:xfrm>
-          <a:prstGeom prst="rect">
-            <a:avLst/>
-          </a:prstGeom>
-          <a:noFill/>
-        </p:spPr>
-        <p:txBody>
-          <a:bodyPr wrap="square" rtlCol="0">
-            <a:spAutoFit/>
-          </a:bodyPr>
-          <a:lstStyle/>
-          <a:p>
-            <a:pPr algn="ctr"/>
-            <a:r>
-              <a:rPr lang="es-ES" sz="2400" b="1" dirty="0">
-                <a:solidFill>
-                  <a:schemeClr val="bg1"/>
-                </a:solidFill>
-              </a:rPr>
-              <a:t>1</a:t>
-            </a:r>
-          </a:p>
-        </p:txBody>
-      </p:sp>
-      <p:sp>
-        <p:nvSpPr>
-          <p:cNvPr id="81" name="CuadroTexto 80">
-            <a:extLst>
-              <a:ext uri="{FF2B5EF4-FFF2-40B4-BE49-F238E27FC236}">
-                <a16:creationId xmlns:a16="http://schemas.microsoft.com/office/drawing/2014/main" id="{E3366F3D-3F49-40A4-BC9E-4A1E3FCEA11C}"/>
-              </a:ext>
-            </a:extLst>
-          </p:cNvPr>
-          <p:cNvSpPr txBox="1"/>
-          <p:nvPr/>
-        </p:nvSpPr>
-        <p:spPr>
-          <a:xfrm>
-            <a:off x="777136" y="2833653"/>
-            <a:ext cx="357452" cy="461665"/>
-          </a:xfrm>
-          <a:prstGeom prst="rect">
-            <a:avLst/>
-          </a:prstGeom>
-        </p:spPr>
-        <p:style>
-          <a:lnRef idx="2">
-            <a:schemeClr val="accent4"/>
-          </a:lnRef>
-          <a:fillRef idx="1">
-            <a:schemeClr val="lt1"/>
-          </a:fillRef>
-          <a:effectRef idx="0">
-            <a:schemeClr val="accent4"/>
-          </a:effectRef>
-          <a:fontRef idx="minor">
-            <a:schemeClr val="dk1"/>
-          </a:fontRef>
-        </p:style>
-        <p:txBody>
-          <a:bodyPr wrap="square" rtlCol="0">
-            <a:spAutoFit/>
-          </a:bodyPr>
-          <a:lstStyle/>
-          <a:p>
-            <a:r>
-              <a:rPr lang="es-ES" sz="2400" b="1" dirty="0">
-                <a:solidFill>
-                  <a:srgbClr val="C00000"/>
-                </a:solidFill>
-              </a:rPr>
-              <a:t>0</a:t>
-            </a:r>
-          </a:p>
-        </p:txBody>
-      </p:sp>
-      <p:sp>
-        <p:nvSpPr>
-          <p:cNvPr id="82" name="CuadroTexto 81">
-            <a:extLst>
-              <a:ext uri="{FF2B5EF4-FFF2-40B4-BE49-F238E27FC236}">
-                <a16:creationId xmlns:a16="http://schemas.microsoft.com/office/drawing/2014/main" id="{1292A424-4898-408C-A2FA-7C708841B34C}"/>
-              </a:ext>
-            </a:extLst>
-          </p:cNvPr>
-          <p:cNvSpPr txBox="1"/>
-          <p:nvPr/>
-        </p:nvSpPr>
-        <p:spPr>
-          <a:xfrm>
-            <a:off x="1520150" y="3530350"/>
-            <a:ext cx="357452" cy="461665"/>
-          </a:xfrm>
-          <a:prstGeom prst="rect">
-            <a:avLst/>
-          </a:prstGeom>
-        </p:spPr>
-        <p:style>
-          <a:lnRef idx="2">
-            <a:schemeClr val="accent4"/>
-          </a:lnRef>
-          <a:fillRef idx="1">
-            <a:schemeClr val="lt1"/>
-          </a:fillRef>
-          <a:effectRef idx="0">
-            <a:schemeClr val="accent4"/>
-          </a:effectRef>
-          <a:fontRef idx="minor">
-            <a:schemeClr val="dk1"/>
-          </a:fontRef>
-        </p:style>
-        <p:txBody>
-          <a:bodyPr wrap="square" rtlCol="0">
-            <a:spAutoFit/>
-          </a:bodyPr>
-          <a:lstStyle/>
-          <a:p>
-            <a:r>
-              <a:rPr lang="es-ES" sz="2400" b="1" dirty="0">
-                <a:solidFill>
-                  <a:srgbClr val="C00000"/>
-                </a:solidFill>
-              </a:rPr>
-              <a:t>1</a:t>
-            </a:r>
-          </a:p>
-        </p:txBody>
-      </p:sp>
-      <p:sp>
-        <p:nvSpPr>
-          <p:cNvPr id="83" name="CuadroTexto 82">
-            <a:extLst>
-              <a:ext uri="{FF2B5EF4-FFF2-40B4-BE49-F238E27FC236}">
-                <a16:creationId xmlns:a16="http://schemas.microsoft.com/office/drawing/2014/main" id="{A1281C98-7799-493D-A84A-0AFC32C4D7CA}"/>
-              </a:ext>
-            </a:extLst>
-          </p:cNvPr>
-          <p:cNvSpPr txBox="1"/>
-          <p:nvPr/>
-        </p:nvSpPr>
-        <p:spPr>
-          <a:xfrm>
-            <a:off x="2255645" y="4251635"/>
-            <a:ext cx="357452" cy="461665"/>
-          </a:xfrm>
-          <a:prstGeom prst="rect">
-            <a:avLst/>
-          </a:prstGeom>
-        </p:spPr>
-        <p:style>
-          <a:lnRef idx="2">
-            <a:schemeClr val="accent4"/>
-          </a:lnRef>
-          <a:fillRef idx="1">
-            <a:schemeClr val="lt1"/>
-          </a:fillRef>
-          <a:effectRef idx="0">
-            <a:schemeClr val="accent4"/>
-          </a:effectRef>
-          <a:fontRef idx="minor">
-            <a:schemeClr val="dk1"/>
-          </a:fontRef>
-        </p:style>
-        <p:txBody>
-          <a:bodyPr wrap="square" rtlCol="0">
-            <a:spAutoFit/>
-          </a:bodyPr>
-          <a:lstStyle/>
-          <a:p>
-            <a:r>
-              <a:rPr lang="es-ES" sz="2400" b="1" dirty="0">
-                <a:solidFill>
-                  <a:srgbClr val="C00000"/>
-                </a:solidFill>
-              </a:rPr>
-              <a:t>0</a:t>
-            </a:r>
-          </a:p>
-        </p:txBody>
-      </p:sp>
-      <p:sp>
-        <p:nvSpPr>
-          <p:cNvPr id="84" name="CuadroTexto 83">
-            <a:extLst>
-              <a:ext uri="{FF2B5EF4-FFF2-40B4-BE49-F238E27FC236}">
-                <a16:creationId xmlns:a16="http://schemas.microsoft.com/office/drawing/2014/main" id="{59B3B4DA-31F3-4E7D-B6E3-BCB79D16BA6F}"/>
-              </a:ext>
-            </a:extLst>
-          </p:cNvPr>
-          <p:cNvSpPr txBox="1"/>
-          <p:nvPr/>
-        </p:nvSpPr>
-        <p:spPr>
-          <a:xfrm>
-            <a:off x="2991380" y="4909575"/>
-            <a:ext cx="357452" cy="461665"/>
-          </a:xfrm>
-          <a:prstGeom prst="rect">
-            <a:avLst/>
-          </a:prstGeom>
-        </p:spPr>
-        <p:style>
-          <a:lnRef idx="2">
-            <a:schemeClr val="accent4"/>
-          </a:lnRef>
-          <a:fillRef idx="1">
-            <a:schemeClr val="lt1"/>
-          </a:fillRef>
-          <a:effectRef idx="0">
-            <a:schemeClr val="accent4"/>
-          </a:effectRef>
-          <a:fontRef idx="minor">
-            <a:schemeClr val="dk1"/>
-          </a:fontRef>
-        </p:style>
-        <p:txBody>
-          <a:bodyPr wrap="square" rtlCol="0">
-            <a:spAutoFit/>
-          </a:bodyPr>
-          <a:lstStyle/>
-          <a:p>
-            <a:pPr algn="ctr"/>
-            <a:r>
-              <a:rPr lang="es-ES" sz="2400" b="1" dirty="0">
-                <a:solidFill>
-                  <a:srgbClr val="C00000"/>
-                </a:solidFill>
-              </a:rPr>
-              <a:t>1</a:t>
-            </a:r>
-          </a:p>
-        </p:txBody>
-      </p:sp>
-      <p:sp>
-        <p:nvSpPr>
-          <p:cNvPr id="90" name="CuadroTexto 89">
-            <a:extLst>
-              <a:ext uri="{FF2B5EF4-FFF2-40B4-BE49-F238E27FC236}">
-                <a16:creationId xmlns:a16="http://schemas.microsoft.com/office/drawing/2014/main" id="{6E678AA8-18B1-4DE5-BC36-66348F768D44}"/>
-              </a:ext>
-            </a:extLst>
-          </p:cNvPr>
-          <p:cNvSpPr txBox="1"/>
-          <p:nvPr/>
-        </p:nvSpPr>
-        <p:spPr>
-          <a:xfrm>
-            <a:off x="4543030" y="2831144"/>
-            <a:ext cx="357452" cy="461665"/>
-          </a:xfrm>
-          <a:prstGeom prst="rect">
-            <a:avLst/>
-          </a:prstGeom>
-          <a:noFill/>
-        </p:spPr>
-        <p:txBody>
-          <a:bodyPr wrap="square" rtlCol="0">
-            <a:spAutoFit/>
-          </a:bodyPr>
-          <a:lstStyle/>
-          <a:p>
-            <a:r>
-              <a:rPr lang="es-ES" sz="2400" b="1" dirty="0">
-                <a:solidFill>
-                  <a:schemeClr val="bg1"/>
-                </a:solidFill>
-              </a:rPr>
-              <a:t>0</a:t>
-            </a:r>
-          </a:p>
-        </p:txBody>
-      </p:sp>
-      <p:sp>
-        <p:nvSpPr>
-          <p:cNvPr id="91" name="CuadroTexto 90">
-            <a:extLst>
-              <a:ext uri="{FF2B5EF4-FFF2-40B4-BE49-F238E27FC236}">
-                <a16:creationId xmlns:a16="http://schemas.microsoft.com/office/drawing/2014/main" id="{7B127DB1-29A0-430E-8A1C-EEE0BD149142}"/>
-              </a:ext>
-            </a:extLst>
-          </p:cNvPr>
-          <p:cNvSpPr txBox="1"/>
-          <p:nvPr/>
-        </p:nvSpPr>
-        <p:spPr>
-          <a:xfrm>
-            <a:off x="5284842" y="3518482"/>
-            <a:ext cx="357452" cy="461665"/>
-          </a:xfrm>
-          <a:prstGeom prst="rect">
-            <a:avLst/>
-          </a:prstGeom>
-          <a:noFill/>
-        </p:spPr>
-        <p:txBody>
-          <a:bodyPr wrap="square" rtlCol="0">
-            <a:spAutoFit/>
-          </a:bodyPr>
-          <a:lstStyle/>
-          <a:p>
-            <a:r>
-              <a:rPr lang="es-ES" sz="2400" b="1" dirty="0">
-                <a:solidFill>
-                  <a:schemeClr val="bg1"/>
-                </a:solidFill>
-              </a:rPr>
-              <a:t>0</a:t>
-            </a:r>
-          </a:p>
-        </p:txBody>
-      </p:sp>
-      <p:sp>
-        <p:nvSpPr>
-          <p:cNvPr id="92" name="CuadroTexto 91">
-            <a:extLst>
-              <a:ext uri="{FF2B5EF4-FFF2-40B4-BE49-F238E27FC236}">
-                <a16:creationId xmlns:a16="http://schemas.microsoft.com/office/drawing/2014/main" id="{3D1273EC-7F76-4F75-A9F0-20E3907DB775}"/>
-              </a:ext>
-            </a:extLst>
-          </p:cNvPr>
-          <p:cNvSpPr txBox="1"/>
-          <p:nvPr/>
-        </p:nvSpPr>
-        <p:spPr>
-          <a:xfrm>
-            <a:off x="6027856" y="4251634"/>
-            <a:ext cx="357452" cy="461665"/>
-          </a:xfrm>
-          <a:prstGeom prst="rect">
-            <a:avLst/>
-          </a:prstGeom>
-          <a:noFill/>
-        </p:spPr>
-        <p:txBody>
-          <a:bodyPr wrap="square" rtlCol="0">
-            <a:spAutoFit/>
-          </a:bodyPr>
-          <a:lstStyle/>
-          <a:p>
-            <a:r>
-              <a:rPr lang="es-ES" sz="2400" b="1" dirty="0">
-                <a:solidFill>
-                  <a:schemeClr val="bg1"/>
-                </a:solidFill>
-              </a:rPr>
-              <a:t>0</a:t>
-            </a:r>
-          </a:p>
-        </p:txBody>
-      </p:sp>
-      <p:sp>
-        <p:nvSpPr>
-          <p:cNvPr id="93" name="CuadroTexto 92">
-            <a:extLst>
-              <a:ext uri="{FF2B5EF4-FFF2-40B4-BE49-F238E27FC236}">
-                <a16:creationId xmlns:a16="http://schemas.microsoft.com/office/drawing/2014/main" id="{3B65A095-1A82-4F6A-BF8A-B8DE69A1F072}"/>
-              </a:ext>
-            </a:extLst>
-          </p:cNvPr>
-          <p:cNvSpPr txBox="1"/>
-          <p:nvPr/>
-        </p:nvSpPr>
-        <p:spPr>
-          <a:xfrm>
-            <a:off x="6763351" y="4904101"/>
-            <a:ext cx="357452" cy="461665"/>
-          </a:xfrm>
-          <a:prstGeom prst="rect">
-            <a:avLst/>
-          </a:prstGeom>
-          <a:noFill/>
-        </p:spPr>
-        <p:txBody>
-          <a:bodyPr wrap="square" rtlCol="0">
-            <a:spAutoFit/>
-          </a:bodyPr>
-          <a:lstStyle/>
-          <a:p>
-            <a:r>
-              <a:rPr lang="es-ES" sz="2400" b="1" dirty="0">
-                <a:solidFill>
-                  <a:schemeClr val="bg1"/>
-                </a:solidFill>
-              </a:rPr>
-              <a:t>0</a:t>
-            </a:r>
-          </a:p>
-        </p:txBody>
-      </p:sp>
-      <p:sp>
-        <p:nvSpPr>
-          <p:cNvPr id="94" name="CuadroTexto 93">
-            <a:extLst>
-              <a:ext uri="{FF2B5EF4-FFF2-40B4-BE49-F238E27FC236}">
-                <a16:creationId xmlns:a16="http://schemas.microsoft.com/office/drawing/2014/main" id="{D5870797-081D-452D-A8CE-058FD9C1795F}"/>
-              </a:ext>
-            </a:extLst>
-          </p:cNvPr>
-          <p:cNvSpPr txBox="1"/>
-          <p:nvPr/>
-        </p:nvSpPr>
-        <p:spPr>
-          <a:xfrm>
-            <a:off x="4536713" y="2857226"/>
-            <a:ext cx="357452" cy="461665"/>
-          </a:xfrm>
-          <a:prstGeom prst="rect">
-            <a:avLst/>
-          </a:prstGeom>
-        </p:spPr>
-        <p:style>
-          <a:lnRef idx="2">
-            <a:schemeClr val="accent4"/>
-          </a:lnRef>
-          <a:fillRef idx="1">
-            <a:schemeClr val="lt1"/>
-          </a:fillRef>
-          <a:effectRef idx="0">
-            <a:schemeClr val="accent4"/>
-          </a:effectRef>
-          <a:fontRef idx="minor">
-            <a:schemeClr val="dk1"/>
-          </a:fontRef>
-        </p:style>
-        <p:txBody>
-          <a:bodyPr wrap="square" rtlCol="0">
-            <a:spAutoFit/>
-          </a:bodyPr>
-          <a:lstStyle/>
-          <a:p>
-            <a:r>
-              <a:rPr lang="es-ES" sz="2400" b="1" dirty="0">
-                <a:solidFill>
-                  <a:srgbClr val="C00000"/>
-                </a:solidFill>
-              </a:rPr>
-              <a:t>0</a:t>
-            </a:r>
-          </a:p>
-        </p:txBody>
-      </p:sp>
-      <p:sp>
-        <p:nvSpPr>
-          <p:cNvPr id="95" name="CuadroTexto 94">
-            <a:extLst>
-              <a:ext uri="{FF2B5EF4-FFF2-40B4-BE49-F238E27FC236}">
-                <a16:creationId xmlns:a16="http://schemas.microsoft.com/office/drawing/2014/main" id="{22EFED9D-4D32-423F-9CE1-8706FBFFE0E4}"/>
-              </a:ext>
-            </a:extLst>
-          </p:cNvPr>
-          <p:cNvSpPr txBox="1"/>
-          <p:nvPr/>
-        </p:nvSpPr>
-        <p:spPr>
-          <a:xfrm>
-            <a:off x="4548744" y="3521151"/>
-            <a:ext cx="357452" cy="461665"/>
-          </a:xfrm>
-          <a:prstGeom prst="rect">
-            <a:avLst/>
-          </a:prstGeom>
-        </p:spPr>
-        <p:style>
-          <a:lnRef idx="2">
-            <a:schemeClr val="accent4"/>
-          </a:lnRef>
-          <a:fillRef idx="1">
-            <a:schemeClr val="lt1"/>
-          </a:fillRef>
-          <a:effectRef idx="0">
-            <a:schemeClr val="accent4"/>
-          </a:effectRef>
-          <a:fontRef idx="minor">
-            <a:schemeClr val="dk1"/>
-          </a:fontRef>
-        </p:style>
-        <p:txBody>
-          <a:bodyPr wrap="square" rtlCol="0">
-            <a:spAutoFit/>
-          </a:bodyPr>
-          <a:lstStyle/>
-          <a:p>
-            <a:r>
-              <a:rPr lang="es-ES" sz="2400" b="1" dirty="0">
-                <a:solidFill>
-                  <a:srgbClr val="C00000"/>
-                </a:solidFill>
-              </a:rPr>
-              <a:t>1</a:t>
-            </a:r>
-          </a:p>
-        </p:txBody>
-      </p:sp>
-      <p:sp>
-        <p:nvSpPr>
-          <p:cNvPr id="96" name="CuadroTexto 95">
-            <a:extLst>
-              <a:ext uri="{FF2B5EF4-FFF2-40B4-BE49-F238E27FC236}">
-                <a16:creationId xmlns:a16="http://schemas.microsoft.com/office/drawing/2014/main" id="{A8D8EB09-26BE-4D58-BF82-7D089A359707}"/>
-              </a:ext>
-            </a:extLst>
-          </p:cNvPr>
-          <p:cNvSpPr txBox="1"/>
-          <p:nvPr/>
-        </p:nvSpPr>
-        <p:spPr>
-          <a:xfrm>
-            <a:off x="4543612" y="4191119"/>
-            <a:ext cx="357452" cy="461665"/>
-          </a:xfrm>
-          <a:prstGeom prst="rect">
-            <a:avLst/>
-          </a:prstGeom>
-        </p:spPr>
-        <p:style>
-          <a:lnRef idx="2">
-            <a:schemeClr val="accent4"/>
-          </a:lnRef>
-          <a:fillRef idx="1">
-            <a:schemeClr val="lt1"/>
-          </a:fillRef>
-          <a:effectRef idx="0">
-            <a:schemeClr val="accent4"/>
-          </a:effectRef>
-          <a:fontRef idx="minor">
-            <a:schemeClr val="dk1"/>
-          </a:fontRef>
-        </p:style>
-        <p:txBody>
-          <a:bodyPr wrap="square" rtlCol="0">
-            <a:spAutoFit/>
-          </a:bodyPr>
-          <a:lstStyle/>
-          <a:p>
-            <a:r>
-              <a:rPr lang="es-ES" sz="2400" b="1" dirty="0">
-                <a:solidFill>
-                  <a:srgbClr val="C00000"/>
-                </a:solidFill>
-              </a:rPr>
-              <a:t>0</a:t>
-            </a:r>
-          </a:p>
-        </p:txBody>
-      </p:sp>
-      <p:sp>
-        <p:nvSpPr>
-          <p:cNvPr id="97" name="CuadroTexto 96">
-            <a:extLst>
-              <a:ext uri="{FF2B5EF4-FFF2-40B4-BE49-F238E27FC236}">
-                <a16:creationId xmlns:a16="http://schemas.microsoft.com/office/drawing/2014/main" id="{0AF4688A-A525-4DA6-AB94-C09B5BA4590C}"/>
-              </a:ext>
-            </a:extLst>
-          </p:cNvPr>
-          <p:cNvSpPr txBox="1"/>
-          <p:nvPr/>
-        </p:nvSpPr>
-        <p:spPr>
-          <a:xfrm>
-            <a:off x="4556866" y="4906278"/>
-            <a:ext cx="357452" cy="461665"/>
-          </a:xfrm>
-          <a:prstGeom prst="rect">
-            <a:avLst/>
-          </a:prstGeom>
-        </p:spPr>
-        <p:style>
-          <a:lnRef idx="2">
-            <a:schemeClr val="accent4"/>
-          </a:lnRef>
-          <a:fillRef idx="1">
-            <a:schemeClr val="lt1"/>
-          </a:fillRef>
-          <a:effectRef idx="0">
-            <a:schemeClr val="accent4"/>
-          </a:effectRef>
-          <a:fontRef idx="minor">
-            <a:schemeClr val="dk1"/>
-          </a:fontRef>
-        </p:style>
-        <p:txBody>
-          <a:bodyPr wrap="square" rtlCol="0">
-            <a:spAutoFit/>
-          </a:bodyPr>
-          <a:lstStyle/>
-          <a:p>
-            <a:r>
-              <a:rPr lang="es-ES" sz="2400" b="1" dirty="0">
-                <a:solidFill>
-                  <a:srgbClr val="C00000"/>
-                </a:solidFill>
-              </a:rPr>
-              <a:t>1</a:t>
-            </a:r>
-          </a:p>
-        </p:txBody>
-      </p:sp>
-    </p:spTree>
-    <p:extLst>
-      <p:ext uri="{BB962C8B-B14F-4D97-AF65-F5344CB8AC3E}">
-        <p14:creationId xmlns:p14="http://schemas.microsoft.com/office/powerpoint/2010/main" val="2797038060"/>
-      </p:ext>
-    </p:extLst>
-  </p:cSld>
-  <p:clrMapOvr>
-    <a:masterClrMapping/>
-  </p:clrMapOvr>
-  <p:timing>
-    <p:tnLst>
-      <p:par>
-        <p:cTn id="1" dur="indefinite" restart="never" nodeType="tmRoot">
-          <p:childTnLst>
-            <p:seq concurrent="1" nextAc="seek">
-              <p:cTn id="2" dur="indefinite" nodeType="mainSeq">
-                <p:childTnLst>
-                  <p:par>
-                    <p:cTn id="3" fill="hold">
-                      <p:stCondLst>
-                        <p:cond delay="indefinite"/>
-                      </p:stCondLst>
-                      <p:childTnLst>
-                        <p:par>
-                          <p:cTn id="4" fill="hold">
-                            <p:stCondLst>
-                              <p:cond delay="0"/>
-                            </p:stCondLst>
-                            <p:childTnLst>
-                              <p:par>
-                                <p:cTn id="5" presetID="47" presetClass="entr" presetSubtype="0" fill="hold" grpId="0" nodeType="clickEffect">
-                                  <p:stCondLst>
-                                    <p:cond delay="0"/>
-                                  </p:stCondLst>
-                                  <p:childTnLst>
-                                    <p:set>
-                                      <p:cBhvr>
-                                        <p:cTn id="6" dur="1" fill="hold">
-                                          <p:stCondLst>
-                                            <p:cond delay="0"/>
-                                          </p:stCondLst>
-                                        </p:cTn>
-                                        <p:tgtEl>
-                                          <p:spTgt spid="53"/>
-                                        </p:tgtEl>
-                                        <p:attrNameLst>
-                                          <p:attrName>style.visibility</p:attrName>
-                                        </p:attrNameLst>
-                                      </p:cBhvr>
-                                      <p:to>
-                                        <p:strVal val="visible"/>
-                                      </p:to>
-                                    </p:set>
-                                    <p:animEffect transition="in" filter="fade">
-                                      <p:cBhvr>
-                                        <p:cTn id="7" dur="500"/>
-                                        <p:tgtEl>
-                                          <p:spTgt spid="53"/>
-                                        </p:tgtEl>
-                                      </p:cBhvr>
-                                    </p:animEffect>
-                                    <p:anim calcmode="lin" valueType="num">
-                                      <p:cBhvr>
-                                        <p:cTn id="8" dur="500" fill="hold"/>
-                                        <p:tgtEl>
-                                          <p:spTgt spid="53"/>
-                                        </p:tgtEl>
-                                        <p:attrNameLst>
-                                          <p:attrName>ppt_x</p:attrName>
-                                        </p:attrNameLst>
-                                      </p:cBhvr>
-                                      <p:tavLst>
-                                        <p:tav tm="0">
-                                          <p:val>
-                                            <p:strVal val="#ppt_x"/>
-                                          </p:val>
-                                        </p:tav>
-                                        <p:tav tm="100000">
-                                          <p:val>
-                                            <p:strVal val="#ppt_x"/>
-                                          </p:val>
-                                        </p:tav>
-                                      </p:tavLst>
-                                    </p:anim>
-                                    <p:anim calcmode="lin" valueType="num">
-                                      <p:cBhvr>
-                                        <p:cTn id="9" dur="500" fill="hold"/>
-                                        <p:tgtEl>
-                                          <p:spTgt spid="53"/>
-                                        </p:tgtEl>
-                                        <p:attrNameLst>
-                                          <p:attrName>ppt_y</p:attrName>
-                                        </p:attrNameLst>
-                                      </p:cBhvr>
-                                      <p:tavLst>
-                                        <p:tav tm="0">
-                                          <p:val>
-                                            <p:strVal val="#ppt_y-.1"/>
-                                          </p:val>
-                                        </p:tav>
-                                        <p:tav tm="100000">
-                                          <p:val>
-                                            <p:strVal val="#ppt_y"/>
-                                          </p:val>
-                                        </p:tav>
-                                      </p:tavLst>
-                                    </p:anim>
-                                  </p:childTnLst>
-                                </p:cTn>
-                              </p:par>
-                              <p:par>
-                                <p:cTn id="10" presetID="47" presetClass="entr" presetSubtype="0" fill="hold" grpId="0" nodeType="withEffect">
-                                  <p:stCondLst>
-                                    <p:cond delay="0"/>
-                                  </p:stCondLst>
-                                  <p:childTnLst>
-                                    <p:set>
-                                      <p:cBhvr>
-                                        <p:cTn id="11" dur="1" fill="hold">
-                                          <p:stCondLst>
-                                            <p:cond delay="0"/>
-                                          </p:stCondLst>
-                                        </p:cTn>
-                                        <p:tgtEl>
-                                          <p:spTgt spid="54"/>
-                                        </p:tgtEl>
-                                        <p:attrNameLst>
-                                          <p:attrName>style.visibility</p:attrName>
-                                        </p:attrNameLst>
-                                      </p:cBhvr>
-                                      <p:to>
-                                        <p:strVal val="visible"/>
-                                      </p:to>
-                                    </p:set>
-                                    <p:animEffect transition="in" filter="fade">
-                                      <p:cBhvr>
-                                        <p:cTn id="12" dur="500"/>
-                                        <p:tgtEl>
-                                          <p:spTgt spid="54"/>
-                                        </p:tgtEl>
-                                      </p:cBhvr>
-                                    </p:animEffect>
-                                    <p:anim calcmode="lin" valueType="num">
-                                      <p:cBhvr>
-                                        <p:cTn id="13" dur="500" fill="hold"/>
-                                        <p:tgtEl>
-                                          <p:spTgt spid="54"/>
-                                        </p:tgtEl>
-                                        <p:attrNameLst>
-                                          <p:attrName>ppt_x</p:attrName>
-                                        </p:attrNameLst>
-                                      </p:cBhvr>
-                                      <p:tavLst>
-                                        <p:tav tm="0">
-                                          <p:val>
-                                            <p:strVal val="#ppt_x"/>
-                                          </p:val>
-                                        </p:tav>
-                                        <p:tav tm="100000">
-                                          <p:val>
-                                            <p:strVal val="#ppt_x"/>
-                                          </p:val>
-                                        </p:tav>
-                                      </p:tavLst>
-                                    </p:anim>
-                                    <p:anim calcmode="lin" valueType="num">
-                                      <p:cBhvr>
-                                        <p:cTn id="14" dur="500" fill="hold"/>
-                                        <p:tgtEl>
-                                          <p:spTgt spid="54"/>
-                                        </p:tgtEl>
-                                        <p:attrNameLst>
-                                          <p:attrName>ppt_y</p:attrName>
-                                        </p:attrNameLst>
-                                      </p:cBhvr>
-                                      <p:tavLst>
-                                        <p:tav tm="0">
-                                          <p:val>
-                                            <p:strVal val="#ppt_y-.1"/>
-                                          </p:val>
-                                        </p:tav>
-                                        <p:tav tm="100000">
-                                          <p:val>
-                                            <p:strVal val="#ppt_y"/>
-                                          </p:val>
-                                        </p:tav>
-                                      </p:tavLst>
-                                    </p:anim>
-                                  </p:childTnLst>
-                                </p:cTn>
-                              </p:par>
-                              <p:par>
-                                <p:cTn id="15" presetID="47" presetClass="entr" presetSubtype="0" fill="hold" grpId="0" nodeType="withEffect">
-                                  <p:stCondLst>
-                                    <p:cond delay="0"/>
-                                  </p:stCondLst>
-                                  <p:childTnLst>
-                                    <p:set>
-                                      <p:cBhvr>
-                                        <p:cTn id="16" dur="1" fill="hold">
-                                          <p:stCondLst>
-                                            <p:cond delay="0"/>
-                                          </p:stCondLst>
-                                        </p:cTn>
-                                        <p:tgtEl>
-                                          <p:spTgt spid="55"/>
-                                        </p:tgtEl>
-                                        <p:attrNameLst>
-                                          <p:attrName>style.visibility</p:attrName>
-                                        </p:attrNameLst>
-                                      </p:cBhvr>
-                                      <p:to>
-                                        <p:strVal val="visible"/>
-                                      </p:to>
-                                    </p:set>
-                                    <p:animEffect transition="in" filter="fade">
-                                      <p:cBhvr>
-                                        <p:cTn id="17" dur="500"/>
-                                        <p:tgtEl>
-                                          <p:spTgt spid="55"/>
-                                        </p:tgtEl>
-                                      </p:cBhvr>
-                                    </p:animEffect>
-                                    <p:anim calcmode="lin" valueType="num">
-                                      <p:cBhvr>
-                                        <p:cTn id="18" dur="500" fill="hold"/>
-                                        <p:tgtEl>
-                                          <p:spTgt spid="55"/>
-                                        </p:tgtEl>
-                                        <p:attrNameLst>
-                                          <p:attrName>ppt_x</p:attrName>
-                                        </p:attrNameLst>
-                                      </p:cBhvr>
-                                      <p:tavLst>
-                                        <p:tav tm="0">
-                                          <p:val>
-                                            <p:strVal val="#ppt_x"/>
-                                          </p:val>
-                                        </p:tav>
-                                        <p:tav tm="100000">
-                                          <p:val>
-                                            <p:strVal val="#ppt_x"/>
-                                          </p:val>
-                                        </p:tav>
-                                      </p:tavLst>
-                                    </p:anim>
-                                    <p:anim calcmode="lin" valueType="num">
-                                      <p:cBhvr>
-                                        <p:cTn id="19" dur="500" fill="hold"/>
-                                        <p:tgtEl>
-                                          <p:spTgt spid="55"/>
-                                        </p:tgtEl>
-                                        <p:attrNameLst>
-                                          <p:attrName>ppt_y</p:attrName>
-                                        </p:attrNameLst>
-                                      </p:cBhvr>
-                                      <p:tavLst>
-                                        <p:tav tm="0">
-                                          <p:val>
-                                            <p:strVal val="#ppt_y-.1"/>
-                                          </p:val>
-                                        </p:tav>
-                                        <p:tav tm="100000">
-                                          <p:val>
-                                            <p:strVal val="#ppt_y"/>
-                                          </p:val>
-                                        </p:tav>
-                                      </p:tavLst>
-                                    </p:anim>
-                                  </p:childTnLst>
-                                </p:cTn>
-                              </p:par>
-                              <p:par>
-                                <p:cTn id="20" presetID="47" presetClass="entr" presetSubtype="0" fill="hold" grpId="0" nodeType="withEffect">
-                                  <p:stCondLst>
-                                    <p:cond delay="0"/>
-                                  </p:stCondLst>
-                                  <p:childTnLst>
-                                    <p:set>
-                                      <p:cBhvr>
-                                        <p:cTn id="21" dur="1" fill="hold">
-                                          <p:stCondLst>
-                                            <p:cond delay="0"/>
-                                          </p:stCondLst>
-                                        </p:cTn>
-                                        <p:tgtEl>
-                                          <p:spTgt spid="56"/>
-                                        </p:tgtEl>
-                                        <p:attrNameLst>
-                                          <p:attrName>style.visibility</p:attrName>
-                                        </p:attrNameLst>
-                                      </p:cBhvr>
-                                      <p:to>
-                                        <p:strVal val="visible"/>
-                                      </p:to>
-                                    </p:set>
-                                    <p:animEffect transition="in" filter="fade">
-                                      <p:cBhvr>
-                                        <p:cTn id="22" dur="500"/>
-                                        <p:tgtEl>
-                                          <p:spTgt spid="56"/>
-                                        </p:tgtEl>
-                                      </p:cBhvr>
-                                    </p:animEffect>
-                                    <p:anim calcmode="lin" valueType="num">
-                                      <p:cBhvr>
-                                        <p:cTn id="23" dur="500" fill="hold"/>
-                                        <p:tgtEl>
-                                          <p:spTgt spid="56"/>
-                                        </p:tgtEl>
-                                        <p:attrNameLst>
-                                          <p:attrName>ppt_x</p:attrName>
-                                        </p:attrNameLst>
-                                      </p:cBhvr>
-                                      <p:tavLst>
-                                        <p:tav tm="0">
-                                          <p:val>
-                                            <p:strVal val="#ppt_x"/>
-                                          </p:val>
-                                        </p:tav>
-                                        <p:tav tm="100000">
-                                          <p:val>
-                                            <p:strVal val="#ppt_x"/>
-                                          </p:val>
-                                        </p:tav>
-                                      </p:tavLst>
-                                    </p:anim>
-                                    <p:anim calcmode="lin" valueType="num">
-                                      <p:cBhvr>
-                                        <p:cTn id="24" dur="500" fill="hold"/>
-                                        <p:tgtEl>
-                                          <p:spTgt spid="56"/>
-                                        </p:tgtEl>
-                                        <p:attrNameLst>
-                                          <p:attrName>ppt_y</p:attrName>
-                                        </p:attrNameLst>
-                                      </p:cBhvr>
-                                      <p:tavLst>
-                                        <p:tav tm="0">
-                                          <p:val>
-                                            <p:strVal val="#ppt_y-.1"/>
-                                          </p:val>
-                                        </p:tav>
-                                        <p:tav tm="100000">
-                                          <p:val>
-                                            <p:strVal val="#ppt_y"/>
-                                          </p:val>
-                                        </p:tav>
-                                      </p:tavLst>
-                                    </p:anim>
-                                  </p:childTnLst>
-                                </p:cTn>
-                              </p:par>
-                              <p:par>
-                                <p:cTn id="25" presetID="47" presetClass="entr" presetSubtype="0" fill="hold" grpId="0" nodeType="withEffect">
-                                  <p:stCondLst>
-                                    <p:cond delay="0"/>
-                                  </p:stCondLst>
-                                  <p:childTnLst>
-                                    <p:set>
-                                      <p:cBhvr>
-                                        <p:cTn id="26" dur="1" fill="hold">
-                                          <p:stCondLst>
-                                            <p:cond delay="0"/>
-                                          </p:stCondLst>
-                                        </p:cTn>
-                                        <p:tgtEl>
-                                          <p:spTgt spid="65"/>
-                                        </p:tgtEl>
-                                        <p:attrNameLst>
-                                          <p:attrName>style.visibility</p:attrName>
-                                        </p:attrNameLst>
-                                      </p:cBhvr>
-                                      <p:to>
-                                        <p:strVal val="visible"/>
-                                      </p:to>
-                                    </p:set>
-                                    <p:animEffect transition="in" filter="fade">
-                                      <p:cBhvr>
-                                        <p:cTn id="27" dur="500"/>
-                                        <p:tgtEl>
-                                          <p:spTgt spid="65"/>
-                                        </p:tgtEl>
-                                      </p:cBhvr>
-                                    </p:animEffect>
-                                    <p:anim calcmode="lin" valueType="num">
-                                      <p:cBhvr>
-                                        <p:cTn id="28" dur="500" fill="hold"/>
-                                        <p:tgtEl>
-                                          <p:spTgt spid="65"/>
-                                        </p:tgtEl>
-                                        <p:attrNameLst>
-                                          <p:attrName>ppt_x</p:attrName>
-                                        </p:attrNameLst>
-                                      </p:cBhvr>
-                                      <p:tavLst>
-                                        <p:tav tm="0">
-                                          <p:val>
-                                            <p:strVal val="#ppt_x"/>
-                                          </p:val>
-                                        </p:tav>
-                                        <p:tav tm="100000">
-                                          <p:val>
-                                            <p:strVal val="#ppt_x"/>
-                                          </p:val>
-                                        </p:tav>
-                                      </p:tavLst>
-                                    </p:anim>
-                                    <p:anim calcmode="lin" valueType="num">
-                                      <p:cBhvr>
-                                        <p:cTn id="29" dur="500" fill="hold"/>
-                                        <p:tgtEl>
-                                          <p:spTgt spid="65"/>
-                                        </p:tgtEl>
-                                        <p:attrNameLst>
-                                          <p:attrName>ppt_y</p:attrName>
-                                        </p:attrNameLst>
-                                      </p:cBhvr>
-                                      <p:tavLst>
-                                        <p:tav tm="0">
-                                          <p:val>
-                                            <p:strVal val="#ppt_y-.1"/>
-                                          </p:val>
-                                        </p:tav>
-                                        <p:tav tm="100000">
-                                          <p:val>
-                                            <p:strVal val="#ppt_y"/>
-                                          </p:val>
-                                        </p:tav>
-                                      </p:tavLst>
-                                    </p:anim>
-                                  </p:childTnLst>
-                                </p:cTn>
-                              </p:par>
-                              <p:par>
-                                <p:cTn id="30" presetID="47" presetClass="entr" presetSubtype="0" fill="hold" nodeType="withEffect">
-                                  <p:stCondLst>
-                                    <p:cond delay="0"/>
-                                  </p:stCondLst>
-                                  <p:childTnLst>
-                                    <p:set>
-                                      <p:cBhvr>
-                                        <p:cTn id="31" dur="1" fill="hold">
-                                          <p:stCondLst>
-                                            <p:cond delay="0"/>
-                                          </p:stCondLst>
-                                        </p:cTn>
-                                        <p:tgtEl>
-                                          <p:spTgt spid="66"/>
-                                        </p:tgtEl>
-                                        <p:attrNameLst>
-                                          <p:attrName>style.visibility</p:attrName>
-                                        </p:attrNameLst>
-                                      </p:cBhvr>
-                                      <p:to>
-                                        <p:strVal val="visible"/>
-                                      </p:to>
-                                    </p:set>
-                                    <p:animEffect transition="in" filter="fade">
-                                      <p:cBhvr>
-                                        <p:cTn id="32" dur="500"/>
-                                        <p:tgtEl>
-                                          <p:spTgt spid="66"/>
-                                        </p:tgtEl>
-                                      </p:cBhvr>
-                                    </p:animEffect>
-                                    <p:anim calcmode="lin" valueType="num">
-                                      <p:cBhvr>
-                                        <p:cTn id="33" dur="500" fill="hold"/>
-                                        <p:tgtEl>
-                                          <p:spTgt spid="66"/>
-                                        </p:tgtEl>
-                                        <p:attrNameLst>
-                                          <p:attrName>ppt_x</p:attrName>
-                                        </p:attrNameLst>
-                                      </p:cBhvr>
-                                      <p:tavLst>
-                                        <p:tav tm="0">
-                                          <p:val>
-                                            <p:strVal val="#ppt_x"/>
-                                          </p:val>
-                                        </p:tav>
-                                        <p:tav tm="100000">
-                                          <p:val>
-                                            <p:strVal val="#ppt_x"/>
-                                          </p:val>
-                                        </p:tav>
-                                      </p:tavLst>
-                                    </p:anim>
-                                    <p:anim calcmode="lin" valueType="num">
-                                      <p:cBhvr>
-                                        <p:cTn id="34" dur="500" fill="hold"/>
-                                        <p:tgtEl>
-                                          <p:spTgt spid="66"/>
-                                        </p:tgtEl>
-                                        <p:attrNameLst>
-                                          <p:attrName>ppt_y</p:attrName>
-                                        </p:attrNameLst>
-                                      </p:cBhvr>
-                                      <p:tavLst>
-                                        <p:tav tm="0">
-                                          <p:val>
-                                            <p:strVal val="#ppt_y-.1"/>
-                                          </p:val>
-                                        </p:tav>
-                                        <p:tav tm="100000">
-                                          <p:val>
-                                            <p:strVal val="#ppt_y"/>
-                                          </p:val>
-                                        </p:tav>
-                                      </p:tavLst>
-                                    </p:anim>
-                                  </p:childTnLst>
-                                </p:cTn>
-                              </p:par>
-                              <p:par>
-                                <p:cTn id="35" presetID="47" presetClass="entr" presetSubtype="0" fill="hold" nodeType="withEffect">
-                                  <p:stCondLst>
-                                    <p:cond delay="0"/>
-                                  </p:stCondLst>
-                                  <p:childTnLst>
-                                    <p:set>
-                                      <p:cBhvr>
-                                        <p:cTn id="36" dur="1" fill="hold">
-                                          <p:stCondLst>
-                                            <p:cond delay="0"/>
-                                          </p:stCondLst>
-                                        </p:cTn>
-                                        <p:tgtEl>
-                                          <p:spTgt spid="67"/>
-                                        </p:tgtEl>
-                                        <p:attrNameLst>
-                                          <p:attrName>style.visibility</p:attrName>
-                                        </p:attrNameLst>
-                                      </p:cBhvr>
-                                      <p:to>
-                                        <p:strVal val="visible"/>
-                                      </p:to>
-                                    </p:set>
-                                    <p:animEffect transition="in" filter="fade">
-                                      <p:cBhvr>
-                                        <p:cTn id="37" dur="500"/>
-                                        <p:tgtEl>
-                                          <p:spTgt spid="67"/>
-                                        </p:tgtEl>
-                                      </p:cBhvr>
-                                    </p:animEffect>
-                                    <p:anim calcmode="lin" valueType="num">
-                                      <p:cBhvr>
-                                        <p:cTn id="38" dur="500" fill="hold"/>
-                                        <p:tgtEl>
-                                          <p:spTgt spid="67"/>
-                                        </p:tgtEl>
-                                        <p:attrNameLst>
-                                          <p:attrName>ppt_x</p:attrName>
-                                        </p:attrNameLst>
-                                      </p:cBhvr>
-                                      <p:tavLst>
-                                        <p:tav tm="0">
-                                          <p:val>
-                                            <p:strVal val="#ppt_x"/>
-                                          </p:val>
-                                        </p:tav>
-                                        <p:tav tm="100000">
-                                          <p:val>
-                                            <p:strVal val="#ppt_x"/>
-                                          </p:val>
-                                        </p:tav>
-                                      </p:tavLst>
-                                    </p:anim>
-                                    <p:anim calcmode="lin" valueType="num">
-                                      <p:cBhvr>
-                                        <p:cTn id="39" dur="500" fill="hold"/>
-                                        <p:tgtEl>
-                                          <p:spTgt spid="67"/>
-                                        </p:tgtEl>
-                                        <p:attrNameLst>
-                                          <p:attrName>ppt_y</p:attrName>
-                                        </p:attrNameLst>
-                                      </p:cBhvr>
-                                      <p:tavLst>
-                                        <p:tav tm="0">
-                                          <p:val>
-                                            <p:strVal val="#ppt_y-.1"/>
-                                          </p:val>
-                                        </p:tav>
-                                        <p:tav tm="100000">
-                                          <p:val>
-                                            <p:strVal val="#ppt_y"/>
-                                          </p:val>
-                                        </p:tav>
-                                      </p:tavLst>
-                                    </p:anim>
-                                  </p:childTnLst>
-                                </p:cTn>
-                              </p:par>
-                              <p:par>
-                                <p:cTn id="40" presetID="47" presetClass="entr" presetSubtype="0" fill="hold" nodeType="withEffect">
-                                  <p:stCondLst>
-                                    <p:cond delay="0"/>
-                                  </p:stCondLst>
-                                  <p:childTnLst>
-                                    <p:set>
-                                      <p:cBhvr>
-                                        <p:cTn id="41" dur="1" fill="hold">
-                                          <p:stCondLst>
-                                            <p:cond delay="0"/>
-                                          </p:stCondLst>
-                                        </p:cTn>
-                                        <p:tgtEl>
-                                          <p:spTgt spid="68"/>
-                                        </p:tgtEl>
-                                        <p:attrNameLst>
-                                          <p:attrName>style.visibility</p:attrName>
-                                        </p:attrNameLst>
-                                      </p:cBhvr>
-                                      <p:to>
-                                        <p:strVal val="visible"/>
-                                      </p:to>
-                                    </p:set>
-                                    <p:animEffect transition="in" filter="fade">
-                                      <p:cBhvr>
-                                        <p:cTn id="42" dur="500"/>
-                                        <p:tgtEl>
-                                          <p:spTgt spid="68"/>
-                                        </p:tgtEl>
-                                      </p:cBhvr>
-                                    </p:animEffect>
-                                    <p:anim calcmode="lin" valueType="num">
-                                      <p:cBhvr>
-                                        <p:cTn id="43" dur="500" fill="hold"/>
-                                        <p:tgtEl>
-                                          <p:spTgt spid="68"/>
-                                        </p:tgtEl>
-                                        <p:attrNameLst>
-                                          <p:attrName>ppt_x</p:attrName>
-                                        </p:attrNameLst>
-                                      </p:cBhvr>
-                                      <p:tavLst>
-                                        <p:tav tm="0">
-                                          <p:val>
-                                            <p:strVal val="#ppt_x"/>
-                                          </p:val>
-                                        </p:tav>
-                                        <p:tav tm="100000">
-                                          <p:val>
-                                            <p:strVal val="#ppt_x"/>
-                                          </p:val>
-                                        </p:tav>
-                                      </p:tavLst>
-                                    </p:anim>
-                                    <p:anim calcmode="lin" valueType="num">
-                                      <p:cBhvr>
-                                        <p:cTn id="44" dur="500" fill="hold"/>
-                                        <p:tgtEl>
-                                          <p:spTgt spid="68"/>
-                                        </p:tgtEl>
-                                        <p:attrNameLst>
-                                          <p:attrName>ppt_y</p:attrName>
-                                        </p:attrNameLst>
-                                      </p:cBhvr>
-                                      <p:tavLst>
-                                        <p:tav tm="0">
-                                          <p:val>
-                                            <p:strVal val="#ppt_y-.1"/>
-                                          </p:val>
-                                        </p:tav>
-                                        <p:tav tm="100000">
-                                          <p:val>
-                                            <p:strVal val="#ppt_y"/>
-                                          </p:val>
-                                        </p:tav>
-                                      </p:tavLst>
-                                    </p:anim>
-                                  </p:childTnLst>
-                                </p:cTn>
-                              </p:par>
-                              <p:par>
-                                <p:cTn id="45" presetID="47" presetClass="entr" presetSubtype="0" fill="hold" grpId="0" nodeType="withEffect">
-                                  <p:stCondLst>
-                                    <p:cond delay="0"/>
-                                  </p:stCondLst>
-                                  <p:childTnLst>
-                                    <p:set>
-                                      <p:cBhvr>
-                                        <p:cTn id="46" dur="1" fill="hold">
-                                          <p:stCondLst>
-                                            <p:cond delay="0"/>
-                                          </p:stCondLst>
-                                        </p:cTn>
-                                        <p:tgtEl>
-                                          <p:spTgt spid="69"/>
-                                        </p:tgtEl>
-                                        <p:attrNameLst>
-                                          <p:attrName>style.visibility</p:attrName>
-                                        </p:attrNameLst>
-                                      </p:cBhvr>
-                                      <p:to>
-                                        <p:strVal val="visible"/>
-                                      </p:to>
-                                    </p:set>
-                                    <p:animEffect transition="in" filter="fade">
-                                      <p:cBhvr>
-                                        <p:cTn id="47" dur="500"/>
-                                        <p:tgtEl>
-                                          <p:spTgt spid="69"/>
-                                        </p:tgtEl>
-                                      </p:cBhvr>
-                                    </p:animEffect>
-                                    <p:anim calcmode="lin" valueType="num">
-                                      <p:cBhvr>
-                                        <p:cTn id="48" dur="500" fill="hold"/>
-                                        <p:tgtEl>
-                                          <p:spTgt spid="69"/>
-                                        </p:tgtEl>
-                                        <p:attrNameLst>
-                                          <p:attrName>ppt_x</p:attrName>
-                                        </p:attrNameLst>
-                                      </p:cBhvr>
-                                      <p:tavLst>
-                                        <p:tav tm="0">
-                                          <p:val>
-                                            <p:strVal val="#ppt_x"/>
-                                          </p:val>
-                                        </p:tav>
-                                        <p:tav tm="100000">
-                                          <p:val>
-                                            <p:strVal val="#ppt_x"/>
-                                          </p:val>
-                                        </p:tav>
-                                      </p:tavLst>
-                                    </p:anim>
-                                    <p:anim calcmode="lin" valueType="num">
-                                      <p:cBhvr>
-                                        <p:cTn id="49" dur="500" fill="hold"/>
-                                        <p:tgtEl>
-                                          <p:spTgt spid="69"/>
-                                        </p:tgtEl>
-                                        <p:attrNameLst>
-                                          <p:attrName>ppt_y</p:attrName>
-                                        </p:attrNameLst>
-                                      </p:cBhvr>
-                                      <p:tavLst>
-                                        <p:tav tm="0">
-                                          <p:val>
-                                            <p:strVal val="#ppt_y-.1"/>
-                                          </p:val>
-                                        </p:tav>
-                                        <p:tav tm="100000">
-                                          <p:val>
-                                            <p:strVal val="#ppt_y"/>
-                                          </p:val>
-                                        </p:tav>
-                                      </p:tavLst>
-                                    </p:anim>
-                                  </p:childTnLst>
-                                </p:cTn>
-                              </p:par>
-                              <p:par>
-                                <p:cTn id="50" presetID="47" presetClass="entr" presetSubtype="0" fill="hold" grpId="0" nodeType="withEffect">
-                                  <p:stCondLst>
-                                    <p:cond delay="0"/>
-                                  </p:stCondLst>
-                                  <p:childTnLst>
-                                    <p:set>
-                                      <p:cBhvr>
-                                        <p:cTn id="51" dur="1" fill="hold">
-                                          <p:stCondLst>
-                                            <p:cond delay="0"/>
-                                          </p:stCondLst>
-                                        </p:cTn>
-                                        <p:tgtEl>
-                                          <p:spTgt spid="70"/>
-                                        </p:tgtEl>
-                                        <p:attrNameLst>
-                                          <p:attrName>style.visibility</p:attrName>
-                                        </p:attrNameLst>
-                                      </p:cBhvr>
-                                      <p:to>
-                                        <p:strVal val="visible"/>
-                                      </p:to>
-                                    </p:set>
-                                    <p:animEffect transition="in" filter="fade">
-                                      <p:cBhvr>
-                                        <p:cTn id="52" dur="500"/>
-                                        <p:tgtEl>
-                                          <p:spTgt spid="70"/>
-                                        </p:tgtEl>
-                                      </p:cBhvr>
-                                    </p:animEffect>
-                                    <p:anim calcmode="lin" valueType="num">
-                                      <p:cBhvr>
-                                        <p:cTn id="53" dur="500" fill="hold"/>
-                                        <p:tgtEl>
-                                          <p:spTgt spid="70"/>
-                                        </p:tgtEl>
-                                        <p:attrNameLst>
-                                          <p:attrName>ppt_x</p:attrName>
-                                        </p:attrNameLst>
-                                      </p:cBhvr>
-                                      <p:tavLst>
-                                        <p:tav tm="0">
-                                          <p:val>
-                                            <p:strVal val="#ppt_x"/>
-                                          </p:val>
-                                        </p:tav>
-                                        <p:tav tm="100000">
-                                          <p:val>
-                                            <p:strVal val="#ppt_x"/>
-                                          </p:val>
-                                        </p:tav>
-                                      </p:tavLst>
-                                    </p:anim>
-                                    <p:anim calcmode="lin" valueType="num">
-                                      <p:cBhvr>
-                                        <p:cTn id="54" dur="500" fill="hold"/>
-                                        <p:tgtEl>
-                                          <p:spTgt spid="70"/>
-                                        </p:tgtEl>
-                                        <p:attrNameLst>
-                                          <p:attrName>ppt_y</p:attrName>
-                                        </p:attrNameLst>
-                                      </p:cBhvr>
-                                      <p:tavLst>
-                                        <p:tav tm="0">
-                                          <p:val>
-                                            <p:strVal val="#ppt_y-.1"/>
-                                          </p:val>
-                                        </p:tav>
-                                        <p:tav tm="100000">
-                                          <p:val>
-                                            <p:strVal val="#ppt_y"/>
-                                          </p:val>
-                                        </p:tav>
-                                      </p:tavLst>
-                                    </p:anim>
-                                  </p:childTnLst>
-                                </p:cTn>
-                              </p:par>
-                              <p:par>
-                                <p:cTn id="55" presetID="47" presetClass="entr" presetSubtype="0" fill="hold" grpId="0" nodeType="withEffect">
-                                  <p:stCondLst>
-                                    <p:cond delay="0"/>
-                                  </p:stCondLst>
-                                  <p:childTnLst>
-                                    <p:set>
-                                      <p:cBhvr>
-                                        <p:cTn id="56" dur="1" fill="hold">
-                                          <p:stCondLst>
-                                            <p:cond delay="0"/>
-                                          </p:stCondLst>
-                                        </p:cTn>
-                                        <p:tgtEl>
-                                          <p:spTgt spid="71"/>
-                                        </p:tgtEl>
-                                        <p:attrNameLst>
-                                          <p:attrName>style.visibility</p:attrName>
-                                        </p:attrNameLst>
-                                      </p:cBhvr>
-                                      <p:to>
-                                        <p:strVal val="visible"/>
-                                      </p:to>
-                                    </p:set>
-                                    <p:animEffect transition="in" filter="fade">
-                                      <p:cBhvr>
-                                        <p:cTn id="57" dur="500"/>
-                                        <p:tgtEl>
-                                          <p:spTgt spid="71"/>
-                                        </p:tgtEl>
-                                      </p:cBhvr>
-                                    </p:animEffect>
-                                    <p:anim calcmode="lin" valueType="num">
-                                      <p:cBhvr>
-                                        <p:cTn id="58" dur="500" fill="hold"/>
-                                        <p:tgtEl>
-                                          <p:spTgt spid="71"/>
-                                        </p:tgtEl>
-                                        <p:attrNameLst>
-                                          <p:attrName>ppt_x</p:attrName>
-                                        </p:attrNameLst>
-                                      </p:cBhvr>
-                                      <p:tavLst>
-                                        <p:tav tm="0">
-                                          <p:val>
-                                            <p:strVal val="#ppt_x"/>
-                                          </p:val>
-                                        </p:tav>
-                                        <p:tav tm="100000">
-                                          <p:val>
-                                            <p:strVal val="#ppt_x"/>
-                                          </p:val>
-                                        </p:tav>
-                                      </p:tavLst>
-                                    </p:anim>
-                                    <p:anim calcmode="lin" valueType="num">
-                                      <p:cBhvr>
-                                        <p:cTn id="59" dur="500" fill="hold"/>
-                                        <p:tgtEl>
-                                          <p:spTgt spid="71"/>
-                                        </p:tgtEl>
-                                        <p:attrNameLst>
-                                          <p:attrName>ppt_y</p:attrName>
-                                        </p:attrNameLst>
-                                      </p:cBhvr>
-                                      <p:tavLst>
-                                        <p:tav tm="0">
-                                          <p:val>
-                                            <p:strVal val="#ppt_y-.1"/>
-                                          </p:val>
-                                        </p:tav>
-                                        <p:tav tm="100000">
-                                          <p:val>
-                                            <p:strVal val="#ppt_y"/>
-                                          </p:val>
-                                        </p:tav>
-                                      </p:tavLst>
-                                    </p:anim>
-                                  </p:childTnLst>
-                                </p:cTn>
-                              </p:par>
-                              <p:par>
-                                <p:cTn id="60" presetID="47" presetClass="entr" presetSubtype="0" fill="hold" grpId="0" nodeType="withEffect">
-                                  <p:stCondLst>
-                                    <p:cond delay="0"/>
-                                  </p:stCondLst>
-                                  <p:childTnLst>
-                                    <p:set>
-                                      <p:cBhvr>
-                                        <p:cTn id="61" dur="1" fill="hold">
-                                          <p:stCondLst>
-                                            <p:cond delay="0"/>
-                                          </p:stCondLst>
-                                        </p:cTn>
-                                        <p:tgtEl>
-                                          <p:spTgt spid="72"/>
-                                        </p:tgtEl>
-                                        <p:attrNameLst>
-                                          <p:attrName>style.visibility</p:attrName>
-                                        </p:attrNameLst>
-                                      </p:cBhvr>
-                                      <p:to>
-                                        <p:strVal val="visible"/>
-                                      </p:to>
-                                    </p:set>
-                                    <p:animEffect transition="in" filter="fade">
-                                      <p:cBhvr>
-                                        <p:cTn id="62" dur="500"/>
-                                        <p:tgtEl>
-                                          <p:spTgt spid="72"/>
-                                        </p:tgtEl>
-                                      </p:cBhvr>
-                                    </p:animEffect>
-                                    <p:anim calcmode="lin" valueType="num">
-                                      <p:cBhvr>
-                                        <p:cTn id="63" dur="500" fill="hold"/>
-                                        <p:tgtEl>
-                                          <p:spTgt spid="72"/>
-                                        </p:tgtEl>
-                                        <p:attrNameLst>
-                                          <p:attrName>ppt_x</p:attrName>
-                                        </p:attrNameLst>
-                                      </p:cBhvr>
-                                      <p:tavLst>
-                                        <p:tav tm="0">
-                                          <p:val>
-                                            <p:strVal val="#ppt_x"/>
-                                          </p:val>
-                                        </p:tav>
-                                        <p:tav tm="100000">
-                                          <p:val>
-                                            <p:strVal val="#ppt_x"/>
-                                          </p:val>
-                                        </p:tav>
-                                      </p:tavLst>
-                                    </p:anim>
-                                    <p:anim calcmode="lin" valueType="num">
-                                      <p:cBhvr>
-                                        <p:cTn id="64" dur="500" fill="hold"/>
-                                        <p:tgtEl>
-                                          <p:spTgt spid="72"/>
-                                        </p:tgtEl>
-                                        <p:attrNameLst>
-                                          <p:attrName>ppt_y</p:attrName>
-                                        </p:attrNameLst>
-                                      </p:cBhvr>
-                                      <p:tavLst>
-                                        <p:tav tm="0">
-                                          <p:val>
-                                            <p:strVal val="#ppt_y-.1"/>
-                                          </p:val>
-                                        </p:tav>
-                                        <p:tav tm="100000">
-                                          <p:val>
-                                            <p:strVal val="#ppt_y"/>
-                                          </p:val>
-                                        </p:tav>
-                                      </p:tavLst>
-                                    </p:anim>
-                                  </p:childTnLst>
-                                </p:cTn>
-                              </p:par>
-                              <p:par>
-                                <p:cTn id="65" presetID="47" presetClass="entr" presetSubtype="0" fill="hold" grpId="0" nodeType="withEffect">
-                                  <p:stCondLst>
-                                    <p:cond delay="0"/>
-                                  </p:stCondLst>
-                                  <p:childTnLst>
-                                    <p:set>
-                                      <p:cBhvr>
-                                        <p:cTn id="66" dur="1" fill="hold">
-                                          <p:stCondLst>
-                                            <p:cond delay="0"/>
-                                          </p:stCondLst>
-                                        </p:cTn>
-                                        <p:tgtEl>
-                                          <p:spTgt spid="73"/>
-                                        </p:tgtEl>
-                                        <p:attrNameLst>
-                                          <p:attrName>style.visibility</p:attrName>
-                                        </p:attrNameLst>
-                                      </p:cBhvr>
-                                      <p:to>
-                                        <p:strVal val="visible"/>
-                                      </p:to>
-                                    </p:set>
-                                    <p:animEffect transition="in" filter="fade">
-                                      <p:cBhvr>
-                                        <p:cTn id="67" dur="500"/>
-                                        <p:tgtEl>
-                                          <p:spTgt spid="73"/>
-                                        </p:tgtEl>
-                                      </p:cBhvr>
-                                    </p:animEffect>
-                                    <p:anim calcmode="lin" valueType="num">
-                                      <p:cBhvr>
-                                        <p:cTn id="68" dur="500" fill="hold"/>
-                                        <p:tgtEl>
-                                          <p:spTgt spid="73"/>
-                                        </p:tgtEl>
-                                        <p:attrNameLst>
-                                          <p:attrName>ppt_x</p:attrName>
-                                        </p:attrNameLst>
-                                      </p:cBhvr>
-                                      <p:tavLst>
-                                        <p:tav tm="0">
-                                          <p:val>
-                                            <p:strVal val="#ppt_x"/>
-                                          </p:val>
-                                        </p:tav>
-                                        <p:tav tm="100000">
-                                          <p:val>
-                                            <p:strVal val="#ppt_x"/>
-                                          </p:val>
-                                        </p:tav>
-                                      </p:tavLst>
-                                    </p:anim>
-                                    <p:anim calcmode="lin" valueType="num">
-                                      <p:cBhvr>
-                                        <p:cTn id="69" dur="500" fill="hold"/>
-                                        <p:tgtEl>
-                                          <p:spTgt spid="73"/>
-                                        </p:tgtEl>
-                                        <p:attrNameLst>
-                                          <p:attrName>ppt_y</p:attrName>
-                                        </p:attrNameLst>
-                                      </p:cBhvr>
-                                      <p:tavLst>
-                                        <p:tav tm="0">
-                                          <p:val>
-                                            <p:strVal val="#ppt_y-.1"/>
-                                          </p:val>
-                                        </p:tav>
-                                        <p:tav tm="100000">
-                                          <p:val>
-                                            <p:strVal val="#ppt_y"/>
-                                          </p:val>
-                                        </p:tav>
-                                      </p:tavLst>
-                                    </p:anim>
-                                  </p:childTnLst>
-                                </p:cTn>
-                              </p:par>
-                              <p:par>
-                                <p:cTn id="70" presetID="47" presetClass="entr" presetSubtype="0" fill="hold" nodeType="withEffect">
-                                  <p:stCondLst>
-                                    <p:cond delay="0"/>
-                                  </p:stCondLst>
-                                  <p:childTnLst>
-                                    <p:set>
-                                      <p:cBhvr>
-                                        <p:cTn id="71" dur="1" fill="hold">
-                                          <p:stCondLst>
-                                            <p:cond delay="0"/>
-                                          </p:stCondLst>
-                                        </p:cTn>
-                                        <p:tgtEl>
-                                          <p:spTgt spid="74"/>
-                                        </p:tgtEl>
-                                        <p:attrNameLst>
-                                          <p:attrName>style.visibility</p:attrName>
-                                        </p:attrNameLst>
-                                      </p:cBhvr>
-                                      <p:to>
-                                        <p:strVal val="visible"/>
-                                      </p:to>
-                                    </p:set>
-                                    <p:animEffect transition="in" filter="fade">
-                                      <p:cBhvr>
-                                        <p:cTn id="72" dur="500"/>
-                                        <p:tgtEl>
-                                          <p:spTgt spid="74"/>
-                                        </p:tgtEl>
-                                      </p:cBhvr>
-                                    </p:animEffect>
-                                    <p:anim calcmode="lin" valueType="num">
-                                      <p:cBhvr>
-                                        <p:cTn id="73" dur="500" fill="hold"/>
-                                        <p:tgtEl>
-                                          <p:spTgt spid="74"/>
-                                        </p:tgtEl>
-                                        <p:attrNameLst>
-                                          <p:attrName>ppt_x</p:attrName>
-                                        </p:attrNameLst>
-                                      </p:cBhvr>
-                                      <p:tavLst>
-                                        <p:tav tm="0">
-                                          <p:val>
-                                            <p:strVal val="#ppt_x"/>
-                                          </p:val>
-                                        </p:tav>
-                                        <p:tav tm="100000">
-                                          <p:val>
-                                            <p:strVal val="#ppt_x"/>
-                                          </p:val>
-                                        </p:tav>
-                                      </p:tavLst>
-                                    </p:anim>
-                                    <p:anim calcmode="lin" valueType="num">
-                                      <p:cBhvr>
-                                        <p:cTn id="74" dur="500" fill="hold"/>
-                                        <p:tgtEl>
-                                          <p:spTgt spid="74"/>
-                                        </p:tgtEl>
-                                        <p:attrNameLst>
-                                          <p:attrName>ppt_y</p:attrName>
-                                        </p:attrNameLst>
-                                      </p:cBhvr>
-                                      <p:tavLst>
-                                        <p:tav tm="0">
-                                          <p:val>
-                                            <p:strVal val="#ppt_y-.1"/>
-                                          </p:val>
-                                        </p:tav>
-                                        <p:tav tm="100000">
-                                          <p:val>
-                                            <p:strVal val="#ppt_y"/>
-                                          </p:val>
-                                        </p:tav>
-                                      </p:tavLst>
-                                    </p:anim>
-                                  </p:childTnLst>
-                                </p:cTn>
-                              </p:par>
-                              <p:par>
-                                <p:cTn id="75" presetID="47" presetClass="entr" presetSubtype="0" fill="hold" nodeType="withEffect">
-                                  <p:stCondLst>
-                                    <p:cond delay="0"/>
-                                  </p:stCondLst>
-                                  <p:childTnLst>
-                                    <p:set>
-                                      <p:cBhvr>
-                                        <p:cTn id="76" dur="1" fill="hold">
-                                          <p:stCondLst>
-                                            <p:cond delay="0"/>
-                                          </p:stCondLst>
-                                        </p:cTn>
-                                        <p:tgtEl>
-                                          <p:spTgt spid="75"/>
-                                        </p:tgtEl>
-                                        <p:attrNameLst>
-                                          <p:attrName>style.visibility</p:attrName>
-                                        </p:attrNameLst>
-                                      </p:cBhvr>
-                                      <p:to>
-                                        <p:strVal val="visible"/>
-                                      </p:to>
-                                    </p:set>
-                                    <p:animEffect transition="in" filter="fade">
-                                      <p:cBhvr>
-                                        <p:cTn id="77" dur="500"/>
-                                        <p:tgtEl>
-                                          <p:spTgt spid="75"/>
-                                        </p:tgtEl>
-                                      </p:cBhvr>
-                                    </p:animEffect>
-                                    <p:anim calcmode="lin" valueType="num">
-                                      <p:cBhvr>
-                                        <p:cTn id="78" dur="500" fill="hold"/>
-                                        <p:tgtEl>
-                                          <p:spTgt spid="75"/>
-                                        </p:tgtEl>
-                                        <p:attrNameLst>
-                                          <p:attrName>ppt_x</p:attrName>
-                                        </p:attrNameLst>
-                                      </p:cBhvr>
-                                      <p:tavLst>
-                                        <p:tav tm="0">
-                                          <p:val>
-                                            <p:strVal val="#ppt_x"/>
-                                          </p:val>
-                                        </p:tav>
-                                        <p:tav tm="100000">
-                                          <p:val>
-                                            <p:strVal val="#ppt_x"/>
-                                          </p:val>
-                                        </p:tav>
-                                      </p:tavLst>
-                                    </p:anim>
-                                    <p:anim calcmode="lin" valueType="num">
-                                      <p:cBhvr>
-                                        <p:cTn id="79" dur="500" fill="hold"/>
-                                        <p:tgtEl>
-                                          <p:spTgt spid="75"/>
-                                        </p:tgtEl>
-                                        <p:attrNameLst>
-                                          <p:attrName>ppt_y</p:attrName>
-                                        </p:attrNameLst>
-                                      </p:cBhvr>
-                                      <p:tavLst>
-                                        <p:tav tm="0">
-                                          <p:val>
-                                            <p:strVal val="#ppt_y-.1"/>
-                                          </p:val>
-                                        </p:tav>
-                                        <p:tav tm="100000">
-                                          <p:val>
-                                            <p:strVal val="#ppt_y"/>
-                                          </p:val>
-                                        </p:tav>
-                                      </p:tavLst>
-                                    </p:anim>
-                                  </p:childTnLst>
-                                </p:cTn>
-                              </p:par>
-                              <p:par>
-                                <p:cTn id="80" presetID="47" presetClass="entr" presetSubtype="0" fill="hold" nodeType="withEffect">
-                                  <p:stCondLst>
-                                    <p:cond delay="0"/>
-                                  </p:stCondLst>
-                                  <p:childTnLst>
-                                    <p:set>
-                                      <p:cBhvr>
-                                        <p:cTn id="81" dur="1" fill="hold">
-                                          <p:stCondLst>
-                                            <p:cond delay="0"/>
-                                          </p:stCondLst>
-                                        </p:cTn>
-                                        <p:tgtEl>
-                                          <p:spTgt spid="76"/>
-                                        </p:tgtEl>
-                                        <p:attrNameLst>
-                                          <p:attrName>style.visibility</p:attrName>
-                                        </p:attrNameLst>
-                                      </p:cBhvr>
-                                      <p:to>
-                                        <p:strVal val="visible"/>
-                                      </p:to>
-                                    </p:set>
-                                    <p:animEffect transition="in" filter="fade">
-                                      <p:cBhvr>
-                                        <p:cTn id="82" dur="500"/>
-                                        <p:tgtEl>
-                                          <p:spTgt spid="76"/>
-                                        </p:tgtEl>
-                                      </p:cBhvr>
-                                    </p:animEffect>
-                                    <p:anim calcmode="lin" valueType="num">
-                                      <p:cBhvr>
-                                        <p:cTn id="83" dur="500" fill="hold"/>
-                                        <p:tgtEl>
-                                          <p:spTgt spid="76"/>
-                                        </p:tgtEl>
-                                        <p:attrNameLst>
-                                          <p:attrName>ppt_x</p:attrName>
-                                        </p:attrNameLst>
-                                      </p:cBhvr>
-                                      <p:tavLst>
-                                        <p:tav tm="0">
-                                          <p:val>
-                                            <p:strVal val="#ppt_x"/>
-                                          </p:val>
-                                        </p:tav>
-                                        <p:tav tm="100000">
-                                          <p:val>
-                                            <p:strVal val="#ppt_x"/>
-                                          </p:val>
-                                        </p:tav>
-                                      </p:tavLst>
-                                    </p:anim>
-                                    <p:anim calcmode="lin" valueType="num">
-                                      <p:cBhvr>
-                                        <p:cTn id="84" dur="500" fill="hold"/>
-                                        <p:tgtEl>
-                                          <p:spTgt spid="76"/>
-                                        </p:tgtEl>
-                                        <p:attrNameLst>
-                                          <p:attrName>ppt_y</p:attrName>
-                                        </p:attrNameLst>
-                                      </p:cBhvr>
-                                      <p:tavLst>
-                                        <p:tav tm="0">
-                                          <p:val>
-                                            <p:strVal val="#ppt_y-.1"/>
-                                          </p:val>
-                                        </p:tav>
-                                        <p:tav tm="100000">
-                                          <p:val>
-                                            <p:strVal val="#ppt_y"/>
-                                          </p:val>
-                                        </p:tav>
-                                      </p:tavLst>
-                                    </p:anim>
-                                  </p:childTnLst>
-                                </p:cTn>
-                              </p:par>
-                              <p:par>
-                                <p:cTn id="85" presetID="47" presetClass="entr" presetSubtype="0" fill="hold" grpId="0" nodeType="withEffect">
-                                  <p:stCondLst>
-                                    <p:cond delay="0"/>
-                                  </p:stCondLst>
-                                  <p:childTnLst>
-                                    <p:set>
-                                      <p:cBhvr>
-                                        <p:cTn id="86" dur="1" fill="hold">
-                                          <p:stCondLst>
-                                            <p:cond delay="0"/>
-                                          </p:stCondLst>
-                                        </p:cTn>
-                                        <p:tgtEl>
-                                          <p:spTgt spid="77"/>
-                                        </p:tgtEl>
-                                        <p:attrNameLst>
-                                          <p:attrName>style.visibility</p:attrName>
-                                        </p:attrNameLst>
-                                      </p:cBhvr>
-                                      <p:to>
-                                        <p:strVal val="visible"/>
-                                      </p:to>
-                                    </p:set>
-                                    <p:animEffect transition="in" filter="fade">
-                                      <p:cBhvr>
-                                        <p:cTn id="87" dur="500"/>
-                                        <p:tgtEl>
-                                          <p:spTgt spid="77"/>
-                                        </p:tgtEl>
-                                      </p:cBhvr>
-                                    </p:animEffect>
-                                    <p:anim calcmode="lin" valueType="num">
-                                      <p:cBhvr>
-                                        <p:cTn id="88" dur="500" fill="hold"/>
-                                        <p:tgtEl>
-                                          <p:spTgt spid="77"/>
-                                        </p:tgtEl>
-                                        <p:attrNameLst>
-                                          <p:attrName>ppt_x</p:attrName>
-                                        </p:attrNameLst>
-                                      </p:cBhvr>
-                                      <p:tavLst>
-                                        <p:tav tm="0">
-                                          <p:val>
-                                            <p:strVal val="#ppt_x"/>
-                                          </p:val>
-                                        </p:tav>
-                                        <p:tav tm="100000">
-                                          <p:val>
-                                            <p:strVal val="#ppt_x"/>
-                                          </p:val>
-                                        </p:tav>
-                                      </p:tavLst>
-                                    </p:anim>
-                                    <p:anim calcmode="lin" valueType="num">
-                                      <p:cBhvr>
-                                        <p:cTn id="89" dur="500" fill="hold"/>
-                                        <p:tgtEl>
-                                          <p:spTgt spid="77"/>
-                                        </p:tgtEl>
-                                        <p:attrNameLst>
-                                          <p:attrName>ppt_y</p:attrName>
-                                        </p:attrNameLst>
-                                      </p:cBhvr>
-                                      <p:tavLst>
-                                        <p:tav tm="0">
-                                          <p:val>
-                                            <p:strVal val="#ppt_y-.1"/>
-                                          </p:val>
-                                        </p:tav>
-                                        <p:tav tm="100000">
-                                          <p:val>
-                                            <p:strVal val="#ppt_y"/>
-                                          </p:val>
-                                        </p:tav>
-                                      </p:tavLst>
-                                    </p:anim>
-                                  </p:childTnLst>
-                                </p:cTn>
-                              </p:par>
-                              <p:par>
-                                <p:cTn id="90" presetID="47" presetClass="entr" presetSubtype="0" fill="hold" grpId="0" nodeType="withEffect">
-                                  <p:stCondLst>
-                                    <p:cond delay="0"/>
-                                  </p:stCondLst>
-                                  <p:childTnLst>
-                                    <p:set>
-                                      <p:cBhvr>
-                                        <p:cTn id="91" dur="1" fill="hold">
-                                          <p:stCondLst>
-                                            <p:cond delay="0"/>
-                                          </p:stCondLst>
-                                        </p:cTn>
-                                        <p:tgtEl>
-                                          <p:spTgt spid="78"/>
-                                        </p:tgtEl>
-                                        <p:attrNameLst>
-                                          <p:attrName>style.visibility</p:attrName>
-                                        </p:attrNameLst>
-                                      </p:cBhvr>
-                                      <p:to>
-                                        <p:strVal val="visible"/>
-                                      </p:to>
-                                    </p:set>
-                                    <p:animEffect transition="in" filter="fade">
-                                      <p:cBhvr>
-                                        <p:cTn id="92" dur="500"/>
-                                        <p:tgtEl>
-                                          <p:spTgt spid="78"/>
-                                        </p:tgtEl>
-                                      </p:cBhvr>
-                                    </p:animEffect>
-                                    <p:anim calcmode="lin" valueType="num">
-                                      <p:cBhvr>
-                                        <p:cTn id="93" dur="500" fill="hold"/>
-                                        <p:tgtEl>
-                                          <p:spTgt spid="78"/>
-                                        </p:tgtEl>
-                                        <p:attrNameLst>
-                                          <p:attrName>ppt_x</p:attrName>
-                                        </p:attrNameLst>
-                                      </p:cBhvr>
-                                      <p:tavLst>
-                                        <p:tav tm="0">
-                                          <p:val>
-                                            <p:strVal val="#ppt_x"/>
-                                          </p:val>
-                                        </p:tav>
-                                        <p:tav tm="100000">
-                                          <p:val>
-                                            <p:strVal val="#ppt_x"/>
-                                          </p:val>
-                                        </p:tav>
-                                      </p:tavLst>
-                                    </p:anim>
-                                    <p:anim calcmode="lin" valueType="num">
-                                      <p:cBhvr>
-                                        <p:cTn id="94" dur="500" fill="hold"/>
-                                        <p:tgtEl>
-                                          <p:spTgt spid="78"/>
-                                        </p:tgtEl>
-                                        <p:attrNameLst>
-                                          <p:attrName>ppt_y</p:attrName>
-                                        </p:attrNameLst>
-                                      </p:cBhvr>
-                                      <p:tavLst>
-                                        <p:tav tm="0">
-                                          <p:val>
-                                            <p:strVal val="#ppt_y-.1"/>
-                                          </p:val>
-                                        </p:tav>
-                                        <p:tav tm="100000">
-                                          <p:val>
-                                            <p:strVal val="#ppt_y"/>
-                                          </p:val>
-                                        </p:tav>
-                                      </p:tavLst>
-                                    </p:anim>
-                                  </p:childTnLst>
-                                </p:cTn>
-                              </p:par>
-                              <p:par>
-                                <p:cTn id="95" presetID="47" presetClass="entr" presetSubtype="0" fill="hold" grpId="0" nodeType="withEffect">
-                                  <p:stCondLst>
-                                    <p:cond delay="0"/>
-                                  </p:stCondLst>
-                                  <p:childTnLst>
-                                    <p:set>
-                                      <p:cBhvr>
-                                        <p:cTn id="96" dur="1" fill="hold">
-                                          <p:stCondLst>
-                                            <p:cond delay="0"/>
-                                          </p:stCondLst>
-                                        </p:cTn>
-                                        <p:tgtEl>
-                                          <p:spTgt spid="79"/>
-                                        </p:tgtEl>
-                                        <p:attrNameLst>
-                                          <p:attrName>style.visibility</p:attrName>
-                                        </p:attrNameLst>
-                                      </p:cBhvr>
-                                      <p:to>
-                                        <p:strVal val="visible"/>
-                                      </p:to>
-                                    </p:set>
-                                    <p:animEffect transition="in" filter="fade">
-                                      <p:cBhvr>
-                                        <p:cTn id="97" dur="500"/>
-                                        <p:tgtEl>
-                                          <p:spTgt spid="79"/>
-                                        </p:tgtEl>
-                                      </p:cBhvr>
-                                    </p:animEffect>
-                                    <p:anim calcmode="lin" valueType="num">
-                                      <p:cBhvr>
-                                        <p:cTn id="98" dur="500" fill="hold"/>
-                                        <p:tgtEl>
-                                          <p:spTgt spid="79"/>
-                                        </p:tgtEl>
-                                        <p:attrNameLst>
-                                          <p:attrName>ppt_x</p:attrName>
-                                        </p:attrNameLst>
-                                      </p:cBhvr>
-                                      <p:tavLst>
-                                        <p:tav tm="0">
-                                          <p:val>
-                                            <p:strVal val="#ppt_x"/>
-                                          </p:val>
-                                        </p:tav>
-                                        <p:tav tm="100000">
-                                          <p:val>
-                                            <p:strVal val="#ppt_x"/>
-                                          </p:val>
-                                        </p:tav>
-                                      </p:tavLst>
-                                    </p:anim>
-                                    <p:anim calcmode="lin" valueType="num">
-                                      <p:cBhvr>
-                                        <p:cTn id="99" dur="500" fill="hold"/>
-                                        <p:tgtEl>
-                                          <p:spTgt spid="79"/>
-                                        </p:tgtEl>
-                                        <p:attrNameLst>
-                                          <p:attrName>ppt_y</p:attrName>
-                                        </p:attrNameLst>
-                                      </p:cBhvr>
-                                      <p:tavLst>
-                                        <p:tav tm="0">
-                                          <p:val>
-                                            <p:strVal val="#ppt_y-.1"/>
-                                          </p:val>
-                                        </p:tav>
-                                        <p:tav tm="100000">
-                                          <p:val>
-                                            <p:strVal val="#ppt_y"/>
-                                          </p:val>
-                                        </p:tav>
-                                      </p:tavLst>
-                                    </p:anim>
-                                  </p:childTnLst>
-                                </p:cTn>
-                              </p:par>
-                              <p:par>
-                                <p:cTn id="100" presetID="47" presetClass="entr" presetSubtype="0" fill="hold" grpId="0" nodeType="withEffect">
-                                  <p:stCondLst>
-                                    <p:cond delay="0"/>
-                                  </p:stCondLst>
-                                  <p:childTnLst>
-                                    <p:set>
-                                      <p:cBhvr>
-                                        <p:cTn id="101" dur="1" fill="hold">
-                                          <p:stCondLst>
-                                            <p:cond delay="0"/>
-                                          </p:stCondLst>
-                                        </p:cTn>
-                                        <p:tgtEl>
-                                          <p:spTgt spid="80"/>
-                                        </p:tgtEl>
-                                        <p:attrNameLst>
-                                          <p:attrName>style.visibility</p:attrName>
-                                        </p:attrNameLst>
-                                      </p:cBhvr>
-                                      <p:to>
-                                        <p:strVal val="visible"/>
-                                      </p:to>
-                                    </p:set>
-                                    <p:animEffect transition="in" filter="fade">
-                                      <p:cBhvr>
-                                        <p:cTn id="102" dur="500"/>
-                                        <p:tgtEl>
-                                          <p:spTgt spid="80"/>
-                                        </p:tgtEl>
-                                      </p:cBhvr>
-                                    </p:animEffect>
-                                    <p:anim calcmode="lin" valueType="num">
-                                      <p:cBhvr>
-                                        <p:cTn id="103" dur="500" fill="hold"/>
-                                        <p:tgtEl>
-                                          <p:spTgt spid="80"/>
-                                        </p:tgtEl>
-                                        <p:attrNameLst>
-                                          <p:attrName>ppt_x</p:attrName>
-                                        </p:attrNameLst>
-                                      </p:cBhvr>
-                                      <p:tavLst>
-                                        <p:tav tm="0">
-                                          <p:val>
-                                            <p:strVal val="#ppt_x"/>
-                                          </p:val>
-                                        </p:tav>
-                                        <p:tav tm="100000">
-                                          <p:val>
-                                            <p:strVal val="#ppt_x"/>
-                                          </p:val>
-                                        </p:tav>
-                                      </p:tavLst>
-                                    </p:anim>
-                                    <p:anim calcmode="lin" valueType="num">
-                                      <p:cBhvr>
-                                        <p:cTn id="104" dur="500" fill="hold"/>
-                                        <p:tgtEl>
-                                          <p:spTgt spid="80"/>
-                                        </p:tgtEl>
-                                        <p:attrNameLst>
-                                          <p:attrName>ppt_y</p:attrName>
-                                        </p:attrNameLst>
-                                      </p:cBhvr>
-                                      <p:tavLst>
-                                        <p:tav tm="0">
-                                          <p:val>
-                                            <p:strVal val="#ppt_y-.1"/>
-                                          </p:val>
-                                        </p:tav>
-                                        <p:tav tm="100000">
-                                          <p:val>
-                                            <p:strVal val="#ppt_y"/>
-                                          </p:val>
-                                        </p:tav>
-                                      </p:tavLst>
-                                    </p:anim>
-                                  </p:childTnLst>
-                                </p:cTn>
-                              </p:par>
-                              <p:par>
-                                <p:cTn id="105" presetID="47" presetClass="entr" presetSubtype="0" fill="hold" grpId="0" nodeType="withEffect">
-                                  <p:stCondLst>
-                                    <p:cond delay="0"/>
-                                  </p:stCondLst>
-                                  <p:childTnLst>
-                                    <p:set>
-                                      <p:cBhvr>
-                                        <p:cTn id="106" dur="1" fill="hold">
-                                          <p:stCondLst>
-                                            <p:cond delay="0"/>
-                                          </p:stCondLst>
-                                        </p:cTn>
-                                        <p:tgtEl>
-                                          <p:spTgt spid="49"/>
-                                        </p:tgtEl>
-                                        <p:attrNameLst>
-                                          <p:attrName>style.visibility</p:attrName>
-                                        </p:attrNameLst>
-                                      </p:cBhvr>
-                                      <p:to>
-                                        <p:strVal val="visible"/>
-                                      </p:to>
-                                    </p:set>
-                                    <p:animEffect transition="in" filter="fade">
-                                      <p:cBhvr>
-                                        <p:cTn id="107" dur="500"/>
-                                        <p:tgtEl>
-                                          <p:spTgt spid="49"/>
-                                        </p:tgtEl>
-                                      </p:cBhvr>
-                                    </p:animEffect>
-                                    <p:anim calcmode="lin" valueType="num">
-                                      <p:cBhvr>
-                                        <p:cTn id="108" dur="500" fill="hold"/>
-                                        <p:tgtEl>
-                                          <p:spTgt spid="49"/>
-                                        </p:tgtEl>
-                                        <p:attrNameLst>
-                                          <p:attrName>ppt_x</p:attrName>
-                                        </p:attrNameLst>
-                                      </p:cBhvr>
-                                      <p:tavLst>
-                                        <p:tav tm="0">
-                                          <p:val>
-                                            <p:strVal val="#ppt_x"/>
-                                          </p:val>
-                                        </p:tav>
-                                        <p:tav tm="100000">
-                                          <p:val>
-                                            <p:strVal val="#ppt_x"/>
-                                          </p:val>
-                                        </p:tav>
-                                      </p:tavLst>
-                                    </p:anim>
-                                    <p:anim calcmode="lin" valueType="num">
-                                      <p:cBhvr>
-                                        <p:cTn id="109" dur="500" fill="hold"/>
-                                        <p:tgtEl>
-                                          <p:spTgt spid="49"/>
-                                        </p:tgtEl>
-                                        <p:attrNameLst>
-                                          <p:attrName>ppt_y</p:attrName>
-                                        </p:attrNameLst>
-                                      </p:cBhvr>
-                                      <p:tavLst>
-                                        <p:tav tm="0">
-                                          <p:val>
-                                            <p:strVal val="#ppt_y-.1"/>
-                                          </p:val>
-                                        </p:tav>
-                                        <p:tav tm="100000">
-                                          <p:val>
-                                            <p:strVal val="#ppt_y"/>
-                                          </p:val>
-                                        </p:tav>
-                                      </p:tavLst>
-                                    </p:anim>
-                                  </p:childTnLst>
-                                </p:cTn>
-                              </p:par>
-                              <p:par>
-                                <p:cTn id="110" presetID="47" presetClass="entr" presetSubtype="0" fill="hold" nodeType="withEffect">
-                                  <p:stCondLst>
-                                    <p:cond delay="0"/>
-                                  </p:stCondLst>
-                                  <p:childTnLst>
-                                    <p:set>
-                                      <p:cBhvr>
-                                        <p:cTn id="111" dur="1" fill="hold">
-                                          <p:stCondLst>
-                                            <p:cond delay="0"/>
-                                          </p:stCondLst>
-                                        </p:cTn>
-                                        <p:tgtEl>
-                                          <p:spTgt spid="50"/>
-                                        </p:tgtEl>
-                                        <p:attrNameLst>
-                                          <p:attrName>style.visibility</p:attrName>
-                                        </p:attrNameLst>
-                                      </p:cBhvr>
-                                      <p:to>
-                                        <p:strVal val="visible"/>
-                                      </p:to>
-                                    </p:set>
-                                    <p:animEffect transition="in" filter="fade">
-                                      <p:cBhvr>
-                                        <p:cTn id="112" dur="500"/>
-                                        <p:tgtEl>
-                                          <p:spTgt spid="50"/>
-                                        </p:tgtEl>
-                                      </p:cBhvr>
-                                    </p:animEffect>
-                                    <p:anim calcmode="lin" valueType="num">
-                                      <p:cBhvr>
-                                        <p:cTn id="113" dur="500" fill="hold"/>
-                                        <p:tgtEl>
-                                          <p:spTgt spid="50"/>
-                                        </p:tgtEl>
-                                        <p:attrNameLst>
-                                          <p:attrName>ppt_x</p:attrName>
-                                        </p:attrNameLst>
-                                      </p:cBhvr>
-                                      <p:tavLst>
-                                        <p:tav tm="0">
-                                          <p:val>
-                                            <p:strVal val="#ppt_x"/>
-                                          </p:val>
-                                        </p:tav>
-                                        <p:tav tm="100000">
-                                          <p:val>
-                                            <p:strVal val="#ppt_x"/>
-                                          </p:val>
-                                        </p:tav>
-                                      </p:tavLst>
-                                    </p:anim>
-                                    <p:anim calcmode="lin" valueType="num">
-                                      <p:cBhvr>
-                                        <p:cTn id="114" dur="500" fill="hold"/>
-                                        <p:tgtEl>
-                                          <p:spTgt spid="50"/>
-                                        </p:tgtEl>
-                                        <p:attrNameLst>
-                                          <p:attrName>ppt_y</p:attrName>
-                                        </p:attrNameLst>
-                                      </p:cBhvr>
-                                      <p:tavLst>
-                                        <p:tav tm="0">
-                                          <p:val>
-                                            <p:strVal val="#ppt_y-.1"/>
-                                          </p:val>
-                                        </p:tav>
-                                        <p:tav tm="100000">
-                                          <p:val>
-                                            <p:strVal val="#ppt_y"/>
-                                          </p:val>
-                                        </p:tav>
-                                      </p:tavLst>
-                                    </p:anim>
-                                  </p:childTnLst>
-                                </p:cTn>
-                              </p:par>
-                              <p:par>
-                                <p:cTn id="115" presetID="47" presetClass="entr" presetSubtype="0" fill="hold" nodeType="withEffect">
-                                  <p:stCondLst>
-                                    <p:cond delay="0"/>
-                                  </p:stCondLst>
-                                  <p:childTnLst>
-                                    <p:set>
-                                      <p:cBhvr>
-                                        <p:cTn id="116" dur="1" fill="hold">
-                                          <p:stCondLst>
-                                            <p:cond delay="0"/>
-                                          </p:stCondLst>
-                                        </p:cTn>
-                                        <p:tgtEl>
-                                          <p:spTgt spid="51"/>
-                                        </p:tgtEl>
-                                        <p:attrNameLst>
-                                          <p:attrName>style.visibility</p:attrName>
-                                        </p:attrNameLst>
-                                      </p:cBhvr>
-                                      <p:to>
-                                        <p:strVal val="visible"/>
-                                      </p:to>
-                                    </p:set>
-                                    <p:animEffect transition="in" filter="fade">
-                                      <p:cBhvr>
-                                        <p:cTn id="117" dur="500"/>
-                                        <p:tgtEl>
-                                          <p:spTgt spid="51"/>
-                                        </p:tgtEl>
-                                      </p:cBhvr>
-                                    </p:animEffect>
-                                    <p:anim calcmode="lin" valueType="num">
-                                      <p:cBhvr>
-                                        <p:cTn id="118" dur="500" fill="hold"/>
-                                        <p:tgtEl>
-                                          <p:spTgt spid="51"/>
-                                        </p:tgtEl>
-                                        <p:attrNameLst>
-                                          <p:attrName>ppt_x</p:attrName>
-                                        </p:attrNameLst>
-                                      </p:cBhvr>
-                                      <p:tavLst>
-                                        <p:tav tm="0">
-                                          <p:val>
-                                            <p:strVal val="#ppt_x"/>
-                                          </p:val>
-                                        </p:tav>
-                                        <p:tav tm="100000">
-                                          <p:val>
-                                            <p:strVal val="#ppt_x"/>
-                                          </p:val>
-                                        </p:tav>
-                                      </p:tavLst>
-                                    </p:anim>
-                                    <p:anim calcmode="lin" valueType="num">
-                                      <p:cBhvr>
-                                        <p:cTn id="119" dur="500" fill="hold"/>
-                                        <p:tgtEl>
-                                          <p:spTgt spid="51"/>
-                                        </p:tgtEl>
-                                        <p:attrNameLst>
-                                          <p:attrName>ppt_y</p:attrName>
-                                        </p:attrNameLst>
-                                      </p:cBhvr>
-                                      <p:tavLst>
-                                        <p:tav tm="0">
-                                          <p:val>
-                                            <p:strVal val="#ppt_y-.1"/>
-                                          </p:val>
-                                        </p:tav>
-                                        <p:tav tm="100000">
-                                          <p:val>
-                                            <p:strVal val="#ppt_y"/>
-                                          </p:val>
-                                        </p:tav>
-                                      </p:tavLst>
-                                    </p:anim>
-                                  </p:childTnLst>
-                                </p:cTn>
-                              </p:par>
-                              <p:par>
-                                <p:cTn id="120" presetID="47" presetClass="entr" presetSubtype="0" fill="hold" nodeType="withEffect">
-                                  <p:stCondLst>
-                                    <p:cond delay="0"/>
-                                  </p:stCondLst>
-                                  <p:childTnLst>
-                                    <p:set>
-                                      <p:cBhvr>
-                                        <p:cTn id="121" dur="1" fill="hold">
-                                          <p:stCondLst>
-                                            <p:cond delay="0"/>
-                                          </p:stCondLst>
-                                        </p:cTn>
-                                        <p:tgtEl>
-                                          <p:spTgt spid="52"/>
-                                        </p:tgtEl>
-                                        <p:attrNameLst>
-                                          <p:attrName>style.visibility</p:attrName>
-                                        </p:attrNameLst>
-                                      </p:cBhvr>
-                                      <p:to>
-                                        <p:strVal val="visible"/>
-                                      </p:to>
-                                    </p:set>
-                                    <p:animEffect transition="in" filter="fade">
-                                      <p:cBhvr>
-                                        <p:cTn id="122" dur="500"/>
-                                        <p:tgtEl>
-                                          <p:spTgt spid="52"/>
-                                        </p:tgtEl>
-                                      </p:cBhvr>
-                                    </p:animEffect>
-                                    <p:anim calcmode="lin" valueType="num">
-                                      <p:cBhvr>
-                                        <p:cTn id="123" dur="500" fill="hold"/>
-                                        <p:tgtEl>
-                                          <p:spTgt spid="52"/>
-                                        </p:tgtEl>
-                                        <p:attrNameLst>
-                                          <p:attrName>ppt_x</p:attrName>
-                                        </p:attrNameLst>
-                                      </p:cBhvr>
-                                      <p:tavLst>
-                                        <p:tav tm="0">
-                                          <p:val>
-                                            <p:strVal val="#ppt_x"/>
-                                          </p:val>
-                                        </p:tav>
-                                        <p:tav tm="100000">
-                                          <p:val>
-                                            <p:strVal val="#ppt_x"/>
-                                          </p:val>
-                                        </p:tav>
-                                      </p:tavLst>
-                                    </p:anim>
-                                    <p:anim calcmode="lin" valueType="num">
-                                      <p:cBhvr>
-                                        <p:cTn id="124" dur="500" fill="hold"/>
-                                        <p:tgtEl>
-                                          <p:spTgt spid="52"/>
-                                        </p:tgtEl>
-                                        <p:attrNameLst>
-                                          <p:attrName>ppt_y</p:attrName>
-                                        </p:attrNameLst>
-                                      </p:cBhvr>
-                                      <p:tavLst>
-                                        <p:tav tm="0">
-                                          <p:val>
-                                            <p:strVal val="#ppt_y-.1"/>
-                                          </p:val>
-                                        </p:tav>
-                                        <p:tav tm="100000">
-                                          <p:val>
-                                            <p:strVal val="#ppt_y"/>
-                                          </p:val>
-                                        </p:tav>
-                                      </p:tavLst>
-                                    </p:anim>
-                                  </p:childTnLst>
-                                </p:cTn>
-                              </p:par>
-                            </p:childTnLst>
-                          </p:cTn>
-                        </p:par>
-                      </p:childTnLst>
-                    </p:cTn>
-                  </p:par>
-                  <p:par>
-                    <p:cTn id="125" fill="hold">
-                      <p:stCondLst>
-                        <p:cond delay="indefinite"/>
-                      </p:stCondLst>
-                      <p:childTnLst>
-                        <p:par>
-                          <p:cTn id="126" fill="hold">
-                            <p:stCondLst>
-                              <p:cond delay="0"/>
-                            </p:stCondLst>
-                            <p:childTnLst>
-                              <p:par>
-                                <p:cTn id="127" presetID="2" presetClass="entr" presetSubtype="2" fill="hold" grpId="0" nodeType="clickEffect">
-                                  <p:stCondLst>
-                                    <p:cond delay="0"/>
-                                  </p:stCondLst>
-                                  <p:childTnLst>
-                                    <p:set>
-                                      <p:cBhvr>
-                                        <p:cTn id="128" dur="1" fill="hold">
-                                          <p:stCondLst>
-                                            <p:cond delay="0"/>
-                                          </p:stCondLst>
-                                        </p:cTn>
-                                        <p:tgtEl>
-                                          <p:spTgt spid="82"/>
-                                        </p:tgtEl>
-                                        <p:attrNameLst>
-                                          <p:attrName>style.visibility</p:attrName>
-                                        </p:attrNameLst>
-                                      </p:cBhvr>
-                                      <p:to>
-                                        <p:strVal val="visible"/>
-                                      </p:to>
-                                    </p:set>
-                                    <p:anim calcmode="lin" valueType="num">
-                                      <p:cBhvr additive="base">
-                                        <p:cTn id="129" dur="500" fill="hold"/>
-                                        <p:tgtEl>
-                                          <p:spTgt spid="82"/>
-                                        </p:tgtEl>
-                                        <p:attrNameLst>
-                                          <p:attrName>ppt_x</p:attrName>
-                                        </p:attrNameLst>
-                                      </p:cBhvr>
-                                      <p:tavLst>
-                                        <p:tav tm="0">
-                                          <p:val>
-                                            <p:strVal val="1+#ppt_w/2"/>
-                                          </p:val>
-                                        </p:tav>
-                                        <p:tav tm="100000">
-                                          <p:val>
-                                            <p:strVal val="#ppt_x"/>
-                                          </p:val>
-                                        </p:tav>
-                                      </p:tavLst>
-                                    </p:anim>
-                                    <p:anim calcmode="lin" valueType="num">
-                                      <p:cBhvr additive="base">
-                                        <p:cTn id="130" dur="500" fill="hold"/>
-                                        <p:tgtEl>
-                                          <p:spTgt spid="82"/>
-                                        </p:tgtEl>
-                                        <p:attrNameLst>
-                                          <p:attrName>ppt_y</p:attrName>
-                                        </p:attrNameLst>
-                                      </p:cBhvr>
-                                      <p:tavLst>
-                                        <p:tav tm="0">
-                                          <p:val>
-                                            <p:strVal val="#ppt_y"/>
-                                          </p:val>
-                                        </p:tav>
-                                        <p:tav tm="100000">
-                                          <p:val>
-                                            <p:strVal val="#ppt_y"/>
-                                          </p:val>
-                                        </p:tav>
-                                      </p:tavLst>
-                                    </p:anim>
-                                  </p:childTnLst>
-                                </p:cTn>
-                              </p:par>
-                              <p:par>
-                                <p:cTn id="131" presetID="2" presetClass="entr" presetSubtype="2" fill="hold" grpId="0" nodeType="withEffect">
-                                  <p:stCondLst>
-                                    <p:cond delay="0"/>
-                                  </p:stCondLst>
-                                  <p:childTnLst>
-                                    <p:set>
-                                      <p:cBhvr>
-                                        <p:cTn id="132" dur="1" fill="hold">
-                                          <p:stCondLst>
-                                            <p:cond delay="0"/>
-                                          </p:stCondLst>
-                                        </p:cTn>
-                                        <p:tgtEl>
-                                          <p:spTgt spid="83"/>
-                                        </p:tgtEl>
-                                        <p:attrNameLst>
-                                          <p:attrName>style.visibility</p:attrName>
-                                        </p:attrNameLst>
-                                      </p:cBhvr>
-                                      <p:to>
-                                        <p:strVal val="visible"/>
-                                      </p:to>
-                                    </p:set>
-                                    <p:anim calcmode="lin" valueType="num">
-                                      <p:cBhvr additive="base">
-                                        <p:cTn id="133" dur="500" fill="hold"/>
-                                        <p:tgtEl>
-                                          <p:spTgt spid="83"/>
-                                        </p:tgtEl>
-                                        <p:attrNameLst>
-                                          <p:attrName>ppt_x</p:attrName>
-                                        </p:attrNameLst>
-                                      </p:cBhvr>
-                                      <p:tavLst>
-                                        <p:tav tm="0">
-                                          <p:val>
-                                            <p:strVal val="1+#ppt_w/2"/>
-                                          </p:val>
-                                        </p:tav>
-                                        <p:tav tm="100000">
-                                          <p:val>
-                                            <p:strVal val="#ppt_x"/>
-                                          </p:val>
-                                        </p:tav>
-                                      </p:tavLst>
-                                    </p:anim>
-                                    <p:anim calcmode="lin" valueType="num">
-                                      <p:cBhvr additive="base">
-                                        <p:cTn id="134" dur="500" fill="hold"/>
-                                        <p:tgtEl>
-                                          <p:spTgt spid="83"/>
-                                        </p:tgtEl>
-                                        <p:attrNameLst>
-                                          <p:attrName>ppt_y</p:attrName>
-                                        </p:attrNameLst>
-                                      </p:cBhvr>
-                                      <p:tavLst>
-                                        <p:tav tm="0">
-                                          <p:val>
-                                            <p:strVal val="#ppt_y"/>
-                                          </p:val>
-                                        </p:tav>
-                                        <p:tav tm="100000">
-                                          <p:val>
-                                            <p:strVal val="#ppt_y"/>
-                                          </p:val>
-                                        </p:tav>
-                                      </p:tavLst>
-                                    </p:anim>
-                                  </p:childTnLst>
-                                </p:cTn>
-                              </p:par>
-                              <p:par>
-                                <p:cTn id="135" presetID="2" presetClass="entr" presetSubtype="2" fill="hold" grpId="0" nodeType="withEffect">
-                                  <p:stCondLst>
-                                    <p:cond delay="0"/>
-                                  </p:stCondLst>
-                                  <p:childTnLst>
-                                    <p:set>
-                                      <p:cBhvr>
-                                        <p:cTn id="136" dur="1" fill="hold">
-                                          <p:stCondLst>
-                                            <p:cond delay="0"/>
-                                          </p:stCondLst>
-                                        </p:cTn>
-                                        <p:tgtEl>
-                                          <p:spTgt spid="84"/>
-                                        </p:tgtEl>
-                                        <p:attrNameLst>
-                                          <p:attrName>style.visibility</p:attrName>
-                                        </p:attrNameLst>
-                                      </p:cBhvr>
-                                      <p:to>
-                                        <p:strVal val="visible"/>
-                                      </p:to>
-                                    </p:set>
-                                    <p:anim calcmode="lin" valueType="num">
-                                      <p:cBhvr additive="base">
-                                        <p:cTn id="137" dur="500" fill="hold"/>
-                                        <p:tgtEl>
-                                          <p:spTgt spid="84"/>
-                                        </p:tgtEl>
-                                        <p:attrNameLst>
-                                          <p:attrName>ppt_x</p:attrName>
-                                        </p:attrNameLst>
-                                      </p:cBhvr>
-                                      <p:tavLst>
-                                        <p:tav tm="0">
-                                          <p:val>
-                                            <p:strVal val="1+#ppt_w/2"/>
-                                          </p:val>
-                                        </p:tav>
-                                        <p:tav tm="100000">
-                                          <p:val>
-                                            <p:strVal val="#ppt_x"/>
-                                          </p:val>
-                                        </p:tav>
-                                      </p:tavLst>
-                                    </p:anim>
-                                    <p:anim calcmode="lin" valueType="num">
-                                      <p:cBhvr additive="base">
-                                        <p:cTn id="138" dur="500" fill="hold"/>
-                                        <p:tgtEl>
-                                          <p:spTgt spid="84"/>
-                                        </p:tgtEl>
-                                        <p:attrNameLst>
-                                          <p:attrName>ppt_y</p:attrName>
-                                        </p:attrNameLst>
-                                      </p:cBhvr>
-                                      <p:tavLst>
-                                        <p:tav tm="0">
-                                          <p:val>
-                                            <p:strVal val="#ppt_y"/>
-                                          </p:val>
-                                        </p:tav>
-                                        <p:tav tm="100000">
-                                          <p:val>
-                                            <p:strVal val="#ppt_y"/>
-                                          </p:val>
-                                        </p:tav>
-                                      </p:tavLst>
-                                    </p:anim>
-                                  </p:childTnLst>
-                                </p:cTn>
-                              </p:par>
-                              <p:par>
-                                <p:cTn id="139" presetID="2" presetClass="entr" presetSubtype="2" fill="hold" grpId="0" nodeType="withEffect">
-                                  <p:stCondLst>
-                                    <p:cond delay="0"/>
-                                  </p:stCondLst>
-                                  <p:childTnLst>
-                                    <p:set>
-                                      <p:cBhvr>
-                                        <p:cTn id="140" dur="1" fill="hold">
-                                          <p:stCondLst>
-                                            <p:cond delay="0"/>
-                                          </p:stCondLst>
-                                        </p:cTn>
-                                        <p:tgtEl>
-                                          <p:spTgt spid="81"/>
-                                        </p:tgtEl>
-                                        <p:attrNameLst>
-                                          <p:attrName>style.visibility</p:attrName>
-                                        </p:attrNameLst>
-                                      </p:cBhvr>
-                                      <p:to>
-                                        <p:strVal val="visible"/>
-                                      </p:to>
-                                    </p:set>
-                                    <p:anim calcmode="lin" valueType="num">
-                                      <p:cBhvr additive="base">
-                                        <p:cTn id="141" dur="500" fill="hold"/>
-                                        <p:tgtEl>
-                                          <p:spTgt spid="81"/>
-                                        </p:tgtEl>
-                                        <p:attrNameLst>
-                                          <p:attrName>ppt_x</p:attrName>
-                                        </p:attrNameLst>
-                                      </p:cBhvr>
-                                      <p:tavLst>
-                                        <p:tav tm="0">
-                                          <p:val>
-                                            <p:strVal val="1+#ppt_w/2"/>
-                                          </p:val>
-                                        </p:tav>
-                                        <p:tav tm="100000">
-                                          <p:val>
-                                            <p:strVal val="#ppt_x"/>
-                                          </p:val>
-                                        </p:tav>
-                                      </p:tavLst>
-                                    </p:anim>
-                                    <p:anim calcmode="lin" valueType="num">
-                                      <p:cBhvr additive="base">
-                                        <p:cTn id="142" dur="500" fill="hold"/>
-                                        <p:tgtEl>
-                                          <p:spTgt spid="81"/>
-                                        </p:tgtEl>
-                                        <p:attrNameLst>
-                                          <p:attrName>ppt_y</p:attrName>
-                                        </p:attrNameLst>
-                                      </p:cBhvr>
-                                      <p:tavLst>
-                                        <p:tav tm="0">
-                                          <p:val>
-                                            <p:strVal val="#ppt_y"/>
-                                          </p:val>
-                                        </p:tav>
-                                        <p:tav tm="100000">
-                                          <p:val>
-                                            <p:strVal val="#ppt_y"/>
-                                          </p:val>
-                                        </p:tav>
-                                      </p:tavLst>
-                                    </p:anim>
-                                  </p:childTnLst>
-                                </p:cTn>
-                              </p:par>
-                            </p:childTnLst>
-                          </p:cTn>
-                        </p:par>
-                        <p:par>
-                          <p:cTn id="143" fill="hold">
-                            <p:stCondLst>
-                              <p:cond delay="500"/>
-                            </p:stCondLst>
-                            <p:childTnLst>
-                              <p:par>
-                                <p:cTn id="144" presetID="10" presetClass="exit" presetSubtype="0" fill="hold" grpId="1" nodeType="afterEffect">
-                                  <p:stCondLst>
-                                    <p:cond delay="0"/>
-                                  </p:stCondLst>
-                                  <p:childTnLst>
-                                    <p:animEffect transition="out" filter="fade">
-                                      <p:cBhvr>
-                                        <p:cTn id="145" dur="500"/>
-                                        <p:tgtEl>
-                                          <p:spTgt spid="71"/>
-                                        </p:tgtEl>
-                                      </p:cBhvr>
-                                    </p:animEffect>
-                                    <p:set>
-                                      <p:cBhvr>
-                                        <p:cTn id="146" dur="1" fill="hold">
-                                          <p:stCondLst>
-                                            <p:cond delay="499"/>
-                                          </p:stCondLst>
-                                        </p:cTn>
-                                        <p:tgtEl>
-                                          <p:spTgt spid="71"/>
-                                        </p:tgtEl>
-                                        <p:attrNameLst>
-                                          <p:attrName>style.visibility</p:attrName>
-                                        </p:attrNameLst>
-                                      </p:cBhvr>
-                                      <p:to>
-                                        <p:strVal val="hidden"/>
-                                      </p:to>
-                                    </p:set>
-                                  </p:childTnLst>
-                                </p:cTn>
-                              </p:par>
-                            </p:childTnLst>
-                          </p:cTn>
-                        </p:par>
-                        <p:par>
-                          <p:cTn id="147" fill="hold">
-                            <p:stCondLst>
-                              <p:cond delay="1000"/>
-                            </p:stCondLst>
-                            <p:childTnLst>
-                              <p:par>
-                                <p:cTn id="148" presetID="10" presetClass="exit" presetSubtype="0" fill="hold" grpId="1" nodeType="afterEffect">
-                                  <p:stCondLst>
-                                    <p:cond delay="0"/>
-                                  </p:stCondLst>
-                                  <p:childTnLst>
-                                    <p:animEffect transition="out" filter="fade">
-                                      <p:cBhvr>
-                                        <p:cTn id="149" dur="500"/>
-                                        <p:tgtEl>
-                                          <p:spTgt spid="80"/>
-                                        </p:tgtEl>
-                                      </p:cBhvr>
-                                    </p:animEffect>
-                                    <p:set>
-                                      <p:cBhvr>
-                                        <p:cTn id="150" dur="1" fill="hold">
-                                          <p:stCondLst>
-                                            <p:cond delay="499"/>
-                                          </p:stCondLst>
-                                        </p:cTn>
-                                        <p:tgtEl>
-                                          <p:spTgt spid="80"/>
-                                        </p:tgtEl>
-                                        <p:attrNameLst>
-                                          <p:attrName>style.visibility</p:attrName>
-                                        </p:attrNameLst>
-                                      </p:cBhvr>
-                                      <p:to>
-                                        <p:strVal val="hidden"/>
-                                      </p:to>
-                                    </p:set>
-                                  </p:childTnLst>
-                                </p:cTn>
-                              </p:par>
-                            </p:childTnLst>
-                          </p:cTn>
-                        </p:par>
-                        <p:par>
-                          <p:cTn id="151" fill="hold">
-                            <p:stCondLst>
-                              <p:cond delay="1500"/>
-                            </p:stCondLst>
-                            <p:childTnLst>
-                              <p:par>
-                                <p:cTn id="152" presetID="10" presetClass="exit" presetSubtype="0" fill="hold" grpId="1" nodeType="afterEffect">
-                                  <p:stCondLst>
-                                    <p:cond delay="0"/>
-                                  </p:stCondLst>
-                                  <p:childTnLst>
-                                    <p:animEffect transition="out" filter="fade">
-                                      <p:cBhvr>
-                                        <p:cTn id="153" dur="500"/>
-                                        <p:tgtEl>
-                                          <p:spTgt spid="54"/>
-                                        </p:tgtEl>
-                                      </p:cBhvr>
-                                    </p:animEffect>
-                                    <p:set>
-                                      <p:cBhvr>
-                                        <p:cTn id="154" dur="1" fill="hold">
-                                          <p:stCondLst>
-                                            <p:cond delay="499"/>
-                                          </p:stCondLst>
-                                        </p:cTn>
-                                        <p:tgtEl>
-                                          <p:spTgt spid="54"/>
-                                        </p:tgtEl>
-                                        <p:attrNameLst>
-                                          <p:attrName>style.visibility</p:attrName>
-                                        </p:attrNameLst>
-                                      </p:cBhvr>
-                                      <p:to>
-                                        <p:strVal val="hidden"/>
-                                      </p:to>
-                                    </p:set>
-                                  </p:childTnLst>
-                                </p:cTn>
-                              </p:par>
-                            </p:childTnLst>
-                          </p:cTn>
-                        </p:par>
-                        <p:par>
-                          <p:cTn id="155" fill="hold">
-                            <p:stCondLst>
-                              <p:cond delay="2000"/>
-                            </p:stCondLst>
-                            <p:childTnLst>
-                              <p:par>
-                                <p:cTn id="156" presetID="10" presetClass="exit" presetSubtype="0" fill="hold" grpId="0" nodeType="afterEffect">
-                                  <p:stCondLst>
-                                    <p:cond delay="0"/>
-                                  </p:stCondLst>
-                                  <p:childTnLst>
-                                    <p:animEffect transition="out" filter="fade">
-                                      <p:cBhvr>
-                                        <p:cTn id="157" dur="500"/>
-                                        <p:tgtEl>
-                                          <p:spTgt spid="18"/>
-                                        </p:tgtEl>
-                                      </p:cBhvr>
-                                    </p:animEffect>
-                                    <p:set>
-                                      <p:cBhvr>
-                                        <p:cTn id="158" dur="1" fill="hold">
-                                          <p:stCondLst>
-                                            <p:cond delay="499"/>
-                                          </p:stCondLst>
-                                        </p:cTn>
-                                        <p:tgtEl>
-                                          <p:spTgt spid="18"/>
-                                        </p:tgtEl>
-                                        <p:attrNameLst>
-                                          <p:attrName>style.visibility</p:attrName>
-                                        </p:attrNameLst>
-                                      </p:cBhvr>
-                                      <p:to>
-                                        <p:strVal val="hidden"/>
-                                      </p:to>
-                                    </p:set>
-                                  </p:childTnLst>
-                                </p:cTn>
-                              </p:par>
-                            </p:childTnLst>
-                          </p:cTn>
-                        </p:par>
-                      </p:childTnLst>
-                    </p:cTn>
-                  </p:par>
-                  <p:par>
-                    <p:cTn id="159" fill="hold">
-                      <p:stCondLst>
-                        <p:cond delay="indefinite"/>
-                      </p:stCondLst>
-                      <p:childTnLst>
-                        <p:par>
-                          <p:cTn id="160" fill="hold">
-                            <p:stCondLst>
-                              <p:cond delay="0"/>
-                            </p:stCondLst>
-                            <p:childTnLst>
-                              <p:par>
-                                <p:cTn id="161" presetID="22" presetClass="entr" presetSubtype="4" fill="hold" grpId="0" nodeType="clickEffect">
-                                  <p:stCondLst>
-                                    <p:cond delay="0"/>
-                                  </p:stCondLst>
-                                  <p:childTnLst>
-                                    <p:set>
-                                      <p:cBhvr>
-                                        <p:cTn id="162" dur="1" fill="hold">
-                                          <p:stCondLst>
-                                            <p:cond delay="0"/>
-                                          </p:stCondLst>
-                                        </p:cTn>
-                                        <p:tgtEl>
-                                          <p:spTgt spid="90"/>
-                                        </p:tgtEl>
-                                        <p:attrNameLst>
-                                          <p:attrName>style.visibility</p:attrName>
-                                        </p:attrNameLst>
-                                      </p:cBhvr>
-                                      <p:to>
-                                        <p:strVal val="visible"/>
-                                      </p:to>
-                                    </p:set>
-                                    <p:animEffect transition="in" filter="wipe(down)">
-                                      <p:cBhvr>
-                                        <p:cTn id="163" dur="500"/>
-                                        <p:tgtEl>
-                                          <p:spTgt spid="90"/>
-                                        </p:tgtEl>
-                                      </p:cBhvr>
-                                    </p:animEffect>
-                                  </p:childTnLst>
-                                </p:cTn>
-                              </p:par>
-                            </p:childTnLst>
-                          </p:cTn>
-                        </p:par>
-                        <p:par>
-                          <p:cTn id="164" fill="hold">
-                            <p:stCondLst>
-                              <p:cond delay="500"/>
-                            </p:stCondLst>
-                            <p:childTnLst>
-                              <p:par>
-                                <p:cTn id="165" presetID="22" presetClass="entr" presetSubtype="4" fill="hold" grpId="0" nodeType="afterEffect">
-                                  <p:stCondLst>
-                                    <p:cond delay="0"/>
-                                  </p:stCondLst>
-                                  <p:childTnLst>
-                                    <p:set>
-                                      <p:cBhvr>
-                                        <p:cTn id="166" dur="1" fill="hold">
-                                          <p:stCondLst>
-                                            <p:cond delay="0"/>
-                                          </p:stCondLst>
-                                        </p:cTn>
-                                        <p:tgtEl>
-                                          <p:spTgt spid="91"/>
-                                        </p:tgtEl>
-                                        <p:attrNameLst>
-                                          <p:attrName>style.visibility</p:attrName>
-                                        </p:attrNameLst>
-                                      </p:cBhvr>
-                                      <p:to>
-                                        <p:strVal val="visible"/>
-                                      </p:to>
-                                    </p:set>
-                                    <p:animEffect transition="in" filter="wipe(down)">
-                                      <p:cBhvr>
-                                        <p:cTn id="167" dur="500"/>
-                                        <p:tgtEl>
-                                          <p:spTgt spid="91"/>
-                                        </p:tgtEl>
-                                      </p:cBhvr>
-                                    </p:animEffect>
-                                  </p:childTnLst>
-                                </p:cTn>
-                              </p:par>
-                            </p:childTnLst>
-                          </p:cTn>
-                        </p:par>
-                        <p:par>
-                          <p:cTn id="168" fill="hold">
-                            <p:stCondLst>
-                              <p:cond delay="1000"/>
-                            </p:stCondLst>
-                            <p:childTnLst>
-                              <p:par>
-                                <p:cTn id="169" presetID="22" presetClass="entr" presetSubtype="4" fill="hold" grpId="0" nodeType="afterEffect">
-                                  <p:stCondLst>
-                                    <p:cond delay="0"/>
-                                  </p:stCondLst>
-                                  <p:childTnLst>
-                                    <p:set>
-                                      <p:cBhvr>
-                                        <p:cTn id="170" dur="1" fill="hold">
-                                          <p:stCondLst>
-                                            <p:cond delay="0"/>
-                                          </p:stCondLst>
-                                        </p:cTn>
-                                        <p:tgtEl>
-                                          <p:spTgt spid="92"/>
-                                        </p:tgtEl>
-                                        <p:attrNameLst>
-                                          <p:attrName>style.visibility</p:attrName>
-                                        </p:attrNameLst>
-                                      </p:cBhvr>
-                                      <p:to>
-                                        <p:strVal val="visible"/>
-                                      </p:to>
-                                    </p:set>
-                                    <p:animEffect transition="in" filter="wipe(down)">
-                                      <p:cBhvr>
-                                        <p:cTn id="171" dur="500"/>
-                                        <p:tgtEl>
-                                          <p:spTgt spid="92"/>
-                                        </p:tgtEl>
-                                      </p:cBhvr>
-                                    </p:animEffect>
-                                  </p:childTnLst>
-                                </p:cTn>
-                              </p:par>
-                            </p:childTnLst>
-                          </p:cTn>
-                        </p:par>
-                        <p:par>
-                          <p:cTn id="172" fill="hold">
-                            <p:stCondLst>
-                              <p:cond delay="1500"/>
-                            </p:stCondLst>
-                            <p:childTnLst>
-                              <p:par>
-                                <p:cTn id="173" presetID="22" presetClass="entr" presetSubtype="4" fill="hold" grpId="0" nodeType="afterEffect">
-                                  <p:stCondLst>
-                                    <p:cond delay="0"/>
-                                  </p:stCondLst>
-                                  <p:childTnLst>
-                                    <p:set>
-                                      <p:cBhvr>
-                                        <p:cTn id="174" dur="1" fill="hold">
-                                          <p:stCondLst>
-                                            <p:cond delay="0"/>
-                                          </p:stCondLst>
-                                        </p:cTn>
-                                        <p:tgtEl>
-                                          <p:spTgt spid="93"/>
-                                        </p:tgtEl>
-                                        <p:attrNameLst>
-                                          <p:attrName>style.visibility</p:attrName>
-                                        </p:attrNameLst>
-                                      </p:cBhvr>
-                                      <p:to>
-                                        <p:strVal val="visible"/>
-                                      </p:to>
-                                    </p:set>
-                                    <p:animEffect transition="in" filter="wipe(down)">
-                                      <p:cBhvr>
-                                        <p:cTn id="175" dur="500"/>
-                                        <p:tgtEl>
-                                          <p:spTgt spid="93"/>
-                                        </p:tgtEl>
-                                      </p:cBhvr>
-                                    </p:animEffect>
-                                  </p:childTnLst>
-                                </p:cTn>
-                              </p:par>
-                            </p:childTnLst>
-                          </p:cTn>
-                        </p:par>
-                      </p:childTnLst>
-                    </p:cTn>
-                  </p:par>
-                  <p:par>
-                    <p:cTn id="176" fill="hold">
-                      <p:stCondLst>
-                        <p:cond delay="indefinite"/>
-                      </p:stCondLst>
-                      <p:childTnLst>
-                        <p:par>
-                          <p:cTn id="177" fill="hold">
-                            <p:stCondLst>
-                              <p:cond delay="0"/>
-                            </p:stCondLst>
-                            <p:childTnLst>
-                              <p:par>
-                                <p:cTn id="178" presetID="10" presetClass="exit" presetSubtype="0" fill="hold" grpId="1" nodeType="clickEffect">
-                                  <p:stCondLst>
-                                    <p:cond delay="0"/>
-                                  </p:stCondLst>
-                                  <p:childTnLst>
-                                    <p:animEffect transition="out" filter="fade">
-                                      <p:cBhvr>
-                                        <p:cTn id="179" dur="500"/>
-                                        <p:tgtEl>
-                                          <p:spTgt spid="82"/>
-                                        </p:tgtEl>
-                                      </p:cBhvr>
-                                    </p:animEffect>
-                                    <p:set>
-                                      <p:cBhvr>
-                                        <p:cTn id="180" dur="1" fill="hold">
-                                          <p:stCondLst>
-                                            <p:cond delay="499"/>
-                                          </p:stCondLst>
-                                        </p:cTn>
-                                        <p:tgtEl>
-                                          <p:spTgt spid="82"/>
-                                        </p:tgtEl>
-                                        <p:attrNameLst>
-                                          <p:attrName>style.visibility</p:attrName>
-                                        </p:attrNameLst>
-                                      </p:cBhvr>
-                                      <p:to>
-                                        <p:strVal val="hidden"/>
-                                      </p:to>
-                                    </p:set>
-                                  </p:childTnLst>
-                                </p:cTn>
-                              </p:par>
-                              <p:par>
-                                <p:cTn id="181" presetID="10" presetClass="exit" presetSubtype="0" fill="hold" grpId="1" nodeType="withEffect">
-                                  <p:stCondLst>
-                                    <p:cond delay="0"/>
-                                  </p:stCondLst>
-                                  <p:childTnLst>
-                                    <p:animEffect transition="out" filter="fade">
-                                      <p:cBhvr>
-                                        <p:cTn id="182" dur="500"/>
-                                        <p:tgtEl>
-                                          <p:spTgt spid="83"/>
-                                        </p:tgtEl>
-                                      </p:cBhvr>
-                                    </p:animEffect>
-                                    <p:set>
-                                      <p:cBhvr>
-                                        <p:cTn id="183" dur="1" fill="hold">
-                                          <p:stCondLst>
-                                            <p:cond delay="499"/>
-                                          </p:stCondLst>
-                                        </p:cTn>
-                                        <p:tgtEl>
-                                          <p:spTgt spid="83"/>
-                                        </p:tgtEl>
-                                        <p:attrNameLst>
-                                          <p:attrName>style.visibility</p:attrName>
-                                        </p:attrNameLst>
-                                      </p:cBhvr>
-                                      <p:to>
-                                        <p:strVal val="hidden"/>
-                                      </p:to>
-                                    </p:set>
-                                  </p:childTnLst>
-                                </p:cTn>
-                              </p:par>
-                              <p:par>
-                                <p:cTn id="184" presetID="10" presetClass="exit" presetSubtype="0" fill="hold" grpId="1" nodeType="withEffect">
-                                  <p:stCondLst>
-                                    <p:cond delay="0"/>
-                                  </p:stCondLst>
-                                  <p:childTnLst>
-                                    <p:animEffect transition="out" filter="fade">
-                                      <p:cBhvr>
-                                        <p:cTn id="185" dur="500"/>
-                                        <p:tgtEl>
-                                          <p:spTgt spid="84"/>
-                                        </p:tgtEl>
-                                      </p:cBhvr>
-                                    </p:animEffect>
-                                    <p:set>
-                                      <p:cBhvr>
-                                        <p:cTn id="186" dur="1" fill="hold">
-                                          <p:stCondLst>
-                                            <p:cond delay="499"/>
-                                          </p:stCondLst>
-                                        </p:cTn>
-                                        <p:tgtEl>
-                                          <p:spTgt spid="84"/>
-                                        </p:tgtEl>
-                                        <p:attrNameLst>
-                                          <p:attrName>style.visibility</p:attrName>
-                                        </p:attrNameLst>
-                                      </p:cBhvr>
-                                      <p:to>
-                                        <p:strVal val="hidden"/>
-                                      </p:to>
-                                    </p:set>
-                                  </p:childTnLst>
-                                </p:cTn>
-                              </p:par>
-                              <p:par>
-                                <p:cTn id="187" presetID="10" presetClass="exit" presetSubtype="0" fill="hold" grpId="1" nodeType="withEffect">
-                                  <p:stCondLst>
-                                    <p:cond delay="0"/>
-                                  </p:stCondLst>
-                                  <p:childTnLst>
-                                    <p:animEffect transition="out" filter="fade">
-                                      <p:cBhvr>
-                                        <p:cTn id="188" dur="500"/>
-                                        <p:tgtEl>
-                                          <p:spTgt spid="81"/>
-                                        </p:tgtEl>
-                                      </p:cBhvr>
-                                    </p:animEffect>
-                                    <p:set>
-                                      <p:cBhvr>
-                                        <p:cTn id="189" dur="1" fill="hold">
-                                          <p:stCondLst>
-                                            <p:cond delay="499"/>
-                                          </p:stCondLst>
-                                        </p:cTn>
-                                        <p:tgtEl>
-                                          <p:spTgt spid="81"/>
-                                        </p:tgtEl>
-                                        <p:attrNameLst>
-                                          <p:attrName>style.visibility</p:attrName>
-                                        </p:attrNameLst>
-                                      </p:cBhvr>
-                                      <p:to>
-                                        <p:strVal val="hidden"/>
-                                      </p:to>
-                                    </p:set>
-                                  </p:childTnLst>
-                                </p:cTn>
-                              </p:par>
-                            </p:childTnLst>
-                          </p:cTn>
-                        </p:par>
-                        <p:par>
-                          <p:cTn id="190" fill="hold">
-                            <p:stCondLst>
-                              <p:cond delay="500"/>
-                            </p:stCondLst>
-                            <p:childTnLst>
-                              <p:par>
-                                <p:cTn id="191" presetID="10" presetClass="entr" presetSubtype="0" fill="hold" grpId="0" nodeType="afterEffect">
-                                  <p:stCondLst>
-                                    <p:cond delay="0"/>
-                                  </p:stCondLst>
-                                  <p:childTnLst>
-                                    <p:set>
-                                      <p:cBhvr>
-                                        <p:cTn id="192" dur="1" fill="hold">
-                                          <p:stCondLst>
-                                            <p:cond delay="0"/>
-                                          </p:stCondLst>
-                                        </p:cTn>
-                                        <p:tgtEl>
-                                          <p:spTgt spid="94"/>
-                                        </p:tgtEl>
-                                        <p:attrNameLst>
-                                          <p:attrName>style.visibility</p:attrName>
-                                        </p:attrNameLst>
-                                      </p:cBhvr>
-                                      <p:to>
-                                        <p:strVal val="visible"/>
-                                      </p:to>
-                                    </p:set>
-                                    <p:animEffect transition="in" filter="fade">
-                                      <p:cBhvr>
-                                        <p:cTn id="193" dur="500"/>
-                                        <p:tgtEl>
-                                          <p:spTgt spid="94"/>
-                                        </p:tgtEl>
-                                      </p:cBhvr>
-                                    </p:animEffect>
-                                  </p:childTnLst>
-                                </p:cTn>
-                              </p:par>
-                            </p:childTnLst>
-                          </p:cTn>
-                        </p:par>
-                        <p:par>
-                          <p:cTn id="194" fill="hold">
-                            <p:stCondLst>
-                              <p:cond delay="1000"/>
-                            </p:stCondLst>
-                            <p:childTnLst>
-                              <p:par>
-                                <p:cTn id="195" presetID="10" presetClass="entr" presetSubtype="0" fill="hold" grpId="0" nodeType="afterEffect">
-                                  <p:stCondLst>
-                                    <p:cond delay="0"/>
-                                  </p:stCondLst>
-                                  <p:childTnLst>
-                                    <p:set>
-                                      <p:cBhvr>
-                                        <p:cTn id="196" dur="1" fill="hold">
-                                          <p:stCondLst>
-                                            <p:cond delay="0"/>
-                                          </p:stCondLst>
-                                        </p:cTn>
-                                        <p:tgtEl>
-                                          <p:spTgt spid="95"/>
-                                        </p:tgtEl>
-                                        <p:attrNameLst>
-                                          <p:attrName>style.visibility</p:attrName>
-                                        </p:attrNameLst>
-                                      </p:cBhvr>
-                                      <p:to>
-                                        <p:strVal val="visible"/>
-                                      </p:to>
-                                    </p:set>
-                                    <p:animEffect transition="in" filter="fade">
-                                      <p:cBhvr>
-                                        <p:cTn id="197" dur="500"/>
-                                        <p:tgtEl>
-                                          <p:spTgt spid="95"/>
-                                        </p:tgtEl>
-                                      </p:cBhvr>
-                                    </p:animEffect>
-                                  </p:childTnLst>
-                                </p:cTn>
-                              </p:par>
-                            </p:childTnLst>
-                          </p:cTn>
-                        </p:par>
-                        <p:par>
-                          <p:cTn id="198" fill="hold">
-                            <p:stCondLst>
-                              <p:cond delay="1500"/>
-                            </p:stCondLst>
-                            <p:childTnLst>
-                              <p:par>
-                                <p:cTn id="199" presetID="10" presetClass="entr" presetSubtype="0" fill="hold" grpId="0" nodeType="afterEffect">
-                                  <p:stCondLst>
-                                    <p:cond delay="0"/>
-                                  </p:stCondLst>
-                                  <p:childTnLst>
-                                    <p:set>
-                                      <p:cBhvr>
-                                        <p:cTn id="200" dur="1" fill="hold">
-                                          <p:stCondLst>
-                                            <p:cond delay="0"/>
-                                          </p:stCondLst>
-                                        </p:cTn>
-                                        <p:tgtEl>
-                                          <p:spTgt spid="96"/>
-                                        </p:tgtEl>
-                                        <p:attrNameLst>
-                                          <p:attrName>style.visibility</p:attrName>
-                                        </p:attrNameLst>
-                                      </p:cBhvr>
-                                      <p:to>
-                                        <p:strVal val="visible"/>
-                                      </p:to>
-                                    </p:set>
-                                    <p:animEffect transition="in" filter="fade">
-                                      <p:cBhvr>
-                                        <p:cTn id="201" dur="500"/>
-                                        <p:tgtEl>
-                                          <p:spTgt spid="96"/>
-                                        </p:tgtEl>
-                                      </p:cBhvr>
-                                    </p:animEffect>
-                                  </p:childTnLst>
-                                </p:cTn>
-                              </p:par>
-                            </p:childTnLst>
-                          </p:cTn>
-                        </p:par>
-                        <p:par>
-                          <p:cTn id="202" fill="hold">
-                            <p:stCondLst>
-                              <p:cond delay="2000"/>
-                            </p:stCondLst>
-                            <p:childTnLst>
-                              <p:par>
-                                <p:cTn id="203" presetID="10" presetClass="entr" presetSubtype="0" fill="hold" grpId="0" nodeType="afterEffect">
-                                  <p:stCondLst>
-                                    <p:cond delay="0"/>
-                                  </p:stCondLst>
-                                  <p:childTnLst>
-                                    <p:set>
-                                      <p:cBhvr>
-                                        <p:cTn id="204" dur="1" fill="hold">
-                                          <p:stCondLst>
-                                            <p:cond delay="0"/>
-                                          </p:stCondLst>
-                                        </p:cTn>
-                                        <p:tgtEl>
-                                          <p:spTgt spid="97"/>
-                                        </p:tgtEl>
-                                        <p:attrNameLst>
-                                          <p:attrName>style.visibility</p:attrName>
-                                        </p:attrNameLst>
-                                      </p:cBhvr>
-                                      <p:to>
-                                        <p:strVal val="visible"/>
-                                      </p:to>
-                                    </p:set>
-                                    <p:animEffect transition="in" filter="fade">
-                                      <p:cBhvr>
-                                        <p:cTn id="205" dur="500"/>
-                                        <p:tgtEl>
-                                          <p:spTgt spid="97"/>
-                                        </p:tgtEl>
-                                      </p:cBhvr>
-                                    </p:animEffect>
-                                  </p:childTnLst>
-                                </p:cTn>
-                              </p:par>
-                            </p:childTnLst>
-                          </p:cTn>
-                        </p:par>
-                      </p:childTnLst>
-                    </p:cTn>
-                  </p:par>
-                </p:childTnLst>
-              </p:cTn>
-              <p:prevCondLst>
-                <p:cond evt="onPrev" delay="0">
-                  <p:tgtEl>
-                    <p:sldTgt/>
-                  </p:tgtEl>
-                </p:cond>
-              </p:prevCondLst>
-              <p:nextCondLst>
-                <p:cond evt="onNext" delay="0">
-                  <p:tgtEl>
-                    <p:sldTgt/>
-                  </p:tgtEl>
-                </p:cond>
-              </p:nextCondLst>
-            </p:seq>
-          </p:childTnLst>
-        </p:cTn>
-      </p:par>
-    </p:tnLst>
-    <p:bldLst>
-      <p:bldP spid="18" grpId="0"/>
-      <p:bldP spid="49" grpId="0" animBg="1"/>
-      <p:bldP spid="53" grpId="0"/>
-      <p:bldP spid="54" grpId="0"/>
-      <p:bldP spid="54" grpId="1"/>
-      <p:bldP spid="55" grpId="0"/>
-      <p:bldP spid="56" grpId="0"/>
-      <p:bldP spid="65" grpId="0" animBg="1"/>
-      <p:bldP spid="69" grpId="0"/>
-      <p:bldP spid="70" grpId="0"/>
-      <p:bldP spid="71" grpId="0"/>
-      <p:bldP spid="71" grpId="1"/>
-      <p:bldP spid="72" grpId="0"/>
-      <p:bldP spid="73" grpId="0" animBg="1"/>
-      <p:bldP spid="77" grpId="0"/>
-      <p:bldP spid="78" grpId="0"/>
-      <p:bldP spid="79" grpId="0"/>
-      <p:bldP spid="80" grpId="0"/>
-      <p:bldP spid="80" grpId="1"/>
-      <p:bldP spid="81" grpId="0" animBg="1"/>
-      <p:bldP spid="81" grpId="1" animBg="1"/>
-      <p:bldP spid="82" grpId="0" animBg="1"/>
-      <p:bldP spid="82" grpId="1" animBg="1"/>
-      <p:bldP spid="83" grpId="0" animBg="1"/>
-      <p:bldP spid="83" grpId="1" animBg="1"/>
-      <p:bldP spid="84" grpId="0" animBg="1"/>
-      <p:bldP spid="84" grpId="1" animBg="1"/>
-      <p:bldP spid="90" grpId="0"/>
-      <p:bldP spid="91" grpId="0"/>
-      <p:bldP spid="92" grpId="0"/>
-      <p:bldP spid="93" grpId="0"/>
-      <p:bldP spid="94" grpId="0" animBg="1"/>
-      <p:bldP spid="95" grpId="0" animBg="1"/>
-      <p:bldP spid="96" grpId="0" animBg="1"/>
-      <p:bldP spid="97" grpId="0" animBg="1"/>
-    </p:bldLst>
-  </p:timing>
-</p:sld>
-</file>
-
-<file path=ppt/slides/slide14.xml><?xml version="1.0" encoding="utf-8"?>
-<p:sld xmlns:a="http://schemas.openxmlformats.org/drawingml/2006/main" xmlns:r="http://schemas.openxmlformats.org/officeDocument/2006/relationships" xmlns:p="http://schemas.openxmlformats.org/presentationml/2006/main">
-  <p:cSld>
-    <p:spTree>
-      <p:nvGrpSpPr>
-        <p:cNvPr id="1" name=""/>
-        <p:cNvGrpSpPr/>
-        <p:nvPr/>
-      </p:nvGrpSpPr>
-      <p:grpSpPr>
-        <a:xfrm>
-          <a:off x="0" y="0"/>
-          <a:ext cx="0" cy="0"/>
-          <a:chOff x="0" y="0"/>
-          <a:chExt cx="0" cy="0"/>
-        </a:xfrm>
-      </p:grpSpPr>
-      <p:sp>
-        <p:nvSpPr>
-          <p:cNvPr id="2" name="Título 1">
-            <a:extLst>
-              <a:ext uri="{FF2B5EF4-FFF2-40B4-BE49-F238E27FC236}">
-                <a16:creationId xmlns:a16="http://schemas.microsoft.com/office/drawing/2014/main" id="{25068522-B10A-41BC-906C-312C0DD894CB}"/>
-              </a:ext>
-            </a:extLst>
-          </p:cNvPr>
-          <p:cNvSpPr>
-            <a:spLocks noGrp="1"/>
-          </p:cNvSpPr>
-          <p:nvPr>
-            <p:ph type="title"/>
-          </p:nvPr>
-        </p:nvSpPr>
-        <p:spPr/>
-        <p:txBody>
-          <a:bodyPr/>
-          <a:lstStyle/>
-          <a:p>
-            <a:r>
-              <a:rPr lang="es-ES" dirty="0"/>
-              <a:t>Comportamiento Algoritmo Genético</a:t>
-            </a:r>
-          </a:p>
-        </p:txBody>
-      </p:sp>
-      <p:pic>
-        <p:nvPicPr>
-          <p:cNvPr id="13" name="Marcador de contenido 12">
-            <a:extLst>
-              <a:ext uri="{FF2B5EF4-FFF2-40B4-BE49-F238E27FC236}">
-                <a16:creationId xmlns:a16="http://schemas.microsoft.com/office/drawing/2014/main" id="{49804399-A794-4BD4-97A9-F38D30D0696F}"/>
-              </a:ext>
-            </a:extLst>
-          </p:cNvPr>
-          <p:cNvPicPr>
-            <a:picLocks noGrp="1" noChangeAspect="1"/>
-          </p:cNvPicPr>
-          <p:nvPr>
-            <p:ph idx="1"/>
-          </p:nvPr>
-        </p:nvPicPr>
-        <p:blipFill>
-          <a:blip r:embed="rId2">
-            <a:extLst>
-              <a:ext uri="{28A0092B-C50C-407E-A947-70E740481C1C}">
-                <a14:useLocalDpi xmlns:a14="http://schemas.microsoft.com/office/drawing/2010/main" val="0"/>
-              </a:ext>
-              <a:ext uri="{96DAC541-7B7A-43D3-8B79-37D633B846F1}">
-                <asvg:svgBlip xmlns:asvg="http://schemas.microsoft.com/office/drawing/2016/SVG/main" r:embed="rId3"/>
-              </a:ext>
-            </a:extLst>
-          </a:blip>
-          <a:stretch>
-            <a:fillRect/>
-          </a:stretch>
-        </p:blipFill>
-        <p:spPr>
-          <a:xfrm>
-            <a:off x="3011714" y="2088810"/>
-            <a:ext cx="6168572" cy="4626429"/>
-          </a:xfrm>
-        </p:spPr>
-      </p:pic>
-    </p:spTree>
-    <p:extLst>
-      <p:ext uri="{BB962C8B-B14F-4D97-AF65-F5344CB8AC3E}">
-        <p14:creationId xmlns:p14="http://schemas.microsoft.com/office/powerpoint/2010/main" val="110201391"/>
-      </p:ext>
-    </p:extLst>
-  </p:cSld>
-  <p:clrMapOvr>
-    <a:masterClrMapping/>
-  </p:clrMapOvr>
-</p:sld>
-</file>
-
-<file path=ppt/slides/slide15.xml><?xml version="1.0" encoding="utf-8"?>
-<p:sld xmlns:a="http://schemas.openxmlformats.org/drawingml/2006/main" xmlns:r="http://schemas.openxmlformats.org/officeDocument/2006/relationships" xmlns:p="http://schemas.openxmlformats.org/presentationml/2006/main">
-  <p:cSld>
-    <p:spTree>
-      <p:nvGrpSpPr>
-        <p:cNvPr id="1" name=""/>
-        <p:cNvGrpSpPr/>
-        <p:nvPr/>
-      </p:nvGrpSpPr>
-      <p:grpSpPr>
-        <a:xfrm>
-          <a:off x="0" y="0"/>
-          <a:ext cx="0" cy="0"/>
-          <a:chOff x="0" y="0"/>
-          <a:chExt cx="0" cy="0"/>
-        </a:xfrm>
-      </p:grpSpPr>
-      <p:sp>
-        <p:nvSpPr>
-          <p:cNvPr id="2" name="Título 1">
-            <a:extLst>
-              <a:ext uri="{FF2B5EF4-FFF2-40B4-BE49-F238E27FC236}">
-                <a16:creationId xmlns:a16="http://schemas.microsoft.com/office/drawing/2014/main" id="{25068522-B10A-41BC-906C-312C0DD894CB}"/>
-              </a:ext>
-            </a:extLst>
-          </p:cNvPr>
-          <p:cNvSpPr>
-            <a:spLocks noGrp="1"/>
-          </p:cNvSpPr>
-          <p:nvPr>
-            <p:ph type="title"/>
-          </p:nvPr>
-        </p:nvSpPr>
-        <p:spPr/>
-        <p:txBody>
-          <a:bodyPr/>
-          <a:lstStyle/>
-          <a:p>
-            <a:r>
-              <a:rPr lang="es-ES" dirty="0"/>
-              <a:t>Comportamiento Algoritmo Genético</a:t>
-            </a:r>
-          </a:p>
-        </p:txBody>
-      </p:sp>
-      <p:pic>
-        <p:nvPicPr>
-          <p:cNvPr id="4" name="Gráfico 3">
-            <a:extLst>
-              <a:ext uri="{FF2B5EF4-FFF2-40B4-BE49-F238E27FC236}">
-                <a16:creationId xmlns:a16="http://schemas.microsoft.com/office/drawing/2014/main" id="{DABD3DA4-7590-44EE-AD28-9CA30774901E}"/>
-              </a:ext>
-            </a:extLst>
-          </p:cNvPr>
-          <p:cNvPicPr>
-            <a:picLocks noChangeAspect="1"/>
-          </p:cNvPicPr>
-          <p:nvPr/>
-        </p:nvPicPr>
-        <p:blipFill>
-          <a:blip r:embed="rId2">
-            <a:extLst>
-              <a:ext uri="{28A0092B-C50C-407E-A947-70E740481C1C}">
-                <a14:useLocalDpi xmlns:a14="http://schemas.microsoft.com/office/drawing/2010/main" val="0"/>
-              </a:ext>
-              <a:ext uri="{96DAC541-7B7A-43D3-8B79-37D633B846F1}">
-                <asvg:svgBlip xmlns:asvg="http://schemas.microsoft.com/office/drawing/2016/SVG/main" r:embed="rId3"/>
-              </a:ext>
-            </a:extLst>
-          </a:blip>
-          <a:stretch>
-            <a:fillRect/>
-          </a:stretch>
-        </p:blipFill>
-        <p:spPr>
-          <a:xfrm>
-            <a:off x="3011714" y="2088809"/>
-            <a:ext cx="6168572" cy="4626429"/>
-          </a:xfrm>
-          <a:prstGeom prst="rect">
-            <a:avLst/>
-          </a:prstGeom>
-        </p:spPr>
-      </p:pic>
-    </p:spTree>
-    <p:extLst>
-      <p:ext uri="{BB962C8B-B14F-4D97-AF65-F5344CB8AC3E}">
-        <p14:creationId xmlns:p14="http://schemas.microsoft.com/office/powerpoint/2010/main" val="3342222061"/>
-      </p:ext>
-    </p:extLst>
-  </p:cSld>
-  <p:clrMapOvr>
-    <a:masterClrMapping/>
-  </p:clrMapOvr>
-</p:sld>
-</file>
-
-<file path=ppt/slides/slide16.xml><?xml version="1.0" encoding="utf-8"?>
-<p:sld xmlns:a="http://schemas.openxmlformats.org/drawingml/2006/main" xmlns:r="http://schemas.openxmlformats.org/officeDocument/2006/relationships" xmlns:p="http://schemas.openxmlformats.org/presentationml/2006/main">
-  <p:cSld>
-    <p:spTree>
-      <p:nvGrpSpPr>
-        <p:cNvPr id="1" name=""/>
-        <p:cNvGrpSpPr/>
-        <p:nvPr/>
-      </p:nvGrpSpPr>
-      <p:grpSpPr>
-        <a:xfrm>
-          <a:off x="0" y="0"/>
-          <a:ext cx="0" cy="0"/>
-          <a:chOff x="0" y="0"/>
-          <a:chExt cx="0" cy="0"/>
-        </a:xfrm>
-      </p:grpSpPr>
-      <p:pic>
-        <p:nvPicPr>
-          <p:cNvPr id="5" name="Marcador de contenido 4">
-            <a:extLst>
-              <a:ext uri="{FF2B5EF4-FFF2-40B4-BE49-F238E27FC236}">
-                <a16:creationId xmlns:a16="http://schemas.microsoft.com/office/drawing/2014/main" id="{9B0D167B-94EA-41EB-B48A-761ED88354EB}"/>
-              </a:ext>
-            </a:extLst>
-          </p:cNvPr>
-          <p:cNvPicPr>
-            <a:picLocks noGrp="1" noChangeAspect="1"/>
-          </p:cNvPicPr>
-          <p:nvPr>
-            <p:ph idx="1"/>
-          </p:nvPr>
-        </p:nvPicPr>
-        <p:blipFill>
-          <a:blip r:embed="rId2">
-            <a:extLst>
-              <a:ext uri="{28A0092B-C50C-407E-A947-70E740481C1C}">
-                <a14:useLocalDpi xmlns:a14="http://schemas.microsoft.com/office/drawing/2010/main" val="0"/>
-              </a:ext>
-              <a:ext uri="{96DAC541-7B7A-43D3-8B79-37D633B846F1}">
-                <asvg:svgBlip xmlns:asvg="http://schemas.microsoft.com/office/drawing/2016/SVG/main" r:embed="rId3"/>
-              </a:ext>
-            </a:extLst>
-          </a:blip>
-          <a:stretch>
-            <a:fillRect/>
-          </a:stretch>
-        </p:blipFill>
-        <p:spPr>
-          <a:xfrm>
-            <a:off x="3011714" y="2088809"/>
-            <a:ext cx="6168572" cy="4626429"/>
-          </a:xfrm>
-        </p:spPr>
-      </p:pic>
-      <p:sp>
-        <p:nvSpPr>
-          <p:cNvPr id="2" name="Título 1">
-            <a:extLst>
-              <a:ext uri="{FF2B5EF4-FFF2-40B4-BE49-F238E27FC236}">
-                <a16:creationId xmlns:a16="http://schemas.microsoft.com/office/drawing/2014/main" id="{25068522-B10A-41BC-906C-312C0DD894CB}"/>
-              </a:ext>
-            </a:extLst>
-          </p:cNvPr>
-          <p:cNvSpPr>
-            <a:spLocks noGrp="1"/>
-          </p:cNvSpPr>
-          <p:nvPr>
-            <p:ph type="title"/>
-          </p:nvPr>
-        </p:nvSpPr>
-        <p:spPr/>
-        <p:txBody>
-          <a:bodyPr/>
-          <a:lstStyle/>
-          <a:p>
-            <a:r>
-              <a:rPr lang="es-ES" dirty="0"/>
-              <a:t>Comportamiento </a:t>
-            </a:r>
-            <a:r>
-              <a:rPr lang="es-ES" dirty="0" err="1"/>
-              <a:t>Taboo</a:t>
-            </a:r>
-            <a:endParaRPr lang="es-ES" dirty="0"/>
-          </a:p>
-        </p:txBody>
-      </p:sp>
-    </p:spTree>
-    <p:extLst>
-      <p:ext uri="{BB962C8B-B14F-4D97-AF65-F5344CB8AC3E}">
-        <p14:creationId xmlns:p14="http://schemas.microsoft.com/office/powerpoint/2010/main" val="2137409183"/>
-      </p:ext>
-    </p:extLst>
-  </p:cSld>
-  <p:clrMapOvr>
-    <a:masterClrMapping/>
-  </p:clrMapOvr>
-</p:sld>
-</file>
-
-<file path=ppt/slides/slide17.xml><?xml version="1.0" encoding="utf-8"?>
-<p:sld xmlns:a="http://schemas.openxmlformats.org/drawingml/2006/main" xmlns:r="http://schemas.openxmlformats.org/officeDocument/2006/relationships" xmlns:p="http://schemas.openxmlformats.org/presentationml/2006/main">
-  <p:cSld>
-    <p:spTree>
-      <p:nvGrpSpPr>
-        <p:cNvPr id="1" name=""/>
-        <p:cNvGrpSpPr/>
-        <p:nvPr/>
-      </p:nvGrpSpPr>
-      <p:grpSpPr>
-        <a:xfrm>
-          <a:off x="0" y="0"/>
-          <a:ext cx="0" cy="0"/>
-          <a:chOff x="0" y="0"/>
-          <a:chExt cx="0" cy="0"/>
-        </a:xfrm>
-      </p:grpSpPr>
-      <p:pic>
-        <p:nvPicPr>
-          <p:cNvPr id="5" name="Marcador de contenido 4">
-            <a:extLst>
-              <a:ext uri="{FF2B5EF4-FFF2-40B4-BE49-F238E27FC236}">
-                <a16:creationId xmlns:a16="http://schemas.microsoft.com/office/drawing/2014/main" id="{EAB5D8DE-35C9-4A4B-80DB-93405FC5D617}"/>
-              </a:ext>
-            </a:extLst>
-          </p:cNvPr>
-          <p:cNvPicPr>
-            <a:picLocks noGrp="1" noChangeAspect="1"/>
-          </p:cNvPicPr>
-          <p:nvPr>
-            <p:ph idx="1"/>
-          </p:nvPr>
-        </p:nvPicPr>
-        <p:blipFill>
-          <a:blip r:embed="rId2">
-            <a:extLst>
-              <a:ext uri="{28A0092B-C50C-407E-A947-70E740481C1C}">
-                <a14:useLocalDpi xmlns:a14="http://schemas.microsoft.com/office/drawing/2010/main" val="0"/>
-              </a:ext>
-              <a:ext uri="{96DAC541-7B7A-43D3-8B79-37D633B846F1}">
-                <asvg:svgBlip xmlns:asvg="http://schemas.microsoft.com/office/drawing/2016/SVG/main" r:embed="rId3"/>
-              </a:ext>
-            </a:extLst>
-          </a:blip>
-          <a:stretch>
-            <a:fillRect/>
-          </a:stretch>
-        </p:blipFill>
-        <p:spPr>
-          <a:xfrm>
-            <a:off x="3011714" y="2088809"/>
-            <a:ext cx="6168572" cy="4626429"/>
-          </a:xfrm>
-        </p:spPr>
-      </p:pic>
-      <p:sp>
-        <p:nvSpPr>
-          <p:cNvPr id="2" name="Título 1">
-            <a:extLst>
-              <a:ext uri="{FF2B5EF4-FFF2-40B4-BE49-F238E27FC236}">
-                <a16:creationId xmlns:a16="http://schemas.microsoft.com/office/drawing/2014/main" id="{25068522-B10A-41BC-906C-312C0DD894CB}"/>
-              </a:ext>
-            </a:extLst>
-          </p:cNvPr>
-          <p:cNvSpPr>
-            <a:spLocks noGrp="1"/>
-          </p:cNvSpPr>
-          <p:nvPr>
-            <p:ph type="title"/>
-          </p:nvPr>
-        </p:nvSpPr>
-        <p:spPr/>
-        <p:txBody>
-          <a:bodyPr/>
-          <a:lstStyle/>
-          <a:p>
-            <a:r>
-              <a:rPr lang="es-ES" dirty="0"/>
-              <a:t>Comportamiento </a:t>
-            </a:r>
-            <a:r>
-              <a:rPr lang="es-ES" dirty="0" err="1"/>
-              <a:t>Taboo</a:t>
-            </a:r>
-            <a:endParaRPr lang="es-ES" dirty="0"/>
-          </a:p>
-        </p:txBody>
-      </p:sp>
-    </p:spTree>
-    <p:extLst>
-      <p:ext uri="{BB962C8B-B14F-4D97-AF65-F5344CB8AC3E}">
-        <p14:creationId xmlns:p14="http://schemas.microsoft.com/office/powerpoint/2010/main" val="1870048065"/>
-      </p:ext>
-    </p:extLst>
-  </p:cSld>
-  <p:clrMapOvr>
-    <a:masterClrMapping/>
-  </p:clrMapOvr>
-</p:sld>
-</file>
-
-<file path=ppt/slides/slide18.xml><?xml version="1.0" encoding="utf-8"?>
-<p:sld xmlns:a="http://schemas.openxmlformats.org/drawingml/2006/main" xmlns:r="http://schemas.openxmlformats.org/officeDocument/2006/relationships" xmlns:p="http://schemas.openxmlformats.org/presentationml/2006/main">
-  <p:cSld>
-    <p:spTree>
-      <p:nvGrpSpPr>
-        <p:cNvPr id="1" name=""/>
-        <p:cNvGrpSpPr/>
-        <p:nvPr/>
-      </p:nvGrpSpPr>
-      <p:grpSpPr>
-        <a:xfrm>
-          <a:off x="0" y="0"/>
-          <a:ext cx="0" cy="0"/>
-          <a:chOff x="0" y="0"/>
-          <a:chExt cx="0" cy="0"/>
-        </a:xfrm>
-      </p:grpSpPr>
-      <p:sp>
-        <p:nvSpPr>
-          <p:cNvPr id="2" name="Título 1">
-            <a:extLst>
-              <a:ext uri="{FF2B5EF4-FFF2-40B4-BE49-F238E27FC236}">
                 <a16:creationId xmlns:a16="http://schemas.microsoft.com/office/drawing/2014/main" id="{3EEB9677-ADA3-4FB2-AF76-77AF417D1BB5}"/>
               </a:ext>
             </a:extLst>
@@ -13085,7 +6815,7 @@
         </p:nvSpPr>
         <p:spPr>
           <a:xfrm>
-            <a:off x="854808" y="224066"/>
+            <a:off x="549965" y="212035"/>
             <a:ext cx="10832033" cy="1205603"/>
           </a:xfrm>
         </p:spPr>
@@ -13173,10 +6903,7 @@
             </a:r>
           </a:p>
           <a:p>
-            <a:r>
-              <a:rPr lang="es-ES" dirty="0"/>
-              <a:t>Gráficas</a:t>
-            </a:r>
+            <a:endParaRPr lang="es-ES" dirty="0"/>
           </a:p>
         </p:txBody>
       </p:sp>

--- a/TrabajoSI.pptx
+++ b/TrabajoSI.pptx
@@ -16,7 +16,13 @@
     <p:sldId id="264" r:id="rId10"/>
     <p:sldId id="265" r:id="rId11"/>
     <p:sldId id="266" r:id="rId12"/>
-    <p:sldId id="267" r:id="rId13"/>
+    <p:sldId id="273" r:id="rId13"/>
+    <p:sldId id="274" r:id="rId14"/>
+    <p:sldId id="269" r:id="rId15"/>
+    <p:sldId id="270" r:id="rId16"/>
+    <p:sldId id="271" r:id="rId17"/>
+    <p:sldId id="272" r:id="rId18"/>
+    <p:sldId id="267" r:id="rId19"/>
   </p:sldIdLst>
   <p:sldSz cx="12192000" cy="6858000"/>
   <p:notesSz cx="6858000" cy="9144000"/>
@@ -147,6 +153,16 @@
         <p14:section name="Taboo" id="{A9788806-0641-42F6-A7BC-FFD8E6A3DEDC}">
           <p14:sldIdLst>
             <p14:sldId id="266"/>
+            <p14:sldId id="273"/>
+            <p14:sldId id="274"/>
+          </p14:sldIdLst>
+        </p14:section>
+        <p14:section name="Gráficas" id="{AA121810-8F6C-4A94-A3CB-E10F6B715D80}">
+          <p14:sldIdLst>
+            <p14:sldId id="269"/>
+            <p14:sldId id="270"/>
+            <p14:sldId id="271"/>
+            <p14:sldId id="272"/>
           </p14:sldIdLst>
         </p14:section>
         <p14:section name="GitHub" id="{E67EADC7-8579-42EC-9233-1027EBCEFCD8}">
@@ -6653,12 +6669,31 @@
             <p:ph type="title"/>
           </p:nvPr>
         </p:nvSpPr>
-        <p:spPr/>
+        <p:spPr>
+          <a:xfrm>
+            <a:off x="801288" y="586336"/>
+            <a:ext cx="10571998" cy="970450"/>
+          </a:xfrm>
+        </p:spPr>
         <p:txBody>
           <a:bodyPr/>
           <a:lstStyle/>
           <a:p>
-            <a:endParaRPr lang="es-ES"/>
+            <a:r>
+              <a:rPr lang="es-ES" dirty="0"/>
+              <a:t>Algoritmo de Búsqueda </a:t>
+            </a:r>
+            <a:r>
+              <a:rPr lang="es-ES" dirty="0" err="1"/>
+              <a:t>Taboo</a:t>
+            </a:r>
+            <a:br>
+              <a:rPr lang="es-ES" dirty="0"/>
+            </a:br>
+            <a:r>
+              <a:rPr lang="es-ES" sz="1800" dirty="0"/>
+              <a:t>Parámetros</a:t>
+            </a:r>
           </a:p>
         </p:txBody>
       </p:sp>
@@ -6678,12 +6713,197 @@
             <p:ph idx="1"/>
           </p:nvPr>
         </p:nvSpPr>
-        <p:spPr/>
+        <p:spPr>
+          <a:xfrm>
+            <a:off x="818712" y="2222287"/>
+            <a:ext cx="10554574" cy="4364043"/>
+          </a:xfrm>
+        </p:spPr>
         <p:txBody>
-          <a:bodyPr/>
+          <a:bodyPr>
+            <a:normAutofit fontScale="70000" lnSpcReduction="20000"/>
+          </a:bodyPr>
           <a:lstStyle/>
           <a:p>
-            <a:endParaRPr lang="es-ES"/>
+            <a:r>
+              <a:rPr lang="es-ES" b="1" dirty="0"/>
+              <a:t>Variables de condición</a:t>
+            </a:r>
+          </a:p>
+          <a:p>
+            <a:pPr lvl="1"/>
+            <a:r>
+              <a:rPr lang="en-US" b="1" dirty="0" err="1"/>
+              <a:t>stucked</a:t>
+            </a:r>
+            <a:r>
+              <a:rPr lang="en-US" dirty="0"/>
+              <a:t>: counter of generations where the </a:t>
+            </a:r>
+            <a:r>
+              <a:rPr lang="en-US" dirty="0" err="1"/>
+              <a:t>poblation</a:t>
+            </a:r>
+            <a:r>
+              <a:rPr lang="en-US" dirty="0"/>
+              <a:t> doesn't improve</a:t>
+            </a:r>
+          </a:p>
+          <a:p>
+            <a:pPr lvl="1"/>
+            <a:r>
+              <a:rPr lang="en-US" b="1" dirty="0" err="1"/>
+              <a:t>MAX_itera</a:t>
+            </a:r>
+            <a:r>
+              <a:rPr lang="en-US" dirty="0"/>
+              <a:t>: number of max iterations</a:t>
+            </a:r>
+          </a:p>
+          <a:p>
+            <a:pPr marL="457200" lvl="1" indent="0">
+              <a:buNone/>
+            </a:pPr>
+            <a:endParaRPr lang="es-ES" b="1" dirty="0"/>
+          </a:p>
+          <a:p>
+            <a:r>
+              <a:rPr lang="es-ES" b="1" dirty="0"/>
+              <a:t>Variables de Satélites</a:t>
+            </a:r>
+          </a:p>
+          <a:p>
+            <a:pPr lvl="1"/>
+            <a:r>
+              <a:rPr lang="en-US" b="1" dirty="0" err="1"/>
+              <a:t>matPos</a:t>
+            </a:r>
+            <a:r>
+              <a:rPr lang="en-US" dirty="0"/>
+              <a:t>: matrix of positions</a:t>
+            </a:r>
+          </a:p>
+          <a:p>
+            <a:pPr lvl="1"/>
+            <a:r>
+              <a:rPr lang="en-US" b="1" dirty="0" err="1"/>
+              <a:t>distancias</a:t>
+            </a:r>
+            <a:r>
+              <a:rPr lang="en-US" dirty="0"/>
+              <a:t>: matrix of </a:t>
+            </a:r>
+            <a:r>
+              <a:rPr lang="en-US" dirty="0" err="1"/>
+              <a:t>euclid</a:t>
+            </a:r>
+            <a:r>
+              <a:rPr lang="en-US" dirty="0"/>
+              <a:t> distance of each satellite to each other</a:t>
+            </a:r>
+          </a:p>
+          <a:p>
+            <a:pPr lvl="1"/>
+            <a:r>
+              <a:rPr lang="en-US" b="1" dirty="0" err="1"/>
+              <a:t>NSatels</a:t>
+            </a:r>
+            <a:r>
+              <a:rPr lang="en-US" dirty="0"/>
+              <a:t>: number of satellites (in this case: 500)</a:t>
+            </a:r>
+          </a:p>
+          <a:p>
+            <a:pPr lvl="1"/>
+            <a:r>
+              <a:rPr lang="en-US" b="1" dirty="0" err="1"/>
+              <a:t>NManagers</a:t>
+            </a:r>
+            <a:r>
+              <a:rPr lang="en-US" dirty="0"/>
+              <a:t>: number of representants (in this case: 40)</a:t>
+            </a:r>
+          </a:p>
+          <a:p>
+            <a:pPr lvl="1"/>
+            <a:endParaRPr lang="es-ES" b="1" dirty="0"/>
+          </a:p>
+          <a:p>
+            <a:r>
+              <a:rPr lang="es-ES" b="1" dirty="0"/>
+              <a:t>Variables internas del algoritmo</a:t>
+            </a:r>
+          </a:p>
+          <a:p>
+            <a:pPr lvl="1"/>
+            <a:r>
+              <a:rPr lang="en-US" b="1" dirty="0"/>
+              <a:t>It</a:t>
+            </a:r>
+            <a:r>
+              <a:rPr lang="en-US" dirty="0"/>
+              <a:t>: current iteration</a:t>
+            </a:r>
+          </a:p>
+          <a:p>
+            <a:pPr lvl="1"/>
+            <a:r>
+              <a:rPr lang="en-US" b="1" dirty="0"/>
+              <a:t>current</a:t>
+            </a:r>
+            <a:r>
+              <a:rPr lang="en-US" dirty="0"/>
+              <a:t>: current individual</a:t>
+            </a:r>
+          </a:p>
+          <a:p>
+            <a:pPr lvl="1"/>
+            <a:r>
+              <a:rPr lang="en-US" b="1" dirty="0" err="1"/>
+              <a:t>list_suc</a:t>
+            </a:r>
+            <a:r>
+              <a:rPr lang="en-US" dirty="0"/>
+              <a:t>: successors list</a:t>
+            </a:r>
+          </a:p>
+          <a:p>
+            <a:pPr lvl="1"/>
+            <a:r>
+              <a:rPr lang="en-US" b="1" dirty="0" err="1"/>
+              <a:t>fitOldBest</a:t>
+            </a:r>
+            <a:r>
+              <a:rPr lang="en-US" dirty="0"/>
+              <a:t>: fitness of the last Best </a:t>
+            </a:r>
+            <a:r>
+              <a:rPr lang="en-US" dirty="0" err="1"/>
+              <a:t>inidividual</a:t>
+            </a:r>
+            <a:endParaRPr lang="en-US" dirty="0"/>
+          </a:p>
+          <a:p>
+            <a:pPr lvl="1"/>
+            <a:r>
+              <a:rPr lang="en-US" b="1" dirty="0" err="1"/>
+              <a:t>fitBest</a:t>
+            </a:r>
+            <a:r>
+              <a:rPr lang="en-US" dirty="0"/>
+              <a:t>: fitness of the current Best</a:t>
+            </a:r>
+          </a:p>
+          <a:p>
+            <a:pPr lvl="1"/>
+            <a:r>
+              <a:rPr lang="en-US" b="1" dirty="0" err="1"/>
+              <a:t>TabuList</a:t>
+            </a:r>
+            <a:r>
+              <a:rPr lang="en-US" dirty="0"/>
+              <a:t>: Taboo List</a:t>
+            </a:r>
           </a:p>
         </p:txBody>
       </p:sp>
@@ -6722,6 +6942,6260 @@
           <p:cNvPr id="2" name="Título 1">
             <a:extLst>
               <a:ext uri="{FF2B5EF4-FFF2-40B4-BE49-F238E27FC236}">
+                <a16:creationId xmlns:a16="http://schemas.microsoft.com/office/drawing/2014/main" id="{B68A0CE6-5A67-4FD7-8F82-74DABD0469E9}"/>
+              </a:ext>
+            </a:extLst>
+          </p:cNvPr>
+          <p:cNvSpPr>
+            <a:spLocks noGrp="1"/>
+          </p:cNvSpPr>
+          <p:nvPr>
+            <p:ph type="title"/>
+          </p:nvPr>
+        </p:nvSpPr>
+        <p:spPr/>
+        <p:txBody>
+          <a:bodyPr/>
+          <a:lstStyle/>
+          <a:p>
+            <a:r>
+              <a:rPr lang="es-ES" dirty="0"/>
+              <a:t>Función sucesores</a:t>
+            </a:r>
+          </a:p>
+        </p:txBody>
+      </p:sp>
+      <p:sp>
+        <p:nvSpPr>
+          <p:cNvPr id="6" name="CuadroTexto 5">
+            <a:extLst>
+              <a:ext uri="{FF2B5EF4-FFF2-40B4-BE49-F238E27FC236}">
+                <a16:creationId xmlns:a16="http://schemas.microsoft.com/office/drawing/2014/main" id="{AD9DAC53-7732-4629-B93C-2D645EE24A64}"/>
+              </a:ext>
+            </a:extLst>
+          </p:cNvPr>
+          <p:cNvSpPr txBox="1"/>
+          <p:nvPr/>
+        </p:nvSpPr>
+        <p:spPr>
+          <a:xfrm>
+            <a:off x="1190171" y="2163495"/>
+            <a:ext cx="9826172" cy="4247317"/>
+          </a:xfrm>
+          <a:prstGeom prst="rect">
+            <a:avLst/>
+          </a:prstGeom>
+          <a:noFill/>
+        </p:spPr>
+        <p:txBody>
+          <a:bodyPr wrap="square" rtlCol="0">
+            <a:spAutoFit/>
+          </a:bodyPr>
+          <a:lstStyle/>
+          <a:p>
+            <a:r>
+              <a:rPr lang="es-ES" dirty="0" err="1">
+                <a:solidFill>
+                  <a:srgbClr val="569CD6"/>
+                </a:solidFill>
+                <a:latin typeface="Consolas" panose="020B0609020204030204" pitchFamily="49" charset="0"/>
+              </a:rPr>
+              <a:t>function</a:t>
+            </a:r>
+            <a:r>
+              <a:rPr lang="es-ES" dirty="0">
+                <a:solidFill>
+                  <a:srgbClr val="D4D4D4"/>
+                </a:solidFill>
+                <a:latin typeface="Consolas" panose="020B0609020204030204" pitchFamily="49" charset="0"/>
+              </a:rPr>
+              <a:t> [</a:t>
+            </a:r>
+            <a:r>
+              <a:rPr lang="es-ES" dirty="0" err="1">
+                <a:solidFill>
+                  <a:srgbClr val="9CDCFE"/>
+                </a:solidFill>
+                <a:latin typeface="Consolas" panose="020B0609020204030204" pitchFamily="49" charset="0"/>
+              </a:rPr>
+              <a:t>lista_sucesores</a:t>
+            </a:r>
+            <a:r>
+              <a:rPr lang="es-ES" dirty="0">
+                <a:solidFill>
+                  <a:srgbClr val="D4D4D4"/>
+                </a:solidFill>
+                <a:latin typeface="Consolas" panose="020B0609020204030204" pitchFamily="49" charset="0"/>
+              </a:rPr>
+              <a:t>, </a:t>
+            </a:r>
+            <a:r>
+              <a:rPr lang="es-ES" dirty="0" err="1">
+                <a:solidFill>
+                  <a:srgbClr val="9CDCFE"/>
+                </a:solidFill>
+                <a:latin typeface="Consolas" panose="020B0609020204030204" pitchFamily="49" charset="0"/>
+              </a:rPr>
+              <a:t>posChanged</a:t>
+            </a:r>
+            <a:r>
+              <a:rPr lang="es-ES" dirty="0">
+                <a:solidFill>
+                  <a:srgbClr val="D4D4D4"/>
+                </a:solidFill>
+                <a:latin typeface="Consolas" panose="020B0609020204030204" pitchFamily="49" charset="0"/>
+              </a:rPr>
+              <a:t>] = </a:t>
+            </a:r>
+            <a:r>
+              <a:rPr lang="es-ES" dirty="0">
+                <a:solidFill>
+                  <a:srgbClr val="DCDCAA"/>
+                </a:solidFill>
+                <a:latin typeface="Consolas" panose="020B0609020204030204" pitchFamily="49" charset="0"/>
+              </a:rPr>
+              <a:t>sucesores</a:t>
+            </a:r>
+            <a:r>
+              <a:rPr lang="es-ES" dirty="0">
+                <a:solidFill>
+                  <a:srgbClr val="D4D4D4"/>
+                </a:solidFill>
+                <a:latin typeface="Consolas" panose="020B0609020204030204" pitchFamily="49" charset="0"/>
+              </a:rPr>
+              <a:t>(</a:t>
+            </a:r>
+            <a:r>
+              <a:rPr lang="es-ES" dirty="0">
+                <a:solidFill>
+                  <a:srgbClr val="9CDCFE"/>
+                </a:solidFill>
+                <a:latin typeface="Consolas" panose="020B0609020204030204" pitchFamily="49" charset="0"/>
+              </a:rPr>
+              <a:t>original</a:t>
+            </a:r>
+            <a:r>
+              <a:rPr lang="es-ES" dirty="0">
+                <a:solidFill>
+                  <a:srgbClr val="D4D4D4"/>
+                </a:solidFill>
+                <a:latin typeface="Consolas" panose="020B0609020204030204" pitchFamily="49" charset="0"/>
+              </a:rPr>
+              <a:t>, </a:t>
+            </a:r>
+            <a:r>
+              <a:rPr lang="es-ES" dirty="0">
+                <a:solidFill>
+                  <a:srgbClr val="9CDCFE"/>
+                </a:solidFill>
+                <a:latin typeface="Consolas" panose="020B0609020204030204" pitchFamily="49" charset="0"/>
+              </a:rPr>
+              <a:t>distancias</a:t>
+            </a:r>
+            <a:r>
+              <a:rPr lang="es-ES" dirty="0">
+                <a:solidFill>
+                  <a:srgbClr val="D4D4D4"/>
+                </a:solidFill>
+                <a:latin typeface="Consolas" panose="020B0609020204030204" pitchFamily="49" charset="0"/>
+              </a:rPr>
+              <a:t>)</a:t>
+            </a:r>
+          </a:p>
+          <a:p>
+            <a:br>
+              <a:rPr lang="es-ES" dirty="0">
+                <a:solidFill>
+                  <a:srgbClr val="D4D4D4"/>
+                </a:solidFill>
+                <a:latin typeface="Consolas" panose="020B0609020204030204" pitchFamily="49" charset="0"/>
+              </a:rPr>
+            </a:br>
+            <a:r>
+              <a:rPr lang="es-ES" dirty="0" err="1">
+                <a:solidFill>
+                  <a:srgbClr val="D4D4D4"/>
+                </a:solidFill>
+                <a:latin typeface="Consolas" panose="020B0609020204030204" pitchFamily="49" charset="0"/>
+              </a:rPr>
+              <a:t>lista_sucesores</a:t>
+            </a:r>
+            <a:r>
+              <a:rPr lang="es-ES" dirty="0">
+                <a:solidFill>
+                  <a:srgbClr val="D4D4D4"/>
+                </a:solidFill>
+                <a:latin typeface="Consolas" panose="020B0609020204030204" pitchFamily="49" charset="0"/>
+              </a:rPr>
+              <a:t> = </a:t>
+            </a:r>
+            <a:r>
+              <a:rPr lang="es-ES" dirty="0" err="1">
+                <a:solidFill>
+                  <a:srgbClr val="569CD6"/>
+                </a:solidFill>
+                <a:latin typeface="Consolas" panose="020B0609020204030204" pitchFamily="49" charset="0"/>
+              </a:rPr>
+              <a:t>repmat</a:t>
+            </a:r>
+            <a:r>
+              <a:rPr lang="es-ES" dirty="0">
+                <a:solidFill>
+                  <a:srgbClr val="D4D4D4"/>
+                </a:solidFill>
+                <a:latin typeface="Consolas" panose="020B0609020204030204" pitchFamily="49" charset="0"/>
+              </a:rPr>
+              <a:t>(original, </a:t>
+            </a:r>
+            <a:r>
+              <a:rPr lang="es-ES" dirty="0" err="1">
+                <a:solidFill>
+                  <a:srgbClr val="569CD6"/>
+                </a:solidFill>
+                <a:latin typeface="Consolas" panose="020B0609020204030204" pitchFamily="49" charset="0"/>
+              </a:rPr>
+              <a:t>length</a:t>
+            </a:r>
+            <a:r>
+              <a:rPr lang="es-ES" dirty="0">
+                <a:solidFill>
+                  <a:srgbClr val="D4D4D4"/>
+                </a:solidFill>
+                <a:latin typeface="Consolas" panose="020B0609020204030204" pitchFamily="49" charset="0"/>
+              </a:rPr>
+              <a:t>(original), </a:t>
+            </a:r>
+            <a:r>
+              <a:rPr lang="es-ES" dirty="0">
+                <a:solidFill>
+                  <a:srgbClr val="B5CEA8"/>
+                </a:solidFill>
+                <a:latin typeface="Consolas" panose="020B0609020204030204" pitchFamily="49" charset="0"/>
+              </a:rPr>
+              <a:t>1</a:t>
+            </a:r>
+            <a:r>
+              <a:rPr lang="es-ES" dirty="0">
+                <a:solidFill>
+                  <a:srgbClr val="D4D4D4"/>
+                </a:solidFill>
+                <a:latin typeface="Consolas" panose="020B0609020204030204" pitchFamily="49" charset="0"/>
+              </a:rPr>
+              <a:t>);</a:t>
+            </a:r>
+          </a:p>
+          <a:p>
+            <a:r>
+              <a:rPr lang="es-ES" dirty="0">
+                <a:solidFill>
+                  <a:srgbClr val="D4D4D4"/>
+                </a:solidFill>
+                <a:latin typeface="Consolas" panose="020B0609020204030204" pitchFamily="49" charset="0"/>
+              </a:rPr>
+              <a:t>diagonal = </a:t>
+            </a:r>
+            <a:r>
+              <a:rPr lang="es-ES" dirty="0" err="1">
+                <a:solidFill>
+                  <a:srgbClr val="D4D4D4"/>
+                </a:solidFill>
+                <a:latin typeface="Consolas" panose="020B0609020204030204" pitchFamily="49" charset="0"/>
+              </a:rPr>
+              <a:t>lista_sucesores</a:t>
+            </a:r>
+            <a:r>
+              <a:rPr lang="es-ES" dirty="0">
+                <a:solidFill>
+                  <a:srgbClr val="D4D4D4"/>
+                </a:solidFill>
+                <a:latin typeface="Consolas" panose="020B0609020204030204" pitchFamily="49" charset="0"/>
+              </a:rPr>
+              <a:t>(</a:t>
+            </a:r>
+            <a:r>
+              <a:rPr lang="es-ES" dirty="0" err="1">
+                <a:solidFill>
+                  <a:srgbClr val="569CD6"/>
+                </a:solidFill>
+                <a:latin typeface="Consolas" panose="020B0609020204030204" pitchFamily="49" charset="0"/>
+              </a:rPr>
+              <a:t>logical</a:t>
+            </a:r>
+            <a:r>
+              <a:rPr lang="es-ES" dirty="0">
+                <a:solidFill>
+                  <a:srgbClr val="D4D4D4"/>
+                </a:solidFill>
+                <a:latin typeface="Consolas" panose="020B0609020204030204" pitchFamily="49" charset="0"/>
+              </a:rPr>
+              <a:t>(</a:t>
+            </a:r>
+            <a:r>
+              <a:rPr lang="es-ES" dirty="0" err="1">
+                <a:solidFill>
+                  <a:srgbClr val="569CD6"/>
+                </a:solidFill>
+                <a:latin typeface="Consolas" panose="020B0609020204030204" pitchFamily="49" charset="0"/>
+              </a:rPr>
+              <a:t>eye</a:t>
+            </a:r>
+            <a:r>
+              <a:rPr lang="es-ES" dirty="0">
+                <a:solidFill>
+                  <a:srgbClr val="D4D4D4"/>
+                </a:solidFill>
+                <a:latin typeface="Consolas" panose="020B0609020204030204" pitchFamily="49" charset="0"/>
+              </a:rPr>
+              <a:t>(</a:t>
+            </a:r>
+            <a:r>
+              <a:rPr lang="es-ES" dirty="0" err="1">
+                <a:solidFill>
+                  <a:srgbClr val="569CD6"/>
+                </a:solidFill>
+                <a:latin typeface="Consolas" panose="020B0609020204030204" pitchFamily="49" charset="0"/>
+              </a:rPr>
+              <a:t>length</a:t>
+            </a:r>
+            <a:r>
+              <a:rPr lang="es-ES" dirty="0">
+                <a:solidFill>
+                  <a:srgbClr val="D4D4D4"/>
+                </a:solidFill>
+                <a:latin typeface="Consolas" panose="020B0609020204030204" pitchFamily="49" charset="0"/>
+              </a:rPr>
+              <a:t>(original))));</a:t>
+            </a:r>
+          </a:p>
+          <a:p>
+            <a:r>
+              <a:rPr lang="es-ES" dirty="0" err="1">
+                <a:solidFill>
+                  <a:srgbClr val="D4D4D4"/>
+                </a:solidFill>
+                <a:latin typeface="Consolas" panose="020B0609020204030204" pitchFamily="49" charset="0"/>
+              </a:rPr>
+              <a:t>lista_sucesores</a:t>
+            </a:r>
+            <a:r>
+              <a:rPr lang="es-ES" dirty="0">
+                <a:solidFill>
+                  <a:srgbClr val="D4D4D4"/>
+                </a:solidFill>
+                <a:latin typeface="Consolas" panose="020B0609020204030204" pitchFamily="49" charset="0"/>
+              </a:rPr>
+              <a:t>(</a:t>
+            </a:r>
+            <a:r>
+              <a:rPr lang="es-ES" dirty="0" err="1">
+                <a:solidFill>
+                  <a:srgbClr val="569CD6"/>
+                </a:solidFill>
+                <a:latin typeface="Consolas" panose="020B0609020204030204" pitchFamily="49" charset="0"/>
+              </a:rPr>
+              <a:t>logical</a:t>
+            </a:r>
+            <a:r>
+              <a:rPr lang="es-ES" dirty="0">
+                <a:solidFill>
+                  <a:srgbClr val="D4D4D4"/>
+                </a:solidFill>
+                <a:latin typeface="Consolas" panose="020B0609020204030204" pitchFamily="49" charset="0"/>
+              </a:rPr>
+              <a:t>(</a:t>
+            </a:r>
+            <a:r>
+              <a:rPr lang="es-ES" dirty="0" err="1">
+                <a:solidFill>
+                  <a:srgbClr val="569CD6"/>
+                </a:solidFill>
+                <a:latin typeface="Consolas" panose="020B0609020204030204" pitchFamily="49" charset="0"/>
+              </a:rPr>
+              <a:t>eye</a:t>
+            </a:r>
+            <a:r>
+              <a:rPr lang="es-ES" dirty="0">
+                <a:solidFill>
+                  <a:srgbClr val="D4D4D4"/>
+                </a:solidFill>
+                <a:latin typeface="Consolas" panose="020B0609020204030204" pitchFamily="49" charset="0"/>
+              </a:rPr>
+              <a:t>(</a:t>
+            </a:r>
+            <a:r>
+              <a:rPr lang="es-ES" dirty="0" err="1">
+                <a:solidFill>
+                  <a:srgbClr val="569CD6"/>
+                </a:solidFill>
+                <a:latin typeface="Consolas" panose="020B0609020204030204" pitchFamily="49" charset="0"/>
+              </a:rPr>
+              <a:t>length</a:t>
+            </a:r>
+            <a:r>
+              <a:rPr lang="es-ES" dirty="0">
+                <a:solidFill>
+                  <a:srgbClr val="D4D4D4"/>
+                </a:solidFill>
+                <a:latin typeface="Consolas" panose="020B0609020204030204" pitchFamily="49" charset="0"/>
+              </a:rPr>
+              <a:t>(original)))) = original(</a:t>
+            </a:r>
+            <a:r>
+              <a:rPr lang="es-ES" dirty="0">
+                <a:solidFill>
+                  <a:srgbClr val="B5CEA8"/>
+                </a:solidFill>
+                <a:latin typeface="Consolas" panose="020B0609020204030204" pitchFamily="49" charset="0"/>
+              </a:rPr>
+              <a:t>1</a:t>
+            </a:r>
+            <a:r>
+              <a:rPr lang="es-ES" dirty="0">
+                <a:solidFill>
+                  <a:srgbClr val="D4D4D4"/>
+                </a:solidFill>
+                <a:latin typeface="Consolas" panose="020B0609020204030204" pitchFamily="49" charset="0"/>
+              </a:rPr>
+              <a:t>);</a:t>
+            </a:r>
+          </a:p>
+          <a:p>
+            <a:r>
+              <a:rPr lang="es-ES" dirty="0" err="1">
+                <a:solidFill>
+                  <a:srgbClr val="D4D4D4"/>
+                </a:solidFill>
+                <a:latin typeface="Consolas" panose="020B0609020204030204" pitchFamily="49" charset="0"/>
+              </a:rPr>
+              <a:t>lista_sucesores</a:t>
+            </a:r>
+            <a:r>
+              <a:rPr lang="es-ES" dirty="0">
+                <a:solidFill>
+                  <a:srgbClr val="D4D4D4"/>
+                </a:solidFill>
+                <a:latin typeface="Consolas" panose="020B0609020204030204" pitchFamily="49" charset="0"/>
+              </a:rPr>
+              <a:t>(:,</a:t>
+            </a:r>
+            <a:r>
+              <a:rPr lang="es-ES" dirty="0">
+                <a:solidFill>
+                  <a:srgbClr val="B5CEA8"/>
+                </a:solidFill>
+                <a:latin typeface="Consolas" panose="020B0609020204030204" pitchFamily="49" charset="0"/>
+              </a:rPr>
+              <a:t>1</a:t>
+            </a:r>
+            <a:r>
+              <a:rPr lang="es-ES" dirty="0">
+                <a:solidFill>
+                  <a:srgbClr val="D4D4D4"/>
+                </a:solidFill>
+                <a:latin typeface="Consolas" panose="020B0609020204030204" pitchFamily="49" charset="0"/>
+              </a:rPr>
+              <a:t>) = diagonal;</a:t>
+            </a:r>
+          </a:p>
+          <a:p>
+            <a:r>
+              <a:rPr lang="es-ES" dirty="0" err="1">
+                <a:solidFill>
+                  <a:srgbClr val="D4D4D4"/>
+                </a:solidFill>
+                <a:latin typeface="Consolas" panose="020B0609020204030204" pitchFamily="49" charset="0"/>
+              </a:rPr>
+              <a:t>lista_sucesores</a:t>
+            </a:r>
+            <a:r>
+              <a:rPr lang="es-ES" dirty="0">
+                <a:solidFill>
+                  <a:srgbClr val="D4D4D4"/>
+                </a:solidFill>
+                <a:latin typeface="Consolas" panose="020B0609020204030204" pitchFamily="49" charset="0"/>
+              </a:rPr>
+              <a:t> = </a:t>
+            </a:r>
+            <a:r>
+              <a:rPr lang="es-ES" dirty="0" err="1">
+                <a:solidFill>
+                  <a:srgbClr val="569CD6"/>
+                </a:solidFill>
+                <a:latin typeface="Consolas" panose="020B0609020204030204" pitchFamily="49" charset="0"/>
+              </a:rPr>
+              <a:t>double</a:t>
+            </a:r>
+            <a:r>
+              <a:rPr lang="es-ES" dirty="0">
+                <a:solidFill>
+                  <a:srgbClr val="D4D4D4"/>
+                </a:solidFill>
+                <a:latin typeface="Consolas" panose="020B0609020204030204" pitchFamily="49" charset="0"/>
+              </a:rPr>
+              <a:t>(</a:t>
+            </a:r>
+            <a:r>
+              <a:rPr lang="es-ES" dirty="0" err="1">
+                <a:solidFill>
+                  <a:srgbClr val="D4D4D4"/>
+                </a:solidFill>
+                <a:latin typeface="Consolas" panose="020B0609020204030204" pitchFamily="49" charset="0"/>
+              </a:rPr>
+              <a:t>unique</a:t>
+            </a:r>
+            <a:r>
+              <a:rPr lang="es-ES" dirty="0">
+                <a:solidFill>
+                  <a:srgbClr val="D4D4D4"/>
+                </a:solidFill>
+                <a:latin typeface="Consolas" panose="020B0609020204030204" pitchFamily="49" charset="0"/>
+              </a:rPr>
+              <a:t>(lista_sucesores,</a:t>
+            </a:r>
+            <a:r>
+              <a:rPr lang="es-ES" dirty="0">
+                <a:solidFill>
+                  <a:srgbClr val="CE9178"/>
+                </a:solidFill>
+                <a:latin typeface="Consolas" panose="020B0609020204030204" pitchFamily="49" charset="0"/>
+              </a:rPr>
+              <a:t>'</a:t>
+            </a:r>
+            <a:r>
+              <a:rPr lang="es-ES" dirty="0" err="1">
+                <a:solidFill>
+                  <a:srgbClr val="CE9178"/>
+                </a:solidFill>
+                <a:latin typeface="Consolas" panose="020B0609020204030204" pitchFamily="49" charset="0"/>
+              </a:rPr>
+              <a:t>rows</a:t>
+            </a:r>
+            <a:r>
+              <a:rPr lang="es-ES" dirty="0">
+                <a:solidFill>
+                  <a:srgbClr val="CE9178"/>
+                </a:solidFill>
+                <a:latin typeface="Consolas" panose="020B0609020204030204" pitchFamily="49" charset="0"/>
+              </a:rPr>
+              <a:t>'</a:t>
+            </a:r>
+            <a:r>
+              <a:rPr lang="es-ES" dirty="0">
+                <a:solidFill>
+                  <a:srgbClr val="D4D4D4"/>
+                </a:solidFill>
+                <a:latin typeface="Consolas" panose="020B0609020204030204" pitchFamily="49" charset="0"/>
+              </a:rPr>
+              <a:t>));</a:t>
+            </a:r>
+          </a:p>
+          <a:p>
+            <a:br>
+              <a:rPr lang="es-ES" dirty="0">
+                <a:solidFill>
+                  <a:srgbClr val="D4D4D4"/>
+                </a:solidFill>
+                <a:latin typeface="Consolas" panose="020B0609020204030204" pitchFamily="49" charset="0"/>
+              </a:rPr>
+            </a:br>
+            <a:r>
+              <a:rPr lang="es-ES" dirty="0" err="1">
+                <a:solidFill>
+                  <a:srgbClr val="D4D4D4"/>
+                </a:solidFill>
+                <a:latin typeface="Consolas" panose="020B0609020204030204" pitchFamily="49" charset="0"/>
+              </a:rPr>
+              <a:t>lista_sucesores</a:t>
+            </a:r>
+            <a:r>
+              <a:rPr lang="es-ES" dirty="0">
+                <a:solidFill>
+                  <a:srgbClr val="D4D4D4"/>
+                </a:solidFill>
+                <a:latin typeface="Consolas" panose="020B0609020204030204" pitchFamily="49" charset="0"/>
+              </a:rPr>
+              <a:t>(:,end+</a:t>
+            </a:r>
+            <a:r>
+              <a:rPr lang="es-ES" dirty="0">
+                <a:solidFill>
+                  <a:srgbClr val="B5CEA8"/>
+                </a:solidFill>
+                <a:latin typeface="Consolas" panose="020B0609020204030204" pitchFamily="49" charset="0"/>
+              </a:rPr>
+              <a:t>1</a:t>
+            </a:r>
+            <a:r>
+              <a:rPr lang="es-ES" dirty="0">
+                <a:solidFill>
+                  <a:srgbClr val="D4D4D4"/>
+                </a:solidFill>
+                <a:latin typeface="Consolas" panose="020B0609020204030204" pitchFamily="49" charset="0"/>
+              </a:rPr>
+              <a:t>) = </a:t>
+            </a:r>
+            <a:r>
+              <a:rPr lang="es-ES" dirty="0" err="1">
+                <a:solidFill>
+                  <a:srgbClr val="D4D4D4"/>
+                </a:solidFill>
+                <a:latin typeface="Consolas" panose="020B0609020204030204" pitchFamily="49" charset="0"/>
+              </a:rPr>
+              <a:t>EvaluaPoblacion_Satels</a:t>
+            </a:r>
+            <a:r>
+              <a:rPr lang="es-ES" dirty="0">
+                <a:solidFill>
+                  <a:srgbClr val="D4D4D4"/>
+                </a:solidFill>
+                <a:latin typeface="Consolas" panose="020B0609020204030204" pitchFamily="49" charset="0"/>
+              </a:rPr>
+              <a:t>(</a:t>
+            </a:r>
+            <a:r>
+              <a:rPr lang="es-ES" dirty="0" err="1">
+                <a:solidFill>
+                  <a:srgbClr val="D4D4D4"/>
+                </a:solidFill>
+                <a:latin typeface="Consolas" panose="020B0609020204030204" pitchFamily="49" charset="0"/>
+              </a:rPr>
+              <a:t>lista_sucesores</a:t>
+            </a:r>
+            <a:r>
+              <a:rPr lang="es-ES" dirty="0">
+                <a:solidFill>
+                  <a:srgbClr val="D4D4D4"/>
+                </a:solidFill>
+                <a:latin typeface="Consolas" panose="020B0609020204030204" pitchFamily="49" charset="0"/>
+              </a:rPr>
+              <a:t>, distancias);</a:t>
+            </a:r>
+          </a:p>
+          <a:p>
+            <a:br>
+              <a:rPr lang="es-ES" dirty="0">
+                <a:solidFill>
+                  <a:srgbClr val="D4D4D4"/>
+                </a:solidFill>
+                <a:latin typeface="Consolas" panose="020B0609020204030204" pitchFamily="49" charset="0"/>
+              </a:rPr>
+            </a:br>
+            <a:r>
+              <a:rPr lang="es-ES" dirty="0">
+                <a:solidFill>
+                  <a:srgbClr val="D4D4D4"/>
+                </a:solidFill>
+                <a:latin typeface="Consolas" panose="020B0609020204030204" pitchFamily="49" charset="0"/>
+              </a:rPr>
+              <a:t>[</a:t>
+            </a:r>
+            <a:r>
+              <a:rPr lang="es-ES" dirty="0" err="1">
+                <a:solidFill>
+                  <a:srgbClr val="D4D4D4"/>
+                </a:solidFill>
+                <a:latin typeface="Consolas" panose="020B0609020204030204" pitchFamily="49" charset="0"/>
+              </a:rPr>
+              <a:t>lista_sucesores</a:t>
+            </a:r>
+            <a:r>
+              <a:rPr lang="es-ES" dirty="0">
+                <a:solidFill>
+                  <a:srgbClr val="D4D4D4"/>
+                </a:solidFill>
+                <a:latin typeface="Consolas" panose="020B0609020204030204" pitchFamily="49" charset="0"/>
+              </a:rPr>
+              <a:t> , </a:t>
+            </a:r>
+            <a:r>
+              <a:rPr lang="es-ES" dirty="0" err="1">
+                <a:solidFill>
+                  <a:srgbClr val="D4D4D4"/>
+                </a:solidFill>
+                <a:latin typeface="Consolas" panose="020B0609020204030204" pitchFamily="49" charset="0"/>
+              </a:rPr>
+              <a:t>posChanged</a:t>
+            </a:r>
+            <a:r>
+              <a:rPr lang="es-ES" dirty="0">
+                <a:solidFill>
+                  <a:srgbClr val="D4D4D4"/>
+                </a:solidFill>
+                <a:latin typeface="Consolas" panose="020B0609020204030204" pitchFamily="49" charset="0"/>
+              </a:rPr>
+              <a:t>] = </a:t>
+            </a:r>
+            <a:r>
+              <a:rPr lang="es-ES" dirty="0" err="1">
+                <a:solidFill>
+                  <a:srgbClr val="569CD6"/>
+                </a:solidFill>
+                <a:latin typeface="Consolas" panose="020B0609020204030204" pitchFamily="49" charset="0"/>
+              </a:rPr>
+              <a:t>sortrows</a:t>
+            </a:r>
+            <a:r>
+              <a:rPr lang="es-ES" dirty="0">
+                <a:solidFill>
+                  <a:srgbClr val="D4D4D4"/>
+                </a:solidFill>
+                <a:latin typeface="Consolas" panose="020B0609020204030204" pitchFamily="49" charset="0"/>
+              </a:rPr>
+              <a:t>(</a:t>
+            </a:r>
+            <a:r>
+              <a:rPr lang="es-ES" dirty="0" err="1">
+                <a:solidFill>
+                  <a:srgbClr val="D4D4D4"/>
+                </a:solidFill>
+                <a:latin typeface="Consolas" panose="020B0609020204030204" pitchFamily="49" charset="0"/>
+              </a:rPr>
+              <a:t>lista_sucesores</a:t>
+            </a:r>
+            <a:r>
+              <a:rPr lang="es-ES" dirty="0">
+                <a:solidFill>
+                  <a:srgbClr val="D4D4D4"/>
+                </a:solidFill>
+                <a:latin typeface="Consolas" panose="020B0609020204030204" pitchFamily="49" charset="0"/>
+              </a:rPr>
+              <a:t>, </a:t>
+            </a:r>
+            <a:r>
+              <a:rPr lang="es-ES" dirty="0" err="1">
+                <a:solidFill>
+                  <a:srgbClr val="569CD6"/>
+                </a:solidFill>
+                <a:latin typeface="Consolas" panose="020B0609020204030204" pitchFamily="49" charset="0"/>
+              </a:rPr>
+              <a:t>size</a:t>
+            </a:r>
+            <a:r>
+              <a:rPr lang="es-ES" dirty="0">
+                <a:solidFill>
+                  <a:srgbClr val="D4D4D4"/>
+                </a:solidFill>
+                <a:latin typeface="Consolas" panose="020B0609020204030204" pitchFamily="49" charset="0"/>
+              </a:rPr>
+              <a:t>(lista_sucesores,</a:t>
+            </a:r>
+            <a:r>
+              <a:rPr lang="es-ES" dirty="0">
+                <a:solidFill>
+                  <a:srgbClr val="B5CEA8"/>
+                </a:solidFill>
+                <a:latin typeface="Consolas" panose="020B0609020204030204" pitchFamily="49" charset="0"/>
+              </a:rPr>
+              <a:t>2</a:t>
+            </a:r>
+            <a:r>
+              <a:rPr lang="es-ES" dirty="0">
+                <a:solidFill>
+                  <a:srgbClr val="D4D4D4"/>
+                </a:solidFill>
+                <a:latin typeface="Consolas" panose="020B0609020204030204" pitchFamily="49" charset="0"/>
+              </a:rPr>
+              <a:t>));</a:t>
+            </a:r>
+          </a:p>
+          <a:p>
+            <a:r>
+              <a:rPr lang="es-ES" dirty="0" err="1">
+                <a:solidFill>
+                  <a:srgbClr val="D4D4D4"/>
+                </a:solidFill>
+                <a:latin typeface="Consolas" panose="020B0609020204030204" pitchFamily="49" charset="0"/>
+              </a:rPr>
+              <a:t>lista_sucesores</a:t>
+            </a:r>
+            <a:r>
+              <a:rPr lang="es-ES" dirty="0">
+                <a:solidFill>
+                  <a:srgbClr val="D4D4D4"/>
+                </a:solidFill>
+                <a:latin typeface="Consolas" panose="020B0609020204030204" pitchFamily="49" charset="0"/>
+              </a:rPr>
+              <a:t> = </a:t>
+            </a:r>
+            <a:r>
+              <a:rPr lang="es-ES" dirty="0" err="1">
+                <a:solidFill>
+                  <a:srgbClr val="569CD6"/>
+                </a:solidFill>
+                <a:latin typeface="Consolas" panose="020B0609020204030204" pitchFamily="49" charset="0"/>
+              </a:rPr>
+              <a:t>logical</a:t>
+            </a:r>
+            <a:r>
+              <a:rPr lang="es-ES" dirty="0">
+                <a:solidFill>
+                  <a:srgbClr val="D4D4D4"/>
+                </a:solidFill>
+                <a:latin typeface="Consolas" panose="020B0609020204030204" pitchFamily="49" charset="0"/>
+              </a:rPr>
+              <a:t>(</a:t>
+            </a:r>
+            <a:r>
+              <a:rPr lang="es-ES" dirty="0" err="1">
+                <a:solidFill>
+                  <a:srgbClr val="D4D4D4"/>
+                </a:solidFill>
+                <a:latin typeface="Consolas" panose="020B0609020204030204" pitchFamily="49" charset="0"/>
+              </a:rPr>
+              <a:t>lista_sucesores</a:t>
+            </a:r>
+            <a:r>
+              <a:rPr lang="es-ES" dirty="0">
+                <a:solidFill>
+                  <a:srgbClr val="D4D4D4"/>
+                </a:solidFill>
+                <a:latin typeface="Consolas" panose="020B0609020204030204" pitchFamily="49" charset="0"/>
+              </a:rPr>
+              <a:t>(:,</a:t>
+            </a:r>
+            <a:r>
+              <a:rPr lang="es-ES" dirty="0">
+                <a:solidFill>
+                  <a:srgbClr val="B5CEA8"/>
+                </a:solidFill>
+                <a:latin typeface="Consolas" panose="020B0609020204030204" pitchFamily="49" charset="0"/>
+              </a:rPr>
+              <a:t>1</a:t>
+            </a:r>
+            <a:r>
+              <a:rPr lang="es-ES" dirty="0">
+                <a:solidFill>
+                  <a:srgbClr val="D4D4D4"/>
+                </a:solidFill>
+                <a:latin typeface="Consolas" panose="020B0609020204030204" pitchFamily="49" charset="0"/>
+              </a:rPr>
+              <a:t>:end-</a:t>
+            </a:r>
+            <a:r>
+              <a:rPr lang="es-ES" dirty="0">
+                <a:solidFill>
+                  <a:srgbClr val="B5CEA8"/>
+                </a:solidFill>
+                <a:latin typeface="Consolas" panose="020B0609020204030204" pitchFamily="49" charset="0"/>
+              </a:rPr>
+              <a:t>1</a:t>
+            </a:r>
+            <a:r>
+              <a:rPr lang="es-ES" dirty="0">
+                <a:solidFill>
+                  <a:srgbClr val="D4D4D4"/>
+                </a:solidFill>
+                <a:latin typeface="Consolas" panose="020B0609020204030204" pitchFamily="49" charset="0"/>
+              </a:rPr>
+              <a:t>));</a:t>
+            </a:r>
+          </a:p>
+          <a:p>
+            <a:r>
+              <a:rPr lang="es-ES" dirty="0" err="1">
+                <a:solidFill>
+                  <a:srgbClr val="C586C0"/>
+                </a:solidFill>
+                <a:latin typeface="Consolas" panose="020B0609020204030204" pitchFamily="49" charset="0"/>
+              </a:rPr>
+              <a:t>end</a:t>
+            </a:r>
+            <a:endParaRPr lang="es-ES" dirty="0">
+              <a:solidFill>
+                <a:srgbClr val="C586C0"/>
+              </a:solidFill>
+              <a:latin typeface="Consolas" panose="020B0609020204030204" pitchFamily="49" charset="0"/>
+            </a:endParaRPr>
+          </a:p>
+        </p:txBody>
+      </p:sp>
+    </p:spTree>
+    <p:extLst>
+      <p:ext uri="{BB962C8B-B14F-4D97-AF65-F5344CB8AC3E}">
+        <p14:creationId xmlns:p14="http://schemas.microsoft.com/office/powerpoint/2010/main" val="3948555450"/>
+      </p:ext>
+    </p:extLst>
+  </p:cSld>
+  <p:clrMapOvr>
+    <a:masterClrMapping/>
+  </p:clrMapOvr>
+</p:sld>
+</file>
+
+<file path=ppt/slides/slide13.xml><?xml version="1.0" encoding="utf-8"?>
+<p:sld xmlns:a="http://schemas.openxmlformats.org/drawingml/2006/main" xmlns:r="http://schemas.openxmlformats.org/officeDocument/2006/relationships" xmlns:p="http://schemas.openxmlformats.org/presentationml/2006/main">
+  <p:cSld>
+    <p:spTree>
+      <p:nvGrpSpPr>
+        <p:cNvPr id="1" name=""/>
+        <p:cNvGrpSpPr/>
+        <p:nvPr/>
+      </p:nvGrpSpPr>
+      <p:grpSpPr>
+        <a:xfrm>
+          <a:off x="0" y="0"/>
+          <a:ext cx="0" cy="0"/>
+          <a:chOff x="0" y="0"/>
+          <a:chExt cx="0" cy="0"/>
+        </a:xfrm>
+      </p:grpSpPr>
+      <p:sp>
+        <p:nvSpPr>
+          <p:cNvPr id="2" name="Título 1">
+            <a:extLst>
+              <a:ext uri="{FF2B5EF4-FFF2-40B4-BE49-F238E27FC236}">
+                <a16:creationId xmlns:a16="http://schemas.microsoft.com/office/drawing/2014/main" id="{B68A0CE6-5A67-4FD7-8F82-74DABD0469E9}"/>
+              </a:ext>
+            </a:extLst>
+          </p:cNvPr>
+          <p:cNvSpPr>
+            <a:spLocks noGrp="1"/>
+          </p:cNvSpPr>
+          <p:nvPr>
+            <p:ph type="title"/>
+          </p:nvPr>
+        </p:nvSpPr>
+        <p:spPr/>
+        <p:txBody>
+          <a:bodyPr/>
+          <a:lstStyle/>
+          <a:p>
+            <a:r>
+              <a:rPr lang="es-ES" dirty="0"/>
+              <a:t>Función sucesores</a:t>
+            </a:r>
+          </a:p>
+        </p:txBody>
+      </p:sp>
+      <p:sp>
+        <p:nvSpPr>
+          <p:cNvPr id="5" name="Rectángulo 4">
+            <a:extLst>
+              <a:ext uri="{FF2B5EF4-FFF2-40B4-BE49-F238E27FC236}">
+                <a16:creationId xmlns:a16="http://schemas.microsoft.com/office/drawing/2014/main" id="{CC44A865-A7E2-457E-BA93-420DE52A28E7}"/>
+              </a:ext>
+            </a:extLst>
+          </p:cNvPr>
+          <p:cNvSpPr/>
+          <p:nvPr/>
+        </p:nvSpPr>
+        <p:spPr>
+          <a:xfrm>
+            <a:off x="4362561" y="2720009"/>
+            <a:ext cx="2913269" cy="708991"/>
+          </a:xfrm>
+          <a:prstGeom prst="rect">
+            <a:avLst/>
+          </a:prstGeom>
+          <a:solidFill>
+            <a:schemeClr val="tx1"/>
+          </a:solidFill>
+          <a:ln>
+            <a:solidFill>
+              <a:schemeClr val="accent1">
+                <a:lumMod val="40000"/>
+                <a:lumOff val="60000"/>
+              </a:schemeClr>
+            </a:solidFill>
+          </a:ln>
+        </p:spPr>
+        <p:style>
+          <a:lnRef idx="2">
+            <a:schemeClr val="accent6"/>
+          </a:lnRef>
+          <a:fillRef idx="1">
+            <a:schemeClr val="lt1"/>
+          </a:fillRef>
+          <a:effectRef idx="0">
+            <a:schemeClr val="accent6"/>
+          </a:effectRef>
+          <a:fontRef idx="minor">
+            <a:schemeClr val="dk1"/>
+          </a:fontRef>
+        </p:style>
+        <p:txBody>
+          <a:bodyPr rtlCol="0" anchor="ctr"/>
+          <a:lstStyle/>
+          <a:p>
+            <a:pPr algn="ctr"/>
+            <a:endParaRPr lang="es-ES" dirty="0"/>
+          </a:p>
+        </p:txBody>
+      </p:sp>
+      <p:cxnSp>
+        <p:nvCxnSpPr>
+          <p:cNvPr id="7" name="Conector recto 6">
+            <a:extLst>
+              <a:ext uri="{FF2B5EF4-FFF2-40B4-BE49-F238E27FC236}">
+                <a16:creationId xmlns:a16="http://schemas.microsoft.com/office/drawing/2014/main" id="{B7BD4846-5A46-411B-B065-E3C1FFFDA699}"/>
+              </a:ext>
+            </a:extLst>
+          </p:cNvPr>
+          <p:cNvCxnSpPr/>
+          <p:nvPr/>
+        </p:nvCxnSpPr>
+        <p:spPr>
+          <a:xfrm>
+            <a:off x="5124560" y="2720009"/>
+            <a:ext cx="0" cy="708991"/>
+          </a:xfrm>
+          <a:prstGeom prst="line">
+            <a:avLst/>
+          </a:prstGeom>
+          <a:ln w="28575"/>
+        </p:spPr>
+        <p:style>
+          <a:lnRef idx="1">
+            <a:schemeClr val="dk1"/>
+          </a:lnRef>
+          <a:fillRef idx="0">
+            <a:schemeClr val="dk1"/>
+          </a:fillRef>
+          <a:effectRef idx="0">
+            <a:schemeClr val="dk1"/>
+          </a:effectRef>
+          <a:fontRef idx="minor">
+            <a:schemeClr val="tx1"/>
+          </a:fontRef>
+        </p:style>
+      </p:cxnSp>
+      <p:cxnSp>
+        <p:nvCxnSpPr>
+          <p:cNvPr id="8" name="Conector recto 7">
+            <a:extLst>
+              <a:ext uri="{FF2B5EF4-FFF2-40B4-BE49-F238E27FC236}">
+                <a16:creationId xmlns:a16="http://schemas.microsoft.com/office/drawing/2014/main" id="{B0A31AFB-1CE5-4547-82DB-F74E6B5BA1A0}"/>
+              </a:ext>
+            </a:extLst>
+          </p:cNvPr>
+          <p:cNvCxnSpPr/>
+          <p:nvPr/>
+        </p:nvCxnSpPr>
+        <p:spPr>
+          <a:xfrm>
+            <a:off x="5873308" y="2720009"/>
+            <a:ext cx="0" cy="708991"/>
+          </a:xfrm>
+          <a:prstGeom prst="line">
+            <a:avLst/>
+          </a:prstGeom>
+          <a:ln w="28575"/>
+        </p:spPr>
+        <p:style>
+          <a:lnRef idx="1">
+            <a:schemeClr val="dk1"/>
+          </a:lnRef>
+          <a:fillRef idx="0">
+            <a:schemeClr val="dk1"/>
+          </a:fillRef>
+          <a:effectRef idx="0">
+            <a:schemeClr val="dk1"/>
+          </a:effectRef>
+          <a:fontRef idx="minor">
+            <a:schemeClr val="tx1"/>
+          </a:fontRef>
+        </p:style>
+      </p:cxnSp>
+      <p:cxnSp>
+        <p:nvCxnSpPr>
+          <p:cNvPr id="9" name="Conector recto 8">
+            <a:extLst>
+              <a:ext uri="{FF2B5EF4-FFF2-40B4-BE49-F238E27FC236}">
+                <a16:creationId xmlns:a16="http://schemas.microsoft.com/office/drawing/2014/main" id="{F6D2FAF9-8057-4D67-AA82-CFE69D81FD47}"/>
+              </a:ext>
+            </a:extLst>
+          </p:cNvPr>
+          <p:cNvCxnSpPr/>
+          <p:nvPr/>
+        </p:nvCxnSpPr>
+        <p:spPr>
+          <a:xfrm>
+            <a:off x="6608804" y="2720009"/>
+            <a:ext cx="0" cy="708991"/>
+          </a:xfrm>
+          <a:prstGeom prst="line">
+            <a:avLst/>
+          </a:prstGeom>
+          <a:ln w="28575"/>
+        </p:spPr>
+        <p:style>
+          <a:lnRef idx="1">
+            <a:schemeClr val="dk1"/>
+          </a:lnRef>
+          <a:fillRef idx="0">
+            <a:schemeClr val="dk1"/>
+          </a:fillRef>
+          <a:effectRef idx="0">
+            <a:schemeClr val="dk1"/>
+          </a:effectRef>
+          <a:fontRef idx="minor">
+            <a:schemeClr val="tx1"/>
+          </a:fontRef>
+        </p:style>
+      </p:cxnSp>
+      <p:sp>
+        <p:nvSpPr>
+          <p:cNvPr id="18" name="CuadroTexto 17">
+            <a:extLst>
+              <a:ext uri="{FF2B5EF4-FFF2-40B4-BE49-F238E27FC236}">
+                <a16:creationId xmlns:a16="http://schemas.microsoft.com/office/drawing/2014/main" id="{C3BAE365-CE53-49E8-90D6-48D46F6CA490}"/>
+              </a:ext>
+            </a:extLst>
+          </p:cNvPr>
+          <p:cNvSpPr txBox="1"/>
+          <p:nvPr/>
+        </p:nvSpPr>
+        <p:spPr>
+          <a:xfrm>
+            <a:off x="4549347" y="2833653"/>
+            <a:ext cx="357452" cy="461665"/>
+          </a:xfrm>
+          <a:prstGeom prst="rect">
+            <a:avLst/>
+          </a:prstGeom>
+          <a:noFill/>
+        </p:spPr>
+        <p:txBody>
+          <a:bodyPr wrap="square" rtlCol="0">
+            <a:spAutoFit/>
+          </a:bodyPr>
+          <a:lstStyle/>
+          <a:p>
+            <a:r>
+              <a:rPr lang="es-ES" sz="2400" b="1" dirty="0">
+                <a:solidFill>
+                  <a:schemeClr val="bg1"/>
+                </a:solidFill>
+              </a:rPr>
+              <a:t>0</a:t>
+            </a:r>
+          </a:p>
+        </p:txBody>
+      </p:sp>
+      <p:sp>
+        <p:nvSpPr>
+          <p:cNvPr id="19" name="CuadroTexto 18">
+            <a:extLst>
+              <a:ext uri="{FF2B5EF4-FFF2-40B4-BE49-F238E27FC236}">
+                <a16:creationId xmlns:a16="http://schemas.microsoft.com/office/drawing/2014/main" id="{1403E947-FDC7-41EA-985E-DA9EEA136770}"/>
+              </a:ext>
+            </a:extLst>
+          </p:cNvPr>
+          <p:cNvSpPr txBox="1"/>
+          <p:nvPr/>
+        </p:nvSpPr>
+        <p:spPr>
+          <a:xfrm>
+            <a:off x="5292361" y="2821359"/>
+            <a:ext cx="357452" cy="461665"/>
+          </a:xfrm>
+          <a:prstGeom prst="rect">
+            <a:avLst/>
+          </a:prstGeom>
+          <a:noFill/>
+        </p:spPr>
+        <p:txBody>
+          <a:bodyPr wrap="square" rtlCol="0">
+            <a:spAutoFit/>
+          </a:bodyPr>
+          <a:lstStyle/>
+          <a:p>
+            <a:r>
+              <a:rPr lang="es-ES" sz="2400" b="1" dirty="0">
+                <a:solidFill>
+                  <a:schemeClr val="bg1"/>
+                </a:solidFill>
+              </a:rPr>
+              <a:t>1</a:t>
+            </a:r>
+          </a:p>
+        </p:txBody>
+      </p:sp>
+      <p:sp>
+        <p:nvSpPr>
+          <p:cNvPr id="20" name="CuadroTexto 19">
+            <a:extLst>
+              <a:ext uri="{FF2B5EF4-FFF2-40B4-BE49-F238E27FC236}">
+                <a16:creationId xmlns:a16="http://schemas.microsoft.com/office/drawing/2014/main" id="{354C161A-3CA8-4579-9CE1-1ACE9DB916E6}"/>
+              </a:ext>
+            </a:extLst>
+          </p:cNvPr>
+          <p:cNvSpPr txBox="1"/>
+          <p:nvPr/>
+        </p:nvSpPr>
+        <p:spPr>
+          <a:xfrm>
+            <a:off x="6027856" y="2833653"/>
+            <a:ext cx="357452" cy="461665"/>
+          </a:xfrm>
+          <a:prstGeom prst="rect">
+            <a:avLst/>
+          </a:prstGeom>
+          <a:noFill/>
+        </p:spPr>
+        <p:txBody>
+          <a:bodyPr wrap="square" rtlCol="0">
+            <a:spAutoFit/>
+          </a:bodyPr>
+          <a:lstStyle/>
+          <a:p>
+            <a:r>
+              <a:rPr lang="es-ES" sz="2400" b="1" dirty="0">
+                <a:solidFill>
+                  <a:schemeClr val="bg1"/>
+                </a:solidFill>
+              </a:rPr>
+              <a:t>0</a:t>
+            </a:r>
+          </a:p>
+        </p:txBody>
+      </p:sp>
+      <p:sp>
+        <p:nvSpPr>
+          <p:cNvPr id="24" name="CuadroTexto 23">
+            <a:extLst>
+              <a:ext uri="{FF2B5EF4-FFF2-40B4-BE49-F238E27FC236}">
+                <a16:creationId xmlns:a16="http://schemas.microsoft.com/office/drawing/2014/main" id="{D02A87E9-9DB0-4F76-A82A-838EE89B5276}"/>
+              </a:ext>
+            </a:extLst>
+          </p:cNvPr>
+          <p:cNvSpPr txBox="1"/>
+          <p:nvPr/>
+        </p:nvSpPr>
+        <p:spPr>
+          <a:xfrm>
+            <a:off x="6763591" y="2833652"/>
+            <a:ext cx="357452" cy="461665"/>
+          </a:xfrm>
+          <a:prstGeom prst="rect">
+            <a:avLst/>
+          </a:prstGeom>
+          <a:noFill/>
+        </p:spPr>
+        <p:txBody>
+          <a:bodyPr wrap="square" rtlCol="0">
+            <a:spAutoFit/>
+          </a:bodyPr>
+          <a:lstStyle/>
+          <a:p>
+            <a:pPr algn="ctr"/>
+            <a:r>
+              <a:rPr lang="es-ES" sz="2400" b="1" dirty="0">
+                <a:solidFill>
+                  <a:schemeClr val="bg1"/>
+                </a:solidFill>
+              </a:rPr>
+              <a:t>1</a:t>
+            </a:r>
+          </a:p>
+        </p:txBody>
+      </p:sp>
+      <p:sp>
+        <p:nvSpPr>
+          <p:cNvPr id="49" name="Rectángulo 48">
+            <a:extLst>
+              <a:ext uri="{FF2B5EF4-FFF2-40B4-BE49-F238E27FC236}">
+                <a16:creationId xmlns:a16="http://schemas.microsoft.com/office/drawing/2014/main" id="{6778A8B7-0FDE-4DF6-89A5-1754F287F3A1}"/>
+              </a:ext>
+            </a:extLst>
+          </p:cNvPr>
+          <p:cNvSpPr/>
+          <p:nvPr/>
+        </p:nvSpPr>
+        <p:spPr>
+          <a:xfrm>
+            <a:off x="4362561" y="3429000"/>
+            <a:ext cx="2913269" cy="708991"/>
+          </a:xfrm>
+          <a:prstGeom prst="rect">
+            <a:avLst/>
+          </a:prstGeom>
+          <a:solidFill>
+            <a:schemeClr val="tx1"/>
+          </a:solidFill>
+          <a:ln>
+            <a:solidFill>
+              <a:schemeClr val="accent1">
+                <a:lumMod val="40000"/>
+                <a:lumOff val="60000"/>
+              </a:schemeClr>
+            </a:solidFill>
+          </a:ln>
+        </p:spPr>
+        <p:style>
+          <a:lnRef idx="2">
+            <a:schemeClr val="accent6"/>
+          </a:lnRef>
+          <a:fillRef idx="1">
+            <a:schemeClr val="lt1"/>
+          </a:fillRef>
+          <a:effectRef idx="0">
+            <a:schemeClr val="accent6"/>
+          </a:effectRef>
+          <a:fontRef idx="minor">
+            <a:schemeClr val="dk1"/>
+          </a:fontRef>
+        </p:style>
+        <p:txBody>
+          <a:bodyPr rtlCol="0" anchor="ctr"/>
+          <a:lstStyle/>
+          <a:p>
+            <a:pPr algn="ctr"/>
+            <a:endParaRPr lang="es-ES" dirty="0"/>
+          </a:p>
+        </p:txBody>
+      </p:sp>
+      <p:cxnSp>
+        <p:nvCxnSpPr>
+          <p:cNvPr id="50" name="Conector recto 49">
+            <a:extLst>
+              <a:ext uri="{FF2B5EF4-FFF2-40B4-BE49-F238E27FC236}">
+                <a16:creationId xmlns:a16="http://schemas.microsoft.com/office/drawing/2014/main" id="{94B20EF6-D673-43B5-90A1-9BBE018252DB}"/>
+              </a:ext>
+            </a:extLst>
+          </p:cNvPr>
+          <p:cNvCxnSpPr/>
+          <p:nvPr/>
+        </p:nvCxnSpPr>
+        <p:spPr>
+          <a:xfrm>
+            <a:off x="5124560" y="3429000"/>
+            <a:ext cx="0" cy="708991"/>
+          </a:xfrm>
+          <a:prstGeom prst="line">
+            <a:avLst/>
+          </a:prstGeom>
+          <a:ln w="28575"/>
+        </p:spPr>
+        <p:style>
+          <a:lnRef idx="1">
+            <a:schemeClr val="dk1"/>
+          </a:lnRef>
+          <a:fillRef idx="0">
+            <a:schemeClr val="dk1"/>
+          </a:fillRef>
+          <a:effectRef idx="0">
+            <a:schemeClr val="dk1"/>
+          </a:effectRef>
+          <a:fontRef idx="minor">
+            <a:schemeClr val="tx1"/>
+          </a:fontRef>
+        </p:style>
+      </p:cxnSp>
+      <p:cxnSp>
+        <p:nvCxnSpPr>
+          <p:cNvPr id="51" name="Conector recto 50">
+            <a:extLst>
+              <a:ext uri="{FF2B5EF4-FFF2-40B4-BE49-F238E27FC236}">
+                <a16:creationId xmlns:a16="http://schemas.microsoft.com/office/drawing/2014/main" id="{13DEF0E8-46BD-4C3E-88DF-03377A817D30}"/>
+              </a:ext>
+            </a:extLst>
+          </p:cNvPr>
+          <p:cNvCxnSpPr/>
+          <p:nvPr/>
+        </p:nvCxnSpPr>
+        <p:spPr>
+          <a:xfrm>
+            <a:off x="5873308" y="3429000"/>
+            <a:ext cx="0" cy="708991"/>
+          </a:xfrm>
+          <a:prstGeom prst="line">
+            <a:avLst/>
+          </a:prstGeom>
+          <a:ln w="28575"/>
+        </p:spPr>
+        <p:style>
+          <a:lnRef idx="1">
+            <a:schemeClr val="dk1"/>
+          </a:lnRef>
+          <a:fillRef idx="0">
+            <a:schemeClr val="dk1"/>
+          </a:fillRef>
+          <a:effectRef idx="0">
+            <a:schemeClr val="dk1"/>
+          </a:effectRef>
+          <a:fontRef idx="minor">
+            <a:schemeClr val="tx1"/>
+          </a:fontRef>
+        </p:style>
+      </p:cxnSp>
+      <p:cxnSp>
+        <p:nvCxnSpPr>
+          <p:cNvPr id="52" name="Conector recto 51">
+            <a:extLst>
+              <a:ext uri="{FF2B5EF4-FFF2-40B4-BE49-F238E27FC236}">
+                <a16:creationId xmlns:a16="http://schemas.microsoft.com/office/drawing/2014/main" id="{A8A68FE6-E62B-47C8-B107-E9663B62A4A3}"/>
+              </a:ext>
+            </a:extLst>
+          </p:cNvPr>
+          <p:cNvCxnSpPr/>
+          <p:nvPr/>
+        </p:nvCxnSpPr>
+        <p:spPr>
+          <a:xfrm>
+            <a:off x="6608804" y="3429000"/>
+            <a:ext cx="0" cy="708991"/>
+          </a:xfrm>
+          <a:prstGeom prst="line">
+            <a:avLst/>
+          </a:prstGeom>
+          <a:ln w="28575"/>
+        </p:spPr>
+        <p:style>
+          <a:lnRef idx="1">
+            <a:schemeClr val="dk1"/>
+          </a:lnRef>
+          <a:fillRef idx="0">
+            <a:schemeClr val="dk1"/>
+          </a:fillRef>
+          <a:effectRef idx="0">
+            <a:schemeClr val="dk1"/>
+          </a:effectRef>
+          <a:fontRef idx="minor">
+            <a:schemeClr val="tx1"/>
+          </a:fontRef>
+        </p:style>
+      </p:cxnSp>
+      <p:sp>
+        <p:nvSpPr>
+          <p:cNvPr id="53" name="CuadroTexto 52">
+            <a:extLst>
+              <a:ext uri="{FF2B5EF4-FFF2-40B4-BE49-F238E27FC236}">
+                <a16:creationId xmlns:a16="http://schemas.microsoft.com/office/drawing/2014/main" id="{21019739-6DD7-4C81-99A8-6F203E618768}"/>
+              </a:ext>
+            </a:extLst>
+          </p:cNvPr>
+          <p:cNvSpPr txBox="1"/>
+          <p:nvPr/>
+        </p:nvSpPr>
+        <p:spPr>
+          <a:xfrm>
+            <a:off x="4549347" y="3542644"/>
+            <a:ext cx="357452" cy="461665"/>
+          </a:xfrm>
+          <a:prstGeom prst="rect">
+            <a:avLst/>
+          </a:prstGeom>
+          <a:noFill/>
+        </p:spPr>
+        <p:txBody>
+          <a:bodyPr wrap="square" rtlCol="0">
+            <a:spAutoFit/>
+          </a:bodyPr>
+          <a:lstStyle/>
+          <a:p>
+            <a:r>
+              <a:rPr lang="es-ES" sz="2400" b="1" dirty="0">
+                <a:solidFill>
+                  <a:schemeClr val="bg1"/>
+                </a:solidFill>
+              </a:rPr>
+              <a:t>0</a:t>
+            </a:r>
+          </a:p>
+        </p:txBody>
+      </p:sp>
+      <p:sp>
+        <p:nvSpPr>
+          <p:cNvPr id="54" name="CuadroTexto 53">
+            <a:extLst>
+              <a:ext uri="{FF2B5EF4-FFF2-40B4-BE49-F238E27FC236}">
+                <a16:creationId xmlns:a16="http://schemas.microsoft.com/office/drawing/2014/main" id="{B9568697-8F84-4D90-B21D-A4FB5EB2B657}"/>
+              </a:ext>
+            </a:extLst>
+          </p:cNvPr>
+          <p:cNvSpPr txBox="1"/>
+          <p:nvPr/>
+        </p:nvSpPr>
+        <p:spPr>
+          <a:xfrm>
+            <a:off x="5292361" y="3530350"/>
+            <a:ext cx="357452" cy="461665"/>
+          </a:xfrm>
+          <a:prstGeom prst="rect">
+            <a:avLst/>
+          </a:prstGeom>
+          <a:noFill/>
+        </p:spPr>
+        <p:txBody>
+          <a:bodyPr wrap="square" rtlCol="0">
+            <a:spAutoFit/>
+          </a:bodyPr>
+          <a:lstStyle/>
+          <a:p>
+            <a:r>
+              <a:rPr lang="es-ES" sz="2400" b="1" dirty="0">
+                <a:solidFill>
+                  <a:schemeClr val="bg1"/>
+                </a:solidFill>
+              </a:rPr>
+              <a:t>1</a:t>
+            </a:r>
+          </a:p>
+        </p:txBody>
+      </p:sp>
+      <p:sp>
+        <p:nvSpPr>
+          <p:cNvPr id="55" name="CuadroTexto 54">
+            <a:extLst>
+              <a:ext uri="{FF2B5EF4-FFF2-40B4-BE49-F238E27FC236}">
+                <a16:creationId xmlns:a16="http://schemas.microsoft.com/office/drawing/2014/main" id="{F714C80C-C3DE-4A97-8521-EEDB685634ED}"/>
+              </a:ext>
+            </a:extLst>
+          </p:cNvPr>
+          <p:cNvSpPr txBox="1"/>
+          <p:nvPr/>
+        </p:nvSpPr>
+        <p:spPr>
+          <a:xfrm>
+            <a:off x="6027856" y="3542644"/>
+            <a:ext cx="357452" cy="461665"/>
+          </a:xfrm>
+          <a:prstGeom prst="rect">
+            <a:avLst/>
+          </a:prstGeom>
+          <a:noFill/>
+        </p:spPr>
+        <p:txBody>
+          <a:bodyPr wrap="square" rtlCol="0">
+            <a:spAutoFit/>
+          </a:bodyPr>
+          <a:lstStyle/>
+          <a:p>
+            <a:r>
+              <a:rPr lang="es-ES" sz="2400" b="1" dirty="0">
+                <a:solidFill>
+                  <a:schemeClr val="bg1"/>
+                </a:solidFill>
+              </a:rPr>
+              <a:t>0</a:t>
+            </a:r>
+          </a:p>
+        </p:txBody>
+      </p:sp>
+      <p:sp>
+        <p:nvSpPr>
+          <p:cNvPr id="56" name="CuadroTexto 55">
+            <a:extLst>
+              <a:ext uri="{FF2B5EF4-FFF2-40B4-BE49-F238E27FC236}">
+                <a16:creationId xmlns:a16="http://schemas.microsoft.com/office/drawing/2014/main" id="{24109541-5695-409F-B083-870A6C082B1F}"/>
+              </a:ext>
+            </a:extLst>
+          </p:cNvPr>
+          <p:cNvSpPr txBox="1"/>
+          <p:nvPr/>
+        </p:nvSpPr>
+        <p:spPr>
+          <a:xfrm>
+            <a:off x="6763591" y="3542643"/>
+            <a:ext cx="357452" cy="461665"/>
+          </a:xfrm>
+          <a:prstGeom prst="rect">
+            <a:avLst/>
+          </a:prstGeom>
+          <a:noFill/>
+        </p:spPr>
+        <p:txBody>
+          <a:bodyPr wrap="square" rtlCol="0">
+            <a:spAutoFit/>
+          </a:bodyPr>
+          <a:lstStyle/>
+          <a:p>
+            <a:pPr algn="ctr"/>
+            <a:r>
+              <a:rPr lang="es-ES" sz="2400" b="1" dirty="0">
+                <a:solidFill>
+                  <a:schemeClr val="bg1"/>
+                </a:solidFill>
+              </a:rPr>
+              <a:t>1</a:t>
+            </a:r>
+          </a:p>
+        </p:txBody>
+      </p:sp>
+      <p:sp>
+        <p:nvSpPr>
+          <p:cNvPr id="65" name="Rectángulo 64">
+            <a:extLst>
+              <a:ext uri="{FF2B5EF4-FFF2-40B4-BE49-F238E27FC236}">
+                <a16:creationId xmlns:a16="http://schemas.microsoft.com/office/drawing/2014/main" id="{2C766006-474F-4878-88D3-0E194129F719}"/>
+              </a:ext>
+            </a:extLst>
+          </p:cNvPr>
+          <p:cNvSpPr/>
+          <p:nvPr/>
+        </p:nvSpPr>
+        <p:spPr>
+          <a:xfrm>
+            <a:off x="4362561" y="4137991"/>
+            <a:ext cx="2913269" cy="708991"/>
+          </a:xfrm>
+          <a:prstGeom prst="rect">
+            <a:avLst/>
+          </a:prstGeom>
+          <a:solidFill>
+            <a:schemeClr val="tx1"/>
+          </a:solidFill>
+          <a:ln>
+            <a:solidFill>
+              <a:schemeClr val="accent1">
+                <a:lumMod val="40000"/>
+                <a:lumOff val="60000"/>
+              </a:schemeClr>
+            </a:solidFill>
+          </a:ln>
+        </p:spPr>
+        <p:style>
+          <a:lnRef idx="2">
+            <a:schemeClr val="accent6"/>
+          </a:lnRef>
+          <a:fillRef idx="1">
+            <a:schemeClr val="lt1"/>
+          </a:fillRef>
+          <a:effectRef idx="0">
+            <a:schemeClr val="accent6"/>
+          </a:effectRef>
+          <a:fontRef idx="minor">
+            <a:schemeClr val="dk1"/>
+          </a:fontRef>
+        </p:style>
+        <p:txBody>
+          <a:bodyPr rtlCol="0" anchor="ctr"/>
+          <a:lstStyle/>
+          <a:p>
+            <a:pPr algn="ctr"/>
+            <a:endParaRPr lang="es-ES" dirty="0"/>
+          </a:p>
+        </p:txBody>
+      </p:sp>
+      <p:cxnSp>
+        <p:nvCxnSpPr>
+          <p:cNvPr id="66" name="Conector recto 65">
+            <a:extLst>
+              <a:ext uri="{FF2B5EF4-FFF2-40B4-BE49-F238E27FC236}">
+                <a16:creationId xmlns:a16="http://schemas.microsoft.com/office/drawing/2014/main" id="{E1ADB9EE-242D-45E8-884A-F74C00A55E16}"/>
+              </a:ext>
+            </a:extLst>
+          </p:cNvPr>
+          <p:cNvCxnSpPr/>
+          <p:nvPr/>
+        </p:nvCxnSpPr>
+        <p:spPr>
+          <a:xfrm>
+            <a:off x="5124560" y="4137991"/>
+            <a:ext cx="0" cy="708991"/>
+          </a:xfrm>
+          <a:prstGeom prst="line">
+            <a:avLst/>
+          </a:prstGeom>
+          <a:ln w="28575"/>
+        </p:spPr>
+        <p:style>
+          <a:lnRef idx="1">
+            <a:schemeClr val="dk1"/>
+          </a:lnRef>
+          <a:fillRef idx="0">
+            <a:schemeClr val="dk1"/>
+          </a:fillRef>
+          <a:effectRef idx="0">
+            <a:schemeClr val="dk1"/>
+          </a:effectRef>
+          <a:fontRef idx="minor">
+            <a:schemeClr val="tx1"/>
+          </a:fontRef>
+        </p:style>
+      </p:cxnSp>
+      <p:cxnSp>
+        <p:nvCxnSpPr>
+          <p:cNvPr id="67" name="Conector recto 66">
+            <a:extLst>
+              <a:ext uri="{FF2B5EF4-FFF2-40B4-BE49-F238E27FC236}">
+                <a16:creationId xmlns:a16="http://schemas.microsoft.com/office/drawing/2014/main" id="{83113453-2032-40E9-B3C2-501C3042396E}"/>
+              </a:ext>
+            </a:extLst>
+          </p:cNvPr>
+          <p:cNvCxnSpPr/>
+          <p:nvPr/>
+        </p:nvCxnSpPr>
+        <p:spPr>
+          <a:xfrm>
+            <a:off x="5873308" y="4137991"/>
+            <a:ext cx="0" cy="708991"/>
+          </a:xfrm>
+          <a:prstGeom prst="line">
+            <a:avLst/>
+          </a:prstGeom>
+          <a:ln w="28575"/>
+        </p:spPr>
+        <p:style>
+          <a:lnRef idx="1">
+            <a:schemeClr val="dk1"/>
+          </a:lnRef>
+          <a:fillRef idx="0">
+            <a:schemeClr val="dk1"/>
+          </a:fillRef>
+          <a:effectRef idx="0">
+            <a:schemeClr val="dk1"/>
+          </a:effectRef>
+          <a:fontRef idx="minor">
+            <a:schemeClr val="tx1"/>
+          </a:fontRef>
+        </p:style>
+      </p:cxnSp>
+      <p:cxnSp>
+        <p:nvCxnSpPr>
+          <p:cNvPr id="68" name="Conector recto 67">
+            <a:extLst>
+              <a:ext uri="{FF2B5EF4-FFF2-40B4-BE49-F238E27FC236}">
+                <a16:creationId xmlns:a16="http://schemas.microsoft.com/office/drawing/2014/main" id="{10BE2B09-0D55-407F-BF2D-3DA940CE2B5A}"/>
+              </a:ext>
+            </a:extLst>
+          </p:cNvPr>
+          <p:cNvCxnSpPr/>
+          <p:nvPr/>
+        </p:nvCxnSpPr>
+        <p:spPr>
+          <a:xfrm>
+            <a:off x="6608804" y="4137991"/>
+            <a:ext cx="0" cy="708991"/>
+          </a:xfrm>
+          <a:prstGeom prst="line">
+            <a:avLst/>
+          </a:prstGeom>
+          <a:ln w="28575"/>
+        </p:spPr>
+        <p:style>
+          <a:lnRef idx="1">
+            <a:schemeClr val="dk1"/>
+          </a:lnRef>
+          <a:fillRef idx="0">
+            <a:schemeClr val="dk1"/>
+          </a:fillRef>
+          <a:effectRef idx="0">
+            <a:schemeClr val="dk1"/>
+          </a:effectRef>
+          <a:fontRef idx="minor">
+            <a:schemeClr val="tx1"/>
+          </a:fontRef>
+        </p:style>
+      </p:cxnSp>
+      <p:sp>
+        <p:nvSpPr>
+          <p:cNvPr id="69" name="CuadroTexto 68">
+            <a:extLst>
+              <a:ext uri="{FF2B5EF4-FFF2-40B4-BE49-F238E27FC236}">
+                <a16:creationId xmlns:a16="http://schemas.microsoft.com/office/drawing/2014/main" id="{A63C8526-A841-4E6B-B190-64D176F094A4}"/>
+              </a:ext>
+            </a:extLst>
+          </p:cNvPr>
+          <p:cNvSpPr txBox="1"/>
+          <p:nvPr/>
+        </p:nvSpPr>
+        <p:spPr>
+          <a:xfrm>
+            <a:off x="4549347" y="4251635"/>
+            <a:ext cx="357452" cy="461665"/>
+          </a:xfrm>
+          <a:prstGeom prst="rect">
+            <a:avLst/>
+          </a:prstGeom>
+          <a:noFill/>
+        </p:spPr>
+        <p:txBody>
+          <a:bodyPr wrap="square" rtlCol="0">
+            <a:spAutoFit/>
+          </a:bodyPr>
+          <a:lstStyle/>
+          <a:p>
+            <a:r>
+              <a:rPr lang="es-ES" sz="2400" b="1" dirty="0">
+                <a:solidFill>
+                  <a:schemeClr val="bg1"/>
+                </a:solidFill>
+              </a:rPr>
+              <a:t>0</a:t>
+            </a:r>
+          </a:p>
+        </p:txBody>
+      </p:sp>
+      <p:sp>
+        <p:nvSpPr>
+          <p:cNvPr id="70" name="CuadroTexto 69">
+            <a:extLst>
+              <a:ext uri="{FF2B5EF4-FFF2-40B4-BE49-F238E27FC236}">
+                <a16:creationId xmlns:a16="http://schemas.microsoft.com/office/drawing/2014/main" id="{4269CDCE-8340-4F33-90E9-39B34D384C0D}"/>
+              </a:ext>
+            </a:extLst>
+          </p:cNvPr>
+          <p:cNvSpPr txBox="1"/>
+          <p:nvPr/>
+        </p:nvSpPr>
+        <p:spPr>
+          <a:xfrm>
+            <a:off x="5292361" y="4239341"/>
+            <a:ext cx="357452" cy="461665"/>
+          </a:xfrm>
+          <a:prstGeom prst="rect">
+            <a:avLst/>
+          </a:prstGeom>
+          <a:noFill/>
+        </p:spPr>
+        <p:txBody>
+          <a:bodyPr wrap="square" rtlCol="0">
+            <a:spAutoFit/>
+          </a:bodyPr>
+          <a:lstStyle/>
+          <a:p>
+            <a:r>
+              <a:rPr lang="es-ES" sz="2400" b="1" dirty="0">
+                <a:solidFill>
+                  <a:schemeClr val="bg1"/>
+                </a:solidFill>
+              </a:rPr>
+              <a:t>1</a:t>
+            </a:r>
+          </a:p>
+        </p:txBody>
+      </p:sp>
+      <p:sp>
+        <p:nvSpPr>
+          <p:cNvPr id="71" name="CuadroTexto 70">
+            <a:extLst>
+              <a:ext uri="{FF2B5EF4-FFF2-40B4-BE49-F238E27FC236}">
+                <a16:creationId xmlns:a16="http://schemas.microsoft.com/office/drawing/2014/main" id="{43363DA9-C520-4AC6-B3C9-F3C57EADF868}"/>
+              </a:ext>
+            </a:extLst>
+          </p:cNvPr>
+          <p:cNvSpPr txBox="1"/>
+          <p:nvPr/>
+        </p:nvSpPr>
+        <p:spPr>
+          <a:xfrm>
+            <a:off x="6027856" y="4251635"/>
+            <a:ext cx="357452" cy="461665"/>
+          </a:xfrm>
+          <a:prstGeom prst="rect">
+            <a:avLst/>
+          </a:prstGeom>
+          <a:noFill/>
+        </p:spPr>
+        <p:txBody>
+          <a:bodyPr wrap="square" rtlCol="0">
+            <a:spAutoFit/>
+          </a:bodyPr>
+          <a:lstStyle/>
+          <a:p>
+            <a:r>
+              <a:rPr lang="es-ES" sz="2400" b="1" dirty="0">
+                <a:solidFill>
+                  <a:schemeClr val="bg1"/>
+                </a:solidFill>
+              </a:rPr>
+              <a:t>0</a:t>
+            </a:r>
+          </a:p>
+        </p:txBody>
+      </p:sp>
+      <p:sp>
+        <p:nvSpPr>
+          <p:cNvPr id="72" name="CuadroTexto 71">
+            <a:extLst>
+              <a:ext uri="{FF2B5EF4-FFF2-40B4-BE49-F238E27FC236}">
+                <a16:creationId xmlns:a16="http://schemas.microsoft.com/office/drawing/2014/main" id="{0C6D3F9F-3D61-48E2-940A-5C14431F1A86}"/>
+              </a:ext>
+            </a:extLst>
+          </p:cNvPr>
+          <p:cNvSpPr txBox="1"/>
+          <p:nvPr/>
+        </p:nvSpPr>
+        <p:spPr>
+          <a:xfrm>
+            <a:off x="6763591" y="4251634"/>
+            <a:ext cx="357452" cy="461665"/>
+          </a:xfrm>
+          <a:prstGeom prst="rect">
+            <a:avLst/>
+          </a:prstGeom>
+          <a:noFill/>
+        </p:spPr>
+        <p:txBody>
+          <a:bodyPr wrap="square" rtlCol="0">
+            <a:spAutoFit/>
+          </a:bodyPr>
+          <a:lstStyle/>
+          <a:p>
+            <a:pPr algn="ctr"/>
+            <a:r>
+              <a:rPr lang="es-ES" sz="2400" b="1" dirty="0">
+                <a:solidFill>
+                  <a:schemeClr val="bg1"/>
+                </a:solidFill>
+              </a:rPr>
+              <a:t>1</a:t>
+            </a:r>
+          </a:p>
+        </p:txBody>
+      </p:sp>
+      <p:sp>
+        <p:nvSpPr>
+          <p:cNvPr id="73" name="Rectángulo 72">
+            <a:extLst>
+              <a:ext uri="{FF2B5EF4-FFF2-40B4-BE49-F238E27FC236}">
+                <a16:creationId xmlns:a16="http://schemas.microsoft.com/office/drawing/2014/main" id="{F27CAC5F-E821-4E4F-8D08-2D95AB9AB082}"/>
+              </a:ext>
+            </a:extLst>
+          </p:cNvPr>
+          <p:cNvSpPr/>
+          <p:nvPr/>
+        </p:nvSpPr>
+        <p:spPr>
+          <a:xfrm>
+            <a:off x="4362561" y="4795932"/>
+            <a:ext cx="2913269" cy="708991"/>
+          </a:xfrm>
+          <a:prstGeom prst="rect">
+            <a:avLst/>
+          </a:prstGeom>
+          <a:solidFill>
+            <a:schemeClr val="tx1"/>
+          </a:solidFill>
+          <a:ln>
+            <a:solidFill>
+              <a:schemeClr val="accent1">
+                <a:lumMod val="40000"/>
+                <a:lumOff val="60000"/>
+              </a:schemeClr>
+            </a:solidFill>
+          </a:ln>
+        </p:spPr>
+        <p:style>
+          <a:lnRef idx="2">
+            <a:schemeClr val="accent6"/>
+          </a:lnRef>
+          <a:fillRef idx="1">
+            <a:schemeClr val="lt1"/>
+          </a:fillRef>
+          <a:effectRef idx="0">
+            <a:schemeClr val="accent6"/>
+          </a:effectRef>
+          <a:fontRef idx="minor">
+            <a:schemeClr val="dk1"/>
+          </a:fontRef>
+        </p:style>
+        <p:txBody>
+          <a:bodyPr rtlCol="0" anchor="ctr"/>
+          <a:lstStyle/>
+          <a:p>
+            <a:pPr algn="ctr"/>
+            <a:endParaRPr lang="es-ES" dirty="0"/>
+          </a:p>
+        </p:txBody>
+      </p:sp>
+      <p:cxnSp>
+        <p:nvCxnSpPr>
+          <p:cNvPr id="74" name="Conector recto 73">
+            <a:extLst>
+              <a:ext uri="{FF2B5EF4-FFF2-40B4-BE49-F238E27FC236}">
+                <a16:creationId xmlns:a16="http://schemas.microsoft.com/office/drawing/2014/main" id="{E7910EA3-305F-496D-A275-FCDD6BADF39D}"/>
+              </a:ext>
+            </a:extLst>
+          </p:cNvPr>
+          <p:cNvCxnSpPr/>
+          <p:nvPr/>
+        </p:nvCxnSpPr>
+        <p:spPr>
+          <a:xfrm>
+            <a:off x="5124560" y="4795932"/>
+            <a:ext cx="0" cy="708991"/>
+          </a:xfrm>
+          <a:prstGeom prst="line">
+            <a:avLst/>
+          </a:prstGeom>
+          <a:ln w="28575"/>
+        </p:spPr>
+        <p:style>
+          <a:lnRef idx="1">
+            <a:schemeClr val="dk1"/>
+          </a:lnRef>
+          <a:fillRef idx="0">
+            <a:schemeClr val="dk1"/>
+          </a:fillRef>
+          <a:effectRef idx="0">
+            <a:schemeClr val="dk1"/>
+          </a:effectRef>
+          <a:fontRef idx="minor">
+            <a:schemeClr val="tx1"/>
+          </a:fontRef>
+        </p:style>
+      </p:cxnSp>
+      <p:cxnSp>
+        <p:nvCxnSpPr>
+          <p:cNvPr id="75" name="Conector recto 74">
+            <a:extLst>
+              <a:ext uri="{FF2B5EF4-FFF2-40B4-BE49-F238E27FC236}">
+                <a16:creationId xmlns:a16="http://schemas.microsoft.com/office/drawing/2014/main" id="{7DE9661F-04C8-4D95-825F-AA8680799B70}"/>
+              </a:ext>
+            </a:extLst>
+          </p:cNvPr>
+          <p:cNvCxnSpPr/>
+          <p:nvPr/>
+        </p:nvCxnSpPr>
+        <p:spPr>
+          <a:xfrm>
+            <a:off x="5873308" y="4795932"/>
+            <a:ext cx="0" cy="708991"/>
+          </a:xfrm>
+          <a:prstGeom prst="line">
+            <a:avLst/>
+          </a:prstGeom>
+          <a:ln w="28575"/>
+        </p:spPr>
+        <p:style>
+          <a:lnRef idx="1">
+            <a:schemeClr val="dk1"/>
+          </a:lnRef>
+          <a:fillRef idx="0">
+            <a:schemeClr val="dk1"/>
+          </a:fillRef>
+          <a:effectRef idx="0">
+            <a:schemeClr val="dk1"/>
+          </a:effectRef>
+          <a:fontRef idx="minor">
+            <a:schemeClr val="tx1"/>
+          </a:fontRef>
+        </p:style>
+      </p:cxnSp>
+      <p:cxnSp>
+        <p:nvCxnSpPr>
+          <p:cNvPr id="76" name="Conector recto 75">
+            <a:extLst>
+              <a:ext uri="{FF2B5EF4-FFF2-40B4-BE49-F238E27FC236}">
+                <a16:creationId xmlns:a16="http://schemas.microsoft.com/office/drawing/2014/main" id="{9D1B44A5-B131-4DFA-B691-3ED0699771D6}"/>
+              </a:ext>
+            </a:extLst>
+          </p:cNvPr>
+          <p:cNvCxnSpPr/>
+          <p:nvPr/>
+        </p:nvCxnSpPr>
+        <p:spPr>
+          <a:xfrm>
+            <a:off x="6608804" y="4795932"/>
+            <a:ext cx="0" cy="708991"/>
+          </a:xfrm>
+          <a:prstGeom prst="line">
+            <a:avLst/>
+          </a:prstGeom>
+          <a:ln w="28575"/>
+        </p:spPr>
+        <p:style>
+          <a:lnRef idx="1">
+            <a:schemeClr val="dk1"/>
+          </a:lnRef>
+          <a:fillRef idx="0">
+            <a:schemeClr val="dk1"/>
+          </a:fillRef>
+          <a:effectRef idx="0">
+            <a:schemeClr val="dk1"/>
+          </a:effectRef>
+          <a:fontRef idx="minor">
+            <a:schemeClr val="tx1"/>
+          </a:fontRef>
+        </p:style>
+      </p:cxnSp>
+      <p:sp>
+        <p:nvSpPr>
+          <p:cNvPr id="77" name="CuadroTexto 76">
+            <a:extLst>
+              <a:ext uri="{FF2B5EF4-FFF2-40B4-BE49-F238E27FC236}">
+                <a16:creationId xmlns:a16="http://schemas.microsoft.com/office/drawing/2014/main" id="{1EB79EFC-AB66-4DAD-97D2-5E2646377FCB}"/>
+              </a:ext>
+            </a:extLst>
+          </p:cNvPr>
+          <p:cNvSpPr txBox="1"/>
+          <p:nvPr/>
+        </p:nvSpPr>
+        <p:spPr>
+          <a:xfrm>
+            <a:off x="4549347" y="4909576"/>
+            <a:ext cx="357452" cy="461665"/>
+          </a:xfrm>
+          <a:prstGeom prst="rect">
+            <a:avLst/>
+          </a:prstGeom>
+          <a:noFill/>
+        </p:spPr>
+        <p:txBody>
+          <a:bodyPr wrap="square" rtlCol="0">
+            <a:spAutoFit/>
+          </a:bodyPr>
+          <a:lstStyle/>
+          <a:p>
+            <a:r>
+              <a:rPr lang="es-ES" sz="2400" b="1" dirty="0">
+                <a:solidFill>
+                  <a:schemeClr val="bg1"/>
+                </a:solidFill>
+              </a:rPr>
+              <a:t>0</a:t>
+            </a:r>
+          </a:p>
+        </p:txBody>
+      </p:sp>
+      <p:sp>
+        <p:nvSpPr>
+          <p:cNvPr id="78" name="CuadroTexto 77">
+            <a:extLst>
+              <a:ext uri="{FF2B5EF4-FFF2-40B4-BE49-F238E27FC236}">
+                <a16:creationId xmlns:a16="http://schemas.microsoft.com/office/drawing/2014/main" id="{BADD33FD-FDFE-4197-AA8A-5DC1F85DDB0F}"/>
+              </a:ext>
+            </a:extLst>
+          </p:cNvPr>
+          <p:cNvSpPr txBox="1"/>
+          <p:nvPr/>
+        </p:nvSpPr>
+        <p:spPr>
+          <a:xfrm>
+            <a:off x="5292361" y="4897282"/>
+            <a:ext cx="357452" cy="461665"/>
+          </a:xfrm>
+          <a:prstGeom prst="rect">
+            <a:avLst/>
+          </a:prstGeom>
+          <a:noFill/>
+        </p:spPr>
+        <p:txBody>
+          <a:bodyPr wrap="square" rtlCol="0">
+            <a:spAutoFit/>
+          </a:bodyPr>
+          <a:lstStyle/>
+          <a:p>
+            <a:r>
+              <a:rPr lang="es-ES" sz="2400" b="1" dirty="0">
+                <a:solidFill>
+                  <a:schemeClr val="bg1"/>
+                </a:solidFill>
+              </a:rPr>
+              <a:t>1</a:t>
+            </a:r>
+          </a:p>
+        </p:txBody>
+      </p:sp>
+      <p:sp>
+        <p:nvSpPr>
+          <p:cNvPr id="79" name="CuadroTexto 78">
+            <a:extLst>
+              <a:ext uri="{FF2B5EF4-FFF2-40B4-BE49-F238E27FC236}">
+                <a16:creationId xmlns:a16="http://schemas.microsoft.com/office/drawing/2014/main" id="{67ABADC0-7004-4619-9A50-631462DE08B8}"/>
+              </a:ext>
+            </a:extLst>
+          </p:cNvPr>
+          <p:cNvSpPr txBox="1"/>
+          <p:nvPr/>
+        </p:nvSpPr>
+        <p:spPr>
+          <a:xfrm>
+            <a:off x="6027856" y="4909576"/>
+            <a:ext cx="357452" cy="461665"/>
+          </a:xfrm>
+          <a:prstGeom prst="rect">
+            <a:avLst/>
+          </a:prstGeom>
+          <a:noFill/>
+        </p:spPr>
+        <p:txBody>
+          <a:bodyPr wrap="square" rtlCol="0">
+            <a:spAutoFit/>
+          </a:bodyPr>
+          <a:lstStyle/>
+          <a:p>
+            <a:r>
+              <a:rPr lang="es-ES" sz="2400" b="1" dirty="0">
+                <a:solidFill>
+                  <a:schemeClr val="bg1"/>
+                </a:solidFill>
+              </a:rPr>
+              <a:t>0</a:t>
+            </a:r>
+          </a:p>
+        </p:txBody>
+      </p:sp>
+      <p:sp>
+        <p:nvSpPr>
+          <p:cNvPr id="80" name="CuadroTexto 79">
+            <a:extLst>
+              <a:ext uri="{FF2B5EF4-FFF2-40B4-BE49-F238E27FC236}">
+                <a16:creationId xmlns:a16="http://schemas.microsoft.com/office/drawing/2014/main" id="{863059D1-0CBA-40D5-B0FD-6331F10E2004}"/>
+              </a:ext>
+            </a:extLst>
+          </p:cNvPr>
+          <p:cNvSpPr txBox="1"/>
+          <p:nvPr/>
+        </p:nvSpPr>
+        <p:spPr>
+          <a:xfrm>
+            <a:off x="6763591" y="4909575"/>
+            <a:ext cx="357452" cy="461665"/>
+          </a:xfrm>
+          <a:prstGeom prst="rect">
+            <a:avLst/>
+          </a:prstGeom>
+          <a:noFill/>
+        </p:spPr>
+        <p:txBody>
+          <a:bodyPr wrap="square" rtlCol="0">
+            <a:spAutoFit/>
+          </a:bodyPr>
+          <a:lstStyle/>
+          <a:p>
+            <a:pPr algn="ctr"/>
+            <a:r>
+              <a:rPr lang="es-ES" sz="2400" b="1" dirty="0">
+                <a:solidFill>
+                  <a:schemeClr val="bg1"/>
+                </a:solidFill>
+              </a:rPr>
+              <a:t>1</a:t>
+            </a:r>
+          </a:p>
+        </p:txBody>
+      </p:sp>
+      <p:sp>
+        <p:nvSpPr>
+          <p:cNvPr id="81" name="CuadroTexto 80">
+            <a:extLst>
+              <a:ext uri="{FF2B5EF4-FFF2-40B4-BE49-F238E27FC236}">
+                <a16:creationId xmlns:a16="http://schemas.microsoft.com/office/drawing/2014/main" id="{E3366F3D-3F49-40A4-BC9E-4A1E3FCEA11C}"/>
+              </a:ext>
+            </a:extLst>
+          </p:cNvPr>
+          <p:cNvSpPr txBox="1"/>
+          <p:nvPr/>
+        </p:nvSpPr>
+        <p:spPr>
+          <a:xfrm>
+            <a:off x="777136" y="2833653"/>
+            <a:ext cx="357452" cy="461665"/>
+          </a:xfrm>
+          <a:prstGeom prst="rect">
+            <a:avLst/>
+          </a:prstGeom>
+        </p:spPr>
+        <p:style>
+          <a:lnRef idx="2">
+            <a:schemeClr val="accent4"/>
+          </a:lnRef>
+          <a:fillRef idx="1">
+            <a:schemeClr val="lt1"/>
+          </a:fillRef>
+          <a:effectRef idx="0">
+            <a:schemeClr val="accent4"/>
+          </a:effectRef>
+          <a:fontRef idx="minor">
+            <a:schemeClr val="dk1"/>
+          </a:fontRef>
+        </p:style>
+        <p:txBody>
+          <a:bodyPr wrap="square" rtlCol="0">
+            <a:spAutoFit/>
+          </a:bodyPr>
+          <a:lstStyle/>
+          <a:p>
+            <a:r>
+              <a:rPr lang="es-ES" sz="2400" b="1" dirty="0">
+                <a:solidFill>
+                  <a:srgbClr val="C00000"/>
+                </a:solidFill>
+              </a:rPr>
+              <a:t>0</a:t>
+            </a:r>
+          </a:p>
+        </p:txBody>
+      </p:sp>
+      <p:sp>
+        <p:nvSpPr>
+          <p:cNvPr id="82" name="CuadroTexto 81">
+            <a:extLst>
+              <a:ext uri="{FF2B5EF4-FFF2-40B4-BE49-F238E27FC236}">
+                <a16:creationId xmlns:a16="http://schemas.microsoft.com/office/drawing/2014/main" id="{1292A424-4898-408C-A2FA-7C708841B34C}"/>
+              </a:ext>
+            </a:extLst>
+          </p:cNvPr>
+          <p:cNvSpPr txBox="1"/>
+          <p:nvPr/>
+        </p:nvSpPr>
+        <p:spPr>
+          <a:xfrm>
+            <a:off x="1520150" y="3530350"/>
+            <a:ext cx="357452" cy="461665"/>
+          </a:xfrm>
+          <a:prstGeom prst="rect">
+            <a:avLst/>
+          </a:prstGeom>
+        </p:spPr>
+        <p:style>
+          <a:lnRef idx="2">
+            <a:schemeClr val="accent4"/>
+          </a:lnRef>
+          <a:fillRef idx="1">
+            <a:schemeClr val="lt1"/>
+          </a:fillRef>
+          <a:effectRef idx="0">
+            <a:schemeClr val="accent4"/>
+          </a:effectRef>
+          <a:fontRef idx="minor">
+            <a:schemeClr val="dk1"/>
+          </a:fontRef>
+        </p:style>
+        <p:txBody>
+          <a:bodyPr wrap="square" rtlCol="0">
+            <a:spAutoFit/>
+          </a:bodyPr>
+          <a:lstStyle/>
+          <a:p>
+            <a:r>
+              <a:rPr lang="es-ES" sz="2400" b="1" dirty="0">
+                <a:solidFill>
+                  <a:srgbClr val="C00000"/>
+                </a:solidFill>
+              </a:rPr>
+              <a:t>1</a:t>
+            </a:r>
+          </a:p>
+        </p:txBody>
+      </p:sp>
+      <p:sp>
+        <p:nvSpPr>
+          <p:cNvPr id="83" name="CuadroTexto 82">
+            <a:extLst>
+              <a:ext uri="{FF2B5EF4-FFF2-40B4-BE49-F238E27FC236}">
+                <a16:creationId xmlns:a16="http://schemas.microsoft.com/office/drawing/2014/main" id="{A1281C98-7799-493D-A84A-0AFC32C4D7CA}"/>
+              </a:ext>
+            </a:extLst>
+          </p:cNvPr>
+          <p:cNvSpPr txBox="1"/>
+          <p:nvPr/>
+        </p:nvSpPr>
+        <p:spPr>
+          <a:xfrm>
+            <a:off x="2255645" y="4251635"/>
+            <a:ext cx="357452" cy="461665"/>
+          </a:xfrm>
+          <a:prstGeom prst="rect">
+            <a:avLst/>
+          </a:prstGeom>
+        </p:spPr>
+        <p:style>
+          <a:lnRef idx="2">
+            <a:schemeClr val="accent4"/>
+          </a:lnRef>
+          <a:fillRef idx="1">
+            <a:schemeClr val="lt1"/>
+          </a:fillRef>
+          <a:effectRef idx="0">
+            <a:schemeClr val="accent4"/>
+          </a:effectRef>
+          <a:fontRef idx="minor">
+            <a:schemeClr val="dk1"/>
+          </a:fontRef>
+        </p:style>
+        <p:txBody>
+          <a:bodyPr wrap="square" rtlCol="0">
+            <a:spAutoFit/>
+          </a:bodyPr>
+          <a:lstStyle/>
+          <a:p>
+            <a:r>
+              <a:rPr lang="es-ES" sz="2400" b="1" dirty="0">
+                <a:solidFill>
+                  <a:srgbClr val="C00000"/>
+                </a:solidFill>
+              </a:rPr>
+              <a:t>0</a:t>
+            </a:r>
+          </a:p>
+        </p:txBody>
+      </p:sp>
+      <p:sp>
+        <p:nvSpPr>
+          <p:cNvPr id="84" name="CuadroTexto 83">
+            <a:extLst>
+              <a:ext uri="{FF2B5EF4-FFF2-40B4-BE49-F238E27FC236}">
+                <a16:creationId xmlns:a16="http://schemas.microsoft.com/office/drawing/2014/main" id="{59B3B4DA-31F3-4E7D-B6E3-BCB79D16BA6F}"/>
+              </a:ext>
+            </a:extLst>
+          </p:cNvPr>
+          <p:cNvSpPr txBox="1"/>
+          <p:nvPr/>
+        </p:nvSpPr>
+        <p:spPr>
+          <a:xfrm>
+            <a:off x="2991380" y="4909575"/>
+            <a:ext cx="357452" cy="461665"/>
+          </a:xfrm>
+          <a:prstGeom prst="rect">
+            <a:avLst/>
+          </a:prstGeom>
+        </p:spPr>
+        <p:style>
+          <a:lnRef idx="2">
+            <a:schemeClr val="accent4"/>
+          </a:lnRef>
+          <a:fillRef idx="1">
+            <a:schemeClr val="lt1"/>
+          </a:fillRef>
+          <a:effectRef idx="0">
+            <a:schemeClr val="accent4"/>
+          </a:effectRef>
+          <a:fontRef idx="minor">
+            <a:schemeClr val="dk1"/>
+          </a:fontRef>
+        </p:style>
+        <p:txBody>
+          <a:bodyPr wrap="square" rtlCol="0">
+            <a:spAutoFit/>
+          </a:bodyPr>
+          <a:lstStyle/>
+          <a:p>
+            <a:pPr algn="ctr"/>
+            <a:r>
+              <a:rPr lang="es-ES" sz="2400" b="1" dirty="0">
+                <a:solidFill>
+                  <a:srgbClr val="C00000"/>
+                </a:solidFill>
+              </a:rPr>
+              <a:t>1</a:t>
+            </a:r>
+          </a:p>
+        </p:txBody>
+      </p:sp>
+      <p:sp>
+        <p:nvSpPr>
+          <p:cNvPr id="90" name="CuadroTexto 89">
+            <a:extLst>
+              <a:ext uri="{FF2B5EF4-FFF2-40B4-BE49-F238E27FC236}">
+                <a16:creationId xmlns:a16="http://schemas.microsoft.com/office/drawing/2014/main" id="{6E678AA8-18B1-4DE5-BC36-66348F768D44}"/>
+              </a:ext>
+            </a:extLst>
+          </p:cNvPr>
+          <p:cNvSpPr txBox="1"/>
+          <p:nvPr/>
+        </p:nvSpPr>
+        <p:spPr>
+          <a:xfrm>
+            <a:off x="4543030" y="2831144"/>
+            <a:ext cx="357452" cy="461665"/>
+          </a:xfrm>
+          <a:prstGeom prst="rect">
+            <a:avLst/>
+          </a:prstGeom>
+          <a:noFill/>
+        </p:spPr>
+        <p:txBody>
+          <a:bodyPr wrap="square" rtlCol="0">
+            <a:spAutoFit/>
+          </a:bodyPr>
+          <a:lstStyle/>
+          <a:p>
+            <a:r>
+              <a:rPr lang="es-ES" sz="2400" b="1" dirty="0">
+                <a:solidFill>
+                  <a:schemeClr val="bg1"/>
+                </a:solidFill>
+              </a:rPr>
+              <a:t>0</a:t>
+            </a:r>
+          </a:p>
+        </p:txBody>
+      </p:sp>
+      <p:sp>
+        <p:nvSpPr>
+          <p:cNvPr id="91" name="CuadroTexto 90">
+            <a:extLst>
+              <a:ext uri="{FF2B5EF4-FFF2-40B4-BE49-F238E27FC236}">
+                <a16:creationId xmlns:a16="http://schemas.microsoft.com/office/drawing/2014/main" id="{7B127DB1-29A0-430E-8A1C-EEE0BD149142}"/>
+              </a:ext>
+            </a:extLst>
+          </p:cNvPr>
+          <p:cNvSpPr txBox="1"/>
+          <p:nvPr/>
+        </p:nvSpPr>
+        <p:spPr>
+          <a:xfrm>
+            <a:off x="5284842" y="3518482"/>
+            <a:ext cx="357452" cy="461665"/>
+          </a:xfrm>
+          <a:prstGeom prst="rect">
+            <a:avLst/>
+          </a:prstGeom>
+          <a:noFill/>
+        </p:spPr>
+        <p:txBody>
+          <a:bodyPr wrap="square" rtlCol="0">
+            <a:spAutoFit/>
+          </a:bodyPr>
+          <a:lstStyle/>
+          <a:p>
+            <a:r>
+              <a:rPr lang="es-ES" sz="2400" b="1" dirty="0">
+                <a:solidFill>
+                  <a:schemeClr val="bg1"/>
+                </a:solidFill>
+              </a:rPr>
+              <a:t>0</a:t>
+            </a:r>
+          </a:p>
+        </p:txBody>
+      </p:sp>
+      <p:sp>
+        <p:nvSpPr>
+          <p:cNvPr id="92" name="CuadroTexto 91">
+            <a:extLst>
+              <a:ext uri="{FF2B5EF4-FFF2-40B4-BE49-F238E27FC236}">
+                <a16:creationId xmlns:a16="http://schemas.microsoft.com/office/drawing/2014/main" id="{3D1273EC-7F76-4F75-A9F0-20E3907DB775}"/>
+              </a:ext>
+            </a:extLst>
+          </p:cNvPr>
+          <p:cNvSpPr txBox="1"/>
+          <p:nvPr/>
+        </p:nvSpPr>
+        <p:spPr>
+          <a:xfrm>
+            <a:off x="6027856" y="4251634"/>
+            <a:ext cx="357452" cy="461665"/>
+          </a:xfrm>
+          <a:prstGeom prst="rect">
+            <a:avLst/>
+          </a:prstGeom>
+          <a:noFill/>
+        </p:spPr>
+        <p:txBody>
+          <a:bodyPr wrap="square" rtlCol="0">
+            <a:spAutoFit/>
+          </a:bodyPr>
+          <a:lstStyle/>
+          <a:p>
+            <a:r>
+              <a:rPr lang="es-ES" sz="2400" b="1" dirty="0">
+                <a:solidFill>
+                  <a:schemeClr val="bg1"/>
+                </a:solidFill>
+              </a:rPr>
+              <a:t>0</a:t>
+            </a:r>
+          </a:p>
+        </p:txBody>
+      </p:sp>
+      <p:sp>
+        <p:nvSpPr>
+          <p:cNvPr id="93" name="CuadroTexto 92">
+            <a:extLst>
+              <a:ext uri="{FF2B5EF4-FFF2-40B4-BE49-F238E27FC236}">
+                <a16:creationId xmlns:a16="http://schemas.microsoft.com/office/drawing/2014/main" id="{3B65A095-1A82-4F6A-BF8A-B8DE69A1F072}"/>
+              </a:ext>
+            </a:extLst>
+          </p:cNvPr>
+          <p:cNvSpPr txBox="1"/>
+          <p:nvPr/>
+        </p:nvSpPr>
+        <p:spPr>
+          <a:xfrm>
+            <a:off x="6763351" y="4904101"/>
+            <a:ext cx="357452" cy="461665"/>
+          </a:xfrm>
+          <a:prstGeom prst="rect">
+            <a:avLst/>
+          </a:prstGeom>
+          <a:noFill/>
+        </p:spPr>
+        <p:txBody>
+          <a:bodyPr wrap="square" rtlCol="0">
+            <a:spAutoFit/>
+          </a:bodyPr>
+          <a:lstStyle/>
+          <a:p>
+            <a:r>
+              <a:rPr lang="es-ES" sz="2400" b="1" dirty="0">
+                <a:solidFill>
+                  <a:schemeClr val="bg1"/>
+                </a:solidFill>
+              </a:rPr>
+              <a:t>0</a:t>
+            </a:r>
+          </a:p>
+        </p:txBody>
+      </p:sp>
+      <p:sp>
+        <p:nvSpPr>
+          <p:cNvPr id="94" name="CuadroTexto 93">
+            <a:extLst>
+              <a:ext uri="{FF2B5EF4-FFF2-40B4-BE49-F238E27FC236}">
+                <a16:creationId xmlns:a16="http://schemas.microsoft.com/office/drawing/2014/main" id="{D5870797-081D-452D-A8CE-058FD9C1795F}"/>
+              </a:ext>
+            </a:extLst>
+          </p:cNvPr>
+          <p:cNvSpPr txBox="1"/>
+          <p:nvPr/>
+        </p:nvSpPr>
+        <p:spPr>
+          <a:xfrm>
+            <a:off x="4536713" y="2857226"/>
+            <a:ext cx="357452" cy="461665"/>
+          </a:xfrm>
+          <a:prstGeom prst="rect">
+            <a:avLst/>
+          </a:prstGeom>
+        </p:spPr>
+        <p:style>
+          <a:lnRef idx="2">
+            <a:schemeClr val="accent4"/>
+          </a:lnRef>
+          <a:fillRef idx="1">
+            <a:schemeClr val="lt1"/>
+          </a:fillRef>
+          <a:effectRef idx="0">
+            <a:schemeClr val="accent4"/>
+          </a:effectRef>
+          <a:fontRef idx="minor">
+            <a:schemeClr val="dk1"/>
+          </a:fontRef>
+        </p:style>
+        <p:txBody>
+          <a:bodyPr wrap="square" rtlCol="0">
+            <a:spAutoFit/>
+          </a:bodyPr>
+          <a:lstStyle/>
+          <a:p>
+            <a:r>
+              <a:rPr lang="es-ES" sz="2400" b="1" dirty="0">
+                <a:solidFill>
+                  <a:srgbClr val="C00000"/>
+                </a:solidFill>
+              </a:rPr>
+              <a:t>0</a:t>
+            </a:r>
+          </a:p>
+        </p:txBody>
+      </p:sp>
+      <p:sp>
+        <p:nvSpPr>
+          <p:cNvPr id="95" name="CuadroTexto 94">
+            <a:extLst>
+              <a:ext uri="{FF2B5EF4-FFF2-40B4-BE49-F238E27FC236}">
+                <a16:creationId xmlns:a16="http://schemas.microsoft.com/office/drawing/2014/main" id="{22EFED9D-4D32-423F-9CE1-8706FBFFE0E4}"/>
+              </a:ext>
+            </a:extLst>
+          </p:cNvPr>
+          <p:cNvSpPr txBox="1"/>
+          <p:nvPr/>
+        </p:nvSpPr>
+        <p:spPr>
+          <a:xfrm>
+            <a:off x="4548744" y="3521151"/>
+            <a:ext cx="357452" cy="461665"/>
+          </a:xfrm>
+          <a:prstGeom prst="rect">
+            <a:avLst/>
+          </a:prstGeom>
+        </p:spPr>
+        <p:style>
+          <a:lnRef idx="2">
+            <a:schemeClr val="accent4"/>
+          </a:lnRef>
+          <a:fillRef idx="1">
+            <a:schemeClr val="lt1"/>
+          </a:fillRef>
+          <a:effectRef idx="0">
+            <a:schemeClr val="accent4"/>
+          </a:effectRef>
+          <a:fontRef idx="minor">
+            <a:schemeClr val="dk1"/>
+          </a:fontRef>
+        </p:style>
+        <p:txBody>
+          <a:bodyPr wrap="square" rtlCol="0">
+            <a:spAutoFit/>
+          </a:bodyPr>
+          <a:lstStyle/>
+          <a:p>
+            <a:r>
+              <a:rPr lang="es-ES" sz="2400" b="1" dirty="0">
+                <a:solidFill>
+                  <a:srgbClr val="C00000"/>
+                </a:solidFill>
+              </a:rPr>
+              <a:t>1</a:t>
+            </a:r>
+          </a:p>
+        </p:txBody>
+      </p:sp>
+      <p:sp>
+        <p:nvSpPr>
+          <p:cNvPr id="96" name="CuadroTexto 95">
+            <a:extLst>
+              <a:ext uri="{FF2B5EF4-FFF2-40B4-BE49-F238E27FC236}">
+                <a16:creationId xmlns:a16="http://schemas.microsoft.com/office/drawing/2014/main" id="{A8D8EB09-26BE-4D58-BF82-7D089A359707}"/>
+              </a:ext>
+            </a:extLst>
+          </p:cNvPr>
+          <p:cNvSpPr txBox="1"/>
+          <p:nvPr/>
+        </p:nvSpPr>
+        <p:spPr>
+          <a:xfrm>
+            <a:off x="4543612" y="4191119"/>
+            <a:ext cx="357452" cy="461665"/>
+          </a:xfrm>
+          <a:prstGeom prst="rect">
+            <a:avLst/>
+          </a:prstGeom>
+        </p:spPr>
+        <p:style>
+          <a:lnRef idx="2">
+            <a:schemeClr val="accent4"/>
+          </a:lnRef>
+          <a:fillRef idx="1">
+            <a:schemeClr val="lt1"/>
+          </a:fillRef>
+          <a:effectRef idx="0">
+            <a:schemeClr val="accent4"/>
+          </a:effectRef>
+          <a:fontRef idx="minor">
+            <a:schemeClr val="dk1"/>
+          </a:fontRef>
+        </p:style>
+        <p:txBody>
+          <a:bodyPr wrap="square" rtlCol="0">
+            <a:spAutoFit/>
+          </a:bodyPr>
+          <a:lstStyle/>
+          <a:p>
+            <a:r>
+              <a:rPr lang="es-ES" sz="2400" b="1" dirty="0">
+                <a:solidFill>
+                  <a:srgbClr val="C00000"/>
+                </a:solidFill>
+              </a:rPr>
+              <a:t>0</a:t>
+            </a:r>
+          </a:p>
+        </p:txBody>
+      </p:sp>
+      <p:sp>
+        <p:nvSpPr>
+          <p:cNvPr id="97" name="CuadroTexto 96">
+            <a:extLst>
+              <a:ext uri="{FF2B5EF4-FFF2-40B4-BE49-F238E27FC236}">
+                <a16:creationId xmlns:a16="http://schemas.microsoft.com/office/drawing/2014/main" id="{0AF4688A-A525-4DA6-AB94-C09B5BA4590C}"/>
+              </a:ext>
+            </a:extLst>
+          </p:cNvPr>
+          <p:cNvSpPr txBox="1"/>
+          <p:nvPr/>
+        </p:nvSpPr>
+        <p:spPr>
+          <a:xfrm>
+            <a:off x="4556866" y="4906278"/>
+            <a:ext cx="357452" cy="461665"/>
+          </a:xfrm>
+          <a:prstGeom prst="rect">
+            <a:avLst/>
+          </a:prstGeom>
+        </p:spPr>
+        <p:style>
+          <a:lnRef idx="2">
+            <a:schemeClr val="accent4"/>
+          </a:lnRef>
+          <a:fillRef idx="1">
+            <a:schemeClr val="lt1"/>
+          </a:fillRef>
+          <a:effectRef idx="0">
+            <a:schemeClr val="accent4"/>
+          </a:effectRef>
+          <a:fontRef idx="minor">
+            <a:schemeClr val="dk1"/>
+          </a:fontRef>
+        </p:style>
+        <p:txBody>
+          <a:bodyPr wrap="square" rtlCol="0">
+            <a:spAutoFit/>
+          </a:bodyPr>
+          <a:lstStyle/>
+          <a:p>
+            <a:r>
+              <a:rPr lang="es-ES" sz="2400" b="1" dirty="0">
+                <a:solidFill>
+                  <a:srgbClr val="C00000"/>
+                </a:solidFill>
+              </a:rPr>
+              <a:t>1</a:t>
+            </a:r>
+          </a:p>
+        </p:txBody>
+      </p:sp>
+    </p:spTree>
+    <p:extLst>
+      <p:ext uri="{BB962C8B-B14F-4D97-AF65-F5344CB8AC3E}">
+        <p14:creationId xmlns:p14="http://schemas.microsoft.com/office/powerpoint/2010/main" val="2797038060"/>
+      </p:ext>
+    </p:extLst>
+  </p:cSld>
+  <p:clrMapOvr>
+    <a:masterClrMapping/>
+  </p:clrMapOvr>
+  <p:timing>
+    <p:tnLst>
+      <p:par>
+        <p:cTn id="1" dur="indefinite" restart="never" nodeType="tmRoot">
+          <p:childTnLst>
+            <p:seq concurrent="1" nextAc="seek">
+              <p:cTn id="2" dur="indefinite" nodeType="mainSeq">
+                <p:childTnLst>
+                  <p:par>
+                    <p:cTn id="3" fill="hold">
+                      <p:stCondLst>
+                        <p:cond delay="indefinite"/>
+                      </p:stCondLst>
+                      <p:childTnLst>
+                        <p:par>
+                          <p:cTn id="4" fill="hold">
+                            <p:stCondLst>
+                              <p:cond delay="0"/>
+                            </p:stCondLst>
+                            <p:childTnLst>
+                              <p:par>
+                                <p:cTn id="5" presetID="47" presetClass="entr" presetSubtype="0" fill="hold" grpId="0" nodeType="clickEffect">
+                                  <p:stCondLst>
+                                    <p:cond delay="0"/>
+                                  </p:stCondLst>
+                                  <p:childTnLst>
+                                    <p:set>
+                                      <p:cBhvr>
+                                        <p:cTn id="6" dur="1" fill="hold">
+                                          <p:stCondLst>
+                                            <p:cond delay="0"/>
+                                          </p:stCondLst>
+                                        </p:cTn>
+                                        <p:tgtEl>
+                                          <p:spTgt spid="53"/>
+                                        </p:tgtEl>
+                                        <p:attrNameLst>
+                                          <p:attrName>style.visibility</p:attrName>
+                                        </p:attrNameLst>
+                                      </p:cBhvr>
+                                      <p:to>
+                                        <p:strVal val="visible"/>
+                                      </p:to>
+                                    </p:set>
+                                    <p:animEffect transition="in" filter="fade">
+                                      <p:cBhvr>
+                                        <p:cTn id="7" dur="500"/>
+                                        <p:tgtEl>
+                                          <p:spTgt spid="53"/>
+                                        </p:tgtEl>
+                                      </p:cBhvr>
+                                    </p:animEffect>
+                                    <p:anim calcmode="lin" valueType="num">
+                                      <p:cBhvr>
+                                        <p:cTn id="8" dur="500" fill="hold"/>
+                                        <p:tgtEl>
+                                          <p:spTgt spid="53"/>
+                                        </p:tgtEl>
+                                        <p:attrNameLst>
+                                          <p:attrName>ppt_x</p:attrName>
+                                        </p:attrNameLst>
+                                      </p:cBhvr>
+                                      <p:tavLst>
+                                        <p:tav tm="0">
+                                          <p:val>
+                                            <p:strVal val="#ppt_x"/>
+                                          </p:val>
+                                        </p:tav>
+                                        <p:tav tm="100000">
+                                          <p:val>
+                                            <p:strVal val="#ppt_x"/>
+                                          </p:val>
+                                        </p:tav>
+                                      </p:tavLst>
+                                    </p:anim>
+                                    <p:anim calcmode="lin" valueType="num">
+                                      <p:cBhvr>
+                                        <p:cTn id="9" dur="500" fill="hold"/>
+                                        <p:tgtEl>
+                                          <p:spTgt spid="53"/>
+                                        </p:tgtEl>
+                                        <p:attrNameLst>
+                                          <p:attrName>ppt_y</p:attrName>
+                                        </p:attrNameLst>
+                                      </p:cBhvr>
+                                      <p:tavLst>
+                                        <p:tav tm="0">
+                                          <p:val>
+                                            <p:strVal val="#ppt_y-.1"/>
+                                          </p:val>
+                                        </p:tav>
+                                        <p:tav tm="100000">
+                                          <p:val>
+                                            <p:strVal val="#ppt_y"/>
+                                          </p:val>
+                                        </p:tav>
+                                      </p:tavLst>
+                                    </p:anim>
+                                  </p:childTnLst>
+                                </p:cTn>
+                              </p:par>
+                              <p:par>
+                                <p:cTn id="10" presetID="47" presetClass="entr" presetSubtype="0" fill="hold" grpId="0" nodeType="withEffect">
+                                  <p:stCondLst>
+                                    <p:cond delay="0"/>
+                                  </p:stCondLst>
+                                  <p:childTnLst>
+                                    <p:set>
+                                      <p:cBhvr>
+                                        <p:cTn id="11" dur="1" fill="hold">
+                                          <p:stCondLst>
+                                            <p:cond delay="0"/>
+                                          </p:stCondLst>
+                                        </p:cTn>
+                                        <p:tgtEl>
+                                          <p:spTgt spid="54"/>
+                                        </p:tgtEl>
+                                        <p:attrNameLst>
+                                          <p:attrName>style.visibility</p:attrName>
+                                        </p:attrNameLst>
+                                      </p:cBhvr>
+                                      <p:to>
+                                        <p:strVal val="visible"/>
+                                      </p:to>
+                                    </p:set>
+                                    <p:animEffect transition="in" filter="fade">
+                                      <p:cBhvr>
+                                        <p:cTn id="12" dur="500"/>
+                                        <p:tgtEl>
+                                          <p:spTgt spid="54"/>
+                                        </p:tgtEl>
+                                      </p:cBhvr>
+                                    </p:animEffect>
+                                    <p:anim calcmode="lin" valueType="num">
+                                      <p:cBhvr>
+                                        <p:cTn id="13" dur="500" fill="hold"/>
+                                        <p:tgtEl>
+                                          <p:spTgt spid="54"/>
+                                        </p:tgtEl>
+                                        <p:attrNameLst>
+                                          <p:attrName>ppt_x</p:attrName>
+                                        </p:attrNameLst>
+                                      </p:cBhvr>
+                                      <p:tavLst>
+                                        <p:tav tm="0">
+                                          <p:val>
+                                            <p:strVal val="#ppt_x"/>
+                                          </p:val>
+                                        </p:tav>
+                                        <p:tav tm="100000">
+                                          <p:val>
+                                            <p:strVal val="#ppt_x"/>
+                                          </p:val>
+                                        </p:tav>
+                                      </p:tavLst>
+                                    </p:anim>
+                                    <p:anim calcmode="lin" valueType="num">
+                                      <p:cBhvr>
+                                        <p:cTn id="14" dur="500" fill="hold"/>
+                                        <p:tgtEl>
+                                          <p:spTgt spid="54"/>
+                                        </p:tgtEl>
+                                        <p:attrNameLst>
+                                          <p:attrName>ppt_y</p:attrName>
+                                        </p:attrNameLst>
+                                      </p:cBhvr>
+                                      <p:tavLst>
+                                        <p:tav tm="0">
+                                          <p:val>
+                                            <p:strVal val="#ppt_y-.1"/>
+                                          </p:val>
+                                        </p:tav>
+                                        <p:tav tm="100000">
+                                          <p:val>
+                                            <p:strVal val="#ppt_y"/>
+                                          </p:val>
+                                        </p:tav>
+                                      </p:tavLst>
+                                    </p:anim>
+                                  </p:childTnLst>
+                                </p:cTn>
+                              </p:par>
+                              <p:par>
+                                <p:cTn id="15" presetID="47" presetClass="entr" presetSubtype="0" fill="hold" grpId="0" nodeType="withEffect">
+                                  <p:stCondLst>
+                                    <p:cond delay="0"/>
+                                  </p:stCondLst>
+                                  <p:childTnLst>
+                                    <p:set>
+                                      <p:cBhvr>
+                                        <p:cTn id="16" dur="1" fill="hold">
+                                          <p:stCondLst>
+                                            <p:cond delay="0"/>
+                                          </p:stCondLst>
+                                        </p:cTn>
+                                        <p:tgtEl>
+                                          <p:spTgt spid="55"/>
+                                        </p:tgtEl>
+                                        <p:attrNameLst>
+                                          <p:attrName>style.visibility</p:attrName>
+                                        </p:attrNameLst>
+                                      </p:cBhvr>
+                                      <p:to>
+                                        <p:strVal val="visible"/>
+                                      </p:to>
+                                    </p:set>
+                                    <p:animEffect transition="in" filter="fade">
+                                      <p:cBhvr>
+                                        <p:cTn id="17" dur="500"/>
+                                        <p:tgtEl>
+                                          <p:spTgt spid="55"/>
+                                        </p:tgtEl>
+                                      </p:cBhvr>
+                                    </p:animEffect>
+                                    <p:anim calcmode="lin" valueType="num">
+                                      <p:cBhvr>
+                                        <p:cTn id="18" dur="500" fill="hold"/>
+                                        <p:tgtEl>
+                                          <p:spTgt spid="55"/>
+                                        </p:tgtEl>
+                                        <p:attrNameLst>
+                                          <p:attrName>ppt_x</p:attrName>
+                                        </p:attrNameLst>
+                                      </p:cBhvr>
+                                      <p:tavLst>
+                                        <p:tav tm="0">
+                                          <p:val>
+                                            <p:strVal val="#ppt_x"/>
+                                          </p:val>
+                                        </p:tav>
+                                        <p:tav tm="100000">
+                                          <p:val>
+                                            <p:strVal val="#ppt_x"/>
+                                          </p:val>
+                                        </p:tav>
+                                      </p:tavLst>
+                                    </p:anim>
+                                    <p:anim calcmode="lin" valueType="num">
+                                      <p:cBhvr>
+                                        <p:cTn id="19" dur="500" fill="hold"/>
+                                        <p:tgtEl>
+                                          <p:spTgt spid="55"/>
+                                        </p:tgtEl>
+                                        <p:attrNameLst>
+                                          <p:attrName>ppt_y</p:attrName>
+                                        </p:attrNameLst>
+                                      </p:cBhvr>
+                                      <p:tavLst>
+                                        <p:tav tm="0">
+                                          <p:val>
+                                            <p:strVal val="#ppt_y-.1"/>
+                                          </p:val>
+                                        </p:tav>
+                                        <p:tav tm="100000">
+                                          <p:val>
+                                            <p:strVal val="#ppt_y"/>
+                                          </p:val>
+                                        </p:tav>
+                                      </p:tavLst>
+                                    </p:anim>
+                                  </p:childTnLst>
+                                </p:cTn>
+                              </p:par>
+                              <p:par>
+                                <p:cTn id="20" presetID="47" presetClass="entr" presetSubtype="0" fill="hold" grpId="0" nodeType="withEffect">
+                                  <p:stCondLst>
+                                    <p:cond delay="0"/>
+                                  </p:stCondLst>
+                                  <p:childTnLst>
+                                    <p:set>
+                                      <p:cBhvr>
+                                        <p:cTn id="21" dur="1" fill="hold">
+                                          <p:stCondLst>
+                                            <p:cond delay="0"/>
+                                          </p:stCondLst>
+                                        </p:cTn>
+                                        <p:tgtEl>
+                                          <p:spTgt spid="56"/>
+                                        </p:tgtEl>
+                                        <p:attrNameLst>
+                                          <p:attrName>style.visibility</p:attrName>
+                                        </p:attrNameLst>
+                                      </p:cBhvr>
+                                      <p:to>
+                                        <p:strVal val="visible"/>
+                                      </p:to>
+                                    </p:set>
+                                    <p:animEffect transition="in" filter="fade">
+                                      <p:cBhvr>
+                                        <p:cTn id="22" dur="500"/>
+                                        <p:tgtEl>
+                                          <p:spTgt spid="56"/>
+                                        </p:tgtEl>
+                                      </p:cBhvr>
+                                    </p:animEffect>
+                                    <p:anim calcmode="lin" valueType="num">
+                                      <p:cBhvr>
+                                        <p:cTn id="23" dur="500" fill="hold"/>
+                                        <p:tgtEl>
+                                          <p:spTgt spid="56"/>
+                                        </p:tgtEl>
+                                        <p:attrNameLst>
+                                          <p:attrName>ppt_x</p:attrName>
+                                        </p:attrNameLst>
+                                      </p:cBhvr>
+                                      <p:tavLst>
+                                        <p:tav tm="0">
+                                          <p:val>
+                                            <p:strVal val="#ppt_x"/>
+                                          </p:val>
+                                        </p:tav>
+                                        <p:tav tm="100000">
+                                          <p:val>
+                                            <p:strVal val="#ppt_x"/>
+                                          </p:val>
+                                        </p:tav>
+                                      </p:tavLst>
+                                    </p:anim>
+                                    <p:anim calcmode="lin" valueType="num">
+                                      <p:cBhvr>
+                                        <p:cTn id="24" dur="500" fill="hold"/>
+                                        <p:tgtEl>
+                                          <p:spTgt spid="56"/>
+                                        </p:tgtEl>
+                                        <p:attrNameLst>
+                                          <p:attrName>ppt_y</p:attrName>
+                                        </p:attrNameLst>
+                                      </p:cBhvr>
+                                      <p:tavLst>
+                                        <p:tav tm="0">
+                                          <p:val>
+                                            <p:strVal val="#ppt_y-.1"/>
+                                          </p:val>
+                                        </p:tav>
+                                        <p:tav tm="100000">
+                                          <p:val>
+                                            <p:strVal val="#ppt_y"/>
+                                          </p:val>
+                                        </p:tav>
+                                      </p:tavLst>
+                                    </p:anim>
+                                  </p:childTnLst>
+                                </p:cTn>
+                              </p:par>
+                              <p:par>
+                                <p:cTn id="25" presetID="47" presetClass="entr" presetSubtype="0" fill="hold" grpId="0" nodeType="withEffect">
+                                  <p:stCondLst>
+                                    <p:cond delay="0"/>
+                                  </p:stCondLst>
+                                  <p:childTnLst>
+                                    <p:set>
+                                      <p:cBhvr>
+                                        <p:cTn id="26" dur="1" fill="hold">
+                                          <p:stCondLst>
+                                            <p:cond delay="0"/>
+                                          </p:stCondLst>
+                                        </p:cTn>
+                                        <p:tgtEl>
+                                          <p:spTgt spid="65"/>
+                                        </p:tgtEl>
+                                        <p:attrNameLst>
+                                          <p:attrName>style.visibility</p:attrName>
+                                        </p:attrNameLst>
+                                      </p:cBhvr>
+                                      <p:to>
+                                        <p:strVal val="visible"/>
+                                      </p:to>
+                                    </p:set>
+                                    <p:animEffect transition="in" filter="fade">
+                                      <p:cBhvr>
+                                        <p:cTn id="27" dur="500"/>
+                                        <p:tgtEl>
+                                          <p:spTgt spid="65"/>
+                                        </p:tgtEl>
+                                      </p:cBhvr>
+                                    </p:animEffect>
+                                    <p:anim calcmode="lin" valueType="num">
+                                      <p:cBhvr>
+                                        <p:cTn id="28" dur="500" fill="hold"/>
+                                        <p:tgtEl>
+                                          <p:spTgt spid="65"/>
+                                        </p:tgtEl>
+                                        <p:attrNameLst>
+                                          <p:attrName>ppt_x</p:attrName>
+                                        </p:attrNameLst>
+                                      </p:cBhvr>
+                                      <p:tavLst>
+                                        <p:tav tm="0">
+                                          <p:val>
+                                            <p:strVal val="#ppt_x"/>
+                                          </p:val>
+                                        </p:tav>
+                                        <p:tav tm="100000">
+                                          <p:val>
+                                            <p:strVal val="#ppt_x"/>
+                                          </p:val>
+                                        </p:tav>
+                                      </p:tavLst>
+                                    </p:anim>
+                                    <p:anim calcmode="lin" valueType="num">
+                                      <p:cBhvr>
+                                        <p:cTn id="29" dur="500" fill="hold"/>
+                                        <p:tgtEl>
+                                          <p:spTgt spid="65"/>
+                                        </p:tgtEl>
+                                        <p:attrNameLst>
+                                          <p:attrName>ppt_y</p:attrName>
+                                        </p:attrNameLst>
+                                      </p:cBhvr>
+                                      <p:tavLst>
+                                        <p:tav tm="0">
+                                          <p:val>
+                                            <p:strVal val="#ppt_y-.1"/>
+                                          </p:val>
+                                        </p:tav>
+                                        <p:tav tm="100000">
+                                          <p:val>
+                                            <p:strVal val="#ppt_y"/>
+                                          </p:val>
+                                        </p:tav>
+                                      </p:tavLst>
+                                    </p:anim>
+                                  </p:childTnLst>
+                                </p:cTn>
+                              </p:par>
+                              <p:par>
+                                <p:cTn id="30" presetID="47" presetClass="entr" presetSubtype="0" fill="hold" nodeType="withEffect">
+                                  <p:stCondLst>
+                                    <p:cond delay="0"/>
+                                  </p:stCondLst>
+                                  <p:childTnLst>
+                                    <p:set>
+                                      <p:cBhvr>
+                                        <p:cTn id="31" dur="1" fill="hold">
+                                          <p:stCondLst>
+                                            <p:cond delay="0"/>
+                                          </p:stCondLst>
+                                        </p:cTn>
+                                        <p:tgtEl>
+                                          <p:spTgt spid="66"/>
+                                        </p:tgtEl>
+                                        <p:attrNameLst>
+                                          <p:attrName>style.visibility</p:attrName>
+                                        </p:attrNameLst>
+                                      </p:cBhvr>
+                                      <p:to>
+                                        <p:strVal val="visible"/>
+                                      </p:to>
+                                    </p:set>
+                                    <p:animEffect transition="in" filter="fade">
+                                      <p:cBhvr>
+                                        <p:cTn id="32" dur="500"/>
+                                        <p:tgtEl>
+                                          <p:spTgt spid="66"/>
+                                        </p:tgtEl>
+                                      </p:cBhvr>
+                                    </p:animEffect>
+                                    <p:anim calcmode="lin" valueType="num">
+                                      <p:cBhvr>
+                                        <p:cTn id="33" dur="500" fill="hold"/>
+                                        <p:tgtEl>
+                                          <p:spTgt spid="66"/>
+                                        </p:tgtEl>
+                                        <p:attrNameLst>
+                                          <p:attrName>ppt_x</p:attrName>
+                                        </p:attrNameLst>
+                                      </p:cBhvr>
+                                      <p:tavLst>
+                                        <p:tav tm="0">
+                                          <p:val>
+                                            <p:strVal val="#ppt_x"/>
+                                          </p:val>
+                                        </p:tav>
+                                        <p:tav tm="100000">
+                                          <p:val>
+                                            <p:strVal val="#ppt_x"/>
+                                          </p:val>
+                                        </p:tav>
+                                      </p:tavLst>
+                                    </p:anim>
+                                    <p:anim calcmode="lin" valueType="num">
+                                      <p:cBhvr>
+                                        <p:cTn id="34" dur="500" fill="hold"/>
+                                        <p:tgtEl>
+                                          <p:spTgt spid="66"/>
+                                        </p:tgtEl>
+                                        <p:attrNameLst>
+                                          <p:attrName>ppt_y</p:attrName>
+                                        </p:attrNameLst>
+                                      </p:cBhvr>
+                                      <p:tavLst>
+                                        <p:tav tm="0">
+                                          <p:val>
+                                            <p:strVal val="#ppt_y-.1"/>
+                                          </p:val>
+                                        </p:tav>
+                                        <p:tav tm="100000">
+                                          <p:val>
+                                            <p:strVal val="#ppt_y"/>
+                                          </p:val>
+                                        </p:tav>
+                                      </p:tavLst>
+                                    </p:anim>
+                                  </p:childTnLst>
+                                </p:cTn>
+                              </p:par>
+                              <p:par>
+                                <p:cTn id="35" presetID="47" presetClass="entr" presetSubtype="0" fill="hold" nodeType="withEffect">
+                                  <p:stCondLst>
+                                    <p:cond delay="0"/>
+                                  </p:stCondLst>
+                                  <p:childTnLst>
+                                    <p:set>
+                                      <p:cBhvr>
+                                        <p:cTn id="36" dur="1" fill="hold">
+                                          <p:stCondLst>
+                                            <p:cond delay="0"/>
+                                          </p:stCondLst>
+                                        </p:cTn>
+                                        <p:tgtEl>
+                                          <p:spTgt spid="67"/>
+                                        </p:tgtEl>
+                                        <p:attrNameLst>
+                                          <p:attrName>style.visibility</p:attrName>
+                                        </p:attrNameLst>
+                                      </p:cBhvr>
+                                      <p:to>
+                                        <p:strVal val="visible"/>
+                                      </p:to>
+                                    </p:set>
+                                    <p:animEffect transition="in" filter="fade">
+                                      <p:cBhvr>
+                                        <p:cTn id="37" dur="500"/>
+                                        <p:tgtEl>
+                                          <p:spTgt spid="67"/>
+                                        </p:tgtEl>
+                                      </p:cBhvr>
+                                    </p:animEffect>
+                                    <p:anim calcmode="lin" valueType="num">
+                                      <p:cBhvr>
+                                        <p:cTn id="38" dur="500" fill="hold"/>
+                                        <p:tgtEl>
+                                          <p:spTgt spid="67"/>
+                                        </p:tgtEl>
+                                        <p:attrNameLst>
+                                          <p:attrName>ppt_x</p:attrName>
+                                        </p:attrNameLst>
+                                      </p:cBhvr>
+                                      <p:tavLst>
+                                        <p:tav tm="0">
+                                          <p:val>
+                                            <p:strVal val="#ppt_x"/>
+                                          </p:val>
+                                        </p:tav>
+                                        <p:tav tm="100000">
+                                          <p:val>
+                                            <p:strVal val="#ppt_x"/>
+                                          </p:val>
+                                        </p:tav>
+                                      </p:tavLst>
+                                    </p:anim>
+                                    <p:anim calcmode="lin" valueType="num">
+                                      <p:cBhvr>
+                                        <p:cTn id="39" dur="500" fill="hold"/>
+                                        <p:tgtEl>
+                                          <p:spTgt spid="67"/>
+                                        </p:tgtEl>
+                                        <p:attrNameLst>
+                                          <p:attrName>ppt_y</p:attrName>
+                                        </p:attrNameLst>
+                                      </p:cBhvr>
+                                      <p:tavLst>
+                                        <p:tav tm="0">
+                                          <p:val>
+                                            <p:strVal val="#ppt_y-.1"/>
+                                          </p:val>
+                                        </p:tav>
+                                        <p:tav tm="100000">
+                                          <p:val>
+                                            <p:strVal val="#ppt_y"/>
+                                          </p:val>
+                                        </p:tav>
+                                      </p:tavLst>
+                                    </p:anim>
+                                  </p:childTnLst>
+                                </p:cTn>
+                              </p:par>
+                              <p:par>
+                                <p:cTn id="40" presetID="47" presetClass="entr" presetSubtype="0" fill="hold" nodeType="withEffect">
+                                  <p:stCondLst>
+                                    <p:cond delay="0"/>
+                                  </p:stCondLst>
+                                  <p:childTnLst>
+                                    <p:set>
+                                      <p:cBhvr>
+                                        <p:cTn id="41" dur="1" fill="hold">
+                                          <p:stCondLst>
+                                            <p:cond delay="0"/>
+                                          </p:stCondLst>
+                                        </p:cTn>
+                                        <p:tgtEl>
+                                          <p:spTgt spid="68"/>
+                                        </p:tgtEl>
+                                        <p:attrNameLst>
+                                          <p:attrName>style.visibility</p:attrName>
+                                        </p:attrNameLst>
+                                      </p:cBhvr>
+                                      <p:to>
+                                        <p:strVal val="visible"/>
+                                      </p:to>
+                                    </p:set>
+                                    <p:animEffect transition="in" filter="fade">
+                                      <p:cBhvr>
+                                        <p:cTn id="42" dur="500"/>
+                                        <p:tgtEl>
+                                          <p:spTgt spid="68"/>
+                                        </p:tgtEl>
+                                      </p:cBhvr>
+                                    </p:animEffect>
+                                    <p:anim calcmode="lin" valueType="num">
+                                      <p:cBhvr>
+                                        <p:cTn id="43" dur="500" fill="hold"/>
+                                        <p:tgtEl>
+                                          <p:spTgt spid="68"/>
+                                        </p:tgtEl>
+                                        <p:attrNameLst>
+                                          <p:attrName>ppt_x</p:attrName>
+                                        </p:attrNameLst>
+                                      </p:cBhvr>
+                                      <p:tavLst>
+                                        <p:tav tm="0">
+                                          <p:val>
+                                            <p:strVal val="#ppt_x"/>
+                                          </p:val>
+                                        </p:tav>
+                                        <p:tav tm="100000">
+                                          <p:val>
+                                            <p:strVal val="#ppt_x"/>
+                                          </p:val>
+                                        </p:tav>
+                                      </p:tavLst>
+                                    </p:anim>
+                                    <p:anim calcmode="lin" valueType="num">
+                                      <p:cBhvr>
+                                        <p:cTn id="44" dur="500" fill="hold"/>
+                                        <p:tgtEl>
+                                          <p:spTgt spid="68"/>
+                                        </p:tgtEl>
+                                        <p:attrNameLst>
+                                          <p:attrName>ppt_y</p:attrName>
+                                        </p:attrNameLst>
+                                      </p:cBhvr>
+                                      <p:tavLst>
+                                        <p:tav tm="0">
+                                          <p:val>
+                                            <p:strVal val="#ppt_y-.1"/>
+                                          </p:val>
+                                        </p:tav>
+                                        <p:tav tm="100000">
+                                          <p:val>
+                                            <p:strVal val="#ppt_y"/>
+                                          </p:val>
+                                        </p:tav>
+                                      </p:tavLst>
+                                    </p:anim>
+                                  </p:childTnLst>
+                                </p:cTn>
+                              </p:par>
+                              <p:par>
+                                <p:cTn id="45" presetID="47" presetClass="entr" presetSubtype="0" fill="hold" grpId="0" nodeType="withEffect">
+                                  <p:stCondLst>
+                                    <p:cond delay="0"/>
+                                  </p:stCondLst>
+                                  <p:childTnLst>
+                                    <p:set>
+                                      <p:cBhvr>
+                                        <p:cTn id="46" dur="1" fill="hold">
+                                          <p:stCondLst>
+                                            <p:cond delay="0"/>
+                                          </p:stCondLst>
+                                        </p:cTn>
+                                        <p:tgtEl>
+                                          <p:spTgt spid="69"/>
+                                        </p:tgtEl>
+                                        <p:attrNameLst>
+                                          <p:attrName>style.visibility</p:attrName>
+                                        </p:attrNameLst>
+                                      </p:cBhvr>
+                                      <p:to>
+                                        <p:strVal val="visible"/>
+                                      </p:to>
+                                    </p:set>
+                                    <p:animEffect transition="in" filter="fade">
+                                      <p:cBhvr>
+                                        <p:cTn id="47" dur="500"/>
+                                        <p:tgtEl>
+                                          <p:spTgt spid="69"/>
+                                        </p:tgtEl>
+                                      </p:cBhvr>
+                                    </p:animEffect>
+                                    <p:anim calcmode="lin" valueType="num">
+                                      <p:cBhvr>
+                                        <p:cTn id="48" dur="500" fill="hold"/>
+                                        <p:tgtEl>
+                                          <p:spTgt spid="69"/>
+                                        </p:tgtEl>
+                                        <p:attrNameLst>
+                                          <p:attrName>ppt_x</p:attrName>
+                                        </p:attrNameLst>
+                                      </p:cBhvr>
+                                      <p:tavLst>
+                                        <p:tav tm="0">
+                                          <p:val>
+                                            <p:strVal val="#ppt_x"/>
+                                          </p:val>
+                                        </p:tav>
+                                        <p:tav tm="100000">
+                                          <p:val>
+                                            <p:strVal val="#ppt_x"/>
+                                          </p:val>
+                                        </p:tav>
+                                      </p:tavLst>
+                                    </p:anim>
+                                    <p:anim calcmode="lin" valueType="num">
+                                      <p:cBhvr>
+                                        <p:cTn id="49" dur="500" fill="hold"/>
+                                        <p:tgtEl>
+                                          <p:spTgt spid="69"/>
+                                        </p:tgtEl>
+                                        <p:attrNameLst>
+                                          <p:attrName>ppt_y</p:attrName>
+                                        </p:attrNameLst>
+                                      </p:cBhvr>
+                                      <p:tavLst>
+                                        <p:tav tm="0">
+                                          <p:val>
+                                            <p:strVal val="#ppt_y-.1"/>
+                                          </p:val>
+                                        </p:tav>
+                                        <p:tav tm="100000">
+                                          <p:val>
+                                            <p:strVal val="#ppt_y"/>
+                                          </p:val>
+                                        </p:tav>
+                                      </p:tavLst>
+                                    </p:anim>
+                                  </p:childTnLst>
+                                </p:cTn>
+                              </p:par>
+                              <p:par>
+                                <p:cTn id="50" presetID="47" presetClass="entr" presetSubtype="0" fill="hold" grpId="0" nodeType="withEffect">
+                                  <p:stCondLst>
+                                    <p:cond delay="0"/>
+                                  </p:stCondLst>
+                                  <p:childTnLst>
+                                    <p:set>
+                                      <p:cBhvr>
+                                        <p:cTn id="51" dur="1" fill="hold">
+                                          <p:stCondLst>
+                                            <p:cond delay="0"/>
+                                          </p:stCondLst>
+                                        </p:cTn>
+                                        <p:tgtEl>
+                                          <p:spTgt spid="70"/>
+                                        </p:tgtEl>
+                                        <p:attrNameLst>
+                                          <p:attrName>style.visibility</p:attrName>
+                                        </p:attrNameLst>
+                                      </p:cBhvr>
+                                      <p:to>
+                                        <p:strVal val="visible"/>
+                                      </p:to>
+                                    </p:set>
+                                    <p:animEffect transition="in" filter="fade">
+                                      <p:cBhvr>
+                                        <p:cTn id="52" dur="500"/>
+                                        <p:tgtEl>
+                                          <p:spTgt spid="70"/>
+                                        </p:tgtEl>
+                                      </p:cBhvr>
+                                    </p:animEffect>
+                                    <p:anim calcmode="lin" valueType="num">
+                                      <p:cBhvr>
+                                        <p:cTn id="53" dur="500" fill="hold"/>
+                                        <p:tgtEl>
+                                          <p:spTgt spid="70"/>
+                                        </p:tgtEl>
+                                        <p:attrNameLst>
+                                          <p:attrName>ppt_x</p:attrName>
+                                        </p:attrNameLst>
+                                      </p:cBhvr>
+                                      <p:tavLst>
+                                        <p:tav tm="0">
+                                          <p:val>
+                                            <p:strVal val="#ppt_x"/>
+                                          </p:val>
+                                        </p:tav>
+                                        <p:tav tm="100000">
+                                          <p:val>
+                                            <p:strVal val="#ppt_x"/>
+                                          </p:val>
+                                        </p:tav>
+                                      </p:tavLst>
+                                    </p:anim>
+                                    <p:anim calcmode="lin" valueType="num">
+                                      <p:cBhvr>
+                                        <p:cTn id="54" dur="500" fill="hold"/>
+                                        <p:tgtEl>
+                                          <p:spTgt spid="70"/>
+                                        </p:tgtEl>
+                                        <p:attrNameLst>
+                                          <p:attrName>ppt_y</p:attrName>
+                                        </p:attrNameLst>
+                                      </p:cBhvr>
+                                      <p:tavLst>
+                                        <p:tav tm="0">
+                                          <p:val>
+                                            <p:strVal val="#ppt_y-.1"/>
+                                          </p:val>
+                                        </p:tav>
+                                        <p:tav tm="100000">
+                                          <p:val>
+                                            <p:strVal val="#ppt_y"/>
+                                          </p:val>
+                                        </p:tav>
+                                      </p:tavLst>
+                                    </p:anim>
+                                  </p:childTnLst>
+                                </p:cTn>
+                              </p:par>
+                              <p:par>
+                                <p:cTn id="55" presetID="47" presetClass="entr" presetSubtype="0" fill="hold" grpId="0" nodeType="withEffect">
+                                  <p:stCondLst>
+                                    <p:cond delay="0"/>
+                                  </p:stCondLst>
+                                  <p:childTnLst>
+                                    <p:set>
+                                      <p:cBhvr>
+                                        <p:cTn id="56" dur="1" fill="hold">
+                                          <p:stCondLst>
+                                            <p:cond delay="0"/>
+                                          </p:stCondLst>
+                                        </p:cTn>
+                                        <p:tgtEl>
+                                          <p:spTgt spid="71"/>
+                                        </p:tgtEl>
+                                        <p:attrNameLst>
+                                          <p:attrName>style.visibility</p:attrName>
+                                        </p:attrNameLst>
+                                      </p:cBhvr>
+                                      <p:to>
+                                        <p:strVal val="visible"/>
+                                      </p:to>
+                                    </p:set>
+                                    <p:animEffect transition="in" filter="fade">
+                                      <p:cBhvr>
+                                        <p:cTn id="57" dur="500"/>
+                                        <p:tgtEl>
+                                          <p:spTgt spid="71"/>
+                                        </p:tgtEl>
+                                      </p:cBhvr>
+                                    </p:animEffect>
+                                    <p:anim calcmode="lin" valueType="num">
+                                      <p:cBhvr>
+                                        <p:cTn id="58" dur="500" fill="hold"/>
+                                        <p:tgtEl>
+                                          <p:spTgt spid="71"/>
+                                        </p:tgtEl>
+                                        <p:attrNameLst>
+                                          <p:attrName>ppt_x</p:attrName>
+                                        </p:attrNameLst>
+                                      </p:cBhvr>
+                                      <p:tavLst>
+                                        <p:tav tm="0">
+                                          <p:val>
+                                            <p:strVal val="#ppt_x"/>
+                                          </p:val>
+                                        </p:tav>
+                                        <p:tav tm="100000">
+                                          <p:val>
+                                            <p:strVal val="#ppt_x"/>
+                                          </p:val>
+                                        </p:tav>
+                                      </p:tavLst>
+                                    </p:anim>
+                                    <p:anim calcmode="lin" valueType="num">
+                                      <p:cBhvr>
+                                        <p:cTn id="59" dur="500" fill="hold"/>
+                                        <p:tgtEl>
+                                          <p:spTgt spid="71"/>
+                                        </p:tgtEl>
+                                        <p:attrNameLst>
+                                          <p:attrName>ppt_y</p:attrName>
+                                        </p:attrNameLst>
+                                      </p:cBhvr>
+                                      <p:tavLst>
+                                        <p:tav tm="0">
+                                          <p:val>
+                                            <p:strVal val="#ppt_y-.1"/>
+                                          </p:val>
+                                        </p:tav>
+                                        <p:tav tm="100000">
+                                          <p:val>
+                                            <p:strVal val="#ppt_y"/>
+                                          </p:val>
+                                        </p:tav>
+                                      </p:tavLst>
+                                    </p:anim>
+                                  </p:childTnLst>
+                                </p:cTn>
+                              </p:par>
+                              <p:par>
+                                <p:cTn id="60" presetID="47" presetClass="entr" presetSubtype="0" fill="hold" grpId="0" nodeType="withEffect">
+                                  <p:stCondLst>
+                                    <p:cond delay="0"/>
+                                  </p:stCondLst>
+                                  <p:childTnLst>
+                                    <p:set>
+                                      <p:cBhvr>
+                                        <p:cTn id="61" dur="1" fill="hold">
+                                          <p:stCondLst>
+                                            <p:cond delay="0"/>
+                                          </p:stCondLst>
+                                        </p:cTn>
+                                        <p:tgtEl>
+                                          <p:spTgt spid="72"/>
+                                        </p:tgtEl>
+                                        <p:attrNameLst>
+                                          <p:attrName>style.visibility</p:attrName>
+                                        </p:attrNameLst>
+                                      </p:cBhvr>
+                                      <p:to>
+                                        <p:strVal val="visible"/>
+                                      </p:to>
+                                    </p:set>
+                                    <p:animEffect transition="in" filter="fade">
+                                      <p:cBhvr>
+                                        <p:cTn id="62" dur="500"/>
+                                        <p:tgtEl>
+                                          <p:spTgt spid="72"/>
+                                        </p:tgtEl>
+                                      </p:cBhvr>
+                                    </p:animEffect>
+                                    <p:anim calcmode="lin" valueType="num">
+                                      <p:cBhvr>
+                                        <p:cTn id="63" dur="500" fill="hold"/>
+                                        <p:tgtEl>
+                                          <p:spTgt spid="72"/>
+                                        </p:tgtEl>
+                                        <p:attrNameLst>
+                                          <p:attrName>ppt_x</p:attrName>
+                                        </p:attrNameLst>
+                                      </p:cBhvr>
+                                      <p:tavLst>
+                                        <p:tav tm="0">
+                                          <p:val>
+                                            <p:strVal val="#ppt_x"/>
+                                          </p:val>
+                                        </p:tav>
+                                        <p:tav tm="100000">
+                                          <p:val>
+                                            <p:strVal val="#ppt_x"/>
+                                          </p:val>
+                                        </p:tav>
+                                      </p:tavLst>
+                                    </p:anim>
+                                    <p:anim calcmode="lin" valueType="num">
+                                      <p:cBhvr>
+                                        <p:cTn id="64" dur="500" fill="hold"/>
+                                        <p:tgtEl>
+                                          <p:spTgt spid="72"/>
+                                        </p:tgtEl>
+                                        <p:attrNameLst>
+                                          <p:attrName>ppt_y</p:attrName>
+                                        </p:attrNameLst>
+                                      </p:cBhvr>
+                                      <p:tavLst>
+                                        <p:tav tm="0">
+                                          <p:val>
+                                            <p:strVal val="#ppt_y-.1"/>
+                                          </p:val>
+                                        </p:tav>
+                                        <p:tav tm="100000">
+                                          <p:val>
+                                            <p:strVal val="#ppt_y"/>
+                                          </p:val>
+                                        </p:tav>
+                                      </p:tavLst>
+                                    </p:anim>
+                                  </p:childTnLst>
+                                </p:cTn>
+                              </p:par>
+                              <p:par>
+                                <p:cTn id="65" presetID="47" presetClass="entr" presetSubtype="0" fill="hold" grpId="0" nodeType="withEffect">
+                                  <p:stCondLst>
+                                    <p:cond delay="0"/>
+                                  </p:stCondLst>
+                                  <p:childTnLst>
+                                    <p:set>
+                                      <p:cBhvr>
+                                        <p:cTn id="66" dur="1" fill="hold">
+                                          <p:stCondLst>
+                                            <p:cond delay="0"/>
+                                          </p:stCondLst>
+                                        </p:cTn>
+                                        <p:tgtEl>
+                                          <p:spTgt spid="73"/>
+                                        </p:tgtEl>
+                                        <p:attrNameLst>
+                                          <p:attrName>style.visibility</p:attrName>
+                                        </p:attrNameLst>
+                                      </p:cBhvr>
+                                      <p:to>
+                                        <p:strVal val="visible"/>
+                                      </p:to>
+                                    </p:set>
+                                    <p:animEffect transition="in" filter="fade">
+                                      <p:cBhvr>
+                                        <p:cTn id="67" dur="500"/>
+                                        <p:tgtEl>
+                                          <p:spTgt spid="73"/>
+                                        </p:tgtEl>
+                                      </p:cBhvr>
+                                    </p:animEffect>
+                                    <p:anim calcmode="lin" valueType="num">
+                                      <p:cBhvr>
+                                        <p:cTn id="68" dur="500" fill="hold"/>
+                                        <p:tgtEl>
+                                          <p:spTgt spid="73"/>
+                                        </p:tgtEl>
+                                        <p:attrNameLst>
+                                          <p:attrName>ppt_x</p:attrName>
+                                        </p:attrNameLst>
+                                      </p:cBhvr>
+                                      <p:tavLst>
+                                        <p:tav tm="0">
+                                          <p:val>
+                                            <p:strVal val="#ppt_x"/>
+                                          </p:val>
+                                        </p:tav>
+                                        <p:tav tm="100000">
+                                          <p:val>
+                                            <p:strVal val="#ppt_x"/>
+                                          </p:val>
+                                        </p:tav>
+                                      </p:tavLst>
+                                    </p:anim>
+                                    <p:anim calcmode="lin" valueType="num">
+                                      <p:cBhvr>
+                                        <p:cTn id="69" dur="500" fill="hold"/>
+                                        <p:tgtEl>
+                                          <p:spTgt spid="73"/>
+                                        </p:tgtEl>
+                                        <p:attrNameLst>
+                                          <p:attrName>ppt_y</p:attrName>
+                                        </p:attrNameLst>
+                                      </p:cBhvr>
+                                      <p:tavLst>
+                                        <p:tav tm="0">
+                                          <p:val>
+                                            <p:strVal val="#ppt_y-.1"/>
+                                          </p:val>
+                                        </p:tav>
+                                        <p:tav tm="100000">
+                                          <p:val>
+                                            <p:strVal val="#ppt_y"/>
+                                          </p:val>
+                                        </p:tav>
+                                      </p:tavLst>
+                                    </p:anim>
+                                  </p:childTnLst>
+                                </p:cTn>
+                              </p:par>
+                              <p:par>
+                                <p:cTn id="70" presetID="47" presetClass="entr" presetSubtype="0" fill="hold" nodeType="withEffect">
+                                  <p:stCondLst>
+                                    <p:cond delay="0"/>
+                                  </p:stCondLst>
+                                  <p:childTnLst>
+                                    <p:set>
+                                      <p:cBhvr>
+                                        <p:cTn id="71" dur="1" fill="hold">
+                                          <p:stCondLst>
+                                            <p:cond delay="0"/>
+                                          </p:stCondLst>
+                                        </p:cTn>
+                                        <p:tgtEl>
+                                          <p:spTgt spid="74"/>
+                                        </p:tgtEl>
+                                        <p:attrNameLst>
+                                          <p:attrName>style.visibility</p:attrName>
+                                        </p:attrNameLst>
+                                      </p:cBhvr>
+                                      <p:to>
+                                        <p:strVal val="visible"/>
+                                      </p:to>
+                                    </p:set>
+                                    <p:animEffect transition="in" filter="fade">
+                                      <p:cBhvr>
+                                        <p:cTn id="72" dur="500"/>
+                                        <p:tgtEl>
+                                          <p:spTgt spid="74"/>
+                                        </p:tgtEl>
+                                      </p:cBhvr>
+                                    </p:animEffect>
+                                    <p:anim calcmode="lin" valueType="num">
+                                      <p:cBhvr>
+                                        <p:cTn id="73" dur="500" fill="hold"/>
+                                        <p:tgtEl>
+                                          <p:spTgt spid="74"/>
+                                        </p:tgtEl>
+                                        <p:attrNameLst>
+                                          <p:attrName>ppt_x</p:attrName>
+                                        </p:attrNameLst>
+                                      </p:cBhvr>
+                                      <p:tavLst>
+                                        <p:tav tm="0">
+                                          <p:val>
+                                            <p:strVal val="#ppt_x"/>
+                                          </p:val>
+                                        </p:tav>
+                                        <p:tav tm="100000">
+                                          <p:val>
+                                            <p:strVal val="#ppt_x"/>
+                                          </p:val>
+                                        </p:tav>
+                                      </p:tavLst>
+                                    </p:anim>
+                                    <p:anim calcmode="lin" valueType="num">
+                                      <p:cBhvr>
+                                        <p:cTn id="74" dur="500" fill="hold"/>
+                                        <p:tgtEl>
+                                          <p:spTgt spid="74"/>
+                                        </p:tgtEl>
+                                        <p:attrNameLst>
+                                          <p:attrName>ppt_y</p:attrName>
+                                        </p:attrNameLst>
+                                      </p:cBhvr>
+                                      <p:tavLst>
+                                        <p:tav tm="0">
+                                          <p:val>
+                                            <p:strVal val="#ppt_y-.1"/>
+                                          </p:val>
+                                        </p:tav>
+                                        <p:tav tm="100000">
+                                          <p:val>
+                                            <p:strVal val="#ppt_y"/>
+                                          </p:val>
+                                        </p:tav>
+                                      </p:tavLst>
+                                    </p:anim>
+                                  </p:childTnLst>
+                                </p:cTn>
+                              </p:par>
+                              <p:par>
+                                <p:cTn id="75" presetID="47" presetClass="entr" presetSubtype="0" fill="hold" nodeType="withEffect">
+                                  <p:stCondLst>
+                                    <p:cond delay="0"/>
+                                  </p:stCondLst>
+                                  <p:childTnLst>
+                                    <p:set>
+                                      <p:cBhvr>
+                                        <p:cTn id="76" dur="1" fill="hold">
+                                          <p:stCondLst>
+                                            <p:cond delay="0"/>
+                                          </p:stCondLst>
+                                        </p:cTn>
+                                        <p:tgtEl>
+                                          <p:spTgt spid="75"/>
+                                        </p:tgtEl>
+                                        <p:attrNameLst>
+                                          <p:attrName>style.visibility</p:attrName>
+                                        </p:attrNameLst>
+                                      </p:cBhvr>
+                                      <p:to>
+                                        <p:strVal val="visible"/>
+                                      </p:to>
+                                    </p:set>
+                                    <p:animEffect transition="in" filter="fade">
+                                      <p:cBhvr>
+                                        <p:cTn id="77" dur="500"/>
+                                        <p:tgtEl>
+                                          <p:spTgt spid="75"/>
+                                        </p:tgtEl>
+                                      </p:cBhvr>
+                                    </p:animEffect>
+                                    <p:anim calcmode="lin" valueType="num">
+                                      <p:cBhvr>
+                                        <p:cTn id="78" dur="500" fill="hold"/>
+                                        <p:tgtEl>
+                                          <p:spTgt spid="75"/>
+                                        </p:tgtEl>
+                                        <p:attrNameLst>
+                                          <p:attrName>ppt_x</p:attrName>
+                                        </p:attrNameLst>
+                                      </p:cBhvr>
+                                      <p:tavLst>
+                                        <p:tav tm="0">
+                                          <p:val>
+                                            <p:strVal val="#ppt_x"/>
+                                          </p:val>
+                                        </p:tav>
+                                        <p:tav tm="100000">
+                                          <p:val>
+                                            <p:strVal val="#ppt_x"/>
+                                          </p:val>
+                                        </p:tav>
+                                      </p:tavLst>
+                                    </p:anim>
+                                    <p:anim calcmode="lin" valueType="num">
+                                      <p:cBhvr>
+                                        <p:cTn id="79" dur="500" fill="hold"/>
+                                        <p:tgtEl>
+                                          <p:spTgt spid="75"/>
+                                        </p:tgtEl>
+                                        <p:attrNameLst>
+                                          <p:attrName>ppt_y</p:attrName>
+                                        </p:attrNameLst>
+                                      </p:cBhvr>
+                                      <p:tavLst>
+                                        <p:tav tm="0">
+                                          <p:val>
+                                            <p:strVal val="#ppt_y-.1"/>
+                                          </p:val>
+                                        </p:tav>
+                                        <p:tav tm="100000">
+                                          <p:val>
+                                            <p:strVal val="#ppt_y"/>
+                                          </p:val>
+                                        </p:tav>
+                                      </p:tavLst>
+                                    </p:anim>
+                                  </p:childTnLst>
+                                </p:cTn>
+                              </p:par>
+                              <p:par>
+                                <p:cTn id="80" presetID="47" presetClass="entr" presetSubtype="0" fill="hold" nodeType="withEffect">
+                                  <p:stCondLst>
+                                    <p:cond delay="0"/>
+                                  </p:stCondLst>
+                                  <p:childTnLst>
+                                    <p:set>
+                                      <p:cBhvr>
+                                        <p:cTn id="81" dur="1" fill="hold">
+                                          <p:stCondLst>
+                                            <p:cond delay="0"/>
+                                          </p:stCondLst>
+                                        </p:cTn>
+                                        <p:tgtEl>
+                                          <p:spTgt spid="76"/>
+                                        </p:tgtEl>
+                                        <p:attrNameLst>
+                                          <p:attrName>style.visibility</p:attrName>
+                                        </p:attrNameLst>
+                                      </p:cBhvr>
+                                      <p:to>
+                                        <p:strVal val="visible"/>
+                                      </p:to>
+                                    </p:set>
+                                    <p:animEffect transition="in" filter="fade">
+                                      <p:cBhvr>
+                                        <p:cTn id="82" dur="500"/>
+                                        <p:tgtEl>
+                                          <p:spTgt spid="76"/>
+                                        </p:tgtEl>
+                                      </p:cBhvr>
+                                    </p:animEffect>
+                                    <p:anim calcmode="lin" valueType="num">
+                                      <p:cBhvr>
+                                        <p:cTn id="83" dur="500" fill="hold"/>
+                                        <p:tgtEl>
+                                          <p:spTgt spid="76"/>
+                                        </p:tgtEl>
+                                        <p:attrNameLst>
+                                          <p:attrName>ppt_x</p:attrName>
+                                        </p:attrNameLst>
+                                      </p:cBhvr>
+                                      <p:tavLst>
+                                        <p:tav tm="0">
+                                          <p:val>
+                                            <p:strVal val="#ppt_x"/>
+                                          </p:val>
+                                        </p:tav>
+                                        <p:tav tm="100000">
+                                          <p:val>
+                                            <p:strVal val="#ppt_x"/>
+                                          </p:val>
+                                        </p:tav>
+                                      </p:tavLst>
+                                    </p:anim>
+                                    <p:anim calcmode="lin" valueType="num">
+                                      <p:cBhvr>
+                                        <p:cTn id="84" dur="500" fill="hold"/>
+                                        <p:tgtEl>
+                                          <p:spTgt spid="76"/>
+                                        </p:tgtEl>
+                                        <p:attrNameLst>
+                                          <p:attrName>ppt_y</p:attrName>
+                                        </p:attrNameLst>
+                                      </p:cBhvr>
+                                      <p:tavLst>
+                                        <p:tav tm="0">
+                                          <p:val>
+                                            <p:strVal val="#ppt_y-.1"/>
+                                          </p:val>
+                                        </p:tav>
+                                        <p:tav tm="100000">
+                                          <p:val>
+                                            <p:strVal val="#ppt_y"/>
+                                          </p:val>
+                                        </p:tav>
+                                      </p:tavLst>
+                                    </p:anim>
+                                  </p:childTnLst>
+                                </p:cTn>
+                              </p:par>
+                              <p:par>
+                                <p:cTn id="85" presetID="47" presetClass="entr" presetSubtype="0" fill="hold" grpId="0" nodeType="withEffect">
+                                  <p:stCondLst>
+                                    <p:cond delay="0"/>
+                                  </p:stCondLst>
+                                  <p:childTnLst>
+                                    <p:set>
+                                      <p:cBhvr>
+                                        <p:cTn id="86" dur="1" fill="hold">
+                                          <p:stCondLst>
+                                            <p:cond delay="0"/>
+                                          </p:stCondLst>
+                                        </p:cTn>
+                                        <p:tgtEl>
+                                          <p:spTgt spid="77"/>
+                                        </p:tgtEl>
+                                        <p:attrNameLst>
+                                          <p:attrName>style.visibility</p:attrName>
+                                        </p:attrNameLst>
+                                      </p:cBhvr>
+                                      <p:to>
+                                        <p:strVal val="visible"/>
+                                      </p:to>
+                                    </p:set>
+                                    <p:animEffect transition="in" filter="fade">
+                                      <p:cBhvr>
+                                        <p:cTn id="87" dur="500"/>
+                                        <p:tgtEl>
+                                          <p:spTgt spid="77"/>
+                                        </p:tgtEl>
+                                      </p:cBhvr>
+                                    </p:animEffect>
+                                    <p:anim calcmode="lin" valueType="num">
+                                      <p:cBhvr>
+                                        <p:cTn id="88" dur="500" fill="hold"/>
+                                        <p:tgtEl>
+                                          <p:spTgt spid="77"/>
+                                        </p:tgtEl>
+                                        <p:attrNameLst>
+                                          <p:attrName>ppt_x</p:attrName>
+                                        </p:attrNameLst>
+                                      </p:cBhvr>
+                                      <p:tavLst>
+                                        <p:tav tm="0">
+                                          <p:val>
+                                            <p:strVal val="#ppt_x"/>
+                                          </p:val>
+                                        </p:tav>
+                                        <p:tav tm="100000">
+                                          <p:val>
+                                            <p:strVal val="#ppt_x"/>
+                                          </p:val>
+                                        </p:tav>
+                                      </p:tavLst>
+                                    </p:anim>
+                                    <p:anim calcmode="lin" valueType="num">
+                                      <p:cBhvr>
+                                        <p:cTn id="89" dur="500" fill="hold"/>
+                                        <p:tgtEl>
+                                          <p:spTgt spid="77"/>
+                                        </p:tgtEl>
+                                        <p:attrNameLst>
+                                          <p:attrName>ppt_y</p:attrName>
+                                        </p:attrNameLst>
+                                      </p:cBhvr>
+                                      <p:tavLst>
+                                        <p:tav tm="0">
+                                          <p:val>
+                                            <p:strVal val="#ppt_y-.1"/>
+                                          </p:val>
+                                        </p:tav>
+                                        <p:tav tm="100000">
+                                          <p:val>
+                                            <p:strVal val="#ppt_y"/>
+                                          </p:val>
+                                        </p:tav>
+                                      </p:tavLst>
+                                    </p:anim>
+                                  </p:childTnLst>
+                                </p:cTn>
+                              </p:par>
+                              <p:par>
+                                <p:cTn id="90" presetID="47" presetClass="entr" presetSubtype="0" fill="hold" grpId="0" nodeType="withEffect">
+                                  <p:stCondLst>
+                                    <p:cond delay="0"/>
+                                  </p:stCondLst>
+                                  <p:childTnLst>
+                                    <p:set>
+                                      <p:cBhvr>
+                                        <p:cTn id="91" dur="1" fill="hold">
+                                          <p:stCondLst>
+                                            <p:cond delay="0"/>
+                                          </p:stCondLst>
+                                        </p:cTn>
+                                        <p:tgtEl>
+                                          <p:spTgt spid="78"/>
+                                        </p:tgtEl>
+                                        <p:attrNameLst>
+                                          <p:attrName>style.visibility</p:attrName>
+                                        </p:attrNameLst>
+                                      </p:cBhvr>
+                                      <p:to>
+                                        <p:strVal val="visible"/>
+                                      </p:to>
+                                    </p:set>
+                                    <p:animEffect transition="in" filter="fade">
+                                      <p:cBhvr>
+                                        <p:cTn id="92" dur="500"/>
+                                        <p:tgtEl>
+                                          <p:spTgt spid="78"/>
+                                        </p:tgtEl>
+                                      </p:cBhvr>
+                                    </p:animEffect>
+                                    <p:anim calcmode="lin" valueType="num">
+                                      <p:cBhvr>
+                                        <p:cTn id="93" dur="500" fill="hold"/>
+                                        <p:tgtEl>
+                                          <p:spTgt spid="78"/>
+                                        </p:tgtEl>
+                                        <p:attrNameLst>
+                                          <p:attrName>ppt_x</p:attrName>
+                                        </p:attrNameLst>
+                                      </p:cBhvr>
+                                      <p:tavLst>
+                                        <p:tav tm="0">
+                                          <p:val>
+                                            <p:strVal val="#ppt_x"/>
+                                          </p:val>
+                                        </p:tav>
+                                        <p:tav tm="100000">
+                                          <p:val>
+                                            <p:strVal val="#ppt_x"/>
+                                          </p:val>
+                                        </p:tav>
+                                      </p:tavLst>
+                                    </p:anim>
+                                    <p:anim calcmode="lin" valueType="num">
+                                      <p:cBhvr>
+                                        <p:cTn id="94" dur="500" fill="hold"/>
+                                        <p:tgtEl>
+                                          <p:spTgt spid="78"/>
+                                        </p:tgtEl>
+                                        <p:attrNameLst>
+                                          <p:attrName>ppt_y</p:attrName>
+                                        </p:attrNameLst>
+                                      </p:cBhvr>
+                                      <p:tavLst>
+                                        <p:tav tm="0">
+                                          <p:val>
+                                            <p:strVal val="#ppt_y-.1"/>
+                                          </p:val>
+                                        </p:tav>
+                                        <p:tav tm="100000">
+                                          <p:val>
+                                            <p:strVal val="#ppt_y"/>
+                                          </p:val>
+                                        </p:tav>
+                                      </p:tavLst>
+                                    </p:anim>
+                                  </p:childTnLst>
+                                </p:cTn>
+                              </p:par>
+                              <p:par>
+                                <p:cTn id="95" presetID="47" presetClass="entr" presetSubtype="0" fill="hold" grpId="0" nodeType="withEffect">
+                                  <p:stCondLst>
+                                    <p:cond delay="0"/>
+                                  </p:stCondLst>
+                                  <p:childTnLst>
+                                    <p:set>
+                                      <p:cBhvr>
+                                        <p:cTn id="96" dur="1" fill="hold">
+                                          <p:stCondLst>
+                                            <p:cond delay="0"/>
+                                          </p:stCondLst>
+                                        </p:cTn>
+                                        <p:tgtEl>
+                                          <p:spTgt spid="79"/>
+                                        </p:tgtEl>
+                                        <p:attrNameLst>
+                                          <p:attrName>style.visibility</p:attrName>
+                                        </p:attrNameLst>
+                                      </p:cBhvr>
+                                      <p:to>
+                                        <p:strVal val="visible"/>
+                                      </p:to>
+                                    </p:set>
+                                    <p:animEffect transition="in" filter="fade">
+                                      <p:cBhvr>
+                                        <p:cTn id="97" dur="500"/>
+                                        <p:tgtEl>
+                                          <p:spTgt spid="79"/>
+                                        </p:tgtEl>
+                                      </p:cBhvr>
+                                    </p:animEffect>
+                                    <p:anim calcmode="lin" valueType="num">
+                                      <p:cBhvr>
+                                        <p:cTn id="98" dur="500" fill="hold"/>
+                                        <p:tgtEl>
+                                          <p:spTgt spid="79"/>
+                                        </p:tgtEl>
+                                        <p:attrNameLst>
+                                          <p:attrName>ppt_x</p:attrName>
+                                        </p:attrNameLst>
+                                      </p:cBhvr>
+                                      <p:tavLst>
+                                        <p:tav tm="0">
+                                          <p:val>
+                                            <p:strVal val="#ppt_x"/>
+                                          </p:val>
+                                        </p:tav>
+                                        <p:tav tm="100000">
+                                          <p:val>
+                                            <p:strVal val="#ppt_x"/>
+                                          </p:val>
+                                        </p:tav>
+                                      </p:tavLst>
+                                    </p:anim>
+                                    <p:anim calcmode="lin" valueType="num">
+                                      <p:cBhvr>
+                                        <p:cTn id="99" dur="500" fill="hold"/>
+                                        <p:tgtEl>
+                                          <p:spTgt spid="79"/>
+                                        </p:tgtEl>
+                                        <p:attrNameLst>
+                                          <p:attrName>ppt_y</p:attrName>
+                                        </p:attrNameLst>
+                                      </p:cBhvr>
+                                      <p:tavLst>
+                                        <p:tav tm="0">
+                                          <p:val>
+                                            <p:strVal val="#ppt_y-.1"/>
+                                          </p:val>
+                                        </p:tav>
+                                        <p:tav tm="100000">
+                                          <p:val>
+                                            <p:strVal val="#ppt_y"/>
+                                          </p:val>
+                                        </p:tav>
+                                      </p:tavLst>
+                                    </p:anim>
+                                  </p:childTnLst>
+                                </p:cTn>
+                              </p:par>
+                              <p:par>
+                                <p:cTn id="100" presetID="47" presetClass="entr" presetSubtype="0" fill="hold" grpId="0" nodeType="withEffect">
+                                  <p:stCondLst>
+                                    <p:cond delay="0"/>
+                                  </p:stCondLst>
+                                  <p:childTnLst>
+                                    <p:set>
+                                      <p:cBhvr>
+                                        <p:cTn id="101" dur="1" fill="hold">
+                                          <p:stCondLst>
+                                            <p:cond delay="0"/>
+                                          </p:stCondLst>
+                                        </p:cTn>
+                                        <p:tgtEl>
+                                          <p:spTgt spid="80"/>
+                                        </p:tgtEl>
+                                        <p:attrNameLst>
+                                          <p:attrName>style.visibility</p:attrName>
+                                        </p:attrNameLst>
+                                      </p:cBhvr>
+                                      <p:to>
+                                        <p:strVal val="visible"/>
+                                      </p:to>
+                                    </p:set>
+                                    <p:animEffect transition="in" filter="fade">
+                                      <p:cBhvr>
+                                        <p:cTn id="102" dur="500"/>
+                                        <p:tgtEl>
+                                          <p:spTgt spid="80"/>
+                                        </p:tgtEl>
+                                      </p:cBhvr>
+                                    </p:animEffect>
+                                    <p:anim calcmode="lin" valueType="num">
+                                      <p:cBhvr>
+                                        <p:cTn id="103" dur="500" fill="hold"/>
+                                        <p:tgtEl>
+                                          <p:spTgt spid="80"/>
+                                        </p:tgtEl>
+                                        <p:attrNameLst>
+                                          <p:attrName>ppt_x</p:attrName>
+                                        </p:attrNameLst>
+                                      </p:cBhvr>
+                                      <p:tavLst>
+                                        <p:tav tm="0">
+                                          <p:val>
+                                            <p:strVal val="#ppt_x"/>
+                                          </p:val>
+                                        </p:tav>
+                                        <p:tav tm="100000">
+                                          <p:val>
+                                            <p:strVal val="#ppt_x"/>
+                                          </p:val>
+                                        </p:tav>
+                                      </p:tavLst>
+                                    </p:anim>
+                                    <p:anim calcmode="lin" valueType="num">
+                                      <p:cBhvr>
+                                        <p:cTn id="104" dur="500" fill="hold"/>
+                                        <p:tgtEl>
+                                          <p:spTgt spid="80"/>
+                                        </p:tgtEl>
+                                        <p:attrNameLst>
+                                          <p:attrName>ppt_y</p:attrName>
+                                        </p:attrNameLst>
+                                      </p:cBhvr>
+                                      <p:tavLst>
+                                        <p:tav tm="0">
+                                          <p:val>
+                                            <p:strVal val="#ppt_y-.1"/>
+                                          </p:val>
+                                        </p:tav>
+                                        <p:tav tm="100000">
+                                          <p:val>
+                                            <p:strVal val="#ppt_y"/>
+                                          </p:val>
+                                        </p:tav>
+                                      </p:tavLst>
+                                    </p:anim>
+                                  </p:childTnLst>
+                                </p:cTn>
+                              </p:par>
+                              <p:par>
+                                <p:cTn id="105" presetID="47" presetClass="entr" presetSubtype="0" fill="hold" grpId="0" nodeType="withEffect">
+                                  <p:stCondLst>
+                                    <p:cond delay="0"/>
+                                  </p:stCondLst>
+                                  <p:childTnLst>
+                                    <p:set>
+                                      <p:cBhvr>
+                                        <p:cTn id="106" dur="1" fill="hold">
+                                          <p:stCondLst>
+                                            <p:cond delay="0"/>
+                                          </p:stCondLst>
+                                        </p:cTn>
+                                        <p:tgtEl>
+                                          <p:spTgt spid="49"/>
+                                        </p:tgtEl>
+                                        <p:attrNameLst>
+                                          <p:attrName>style.visibility</p:attrName>
+                                        </p:attrNameLst>
+                                      </p:cBhvr>
+                                      <p:to>
+                                        <p:strVal val="visible"/>
+                                      </p:to>
+                                    </p:set>
+                                    <p:animEffect transition="in" filter="fade">
+                                      <p:cBhvr>
+                                        <p:cTn id="107" dur="500"/>
+                                        <p:tgtEl>
+                                          <p:spTgt spid="49"/>
+                                        </p:tgtEl>
+                                      </p:cBhvr>
+                                    </p:animEffect>
+                                    <p:anim calcmode="lin" valueType="num">
+                                      <p:cBhvr>
+                                        <p:cTn id="108" dur="500" fill="hold"/>
+                                        <p:tgtEl>
+                                          <p:spTgt spid="49"/>
+                                        </p:tgtEl>
+                                        <p:attrNameLst>
+                                          <p:attrName>ppt_x</p:attrName>
+                                        </p:attrNameLst>
+                                      </p:cBhvr>
+                                      <p:tavLst>
+                                        <p:tav tm="0">
+                                          <p:val>
+                                            <p:strVal val="#ppt_x"/>
+                                          </p:val>
+                                        </p:tav>
+                                        <p:tav tm="100000">
+                                          <p:val>
+                                            <p:strVal val="#ppt_x"/>
+                                          </p:val>
+                                        </p:tav>
+                                      </p:tavLst>
+                                    </p:anim>
+                                    <p:anim calcmode="lin" valueType="num">
+                                      <p:cBhvr>
+                                        <p:cTn id="109" dur="500" fill="hold"/>
+                                        <p:tgtEl>
+                                          <p:spTgt spid="49"/>
+                                        </p:tgtEl>
+                                        <p:attrNameLst>
+                                          <p:attrName>ppt_y</p:attrName>
+                                        </p:attrNameLst>
+                                      </p:cBhvr>
+                                      <p:tavLst>
+                                        <p:tav tm="0">
+                                          <p:val>
+                                            <p:strVal val="#ppt_y-.1"/>
+                                          </p:val>
+                                        </p:tav>
+                                        <p:tav tm="100000">
+                                          <p:val>
+                                            <p:strVal val="#ppt_y"/>
+                                          </p:val>
+                                        </p:tav>
+                                      </p:tavLst>
+                                    </p:anim>
+                                  </p:childTnLst>
+                                </p:cTn>
+                              </p:par>
+                              <p:par>
+                                <p:cTn id="110" presetID="47" presetClass="entr" presetSubtype="0" fill="hold" nodeType="withEffect">
+                                  <p:stCondLst>
+                                    <p:cond delay="0"/>
+                                  </p:stCondLst>
+                                  <p:childTnLst>
+                                    <p:set>
+                                      <p:cBhvr>
+                                        <p:cTn id="111" dur="1" fill="hold">
+                                          <p:stCondLst>
+                                            <p:cond delay="0"/>
+                                          </p:stCondLst>
+                                        </p:cTn>
+                                        <p:tgtEl>
+                                          <p:spTgt spid="50"/>
+                                        </p:tgtEl>
+                                        <p:attrNameLst>
+                                          <p:attrName>style.visibility</p:attrName>
+                                        </p:attrNameLst>
+                                      </p:cBhvr>
+                                      <p:to>
+                                        <p:strVal val="visible"/>
+                                      </p:to>
+                                    </p:set>
+                                    <p:animEffect transition="in" filter="fade">
+                                      <p:cBhvr>
+                                        <p:cTn id="112" dur="500"/>
+                                        <p:tgtEl>
+                                          <p:spTgt spid="50"/>
+                                        </p:tgtEl>
+                                      </p:cBhvr>
+                                    </p:animEffect>
+                                    <p:anim calcmode="lin" valueType="num">
+                                      <p:cBhvr>
+                                        <p:cTn id="113" dur="500" fill="hold"/>
+                                        <p:tgtEl>
+                                          <p:spTgt spid="50"/>
+                                        </p:tgtEl>
+                                        <p:attrNameLst>
+                                          <p:attrName>ppt_x</p:attrName>
+                                        </p:attrNameLst>
+                                      </p:cBhvr>
+                                      <p:tavLst>
+                                        <p:tav tm="0">
+                                          <p:val>
+                                            <p:strVal val="#ppt_x"/>
+                                          </p:val>
+                                        </p:tav>
+                                        <p:tav tm="100000">
+                                          <p:val>
+                                            <p:strVal val="#ppt_x"/>
+                                          </p:val>
+                                        </p:tav>
+                                      </p:tavLst>
+                                    </p:anim>
+                                    <p:anim calcmode="lin" valueType="num">
+                                      <p:cBhvr>
+                                        <p:cTn id="114" dur="500" fill="hold"/>
+                                        <p:tgtEl>
+                                          <p:spTgt spid="50"/>
+                                        </p:tgtEl>
+                                        <p:attrNameLst>
+                                          <p:attrName>ppt_y</p:attrName>
+                                        </p:attrNameLst>
+                                      </p:cBhvr>
+                                      <p:tavLst>
+                                        <p:tav tm="0">
+                                          <p:val>
+                                            <p:strVal val="#ppt_y-.1"/>
+                                          </p:val>
+                                        </p:tav>
+                                        <p:tav tm="100000">
+                                          <p:val>
+                                            <p:strVal val="#ppt_y"/>
+                                          </p:val>
+                                        </p:tav>
+                                      </p:tavLst>
+                                    </p:anim>
+                                  </p:childTnLst>
+                                </p:cTn>
+                              </p:par>
+                              <p:par>
+                                <p:cTn id="115" presetID="47" presetClass="entr" presetSubtype="0" fill="hold" nodeType="withEffect">
+                                  <p:stCondLst>
+                                    <p:cond delay="0"/>
+                                  </p:stCondLst>
+                                  <p:childTnLst>
+                                    <p:set>
+                                      <p:cBhvr>
+                                        <p:cTn id="116" dur="1" fill="hold">
+                                          <p:stCondLst>
+                                            <p:cond delay="0"/>
+                                          </p:stCondLst>
+                                        </p:cTn>
+                                        <p:tgtEl>
+                                          <p:spTgt spid="51"/>
+                                        </p:tgtEl>
+                                        <p:attrNameLst>
+                                          <p:attrName>style.visibility</p:attrName>
+                                        </p:attrNameLst>
+                                      </p:cBhvr>
+                                      <p:to>
+                                        <p:strVal val="visible"/>
+                                      </p:to>
+                                    </p:set>
+                                    <p:animEffect transition="in" filter="fade">
+                                      <p:cBhvr>
+                                        <p:cTn id="117" dur="500"/>
+                                        <p:tgtEl>
+                                          <p:spTgt spid="51"/>
+                                        </p:tgtEl>
+                                      </p:cBhvr>
+                                    </p:animEffect>
+                                    <p:anim calcmode="lin" valueType="num">
+                                      <p:cBhvr>
+                                        <p:cTn id="118" dur="500" fill="hold"/>
+                                        <p:tgtEl>
+                                          <p:spTgt spid="51"/>
+                                        </p:tgtEl>
+                                        <p:attrNameLst>
+                                          <p:attrName>ppt_x</p:attrName>
+                                        </p:attrNameLst>
+                                      </p:cBhvr>
+                                      <p:tavLst>
+                                        <p:tav tm="0">
+                                          <p:val>
+                                            <p:strVal val="#ppt_x"/>
+                                          </p:val>
+                                        </p:tav>
+                                        <p:tav tm="100000">
+                                          <p:val>
+                                            <p:strVal val="#ppt_x"/>
+                                          </p:val>
+                                        </p:tav>
+                                      </p:tavLst>
+                                    </p:anim>
+                                    <p:anim calcmode="lin" valueType="num">
+                                      <p:cBhvr>
+                                        <p:cTn id="119" dur="500" fill="hold"/>
+                                        <p:tgtEl>
+                                          <p:spTgt spid="51"/>
+                                        </p:tgtEl>
+                                        <p:attrNameLst>
+                                          <p:attrName>ppt_y</p:attrName>
+                                        </p:attrNameLst>
+                                      </p:cBhvr>
+                                      <p:tavLst>
+                                        <p:tav tm="0">
+                                          <p:val>
+                                            <p:strVal val="#ppt_y-.1"/>
+                                          </p:val>
+                                        </p:tav>
+                                        <p:tav tm="100000">
+                                          <p:val>
+                                            <p:strVal val="#ppt_y"/>
+                                          </p:val>
+                                        </p:tav>
+                                      </p:tavLst>
+                                    </p:anim>
+                                  </p:childTnLst>
+                                </p:cTn>
+                              </p:par>
+                              <p:par>
+                                <p:cTn id="120" presetID="47" presetClass="entr" presetSubtype="0" fill="hold" nodeType="withEffect">
+                                  <p:stCondLst>
+                                    <p:cond delay="0"/>
+                                  </p:stCondLst>
+                                  <p:childTnLst>
+                                    <p:set>
+                                      <p:cBhvr>
+                                        <p:cTn id="121" dur="1" fill="hold">
+                                          <p:stCondLst>
+                                            <p:cond delay="0"/>
+                                          </p:stCondLst>
+                                        </p:cTn>
+                                        <p:tgtEl>
+                                          <p:spTgt spid="52"/>
+                                        </p:tgtEl>
+                                        <p:attrNameLst>
+                                          <p:attrName>style.visibility</p:attrName>
+                                        </p:attrNameLst>
+                                      </p:cBhvr>
+                                      <p:to>
+                                        <p:strVal val="visible"/>
+                                      </p:to>
+                                    </p:set>
+                                    <p:animEffect transition="in" filter="fade">
+                                      <p:cBhvr>
+                                        <p:cTn id="122" dur="500"/>
+                                        <p:tgtEl>
+                                          <p:spTgt spid="52"/>
+                                        </p:tgtEl>
+                                      </p:cBhvr>
+                                    </p:animEffect>
+                                    <p:anim calcmode="lin" valueType="num">
+                                      <p:cBhvr>
+                                        <p:cTn id="123" dur="500" fill="hold"/>
+                                        <p:tgtEl>
+                                          <p:spTgt spid="52"/>
+                                        </p:tgtEl>
+                                        <p:attrNameLst>
+                                          <p:attrName>ppt_x</p:attrName>
+                                        </p:attrNameLst>
+                                      </p:cBhvr>
+                                      <p:tavLst>
+                                        <p:tav tm="0">
+                                          <p:val>
+                                            <p:strVal val="#ppt_x"/>
+                                          </p:val>
+                                        </p:tav>
+                                        <p:tav tm="100000">
+                                          <p:val>
+                                            <p:strVal val="#ppt_x"/>
+                                          </p:val>
+                                        </p:tav>
+                                      </p:tavLst>
+                                    </p:anim>
+                                    <p:anim calcmode="lin" valueType="num">
+                                      <p:cBhvr>
+                                        <p:cTn id="124" dur="500" fill="hold"/>
+                                        <p:tgtEl>
+                                          <p:spTgt spid="52"/>
+                                        </p:tgtEl>
+                                        <p:attrNameLst>
+                                          <p:attrName>ppt_y</p:attrName>
+                                        </p:attrNameLst>
+                                      </p:cBhvr>
+                                      <p:tavLst>
+                                        <p:tav tm="0">
+                                          <p:val>
+                                            <p:strVal val="#ppt_y-.1"/>
+                                          </p:val>
+                                        </p:tav>
+                                        <p:tav tm="100000">
+                                          <p:val>
+                                            <p:strVal val="#ppt_y"/>
+                                          </p:val>
+                                        </p:tav>
+                                      </p:tavLst>
+                                    </p:anim>
+                                  </p:childTnLst>
+                                </p:cTn>
+                              </p:par>
+                            </p:childTnLst>
+                          </p:cTn>
+                        </p:par>
+                      </p:childTnLst>
+                    </p:cTn>
+                  </p:par>
+                  <p:par>
+                    <p:cTn id="125" fill="hold">
+                      <p:stCondLst>
+                        <p:cond delay="indefinite"/>
+                      </p:stCondLst>
+                      <p:childTnLst>
+                        <p:par>
+                          <p:cTn id="126" fill="hold">
+                            <p:stCondLst>
+                              <p:cond delay="0"/>
+                            </p:stCondLst>
+                            <p:childTnLst>
+                              <p:par>
+                                <p:cTn id="127" presetID="2" presetClass="entr" presetSubtype="2" fill="hold" grpId="0" nodeType="clickEffect">
+                                  <p:stCondLst>
+                                    <p:cond delay="0"/>
+                                  </p:stCondLst>
+                                  <p:childTnLst>
+                                    <p:set>
+                                      <p:cBhvr>
+                                        <p:cTn id="128" dur="1" fill="hold">
+                                          <p:stCondLst>
+                                            <p:cond delay="0"/>
+                                          </p:stCondLst>
+                                        </p:cTn>
+                                        <p:tgtEl>
+                                          <p:spTgt spid="82"/>
+                                        </p:tgtEl>
+                                        <p:attrNameLst>
+                                          <p:attrName>style.visibility</p:attrName>
+                                        </p:attrNameLst>
+                                      </p:cBhvr>
+                                      <p:to>
+                                        <p:strVal val="visible"/>
+                                      </p:to>
+                                    </p:set>
+                                    <p:anim calcmode="lin" valueType="num">
+                                      <p:cBhvr additive="base">
+                                        <p:cTn id="129" dur="500" fill="hold"/>
+                                        <p:tgtEl>
+                                          <p:spTgt spid="82"/>
+                                        </p:tgtEl>
+                                        <p:attrNameLst>
+                                          <p:attrName>ppt_x</p:attrName>
+                                        </p:attrNameLst>
+                                      </p:cBhvr>
+                                      <p:tavLst>
+                                        <p:tav tm="0">
+                                          <p:val>
+                                            <p:strVal val="1+#ppt_w/2"/>
+                                          </p:val>
+                                        </p:tav>
+                                        <p:tav tm="100000">
+                                          <p:val>
+                                            <p:strVal val="#ppt_x"/>
+                                          </p:val>
+                                        </p:tav>
+                                      </p:tavLst>
+                                    </p:anim>
+                                    <p:anim calcmode="lin" valueType="num">
+                                      <p:cBhvr additive="base">
+                                        <p:cTn id="130" dur="500" fill="hold"/>
+                                        <p:tgtEl>
+                                          <p:spTgt spid="82"/>
+                                        </p:tgtEl>
+                                        <p:attrNameLst>
+                                          <p:attrName>ppt_y</p:attrName>
+                                        </p:attrNameLst>
+                                      </p:cBhvr>
+                                      <p:tavLst>
+                                        <p:tav tm="0">
+                                          <p:val>
+                                            <p:strVal val="#ppt_y"/>
+                                          </p:val>
+                                        </p:tav>
+                                        <p:tav tm="100000">
+                                          <p:val>
+                                            <p:strVal val="#ppt_y"/>
+                                          </p:val>
+                                        </p:tav>
+                                      </p:tavLst>
+                                    </p:anim>
+                                  </p:childTnLst>
+                                </p:cTn>
+                              </p:par>
+                              <p:par>
+                                <p:cTn id="131" presetID="2" presetClass="entr" presetSubtype="2" fill="hold" grpId="0" nodeType="withEffect">
+                                  <p:stCondLst>
+                                    <p:cond delay="0"/>
+                                  </p:stCondLst>
+                                  <p:childTnLst>
+                                    <p:set>
+                                      <p:cBhvr>
+                                        <p:cTn id="132" dur="1" fill="hold">
+                                          <p:stCondLst>
+                                            <p:cond delay="0"/>
+                                          </p:stCondLst>
+                                        </p:cTn>
+                                        <p:tgtEl>
+                                          <p:spTgt spid="83"/>
+                                        </p:tgtEl>
+                                        <p:attrNameLst>
+                                          <p:attrName>style.visibility</p:attrName>
+                                        </p:attrNameLst>
+                                      </p:cBhvr>
+                                      <p:to>
+                                        <p:strVal val="visible"/>
+                                      </p:to>
+                                    </p:set>
+                                    <p:anim calcmode="lin" valueType="num">
+                                      <p:cBhvr additive="base">
+                                        <p:cTn id="133" dur="500" fill="hold"/>
+                                        <p:tgtEl>
+                                          <p:spTgt spid="83"/>
+                                        </p:tgtEl>
+                                        <p:attrNameLst>
+                                          <p:attrName>ppt_x</p:attrName>
+                                        </p:attrNameLst>
+                                      </p:cBhvr>
+                                      <p:tavLst>
+                                        <p:tav tm="0">
+                                          <p:val>
+                                            <p:strVal val="1+#ppt_w/2"/>
+                                          </p:val>
+                                        </p:tav>
+                                        <p:tav tm="100000">
+                                          <p:val>
+                                            <p:strVal val="#ppt_x"/>
+                                          </p:val>
+                                        </p:tav>
+                                      </p:tavLst>
+                                    </p:anim>
+                                    <p:anim calcmode="lin" valueType="num">
+                                      <p:cBhvr additive="base">
+                                        <p:cTn id="134" dur="500" fill="hold"/>
+                                        <p:tgtEl>
+                                          <p:spTgt spid="83"/>
+                                        </p:tgtEl>
+                                        <p:attrNameLst>
+                                          <p:attrName>ppt_y</p:attrName>
+                                        </p:attrNameLst>
+                                      </p:cBhvr>
+                                      <p:tavLst>
+                                        <p:tav tm="0">
+                                          <p:val>
+                                            <p:strVal val="#ppt_y"/>
+                                          </p:val>
+                                        </p:tav>
+                                        <p:tav tm="100000">
+                                          <p:val>
+                                            <p:strVal val="#ppt_y"/>
+                                          </p:val>
+                                        </p:tav>
+                                      </p:tavLst>
+                                    </p:anim>
+                                  </p:childTnLst>
+                                </p:cTn>
+                              </p:par>
+                              <p:par>
+                                <p:cTn id="135" presetID="2" presetClass="entr" presetSubtype="2" fill="hold" grpId="0" nodeType="withEffect">
+                                  <p:stCondLst>
+                                    <p:cond delay="0"/>
+                                  </p:stCondLst>
+                                  <p:childTnLst>
+                                    <p:set>
+                                      <p:cBhvr>
+                                        <p:cTn id="136" dur="1" fill="hold">
+                                          <p:stCondLst>
+                                            <p:cond delay="0"/>
+                                          </p:stCondLst>
+                                        </p:cTn>
+                                        <p:tgtEl>
+                                          <p:spTgt spid="84"/>
+                                        </p:tgtEl>
+                                        <p:attrNameLst>
+                                          <p:attrName>style.visibility</p:attrName>
+                                        </p:attrNameLst>
+                                      </p:cBhvr>
+                                      <p:to>
+                                        <p:strVal val="visible"/>
+                                      </p:to>
+                                    </p:set>
+                                    <p:anim calcmode="lin" valueType="num">
+                                      <p:cBhvr additive="base">
+                                        <p:cTn id="137" dur="500" fill="hold"/>
+                                        <p:tgtEl>
+                                          <p:spTgt spid="84"/>
+                                        </p:tgtEl>
+                                        <p:attrNameLst>
+                                          <p:attrName>ppt_x</p:attrName>
+                                        </p:attrNameLst>
+                                      </p:cBhvr>
+                                      <p:tavLst>
+                                        <p:tav tm="0">
+                                          <p:val>
+                                            <p:strVal val="1+#ppt_w/2"/>
+                                          </p:val>
+                                        </p:tav>
+                                        <p:tav tm="100000">
+                                          <p:val>
+                                            <p:strVal val="#ppt_x"/>
+                                          </p:val>
+                                        </p:tav>
+                                      </p:tavLst>
+                                    </p:anim>
+                                    <p:anim calcmode="lin" valueType="num">
+                                      <p:cBhvr additive="base">
+                                        <p:cTn id="138" dur="500" fill="hold"/>
+                                        <p:tgtEl>
+                                          <p:spTgt spid="84"/>
+                                        </p:tgtEl>
+                                        <p:attrNameLst>
+                                          <p:attrName>ppt_y</p:attrName>
+                                        </p:attrNameLst>
+                                      </p:cBhvr>
+                                      <p:tavLst>
+                                        <p:tav tm="0">
+                                          <p:val>
+                                            <p:strVal val="#ppt_y"/>
+                                          </p:val>
+                                        </p:tav>
+                                        <p:tav tm="100000">
+                                          <p:val>
+                                            <p:strVal val="#ppt_y"/>
+                                          </p:val>
+                                        </p:tav>
+                                      </p:tavLst>
+                                    </p:anim>
+                                  </p:childTnLst>
+                                </p:cTn>
+                              </p:par>
+                              <p:par>
+                                <p:cTn id="139" presetID="2" presetClass="entr" presetSubtype="2" fill="hold" grpId="0" nodeType="withEffect">
+                                  <p:stCondLst>
+                                    <p:cond delay="0"/>
+                                  </p:stCondLst>
+                                  <p:childTnLst>
+                                    <p:set>
+                                      <p:cBhvr>
+                                        <p:cTn id="140" dur="1" fill="hold">
+                                          <p:stCondLst>
+                                            <p:cond delay="0"/>
+                                          </p:stCondLst>
+                                        </p:cTn>
+                                        <p:tgtEl>
+                                          <p:spTgt spid="81"/>
+                                        </p:tgtEl>
+                                        <p:attrNameLst>
+                                          <p:attrName>style.visibility</p:attrName>
+                                        </p:attrNameLst>
+                                      </p:cBhvr>
+                                      <p:to>
+                                        <p:strVal val="visible"/>
+                                      </p:to>
+                                    </p:set>
+                                    <p:anim calcmode="lin" valueType="num">
+                                      <p:cBhvr additive="base">
+                                        <p:cTn id="141" dur="500" fill="hold"/>
+                                        <p:tgtEl>
+                                          <p:spTgt spid="81"/>
+                                        </p:tgtEl>
+                                        <p:attrNameLst>
+                                          <p:attrName>ppt_x</p:attrName>
+                                        </p:attrNameLst>
+                                      </p:cBhvr>
+                                      <p:tavLst>
+                                        <p:tav tm="0">
+                                          <p:val>
+                                            <p:strVal val="1+#ppt_w/2"/>
+                                          </p:val>
+                                        </p:tav>
+                                        <p:tav tm="100000">
+                                          <p:val>
+                                            <p:strVal val="#ppt_x"/>
+                                          </p:val>
+                                        </p:tav>
+                                      </p:tavLst>
+                                    </p:anim>
+                                    <p:anim calcmode="lin" valueType="num">
+                                      <p:cBhvr additive="base">
+                                        <p:cTn id="142" dur="500" fill="hold"/>
+                                        <p:tgtEl>
+                                          <p:spTgt spid="81"/>
+                                        </p:tgtEl>
+                                        <p:attrNameLst>
+                                          <p:attrName>ppt_y</p:attrName>
+                                        </p:attrNameLst>
+                                      </p:cBhvr>
+                                      <p:tavLst>
+                                        <p:tav tm="0">
+                                          <p:val>
+                                            <p:strVal val="#ppt_y"/>
+                                          </p:val>
+                                        </p:tav>
+                                        <p:tav tm="100000">
+                                          <p:val>
+                                            <p:strVal val="#ppt_y"/>
+                                          </p:val>
+                                        </p:tav>
+                                      </p:tavLst>
+                                    </p:anim>
+                                  </p:childTnLst>
+                                </p:cTn>
+                              </p:par>
+                            </p:childTnLst>
+                          </p:cTn>
+                        </p:par>
+                        <p:par>
+                          <p:cTn id="143" fill="hold">
+                            <p:stCondLst>
+                              <p:cond delay="500"/>
+                            </p:stCondLst>
+                            <p:childTnLst>
+                              <p:par>
+                                <p:cTn id="144" presetID="10" presetClass="exit" presetSubtype="0" fill="hold" grpId="1" nodeType="afterEffect">
+                                  <p:stCondLst>
+                                    <p:cond delay="0"/>
+                                  </p:stCondLst>
+                                  <p:childTnLst>
+                                    <p:animEffect transition="out" filter="fade">
+                                      <p:cBhvr>
+                                        <p:cTn id="145" dur="500"/>
+                                        <p:tgtEl>
+                                          <p:spTgt spid="71"/>
+                                        </p:tgtEl>
+                                      </p:cBhvr>
+                                    </p:animEffect>
+                                    <p:set>
+                                      <p:cBhvr>
+                                        <p:cTn id="146" dur="1" fill="hold">
+                                          <p:stCondLst>
+                                            <p:cond delay="499"/>
+                                          </p:stCondLst>
+                                        </p:cTn>
+                                        <p:tgtEl>
+                                          <p:spTgt spid="71"/>
+                                        </p:tgtEl>
+                                        <p:attrNameLst>
+                                          <p:attrName>style.visibility</p:attrName>
+                                        </p:attrNameLst>
+                                      </p:cBhvr>
+                                      <p:to>
+                                        <p:strVal val="hidden"/>
+                                      </p:to>
+                                    </p:set>
+                                  </p:childTnLst>
+                                </p:cTn>
+                              </p:par>
+                            </p:childTnLst>
+                          </p:cTn>
+                        </p:par>
+                        <p:par>
+                          <p:cTn id="147" fill="hold">
+                            <p:stCondLst>
+                              <p:cond delay="1000"/>
+                            </p:stCondLst>
+                            <p:childTnLst>
+                              <p:par>
+                                <p:cTn id="148" presetID="10" presetClass="exit" presetSubtype="0" fill="hold" grpId="1" nodeType="afterEffect">
+                                  <p:stCondLst>
+                                    <p:cond delay="0"/>
+                                  </p:stCondLst>
+                                  <p:childTnLst>
+                                    <p:animEffect transition="out" filter="fade">
+                                      <p:cBhvr>
+                                        <p:cTn id="149" dur="500"/>
+                                        <p:tgtEl>
+                                          <p:spTgt spid="80"/>
+                                        </p:tgtEl>
+                                      </p:cBhvr>
+                                    </p:animEffect>
+                                    <p:set>
+                                      <p:cBhvr>
+                                        <p:cTn id="150" dur="1" fill="hold">
+                                          <p:stCondLst>
+                                            <p:cond delay="499"/>
+                                          </p:stCondLst>
+                                        </p:cTn>
+                                        <p:tgtEl>
+                                          <p:spTgt spid="80"/>
+                                        </p:tgtEl>
+                                        <p:attrNameLst>
+                                          <p:attrName>style.visibility</p:attrName>
+                                        </p:attrNameLst>
+                                      </p:cBhvr>
+                                      <p:to>
+                                        <p:strVal val="hidden"/>
+                                      </p:to>
+                                    </p:set>
+                                  </p:childTnLst>
+                                </p:cTn>
+                              </p:par>
+                            </p:childTnLst>
+                          </p:cTn>
+                        </p:par>
+                        <p:par>
+                          <p:cTn id="151" fill="hold">
+                            <p:stCondLst>
+                              <p:cond delay="1500"/>
+                            </p:stCondLst>
+                            <p:childTnLst>
+                              <p:par>
+                                <p:cTn id="152" presetID="10" presetClass="exit" presetSubtype="0" fill="hold" grpId="1" nodeType="afterEffect">
+                                  <p:stCondLst>
+                                    <p:cond delay="0"/>
+                                  </p:stCondLst>
+                                  <p:childTnLst>
+                                    <p:animEffect transition="out" filter="fade">
+                                      <p:cBhvr>
+                                        <p:cTn id="153" dur="500"/>
+                                        <p:tgtEl>
+                                          <p:spTgt spid="54"/>
+                                        </p:tgtEl>
+                                      </p:cBhvr>
+                                    </p:animEffect>
+                                    <p:set>
+                                      <p:cBhvr>
+                                        <p:cTn id="154" dur="1" fill="hold">
+                                          <p:stCondLst>
+                                            <p:cond delay="499"/>
+                                          </p:stCondLst>
+                                        </p:cTn>
+                                        <p:tgtEl>
+                                          <p:spTgt spid="54"/>
+                                        </p:tgtEl>
+                                        <p:attrNameLst>
+                                          <p:attrName>style.visibility</p:attrName>
+                                        </p:attrNameLst>
+                                      </p:cBhvr>
+                                      <p:to>
+                                        <p:strVal val="hidden"/>
+                                      </p:to>
+                                    </p:set>
+                                  </p:childTnLst>
+                                </p:cTn>
+                              </p:par>
+                            </p:childTnLst>
+                          </p:cTn>
+                        </p:par>
+                        <p:par>
+                          <p:cTn id="155" fill="hold">
+                            <p:stCondLst>
+                              <p:cond delay="2000"/>
+                            </p:stCondLst>
+                            <p:childTnLst>
+                              <p:par>
+                                <p:cTn id="156" presetID="10" presetClass="exit" presetSubtype="0" fill="hold" grpId="0" nodeType="afterEffect">
+                                  <p:stCondLst>
+                                    <p:cond delay="0"/>
+                                  </p:stCondLst>
+                                  <p:childTnLst>
+                                    <p:animEffect transition="out" filter="fade">
+                                      <p:cBhvr>
+                                        <p:cTn id="157" dur="500"/>
+                                        <p:tgtEl>
+                                          <p:spTgt spid="18"/>
+                                        </p:tgtEl>
+                                      </p:cBhvr>
+                                    </p:animEffect>
+                                    <p:set>
+                                      <p:cBhvr>
+                                        <p:cTn id="158" dur="1" fill="hold">
+                                          <p:stCondLst>
+                                            <p:cond delay="499"/>
+                                          </p:stCondLst>
+                                        </p:cTn>
+                                        <p:tgtEl>
+                                          <p:spTgt spid="18"/>
+                                        </p:tgtEl>
+                                        <p:attrNameLst>
+                                          <p:attrName>style.visibility</p:attrName>
+                                        </p:attrNameLst>
+                                      </p:cBhvr>
+                                      <p:to>
+                                        <p:strVal val="hidden"/>
+                                      </p:to>
+                                    </p:set>
+                                  </p:childTnLst>
+                                </p:cTn>
+                              </p:par>
+                            </p:childTnLst>
+                          </p:cTn>
+                        </p:par>
+                      </p:childTnLst>
+                    </p:cTn>
+                  </p:par>
+                  <p:par>
+                    <p:cTn id="159" fill="hold">
+                      <p:stCondLst>
+                        <p:cond delay="indefinite"/>
+                      </p:stCondLst>
+                      <p:childTnLst>
+                        <p:par>
+                          <p:cTn id="160" fill="hold">
+                            <p:stCondLst>
+                              <p:cond delay="0"/>
+                            </p:stCondLst>
+                            <p:childTnLst>
+                              <p:par>
+                                <p:cTn id="161" presetID="22" presetClass="entr" presetSubtype="4" fill="hold" grpId="0" nodeType="clickEffect">
+                                  <p:stCondLst>
+                                    <p:cond delay="0"/>
+                                  </p:stCondLst>
+                                  <p:childTnLst>
+                                    <p:set>
+                                      <p:cBhvr>
+                                        <p:cTn id="162" dur="1" fill="hold">
+                                          <p:stCondLst>
+                                            <p:cond delay="0"/>
+                                          </p:stCondLst>
+                                        </p:cTn>
+                                        <p:tgtEl>
+                                          <p:spTgt spid="90"/>
+                                        </p:tgtEl>
+                                        <p:attrNameLst>
+                                          <p:attrName>style.visibility</p:attrName>
+                                        </p:attrNameLst>
+                                      </p:cBhvr>
+                                      <p:to>
+                                        <p:strVal val="visible"/>
+                                      </p:to>
+                                    </p:set>
+                                    <p:animEffect transition="in" filter="wipe(down)">
+                                      <p:cBhvr>
+                                        <p:cTn id="163" dur="500"/>
+                                        <p:tgtEl>
+                                          <p:spTgt spid="90"/>
+                                        </p:tgtEl>
+                                      </p:cBhvr>
+                                    </p:animEffect>
+                                  </p:childTnLst>
+                                </p:cTn>
+                              </p:par>
+                            </p:childTnLst>
+                          </p:cTn>
+                        </p:par>
+                        <p:par>
+                          <p:cTn id="164" fill="hold">
+                            <p:stCondLst>
+                              <p:cond delay="500"/>
+                            </p:stCondLst>
+                            <p:childTnLst>
+                              <p:par>
+                                <p:cTn id="165" presetID="22" presetClass="entr" presetSubtype="4" fill="hold" grpId="0" nodeType="afterEffect">
+                                  <p:stCondLst>
+                                    <p:cond delay="0"/>
+                                  </p:stCondLst>
+                                  <p:childTnLst>
+                                    <p:set>
+                                      <p:cBhvr>
+                                        <p:cTn id="166" dur="1" fill="hold">
+                                          <p:stCondLst>
+                                            <p:cond delay="0"/>
+                                          </p:stCondLst>
+                                        </p:cTn>
+                                        <p:tgtEl>
+                                          <p:spTgt spid="91"/>
+                                        </p:tgtEl>
+                                        <p:attrNameLst>
+                                          <p:attrName>style.visibility</p:attrName>
+                                        </p:attrNameLst>
+                                      </p:cBhvr>
+                                      <p:to>
+                                        <p:strVal val="visible"/>
+                                      </p:to>
+                                    </p:set>
+                                    <p:animEffect transition="in" filter="wipe(down)">
+                                      <p:cBhvr>
+                                        <p:cTn id="167" dur="500"/>
+                                        <p:tgtEl>
+                                          <p:spTgt spid="91"/>
+                                        </p:tgtEl>
+                                      </p:cBhvr>
+                                    </p:animEffect>
+                                  </p:childTnLst>
+                                </p:cTn>
+                              </p:par>
+                            </p:childTnLst>
+                          </p:cTn>
+                        </p:par>
+                        <p:par>
+                          <p:cTn id="168" fill="hold">
+                            <p:stCondLst>
+                              <p:cond delay="1000"/>
+                            </p:stCondLst>
+                            <p:childTnLst>
+                              <p:par>
+                                <p:cTn id="169" presetID="22" presetClass="entr" presetSubtype="4" fill="hold" grpId="0" nodeType="afterEffect">
+                                  <p:stCondLst>
+                                    <p:cond delay="0"/>
+                                  </p:stCondLst>
+                                  <p:childTnLst>
+                                    <p:set>
+                                      <p:cBhvr>
+                                        <p:cTn id="170" dur="1" fill="hold">
+                                          <p:stCondLst>
+                                            <p:cond delay="0"/>
+                                          </p:stCondLst>
+                                        </p:cTn>
+                                        <p:tgtEl>
+                                          <p:spTgt spid="92"/>
+                                        </p:tgtEl>
+                                        <p:attrNameLst>
+                                          <p:attrName>style.visibility</p:attrName>
+                                        </p:attrNameLst>
+                                      </p:cBhvr>
+                                      <p:to>
+                                        <p:strVal val="visible"/>
+                                      </p:to>
+                                    </p:set>
+                                    <p:animEffect transition="in" filter="wipe(down)">
+                                      <p:cBhvr>
+                                        <p:cTn id="171" dur="500"/>
+                                        <p:tgtEl>
+                                          <p:spTgt spid="92"/>
+                                        </p:tgtEl>
+                                      </p:cBhvr>
+                                    </p:animEffect>
+                                  </p:childTnLst>
+                                </p:cTn>
+                              </p:par>
+                            </p:childTnLst>
+                          </p:cTn>
+                        </p:par>
+                        <p:par>
+                          <p:cTn id="172" fill="hold">
+                            <p:stCondLst>
+                              <p:cond delay="1500"/>
+                            </p:stCondLst>
+                            <p:childTnLst>
+                              <p:par>
+                                <p:cTn id="173" presetID="22" presetClass="entr" presetSubtype="4" fill="hold" grpId="0" nodeType="afterEffect">
+                                  <p:stCondLst>
+                                    <p:cond delay="0"/>
+                                  </p:stCondLst>
+                                  <p:childTnLst>
+                                    <p:set>
+                                      <p:cBhvr>
+                                        <p:cTn id="174" dur="1" fill="hold">
+                                          <p:stCondLst>
+                                            <p:cond delay="0"/>
+                                          </p:stCondLst>
+                                        </p:cTn>
+                                        <p:tgtEl>
+                                          <p:spTgt spid="93"/>
+                                        </p:tgtEl>
+                                        <p:attrNameLst>
+                                          <p:attrName>style.visibility</p:attrName>
+                                        </p:attrNameLst>
+                                      </p:cBhvr>
+                                      <p:to>
+                                        <p:strVal val="visible"/>
+                                      </p:to>
+                                    </p:set>
+                                    <p:animEffect transition="in" filter="wipe(down)">
+                                      <p:cBhvr>
+                                        <p:cTn id="175" dur="500"/>
+                                        <p:tgtEl>
+                                          <p:spTgt spid="93"/>
+                                        </p:tgtEl>
+                                      </p:cBhvr>
+                                    </p:animEffect>
+                                  </p:childTnLst>
+                                </p:cTn>
+                              </p:par>
+                            </p:childTnLst>
+                          </p:cTn>
+                        </p:par>
+                      </p:childTnLst>
+                    </p:cTn>
+                  </p:par>
+                  <p:par>
+                    <p:cTn id="176" fill="hold">
+                      <p:stCondLst>
+                        <p:cond delay="indefinite"/>
+                      </p:stCondLst>
+                      <p:childTnLst>
+                        <p:par>
+                          <p:cTn id="177" fill="hold">
+                            <p:stCondLst>
+                              <p:cond delay="0"/>
+                            </p:stCondLst>
+                            <p:childTnLst>
+                              <p:par>
+                                <p:cTn id="178" presetID="10" presetClass="exit" presetSubtype="0" fill="hold" grpId="1" nodeType="clickEffect">
+                                  <p:stCondLst>
+                                    <p:cond delay="0"/>
+                                  </p:stCondLst>
+                                  <p:childTnLst>
+                                    <p:animEffect transition="out" filter="fade">
+                                      <p:cBhvr>
+                                        <p:cTn id="179" dur="500"/>
+                                        <p:tgtEl>
+                                          <p:spTgt spid="82"/>
+                                        </p:tgtEl>
+                                      </p:cBhvr>
+                                    </p:animEffect>
+                                    <p:set>
+                                      <p:cBhvr>
+                                        <p:cTn id="180" dur="1" fill="hold">
+                                          <p:stCondLst>
+                                            <p:cond delay="499"/>
+                                          </p:stCondLst>
+                                        </p:cTn>
+                                        <p:tgtEl>
+                                          <p:spTgt spid="82"/>
+                                        </p:tgtEl>
+                                        <p:attrNameLst>
+                                          <p:attrName>style.visibility</p:attrName>
+                                        </p:attrNameLst>
+                                      </p:cBhvr>
+                                      <p:to>
+                                        <p:strVal val="hidden"/>
+                                      </p:to>
+                                    </p:set>
+                                  </p:childTnLst>
+                                </p:cTn>
+                              </p:par>
+                              <p:par>
+                                <p:cTn id="181" presetID="10" presetClass="exit" presetSubtype="0" fill="hold" grpId="1" nodeType="withEffect">
+                                  <p:stCondLst>
+                                    <p:cond delay="0"/>
+                                  </p:stCondLst>
+                                  <p:childTnLst>
+                                    <p:animEffect transition="out" filter="fade">
+                                      <p:cBhvr>
+                                        <p:cTn id="182" dur="500"/>
+                                        <p:tgtEl>
+                                          <p:spTgt spid="83"/>
+                                        </p:tgtEl>
+                                      </p:cBhvr>
+                                    </p:animEffect>
+                                    <p:set>
+                                      <p:cBhvr>
+                                        <p:cTn id="183" dur="1" fill="hold">
+                                          <p:stCondLst>
+                                            <p:cond delay="499"/>
+                                          </p:stCondLst>
+                                        </p:cTn>
+                                        <p:tgtEl>
+                                          <p:spTgt spid="83"/>
+                                        </p:tgtEl>
+                                        <p:attrNameLst>
+                                          <p:attrName>style.visibility</p:attrName>
+                                        </p:attrNameLst>
+                                      </p:cBhvr>
+                                      <p:to>
+                                        <p:strVal val="hidden"/>
+                                      </p:to>
+                                    </p:set>
+                                  </p:childTnLst>
+                                </p:cTn>
+                              </p:par>
+                              <p:par>
+                                <p:cTn id="184" presetID="10" presetClass="exit" presetSubtype="0" fill="hold" grpId="1" nodeType="withEffect">
+                                  <p:stCondLst>
+                                    <p:cond delay="0"/>
+                                  </p:stCondLst>
+                                  <p:childTnLst>
+                                    <p:animEffect transition="out" filter="fade">
+                                      <p:cBhvr>
+                                        <p:cTn id="185" dur="500"/>
+                                        <p:tgtEl>
+                                          <p:spTgt spid="84"/>
+                                        </p:tgtEl>
+                                      </p:cBhvr>
+                                    </p:animEffect>
+                                    <p:set>
+                                      <p:cBhvr>
+                                        <p:cTn id="186" dur="1" fill="hold">
+                                          <p:stCondLst>
+                                            <p:cond delay="499"/>
+                                          </p:stCondLst>
+                                        </p:cTn>
+                                        <p:tgtEl>
+                                          <p:spTgt spid="84"/>
+                                        </p:tgtEl>
+                                        <p:attrNameLst>
+                                          <p:attrName>style.visibility</p:attrName>
+                                        </p:attrNameLst>
+                                      </p:cBhvr>
+                                      <p:to>
+                                        <p:strVal val="hidden"/>
+                                      </p:to>
+                                    </p:set>
+                                  </p:childTnLst>
+                                </p:cTn>
+                              </p:par>
+                              <p:par>
+                                <p:cTn id="187" presetID="10" presetClass="exit" presetSubtype="0" fill="hold" grpId="1" nodeType="withEffect">
+                                  <p:stCondLst>
+                                    <p:cond delay="0"/>
+                                  </p:stCondLst>
+                                  <p:childTnLst>
+                                    <p:animEffect transition="out" filter="fade">
+                                      <p:cBhvr>
+                                        <p:cTn id="188" dur="500"/>
+                                        <p:tgtEl>
+                                          <p:spTgt spid="81"/>
+                                        </p:tgtEl>
+                                      </p:cBhvr>
+                                    </p:animEffect>
+                                    <p:set>
+                                      <p:cBhvr>
+                                        <p:cTn id="189" dur="1" fill="hold">
+                                          <p:stCondLst>
+                                            <p:cond delay="499"/>
+                                          </p:stCondLst>
+                                        </p:cTn>
+                                        <p:tgtEl>
+                                          <p:spTgt spid="81"/>
+                                        </p:tgtEl>
+                                        <p:attrNameLst>
+                                          <p:attrName>style.visibility</p:attrName>
+                                        </p:attrNameLst>
+                                      </p:cBhvr>
+                                      <p:to>
+                                        <p:strVal val="hidden"/>
+                                      </p:to>
+                                    </p:set>
+                                  </p:childTnLst>
+                                </p:cTn>
+                              </p:par>
+                            </p:childTnLst>
+                          </p:cTn>
+                        </p:par>
+                        <p:par>
+                          <p:cTn id="190" fill="hold">
+                            <p:stCondLst>
+                              <p:cond delay="500"/>
+                            </p:stCondLst>
+                            <p:childTnLst>
+                              <p:par>
+                                <p:cTn id="191" presetID="10" presetClass="entr" presetSubtype="0" fill="hold" grpId="0" nodeType="afterEffect">
+                                  <p:stCondLst>
+                                    <p:cond delay="0"/>
+                                  </p:stCondLst>
+                                  <p:childTnLst>
+                                    <p:set>
+                                      <p:cBhvr>
+                                        <p:cTn id="192" dur="1" fill="hold">
+                                          <p:stCondLst>
+                                            <p:cond delay="0"/>
+                                          </p:stCondLst>
+                                        </p:cTn>
+                                        <p:tgtEl>
+                                          <p:spTgt spid="94"/>
+                                        </p:tgtEl>
+                                        <p:attrNameLst>
+                                          <p:attrName>style.visibility</p:attrName>
+                                        </p:attrNameLst>
+                                      </p:cBhvr>
+                                      <p:to>
+                                        <p:strVal val="visible"/>
+                                      </p:to>
+                                    </p:set>
+                                    <p:animEffect transition="in" filter="fade">
+                                      <p:cBhvr>
+                                        <p:cTn id="193" dur="500"/>
+                                        <p:tgtEl>
+                                          <p:spTgt spid="94"/>
+                                        </p:tgtEl>
+                                      </p:cBhvr>
+                                    </p:animEffect>
+                                  </p:childTnLst>
+                                </p:cTn>
+                              </p:par>
+                            </p:childTnLst>
+                          </p:cTn>
+                        </p:par>
+                        <p:par>
+                          <p:cTn id="194" fill="hold">
+                            <p:stCondLst>
+                              <p:cond delay="1000"/>
+                            </p:stCondLst>
+                            <p:childTnLst>
+                              <p:par>
+                                <p:cTn id="195" presetID="10" presetClass="entr" presetSubtype="0" fill="hold" grpId="0" nodeType="afterEffect">
+                                  <p:stCondLst>
+                                    <p:cond delay="0"/>
+                                  </p:stCondLst>
+                                  <p:childTnLst>
+                                    <p:set>
+                                      <p:cBhvr>
+                                        <p:cTn id="196" dur="1" fill="hold">
+                                          <p:stCondLst>
+                                            <p:cond delay="0"/>
+                                          </p:stCondLst>
+                                        </p:cTn>
+                                        <p:tgtEl>
+                                          <p:spTgt spid="95"/>
+                                        </p:tgtEl>
+                                        <p:attrNameLst>
+                                          <p:attrName>style.visibility</p:attrName>
+                                        </p:attrNameLst>
+                                      </p:cBhvr>
+                                      <p:to>
+                                        <p:strVal val="visible"/>
+                                      </p:to>
+                                    </p:set>
+                                    <p:animEffect transition="in" filter="fade">
+                                      <p:cBhvr>
+                                        <p:cTn id="197" dur="500"/>
+                                        <p:tgtEl>
+                                          <p:spTgt spid="95"/>
+                                        </p:tgtEl>
+                                      </p:cBhvr>
+                                    </p:animEffect>
+                                  </p:childTnLst>
+                                </p:cTn>
+                              </p:par>
+                            </p:childTnLst>
+                          </p:cTn>
+                        </p:par>
+                        <p:par>
+                          <p:cTn id="198" fill="hold">
+                            <p:stCondLst>
+                              <p:cond delay="1500"/>
+                            </p:stCondLst>
+                            <p:childTnLst>
+                              <p:par>
+                                <p:cTn id="199" presetID="10" presetClass="entr" presetSubtype="0" fill="hold" grpId="0" nodeType="afterEffect">
+                                  <p:stCondLst>
+                                    <p:cond delay="0"/>
+                                  </p:stCondLst>
+                                  <p:childTnLst>
+                                    <p:set>
+                                      <p:cBhvr>
+                                        <p:cTn id="200" dur="1" fill="hold">
+                                          <p:stCondLst>
+                                            <p:cond delay="0"/>
+                                          </p:stCondLst>
+                                        </p:cTn>
+                                        <p:tgtEl>
+                                          <p:spTgt spid="96"/>
+                                        </p:tgtEl>
+                                        <p:attrNameLst>
+                                          <p:attrName>style.visibility</p:attrName>
+                                        </p:attrNameLst>
+                                      </p:cBhvr>
+                                      <p:to>
+                                        <p:strVal val="visible"/>
+                                      </p:to>
+                                    </p:set>
+                                    <p:animEffect transition="in" filter="fade">
+                                      <p:cBhvr>
+                                        <p:cTn id="201" dur="500"/>
+                                        <p:tgtEl>
+                                          <p:spTgt spid="96"/>
+                                        </p:tgtEl>
+                                      </p:cBhvr>
+                                    </p:animEffect>
+                                  </p:childTnLst>
+                                </p:cTn>
+                              </p:par>
+                            </p:childTnLst>
+                          </p:cTn>
+                        </p:par>
+                        <p:par>
+                          <p:cTn id="202" fill="hold">
+                            <p:stCondLst>
+                              <p:cond delay="2000"/>
+                            </p:stCondLst>
+                            <p:childTnLst>
+                              <p:par>
+                                <p:cTn id="203" presetID="10" presetClass="entr" presetSubtype="0" fill="hold" grpId="0" nodeType="afterEffect">
+                                  <p:stCondLst>
+                                    <p:cond delay="0"/>
+                                  </p:stCondLst>
+                                  <p:childTnLst>
+                                    <p:set>
+                                      <p:cBhvr>
+                                        <p:cTn id="204" dur="1" fill="hold">
+                                          <p:stCondLst>
+                                            <p:cond delay="0"/>
+                                          </p:stCondLst>
+                                        </p:cTn>
+                                        <p:tgtEl>
+                                          <p:spTgt spid="97"/>
+                                        </p:tgtEl>
+                                        <p:attrNameLst>
+                                          <p:attrName>style.visibility</p:attrName>
+                                        </p:attrNameLst>
+                                      </p:cBhvr>
+                                      <p:to>
+                                        <p:strVal val="visible"/>
+                                      </p:to>
+                                    </p:set>
+                                    <p:animEffect transition="in" filter="fade">
+                                      <p:cBhvr>
+                                        <p:cTn id="205" dur="500"/>
+                                        <p:tgtEl>
+                                          <p:spTgt spid="97"/>
+                                        </p:tgtEl>
+                                      </p:cBhvr>
+                                    </p:animEffect>
+                                  </p:childTnLst>
+                                </p:cTn>
+                              </p:par>
+                            </p:childTnLst>
+                          </p:cTn>
+                        </p:par>
+                      </p:childTnLst>
+                    </p:cTn>
+                  </p:par>
+                </p:childTnLst>
+              </p:cTn>
+              <p:prevCondLst>
+                <p:cond evt="onPrev" delay="0">
+                  <p:tgtEl>
+                    <p:sldTgt/>
+                  </p:tgtEl>
+                </p:cond>
+              </p:prevCondLst>
+              <p:nextCondLst>
+                <p:cond evt="onNext" delay="0">
+                  <p:tgtEl>
+                    <p:sldTgt/>
+                  </p:tgtEl>
+                </p:cond>
+              </p:nextCondLst>
+            </p:seq>
+          </p:childTnLst>
+        </p:cTn>
+      </p:par>
+    </p:tnLst>
+    <p:bldLst>
+      <p:bldP spid="18" grpId="0"/>
+      <p:bldP spid="49" grpId="0" animBg="1"/>
+      <p:bldP spid="53" grpId="0"/>
+      <p:bldP spid="54" grpId="0"/>
+      <p:bldP spid="54" grpId="1"/>
+      <p:bldP spid="55" grpId="0"/>
+      <p:bldP spid="56" grpId="0"/>
+      <p:bldP spid="65" grpId="0" animBg="1"/>
+      <p:bldP spid="69" grpId="0"/>
+      <p:bldP spid="70" grpId="0"/>
+      <p:bldP spid="71" grpId="0"/>
+      <p:bldP spid="71" grpId="1"/>
+      <p:bldP spid="72" grpId="0"/>
+      <p:bldP spid="73" grpId="0" animBg="1"/>
+      <p:bldP spid="77" grpId="0"/>
+      <p:bldP spid="78" grpId="0"/>
+      <p:bldP spid="79" grpId="0"/>
+      <p:bldP spid="80" grpId="0"/>
+      <p:bldP spid="80" grpId="1"/>
+      <p:bldP spid="81" grpId="0" animBg="1"/>
+      <p:bldP spid="81" grpId="1" animBg="1"/>
+      <p:bldP spid="82" grpId="0" animBg="1"/>
+      <p:bldP spid="82" grpId="1" animBg="1"/>
+      <p:bldP spid="83" grpId="0" animBg="1"/>
+      <p:bldP spid="83" grpId="1" animBg="1"/>
+      <p:bldP spid="84" grpId="0" animBg="1"/>
+      <p:bldP spid="84" grpId="1" animBg="1"/>
+      <p:bldP spid="90" grpId="0"/>
+      <p:bldP spid="91" grpId="0"/>
+      <p:bldP spid="92" grpId="0"/>
+      <p:bldP spid="93" grpId="0"/>
+      <p:bldP spid="94" grpId="0" animBg="1"/>
+      <p:bldP spid="95" grpId="0" animBg="1"/>
+      <p:bldP spid="96" grpId="0" animBg="1"/>
+      <p:bldP spid="97" grpId="0" animBg="1"/>
+    </p:bldLst>
+  </p:timing>
+</p:sld>
+</file>
+
+<file path=ppt/slides/slide14.xml><?xml version="1.0" encoding="utf-8"?>
+<p:sld xmlns:a="http://schemas.openxmlformats.org/drawingml/2006/main" xmlns:r="http://schemas.openxmlformats.org/officeDocument/2006/relationships" xmlns:p="http://schemas.openxmlformats.org/presentationml/2006/main">
+  <p:cSld>
+    <p:spTree>
+      <p:nvGrpSpPr>
+        <p:cNvPr id="1" name=""/>
+        <p:cNvGrpSpPr/>
+        <p:nvPr/>
+      </p:nvGrpSpPr>
+      <p:grpSpPr>
+        <a:xfrm>
+          <a:off x="0" y="0"/>
+          <a:ext cx="0" cy="0"/>
+          <a:chOff x="0" y="0"/>
+          <a:chExt cx="0" cy="0"/>
+        </a:xfrm>
+      </p:grpSpPr>
+      <p:sp>
+        <p:nvSpPr>
+          <p:cNvPr id="2" name="Título 1">
+            <a:extLst>
+              <a:ext uri="{FF2B5EF4-FFF2-40B4-BE49-F238E27FC236}">
+                <a16:creationId xmlns:a16="http://schemas.microsoft.com/office/drawing/2014/main" id="{25068522-B10A-41BC-906C-312C0DD894CB}"/>
+              </a:ext>
+            </a:extLst>
+          </p:cNvPr>
+          <p:cNvSpPr>
+            <a:spLocks noGrp="1"/>
+          </p:cNvSpPr>
+          <p:nvPr>
+            <p:ph type="title"/>
+          </p:nvPr>
+        </p:nvSpPr>
+        <p:spPr/>
+        <p:txBody>
+          <a:bodyPr/>
+          <a:lstStyle/>
+          <a:p>
+            <a:r>
+              <a:rPr lang="es-ES" dirty="0"/>
+              <a:t>Comportamiento Algoritmo Genético</a:t>
+            </a:r>
+          </a:p>
+        </p:txBody>
+      </p:sp>
+      <p:pic>
+        <p:nvPicPr>
+          <p:cNvPr id="13" name="Marcador de contenido 12">
+            <a:extLst>
+              <a:ext uri="{FF2B5EF4-FFF2-40B4-BE49-F238E27FC236}">
+                <a16:creationId xmlns:a16="http://schemas.microsoft.com/office/drawing/2014/main" id="{49804399-A794-4BD4-97A9-F38D30D0696F}"/>
+              </a:ext>
+            </a:extLst>
+          </p:cNvPr>
+          <p:cNvPicPr>
+            <a:picLocks noGrp="1" noChangeAspect="1"/>
+          </p:cNvPicPr>
+          <p:nvPr>
+            <p:ph idx="1"/>
+          </p:nvPr>
+        </p:nvPicPr>
+        <p:blipFill>
+          <a:blip r:embed="rId2">
+            <a:extLst>
+              <a:ext uri="{28A0092B-C50C-407E-A947-70E740481C1C}">
+                <a14:useLocalDpi xmlns:a14="http://schemas.microsoft.com/office/drawing/2010/main" val="0"/>
+              </a:ext>
+              <a:ext uri="{96DAC541-7B7A-43D3-8B79-37D633B846F1}">
+                <asvg:svgBlip xmlns:asvg="http://schemas.microsoft.com/office/drawing/2016/SVG/main" r:embed="rId3"/>
+              </a:ext>
+            </a:extLst>
+          </a:blip>
+          <a:stretch>
+            <a:fillRect/>
+          </a:stretch>
+        </p:blipFill>
+        <p:spPr>
+          <a:xfrm>
+            <a:off x="3011714" y="2088810"/>
+            <a:ext cx="6168572" cy="4626429"/>
+          </a:xfrm>
+        </p:spPr>
+      </p:pic>
+    </p:spTree>
+    <p:extLst>
+      <p:ext uri="{BB962C8B-B14F-4D97-AF65-F5344CB8AC3E}">
+        <p14:creationId xmlns:p14="http://schemas.microsoft.com/office/powerpoint/2010/main" val="110201391"/>
+      </p:ext>
+    </p:extLst>
+  </p:cSld>
+  <p:clrMapOvr>
+    <a:masterClrMapping/>
+  </p:clrMapOvr>
+</p:sld>
+</file>
+
+<file path=ppt/slides/slide15.xml><?xml version="1.0" encoding="utf-8"?>
+<p:sld xmlns:a="http://schemas.openxmlformats.org/drawingml/2006/main" xmlns:r="http://schemas.openxmlformats.org/officeDocument/2006/relationships" xmlns:p="http://schemas.openxmlformats.org/presentationml/2006/main">
+  <p:cSld>
+    <p:spTree>
+      <p:nvGrpSpPr>
+        <p:cNvPr id="1" name=""/>
+        <p:cNvGrpSpPr/>
+        <p:nvPr/>
+      </p:nvGrpSpPr>
+      <p:grpSpPr>
+        <a:xfrm>
+          <a:off x="0" y="0"/>
+          <a:ext cx="0" cy="0"/>
+          <a:chOff x="0" y="0"/>
+          <a:chExt cx="0" cy="0"/>
+        </a:xfrm>
+      </p:grpSpPr>
+      <p:sp>
+        <p:nvSpPr>
+          <p:cNvPr id="2" name="Título 1">
+            <a:extLst>
+              <a:ext uri="{FF2B5EF4-FFF2-40B4-BE49-F238E27FC236}">
+                <a16:creationId xmlns:a16="http://schemas.microsoft.com/office/drawing/2014/main" id="{25068522-B10A-41BC-906C-312C0DD894CB}"/>
+              </a:ext>
+            </a:extLst>
+          </p:cNvPr>
+          <p:cNvSpPr>
+            <a:spLocks noGrp="1"/>
+          </p:cNvSpPr>
+          <p:nvPr>
+            <p:ph type="title"/>
+          </p:nvPr>
+        </p:nvSpPr>
+        <p:spPr/>
+        <p:txBody>
+          <a:bodyPr/>
+          <a:lstStyle/>
+          <a:p>
+            <a:r>
+              <a:rPr lang="es-ES" dirty="0"/>
+              <a:t>Comportamiento Algoritmo Genético</a:t>
+            </a:r>
+          </a:p>
+        </p:txBody>
+      </p:sp>
+      <p:pic>
+        <p:nvPicPr>
+          <p:cNvPr id="4" name="Gráfico 3">
+            <a:extLst>
+              <a:ext uri="{FF2B5EF4-FFF2-40B4-BE49-F238E27FC236}">
+                <a16:creationId xmlns:a16="http://schemas.microsoft.com/office/drawing/2014/main" id="{DABD3DA4-7590-44EE-AD28-9CA30774901E}"/>
+              </a:ext>
+            </a:extLst>
+          </p:cNvPr>
+          <p:cNvPicPr>
+            <a:picLocks noChangeAspect="1"/>
+          </p:cNvPicPr>
+          <p:nvPr/>
+        </p:nvPicPr>
+        <p:blipFill>
+          <a:blip r:embed="rId2">
+            <a:extLst>
+              <a:ext uri="{28A0092B-C50C-407E-A947-70E740481C1C}">
+                <a14:useLocalDpi xmlns:a14="http://schemas.microsoft.com/office/drawing/2010/main" val="0"/>
+              </a:ext>
+              <a:ext uri="{96DAC541-7B7A-43D3-8B79-37D633B846F1}">
+                <asvg:svgBlip xmlns:asvg="http://schemas.microsoft.com/office/drawing/2016/SVG/main" r:embed="rId3"/>
+              </a:ext>
+            </a:extLst>
+          </a:blip>
+          <a:stretch>
+            <a:fillRect/>
+          </a:stretch>
+        </p:blipFill>
+        <p:spPr>
+          <a:xfrm>
+            <a:off x="3011714" y="2088809"/>
+            <a:ext cx="6168572" cy="4626429"/>
+          </a:xfrm>
+          <a:prstGeom prst="rect">
+            <a:avLst/>
+          </a:prstGeom>
+        </p:spPr>
+      </p:pic>
+    </p:spTree>
+    <p:extLst>
+      <p:ext uri="{BB962C8B-B14F-4D97-AF65-F5344CB8AC3E}">
+        <p14:creationId xmlns:p14="http://schemas.microsoft.com/office/powerpoint/2010/main" val="3342222061"/>
+      </p:ext>
+    </p:extLst>
+  </p:cSld>
+  <p:clrMapOvr>
+    <a:masterClrMapping/>
+  </p:clrMapOvr>
+</p:sld>
+</file>
+
+<file path=ppt/slides/slide16.xml><?xml version="1.0" encoding="utf-8"?>
+<p:sld xmlns:a="http://schemas.openxmlformats.org/drawingml/2006/main" xmlns:r="http://schemas.openxmlformats.org/officeDocument/2006/relationships" xmlns:p="http://schemas.openxmlformats.org/presentationml/2006/main">
+  <p:cSld>
+    <p:spTree>
+      <p:nvGrpSpPr>
+        <p:cNvPr id="1" name=""/>
+        <p:cNvGrpSpPr/>
+        <p:nvPr/>
+      </p:nvGrpSpPr>
+      <p:grpSpPr>
+        <a:xfrm>
+          <a:off x="0" y="0"/>
+          <a:ext cx="0" cy="0"/>
+          <a:chOff x="0" y="0"/>
+          <a:chExt cx="0" cy="0"/>
+        </a:xfrm>
+      </p:grpSpPr>
+      <p:pic>
+        <p:nvPicPr>
+          <p:cNvPr id="5" name="Marcador de contenido 4">
+            <a:extLst>
+              <a:ext uri="{FF2B5EF4-FFF2-40B4-BE49-F238E27FC236}">
+                <a16:creationId xmlns:a16="http://schemas.microsoft.com/office/drawing/2014/main" id="{9B0D167B-94EA-41EB-B48A-761ED88354EB}"/>
+              </a:ext>
+            </a:extLst>
+          </p:cNvPr>
+          <p:cNvPicPr>
+            <a:picLocks noGrp="1" noChangeAspect="1"/>
+          </p:cNvPicPr>
+          <p:nvPr>
+            <p:ph idx="1"/>
+          </p:nvPr>
+        </p:nvPicPr>
+        <p:blipFill>
+          <a:blip r:embed="rId2">
+            <a:extLst>
+              <a:ext uri="{28A0092B-C50C-407E-A947-70E740481C1C}">
+                <a14:useLocalDpi xmlns:a14="http://schemas.microsoft.com/office/drawing/2010/main" val="0"/>
+              </a:ext>
+              <a:ext uri="{96DAC541-7B7A-43D3-8B79-37D633B846F1}">
+                <asvg:svgBlip xmlns:asvg="http://schemas.microsoft.com/office/drawing/2016/SVG/main" r:embed="rId3"/>
+              </a:ext>
+            </a:extLst>
+          </a:blip>
+          <a:stretch>
+            <a:fillRect/>
+          </a:stretch>
+        </p:blipFill>
+        <p:spPr>
+          <a:xfrm>
+            <a:off x="3011714" y="2088809"/>
+            <a:ext cx="6168572" cy="4626429"/>
+          </a:xfrm>
+        </p:spPr>
+      </p:pic>
+      <p:sp>
+        <p:nvSpPr>
+          <p:cNvPr id="2" name="Título 1">
+            <a:extLst>
+              <a:ext uri="{FF2B5EF4-FFF2-40B4-BE49-F238E27FC236}">
+                <a16:creationId xmlns:a16="http://schemas.microsoft.com/office/drawing/2014/main" id="{25068522-B10A-41BC-906C-312C0DD894CB}"/>
+              </a:ext>
+            </a:extLst>
+          </p:cNvPr>
+          <p:cNvSpPr>
+            <a:spLocks noGrp="1"/>
+          </p:cNvSpPr>
+          <p:nvPr>
+            <p:ph type="title"/>
+          </p:nvPr>
+        </p:nvSpPr>
+        <p:spPr/>
+        <p:txBody>
+          <a:bodyPr/>
+          <a:lstStyle/>
+          <a:p>
+            <a:r>
+              <a:rPr lang="es-ES" dirty="0"/>
+              <a:t>Comportamiento </a:t>
+            </a:r>
+            <a:r>
+              <a:rPr lang="es-ES" dirty="0" err="1"/>
+              <a:t>Taboo</a:t>
+            </a:r>
+            <a:endParaRPr lang="es-ES" dirty="0"/>
+          </a:p>
+        </p:txBody>
+      </p:sp>
+    </p:spTree>
+    <p:extLst>
+      <p:ext uri="{BB962C8B-B14F-4D97-AF65-F5344CB8AC3E}">
+        <p14:creationId xmlns:p14="http://schemas.microsoft.com/office/powerpoint/2010/main" val="2137409183"/>
+      </p:ext>
+    </p:extLst>
+  </p:cSld>
+  <p:clrMapOvr>
+    <a:masterClrMapping/>
+  </p:clrMapOvr>
+</p:sld>
+</file>
+
+<file path=ppt/slides/slide17.xml><?xml version="1.0" encoding="utf-8"?>
+<p:sld xmlns:a="http://schemas.openxmlformats.org/drawingml/2006/main" xmlns:r="http://schemas.openxmlformats.org/officeDocument/2006/relationships" xmlns:p="http://schemas.openxmlformats.org/presentationml/2006/main">
+  <p:cSld>
+    <p:spTree>
+      <p:nvGrpSpPr>
+        <p:cNvPr id="1" name=""/>
+        <p:cNvGrpSpPr/>
+        <p:nvPr/>
+      </p:nvGrpSpPr>
+      <p:grpSpPr>
+        <a:xfrm>
+          <a:off x="0" y="0"/>
+          <a:ext cx="0" cy="0"/>
+          <a:chOff x="0" y="0"/>
+          <a:chExt cx="0" cy="0"/>
+        </a:xfrm>
+      </p:grpSpPr>
+      <p:pic>
+        <p:nvPicPr>
+          <p:cNvPr id="5" name="Marcador de contenido 4">
+            <a:extLst>
+              <a:ext uri="{FF2B5EF4-FFF2-40B4-BE49-F238E27FC236}">
+                <a16:creationId xmlns:a16="http://schemas.microsoft.com/office/drawing/2014/main" id="{EAB5D8DE-35C9-4A4B-80DB-93405FC5D617}"/>
+              </a:ext>
+            </a:extLst>
+          </p:cNvPr>
+          <p:cNvPicPr>
+            <a:picLocks noGrp="1" noChangeAspect="1"/>
+          </p:cNvPicPr>
+          <p:nvPr>
+            <p:ph idx="1"/>
+          </p:nvPr>
+        </p:nvPicPr>
+        <p:blipFill>
+          <a:blip r:embed="rId2">
+            <a:extLst>
+              <a:ext uri="{28A0092B-C50C-407E-A947-70E740481C1C}">
+                <a14:useLocalDpi xmlns:a14="http://schemas.microsoft.com/office/drawing/2010/main" val="0"/>
+              </a:ext>
+              <a:ext uri="{96DAC541-7B7A-43D3-8B79-37D633B846F1}">
+                <asvg:svgBlip xmlns:asvg="http://schemas.microsoft.com/office/drawing/2016/SVG/main" r:embed="rId3"/>
+              </a:ext>
+            </a:extLst>
+          </a:blip>
+          <a:stretch>
+            <a:fillRect/>
+          </a:stretch>
+        </p:blipFill>
+        <p:spPr>
+          <a:xfrm>
+            <a:off x="3011714" y="2088809"/>
+            <a:ext cx="6168572" cy="4626429"/>
+          </a:xfrm>
+        </p:spPr>
+      </p:pic>
+      <p:sp>
+        <p:nvSpPr>
+          <p:cNvPr id="2" name="Título 1">
+            <a:extLst>
+              <a:ext uri="{FF2B5EF4-FFF2-40B4-BE49-F238E27FC236}">
+                <a16:creationId xmlns:a16="http://schemas.microsoft.com/office/drawing/2014/main" id="{25068522-B10A-41BC-906C-312C0DD894CB}"/>
+              </a:ext>
+            </a:extLst>
+          </p:cNvPr>
+          <p:cNvSpPr>
+            <a:spLocks noGrp="1"/>
+          </p:cNvSpPr>
+          <p:nvPr>
+            <p:ph type="title"/>
+          </p:nvPr>
+        </p:nvSpPr>
+        <p:spPr/>
+        <p:txBody>
+          <a:bodyPr/>
+          <a:lstStyle/>
+          <a:p>
+            <a:r>
+              <a:rPr lang="es-ES" dirty="0"/>
+              <a:t>Comportamiento </a:t>
+            </a:r>
+            <a:r>
+              <a:rPr lang="es-ES" dirty="0" err="1"/>
+              <a:t>Taboo</a:t>
+            </a:r>
+            <a:endParaRPr lang="es-ES" dirty="0"/>
+          </a:p>
+        </p:txBody>
+      </p:sp>
+    </p:spTree>
+    <p:extLst>
+      <p:ext uri="{BB962C8B-B14F-4D97-AF65-F5344CB8AC3E}">
+        <p14:creationId xmlns:p14="http://schemas.microsoft.com/office/powerpoint/2010/main" val="1870048065"/>
+      </p:ext>
+    </p:extLst>
+  </p:cSld>
+  <p:clrMapOvr>
+    <a:masterClrMapping/>
+  </p:clrMapOvr>
+</p:sld>
+</file>
+
+<file path=ppt/slides/slide18.xml><?xml version="1.0" encoding="utf-8"?>
+<p:sld xmlns:a="http://schemas.openxmlformats.org/drawingml/2006/main" xmlns:r="http://schemas.openxmlformats.org/officeDocument/2006/relationships" xmlns:p="http://schemas.openxmlformats.org/presentationml/2006/main">
+  <p:cSld>
+    <p:spTree>
+      <p:nvGrpSpPr>
+        <p:cNvPr id="1" name=""/>
+        <p:cNvGrpSpPr/>
+        <p:nvPr/>
+      </p:nvGrpSpPr>
+      <p:grpSpPr>
+        <a:xfrm>
+          <a:off x="0" y="0"/>
+          <a:ext cx="0" cy="0"/>
+          <a:chOff x="0" y="0"/>
+          <a:chExt cx="0" cy="0"/>
+        </a:xfrm>
+      </p:grpSpPr>
+      <p:sp>
+        <p:nvSpPr>
+          <p:cNvPr id="2" name="Título 1">
+            <a:extLst>
+              <a:ext uri="{FF2B5EF4-FFF2-40B4-BE49-F238E27FC236}">
                 <a16:creationId xmlns:a16="http://schemas.microsoft.com/office/drawing/2014/main" id="{3EEB9677-ADA3-4FB2-AF76-77AF417D1BB5}"/>
               </a:ext>
             </a:extLst>
@@ -6738,7 +13212,10 @@
           <a:bodyPr/>
           <a:lstStyle/>
           <a:p>
-            <a:endParaRPr lang="es-ES"/>
+            <a:r>
+              <a:rPr lang="es-ES" dirty="0"/>
+              <a:t>GitHub</a:t>
+            </a:r>
           </a:p>
         </p:txBody>
       </p:sp>
@@ -6758,15 +13235,60 @@
             <p:ph idx="1"/>
           </p:nvPr>
         </p:nvSpPr>
-        <p:spPr/>
+        <p:spPr>
+          <a:xfrm>
+            <a:off x="377219" y="1272208"/>
+            <a:ext cx="10554574" cy="523461"/>
+          </a:xfrm>
+        </p:spPr>
         <p:txBody>
           <a:bodyPr/>
           <a:lstStyle/>
           <a:p>
-            <a:endParaRPr lang="es-ES"/>
+            <a:pPr marL="0" indent="0">
+              <a:buNone/>
+            </a:pPr>
+            <a:r>
+              <a:rPr lang="es-ES" b="1" dirty="0"/>
+              <a:t>	github.com/rafaroman18/</a:t>
+            </a:r>
+            <a:r>
+              <a:rPr lang="es-ES" b="1" dirty="0" err="1"/>
+              <a:t>SatellitesIS</a:t>
+            </a:r>
+            <a:endParaRPr lang="es-ES" b="1" dirty="0"/>
           </a:p>
         </p:txBody>
       </p:sp>
+      <p:pic>
+        <p:nvPicPr>
+          <p:cNvPr id="4" name="Imagen 3">
+            <a:extLst>
+              <a:ext uri="{FF2B5EF4-FFF2-40B4-BE49-F238E27FC236}">
+                <a16:creationId xmlns:a16="http://schemas.microsoft.com/office/drawing/2014/main" id="{5FF43299-8A3D-41B9-9396-B5D33F28D6A8}"/>
+              </a:ext>
+            </a:extLst>
+          </p:cNvPr>
+          <p:cNvPicPr>
+            <a:picLocks noChangeAspect="1"/>
+          </p:cNvPicPr>
+          <p:nvPr/>
+        </p:nvPicPr>
+        <p:blipFill rotWithShape="1">
+          <a:blip r:embed="rId2"/>
+          <a:srcRect l="16763" t="8213" r="17859" b="36641"/>
+          <a:stretch/>
+        </p:blipFill>
+        <p:spPr>
+          <a:xfrm>
+            <a:off x="1961322" y="2325805"/>
+            <a:ext cx="7494104" cy="4214143"/>
+          </a:xfrm>
+          <a:prstGeom prst="rect">
+            <a:avLst/>
+          </a:prstGeom>
+        </p:spPr>
+      </p:pic>
     </p:spTree>
     <p:extLst>
       <p:ext uri="{BB962C8B-B14F-4D97-AF65-F5344CB8AC3E}">
@@ -6815,7 +13337,7 @@
         </p:nvSpPr>
         <p:spPr>
           <a:xfrm>
-            <a:off x="549965" y="212035"/>
+            <a:off x="854808" y="224066"/>
             <a:ext cx="10832033" cy="1205603"/>
           </a:xfrm>
         </p:spPr>
@@ -6903,7 +13425,10 @@
             </a:r>
           </a:p>
           <a:p>
-            <a:endParaRPr lang="es-ES" dirty="0"/>
+            <a:r>
+              <a:rPr lang="es-ES" dirty="0"/>
+              <a:t>Gráficas</a:t>
+            </a:r>
           </a:p>
         </p:txBody>
       </p:sp>

--- a/TrabajoSI.pptx
+++ b/TrabajoSI.pptx
@@ -4,6 +4,9 @@
   <p:sldMasterIdLst>
     <p:sldMasterId id="2147483660" r:id="rId1"/>
   </p:sldMasterIdLst>
+  <p:notesMasterIdLst>
+    <p:notesMasterId r:id="rId21"/>
+  </p:notesMasterIdLst>
   <p:sldIdLst>
     <p:sldId id="256" r:id="rId2"/>
     <p:sldId id="257" r:id="rId3"/>
@@ -23,6 +26,7 @@
     <p:sldId id="271" r:id="rId17"/>
     <p:sldId id="272" r:id="rId18"/>
     <p:sldId id="267" r:id="rId19"/>
+    <p:sldId id="275" r:id="rId20"/>
   </p:sldIdLst>
   <p:sldSz cx="12192000" cy="6858000"/>
   <p:notesSz cx="6858000" cy="9144000"/>
@@ -170,6 +174,11 @@
             <p14:sldId id="267"/>
           </p14:sldIdLst>
         </p14:section>
+        <p14:section name="Fin" id="{20474BEC-8915-46E9-A8C1-12A09EEF76FE}">
+          <p14:sldIdLst>
+            <p14:sldId id="275"/>
+          </p14:sldIdLst>
+        </p14:section>
       </p14:sectionLst>
     </p:ext>
     <p:ext uri="{EFAFB233-063F-42B5-8137-9DF3F51BA10A}">
@@ -177,6 +186,355 @@
     </p:ext>
   </p:extLst>
 </p:presentation>
+</file>
+
+<file path=ppt/notesMasters/notesMaster1.xml><?xml version="1.0" encoding="utf-8"?>
+<p:notesMaster xmlns:a="http://schemas.openxmlformats.org/drawingml/2006/main" xmlns:r="http://schemas.openxmlformats.org/officeDocument/2006/relationships" xmlns:p="http://schemas.openxmlformats.org/presentationml/2006/main">
+  <p:cSld>
+    <p:bg>
+      <p:bgRef idx="1001">
+        <a:schemeClr val="bg1"/>
+      </p:bgRef>
+    </p:bg>
+    <p:spTree>
+      <p:nvGrpSpPr>
+        <p:cNvPr id="1" name=""/>
+        <p:cNvGrpSpPr/>
+        <p:nvPr/>
+      </p:nvGrpSpPr>
+      <p:grpSpPr>
+        <a:xfrm>
+          <a:off x="0" y="0"/>
+          <a:ext cx="0" cy="0"/>
+          <a:chOff x="0" y="0"/>
+          <a:chExt cx="0" cy="0"/>
+        </a:xfrm>
+      </p:grpSpPr>
+      <p:sp>
+        <p:nvSpPr>
+          <p:cNvPr id="2" name="Marcador de encabezado 1"/>
+          <p:cNvSpPr>
+            <a:spLocks noGrp="1"/>
+          </p:cNvSpPr>
+          <p:nvPr>
+            <p:ph type="hdr" sz="quarter"/>
+          </p:nvPr>
+        </p:nvSpPr>
+        <p:spPr>
+          <a:xfrm>
+            <a:off x="0" y="0"/>
+            <a:ext cx="2971800" cy="458788"/>
+          </a:xfrm>
+          <a:prstGeom prst="rect">
+            <a:avLst/>
+          </a:prstGeom>
+        </p:spPr>
+        <p:txBody>
+          <a:bodyPr vert="horz" lIns="91440" tIns="45720" rIns="91440" bIns="45720" rtlCol="0"/>
+          <a:lstStyle>
+            <a:lvl1pPr algn="l">
+              <a:defRPr sz="1200"/>
+            </a:lvl1pPr>
+          </a:lstStyle>
+          <a:p>
+            <a:endParaRPr lang="es-ES"/>
+          </a:p>
+        </p:txBody>
+      </p:sp>
+      <p:sp>
+        <p:nvSpPr>
+          <p:cNvPr id="3" name="Marcador de fecha 2"/>
+          <p:cNvSpPr>
+            <a:spLocks noGrp="1"/>
+          </p:cNvSpPr>
+          <p:nvPr>
+            <p:ph type="dt" idx="1"/>
+          </p:nvPr>
+        </p:nvSpPr>
+        <p:spPr>
+          <a:xfrm>
+            <a:off x="3884613" y="0"/>
+            <a:ext cx="2971800" cy="458788"/>
+          </a:xfrm>
+          <a:prstGeom prst="rect">
+            <a:avLst/>
+          </a:prstGeom>
+        </p:spPr>
+        <p:txBody>
+          <a:bodyPr vert="horz" lIns="91440" tIns="45720" rIns="91440" bIns="45720" rtlCol="0"/>
+          <a:lstStyle>
+            <a:lvl1pPr algn="r">
+              <a:defRPr sz="1200"/>
+            </a:lvl1pPr>
+          </a:lstStyle>
+          <a:p>
+            <a:fld id="{63F5FD39-CE10-4325-A038-50BE6B8F22F3}" type="datetimeFigureOut">
+              <a:rPr lang="es-ES" smtClean="0"/>
+              <a:t>11/12/2018</a:t>
+            </a:fld>
+            <a:endParaRPr lang="es-ES"/>
+          </a:p>
+        </p:txBody>
+      </p:sp>
+      <p:sp>
+        <p:nvSpPr>
+          <p:cNvPr id="4" name="Marcador de imagen de diapositiva 3"/>
+          <p:cNvSpPr>
+            <a:spLocks noGrp="1" noRot="1" noChangeAspect="1"/>
+          </p:cNvSpPr>
+          <p:nvPr>
+            <p:ph type="sldImg" idx="2"/>
+          </p:nvPr>
+        </p:nvSpPr>
+        <p:spPr>
+          <a:xfrm>
+            <a:off x="685800" y="1143000"/>
+            <a:ext cx="5486400" cy="3086100"/>
+          </a:xfrm>
+          <a:prstGeom prst="rect">
+            <a:avLst/>
+          </a:prstGeom>
+          <a:noFill/>
+          <a:ln w="12700">
+            <a:solidFill>
+              <a:prstClr val="black"/>
+            </a:solidFill>
+          </a:ln>
+        </p:spPr>
+        <p:txBody>
+          <a:bodyPr vert="horz" lIns="91440" tIns="45720" rIns="91440" bIns="45720" rtlCol="0" anchor="ctr"/>
+          <a:lstStyle/>
+          <a:p>
+            <a:endParaRPr lang="es-ES"/>
+          </a:p>
+        </p:txBody>
+      </p:sp>
+      <p:sp>
+        <p:nvSpPr>
+          <p:cNvPr id="5" name="Marcador de notas 4"/>
+          <p:cNvSpPr>
+            <a:spLocks noGrp="1"/>
+          </p:cNvSpPr>
+          <p:nvPr>
+            <p:ph type="body" sz="quarter" idx="3"/>
+          </p:nvPr>
+        </p:nvSpPr>
+        <p:spPr>
+          <a:xfrm>
+            <a:off x="685800" y="4400550"/>
+            <a:ext cx="5486400" cy="3600450"/>
+          </a:xfrm>
+          <a:prstGeom prst="rect">
+            <a:avLst/>
+          </a:prstGeom>
+        </p:spPr>
+        <p:txBody>
+          <a:bodyPr vert="horz" lIns="91440" tIns="45720" rIns="91440" bIns="45720" rtlCol="0"/>
+          <a:lstStyle/>
+          <a:p>
+            <a:pPr lvl="0"/>
+            <a:r>
+              <a:rPr lang="es-ES"/>
+              <a:t>Editar los estilos de texto del patrón</a:t>
+            </a:r>
+          </a:p>
+          <a:p>
+            <a:pPr lvl="1"/>
+            <a:r>
+              <a:rPr lang="es-ES"/>
+              <a:t>Segundo nivel</a:t>
+            </a:r>
+          </a:p>
+          <a:p>
+            <a:pPr lvl="2"/>
+            <a:r>
+              <a:rPr lang="es-ES"/>
+              <a:t>Tercer nivel</a:t>
+            </a:r>
+          </a:p>
+          <a:p>
+            <a:pPr lvl="3"/>
+            <a:r>
+              <a:rPr lang="es-ES"/>
+              <a:t>Cuarto nivel</a:t>
+            </a:r>
+          </a:p>
+          <a:p>
+            <a:pPr lvl="4"/>
+            <a:r>
+              <a:rPr lang="es-ES"/>
+              <a:t>Quinto nivel</a:t>
+            </a:r>
+          </a:p>
+        </p:txBody>
+      </p:sp>
+      <p:sp>
+        <p:nvSpPr>
+          <p:cNvPr id="6" name="Marcador de pie de página 5"/>
+          <p:cNvSpPr>
+            <a:spLocks noGrp="1"/>
+          </p:cNvSpPr>
+          <p:nvPr>
+            <p:ph type="ftr" sz="quarter" idx="4"/>
+          </p:nvPr>
+        </p:nvSpPr>
+        <p:spPr>
+          <a:xfrm>
+            <a:off x="0" y="8685213"/>
+            <a:ext cx="2971800" cy="458787"/>
+          </a:xfrm>
+          <a:prstGeom prst="rect">
+            <a:avLst/>
+          </a:prstGeom>
+        </p:spPr>
+        <p:txBody>
+          <a:bodyPr vert="horz" lIns="91440" tIns="45720" rIns="91440" bIns="45720" rtlCol="0" anchor="b"/>
+          <a:lstStyle>
+            <a:lvl1pPr algn="l">
+              <a:defRPr sz="1200"/>
+            </a:lvl1pPr>
+          </a:lstStyle>
+          <a:p>
+            <a:endParaRPr lang="es-ES"/>
+          </a:p>
+        </p:txBody>
+      </p:sp>
+      <p:sp>
+        <p:nvSpPr>
+          <p:cNvPr id="7" name="Marcador de número de diapositiva 6"/>
+          <p:cNvSpPr>
+            <a:spLocks noGrp="1"/>
+          </p:cNvSpPr>
+          <p:nvPr>
+            <p:ph type="sldNum" sz="quarter" idx="5"/>
+          </p:nvPr>
+        </p:nvSpPr>
+        <p:spPr>
+          <a:xfrm>
+            <a:off x="3884613" y="8685213"/>
+            <a:ext cx="2971800" cy="458787"/>
+          </a:xfrm>
+          <a:prstGeom prst="rect">
+            <a:avLst/>
+          </a:prstGeom>
+        </p:spPr>
+        <p:txBody>
+          <a:bodyPr vert="horz" lIns="91440" tIns="45720" rIns="91440" bIns="45720" rtlCol="0" anchor="b"/>
+          <a:lstStyle>
+            <a:lvl1pPr algn="r">
+              <a:defRPr sz="1200"/>
+            </a:lvl1pPr>
+          </a:lstStyle>
+          <a:p>
+            <a:fld id="{A95CE6E1-851F-42A7-9E78-7234F65294CF}" type="slidenum">
+              <a:rPr lang="es-ES" smtClean="0"/>
+              <a:t>‹Nº›</a:t>
+            </a:fld>
+            <a:endParaRPr lang="es-ES"/>
+          </a:p>
+        </p:txBody>
+      </p:sp>
+    </p:spTree>
+    <p:extLst>
+      <p:ext uri="{BB962C8B-B14F-4D97-AF65-F5344CB8AC3E}">
+        <p14:creationId xmlns:p14="http://schemas.microsoft.com/office/powerpoint/2010/main" val="3151178781"/>
+      </p:ext>
+    </p:extLst>
+  </p:cSld>
+  <p:clrMap bg1="lt1" tx1="dk1" bg2="lt2" tx2="dk2" accent1="accent1" accent2="accent2" accent3="accent3" accent4="accent4" accent5="accent5" accent6="accent6" hlink="hlink" folHlink="folHlink"/>
+  <p:notesStyle>
+    <a:lvl1pPr marL="0" algn="l" defTabSz="914400" rtl="0" eaLnBrk="1" latinLnBrk="0" hangingPunct="1">
+      <a:defRPr sz="1200" kern="1200">
+        <a:solidFill>
+          <a:schemeClr val="tx1"/>
+        </a:solidFill>
+        <a:latin typeface="+mn-lt"/>
+        <a:ea typeface="+mn-ea"/>
+        <a:cs typeface="+mn-cs"/>
+      </a:defRPr>
+    </a:lvl1pPr>
+    <a:lvl2pPr marL="457200" algn="l" defTabSz="914400" rtl="0" eaLnBrk="1" latinLnBrk="0" hangingPunct="1">
+      <a:defRPr sz="1200" kern="1200">
+        <a:solidFill>
+          <a:schemeClr val="tx1"/>
+        </a:solidFill>
+        <a:latin typeface="+mn-lt"/>
+        <a:ea typeface="+mn-ea"/>
+        <a:cs typeface="+mn-cs"/>
+      </a:defRPr>
+    </a:lvl2pPr>
+    <a:lvl3pPr marL="914400" algn="l" defTabSz="914400" rtl="0" eaLnBrk="1" latinLnBrk="0" hangingPunct="1">
+      <a:defRPr sz="1200" kern="1200">
+        <a:solidFill>
+          <a:schemeClr val="tx1"/>
+        </a:solidFill>
+        <a:latin typeface="+mn-lt"/>
+        <a:ea typeface="+mn-ea"/>
+        <a:cs typeface="+mn-cs"/>
+      </a:defRPr>
+    </a:lvl3pPr>
+    <a:lvl4pPr marL="1371600" algn="l" defTabSz="914400" rtl="0" eaLnBrk="1" latinLnBrk="0" hangingPunct="1">
+      <a:defRPr sz="1200" kern="1200">
+        <a:solidFill>
+          <a:schemeClr val="tx1"/>
+        </a:solidFill>
+        <a:latin typeface="+mn-lt"/>
+        <a:ea typeface="+mn-ea"/>
+        <a:cs typeface="+mn-cs"/>
+      </a:defRPr>
+    </a:lvl4pPr>
+    <a:lvl5pPr marL="1828800" algn="l" defTabSz="914400" rtl="0" eaLnBrk="1" latinLnBrk="0" hangingPunct="1">
+      <a:defRPr sz="1200" kern="1200">
+        <a:solidFill>
+          <a:schemeClr val="tx1"/>
+        </a:solidFill>
+        <a:latin typeface="+mn-lt"/>
+        <a:ea typeface="+mn-ea"/>
+        <a:cs typeface="+mn-cs"/>
+      </a:defRPr>
+    </a:lvl5pPr>
+    <a:lvl6pPr marL="2286000" algn="l" defTabSz="914400" rtl="0" eaLnBrk="1" latinLnBrk="0" hangingPunct="1">
+      <a:defRPr sz="1200" kern="1200">
+        <a:solidFill>
+          <a:schemeClr val="tx1"/>
+        </a:solidFill>
+        <a:latin typeface="+mn-lt"/>
+        <a:ea typeface="+mn-ea"/>
+        <a:cs typeface="+mn-cs"/>
+      </a:defRPr>
+    </a:lvl6pPr>
+    <a:lvl7pPr marL="2743200" algn="l" defTabSz="914400" rtl="0" eaLnBrk="1" latinLnBrk="0" hangingPunct="1">
+      <a:defRPr sz="1200" kern="1200">
+        <a:solidFill>
+          <a:schemeClr val="tx1"/>
+        </a:solidFill>
+        <a:latin typeface="+mn-lt"/>
+        <a:ea typeface="+mn-ea"/>
+        <a:cs typeface="+mn-cs"/>
+      </a:defRPr>
+    </a:lvl7pPr>
+    <a:lvl8pPr marL="3200400" algn="l" defTabSz="914400" rtl="0" eaLnBrk="1" latinLnBrk="0" hangingPunct="1">
+      <a:defRPr sz="1200" kern="1200">
+        <a:solidFill>
+          <a:schemeClr val="tx1"/>
+        </a:solidFill>
+        <a:latin typeface="+mn-lt"/>
+        <a:ea typeface="+mn-ea"/>
+        <a:cs typeface="+mn-cs"/>
+      </a:defRPr>
+    </a:lvl8pPr>
+    <a:lvl9pPr marL="3657600" algn="l" defTabSz="914400" rtl="0" eaLnBrk="1" latinLnBrk="0" hangingPunct="1">
+      <a:defRPr sz="1200" kern="1200">
+        <a:solidFill>
+          <a:schemeClr val="tx1"/>
+        </a:solidFill>
+        <a:latin typeface="+mn-lt"/>
+        <a:ea typeface="+mn-ea"/>
+        <a:cs typeface="+mn-cs"/>
+      </a:defRPr>
+    </a:lvl9pPr>
+  </p:notesStyle>
+</p:notesMaster>
 </file>
 
 <file path=ppt/slideLayouts/slideLayout1.xml><?xml version="1.0" encoding="utf-8"?>
@@ -274,7 +632,7 @@
           <a:effectLst/>
           <a:extLst>
             <a:ext uri="{91240B29-F687-4f45-9708-019B960494DF}">
-              <a14:hiddenLine xmlns:a14="http://schemas.microsoft.com/office/drawing/2010/main" xmlns="" w="9525">
+              <a14:hiddenLine xmlns="" xmlns:a14="http://schemas.microsoft.com/office/drawing/2010/main" w="9525">
                 <a:solidFill>
                   <a:srgbClr val="000000"/>
                 </a:solidFill>
@@ -464,7 +822,7 @@
           <a:bodyPr/>
           <a:lstStyle/>
           <a:p>
-            <a:fld id="{A05B9B52-AE45-4348-8098-4BFBD6F95575}" type="datetimeFigureOut">
+            <a:fld id="{4EB7CEC7-AF74-4773-85A4-F583A30D804E}" type="datetime1">
               <a:rPr lang="es-ES" smtClean="0"/>
               <a:t>11/12/2018</a:t>
             </a:fld>
@@ -782,7 +1140,7 @@
           <a:bodyPr/>
           <a:lstStyle/>
           <a:p>
-            <a:fld id="{A05B9B52-AE45-4348-8098-4BFBD6F95575}" type="datetimeFigureOut">
+            <a:fld id="{AF7AF3C5-0D7A-4BED-AC6D-8F40B12A075C}" type="datetime1">
               <a:rPr lang="es-ES" smtClean="0"/>
               <a:t>11/12/2018</a:t>
             </a:fld>
@@ -1270,7 +1628,7 @@
           <a:bodyPr/>
           <a:lstStyle/>
           <a:p>
-            <a:fld id="{A05B9B52-AE45-4348-8098-4BFBD6F95575}" type="datetimeFigureOut">
+            <a:fld id="{D514501F-C9C4-43CA-A6FD-32063C0EC4E2}" type="datetime1">
               <a:rPr lang="es-ES" smtClean="0"/>
               <a:t>11/12/2018</a:t>
             </a:fld>
@@ -1639,7 +1997,7 @@
           <a:bodyPr/>
           <a:lstStyle/>
           <a:p>
-            <a:fld id="{A05B9B52-AE45-4348-8098-4BFBD6F95575}" type="datetimeFigureOut">
+            <a:fld id="{98B4C2B0-8FBB-4324-B412-3A82172638B3}" type="datetime1">
               <a:rPr lang="es-ES" smtClean="0"/>
               <a:t>11/12/2018</a:t>
             </a:fld>
@@ -1796,7 +2154,7 @@
           <a:ln/>
           <a:extLst>
             <a:ext uri="{91240B29-F687-4f45-9708-019B960494DF}">
-              <a14:hiddenLine xmlns:a14="http://schemas.microsoft.com/office/drawing/2010/main" xmlns="" w="9525">
+              <a14:hiddenLine xmlns="" xmlns:a14="http://schemas.microsoft.com/office/drawing/2010/main" w="9525">
                 <a:solidFill>
                   <a:srgbClr val="000000"/>
                 </a:solidFill>
@@ -1912,7 +2270,7 @@
           <a:bodyPr/>
           <a:lstStyle/>
           <a:p>
-            <a:fld id="{A05B9B52-AE45-4348-8098-4BFBD6F95575}" type="datetimeFigureOut">
+            <a:fld id="{2F7FCC26-181B-4349-A5EC-C8A1B66E1C45}" type="datetime1">
               <a:rPr lang="es-ES" smtClean="0"/>
               <a:t>11/12/2018</a:t>
             </a:fld>
@@ -2071,7 +2429,7 @@
           <a:ln/>
           <a:extLst>
             <a:ext uri="{91240B29-F687-4f45-9708-019B960494DF}">
-              <a14:hiddenLine xmlns:a14="http://schemas.microsoft.com/office/drawing/2010/main" xmlns="" w="9525">
+              <a14:hiddenLine xmlns="" xmlns:a14="http://schemas.microsoft.com/office/drawing/2010/main" w="9525">
                 <a:solidFill>
                   <a:srgbClr val="000000"/>
                 </a:solidFill>
@@ -2197,7 +2555,7 @@
           <a:bodyPr/>
           <a:lstStyle/>
           <a:p>
-            <a:fld id="{A05B9B52-AE45-4348-8098-4BFBD6F95575}" type="datetimeFigureOut">
+            <a:fld id="{5C6609C5-844B-41B5-9CC1-5C3718C4D5FE}" type="datetime1">
               <a:rPr lang="es-ES" smtClean="0"/>
               <a:t>11/12/2018</a:t>
             </a:fld>
@@ -2354,7 +2712,7 @@
           <a:ln/>
           <a:extLst>
             <a:ext uri="{91240B29-F687-4f45-9708-019B960494DF}">
-              <a14:hiddenLine xmlns:a14="http://schemas.microsoft.com/office/drawing/2010/main" xmlns="" w="9525">
+              <a14:hiddenLine xmlns="" xmlns:a14="http://schemas.microsoft.com/office/drawing/2010/main" w="9525">
                 <a:solidFill>
                   <a:srgbClr val="000000"/>
                 </a:solidFill>
@@ -2480,7 +2838,7 @@
           <a:bodyPr/>
           <a:lstStyle/>
           <a:p>
-            <a:fld id="{A05B9B52-AE45-4348-8098-4BFBD6F95575}" type="datetimeFigureOut">
+            <a:fld id="{25F65B85-795D-4AFB-ACE3-2F654E4BF053}" type="datetime1">
               <a:rPr lang="es-ES" smtClean="0"/>
               <a:t>11/12/2018</a:t>
             </a:fld>
@@ -2823,7 +3181,7 @@
           <a:bodyPr/>
           <a:lstStyle/>
           <a:p>
-            <a:fld id="{A05B9B52-AE45-4348-8098-4BFBD6F95575}" type="datetimeFigureOut">
+            <a:fld id="{E9630303-1D51-474D-B94B-179BBE17DC04}" type="datetime1">
               <a:rPr lang="es-ES" smtClean="0"/>
               <a:t>11/12/2018</a:t>
             </a:fld>
@@ -2980,7 +3338,7 @@
           <a:ln/>
           <a:extLst>
             <a:ext uri="{91240B29-F687-4f45-9708-019B960494DF}">
-              <a14:hiddenLine xmlns:a14="http://schemas.microsoft.com/office/drawing/2010/main" xmlns="" w="9525">
+              <a14:hiddenLine xmlns="" xmlns:a14="http://schemas.microsoft.com/office/drawing/2010/main" w="9525">
                 <a:solidFill>
                   <a:srgbClr val="000000"/>
                 </a:solidFill>
@@ -3162,7 +3520,7 @@
           <a:bodyPr/>
           <a:lstStyle/>
           <a:p>
-            <a:fld id="{A05B9B52-AE45-4348-8098-4BFBD6F95575}" type="datetimeFigureOut">
+            <a:fld id="{399B9571-47F4-47B9-AC14-7C6F8F518440}" type="datetime1">
               <a:rPr lang="es-ES" smtClean="0"/>
               <a:t>11/12/2018</a:t>
             </a:fld>
@@ -3319,7 +3677,7 @@
           <a:ln/>
           <a:extLst>
             <a:ext uri="{91240B29-F687-4f45-9708-019B960494DF}">
-              <a14:hiddenLine xmlns:a14="http://schemas.microsoft.com/office/drawing/2010/main" xmlns="" w="9525">
+              <a14:hiddenLine xmlns="" xmlns:a14="http://schemas.microsoft.com/office/drawing/2010/main" w="9525">
                 <a:solidFill>
                   <a:srgbClr val="000000"/>
                 </a:solidFill>
@@ -3639,7 +3997,7 @@
           <a:bodyPr/>
           <a:lstStyle/>
           <a:p>
-            <a:fld id="{A05B9B52-AE45-4348-8098-4BFBD6F95575}" type="datetimeFigureOut">
+            <a:fld id="{04DA5D95-15F5-4CED-8F7F-0BB7D2832860}" type="datetime1">
               <a:rPr lang="es-ES" smtClean="0"/>
               <a:t>11/12/2018</a:t>
             </a:fld>
@@ -3796,7 +4154,7 @@
           <a:ln/>
           <a:extLst>
             <a:ext uri="{91240B29-F687-4f45-9708-019B960494DF}">
-              <a14:hiddenLine xmlns:a14="http://schemas.microsoft.com/office/drawing/2010/main" xmlns="" w="9525">
+              <a14:hiddenLine xmlns="" xmlns:a14="http://schemas.microsoft.com/office/drawing/2010/main" w="9525">
                 <a:solidFill>
                   <a:srgbClr val="000000"/>
                 </a:solidFill>
@@ -3860,7 +4218,7 @@
           <a:bodyPr/>
           <a:lstStyle/>
           <a:p>
-            <a:fld id="{A05B9B52-AE45-4348-8098-4BFBD6F95575}" type="datetimeFigureOut">
+            <a:fld id="{80ACBB30-CA35-422D-B6FF-4543E0BC55B6}" type="datetime1">
               <a:rPr lang="es-ES" smtClean="0"/>
               <a:t>11/12/2018</a:t>
             </a:fld>
@@ -3955,7 +4313,7 @@
           <a:bodyPr/>
           <a:lstStyle/>
           <a:p>
-            <a:fld id="{A05B9B52-AE45-4348-8098-4BFBD6F95575}" type="datetimeFigureOut">
+            <a:fld id="{E449EBCD-AA22-4E26-AB6C-1C7CC5D1DA45}" type="datetime1">
               <a:rPr lang="es-ES" smtClean="0"/>
               <a:t>11/12/2018</a:t>
             </a:fld>
@@ -4225,7 +4583,7 @@
           <a:ln/>
           <a:extLst>
             <a:ext uri="{91240B29-F687-4f45-9708-019B960494DF}">
-              <a14:hiddenLine xmlns:a14="http://schemas.microsoft.com/office/drawing/2010/main" xmlns="" w="9525">
+              <a14:hiddenLine xmlns="" xmlns:a14="http://schemas.microsoft.com/office/drawing/2010/main" w="9525">
                 <a:solidFill>
                   <a:srgbClr val="000000"/>
                 </a:solidFill>
@@ -4422,7 +4780,7 @@
           <a:bodyPr/>
           <a:lstStyle/>
           <a:p>
-            <a:fld id="{A05B9B52-AE45-4348-8098-4BFBD6F95575}" type="datetimeFigureOut">
+            <a:fld id="{4278D78E-DBB1-4A82-A2C6-845F4490FB1B}" type="datetime1">
               <a:rPr lang="es-ES" smtClean="0"/>
               <a:t>11/12/2018</a:t>
             </a:fld>
@@ -4735,7 +5093,7 @@
           <a:bodyPr/>
           <a:lstStyle/>
           <a:p>
-            <a:fld id="{A05B9B52-AE45-4348-8098-4BFBD6F95575}" type="datetimeFigureOut">
+            <a:fld id="{150211B0-F6D5-41D8-806D-77070689F8D6}" type="datetime1">
               <a:rPr lang="es-ES" smtClean="0"/>
               <a:t>11/12/2018</a:t>
             </a:fld>
@@ -5005,7 +5363,7 @@
             </a:lvl1pPr>
           </a:lstStyle>
           <a:p>
-            <a:fld id="{A05B9B52-AE45-4348-8098-4BFBD6F95575}" type="datetimeFigureOut">
+            <a:fld id="{53F78825-9B96-47CF-B31A-8E986A4B1D38}" type="datetime1">
               <a:rPr lang="es-ES" smtClean="0"/>
               <a:t>11/12/2018</a:t>
             </a:fld>
@@ -5076,6 +5434,7 @@
     <p:sldLayoutId id="2147483673" r:id="rId13"/>
     <p:sldLayoutId id="2147483674" r:id="rId14"/>
   </p:sldLayoutIdLst>
+  <p:hf hdr="0" ftr="0" dt="0"/>
   <p:txStyles>
     <p:titleStyle>
       <a:lvl1pPr algn="l" defTabSz="457200" rtl="0" eaLnBrk="1" latinLnBrk="0" hangingPunct="1">
@@ -5641,6 +6000,9 @@
   <p:clrMapOvr>
     <a:masterClrMapping/>
   </p:clrMapOvr>
+  <p:transition spd="slow">
+    <p:wipe/>
+  </p:transition>
 </p:sld>
 </file>
 
@@ -5703,8 +6065,8 @@
         </p:nvSpPr>
         <p:spPr>
           <a:xfrm>
-            <a:off x="424237" y="2408248"/>
-            <a:ext cx="7483894" cy="3416320"/>
+            <a:off x="1799591" y="2499568"/>
+            <a:ext cx="8207168" cy="3416320"/>
           </a:xfrm>
           <a:prstGeom prst="rect">
             <a:avLst/>
@@ -6623,6 +6985,35 @@
           </a:p>
         </p:txBody>
       </p:sp>
+      <p:sp>
+        <p:nvSpPr>
+          <p:cNvPr id="3" name="Marcador de número de diapositiva 2">
+            <a:extLst>
+              <a:ext uri="{FF2B5EF4-FFF2-40B4-BE49-F238E27FC236}">
+                <a16:creationId xmlns:a16="http://schemas.microsoft.com/office/drawing/2014/main" id="{23E4671C-5B34-4DB8-AC57-B131336BACBC}"/>
+              </a:ext>
+            </a:extLst>
+          </p:cNvPr>
+          <p:cNvSpPr>
+            <a:spLocks noGrp="1"/>
+          </p:cNvSpPr>
+          <p:nvPr>
+            <p:ph type="sldNum" sz="quarter" idx="12"/>
+          </p:nvPr>
+        </p:nvSpPr>
+        <p:spPr/>
+        <p:txBody>
+          <a:bodyPr/>
+          <a:lstStyle/>
+          <a:p>
+            <a:fld id="{4A26375B-4776-4673-9507-4724874B503B}" type="slidenum">
+              <a:rPr lang="es-ES" smtClean="0"/>
+              <a:t>10</a:t>
+            </a:fld>
+            <a:endParaRPr lang="es-ES"/>
+          </a:p>
+        </p:txBody>
+      </p:sp>
     </p:spTree>
     <p:extLst>
       <p:ext uri="{BB962C8B-B14F-4D97-AF65-F5344CB8AC3E}">
@@ -6633,6 +7024,9 @@
   <p:clrMapOvr>
     <a:masterClrMapping/>
   </p:clrMapOvr>
+  <p:transition spd="slow">
+    <p:wipe/>
+  </p:transition>
 </p:sld>
 </file>
 
@@ -6907,6 +7301,35 @@
           </a:p>
         </p:txBody>
       </p:sp>
+      <p:sp>
+        <p:nvSpPr>
+          <p:cNvPr id="4" name="Marcador de número de diapositiva 3">
+            <a:extLst>
+              <a:ext uri="{FF2B5EF4-FFF2-40B4-BE49-F238E27FC236}">
+                <a16:creationId xmlns:a16="http://schemas.microsoft.com/office/drawing/2014/main" id="{FBBA56F7-0C56-43B3-9915-C60FFECF4DC8}"/>
+              </a:ext>
+            </a:extLst>
+          </p:cNvPr>
+          <p:cNvSpPr>
+            <a:spLocks noGrp="1"/>
+          </p:cNvSpPr>
+          <p:nvPr>
+            <p:ph type="sldNum" sz="quarter" idx="12"/>
+          </p:nvPr>
+        </p:nvSpPr>
+        <p:spPr/>
+        <p:txBody>
+          <a:bodyPr/>
+          <a:lstStyle/>
+          <a:p>
+            <a:fld id="{4A26375B-4776-4673-9507-4724874B503B}" type="slidenum">
+              <a:rPr lang="es-ES" smtClean="0"/>
+              <a:t>11</a:t>
+            </a:fld>
+            <a:endParaRPr lang="es-ES"/>
+          </a:p>
+        </p:txBody>
+      </p:sp>
     </p:spTree>
     <p:extLst>
       <p:ext uri="{BB962C8B-B14F-4D97-AF65-F5344CB8AC3E}">
@@ -6917,6 +7340,9 @@
   <p:clrMapOvr>
     <a:masterClrMapping/>
   </p:clrMapOvr>
+  <p:transition spd="slow">
+    <p:wipe/>
+  </p:transition>
 </p:sld>
 </file>
 
@@ -7809,6 +8235,35 @@
           </a:p>
         </p:txBody>
       </p:sp>
+      <p:sp>
+        <p:nvSpPr>
+          <p:cNvPr id="3" name="Marcador de número de diapositiva 2">
+            <a:extLst>
+              <a:ext uri="{FF2B5EF4-FFF2-40B4-BE49-F238E27FC236}">
+                <a16:creationId xmlns:a16="http://schemas.microsoft.com/office/drawing/2014/main" id="{28E918F4-9CC3-418E-95DC-0EC2ACEB4835}"/>
+              </a:ext>
+            </a:extLst>
+          </p:cNvPr>
+          <p:cNvSpPr>
+            <a:spLocks noGrp="1"/>
+          </p:cNvSpPr>
+          <p:nvPr>
+            <p:ph type="sldNum" sz="quarter" idx="12"/>
+          </p:nvPr>
+        </p:nvSpPr>
+        <p:spPr/>
+        <p:txBody>
+          <a:bodyPr/>
+          <a:lstStyle/>
+          <a:p>
+            <a:fld id="{4A26375B-4776-4673-9507-4724874B503B}" type="slidenum">
+              <a:rPr lang="es-ES" smtClean="0"/>
+              <a:t>12</a:t>
+            </a:fld>
+            <a:endParaRPr lang="es-ES"/>
+          </a:p>
+        </p:txBody>
+      </p:sp>
     </p:spTree>
     <p:extLst>
       <p:ext uri="{BB962C8B-B14F-4D97-AF65-F5344CB8AC3E}">
@@ -7819,6 +8274,9 @@
   <p:clrMapOvr>
     <a:masterClrMapping/>
   </p:clrMapOvr>
+  <p:transition spd="slow">
+    <p:wipe/>
+  </p:transition>
 </p:sld>
 </file>
 
@@ -9732,6 +10190,35 @@
           </a:p>
         </p:txBody>
       </p:sp>
+      <p:sp>
+        <p:nvSpPr>
+          <p:cNvPr id="3" name="Marcador de número de diapositiva 2">
+            <a:extLst>
+              <a:ext uri="{FF2B5EF4-FFF2-40B4-BE49-F238E27FC236}">
+                <a16:creationId xmlns:a16="http://schemas.microsoft.com/office/drawing/2014/main" id="{F3A71C41-F09D-498F-90A0-C4B03A924942}"/>
+              </a:ext>
+            </a:extLst>
+          </p:cNvPr>
+          <p:cNvSpPr>
+            <a:spLocks noGrp="1"/>
+          </p:cNvSpPr>
+          <p:nvPr>
+            <p:ph type="sldNum" sz="quarter" idx="12"/>
+          </p:nvPr>
+        </p:nvSpPr>
+        <p:spPr/>
+        <p:txBody>
+          <a:bodyPr/>
+          <a:lstStyle/>
+          <a:p>
+            <a:fld id="{4A26375B-4776-4673-9507-4724874B503B}" type="slidenum">
+              <a:rPr lang="es-ES" smtClean="0"/>
+              <a:t>13</a:t>
+            </a:fld>
+            <a:endParaRPr lang="es-ES"/>
+          </a:p>
+        </p:txBody>
+      </p:sp>
     </p:spTree>
     <p:extLst>
       <p:ext uri="{BB962C8B-B14F-4D97-AF65-F5344CB8AC3E}">
@@ -9742,6 +10229,9 @@
   <p:clrMapOvr>
     <a:masterClrMapping/>
   </p:clrMapOvr>
+  <p:transition spd="slow">
+    <p:wipe/>
+  </p:transition>
   <p:timing>
     <p:tnLst>
       <p:par>
@@ -12862,6 +13352,35 @@
           </a:xfrm>
         </p:spPr>
       </p:pic>
+      <p:sp>
+        <p:nvSpPr>
+          <p:cNvPr id="3" name="Marcador de número de diapositiva 2">
+            <a:extLst>
+              <a:ext uri="{FF2B5EF4-FFF2-40B4-BE49-F238E27FC236}">
+                <a16:creationId xmlns:a16="http://schemas.microsoft.com/office/drawing/2014/main" id="{E3F83E8A-0DC1-4FFF-A4DC-99C680F18144}"/>
+              </a:ext>
+            </a:extLst>
+          </p:cNvPr>
+          <p:cNvSpPr>
+            <a:spLocks noGrp="1"/>
+          </p:cNvSpPr>
+          <p:nvPr>
+            <p:ph type="sldNum" sz="quarter" idx="12"/>
+          </p:nvPr>
+        </p:nvSpPr>
+        <p:spPr/>
+        <p:txBody>
+          <a:bodyPr/>
+          <a:lstStyle/>
+          <a:p>
+            <a:fld id="{4A26375B-4776-4673-9507-4724874B503B}" type="slidenum">
+              <a:rPr lang="es-ES" smtClean="0"/>
+              <a:t>14</a:t>
+            </a:fld>
+            <a:endParaRPr lang="es-ES"/>
+          </a:p>
+        </p:txBody>
+      </p:sp>
     </p:spTree>
     <p:extLst>
       <p:ext uri="{BB962C8B-B14F-4D97-AF65-F5344CB8AC3E}">
@@ -12872,6 +13391,9 @@
   <p:clrMapOvr>
     <a:masterClrMapping/>
   </p:clrMapOvr>
+  <p:transition spd="slow">
+    <p:wipe/>
+  </p:transition>
 </p:sld>
 </file>
 
@@ -12959,6 +13481,35 @@
           </a:prstGeom>
         </p:spPr>
       </p:pic>
+      <p:sp>
+        <p:nvSpPr>
+          <p:cNvPr id="3" name="Marcador de número de diapositiva 2">
+            <a:extLst>
+              <a:ext uri="{FF2B5EF4-FFF2-40B4-BE49-F238E27FC236}">
+                <a16:creationId xmlns:a16="http://schemas.microsoft.com/office/drawing/2014/main" id="{507184EB-441C-4EB4-89D2-ECA777C3A63B}"/>
+              </a:ext>
+            </a:extLst>
+          </p:cNvPr>
+          <p:cNvSpPr>
+            <a:spLocks noGrp="1"/>
+          </p:cNvSpPr>
+          <p:nvPr>
+            <p:ph type="sldNum" sz="quarter" idx="12"/>
+          </p:nvPr>
+        </p:nvSpPr>
+        <p:spPr/>
+        <p:txBody>
+          <a:bodyPr/>
+          <a:lstStyle/>
+          <a:p>
+            <a:fld id="{4A26375B-4776-4673-9507-4724874B503B}" type="slidenum">
+              <a:rPr lang="es-ES" smtClean="0"/>
+              <a:t>15</a:t>
+            </a:fld>
+            <a:endParaRPr lang="es-ES"/>
+          </a:p>
+        </p:txBody>
+      </p:sp>
     </p:spTree>
     <p:extLst>
       <p:ext uri="{BB962C8B-B14F-4D97-AF65-F5344CB8AC3E}">
@@ -12969,6 +13520,9 @@
   <p:clrMapOvr>
     <a:masterClrMapping/>
   </p:clrMapOvr>
+  <p:transition spd="slow">
+    <p:wipe/>
+  </p:transition>
 </p:sld>
 </file>
 
@@ -13060,6 +13614,35 @@
           </a:p>
         </p:txBody>
       </p:sp>
+      <p:sp>
+        <p:nvSpPr>
+          <p:cNvPr id="3" name="Marcador de número de diapositiva 2">
+            <a:extLst>
+              <a:ext uri="{FF2B5EF4-FFF2-40B4-BE49-F238E27FC236}">
+                <a16:creationId xmlns:a16="http://schemas.microsoft.com/office/drawing/2014/main" id="{FB29F255-8AC3-4B8E-8A46-3762163866D6}"/>
+              </a:ext>
+            </a:extLst>
+          </p:cNvPr>
+          <p:cNvSpPr>
+            <a:spLocks noGrp="1"/>
+          </p:cNvSpPr>
+          <p:nvPr>
+            <p:ph type="sldNum" sz="quarter" idx="12"/>
+          </p:nvPr>
+        </p:nvSpPr>
+        <p:spPr/>
+        <p:txBody>
+          <a:bodyPr/>
+          <a:lstStyle/>
+          <a:p>
+            <a:fld id="{4A26375B-4776-4673-9507-4724874B503B}" type="slidenum">
+              <a:rPr lang="es-ES" smtClean="0"/>
+              <a:t>16</a:t>
+            </a:fld>
+            <a:endParaRPr lang="es-ES"/>
+          </a:p>
+        </p:txBody>
+      </p:sp>
     </p:spTree>
     <p:extLst>
       <p:ext uri="{BB962C8B-B14F-4D97-AF65-F5344CB8AC3E}">
@@ -13070,6 +13653,9 @@
   <p:clrMapOvr>
     <a:masterClrMapping/>
   </p:clrMapOvr>
+  <p:transition spd="slow">
+    <p:wipe/>
+  </p:transition>
 </p:sld>
 </file>
 
@@ -13161,6 +13747,35 @@
           </a:p>
         </p:txBody>
       </p:sp>
+      <p:sp>
+        <p:nvSpPr>
+          <p:cNvPr id="3" name="Marcador de número de diapositiva 2">
+            <a:extLst>
+              <a:ext uri="{FF2B5EF4-FFF2-40B4-BE49-F238E27FC236}">
+                <a16:creationId xmlns:a16="http://schemas.microsoft.com/office/drawing/2014/main" id="{C9DD945A-22DB-4903-9E97-A8DA1E59199A}"/>
+              </a:ext>
+            </a:extLst>
+          </p:cNvPr>
+          <p:cNvSpPr>
+            <a:spLocks noGrp="1"/>
+          </p:cNvSpPr>
+          <p:nvPr>
+            <p:ph type="sldNum" sz="quarter" idx="12"/>
+          </p:nvPr>
+        </p:nvSpPr>
+        <p:spPr/>
+        <p:txBody>
+          <a:bodyPr/>
+          <a:lstStyle/>
+          <a:p>
+            <a:fld id="{4A26375B-4776-4673-9507-4724874B503B}" type="slidenum">
+              <a:rPr lang="es-ES" smtClean="0"/>
+              <a:t>17</a:t>
+            </a:fld>
+            <a:endParaRPr lang="es-ES"/>
+          </a:p>
+        </p:txBody>
+      </p:sp>
     </p:spTree>
     <p:extLst>
       <p:ext uri="{BB962C8B-B14F-4D97-AF65-F5344CB8AC3E}">
@@ -13171,6 +13786,9 @@
   <p:clrMapOvr>
     <a:masterClrMapping/>
   </p:clrMapOvr>
+  <p:transition spd="slow">
+    <p:wipe/>
+  </p:transition>
 </p:sld>
 </file>
 
@@ -13289,6 +13907,35 @@
           </a:prstGeom>
         </p:spPr>
       </p:pic>
+      <p:sp>
+        <p:nvSpPr>
+          <p:cNvPr id="5" name="Marcador de número de diapositiva 4">
+            <a:extLst>
+              <a:ext uri="{FF2B5EF4-FFF2-40B4-BE49-F238E27FC236}">
+                <a16:creationId xmlns:a16="http://schemas.microsoft.com/office/drawing/2014/main" id="{D6BA8A71-79E0-46F7-9EF1-07F0D99292EA}"/>
+              </a:ext>
+            </a:extLst>
+          </p:cNvPr>
+          <p:cNvSpPr>
+            <a:spLocks noGrp="1"/>
+          </p:cNvSpPr>
+          <p:nvPr>
+            <p:ph type="sldNum" sz="quarter" idx="12"/>
+          </p:nvPr>
+        </p:nvSpPr>
+        <p:spPr/>
+        <p:txBody>
+          <a:bodyPr/>
+          <a:lstStyle/>
+          <a:p>
+            <a:fld id="{4A26375B-4776-4673-9507-4724874B503B}" type="slidenum">
+              <a:rPr lang="es-ES" smtClean="0"/>
+              <a:t>18</a:t>
+            </a:fld>
+            <a:endParaRPr lang="es-ES"/>
+          </a:p>
+        </p:txBody>
+      </p:sp>
     </p:spTree>
     <p:extLst>
       <p:ext uri="{BB962C8B-B14F-4D97-AF65-F5344CB8AC3E}">
@@ -13299,6 +13946,218 @@
   <p:clrMapOvr>
     <a:masterClrMapping/>
   </p:clrMapOvr>
+  <p:transition spd="slow">
+    <p:wipe/>
+  </p:transition>
+</p:sld>
+</file>
+
+<file path=ppt/slides/slide19.xml><?xml version="1.0" encoding="utf-8"?>
+<p:sld xmlns:a="http://schemas.openxmlformats.org/drawingml/2006/main" xmlns:r="http://schemas.openxmlformats.org/officeDocument/2006/relationships" xmlns:p="http://schemas.openxmlformats.org/presentationml/2006/main">
+  <p:cSld>
+    <p:spTree>
+      <p:nvGrpSpPr>
+        <p:cNvPr id="1" name=""/>
+        <p:cNvGrpSpPr/>
+        <p:nvPr/>
+      </p:nvGrpSpPr>
+      <p:grpSpPr>
+        <a:xfrm>
+          <a:off x="0" y="0"/>
+          <a:ext cx="0" cy="0"/>
+          <a:chOff x="0" y="0"/>
+          <a:chExt cx="0" cy="0"/>
+        </a:xfrm>
+      </p:grpSpPr>
+      <p:sp>
+        <p:nvSpPr>
+          <p:cNvPr id="5" name="Marcador de número de diapositiva 4">
+            <a:extLst>
+              <a:ext uri="{FF2B5EF4-FFF2-40B4-BE49-F238E27FC236}">
+                <a16:creationId xmlns:a16="http://schemas.microsoft.com/office/drawing/2014/main" id="{D6BA8A71-79E0-46F7-9EF1-07F0D99292EA}"/>
+              </a:ext>
+            </a:extLst>
+          </p:cNvPr>
+          <p:cNvSpPr>
+            <a:spLocks noGrp="1"/>
+          </p:cNvSpPr>
+          <p:nvPr>
+            <p:ph type="sldNum" sz="quarter" idx="12"/>
+          </p:nvPr>
+        </p:nvSpPr>
+        <p:spPr/>
+        <p:txBody>
+          <a:bodyPr/>
+          <a:lstStyle/>
+          <a:p>
+            <a:fld id="{4A26375B-4776-4673-9507-4724874B503B}" type="slidenum">
+              <a:rPr lang="es-ES" smtClean="0"/>
+              <a:t>19</a:t>
+            </a:fld>
+            <a:endParaRPr lang="es-ES"/>
+          </a:p>
+        </p:txBody>
+      </p:sp>
+      <p:sp>
+        <p:nvSpPr>
+          <p:cNvPr id="9" name="Título 8">
+            <a:extLst>
+              <a:ext uri="{FF2B5EF4-FFF2-40B4-BE49-F238E27FC236}">
+                <a16:creationId xmlns:a16="http://schemas.microsoft.com/office/drawing/2014/main" id="{27FC5404-7B3C-4828-85CA-67F63B1C871B}"/>
+              </a:ext>
+            </a:extLst>
+          </p:cNvPr>
+          <p:cNvSpPr>
+            <a:spLocks noGrp="1"/>
+          </p:cNvSpPr>
+          <p:nvPr>
+            <p:ph type="title"/>
+          </p:nvPr>
+        </p:nvSpPr>
+        <p:spPr/>
+        <p:txBody>
+          <a:bodyPr/>
+          <a:lstStyle/>
+          <a:p>
+            <a:endParaRPr lang="es-ES"/>
+          </a:p>
+        </p:txBody>
+      </p:sp>
+      <p:sp>
+        <p:nvSpPr>
+          <p:cNvPr id="10" name="Título 1">
+            <a:extLst>
+              <a:ext uri="{FF2B5EF4-FFF2-40B4-BE49-F238E27FC236}">
+                <a16:creationId xmlns:a16="http://schemas.microsoft.com/office/drawing/2014/main" id="{9C2B4ACA-BD81-4308-ACF8-EC5725A9265A}"/>
+              </a:ext>
+            </a:extLst>
+          </p:cNvPr>
+          <p:cNvSpPr txBox="1">
+            <a:spLocks/>
+          </p:cNvSpPr>
+          <p:nvPr/>
+        </p:nvSpPr>
+        <p:spPr>
+          <a:xfrm>
+            <a:off x="810001" y="1449147"/>
+            <a:ext cx="10572000" cy="2971051"/>
+          </a:xfrm>
+          <a:prstGeom prst="rect">
+            <a:avLst/>
+          </a:prstGeom>
+          <a:effectLst>
+            <a:outerShdw blurRad="50800" dir="14400000">
+              <a:srgbClr val="000000">
+                <a:alpha val="60000"/>
+              </a:srgbClr>
+            </a:outerShdw>
+          </a:effectLst>
+        </p:spPr>
+        <p:txBody>
+          <a:bodyPr vert="horz" lIns="91440" tIns="45720" rIns="91440" bIns="45720" rtlCol="0" anchor="b">
+            <a:noAutofit/>
+          </a:bodyPr>
+          <a:lstStyle>
+            <a:lvl1pPr algn="l" defTabSz="457200" rtl="0" eaLnBrk="1" latinLnBrk="0" hangingPunct="1">
+              <a:spcBef>
+                <a:spcPct val="0"/>
+              </a:spcBef>
+              <a:buNone/>
+              <a:defRPr sz="4000" b="1" kern="1200">
+                <a:solidFill>
+                  <a:srgbClr val="FEFEFE"/>
+                </a:solidFill>
+                <a:latin typeface="+mj-lt"/>
+                <a:ea typeface="+mj-ea"/>
+                <a:cs typeface="+mj-cs"/>
+              </a:defRPr>
+            </a:lvl1pPr>
+            <a:lvl2pPr eaLnBrk="1" hangingPunct="1">
+              <a:defRPr>
+                <a:solidFill>
+                  <a:schemeClr val="tx2"/>
+                </a:solidFill>
+              </a:defRPr>
+            </a:lvl2pPr>
+            <a:lvl3pPr eaLnBrk="1" hangingPunct="1">
+              <a:defRPr>
+                <a:solidFill>
+                  <a:schemeClr val="tx2"/>
+                </a:solidFill>
+              </a:defRPr>
+            </a:lvl3pPr>
+            <a:lvl4pPr eaLnBrk="1" hangingPunct="1">
+              <a:defRPr>
+                <a:solidFill>
+                  <a:schemeClr val="tx2"/>
+                </a:solidFill>
+              </a:defRPr>
+            </a:lvl4pPr>
+            <a:lvl5pPr eaLnBrk="1" hangingPunct="1">
+              <a:defRPr>
+                <a:solidFill>
+                  <a:schemeClr val="tx2"/>
+                </a:solidFill>
+              </a:defRPr>
+            </a:lvl5pPr>
+            <a:lvl6pPr eaLnBrk="1" hangingPunct="1">
+              <a:defRPr>
+                <a:solidFill>
+                  <a:schemeClr val="tx2"/>
+                </a:solidFill>
+              </a:defRPr>
+            </a:lvl6pPr>
+            <a:lvl7pPr eaLnBrk="1" hangingPunct="1">
+              <a:defRPr>
+                <a:solidFill>
+                  <a:schemeClr val="tx2"/>
+                </a:solidFill>
+              </a:defRPr>
+            </a:lvl7pPr>
+            <a:lvl8pPr eaLnBrk="1" hangingPunct="1">
+              <a:defRPr>
+                <a:solidFill>
+                  <a:schemeClr val="tx2"/>
+                </a:solidFill>
+              </a:defRPr>
+            </a:lvl8pPr>
+            <a:lvl9pPr eaLnBrk="1" hangingPunct="1">
+              <a:defRPr>
+                <a:solidFill>
+                  <a:schemeClr val="tx2"/>
+                </a:solidFill>
+              </a:defRPr>
+            </a:lvl9pPr>
+          </a:lstStyle>
+          <a:p>
+            <a:pPr algn="ctr"/>
+            <a:r>
+              <a:rPr lang="es-ES" sz="5400" dirty="0"/>
+              <a:t>Gracias por vuestra atención</a:t>
+            </a:r>
+          </a:p>
+          <a:p>
+            <a:pPr algn="ctr"/>
+            <a:r>
+              <a:rPr lang="es-ES" sz="5400" dirty="0"/>
+              <a:t>¿Alguna pregunta?</a:t>
+            </a:r>
+          </a:p>
+        </p:txBody>
+      </p:sp>
+    </p:spTree>
+    <p:extLst>
+      <p:ext uri="{BB962C8B-B14F-4D97-AF65-F5344CB8AC3E}">
+        <p14:creationId xmlns:p14="http://schemas.microsoft.com/office/powerpoint/2010/main" val="2298677057"/>
+      </p:ext>
+    </p:extLst>
+  </p:cSld>
+  <p:clrMapOvr>
+    <a:masterClrMapping/>
+  </p:clrMapOvr>
+  <p:transition spd="slow">
+    <p:wipe/>
+  </p:transition>
 </p:sld>
 </file>
 
@@ -13432,6 +14291,35 @@
           </a:p>
         </p:txBody>
       </p:sp>
+      <p:sp>
+        <p:nvSpPr>
+          <p:cNvPr id="4" name="Marcador de número de diapositiva 3">
+            <a:extLst>
+              <a:ext uri="{FF2B5EF4-FFF2-40B4-BE49-F238E27FC236}">
+                <a16:creationId xmlns:a16="http://schemas.microsoft.com/office/drawing/2014/main" id="{0E822DE7-56CA-4FA0-A7AB-34574AE72FEA}"/>
+              </a:ext>
+            </a:extLst>
+          </p:cNvPr>
+          <p:cNvSpPr>
+            <a:spLocks noGrp="1"/>
+          </p:cNvSpPr>
+          <p:nvPr>
+            <p:ph type="sldNum" sz="quarter" idx="12"/>
+          </p:nvPr>
+        </p:nvSpPr>
+        <p:spPr/>
+        <p:txBody>
+          <a:bodyPr/>
+          <a:lstStyle/>
+          <a:p>
+            <a:fld id="{4A26375B-4776-4673-9507-4724874B503B}" type="slidenum">
+              <a:rPr lang="es-ES" smtClean="0"/>
+              <a:t>2</a:t>
+            </a:fld>
+            <a:endParaRPr lang="es-ES"/>
+          </a:p>
+        </p:txBody>
+      </p:sp>
     </p:spTree>
     <p:extLst>
       <p:ext uri="{BB962C8B-B14F-4D97-AF65-F5344CB8AC3E}">
@@ -13442,6 +14330,9 @@
   <p:clrMapOvr>
     <a:masterClrMapping/>
   </p:clrMapOvr>
+  <p:transition spd="slow">
+    <p:wipe/>
+  </p:transition>
 </p:sld>
 </file>
 
@@ -14339,6 +15230,35 @@
           </a:p>
         </p:txBody>
       </p:sp>
+      <p:sp>
+        <p:nvSpPr>
+          <p:cNvPr id="5" name="Marcador de número de diapositiva 4">
+            <a:extLst>
+              <a:ext uri="{FF2B5EF4-FFF2-40B4-BE49-F238E27FC236}">
+                <a16:creationId xmlns:a16="http://schemas.microsoft.com/office/drawing/2014/main" id="{DAA72DF0-BE7C-420F-BBE3-EF8EEC0E2BEC}"/>
+              </a:ext>
+            </a:extLst>
+          </p:cNvPr>
+          <p:cNvSpPr>
+            <a:spLocks noGrp="1"/>
+          </p:cNvSpPr>
+          <p:nvPr>
+            <p:ph type="sldNum" sz="quarter" idx="12"/>
+          </p:nvPr>
+        </p:nvSpPr>
+        <p:spPr/>
+        <p:txBody>
+          <a:bodyPr/>
+          <a:lstStyle/>
+          <a:p>
+            <a:fld id="{4A26375B-4776-4673-9507-4724874B503B}" type="slidenum">
+              <a:rPr lang="es-ES" smtClean="0"/>
+              <a:t>3</a:t>
+            </a:fld>
+            <a:endParaRPr lang="es-ES"/>
+          </a:p>
+        </p:txBody>
+      </p:sp>
     </p:spTree>
     <p:extLst>
       <p:ext uri="{BB962C8B-B14F-4D97-AF65-F5344CB8AC3E}">
@@ -14349,6 +15269,9 @@
   <p:clrMapOvr>
     <a:masterClrMapping/>
   </p:clrMapOvr>
+  <p:transition spd="slow">
+    <p:wipe/>
+  </p:transition>
 </p:sld>
 </file>
 
@@ -14458,6 +15381,35 @@
           </a:p>
         </p:txBody>
       </p:sp>
+      <p:sp>
+        <p:nvSpPr>
+          <p:cNvPr id="4" name="Marcador de número de diapositiva 3">
+            <a:extLst>
+              <a:ext uri="{FF2B5EF4-FFF2-40B4-BE49-F238E27FC236}">
+                <a16:creationId xmlns:a16="http://schemas.microsoft.com/office/drawing/2014/main" id="{2E4C8DBE-3A9A-420F-A1B2-E4CB659882CF}"/>
+              </a:ext>
+            </a:extLst>
+          </p:cNvPr>
+          <p:cNvSpPr>
+            <a:spLocks noGrp="1"/>
+          </p:cNvSpPr>
+          <p:nvPr>
+            <p:ph type="sldNum" sz="quarter" idx="12"/>
+          </p:nvPr>
+        </p:nvSpPr>
+        <p:spPr/>
+        <p:txBody>
+          <a:bodyPr/>
+          <a:lstStyle/>
+          <a:p>
+            <a:fld id="{4A26375B-4776-4673-9507-4724874B503B}" type="slidenum">
+              <a:rPr lang="es-ES" smtClean="0"/>
+              <a:t>4</a:t>
+            </a:fld>
+            <a:endParaRPr lang="es-ES"/>
+          </a:p>
+        </p:txBody>
+      </p:sp>
     </p:spTree>
     <p:extLst>
       <p:ext uri="{BB962C8B-B14F-4D97-AF65-F5344CB8AC3E}">
@@ -14468,6 +15420,9 @@
   <p:clrMapOvr>
     <a:masterClrMapping/>
   </p:clrMapOvr>
+  <p:transition spd="slow">
+    <p:wipe/>
+  </p:transition>
 </p:sld>
 </file>
 
@@ -14946,6 +15901,35 @@
           </a:p>
         </p:txBody>
       </p:sp>
+      <p:sp>
+        <p:nvSpPr>
+          <p:cNvPr id="5" name="Marcador de número de diapositiva 4">
+            <a:extLst>
+              <a:ext uri="{FF2B5EF4-FFF2-40B4-BE49-F238E27FC236}">
+                <a16:creationId xmlns:a16="http://schemas.microsoft.com/office/drawing/2014/main" id="{8FACB574-7FBC-4C8B-AEC0-7BFAEB1A9634}"/>
+              </a:ext>
+            </a:extLst>
+          </p:cNvPr>
+          <p:cNvSpPr>
+            <a:spLocks noGrp="1"/>
+          </p:cNvSpPr>
+          <p:nvPr>
+            <p:ph type="sldNum" sz="quarter" idx="12"/>
+          </p:nvPr>
+        </p:nvSpPr>
+        <p:spPr/>
+        <p:txBody>
+          <a:bodyPr/>
+          <a:lstStyle/>
+          <a:p>
+            <a:fld id="{4A26375B-4776-4673-9507-4724874B503B}" type="slidenum">
+              <a:rPr lang="es-ES" smtClean="0"/>
+              <a:t>5</a:t>
+            </a:fld>
+            <a:endParaRPr lang="es-ES"/>
+          </a:p>
+        </p:txBody>
+      </p:sp>
     </p:spTree>
     <p:extLst>
       <p:ext uri="{BB962C8B-B14F-4D97-AF65-F5344CB8AC3E}">
@@ -14956,6 +15940,9 @@
   <p:clrMapOvr>
     <a:masterClrMapping/>
   </p:clrMapOvr>
+  <p:transition spd="slow">
+    <p:wipe/>
+  </p:transition>
 </p:sld>
 </file>
 
@@ -15217,6 +16204,35 @@
           </a:extLst>
         </p:spPr>
       </p:pic>
+      <p:sp>
+        <p:nvSpPr>
+          <p:cNvPr id="4" name="Marcador de número de diapositiva 3">
+            <a:extLst>
+              <a:ext uri="{FF2B5EF4-FFF2-40B4-BE49-F238E27FC236}">
+                <a16:creationId xmlns:a16="http://schemas.microsoft.com/office/drawing/2014/main" id="{4C2C42D2-040F-48BF-9816-D762BC6D0B2E}"/>
+              </a:ext>
+            </a:extLst>
+          </p:cNvPr>
+          <p:cNvSpPr>
+            <a:spLocks noGrp="1"/>
+          </p:cNvSpPr>
+          <p:nvPr>
+            <p:ph type="sldNum" sz="quarter" idx="12"/>
+          </p:nvPr>
+        </p:nvSpPr>
+        <p:spPr/>
+        <p:txBody>
+          <a:bodyPr/>
+          <a:lstStyle/>
+          <a:p>
+            <a:fld id="{4A26375B-4776-4673-9507-4724874B503B}" type="slidenum">
+              <a:rPr lang="es-ES" smtClean="0"/>
+              <a:t>6</a:t>
+            </a:fld>
+            <a:endParaRPr lang="es-ES"/>
+          </a:p>
+        </p:txBody>
+      </p:sp>
     </p:spTree>
     <p:extLst>
       <p:ext uri="{BB962C8B-B14F-4D97-AF65-F5344CB8AC3E}">
@@ -15227,6 +16243,9 @@
   <p:clrMapOvr>
     <a:masterClrMapping/>
   </p:clrMapOvr>
+  <p:transition spd="slow">
+    <p:wipe/>
+  </p:transition>
 </p:sld>
 </file>
 
@@ -16150,6 +17169,35 @@
           </a:extLst>
         </p:spPr>
       </p:pic>
+      <p:sp>
+        <p:nvSpPr>
+          <p:cNvPr id="3" name="Marcador de número de diapositiva 2">
+            <a:extLst>
+              <a:ext uri="{FF2B5EF4-FFF2-40B4-BE49-F238E27FC236}">
+                <a16:creationId xmlns:a16="http://schemas.microsoft.com/office/drawing/2014/main" id="{FE591E2F-02C0-4E09-96FB-6FDFE74AE9E6}"/>
+              </a:ext>
+            </a:extLst>
+          </p:cNvPr>
+          <p:cNvSpPr>
+            <a:spLocks noGrp="1"/>
+          </p:cNvSpPr>
+          <p:nvPr>
+            <p:ph type="sldNum" sz="quarter" idx="12"/>
+          </p:nvPr>
+        </p:nvSpPr>
+        <p:spPr/>
+        <p:txBody>
+          <a:bodyPr/>
+          <a:lstStyle/>
+          <a:p>
+            <a:fld id="{4A26375B-4776-4673-9507-4724874B503B}" type="slidenum">
+              <a:rPr lang="es-ES" smtClean="0"/>
+              <a:t>7</a:t>
+            </a:fld>
+            <a:endParaRPr lang="es-ES"/>
+          </a:p>
+        </p:txBody>
+      </p:sp>
     </p:spTree>
     <p:extLst>
       <p:ext uri="{BB962C8B-B14F-4D97-AF65-F5344CB8AC3E}">
@@ -16160,6 +17208,9 @@
   <p:clrMapOvr>
     <a:masterClrMapping/>
   </p:clrMapOvr>
+  <p:transition spd="slow">
+    <p:wipe/>
+  </p:transition>
 </p:sld>
 </file>
 
@@ -17627,6 +18678,35 @@
           </a:p>
         </p:txBody>
       </p:sp>
+      <p:sp>
+        <p:nvSpPr>
+          <p:cNvPr id="3" name="Marcador de número de diapositiva 2">
+            <a:extLst>
+              <a:ext uri="{FF2B5EF4-FFF2-40B4-BE49-F238E27FC236}">
+                <a16:creationId xmlns:a16="http://schemas.microsoft.com/office/drawing/2014/main" id="{0D11C94A-0124-4D30-AFDD-2FB006A515A7}"/>
+              </a:ext>
+            </a:extLst>
+          </p:cNvPr>
+          <p:cNvSpPr>
+            <a:spLocks noGrp="1"/>
+          </p:cNvSpPr>
+          <p:nvPr>
+            <p:ph type="sldNum" sz="quarter" idx="12"/>
+          </p:nvPr>
+        </p:nvSpPr>
+        <p:spPr/>
+        <p:txBody>
+          <a:bodyPr/>
+          <a:lstStyle/>
+          <a:p>
+            <a:fld id="{4A26375B-4776-4673-9507-4724874B503B}" type="slidenum">
+              <a:rPr lang="es-ES" smtClean="0"/>
+              <a:t>8</a:t>
+            </a:fld>
+            <a:endParaRPr lang="es-ES"/>
+          </a:p>
+        </p:txBody>
+      </p:sp>
     </p:spTree>
     <p:extLst>
       <p:ext uri="{BB962C8B-B14F-4D97-AF65-F5344CB8AC3E}">
@@ -17637,6 +18717,9 @@
   <p:clrMapOvr>
     <a:masterClrMapping/>
   </p:clrMapOvr>
+  <p:transition spd="slow">
+    <p:wipe/>
+  </p:transition>
 </p:sld>
 </file>
 
@@ -19290,6 +20373,35 @@
           </a:p>
         </p:txBody>
       </p:sp>
+      <p:sp>
+        <p:nvSpPr>
+          <p:cNvPr id="3" name="Marcador de número de diapositiva 2">
+            <a:extLst>
+              <a:ext uri="{FF2B5EF4-FFF2-40B4-BE49-F238E27FC236}">
+                <a16:creationId xmlns:a16="http://schemas.microsoft.com/office/drawing/2014/main" id="{FC9653C2-F524-469C-A215-2DFA45F12CBC}"/>
+              </a:ext>
+            </a:extLst>
+          </p:cNvPr>
+          <p:cNvSpPr>
+            <a:spLocks noGrp="1"/>
+          </p:cNvSpPr>
+          <p:nvPr>
+            <p:ph type="sldNum" sz="quarter" idx="12"/>
+          </p:nvPr>
+        </p:nvSpPr>
+        <p:spPr/>
+        <p:txBody>
+          <a:bodyPr/>
+          <a:lstStyle/>
+          <a:p>
+            <a:fld id="{4A26375B-4776-4673-9507-4724874B503B}" type="slidenum">
+              <a:rPr lang="es-ES" smtClean="0"/>
+              <a:t>9</a:t>
+            </a:fld>
+            <a:endParaRPr lang="es-ES"/>
+          </a:p>
+        </p:txBody>
+      </p:sp>
     </p:spTree>
     <p:extLst>
       <p:ext uri="{BB962C8B-B14F-4D97-AF65-F5344CB8AC3E}">
@@ -19300,6 +20412,9 @@
   <p:clrMapOvr>
     <a:masterClrMapping/>
   </p:clrMapOvr>
+  <p:transition spd="slow">
+    <p:wipe/>
+  </p:transition>
 </p:sld>
 </file>
 
@@ -19538,4 +20653,299 @@
     </a:ext>
   </a:extLst>
 </a:theme>
+</file>
+
+<file path=ppt/theme/theme2.xml><?xml version="1.0" encoding="utf-8"?>
+<a:theme xmlns:a="http://schemas.openxmlformats.org/drawingml/2006/main" name="Tema de Office">
+  <a:themeElements>
+    <a:clrScheme name="Office">
+      <a:dk1>
+        <a:sysClr val="windowText" lastClr="000000"/>
+      </a:dk1>
+      <a:lt1>
+        <a:sysClr val="window" lastClr="FFFFFF"/>
+      </a:lt1>
+      <a:dk2>
+        <a:srgbClr val="44546A"/>
+      </a:dk2>
+      <a:lt2>
+        <a:srgbClr val="E7E6E6"/>
+      </a:lt2>
+      <a:accent1>
+        <a:srgbClr val="4472C4"/>
+      </a:accent1>
+      <a:accent2>
+        <a:srgbClr val="ED7D31"/>
+      </a:accent2>
+      <a:accent3>
+        <a:srgbClr val="A5A5A5"/>
+      </a:accent3>
+      <a:accent4>
+        <a:srgbClr val="FFC000"/>
+      </a:accent4>
+      <a:accent5>
+        <a:srgbClr val="5B9BD5"/>
+      </a:accent5>
+      <a:accent6>
+        <a:srgbClr val="70AD47"/>
+      </a:accent6>
+      <a:hlink>
+        <a:srgbClr val="0563C1"/>
+      </a:hlink>
+      <a:folHlink>
+        <a:srgbClr val="954F72"/>
+      </a:folHlink>
+    </a:clrScheme>
+    <a:fontScheme name="Office">
+      <a:majorFont>
+        <a:latin typeface="Calibri Light" panose="020F0302020204030204"/>
+        <a:ea typeface=""/>
+        <a:cs typeface=""/>
+        <a:font script="Jpan" typeface="游ゴシック Light"/>
+        <a:font script="Hang" typeface="맑은 고딕"/>
+        <a:font script="Hans" typeface="等线 Light"/>
+        <a:font script="Hant" typeface="新細明體"/>
+        <a:font script="Arab" typeface="Times New Roman"/>
+        <a:font script="Hebr" typeface="Times New Roman"/>
+        <a:font script="Thai" typeface="Angsana New"/>
+        <a:font script="Ethi" typeface="Nyala"/>
+        <a:font script="Beng" typeface="Vrinda"/>
+        <a:font script="Gujr" typeface="Shruti"/>
+        <a:font script="Khmr" typeface="MoolBoran"/>
+        <a:font script="Knda" typeface="Tunga"/>
+        <a:font script="Guru" typeface="Raavi"/>
+        <a:font script="Cans" typeface="Euphemia"/>
+        <a:font script="Cher" typeface="Plantagenet Cherokee"/>
+        <a:font script="Yiii" typeface="Microsoft Yi Baiti"/>
+        <a:font script="Tibt" typeface="Microsoft Himalaya"/>
+        <a:font script="Thaa" typeface="MV Boli"/>
+        <a:font script="Deva" typeface="Mangal"/>
+        <a:font script="Telu" typeface="Gautami"/>
+        <a:font script="Taml" typeface="Latha"/>
+        <a:font script="Syrc" typeface="Estrangelo Edessa"/>
+        <a:font script="Orya" typeface="Kalinga"/>
+        <a:font script="Mlym" typeface="Kartika"/>
+        <a:font script="Laoo" typeface="DokChampa"/>
+        <a:font script="Sinh" typeface="Iskoola Pota"/>
+        <a:font script="Mong" typeface="Mongolian Baiti"/>
+        <a:font script="Viet" typeface="Times New Roman"/>
+        <a:font script="Uigh" typeface="Microsoft Uighur"/>
+        <a:font script="Geor" typeface="Sylfaen"/>
+        <a:font script="Armn" typeface="Arial"/>
+        <a:font script="Bugi" typeface="Leelawadee UI"/>
+        <a:font script="Bopo" typeface="Microsoft JhengHei"/>
+        <a:font script="Java" typeface="Javanese Text"/>
+        <a:font script="Lisu" typeface="Segoe UI"/>
+        <a:font script="Mymr" typeface="Myanmar Text"/>
+        <a:font script="Nkoo" typeface="Ebrima"/>
+        <a:font script="Olck" typeface="Nirmala UI"/>
+        <a:font script="Osma" typeface="Ebrima"/>
+        <a:font script="Phag" typeface="Phagspa"/>
+        <a:font script="Syrn" typeface="Estrangelo Edessa"/>
+        <a:font script="Syrj" typeface="Estrangelo Edessa"/>
+        <a:font script="Syre" typeface="Estrangelo Edessa"/>
+        <a:font script="Sora" typeface="Nirmala UI"/>
+        <a:font script="Tale" typeface="Microsoft Tai Le"/>
+        <a:font script="Talu" typeface="Microsoft New Tai Lue"/>
+        <a:font script="Tfng" typeface="Ebrima"/>
+      </a:majorFont>
+      <a:minorFont>
+        <a:latin typeface="Calibri" panose="020F0502020204030204"/>
+        <a:ea typeface=""/>
+        <a:cs typeface=""/>
+        <a:font script="Jpan" typeface="游ゴシック"/>
+        <a:font script="Hang" typeface="맑은 고딕"/>
+        <a:font script="Hans" typeface="等线"/>
+        <a:font script="Hant" typeface="新細明體"/>
+        <a:font script="Arab" typeface="Arial"/>
+        <a:font script="Hebr" typeface="Arial"/>
+        <a:font script="Thai" typeface="Cordia New"/>
+        <a:font script="Ethi" typeface="Nyala"/>
+        <a:font script="Beng" typeface="Vrinda"/>
+        <a:font script="Gujr" typeface="Shruti"/>
+        <a:font script="Khmr" typeface="DaunPenh"/>
+        <a:font script="Knda" typeface="Tunga"/>
+        <a:font script="Guru" typeface="Raavi"/>
+        <a:font script="Cans" typeface="Euphemia"/>
+        <a:font script="Cher" typeface="Plantagenet Cherokee"/>
+        <a:font script="Yiii" typeface="Microsoft Yi Baiti"/>
+        <a:font script="Tibt" typeface="Microsoft Himalaya"/>
+        <a:font script="Thaa" typeface="MV Boli"/>
+        <a:font script="Deva" typeface="Mangal"/>
+        <a:font script="Telu" typeface="Gautami"/>
+        <a:font script="Taml" typeface="Latha"/>
+        <a:font script="Syrc" typeface="Estrangelo Edessa"/>
+        <a:font script="Orya" typeface="Kalinga"/>
+        <a:font script="Mlym" typeface="Kartika"/>
+        <a:font script="Laoo" typeface="DokChampa"/>
+        <a:font script="Sinh" typeface="Iskoola Pota"/>
+        <a:font script="Mong" typeface="Mongolian Baiti"/>
+        <a:font script="Viet" typeface="Arial"/>
+        <a:font script="Uigh" typeface="Microsoft Uighur"/>
+        <a:font script="Geor" typeface="Sylfaen"/>
+        <a:font script="Armn" typeface="Arial"/>
+        <a:font script="Bugi" typeface="Leelawadee UI"/>
+        <a:font script="Bopo" typeface="Microsoft JhengHei"/>
+        <a:font script="Java" typeface="Javanese Text"/>
+        <a:font script="Lisu" typeface="Segoe UI"/>
+        <a:font script="Mymr" typeface="Myanmar Text"/>
+        <a:font script="Nkoo" typeface="Ebrima"/>
+        <a:font script="Olck" typeface="Nirmala UI"/>
+        <a:font script="Osma" typeface="Ebrima"/>
+        <a:font script="Phag" typeface="Phagspa"/>
+        <a:font script="Syrn" typeface="Estrangelo Edessa"/>
+        <a:font script="Syrj" typeface="Estrangelo Edessa"/>
+        <a:font script="Syre" typeface="Estrangelo Edessa"/>
+        <a:font script="Sora" typeface="Nirmala UI"/>
+        <a:font script="Tale" typeface="Microsoft Tai Le"/>
+        <a:font script="Talu" typeface="Microsoft New Tai Lue"/>
+        <a:font script="Tfng" typeface="Ebrima"/>
+      </a:minorFont>
+    </a:fontScheme>
+    <a:fmtScheme name="Office">
+      <a:fillStyleLst>
+        <a:solidFill>
+          <a:schemeClr val="phClr"/>
+        </a:solidFill>
+        <a:gradFill rotWithShape="1">
+          <a:gsLst>
+            <a:gs pos="0">
+              <a:schemeClr val="phClr">
+                <a:lumMod val="110000"/>
+                <a:satMod val="105000"/>
+                <a:tint val="67000"/>
+              </a:schemeClr>
+            </a:gs>
+            <a:gs pos="50000">
+              <a:schemeClr val="phClr">
+                <a:lumMod val="105000"/>
+                <a:satMod val="103000"/>
+                <a:tint val="73000"/>
+              </a:schemeClr>
+            </a:gs>
+            <a:gs pos="100000">
+              <a:schemeClr val="phClr">
+                <a:lumMod val="105000"/>
+                <a:satMod val="109000"/>
+                <a:tint val="81000"/>
+              </a:schemeClr>
+            </a:gs>
+          </a:gsLst>
+          <a:lin ang="5400000" scaled="0"/>
+        </a:gradFill>
+        <a:gradFill rotWithShape="1">
+          <a:gsLst>
+            <a:gs pos="0">
+              <a:schemeClr val="phClr">
+                <a:satMod val="103000"/>
+                <a:lumMod val="102000"/>
+                <a:tint val="94000"/>
+              </a:schemeClr>
+            </a:gs>
+            <a:gs pos="50000">
+              <a:schemeClr val="phClr">
+                <a:satMod val="110000"/>
+                <a:lumMod val="100000"/>
+                <a:shade val="100000"/>
+              </a:schemeClr>
+            </a:gs>
+            <a:gs pos="100000">
+              <a:schemeClr val="phClr">
+                <a:lumMod val="99000"/>
+                <a:satMod val="120000"/>
+                <a:shade val="78000"/>
+              </a:schemeClr>
+            </a:gs>
+          </a:gsLst>
+          <a:lin ang="5400000" scaled="0"/>
+        </a:gradFill>
+      </a:fillStyleLst>
+      <a:lnStyleLst>
+        <a:ln w="6350" cap="flat" cmpd="sng" algn="ctr">
+          <a:solidFill>
+            <a:schemeClr val="phClr"/>
+          </a:solidFill>
+          <a:prstDash val="solid"/>
+          <a:miter lim="800000"/>
+        </a:ln>
+        <a:ln w="12700" cap="flat" cmpd="sng" algn="ctr">
+          <a:solidFill>
+            <a:schemeClr val="phClr"/>
+          </a:solidFill>
+          <a:prstDash val="solid"/>
+          <a:miter lim="800000"/>
+        </a:ln>
+        <a:ln w="19050" cap="flat" cmpd="sng" algn="ctr">
+          <a:solidFill>
+            <a:schemeClr val="phClr"/>
+          </a:solidFill>
+          <a:prstDash val="solid"/>
+          <a:miter lim="800000"/>
+        </a:ln>
+      </a:lnStyleLst>
+      <a:effectStyleLst>
+        <a:effectStyle>
+          <a:effectLst/>
+        </a:effectStyle>
+        <a:effectStyle>
+          <a:effectLst/>
+        </a:effectStyle>
+        <a:effectStyle>
+          <a:effectLst>
+            <a:outerShdw blurRad="57150" dist="19050" dir="5400000" algn="ctr" rotWithShape="0">
+              <a:srgbClr val="000000">
+                <a:alpha val="63000"/>
+              </a:srgbClr>
+            </a:outerShdw>
+          </a:effectLst>
+        </a:effectStyle>
+      </a:effectStyleLst>
+      <a:bgFillStyleLst>
+        <a:solidFill>
+          <a:schemeClr val="phClr"/>
+        </a:solidFill>
+        <a:solidFill>
+          <a:schemeClr val="phClr">
+            <a:tint val="95000"/>
+            <a:satMod val="170000"/>
+          </a:schemeClr>
+        </a:solidFill>
+        <a:gradFill rotWithShape="1">
+          <a:gsLst>
+            <a:gs pos="0">
+              <a:schemeClr val="phClr">
+                <a:tint val="93000"/>
+                <a:satMod val="150000"/>
+                <a:shade val="98000"/>
+                <a:lumMod val="102000"/>
+              </a:schemeClr>
+            </a:gs>
+            <a:gs pos="50000">
+              <a:schemeClr val="phClr">
+                <a:tint val="98000"/>
+                <a:satMod val="130000"/>
+                <a:shade val="90000"/>
+                <a:lumMod val="103000"/>
+              </a:schemeClr>
+            </a:gs>
+            <a:gs pos="100000">
+              <a:schemeClr val="phClr">
+                <a:shade val="63000"/>
+                <a:satMod val="120000"/>
+              </a:schemeClr>
+            </a:gs>
+          </a:gsLst>
+          <a:lin ang="5400000" scaled="0"/>
+        </a:gradFill>
+      </a:bgFillStyleLst>
+    </a:fmtScheme>
+  </a:themeElements>
+  <a:objectDefaults/>
+  <a:extraClrSchemeLst/>
+  <a:extLst>
+    <a:ext uri="{05A4C25C-085E-4340-85A3-A5531E510DB2}">
+      <thm15:themeFamily xmlns:thm15="http://schemas.microsoft.com/office/thememl/2012/main" name="Office Theme" id="{62F939B6-93AF-4DB8-9C6B-D6C7DFDC589F}" vid="{4A3C46E8-61CC-4603-A589-7422A47A8E4A}"/>
+    </a:ext>
+  </a:extLst>
+</a:theme>
 </file>
--- a/TrabajoSI.pptx
+++ b/TrabajoSI.pptx
@@ -632,7 +632,7 @@
           <a:effectLst/>
           <a:extLst>
             <a:ext uri="{91240B29-F687-4f45-9708-019B960494DF}">
-              <a14:hiddenLine xmlns="" xmlns:a14="http://schemas.microsoft.com/office/drawing/2010/main" w="9525">
+              <a14:hiddenLine xmlns:a14="http://schemas.microsoft.com/office/drawing/2010/main" xmlns="" w="9525">
                 <a:solidFill>
                   <a:srgbClr val="000000"/>
                 </a:solidFill>
@@ -2154,7 +2154,7 @@
           <a:ln/>
           <a:extLst>
             <a:ext uri="{91240B29-F687-4f45-9708-019B960494DF}">
-              <a14:hiddenLine xmlns="" xmlns:a14="http://schemas.microsoft.com/office/drawing/2010/main" w="9525">
+              <a14:hiddenLine xmlns:a14="http://schemas.microsoft.com/office/drawing/2010/main" xmlns="" w="9525">
                 <a:solidFill>
                   <a:srgbClr val="000000"/>
                 </a:solidFill>
@@ -2429,7 +2429,7 @@
           <a:ln/>
           <a:extLst>
             <a:ext uri="{91240B29-F687-4f45-9708-019B960494DF}">
-              <a14:hiddenLine xmlns="" xmlns:a14="http://schemas.microsoft.com/office/drawing/2010/main" w="9525">
+              <a14:hiddenLine xmlns:a14="http://schemas.microsoft.com/office/drawing/2010/main" xmlns="" w="9525">
                 <a:solidFill>
                   <a:srgbClr val="000000"/>
                 </a:solidFill>
@@ -2712,7 +2712,7 @@
           <a:ln/>
           <a:extLst>
             <a:ext uri="{91240B29-F687-4f45-9708-019B960494DF}">
-              <a14:hiddenLine xmlns="" xmlns:a14="http://schemas.microsoft.com/office/drawing/2010/main" w="9525">
+              <a14:hiddenLine xmlns:a14="http://schemas.microsoft.com/office/drawing/2010/main" xmlns="" w="9525">
                 <a:solidFill>
                   <a:srgbClr val="000000"/>
                 </a:solidFill>
@@ -3338,7 +3338,7 @@
           <a:ln/>
           <a:extLst>
             <a:ext uri="{91240B29-F687-4f45-9708-019B960494DF}">
-              <a14:hiddenLine xmlns="" xmlns:a14="http://schemas.microsoft.com/office/drawing/2010/main" w="9525">
+              <a14:hiddenLine xmlns:a14="http://schemas.microsoft.com/office/drawing/2010/main" xmlns="" w="9525">
                 <a:solidFill>
                   <a:srgbClr val="000000"/>
                 </a:solidFill>
@@ -3677,7 +3677,7 @@
           <a:ln/>
           <a:extLst>
             <a:ext uri="{91240B29-F687-4f45-9708-019B960494DF}">
-              <a14:hiddenLine xmlns="" xmlns:a14="http://schemas.microsoft.com/office/drawing/2010/main" w="9525">
+              <a14:hiddenLine xmlns:a14="http://schemas.microsoft.com/office/drawing/2010/main" xmlns="" w="9525">
                 <a:solidFill>
                   <a:srgbClr val="000000"/>
                 </a:solidFill>
@@ -4154,7 +4154,7 @@
           <a:ln/>
           <a:extLst>
             <a:ext uri="{91240B29-F687-4f45-9708-019B960494DF}">
-              <a14:hiddenLine xmlns="" xmlns:a14="http://schemas.microsoft.com/office/drawing/2010/main" w="9525">
+              <a14:hiddenLine xmlns:a14="http://schemas.microsoft.com/office/drawing/2010/main" xmlns="" w="9525">
                 <a:solidFill>
                   <a:srgbClr val="000000"/>
                 </a:solidFill>
@@ -4583,7 +4583,7 @@
           <a:ln/>
           <a:extLst>
             <a:ext uri="{91240B29-F687-4f45-9708-019B960494DF}">
-              <a14:hiddenLine xmlns="" xmlns:a14="http://schemas.microsoft.com/office/drawing/2010/main" w="9525">
+              <a14:hiddenLine xmlns:a14="http://schemas.microsoft.com/office/drawing/2010/main" xmlns="" w="9525">
                 <a:solidFill>
                   <a:srgbClr val="000000"/>
                 </a:solidFill>
@@ -13207,6 +13207,374 @@
                       </p:childTnLst>
                     </p:cTn>
                   </p:par>
+                  <p:par>
+                    <p:cTn id="206" fill="hold">
+                      <p:stCondLst>
+                        <p:cond delay="indefinite"/>
+                      </p:stCondLst>
+                      <p:childTnLst>
+                        <p:par>
+                          <p:cTn id="207" fill="hold">
+                            <p:stCondLst>
+                              <p:cond delay="0"/>
+                            </p:stCondLst>
+                            <p:childTnLst>
+                              <p:par>
+                                <p:cTn id="208" presetID="22" presetClass="exit" presetSubtype="4" fill="hold" grpId="1" nodeType="clickEffect">
+                                  <p:stCondLst>
+                                    <p:cond delay="0"/>
+                                  </p:stCondLst>
+                                  <p:childTnLst>
+                                    <p:animEffect transition="out" filter="wipe(down)">
+                                      <p:cBhvr>
+                                        <p:cTn id="209" dur="500"/>
+                                        <p:tgtEl>
+                                          <p:spTgt spid="65"/>
+                                        </p:tgtEl>
+                                      </p:cBhvr>
+                                    </p:animEffect>
+                                    <p:set>
+                                      <p:cBhvr>
+                                        <p:cTn id="210" dur="1" fill="hold">
+                                          <p:stCondLst>
+                                            <p:cond delay="499"/>
+                                          </p:stCondLst>
+                                        </p:cTn>
+                                        <p:tgtEl>
+                                          <p:spTgt spid="65"/>
+                                        </p:tgtEl>
+                                        <p:attrNameLst>
+                                          <p:attrName>style.visibility</p:attrName>
+                                        </p:attrNameLst>
+                                      </p:cBhvr>
+                                      <p:to>
+                                        <p:strVal val="hidden"/>
+                                      </p:to>
+                                    </p:set>
+                                  </p:childTnLst>
+                                </p:cTn>
+                              </p:par>
+                              <p:par>
+                                <p:cTn id="211" presetID="22" presetClass="exit" presetSubtype="4" fill="hold" nodeType="withEffect">
+                                  <p:stCondLst>
+                                    <p:cond delay="0"/>
+                                  </p:stCondLst>
+                                  <p:childTnLst>
+                                    <p:animEffect transition="out" filter="wipe(down)">
+                                      <p:cBhvr>
+                                        <p:cTn id="212" dur="500"/>
+                                        <p:tgtEl>
+                                          <p:spTgt spid="66"/>
+                                        </p:tgtEl>
+                                      </p:cBhvr>
+                                    </p:animEffect>
+                                    <p:set>
+                                      <p:cBhvr>
+                                        <p:cTn id="213" dur="1" fill="hold">
+                                          <p:stCondLst>
+                                            <p:cond delay="499"/>
+                                          </p:stCondLst>
+                                        </p:cTn>
+                                        <p:tgtEl>
+                                          <p:spTgt spid="66"/>
+                                        </p:tgtEl>
+                                        <p:attrNameLst>
+                                          <p:attrName>style.visibility</p:attrName>
+                                        </p:attrNameLst>
+                                      </p:cBhvr>
+                                      <p:to>
+                                        <p:strVal val="hidden"/>
+                                      </p:to>
+                                    </p:set>
+                                  </p:childTnLst>
+                                </p:cTn>
+                              </p:par>
+                              <p:par>
+                                <p:cTn id="214" presetID="22" presetClass="exit" presetSubtype="4" fill="hold" nodeType="withEffect">
+                                  <p:stCondLst>
+                                    <p:cond delay="0"/>
+                                  </p:stCondLst>
+                                  <p:childTnLst>
+                                    <p:animEffect transition="out" filter="wipe(down)">
+                                      <p:cBhvr>
+                                        <p:cTn id="215" dur="500"/>
+                                        <p:tgtEl>
+                                          <p:spTgt spid="67"/>
+                                        </p:tgtEl>
+                                      </p:cBhvr>
+                                    </p:animEffect>
+                                    <p:set>
+                                      <p:cBhvr>
+                                        <p:cTn id="216" dur="1" fill="hold">
+                                          <p:stCondLst>
+                                            <p:cond delay="499"/>
+                                          </p:stCondLst>
+                                        </p:cTn>
+                                        <p:tgtEl>
+                                          <p:spTgt spid="67"/>
+                                        </p:tgtEl>
+                                        <p:attrNameLst>
+                                          <p:attrName>style.visibility</p:attrName>
+                                        </p:attrNameLst>
+                                      </p:cBhvr>
+                                      <p:to>
+                                        <p:strVal val="hidden"/>
+                                      </p:to>
+                                    </p:set>
+                                  </p:childTnLst>
+                                </p:cTn>
+                              </p:par>
+                              <p:par>
+                                <p:cTn id="217" presetID="22" presetClass="exit" presetSubtype="4" fill="hold" nodeType="withEffect">
+                                  <p:stCondLst>
+                                    <p:cond delay="0"/>
+                                  </p:stCondLst>
+                                  <p:childTnLst>
+                                    <p:animEffect transition="out" filter="wipe(down)">
+                                      <p:cBhvr>
+                                        <p:cTn id="218" dur="500"/>
+                                        <p:tgtEl>
+                                          <p:spTgt spid="68"/>
+                                        </p:tgtEl>
+                                      </p:cBhvr>
+                                    </p:animEffect>
+                                    <p:set>
+                                      <p:cBhvr>
+                                        <p:cTn id="219" dur="1" fill="hold">
+                                          <p:stCondLst>
+                                            <p:cond delay="499"/>
+                                          </p:stCondLst>
+                                        </p:cTn>
+                                        <p:tgtEl>
+                                          <p:spTgt spid="68"/>
+                                        </p:tgtEl>
+                                        <p:attrNameLst>
+                                          <p:attrName>style.visibility</p:attrName>
+                                        </p:attrNameLst>
+                                      </p:cBhvr>
+                                      <p:to>
+                                        <p:strVal val="hidden"/>
+                                      </p:to>
+                                    </p:set>
+                                  </p:childTnLst>
+                                </p:cTn>
+                              </p:par>
+                              <p:par>
+                                <p:cTn id="220" presetID="22" presetClass="exit" presetSubtype="4" fill="hold" grpId="1" nodeType="withEffect">
+                                  <p:stCondLst>
+                                    <p:cond delay="0"/>
+                                  </p:stCondLst>
+                                  <p:childTnLst>
+                                    <p:animEffect transition="out" filter="wipe(down)">
+                                      <p:cBhvr>
+                                        <p:cTn id="221" dur="500"/>
+                                        <p:tgtEl>
+                                          <p:spTgt spid="69"/>
+                                        </p:tgtEl>
+                                      </p:cBhvr>
+                                    </p:animEffect>
+                                    <p:set>
+                                      <p:cBhvr>
+                                        <p:cTn id="222" dur="1" fill="hold">
+                                          <p:stCondLst>
+                                            <p:cond delay="499"/>
+                                          </p:stCondLst>
+                                        </p:cTn>
+                                        <p:tgtEl>
+                                          <p:spTgt spid="69"/>
+                                        </p:tgtEl>
+                                        <p:attrNameLst>
+                                          <p:attrName>style.visibility</p:attrName>
+                                        </p:attrNameLst>
+                                      </p:cBhvr>
+                                      <p:to>
+                                        <p:strVal val="hidden"/>
+                                      </p:to>
+                                    </p:set>
+                                  </p:childTnLst>
+                                </p:cTn>
+                              </p:par>
+                              <p:par>
+                                <p:cTn id="223" presetID="22" presetClass="exit" presetSubtype="4" fill="hold" grpId="1" nodeType="withEffect">
+                                  <p:stCondLst>
+                                    <p:cond delay="0"/>
+                                  </p:stCondLst>
+                                  <p:childTnLst>
+                                    <p:animEffect transition="out" filter="wipe(down)">
+                                      <p:cBhvr>
+                                        <p:cTn id="224" dur="500"/>
+                                        <p:tgtEl>
+                                          <p:spTgt spid="70"/>
+                                        </p:tgtEl>
+                                      </p:cBhvr>
+                                    </p:animEffect>
+                                    <p:set>
+                                      <p:cBhvr>
+                                        <p:cTn id="225" dur="1" fill="hold">
+                                          <p:stCondLst>
+                                            <p:cond delay="499"/>
+                                          </p:stCondLst>
+                                        </p:cTn>
+                                        <p:tgtEl>
+                                          <p:spTgt spid="70"/>
+                                        </p:tgtEl>
+                                        <p:attrNameLst>
+                                          <p:attrName>style.visibility</p:attrName>
+                                        </p:attrNameLst>
+                                      </p:cBhvr>
+                                      <p:to>
+                                        <p:strVal val="hidden"/>
+                                      </p:to>
+                                    </p:set>
+                                  </p:childTnLst>
+                                </p:cTn>
+                              </p:par>
+                              <p:par>
+                                <p:cTn id="226" presetID="22" presetClass="exit" presetSubtype="4" fill="hold" grpId="2" nodeType="withEffect">
+                                  <p:stCondLst>
+                                    <p:cond delay="0"/>
+                                  </p:stCondLst>
+                                  <p:childTnLst>
+                                    <p:animEffect transition="out" filter="wipe(down)">
+                                      <p:cBhvr>
+                                        <p:cTn id="227" dur="500"/>
+                                        <p:tgtEl>
+                                          <p:spTgt spid="71"/>
+                                        </p:tgtEl>
+                                      </p:cBhvr>
+                                    </p:animEffect>
+                                    <p:set>
+                                      <p:cBhvr>
+                                        <p:cTn id="228" dur="1" fill="hold">
+                                          <p:stCondLst>
+                                            <p:cond delay="499"/>
+                                          </p:stCondLst>
+                                        </p:cTn>
+                                        <p:tgtEl>
+                                          <p:spTgt spid="71"/>
+                                        </p:tgtEl>
+                                        <p:attrNameLst>
+                                          <p:attrName>style.visibility</p:attrName>
+                                        </p:attrNameLst>
+                                      </p:cBhvr>
+                                      <p:to>
+                                        <p:strVal val="hidden"/>
+                                      </p:to>
+                                    </p:set>
+                                  </p:childTnLst>
+                                </p:cTn>
+                              </p:par>
+                              <p:par>
+                                <p:cTn id="229" presetID="22" presetClass="exit" presetSubtype="4" fill="hold" grpId="1" nodeType="withEffect">
+                                  <p:stCondLst>
+                                    <p:cond delay="0"/>
+                                  </p:stCondLst>
+                                  <p:childTnLst>
+                                    <p:animEffect transition="out" filter="wipe(down)">
+                                      <p:cBhvr>
+                                        <p:cTn id="230" dur="500"/>
+                                        <p:tgtEl>
+                                          <p:spTgt spid="72"/>
+                                        </p:tgtEl>
+                                      </p:cBhvr>
+                                    </p:animEffect>
+                                    <p:set>
+                                      <p:cBhvr>
+                                        <p:cTn id="231" dur="1" fill="hold">
+                                          <p:stCondLst>
+                                            <p:cond delay="499"/>
+                                          </p:stCondLst>
+                                        </p:cTn>
+                                        <p:tgtEl>
+                                          <p:spTgt spid="72"/>
+                                        </p:tgtEl>
+                                        <p:attrNameLst>
+                                          <p:attrName>style.visibility</p:attrName>
+                                        </p:attrNameLst>
+                                      </p:cBhvr>
+                                      <p:to>
+                                        <p:strVal val="hidden"/>
+                                      </p:to>
+                                    </p:set>
+                                  </p:childTnLst>
+                                </p:cTn>
+                              </p:par>
+                              <p:par>
+                                <p:cTn id="232" presetID="22" presetClass="exit" presetSubtype="4" fill="hold" grpId="1" nodeType="withEffect">
+                                  <p:stCondLst>
+                                    <p:cond delay="0"/>
+                                  </p:stCondLst>
+                                  <p:childTnLst>
+                                    <p:animEffect transition="out" filter="wipe(down)">
+                                      <p:cBhvr>
+                                        <p:cTn id="233" dur="500"/>
+                                        <p:tgtEl>
+                                          <p:spTgt spid="92"/>
+                                        </p:tgtEl>
+                                      </p:cBhvr>
+                                    </p:animEffect>
+                                    <p:set>
+                                      <p:cBhvr>
+                                        <p:cTn id="234" dur="1" fill="hold">
+                                          <p:stCondLst>
+                                            <p:cond delay="499"/>
+                                          </p:stCondLst>
+                                        </p:cTn>
+                                        <p:tgtEl>
+                                          <p:spTgt spid="92"/>
+                                        </p:tgtEl>
+                                        <p:attrNameLst>
+                                          <p:attrName>style.visibility</p:attrName>
+                                        </p:attrNameLst>
+                                      </p:cBhvr>
+                                      <p:to>
+                                        <p:strVal val="hidden"/>
+                                      </p:to>
+                                    </p:set>
+                                  </p:childTnLst>
+                                </p:cTn>
+                              </p:par>
+                              <p:par>
+                                <p:cTn id="235" presetID="22" presetClass="exit" presetSubtype="4" fill="hold" grpId="1" nodeType="withEffect">
+                                  <p:stCondLst>
+                                    <p:cond delay="0"/>
+                                  </p:stCondLst>
+                                  <p:childTnLst>
+                                    <p:animEffect transition="out" filter="wipe(down)">
+                                      <p:cBhvr>
+                                        <p:cTn id="236" dur="500"/>
+                                        <p:tgtEl>
+                                          <p:spTgt spid="96"/>
+                                        </p:tgtEl>
+                                      </p:cBhvr>
+                                    </p:animEffect>
+                                    <p:set>
+                                      <p:cBhvr>
+                                        <p:cTn id="237" dur="1" fill="hold">
+                                          <p:stCondLst>
+                                            <p:cond delay="499"/>
+                                          </p:stCondLst>
+                                        </p:cTn>
+                                        <p:tgtEl>
+                                          <p:spTgt spid="96"/>
+                                        </p:tgtEl>
+                                        <p:attrNameLst>
+                                          <p:attrName>style.visibility</p:attrName>
+                                        </p:attrNameLst>
+                                      </p:cBhvr>
+                                      <p:to>
+                                        <p:strVal val="hidden"/>
+                                      </p:to>
+                                    </p:set>
+                                  </p:childTnLst>
+                                </p:cTn>
+                              </p:par>
+                            </p:childTnLst>
+                          </p:cTn>
+                        </p:par>
+                      </p:childTnLst>
+                    </p:cTn>
+                  </p:par>
                 </p:childTnLst>
               </p:cTn>
               <p:prevCondLst>
@@ -13237,11 +13605,16 @@
       <p:bldP spid="55" grpId="0"/>
       <p:bldP spid="56" grpId="0"/>
       <p:bldP spid="65" grpId="0" animBg="1"/>
+      <p:bldP spid="65" grpId="1" animBg="1"/>
       <p:bldP spid="69" grpId="0"/>
+      <p:bldP spid="69" grpId="1"/>
       <p:bldP spid="70" grpId="0"/>
+      <p:bldP spid="70" grpId="1"/>
       <p:bldP spid="71" grpId="0"/>
       <p:bldP spid="71" grpId="1"/>
+      <p:bldP spid="71" grpId="2"/>
       <p:bldP spid="72" grpId="0"/>
+      <p:bldP spid="72" grpId="1"/>
       <p:bldP spid="73" grpId="0" animBg="1"/>
       <p:bldP spid="77" grpId="0"/>
       <p:bldP spid="78" grpId="0"/>
@@ -13259,10 +13632,12 @@
       <p:bldP spid="90" grpId="0"/>
       <p:bldP spid="91" grpId="0"/>
       <p:bldP spid="92" grpId="0"/>
+      <p:bldP spid="92" grpId="1"/>
       <p:bldP spid="93" grpId="0"/>
       <p:bldP spid="94" grpId="0" animBg="1"/>
       <p:bldP spid="95" grpId="0" animBg="1"/>
       <p:bldP spid="96" grpId="0" animBg="1"/>
+      <p:bldP spid="96" grpId="1" animBg="1"/>
       <p:bldP spid="97" grpId="0" animBg="1"/>
     </p:bldLst>
   </p:timing>

--- a/TrabajoSI.pptx
+++ b/TrabajoSI.pptx
@@ -632,7 +632,7 @@
           <a:effectLst/>
           <a:extLst>
             <a:ext uri="{91240B29-F687-4f45-9708-019B960494DF}">
-              <a14:hiddenLine xmlns:a14="http://schemas.microsoft.com/office/drawing/2010/main" xmlns="" w="9525">
+              <a14:hiddenLine xmlns="" xmlns:a14="http://schemas.microsoft.com/office/drawing/2010/main" w="9525">
                 <a:solidFill>
                   <a:srgbClr val="000000"/>
                 </a:solidFill>
@@ -2154,7 +2154,7 @@
           <a:ln/>
           <a:extLst>
             <a:ext uri="{91240B29-F687-4f45-9708-019B960494DF}">
-              <a14:hiddenLine xmlns:a14="http://schemas.microsoft.com/office/drawing/2010/main" xmlns="" w="9525">
+              <a14:hiddenLine xmlns="" xmlns:a14="http://schemas.microsoft.com/office/drawing/2010/main" w="9525">
                 <a:solidFill>
                   <a:srgbClr val="000000"/>
                 </a:solidFill>
@@ -2429,7 +2429,7 @@
           <a:ln/>
           <a:extLst>
             <a:ext uri="{91240B29-F687-4f45-9708-019B960494DF}">
-              <a14:hiddenLine xmlns:a14="http://schemas.microsoft.com/office/drawing/2010/main" xmlns="" w="9525">
+              <a14:hiddenLine xmlns="" xmlns:a14="http://schemas.microsoft.com/office/drawing/2010/main" w="9525">
                 <a:solidFill>
                   <a:srgbClr val="000000"/>
                 </a:solidFill>
@@ -2712,7 +2712,7 @@
           <a:ln/>
           <a:extLst>
             <a:ext uri="{91240B29-F687-4f45-9708-019B960494DF}">
-              <a14:hiddenLine xmlns:a14="http://schemas.microsoft.com/office/drawing/2010/main" xmlns="" w="9525">
+              <a14:hiddenLine xmlns="" xmlns:a14="http://schemas.microsoft.com/office/drawing/2010/main" w="9525">
                 <a:solidFill>
                   <a:srgbClr val="000000"/>
                 </a:solidFill>
@@ -3338,7 +3338,7 @@
           <a:ln/>
           <a:extLst>
             <a:ext uri="{91240B29-F687-4f45-9708-019B960494DF}">
-              <a14:hiddenLine xmlns:a14="http://schemas.microsoft.com/office/drawing/2010/main" xmlns="" w="9525">
+              <a14:hiddenLine xmlns="" xmlns:a14="http://schemas.microsoft.com/office/drawing/2010/main" w="9525">
                 <a:solidFill>
                   <a:srgbClr val="000000"/>
                 </a:solidFill>
@@ -3677,7 +3677,7 @@
           <a:ln/>
           <a:extLst>
             <a:ext uri="{91240B29-F687-4f45-9708-019B960494DF}">
-              <a14:hiddenLine xmlns:a14="http://schemas.microsoft.com/office/drawing/2010/main" xmlns="" w="9525">
+              <a14:hiddenLine xmlns="" xmlns:a14="http://schemas.microsoft.com/office/drawing/2010/main" w="9525">
                 <a:solidFill>
                   <a:srgbClr val="000000"/>
                 </a:solidFill>
@@ -4154,7 +4154,7 @@
           <a:ln/>
           <a:extLst>
             <a:ext uri="{91240B29-F687-4f45-9708-019B960494DF}">
-              <a14:hiddenLine xmlns:a14="http://schemas.microsoft.com/office/drawing/2010/main" xmlns="" w="9525">
+              <a14:hiddenLine xmlns="" xmlns:a14="http://schemas.microsoft.com/office/drawing/2010/main" w="9525">
                 <a:solidFill>
                   <a:srgbClr val="000000"/>
                 </a:solidFill>
@@ -4583,7 +4583,7 @@
           <a:ln/>
           <a:extLst>
             <a:ext uri="{91240B29-F687-4f45-9708-019B960494DF}">
-              <a14:hiddenLine xmlns:a14="http://schemas.microsoft.com/office/drawing/2010/main" xmlns="" w="9525">
+              <a14:hiddenLine xmlns="" xmlns:a14="http://schemas.microsoft.com/office/drawing/2010/main" w="9525">
                 <a:solidFill>
                   <a:srgbClr val="000000"/>
                 </a:solidFill>
@@ -5934,7 +5934,7 @@
           <a:p>
             <a:r>
               <a:rPr lang="es-ES" dirty="0"/>
-              <a:t>Rafael Gómez</a:t>
+              <a:t>Rafael Gutiérrez</a:t>
             </a:r>
           </a:p>
           <a:p>
@@ -15726,7 +15726,23 @@
             </a:r>
             <a:r>
               <a:rPr lang="es-ES" sz="2000" dirty="0"/>
-              <a:t> donde almacenaremos la distancia de cada uno de los satélites entre ellos. (Esto se realiza en Matlab mediante el comando </a:t>
+              <a:t> donde almacenaremos la </a:t>
+            </a:r>
+            <a:r>
+              <a:rPr lang="es-ES" sz="2000"/>
+              <a:t>distancia entre </a:t>
+            </a:r>
+            <a:r>
+              <a:rPr lang="es-ES" sz="2000" dirty="0"/>
+              <a:t>cada uno de </a:t>
+            </a:r>
+            <a:r>
+              <a:rPr lang="es-ES" sz="2000"/>
+              <a:t>los satélites. </a:t>
+            </a:r>
+            <a:r>
+              <a:rPr lang="es-ES" sz="2000" dirty="0"/>
+              <a:t>(Esto se realiza en Matlab mediante el comando </a:t>
             </a:r>
             <a:r>
               <a:rPr lang="es-ES" sz="2000" i="1" dirty="0" err="1"/>

--- a/TrabajoSI.pptx
+++ b/TrabajoSI.pptx
@@ -7115,7 +7115,7 @@
         </p:spPr>
         <p:txBody>
           <a:bodyPr>
-            <a:normAutofit fontScale="70000" lnSpcReduction="20000"/>
+            <a:normAutofit fontScale="85000" lnSpcReduction="20000"/>
           </a:bodyPr>
           <a:lstStyle/>
           <a:p>
@@ -7151,13 +7151,12 @@
             </a:r>
             <a:r>
               <a:rPr lang="en-US" dirty="0"/>
-              <a:t>: number of max iterations</a:t>
-            </a:r>
-          </a:p>
-          <a:p>
-            <a:pPr marL="457200" lvl="1" indent="0">
-              <a:buNone/>
-            </a:pPr>
+              <a:t>: number of </a:t>
+            </a:r>
+            <a:r>
+              <a:rPr lang="en-US"/>
+              <a:t>max iterations</a:t>
+            </a:r>
             <a:endParaRPr lang="es-ES" b="1" dirty="0"/>
           </a:p>
           <a:p>
@@ -7217,9 +7216,6 @@
               <a:rPr lang="en-US" dirty="0"/>
               <a:t>: number of representants (in this case: 40)</a:t>
             </a:r>
-          </a:p>
-          <a:p>
-            <a:pPr lvl="1"/>
             <a:endParaRPr lang="es-ES" b="1" dirty="0"/>
           </a:p>
           <a:p>
@@ -15726,23 +15722,7 @@
             </a:r>
             <a:r>
               <a:rPr lang="es-ES" sz="2000" dirty="0"/>
-              <a:t> donde almacenaremos la </a:t>
-            </a:r>
-            <a:r>
-              <a:rPr lang="es-ES" sz="2000"/>
-              <a:t>distancia entre </a:t>
-            </a:r>
-            <a:r>
-              <a:rPr lang="es-ES" sz="2000" dirty="0"/>
-              <a:t>cada uno de </a:t>
-            </a:r>
-            <a:r>
-              <a:rPr lang="es-ES" sz="2000"/>
-              <a:t>los satélites. </a:t>
-            </a:r>
-            <a:r>
-              <a:rPr lang="es-ES" sz="2000" dirty="0"/>
-              <a:t>(Esto se realiza en Matlab mediante el comando </a:t>
+              <a:t> donde almacenaremos la distancia entre cada uno de los satélites. (Esto se realiza en Matlab mediante el comando </a:t>
             </a:r>
             <a:r>
               <a:rPr lang="es-ES" sz="2000" i="1" dirty="0" err="1"/>
@@ -15886,7 +15866,7 @@
         </p:spPr>
         <p:txBody>
           <a:bodyPr>
-            <a:normAutofit fontScale="92500" lnSpcReduction="20000"/>
+            <a:normAutofit fontScale="85000" lnSpcReduction="20000"/>
           </a:bodyPr>
           <a:lstStyle/>
           <a:p>
@@ -16108,7 +16088,7 @@
             </a:r>
             <a:r>
               <a:rPr lang="en-US" b="1" dirty="0" err="1"/>
-              <a:t>condición</a:t>
+              <a:t>parada</a:t>
             </a:r>
             <a:r>
               <a:rPr lang="en-US" b="1" dirty="0"/>
@@ -16165,6 +16145,38 @@
               <a:rPr lang="en-US" dirty="0"/>
               <a:t> actual</a:t>
             </a:r>
+          </a:p>
+          <a:p>
+            <a:pPr lvl="1"/>
+            <a:r>
+              <a:rPr lang="en-US" b="1" dirty="0" err="1"/>
+              <a:t>mejora</a:t>
+            </a:r>
+            <a:r>
+              <a:rPr lang="en-US" b="1" dirty="0"/>
+              <a:t>: </a:t>
+            </a:r>
+            <a:r>
+              <a:rPr lang="en-US" dirty="0" err="1"/>
+              <a:t>controla</a:t>
+            </a:r>
+            <a:r>
+              <a:rPr lang="en-US" dirty="0"/>
+              <a:t> que la población </a:t>
+            </a:r>
+            <a:r>
+              <a:rPr lang="en-US" dirty="0" err="1"/>
+              <a:t>vaya</a:t>
+            </a:r>
+            <a:r>
+              <a:rPr lang="en-US" dirty="0"/>
+              <a:t> </a:t>
+            </a:r>
+            <a:r>
+              <a:rPr lang="en-US" dirty="0" err="1"/>
+              <a:t>mejorando</a:t>
+            </a:r>
+            <a:endParaRPr lang="en-US" b="1" dirty="0"/>
           </a:p>
           <a:p>
             <a:r>

--- a/TrabajoSI.pptx
+++ b/TrabajoSI.pptx
@@ -632,7 +632,7 @@
           <a:effectLst/>
           <a:extLst>
             <a:ext uri="{91240B29-F687-4f45-9708-019B960494DF}">
-              <a14:hiddenLine xmlns="" xmlns:a14="http://schemas.microsoft.com/office/drawing/2010/main" w="9525">
+              <a14:hiddenLine xmlns:a14="http://schemas.microsoft.com/office/drawing/2010/main" xmlns="" w="9525">
                 <a:solidFill>
                   <a:srgbClr val="000000"/>
                 </a:solidFill>
@@ -2154,7 +2154,7 @@
           <a:ln/>
           <a:extLst>
             <a:ext uri="{91240B29-F687-4f45-9708-019B960494DF}">
-              <a14:hiddenLine xmlns="" xmlns:a14="http://schemas.microsoft.com/office/drawing/2010/main" w="9525">
+              <a14:hiddenLine xmlns:a14="http://schemas.microsoft.com/office/drawing/2010/main" xmlns="" w="9525">
                 <a:solidFill>
                   <a:srgbClr val="000000"/>
                 </a:solidFill>
@@ -2429,7 +2429,7 @@
           <a:ln/>
           <a:extLst>
             <a:ext uri="{91240B29-F687-4f45-9708-019B960494DF}">
-              <a14:hiddenLine xmlns="" xmlns:a14="http://schemas.microsoft.com/office/drawing/2010/main" w="9525">
+              <a14:hiddenLine xmlns:a14="http://schemas.microsoft.com/office/drawing/2010/main" xmlns="" w="9525">
                 <a:solidFill>
                   <a:srgbClr val="000000"/>
                 </a:solidFill>
@@ -2712,7 +2712,7 @@
           <a:ln/>
           <a:extLst>
             <a:ext uri="{91240B29-F687-4f45-9708-019B960494DF}">
-              <a14:hiddenLine xmlns="" xmlns:a14="http://schemas.microsoft.com/office/drawing/2010/main" w="9525">
+              <a14:hiddenLine xmlns:a14="http://schemas.microsoft.com/office/drawing/2010/main" xmlns="" w="9525">
                 <a:solidFill>
                   <a:srgbClr val="000000"/>
                 </a:solidFill>
@@ -3338,7 +3338,7 @@
           <a:ln/>
           <a:extLst>
             <a:ext uri="{91240B29-F687-4f45-9708-019B960494DF}">
-              <a14:hiddenLine xmlns="" xmlns:a14="http://schemas.microsoft.com/office/drawing/2010/main" w="9525">
+              <a14:hiddenLine xmlns:a14="http://schemas.microsoft.com/office/drawing/2010/main" xmlns="" w="9525">
                 <a:solidFill>
                   <a:srgbClr val="000000"/>
                 </a:solidFill>
@@ -3677,7 +3677,7 @@
           <a:ln/>
           <a:extLst>
             <a:ext uri="{91240B29-F687-4f45-9708-019B960494DF}">
-              <a14:hiddenLine xmlns="" xmlns:a14="http://schemas.microsoft.com/office/drawing/2010/main" w="9525">
+              <a14:hiddenLine xmlns:a14="http://schemas.microsoft.com/office/drawing/2010/main" xmlns="" w="9525">
                 <a:solidFill>
                   <a:srgbClr val="000000"/>
                 </a:solidFill>
@@ -4154,7 +4154,7 @@
           <a:ln/>
           <a:extLst>
             <a:ext uri="{91240B29-F687-4f45-9708-019B960494DF}">
-              <a14:hiddenLine xmlns="" xmlns:a14="http://schemas.microsoft.com/office/drawing/2010/main" w="9525">
+              <a14:hiddenLine xmlns:a14="http://schemas.microsoft.com/office/drawing/2010/main" xmlns="" w="9525">
                 <a:solidFill>
                   <a:srgbClr val="000000"/>
                 </a:solidFill>
@@ -4583,7 +4583,7 @@
           <a:ln/>
           <a:extLst>
             <a:ext uri="{91240B29-F687-4f45-9708-019B960494DF}">
-              <a14:hiddenLine xmlns="" xmlns:a14="http://schemas.microsoft.com/office/drawing/2010/main" w="9525">
+              <a14:hiddenLine xmlns:a14="http://schemas.microsoft.com/office/drawing/2010/main" xmlns="" w="9525">
                 <a:solidFill>
                   <a:srgbClr val="000000"/>
                 </a:solidFill>
@@ -7121,7 +7121,7 @@
           <a:p>
             <a:r>
               <a:rPr lang="es-ES" b="1" dirty="0"/>
-              <a:t>Variables de condición</a:t>
+              <a:t>Variables de parada</a:t>
             </a:r>
           </a:p>
           <a:p>
@@ -7132,15 +7132,31 @@
             </a:r>
             <a:r>
               <a:rPr lang="en-US" dirty="0"/>
-              <a:t>: counter of generations where the </a:t>
+              <a:t>: </a:t>
             </a:r>
             <a:r>
               <a:rPr lang="en-US" dirty="0" err="1"/>
-              <a:t>poblation</a:t>
+              <a:t>contador</a:t>
             </a:r>
             <a:r>
               <a:rPr lang="en-US" dirty="0"/>
-              <a:t> doesn't improve</a:t>
+              <a:t> de </a:t>
+            </a:r>
+            <a:r>
+              <a:rPr lang="en-US" dirty="0" err="1"/>
+              <a:t>generaciones</a:t>
+            </a:r>
+            <a:r>
+              <a:rPr lang="en-US" dirty="0"/>
+              <a:t> que no </a:t>
+            </a:r>
+            <a:r>
+              <a:rPr lang="en-US" dirty="0" err="1"/>
+              <a:t>mejoran</a:t>
+            </a:r>
+            <a:r>
+              <a:rPr lang="en-US" dirty="0"/>
+              <a:t> </a:t>
             </a:r>
           </a:p>
           <a:p>
@@ -7151,11 +7167,19 @@
             </a:r>
             <a:r>
               <a:rPr lang="en-US" dirty="0"/>
-              <a:t>: number of </a:t>
-            </a:r>
-            <a:r>
-              <a:rPr lang="en-US"/>
-              <a:t>max iterations</a:t>
+              <a:t>: </a:t>
+            </a:r>
+            <a:r>
+              <a:rPr lang="es-ES" dirty="0"/>
+              <a:t>numero de </a:t>
+            </a:r>
+            <a:r>
+              <a:rPr lang="es-ES" dirty="0" err="1"/>
+              <a:t>maximas</a:t>
+            </a:r>
+            <a:r>
+              <a:rPr lang="es-ES" dirty="0"/>
+              <a:t> iteraciones</a:t>
             </a:r>
             <a:endParaRPr lang="es-ES" b="1" dirty="0"/>
           </a:p>
@@ -7173,8 +7197,21 @@
             </a:r>
             <a:r>
               <a:rPr lang="en-US" dirty="0"/>
-              <a:t>: matrix of positions</a:t>
-            </a:r>
+              <a:t>: </a:t>
+            </a:r>
+            <a:r>
+              <a:rPr lang="en-US" dirty="0" err="1"/>
+              <a:t>matriz</a:t>
+            </a:r>
+            <a:r>
+              <a:rPr lang="en-US" dirty="0"/>
+              <a:t> de </a:t>
+            </a:r>
+            <a:r>
+              <a:rPr lang="en-US" dirty="0" err="1"/>
+              <a:t>posiciones</a:t>
+            </a:r>
+            <a:endParaRPr lang="en-US" dirty="0"/>
           </a:p>
           <a:p>
             <a:pPr lvl="1"/>
@@ -7184,16 +7221,37 @@
             </a:r>
             <a:r>
               <a:rPr lang="en-US" dirty="0"/>
-              <a:t>: matrix of </a:t>
+              <a:t>: </a:t>
             </a:r>
             <a:r>
               <a:rPr lang="en-US" dirty="0" err="1"/>
-              <a:t>euclid</a:t>
+              <a:t>matriz</a:t>
             </a:r>
             <a:r>
               <a:rPr lang="en-US" dirty="0"/>
-              <a:t> distance of each satellite to each other</a:t>
-            </a:r>
+              <a:t> de </a:t>
+            </a:r>
+            <a:r>
+              <a:rPr lang="en-US" dirty="0" err="1"/>
+              <a:t>distancia</a:t>
+            </a:r>
+            <a:r>
+              <a:rPr lang="en-US" dirty="0"/>
+              <a:t> </a:t>
+            </a:r>
+            <a:r>
+              <a:rPr lang="en-US" dirty="0" err="1"/>
+              <a:t>euclidea</a:t>
+            </a:r>
+            <a:r>
+              <a:rPr lang="en-US" dirty="0"/>
+              <a:t> entre los </a:t>
+            </a:r>
+            <a:r>
+              <a:rPr lang="en-US" dirty="0" err="1"/>
+              <a:t>satelites</a:t>
+            </a:r>
+            <a:endParaRPr lang="en-US" dirty="0"/>
           </a:p>
           <a:p>
             <a:pPr lvl="1"/>
@@ -7203,7 +7261,39 @@
             </a:r>
             <a:r>
               <a:rPr lang="en-US" dirty="0"/>
-              <a:t>: number of satellites (in this case: 500)</a:t>
+              <a:t>: </a:t>
+            </a:r>
+            <a:r>
+              <a:rPr lang="en-US" dirty="0" err="1"/>
+              <a:t>numero</a:t>
+            </a:r>
+            <a:r>
+              <a:rPr lang="en-US" dirty="0"/>
+              <a:t> de </a:t>
+            </a:r>
+            <a:r>
+              <a:rPr lang="en-US" dirty="0" err="1"/>
+              <a:t>satelites</a:t>
+            </a:r>
+            <a:r>
+              <a:rPr lang="en-US" dirty="0"/>
+              <a:t> (</a:t>
+            </a:r>
+            <a:r>
+              <a:rPr lang="en-US" dirty="0" err="1"/>
+              <a:t>en</a:t>
+            </a:r>
+            <a:r>
+              <a:rPr lang="en-US" dirty="0"/>
+              <a:t> </a:t>
+            </a:r>
+            <a:r>
+              <a:rPr lang="en-US" dirty="0" err="1"/>
+              <a:t>este</a:t>
+            </a:r>
+            <a:r>
+              <a:rPr lang="en-US" dirty="0"/>
+              <a:t> caso:500)</a:t>
             </a:r>
           </a:p>
           <a:p>
@@ -7214,7 +7304,11 @@
             </a:r>
             <a:r>
               <a:rPr lang="en-US" dirty="0"/>
-              <a:t>: number of representants (in this case: 40)</a:t>
+              <a:t>: </a:t>
+            </a:r>
+            <a:r>
+              <a:rPr lang="es-ES" dirty="0"/>
+              <a:t>numero de representantes(en este caso:40)</a:t>
             </a:r>
             <a:endParaRPr lang="es-ES" b="1" dirty="0"/>
           </a:p>
@@ -7232,7 +7326,15 @@
             </a:r>
             <a:r>
               <a:rPr lang="en-US" dirty="0"/>
-              <a:t>: current iteration</a:t>
+              <a:t>: </a:t>
+            </a:r>
+            <a:r>
+              <a:rPr lang="en-US" dirty="0" err="1"/>
+              <a:t>iteracion</a:t>
+            </a:r>
+            <a:r>
+              <a:rPr lang="en-US" dirty="0"/>
+              <a:t> actual</a:t>
             </a:r>
           </a:p>
           <a:p>
@@ -7243,7 +7345,15 @@
             </a:r>
             <a:r>
               <a:rPr lang="en-US" dirty="0"/>
-              <a:t>: current individual</a:t>
+              <a:t>: </a:t>
+            </a:r>
+            <a:r>
+              <a:rPr lang="en-US" dirty="0" err="1"/>
+              <a:t>individuo</a:t>
+            </a:r>
+            <a:r>
+              <a:rPr lang="en-US" dirty="0"/>
+              <a:t> actual</a:t>
             </a:r>
           </a:p>
           <a:p>
@@ -7254,8 +7364,21 @@
             </a:r>
             <a:r>
               <a:rPr lang="en-US" dirty="0"/>
-              <a:t>: successors list</a:t>
-            </a:r>
+              <a:t>: </a:t>
+            </a:r>
+            <a:r>
+              <a:rPr lang="en-US" dirty="0" err="1"/>
+              <a:t>lista</a:t>
+            </a:r>
+            <a:r>
+              <a:rPr lang="en-US" dirty="0"/>
+              <a:t> de </a:t>
+            </a:r>
+            <a:r>
+              <a:rPr lang="en-US" dirty="0" err="1"/>
+              <a:t>sucesores</a:t>
+            </a:r>
+            <a:endParaRPr lang="en-US" dirty="0"/>
           </a:p>
           <a:p>
             <a:pPr lvl="1"/>
@@ -7265,11 +7388,27 @@
             </a:r>
             <a:r>
               <a:rPr lang="en-US" dirty="0"/>
-              <a:t>: fitness of the last Best </a:t>
+              <a:t>: </a:t>
             </a:r>
             <a:r>
               <a:rPr lang="en-US" dirty="0" err="1"/>
-              <a:t>inidividual</a:t>
+              <a:t>evaluación</a:t>
+            </a:r>
+            <a:r>
+              <a:rPr lang="en-US" dirty="0"/>
+              <a:t> del </a:t>
+            </a:r>
+            <a:r>
+              <a:rPr lang="en-US" dirty="0" err="1"/>
+              <a:t>mejor</a:t>
+            </a:r>
+            <a:r>
+              <a:rPr lang="en-US" dirty="0"/>
+              <a:t> </a:t>
+            </a:r>
+            <a:r>
+              <a:rPr lang="en-US" dirty="0" err="1"/>
+              <a:t>individuo</a:t>
             </a:r>
             <a:endParaRPr lang="en-US" dirty="0"/>
           </a:p>
@@ -7281,7 +7420,15 @@
             </a:r>
             <a:r>
               <a:rPr lang="en-US" dirty="0"/>
-              <a:t>: fitness of the current Best</a:t>
+              <a:t>: </a:t>
+            </a:r>
+            <a:r>
+              <a:rPr lang="en-US" dirty="0" err="1"/>
+              <a:t>evaluación</a:t>
+            </a:r>
+            <a:r>
+              <a:rPr lang="en-US" dirty="0"/>
+              <a:t> del major actual</a:t>
             </a:r>
           </a:p>
           <a:p>
@@ -7292,7 +7439,7 @@
             </a:r>
             <a:r>
               <a:rPr lang="en-US" dirty="0"/>
-              <a:t>: Taboo List</a:t>
+              <a:t>: Lista Taboo</a:t>
             </a:r>
           </a:p>
         </p:txBody>
